--- a/扒一扒Java IO那些事儿.pptx
+++ b/扒一扒Java IO那些事儿.pptx
@@ -6,13 +6,17 @@
   </p:sldMasterIdLst>
   <p:sldIdLst>
     <p:sldId id="256" r:id="rId2"/>
-    <p:sldId id="257" r:id="rId3"/>
-    <p:sldId id="262" r:id="rId4"/>
-    <p:sldId id="258" r:id="rId5"/>
-    <p:sldId id="261" r:id="rId6"/>
-    <p:sldId id="263" r:id="rId7"/>
-    <p:sldId id="259" r:id="rId8"/>
-    <p:sldId id="260" r:id="rId9"/>
+    <p:sldId id="266" r:id="rId3"/>
+    <p:sldId id="257" r:id="rId4"/>
+    <p:sldId id="264" r:id="rId5"/>
+    <p:sldId id="265" r:id="rId6"/>
+    <p:sldId id="267" r:id="rId7"/>
+    <p:sldId id="262" r:id="rId8"/>
+    <p:sldId id="258" r:id="rId9"/>
+    <p:sldId id="261" r:id="rId10"/>
+    <p:sldId id="263" r:id="rId11"/>
+    <p:sldId id="259" r:id="rId12"/>
+    <p:sldId id="260" r:id="rId13"/>
   </p:sldIdLst>
   <p:sldSz cx="9144000" cy="6858000" type="screen4x3"/>
   <p:notesSz cx="6858000" cy="9144000"/>
@@ -295,7 +299,7 @@
           <a:p>
             <a:fld id="{FCBC4343-494B-425E-AA82-E9AF8325E412}" type="datetimeFigureOut">
               <a:rPr lang="zh-CN" altLang="en-US" smtClean="0"/>
-              <a:t>2016-12-06</a:t>
+              <a:t>2016-12-07</a:t>
             </a:fld>
             <a:endParaRPr lang="zh-CN" altLang="en-US"/>
           </a:p>
@@ -465,7 +469,7 @@
           <a:p>
             <a:fld id="{FCBC4343-494B-425E-AA82-E9AF8325E412}" type="datetimeFigureOut">
               <a:rPr lang="zh-CN" altLang="en-US" smtClean="0"/>
-              <a:t>2016-12-06</a:t>
+              <a:t>2016-12-07</a:t>
             </a:fld>
             <a:endParaRPr lang="zh-CN" altLang="en-US"/>
           </a:p>
@@ -645,7 +649,7 @@
           <a:p>
             <a:fld id="{FCBC4343-494B-425E-AA82-E9AF8325E412}" type="datetimeFigureOut">
               <a:rPr lang="zh-CN" altLang="en-US" smtClean="0"/>
-              <a:t>2016-12-06</a:t>
+              <a:t>2016-12-07</a:t>
             </a:fld>
             <a:endParaRPr lang="zh-CN" altLang="en-US"/>
           </a:p>
@@ -815,7 +819,7 @@
           <a:p>
             <a:fld id="{FCBC4343-494B-425E-AA82-E9AF8325E412}" type="datetimeFigureOut">
               <a:rPr lang="zh-CN" altLang="en-US" smtClean="0"/>
-              <a:t>2016-12-06</a:t>
+              <a:t>2016-12-07</a:t>
             </a:fld>
             <a:endParaRPr lang="zh-CN" altLang="en-US"/>
           </a:p>
@@ -1061,7 +1065,7 @@
           <a:p>
             <a:fld id="{FCBC4343-494B-425E-AA82-E9AF8325E412}" type="datetimeFigureOut">
               <a:rPr lang="zh-CN" altLang="en-US" smtClean="0"/>
-              <a:t>2016-12-06</a:t>
+              <a:t>2016-12-07</a:t>
             </a:fld>
             <a:endParaRPr lang="zh-CN" altLang="en-US"/>
           </a:p>
@@ -1349,7 +1353,7 @@
           <a:p>
             <a:fld id="{FCBC4343-494B-425E-AA82-E9AF8325E412}" type="datetimeFigureOut">
               <a:rPr lang="zh-CN" altLang="en-US" smtClean="0"/>
-              <a:t>2016-12-06</a:t>
+              <a:t>2016-12-07</a:t>
             </a:fld>
             <a:endParaRPr lang="zh-CN" altLang="en-US"/>
           </a:p>
@@ -1771,7 +1775,7 @@
           <a:p>
             <a:fld id="{FCBC4343-494B-425E-AA82-E9AF8325E412}" type="datetimeFigureOut">
               <a:rPr lang="zh-CN" altLang="en-US" smtClean="0"/>
-              <a:t>2016-12-06</a:t>
+              <a:t>2016-12-07</a:t>
             </a:fld>
             <a:endParaRPr lang="zh-CN" altLang="en-US"/>
           </a:p>
@@ -1889,7 +1893,7 @@
           <a:p>
             <a:fld id="{FCBC4343-494B-425E-AA82-E9AF8325E412}" type="datetimeFigureOut">
               <a:rPr lang="zh-CN" altLang="en-US" smtClean="0"/>
-              <a:t>2016-12-06</a:t>
+              <a:t>2016-12-07</a:t>
             </a:fld>
             <a:endParaRPr lang="zh-CN" altLang="en-US"/>
           </a:p>
@@ -1984,7 +1988,7 @@
           <a:p>
             <a:fld id="{FCBC4343-494B-425E-AA82-E9AF8325E412}" type="datetimeFigureOut">
               <a:rPr lang="zh-CN" altLang="en-US" smtClean="0"/>
-              <a:t>2016-12-06</a:t>
+              <a:t>2016-12-07</a:t>
             </a:fld>
             <a:endParaRPr lang="zh-CN" altLang="en-US"/>
           </a:p>
@@ -2261,7 +2265,7 @@
           <a:p>
             <a:fld id="{FCBC4343-494B-425E-AA82-E9AF8325E412}" type="datetimeFigureOut">
               <a:rPr lang="zh-CN" altLang="en-US" smtClean="0"/>
-              <a:t>2016-12-06</a:t>
+              <a:t>2016-12-07</a:t>
             </a:fld>
             <a:endParaRPr lang="zh-CN" altLang="en-US"/>
           </a:p>
@@ -2514,7 +2518,7 @@
           <a:p>
             <a:fld id="{FCBC4343-494B-425E-AA82-E9AF8325E412}" type="datetimeFigureOut">
               <a:rPr lang="zh-CN" altLang="en-US" smtClean="0"/>
-              <a:t>2016-12-06</a:t>
+              <a:t>2016-12-07</a:t>
             </a:fld>
             <a:endParaRPr lang="zh-CN" altLang="en-US"/>
           </a:p>
@@ -2727,7 +2731,7 @@
           <a:p>
             <a:fld id="{FCBC4343-494B-425E-AA82-E9AF8325E412}" type="datetimeFigureOut">
               <a:rPr lang="zh-CN" altLang="en-US" smtClean="0"/>
-              <a:t>2016-12-06</a:t>
+              <a:t>2016-12-07</a:t>
             </a:fld>
             <a:endParaRPr lang="zh-CN" altLang="en-US"/>
           </a:p>
@@ -3123,7 +3127,15 @@
             </a:r>
             <a:r>
               <a:rPr lang="en-US" altLang="zh-CN" dirty="0" smtClean="0"/>
-              <a:t>Java IO</a:t>
+              <a:t>Java </a:t>
+            </a:r>
+            <a:r>
+              <a:rPr lang="en-US" altLang="zh-CN" dirty="0" smtClean="0"/>
+              <a:t>IO</a:t>
+            </a:r>
+            <a:r>
+              <a:rPr lang="zh-CN" altLang="en-US" dirty="0" smtClean="0"/>
+              <a:t>那些事儿</a:t>
             </a:r>
             <a:endParaRPr lang="zh-CN" altLang="en-US" dirty="0"/>
           </a:p>
@@ -3152,6 +3164,316 @@
     <p:extLst>
       <p:ext uri="{BB962C8B-B14F-4D97-AF65-F5344CB8AC3E}">
         <p14:creationId xmlns:p14="http://schemas.microsoft.com/office/powerpoint/2010/main" val="2987164613"/>
+      </p:ext>
+    </p:extLst>
+  </p:cSld>
+  <p:clrMapOvr>
+    <a:masterClrMapping/>
+  </p:clrMapOvr>
+</p:sld>
+</file>
+
+<file path=ppt/slides/slide10.xml><?xml version="1.0" encoding="utf-8"?>
+<p:sld xmlns:a="http://schemas.openxmlformats.org/drawingml/2006/main" xmlns:r="http://schemas.openxmlformats.org/officeDocument/2006/relationships" xmlns:p="http://schemas.openxmlformats.org/presentationml/2006/main">
+  <p:cSld>
+    <p:spTree>
+      <p:nvGrpSpPr>
+        <p:cNvPr id="1" name=""/>
+        <p:cNvGrpSpPr/>
+        <p:nvPr/>
+      </p:nvGrpSpPr>
+      <p:grpSpPr>
+        <a:xfrm>
+          <a:off x="0" y="0"/>
+          <a:ext cx="0" cy="0"/>
+          <a:chOff x="0" y="0"/>
+          <a:chExt cx="0" cy="0"/>
+        </a:xfrm>
+      </p:grpSpPr>
+      <p:sp>
+        <p:nvSpPr>
+          <p:cNvPr id="2" name="标题 1"/>
+          <p:cNvSpPr>
+            <a:spLocks noGrp="1"/>
+          </p:cNvSpPr>
+          <p:nvPr>
+            <p:ph type="title"/>
+          </p:nvPr>
+        </p:nvSpPr>
+        <p:spPr/>
+        <p:txBody>
+          <a:bodyPr/>
+          <a:lstStyle/>
+          <a:p>
+            <a:r>
+              <a:rPr lang="en-US" altLang="zh-CN" dirty="0" err="1" smtClean="0"/>
+              <a:t>DirectByteBuffer</a:t>
+            </a:r>
+            <a:endParaRPr lang="zh-CN" altLang="en-US" dirty="0"/>
+          </a:p>
+        </p:txBody>
+      </p:sp>
+      <p:sp>
+        <p:nvSpPr>
+          <p:cNvPr id="3" name="内容占位符 2"/>
+          <p:cNvSpPr>
+            <a:spLocks noGrp="1"/>
+          </p:cNvSpPr>
+          <p:nvPr>
+            <p:ph idx="1"/>
+          </p:nvPr>
+        </p:nvSpPr>
+        <p:spPr/>
+        <p:txBody>
+          <a:bodyPr/>
+          <a:lstStyle/>
+          <a:p>
+            <a:r>
+              <a:rPr lang="zh-CN" altLang="en-US" dirty="0"/>
+              <a:t>堆</a:t>
+            </a:r>
+            <a:r>
+              <a:rPr lang="zh-CN" altLang="en-US" dirty="0" smtClean="0"/>
+              <a:t>外内存</a:t>
+            </a:r>
+            <a:endParaRPr lang="en-US" altLang="zh-CN" dirty="0" smtClean="0"/>
+          </a:p>
+          <a:p>
+            <a:r>
+              <a:rPr lang="zh-CN" altLang="en-US" dirty="0" smtClean="0"/>
+              <a:t>内存释放 </a:t>
+            </a:r>
+            <a:r>
+              <a:rPr lang="en-US" altLang="zh-CN" dirty="0" err="1" smtClean="0"/>
+              <a:t>Deallocator</a:t>
+            </a:r>
+            <a:r>
+              <a:rPr lang="en-US" altLang="zh-CN" dirty="0"/>
+              <a:t> </a:t>
+            </a:r>
+            <a:r>
+              <a:rPr lang="en-US" altLang="zh-CN" dirty="0" smtClean="0"/>
+              <a:t>&amp; Cleaner</a:t>
+            </a:r>
+            <a:r>
+              <a:rPr lang="zh-CN" altLang="en-US" dirty="0" smtClean="0"/>
+              <a:t>（</a:t>
+            </a:r>
+            <a:r>
+              <a:rPr lang="en-US" altLang="zh-CN" dirty="0" smtClean="0"/>
+              <a:t>Java</a:t>
+            </a:r>
+            <a:r>
+              <a:rPr lang="zh-CN" altLang="en-US" dirty="0" smtClean="0"/>
+              <a:t>虚引用的应用场景）</a:t>
+            </a:r>
+            <a:endParaRPr lang="en-US" altLang="zh-CN" dirty="0" smtClean="0"/>
+          </a:p>
+          <a:p>
+            <a:r>
+              <a:rPr lang="en-US" altLang="zh-CN" dirty="0" smtClean="0"/>
+              <a:t>Underlying memory allocation &amp; free</a:t>
+            </a:r>
+            <a:r>
+              <a:rPr lang="zh-CN" altLang="en-US" dirty="0" smtClean="0"/>
+              <a:t>（</a:t>
+            </a:r>
+            <a:r>
+              <a:rPr lang="en-US" altLang="zh-CN" dirty="0" err="1" smtClean="0"/>
+              <a:t>JVM#Unsafe</a:t>
+            </a:r>
+            <a:r>
+              <a:rPr lang="zh-CN" altLang="en-US" dirty="0" smtClean="0"/>
+              <a:t>）</a:t>
+            </a:r>
+            <a:endParaRPr lang="zh-CN" altLang="en-US" dirty="0"/>
+          </a:p>
+        </p:txBody>
+      </p:sp>
+    </p:spTree>
+    <p:extLst>
+      <p:ext uri="{BB962C8B-B14F-4D97-AF65-F5344CB8AC3E}">
+        <p14:creationId xmlns:p14="http://schemas.microsoft.com/office/powerpoint/2010/main" val="2796647012"/>
+      </p:ext>
+    </p:extLst>
+  </p:cSld>
+  <p:clrMapOvr>
+    <a:masterClrMapping/>
+  </p:clrMapOvr>
+</p:sld>
+</file>
+
+<file path=ppt/slides/slide11.xml><?xml version="1.0" encoding="utf-8"?>
+<p:sld xmlns:a="http://schemas.openxmlformats.org/drawingml/2006/main" xmlns:r="http://schemas.openxmlformats.org/officeDocument/2006/relationships" xmlns:p="http://schemas.openxmlformats.org/presentationml/2006/main">
+  <p:cSld>
+    <p:spTree>
+      <p:nvGrpSpPr>
+        <p:cNvPr id="1" name=""/>
+        <p:cNvGrpSpPr/>
+        <p:nvPr/>
+      </p:nvGrpSpPr>
+      <p:grpSpPr>
+        <a:xfrm>
+          <a:off x="0" y="0"/>
+          <a:ext cx="0" cy="0"/>
+          <a:chOff x="0" y="0"/>
+          <a:chExt cx="0" cy="0"/>
+        </a:xfrm>
+      </p:grpSpPr>
+      <p:sp>
+        <p:nvSpPr>
+          <p:cNvPr id="2" name="标题 1"/>
+          <p:cNvSpPr>
+            <a:spLocks noGrp="1"/>
+          </p:cNvSpPr>
+          <p:nvPr>
+            <p:ph type="title"/>
+          </p:nvPr>
+        </p:nvSpPr>
+        <p:spPr/>
+        <p:txBody>
+          <a:bodyPr/>
+          <a:lstStyle/>
+          <a:p>
+            <a:r>
+              <a:rPr lang="en-US" altLang="zh-CN" dirty="0" smtClean="0"/>
+              <a:t>Channel</a:t>
+            </a:r>
+            <a:endParaRPr lang="zh-CN" altLang="en-US" dirty="0"/>
+          </a:p>
+        </p:txBody>
+      </p:sp>
+      <p:sp>
+        <p:nvSpPr>
+          <p:cNvPr id="3" name="内容占位符 2"/>
+          <p:cNvSpPr>
+            <a:spLocks noGrp="1"/>
+          </p:cNvSpPr>
+          <p:nvPr>
+            <p:ph idx="1"/>
+          </p:nvPr>
+        </p:nvSpPr>
+        <p:spPr/>
+        <p:txBody>
+          <a:bodyPr/>
+          <a:lstStyle/>
+          <a:p>
+            <a:endParaRPr lang="zh-CN" altLang="en-US"/>
+          </a:p>
+        </p:txBody>
+      </p:sp>
+    </p:spTree>
+    <p:extLst>
+      <p:ext uri="{BB962C8B-B14F-4D97-AF65-F5344CB8AC3E}">
+        <p14:creationId xmlns:p14="http://schemas.microsoft.com/office/powerpoint/2010/main" val="3893680555"/>
+      </p:ext>
+    </p:extLst>
+  </p:cSld>
+  <p:clrMapOvr>
+    <a:masterClrMapping/>
+  </p:clrMapOvr>
+</p:sld>
+</file>
+
+<file path=ppt/slides/slide12.xml><?xml version="1.0" encoding="utf-8"?>
+<p:sld xmlns:a="http://schemas.openxmlformats.org/drawingml/2006/main" xmlns:r="http://schemas.openxmlformats.org/officeDocument/2006/relationships" xmlns:p="http://schemas.openxmlformats.org/presentationml/2006/main">
+  <p:cSld>
+    <p:spTree>
+      <p:nvGrpSpPr>
+        <p:cNvPr id="1" name=""/>
+        <p:cNvGrpSpPr/>
+        <p:nvPr/>
+      </p:nvGrpSpPr>
+      <p:grpSpPr>
+        <a:xfrm>
+          <a:off x="0" y="0"/>
+          <a:ext cx="0" cy="0"/>
+          <a:chOff x="0" y="0"/>
+          <a:chExt cx="0" cy="0"/>
+        </a:xfrm>
+      </p:grpSpPr>
+      <p:sp>
+        <p:nvSpPr>
+          <p:cNvPr id="2" name="标题 1"/>
+          <p:cNvSpPr>
+            <a:spLocks noGrp="1"/>
+          </p:cNvSpPr>
+          <p:nvPr>
+            <p:ph type="title"/>
+          </p:nvPr>
+        </p:nvSpPr>
+        <p:spPr/>
+        <p:txBody>
+          <a:bodyPr/>
+          <a:lstStyle/>
+          <a:p>
+            <a:r>
+              <a:rPr lang="en-US" altLang="zh-CN" dirty="0" smtClean="0"/>
+              <a:t>Selector</a:t>
+            </a:r>
+            <a:endParaRPr lang="zh-CN" altLang="en-US" dirty="0"/>
+          </a:p>
+        </p:txBody>
+      </p:sp>
+      <p:sp>
+        <p:nvSpPr>
+          <p:cNvPr id="3" name="内容占位符 2"/>
+          <p:cNvSpPr>
+            <a:spLocks noGrp="1"/>
+          </p:cNvSpPr>
+          <p:nvPr>
+            <p:ph idx="1"/>
+          </p:nvPr>
+        </p:nvSpPr>
+        <p:spPr/>
+        <p:txBody>
+          <a:bodyPr/>
+          <a:lstStyle/>
+          <a:p>
+            <a:r>
+              <a:rPr lang="zh-CN" altLang="en-US" dirty="0" smtClean="0"/>
+              <a:t>操作系统</a:t>
+            </a:r>
+            <a:r>
+              <a:rPr lang="en-US" altLang="zh-CN" dirty="0" err="1" smtClean="0"/>
+              <a:t>io</a:t>
+            </a:r>
+            <a:r>
+              <a:rPr lang="zh-CN" altLang="en-US" dirty="0" smtClean="0"/>
+              <a:t>调用（</a:t>
+            </a:r>
+            <a:r>
+              <a:rPr lang="en-US" altLang="zh-CN" dirty="0" smtClean="0"/>
+              <a:t>select</a:t>
+            </a:r>
+            <a:r>
+              <a:rPr lang="zh-CN" altLang="en-US" dirty="0" smtClean="0"/>
+              <a:t>、</a:t>
+            </a:r>
+            <a:r>
+              <a:rPr lang="en-US" altLang="zh-CN" dirty="0" smtClean="0"/>
+              <a:t>poll</a:t>
+            </a:r>
+            <a:r>
+              <a:rPr lang="zh-CN" altLang="en-US" dirty="0" smtClean="0"/>
+              <a:t>、</a:t>
+            </a:r>
+            <a:r>
+              <a:rPr lang="en-US" altLang="zh-CN" dirty="0" err="1" smtClean="0"/>
+              <a:t>epool</a:t>
+            </a:r>
+            <a:r>
+              <a:rPr lang="zh-CN" altLang="en-US" dirty="0" smtClean="0"/>
+              <a:t>）</a:t>
+            </a:r>
+            <a:endParaRPr lang="zh-CN" altLang="en-US" dirty="0"/>
+          </a:p>
+        </p:txBody>
+      </p:sp>
+    </p:spTree>
+    <p:extLst>
+      <p:ext uri="{BB962C8B-B14F-4D97-AF65-F5344CB8AC3E}">
+        <p14:creationId xmlns:p14="http://schemas.microsoft.com/office/powerpoint/2010/main" val="3777469752"/>
       </p:ext>
     </p:extLst>
   </p:cSld>
@@ -3195,11 +3517,19 @@
           <a:p>
             <a:r>
               <a:rPr lang="zh-CN" altLang="en-US" dirty="0" smtClean="0"/>
-              <a:t>操作系统</a:t>
+              <a:t>从</a:t>
+            </a:r>
+            <a:r>
+              <a:rPr lang="en-US" altLang="zh-CN" dirty="0" err="1" smtClean="0"/>
+              <a:t>InputStream</a:t>
+            </a:r>
+            <a:r>
+              <a:rPr lang="zh-CN" altLang="en-US" dirty="0" smtClean="0"/>
+              <a:t>开始</a:t>
             </a:r>
             <a:r>
               <a:rPr lang="en-US" altLang="zh-CN" dirty="0" smtClean="0"/>
-              <a:t>IO</a:t>
+              <a:t>…</a:t>
             </a:r>
             <a:endParaRPr lang="zh-CN" altLang="en-US" dirty="0"/>
           </a:p>
@@ -3220,46 +3550,14 @@
           <a:bodyPr/>
           <a:lstStyle/>
           <a:p>
-            <a:r>
-              <a:rPr lang="zh-CN" altLang="en-US" dirty="0" smtClean="0"/>
-              <a:t>硬件设备（磁带、磁盘、</a:t>
-            </a:r>
-            <a:r>
-              <a:rPr lang="en-US" altLang="zh-CN" dirty="0" smtClean="0"/>
-              <a:t>SSD</a:t>
-            </a:r>
-            <a:r>
-              <a:rPr lang="zh-CN" altLang="en-US" dirty="0" smtClean="0"/>
-              <a:t>）</a:t>
-            </a:r>
-            <a:endParaRPr lang="en-US" altLang="zh-CN" dirty="0" smtClean="0"/>
-          </a:p>
-          <a:p>
-            <a:r>
-              <a:rPr lang="zh-CN" altLang="en-US" dirty="0" smtClean="0"/>
-              <a:t>驱动</a:t>
-            </a:r>
-            <a:endParaRPr lang="en-US" altLang="zh-CN" dirty="0" smtClean="0"/>
-          </a:p>
-          <a:p>
-            <a:r>
-              <a:rPr lang="en-US" altLang="zh-CN" dirty="0" smtClean="0"/>
-              <a:t>DMA</a:t>
-            </a:r>
-          </a:p>
-          <a:p>
-            <a:r>
-              <a:rPr lang="zh-CN" altLang="en-US" dirty="0" smtClean="0"/>
-              <a:t>操作系统内核缓冲区</a:t>
-            </a:r>
-            <a:endParaRPr lang="zh-CN" altLang="en-US" dirty="0"/>
+            <a:endParaRPr lang="zh-CN" altLang="en-US"/>
           </a:p>
         </p:txBody>
       </p:sp>
     </p:spTree>
     <p:extLst>
       <p:ext uri="{BB962C8B-B14F-4D97-AF65-F5344CB8AC3E}">
-        <p14:creationId xmlns:p14="http://schemas.microsoft.com/office/powerpoint/2010/main" val="842316347"/>
+        <p14:creationId xmlns:p14="http://schemas.microsoft.com/office/powerpoint/2010/main" val="3804736013"/>
       </p:ext>
     </p:extLst>
   </p:cSld>
@@ -3302,8 +3600,12 @@
           <a:lstStyle/>
           <a:p>
             <a:r>
+              <a:rPr lang="zh-CN" altLang="en-US" dirty="0" smtClean="0"/>
+              <a:t>操作系统</a:t>
+            </a:r>
+            <a:r>
               <a:rPr lang="en-US" altLang="zh-CN" dirty="0" smtClean="0"/>
-              <a:t>Java IO &amp; NIO</a:t>
+              <a:t>IO</a:t>
             </a:r>
             <a:endParaRPr lang="zh-CN" altLang="en-US" dirty="0"/>
           </a:p>
@@ -3326,69 +3628,251 @@
           <a:p>
             <a:r>
               <a:rPr lang="zh-CN" altLang="en-US" dirty="0" smtClean="0"/>
-              <a:t>传统的</a:t>
+              <a:t>硬件设备（磁带、磁盘、</a:t>
             </a:r>
             <a:r>
               <a:rPr lang="en-US" altLang="zh-CN" dirty="0" smtClean="0"/>
-              <a:t>Java IO</a:t>
-            </a:r>
-          </a:p>
-          <a:p>
-            <a:r>
-              <a:rPr lang="en-US" altLang="zh-CN" dirty="0" err="1" smtClean="0"/>
-              <a:t>InputStream</a:t>
-            </a:r>
+              <a:t>SSD</a:t>
+            </a:r>
+            <a:r>
+              <a:rPr lang="zh-CN" altLang="en-US" dirty="0" smtClean="0"/>
+              <a:t>）</a:t>
+            </a:r>
+            <a:endParaRPr lang="en-US" altLang="zh-CN" dirty="0" smtClean="0"/>
+          </a:p>
+          <a:p>
+            <a:r>
+              <a:rPr lang="zh-CN" altLang="en-US" dirty="0" smtClean="0"/>
+              <a:t>驱动</a:t>
+            </a:r>
+            <a:r>
+              <a:rPr lang="zh-CN" altLang="en-US" dirty="0" smtClean="0"/>
+              <a:t>（硬件控制管理）</a:t>
+            </a:r>
+            <a:endParaRPr lang="en-US" altLang="zh-CN" dirty="0" smtClean="0"/>
+          </a:p>
+          <a:p>
             <a:r>
               <a:rPr lang="en-US" altLang="zh-CN" dirty="0" smtClean="0"/>
-              <a:t> &amp; </a:t>
-            </a:r>
-            <a:r>
-              <a:rPr lang="en-US" altLang="zh-CN" dirty="0" err="1" smtClean="0"/>
-              <a:t>OutputStream</a:t>
+              <a:t>DMA</a:t>
             </a:r>
             <a:r>
               <a:rPr lang="zh-CN" altLang="en-US" dirty="0" smtClean="0"/>
-              <a:t>一个字节一个字节操作</a:t>
+              <a:t>（直接存储器访问）</a:t>
+            </a:r>
+            <a:endParaRPr lang="en-US" altLang="zh-CN" dirty="0"/>
+          </a:p>
+          <a:p>
+            <a:r>
+              <a:rPr lang="zh-CN" altLang="en-US" dirty="0"/>
+              <a:t>系统调用（</a:t>
+            </a:r>
+            <a:r>
+              <a:rPr lang="en-US" altLang="zh-CN" dirty="0"/>
+              <a:t>open</a:t>
+            </a:r>
+            <a:r>
+              <a:rPr lang="zh-CN" altLang="en-US" dirty="0"/>
+              <a:t>、</a:t>
+            </a:r>
+            <a:r>
+              <a:rPr lang="en-US" altLang="zh-CN" dirty="0"/>
+              <a:t>read</a:t>
+            </a:r>
+            <a:r>
+              <a:rPr lang="zh-CN" altLang="en-US" dirty="0"/>
+              <a:t>、</a:t>
+            </a:r>
+            <a:r>
+              <a:rPr lang="en-US" altLang="zh-CN" dirty="0"/>
+              <a:t>write</a:t>
+            </a:r>
+            <a:r>
+              <a:rPr lang="zh-CN" altLang="en-US" dirty="0"/>
+              <a:t>、</a:t>
+            </a:r>
+            <a:r>
+              <a:rPr lang="en-US" altLang="zh-CN" dirty="0"/>
+              <a:t>close</a:t>
+            </a:r>
+            <a:r>
+              <a:rPr lang="zh-CN" altLang="en-US" dirty="0"/>
+              <a:t>）</a:t>
             </a:r>
             <a:endParaRPr lang="en-US" altLang="zh-CN" dirty="0" smtClean="0"/>
           </a:p>
           <a:p>
             <a:r>
+              <a:rPr lang="zh-CN" altLang="en-US" dirty="0" smtClean="0"/>
+              <a:t>操作系统</a:t>
+            </a:r>
+            <a:r>
               <a:rPr lang="en-US" altLang="zh-CN" dirty="0" smtClean="0"/>
-              <a:t>Java NIO</a:t>
+              <a:t>IO</a:t>
             </a:r>
             <a:r>
               <a:rPr lang="zh-CN" altLang="en-US" dirty="0" smtClean="0"/>
-              <a:t>引入</a:t>
-            </a:r>
-            <a:r>
-              <a:rPr lang="en-US" altLang="zh-CN" dirty="0"/>
-              <a:t>B</a:t>
+              <a:t>缓冲区（</a:t>
             </a:r>
             <a:r>
               <a:rPr lang="en-US" altLang="zh-CN" dirty="0" smtClean="0"/>
-              <a:t>uffer</a:t>
+              <a:t>Buffer</a:t>
             </a:r>
             <a:r>
               <a:rPr lang="zh-CN" altLang="en-US" dirty="0" smtClean="0"/>
-              <a:t>、</a:t>
+              <a:t>写</a:t>
             </a:r>
             <a:r>
               <a:rPr lang="en-US" altLang="zh-CN" dirty="0" smtClean="0"/>
-              <a:t>Channel</a:t>
+              <a:t>/Cache</a:t>
             </a:r>
             <a:r>
               <a:rPr lang="zh-CN" altLang="en-US" dirty="0" smtClean="0"/>
-              <a:t>允许批量字节操作</a:t>
+              <a:t>读）</a:t>
             </a:r>
             <a:endParaRPr lang="en-US" altLang="zh-CN" dirty="0" smtClean="0"/>
           </a:p>
-        </p:txBody>
-      </p:sp>
+          <a:p>
+            <a:r>
+              <a:rPr lang="zh-CN" altLang="en-US" dirty="0" smtClean="0"/>
+              <a:t>内核空间到用户空间的拷贝</a:t>
+            </a:r>
+            <a:endParaRPr lang="zh-CN" altLang="en-US" dirty="0"/>
+          </a:p>
+        </p:txBody>
+      </p:sp>
+      <p:pic>
+        <p:nvPicPr>
+          <p:cNvPr id="1028" name="Picture 4"/>
+          <p:cNvPicPr>
+            <a:picLocks noChangeAspect="1" noChangeArrowheads="1"/>
+          </p:cNvPicPr>
+          <p:nvPr/>
+        </p:nvPicPr>
+        <p:blipFill>
+          <a:blip r:embed="rId2">
+            <a:extLst>
+              <a:ext uri="{28A0092B-C50C-407E-A947-70E740481C1C}">
+                <a14:useLocalDpi xmlns:a14="http://schemas.microsoft.com/office/drawing/2010/main" val="0"/>
+              </a:ext>
+            </a:extLst>
+          </a:blip>
+          <a:srcRect/>
+          <a:stretch>
+            <a:fillRect/>
+          </a:stretch>
+        </p:blipFill>
+        <p:spPr bwMode="auto">
+          <a:xfrm>
+            <a:off x="2281062" y="4966500"/>
+            <a:ext cx="5114925" cy="1562100"/>
+          </a:xfrm>
+          <a:prstGeom prst="rect">
+            <a:avLst/>
+          </a:prstGeom>
+          <a:noFill/>
+          <a:ln>
+            <a:noFill/>
+          </a:ln>
+          <a:effectLst/>
+          <a:extLst>
+            <a:ext uri="{909E8E84-426E-40DD-AFC4-6F175D3DCCD1}">
+              <a14:hiddenFill xmlns:a14="http://schemas.microsoft.com/office/drawing/2010/main">
+                <a:solidFill>
+                  <a:schemeClr val="accent1"/>
+                </a:solidFill>
+              </a14:hiddenFill>
+            </a:ext>
+            <a:ext uri="{91240B29-F687-4F45-9708-019B960494DF}">
+              <a14:hiddenLine xmlns:a14="http://schemas.microsoft.com/office/drawing/2010/main" w="9525">
+                <a:solidFill>
+                  <a:schemeClr val="tx1"/>
+                </a:solidFill>
+                <a:miter lim="800000"/>
+                <a:headEnd/>
+                <a:tailEnd/>
+              </a14:hiddenLine>
+            </a:ext>
+            <a:ext uri="{AF507438-7753-43E0-B8FC-AC1667EBCBE1}">
+              <a14:hiddenEffects xmlns:a14="http://schemas.microsoft.com/office/drawing/2010/main">
+                <a:effectLst>
+                  <a:outerShdw dist="35921" dir="2700000" algn="ctr" rotWithShape="0">
+                    <a:schemeClr val="bg2"/>
+                  </a:outerShdw>
+                </a:effectLst>
+              </a14:hiddenEffects>
+            </a:ext>
+          </a:extLst>
+        </p:spPr>
+      </p:pic>
+      <p:pic>
+        <p:nvPicPr>
+          <p:cNvPr id="1029" name="Picture 5"/>
+          <p:cNvPicPr>
+            <a:picLocks noChangeAspect="1" noChangeArrowheads="1"/>
+          </p:cNvPicPr>
+          <p:nvPr/>
+        </p:nvPicPr>
+        <p:blipFill>
+          <a:blip r:embed="rId3">
+            <a:extLst>
+              <a:ext uri="{28A0092B-C50C-407E-A947-70E740481C1C}">
+                <a14:useLocalDpi xmlns:a14="http://schemas.microsoft.com/office/drawing/2010/main" val="0"/>
+              </a:ext>
+            </a:extLst>
+          </a:blip>
+          <a:srcRect/>
+          <a:stretch>
+            <a:fillRect/>
+          </a:stretch>
+        </p:blipFill>
+        <p:spPr bwMode="auto">
+          <a:xfrm>
+            <a:off x="1700038" y="6201263"/>
+            <a:ext cx="6276975" cy="619125"/>
+          </a:xfrm>
+          <a:prstGeom prst="rect">
+            <a:avLst/>
+          </a:prstGeom>
+          <a:noFill/>
+          <a:ln>
+            <a:noFill/>
+          </a:ln>
+          <a:effectLst/>
+          <a:extLst>
+            <a:ext uri="{909E8E84-426E-40DD-AFC4-6F175D3DCCD1}">
+              <a14:hiddenFill xmlns:a14="http://schemas.microsoft.com/office/drawing/2010/main">
+                <a:solidFill>
+                  <a:schemeClr val="accent1"/>
+                </a:solidFill>
+              </a14:hiddenFill>
+            </a:ext>
+            <a:ext uri="{91240B29-F687-4F45-9708-019B960494DF}">
+              <a14:hiddenLine xmlns:a14="http://schemas.microsoft.com/office/drawing/2010/main" w="9525">
+                <a:solidFill>
+                  <a:schemeClr val="tx1"/>
+                </a:solidFill>
+                <a:miter lim="800000"/>
+                <a:headEnd/>
+                <a:tailEnd/>
+              </a14:hiddenLine>
+            </a:ext>
+            <a:ext uri="{AF507438-7753-43E0-B8FC-AC1667EBCBE1}">
+              <a14:hiddenEffects xmlns:a14="http://schemas.microsoft.com/office/drawing/2010/main">
+                <a:effectLst>
+                  <a:outerShdw dist="35921" dir="2700000" algn="ctr" rotWithShape="0">
+                    <a:schemeClr val="bg2"/>
+                  </a:outerShdw>
+                </a:effectLst>
+              </a14:hiddenEffects>
+            </a:ext>
+          </a:extLst>
+        </p:spPr>
+      </p:pic>
     </p:spTree>
     <p:extLst>
       <p:ext uri="{BB962C8B-B14F-4D97-AF65-F5344CB8AC3E}">
-        <p14:creationId xmlns:p14="http://schemas.microsoft.com/office/powerpoint/2010/main" val="3711083681"/>
+        <p14:creationId xmlns:p14="http://schemas.microsoft.com/office/powerpoint/2010/main" val="842316347"/>
       </p:ext>
     </p:extLst>
   </p:cSld>
@@ -3431,8 +3915,8 @@
           <a:lstStyle/>
           <a:p>
             <a:r>
-              <a:rPr lang="en-US" altLang="zh-CN" dirty="0" smtClean="0"/>
-              <a:t>Buffer</a:t>
+              <a:rPr lang="zh-CN" altLang="en-US" dirty="0" smtClean="0"/>
+              <a:t>虚拟内存</a:t>
             </a:r>
             <a:endParaRPr lang="zh-CN" altLang="en-US" dirty="0"/>
           </a:p>
@@ -3453,14 +3937,345 @@
           <a:bodyPr/>
           <a:lstStyle/>
           <a:p>
-            <a:endParaRPr lang="zh-CN" altLang="en-US"/>
-          </a:p>
-        </p:txBody>
-      </p:sp>
+            <a:r>
+              <a:rPr lang="en-US" altLang="zh-CN" dirty="0"/>
+              <a:t>1. </a:t>
+            </a:r>
+            <a:r>
+              <a:rPr lang="zh-CN" altLang="en-US" dirty="0"/>
+              <a:t>一个以上的虚拟地址可指向同一个物理内存地址。</a:t>
+            </a:r>
+          </a:p>
+          <a:p>
+            <a:r>
+              <a:rPr lang="en-US" altLang="zh-CN" dirty="0"/>
+              <a:t>2. </a:t>
+            </a:r>
+            <a:r>
+              <a:rPr lang="zh-CN" altLang="en-US" dirty="0"/>
+              <a:t>虚拟内存空间可大于实际可用的硬件</a:t>
+            </a:r>
+            <a:r>
+              <a:rPr lang="zh-CN" altLang="en-US" dirty="0" smtClean="0"/>
+              <a:t>内存（</a:t>
+            </a:r>
+            <a:r>
+              <a:rPr lang="zh-CN" altLang="en-US" dirty="0"/>
+              <a:t>寻址空间大于物理内存）</a:t>
+            </a:r>
+            <a:endParaRPr lang="en-US" altLang="zh-CN" dirty="0" smtClean="0"/>
+          </a:p>
+          <a:p>
+            <a:r>
+              <a:rPr lang="zh-CN" altLang="en-US" sz="1600" dirty="0"/>
+              <a:t>操作系统把内存地址空间划分为页，即固定大小的字节组。典型的内存页为 </a:t>
+            </a:r>
+            <a:r>
+              <a:rPr lang="en-US" altLang="zh-CN" sz="1600" dirty="0"/>
+              <a:t>1,024</a:t>
+            </a:r>
+            <a:r>
+              <a:rPr lang="zh-CN" altLang="en-US" sz="1600" dirty="0"/>
+              <a:t>、</a:t>
+            </a:r>
+            <a:r>
+              <a:rPr lang="en-US" altLang="zh-CN" sz="1600" dirty="0"/>
+              <a:t>2,048 </a:t>
+            </a:r>
+            <a:r>
+              <a:rPr lang="zh-CN" altLang="en-US" sz="1600" dirty="0"/>
+              <a:t>和 </a:t>
+            </a:r>
+            <a:r>
+              <a:rPr lang="en-US" altLang="zh-CN" sz="1600" dirty="0"/>
+              <a:t>4,096 </a:t>
+            </a:r>
+            <a:r>
+              <a:rPr lang="zh-CN" altLang="en-US" sz="1600" dirty="0"/>
+              <a:t>字节</a:t>
+            </a:r>
+            <a:r>
+              <a:rPr lang="zh-CN" altLang="en-US" sz="1600" dirty="0" smtClean="0"/>
+              <a:t>。</a:t>
+            </a:r>
+            <a:endParaRPr lang="en-US" altLang="zh-CN" sz="1600" dirty="0" smtClean="0"/>
+          </a:p>
+          <a:p>
+            <a:r>
+              <a:rPr lang="zh-CN" altLang="en-US" sz="1600" dirty="0"/>
+              <a:t>虚拟</a:t>
+            </a:r>
+            <a:r>
+              <a:rPr lang="zh-CN" altLang="en-US" sz="1600" dirty="0" smtClean="0"/>
+              <a:t>和物理内存</a:t>
+            </a:r>
+            <a:r>
+              <a:rPr lang="zh-CN" altLang="en-US" sz="1600" dirty="0"/>
+              <a:t>页的大小</a:t>
+            </a:r>
+            <a:r>
+              <a:rPr lang="zh-CN" altLang="en-US" sz="1600" dirty="0" smtClean="0"/>
+              <a:t>总是相同的</a:t>
+            </a:r>
+            <a:endParaRPr lang="en-US" altLang="zh-CN" sz="1600" dirty="0" smtClean="0"/>
+          </a:p>
+          <a:p>
+            <a:r>
+              <a:rPr lang="en-US" altLang="zh-CN" sz="1600" dirty="0" smtClean="0"/>
+              <a:t>MMU</a:t>
+            </a:r>
+            <a:r>
+              <a:rPr lang="zh-CN" altLang="en-US" sz="1600" dirty="0" smtClean="0"/>
+              <a:t>（内存管理单元，负责页面映射）</a:t>
+            </a:r>
+            <a:endParaRPr lang="en-US" altLang="zh-CN" sz="1600" dirty="0" smtClean="0"/>
+          </a:p>
+          <a:p>
+            <a:r>
+              <a:rPr lang="zh-CN" altLang="en-US" sz="1600" dirty="0" smtClean="0"/>
+              <a:t>缺页中断（换入换出）</a:t>
+            </a:r>
+            <a:endParaRPr lang="en-US" altLang="zh-CN" sz="1600" dirty="0" smtClean="0"/>
+          </a:p>
+        </p:txBody>
+      </p:sp>
+      <p:pic>
+        <p:nvPicPr>
+          <p:cNvPr id="2050" name="Picture 2" descr="http://img.blog.csdn.net/20160904103525410?watermark/2/text/aHR0cDovL2Jsb2cuY3Nkbi5uZXQv/font/5a6L5L2T/fontsize/400/fill/I0JBQkFCMA==/dissolve/70/gravity/Center"/>
+          <p:cNvPicPr>
+            <a:picLocks noChangeAspect="1" noChangeArrowheads="1"/>
+          </p:cNvPicPr>
+          <p:nvPr/>
+        </p:nvPicPr>
+        <p:blipFill>
+          <a:blip r:embed="rId2">
+            <a:extLst>
+              <a:ext uri="{28A0092B-C50C-407E-A947-70E740481C1C}">
+                <a14:useLocalDpi xmlns:a14="http://schemas.microsoft.com/office/drawing/2010/main" val="0"/>
+              </a:ext>
+            </a:extLst>
+          </a:blip>
+          <a:srcRect/>
+          <a:stretch>
+            <a:fillRect/>
+          </a:stretch>
+        </p:blipFill>
+        <p:spPr bwMode="auto">
+          <a:xfrm>
+            <a:off x="4419600" y="4143374"/>
+            <a:ext cx="4724400" cy="2714626"/>
+          </a:xfrm>
+          <a:prstGeom prst="rect">
+            <a:avLst/>
+          </a:prstGeom>
+          <a:noFill/>
+          <a:extLst>
+            <a:ext uri="{909E8E84-426E-40DD-AFC4-6F175D3DCCD1}">
+              <a14:hiddenFill xmlns:a14="http://schemas.microsoft.com/office/drawing/2010/main">
+                <a:solidFill>
+                  <a:srgbClr val="FFFFFF"/>
+                </a:solidFill>
+              </a14:hiddenFill>
+            </a:ext>
+          </a:extLst>
+        </p:spPr>
+      </p:pic>
+      <p:pic>
+        <p:nvPicPr>
+          <p:cNvPr id="2051" name="Picture 3"/>
+          <p:cNvPicPr>
+            <a:picLocks noChangeAspect="1" noChangeArrowheads="1"/>
+          </p:cNvPicPr>
+          <p:nvPr/>
+        </p:nvPicPr>
+        <p:blipFill>
+          <a:blip r:embed="rId3">
+            <a:extLst>
+              <a:ext uri="{28A0092B-C50C-407E-A947-70E740481C1C}">
+                <a14:useLocalDpi xmlns:a14="http://schemas.microsoft.com/office/drawing/2010/main" val="0"/>
+              </a:ext>
+            </a:extLst>
+          </a:blip>
+          <a:srcRect/>
+          <a:stretch>
+            <a:fillRect/>
+          </a:stretch>
+        </p:blipFill>
+        <p:spPr bwMode="auto">
+          <a:xfrm>
+            <a:off x="0" y="5600700"/>
+            <a:ext cx="5495925" cy="1257300"/>
+          </a:xfrm>
+          <a:prstGeom prst="rect">
+            <a:avLst/>
+          </a:prstGeom>
+          <a:noFill/>
+          <a:ln>
+            <a:noFill/>
+          </a:ln>
+          <a:effectLst/>
+          <a:extLst>
+            <a:ext uri="{909E8E84-426E-40DD-AFC4-6F175D3DCCD1}">
+              <a14:hiddenFill xmlns:a14="http://schemas.microsoft.com/office/drawing/2010/main">
+                <a:solidFill>
+                  <a:schemeClr val="accent1"/>
+                </a:solidFill>
+              </a14:hiddenFill>
+            </a:ext>
+            <a:ext uri="{91240B29-F687-4F45-9708-019B960494DF}">
+              <a14:hiddenLine xmlns:a14="http://schemas.microsoft.com/office/drawing/2010/main" w="9525">
+                <a:solidFill>
+                  <a:schemeClr val="tx1"/>
+                </a:solidFill>
+                <a:miter lim="800000"/>
+                <a:headEnd/>
+                <a:tailEnd/>
+              </a14:hiddenLine>
+            </a:ext>
+            <a:ext uri="{AF507438-7753-43E0-B8FC-AC1667EBCBE1}">
+              <a14:hiddenEffects xmlns:a14="http://schemas.microsoft.com/office/drawing/2010/main">
+                <a:effectLst>
+                  <a:outerShdw dist="35921" dir="2700000" algn="ctr" rotWithShape="0">
+                    <a:schemeClr val="bg2"/>
+                  </a:outerShdw>
+                </a:effectLst>
+              </a14:hiddenEffects>
+            </a:ext>
+          </a:extLst>
+        </p:spPr>
+      </p:pic>
+      <p:pic>
+        <p:nvPicPr>
+          <p:cNvPr id="2054" name="Picture 6"/>
+          <p:cNvPicPr>
+            <a:picLocks noChangeAspect="1" noChangeArrowheads="1"/>
+          </p:cNvPicPr>
+          <p:nvPr/>
+        </p:nvPicPr>
+        <p:blipFill>
+          <a:blip r:embed="rId4">
+            <a:extLst>
+              <a:ext uri="{28A0092B-C50C-407E-A947-70E740481C1C}">
+                <a14:useLocalDpi xmlns:a14="http://schemas.microsoft.com/office/drawing/2010/main" val="0"/>
+              </a:ext>
+            </a:extLst>
+          </a:blip>
+          <a:srcRect/>
+          <a:stretch>
+            <a:fillRect/>
+          </a:stretch>
+        </p:blipFill>
+        <p:spPr bwMode="auto">
+          <a:xfrm>
+            <a:off x="6374185" y="2998780"/>
+            <a:ext cx="5762625" cy="752475"/>
+          </a:xfrm>
+          <a:prstGeom prst="rect">
+            <a:avLst/>
+          </a:prstGeom>
+          <a:noFill/>
+          <a:ln>
+            <a:noFill/>
+          </a:ln>
+          <a:effectLst/>
+          <a:extLst>
+            <a:ext uri="{909E8E84-426E-40DD-AFC4-6F175D3DCCD1}">
+              <a14:hiddenFill xmlns:a14="http://schemas.microsoft.com/office/drawing/2010/main">
+                <a:solidFill>
+                  <a:schemeClr val="accent1"/>
+                </a:solidFill>
+              </a14:hiddenFill>
+            </a:ext>
+            <a:ext uri="{91240B29-F687-4F45-9708-019B960494DF}">
+              <a14:hiddenLine xmlns:a14="http://schemas.microsoft.com/office/drawing/2010/main" w="9525">
+                <a:solidFill>
+                  <a:schemeClr val="tx1"/>
+                </a:solidFill>
+                <a:miter lim="800000"/>
+                <a:headEnd/>
+                <a:tailEnd/>
+              </a14:hiddenLine>
+            </a:ext>
+            <a:ext uri="{AF507438-7753-43E0-B8FC-AC1667EBCBE1}">
+              <a14:hiddenEffects xmlns:a14="http://schemas.microsoft.com/office/drawing/2010/main">
+                <a:effectLst>
+                  <a:outerShdw dist="35921" dir="2700000" algn="ctr" rotWithShape="0">
+                    <a:schemeClr val="bg2"/>
+                  </a:outerShdw>
+                </a:effectLst>
+              </a14:hiddenEffects>
+            </a:ext>
+          </a:extLst>
+        </p:spPr>
+      </p:pic>
+      <p:pic>
+        <p:nvPicPr>
+          <p:cNvPr id="2056" name="Picture 8"/>
+          <p:cNvPicPr>
+            <a:picLocks noChangeAspect="1" noChangeArrowheads="1"/>
+          </p:cNvPicPr>
+          <p:nvPr/>
+        </p:nvPicPr>
+        <p:blipFill>
+          <a:blip r:embed="rId5">
+            <a:extLst>
+              <a:ext uri="{28A0092B-C50C-407E-A947-70E740481C1C}">
+                <a14:useLocalDpi xmlns:a14="http://schemas.microsoft.com/office/drawing/2010/main" val="0"/>
+              </a:ext>
+            </a:extLst>
+          </a:blip>
+          <a:srcRect/>
+          <a:stretch>
+            <a:fillRect/>
+          </a:stretch>
+        </p:blipFill>
+        <p:spPr bwMode="auto">
+          <a:xfrm>
+            <a:off x="6374185" y="0"/>
+            <a:ext cx="6067425" cy="2990850"/>
+          </a:xfrm>
+          <a:prstGeom prst="rect">
+            <a:avLst/>
+          </a:prstGeom>
+          <a:noFill/>
+          <a:ln>
+            <a:noFill/>
+          </a:ln>
+          <a:effectLst/>
+          <a:extLst>
+            <a:ext uri="{909E8E84-426E-40DD-AFC4-6F175D3DCCD1}">
+              <a14:hiddenFill xmlns:a14="http://schemas.microsoft.com/office/drawing/2010/main">
+                <a:solidFill>
+                  <a:schemeClr val="accent1"/>
+                </a:solidFill>
+              </a14:hiddenFill>
+            </a:ext>
+            <a:ext uri="{91240B29-F687-4F45-9708-019B960494DF}">
+              <a14:hiddenLine xmlns:a14="http://schemas.microsoft.com/office/drawing/2010/main" w="9525">
+                <a:solidFill>
+                  <a:schemeClr val="tx1"/>
+                </a:solidFill>
+                <a:miter lim="800000"/>
+                <a:headEnd/>
+                <a:tailEnd/>
+              </a14:hiddenLine>
+            </a:ext>
+            <a:ext uri="{AF507438-7753-43E0-B8FC-AC1667EBCBE1}">
+              <a14:hiddenEffects xmlns:a14="http://schemas.microsoft.com/office/drawing/2010/main">
+                <a:effectLst>
+                  <a:outerShdw dist="35921" dir="2700000" algn="ctr" rotWithShape="0">
+                    <a:schemeClr val="bg2"/>
+                  </a:outerShdw>
+                </a:effectLst>
+              </a14:hiddenEffects>
+            </a:ext>
+          </a:extLst>
+        </p:spPr>
+      </p:pic>
     </p:spTree>
     <p:extLst>
       <p:ext uri="{BB962C8B-B14F-4D97-AF65-F5344CB8AC3E}">
-        <p14:creationId xmlns:p14="http://schemas.microsoft.com/office/powerpoint/2010/main" val="2680780946"/>
+        <p14:creationId xmlns:p14="http://schemas.microsoft.com/office/powerpoint/2010/main" val="2817601868"/>
       </p:ext>
     </p:extLst>
   </p:cSld>
@@ -3503,8 +4318,8 @@
           <a:lstStyle/>
           <a:p>
             <a:r>
-              <a:rPr lang="en-US" altLang="zh-CN" dirty="0" err="1" smtClean="0"/>
-              <a:t>MappedByteBuffer</a:t>
+              <a:rPr lang="zh-CN" altLang="en-US" dirty="0" smtClean="0"/>
+              <a:t>内存地址多重映射</a:t>
             </a:r>
             <a:endParaRPr lang="zh-CN" altLang="en-US" dirty="0"/>
           </a:p>
@@ -3522,104 +4337,195 @@
         </p:nvSpPr>
         <p:spPr/>
         <p:txBody>
-          <a:bodyPr>
-            <a:normAutofit lnSpcReduction="10000"/>
-          </a:bodyPr>
-          <a:lstStyle/>
-          <a:p>
-            <a:r>
-              <a:rPr lang="en-US" altLang="zh-CN" dirty="0" smtClean="0">
-                <a:effectLst/>
-              </a:rPr>
-              <a:t>A direct byte buffer whose content is a memory-mapped region of a file. </a:t>
-            </a:r>
-          </a:p>
-          <a:p>
+          <a:bodyPr/>
+          <a:lstStyle/>
+          <a:p>
+            <a:r>
+              <a:rPr lang="zh-CN" altLang="en-US" dirty="0"/>
+              <a:t>设备控制器不能通过 </a:t>
+            </a:r>
+            <a:r>
+              <a:rPr lang="en-US" altLang="zh-CN" dirty="0"/>
+              <a:t>DMA </a:t>
+            </a:r>
+            <a:r>
+              <a:rPr lang="zh-CN" altLang="en-US" dirty="0"/>
+              <a:t>直接存储到用户</a:t>
+            </a:r>
             <a:r>
               <a:rPr lang="zh-CN" altLang="en-US" dirty="0" smtClean="0"/>
-              <a:t>内存映射文件</a:t>
+              <a:t>空间</a:t>
             </a:r>
             <a:endParaRPr lang="en-US" altLang="zh-CN" dirty="0" smtClean="0"/>
           </a:p>
           <a:p>
             <a:r>
-              <a:rPr lang="zh-CN" altLang="en-US" dirty="0" smtClean="0">
-                <a:effectLst/>
-              </a:rPr>
-              <a:t>操作系统内核空间</a:t>
-            </a:r>
-            <a:r>
-              <a:rPr lang="en-US" altLang="zh-CN" dirty="0" smtClean="0">
-                <a:effectLst/>
-              </a:rPr>
-              <a:t>&amp;</a:t>
-            </a:r>
-            <a:r>
-              <a:rPr lang="zh-CN" altLang="en-US" dirty="0" smtClean="0">
-                <a:effectLst/>
-              </a:rPr>
-              <a:t>用户空间</a:t>
-            </a:r>
-            <a:endParaRPr lang="en-US" altLang="zh-CN" dirty="0" smtClean="0">
-              <a:effectLst/>
-            </a:endParaRPr>
-          </a:p>
-          <a:p>
-            <a:r>
-              <a:rPr lang="zh-CN" altLang="en-US" dirty="0" smtClean="0"/>
-              <a:t>虚拟内存</a:t>
-            </a:r>
-            <a:r>
-              <a:rPr lang="en-US" altLang="zh-CN" dirty="0" smtClean="0"/>
-              <a:t>&amp;</a:t>
-            </a:r>
-            <a:r>
-              <a:rPr lang="zh-CN" altLang="en-US" dirty="0" smtClean="0"/>
-              <a:t>内存分页</a:t>
-            </a:r>
-            <a:endParaRPr lang="en-US" altLang="zh-CN" dirty="0" smtClean="0"/>
-          </a:p>
-          <a:p>
-            <a:r>
-              <a:rPr lang="zh-CN" altLang="en-US" dirty="0" smtClean="0">
-                <a:effectLst/>
-              </a:rPr>
-              <a:t>文件系统</a:t>
-            </a:r>
-            <a:endParaRPr lang="en-US" altLang="zh-CN" dirty="0" smtClean="0">
-              <a:effectLst/>
-            </a:endParaRPr>
-          </a:p>
-          <a:p>
-            <a:r>
-              <a:rPr lang="zh-CN" altLang="en-US" dirty="0" smtClean="0"/>
-              <a:t>文件空洞（</a:t>
-            </a:r>
-            <a:r>
-              <a:rPr lang="en-US" altLang="zh-CN" dirty="0" smtClean="0"/>
-              <a:t>File Hole</a:t>
-            </a:r>
-            <a:r>
-              <a:rPr lang="zh-CN" altLang="en-US" dirty="0" smtClean="0"/>
-              <a:t>）</a:t>
-            </a:r>
-            <a:endParaRPr lang="en-US" altLang="zh-CN" dirty="0" smtClean="0">
-              <a:effectLst/>
-            </a:endParaRPr>
-          </a:p>
-          <a:p>
-            <a:r>
-              <a:rPr lang="zh-CN" altLang="en-US" dirty="0" smtClean="0"/>
-              <a:t>字节顺序</a:t>
-            </a:r>
-            <a:endParaRPr lang="zh-CN" altLang="en-US" dirty="0"/>
-          </a:p>
-        </p:txBody>
-      </p:sp>
+              <a:rPr lang="zh-CN" altLang="en-US" sz="1600" dirty="0"/>
+              <a:t>把内核空间地址与用户空间的虚拟地址映射到同一个物理地址，这样</a:t>
+            </a:r>
+            <a:r>
+              <a:rPr lang="zh-CN" altLang="en-US" sz="1600" dirty="0" smtClean="0"/>
+              <a:t>，</a:t>
+            </a:r>
+            <a:r>
+              <a:rPr lang="en-US" altLang="zh-CN" sz="1600" dirty="0" smtClean="0"/>
+              <a:t>DMA </a:t>
+            </a:r>
+            <a:r>
+              <a:rPr lang="zh-CN" altLang="en-US" sz="1600" dirty="0"/>
+              <a:t>硬件（只能访问物理内存地址）就可以填充对内核与用户空间进程同时可见的</a:t>
+            </a:r>
+            <a:r>
+              <a:rPr lang="zh-CN" altLang="en-US" sz="1600" dirty="0" smtClean="0"/>
+              <a:t>缓冲区</a:t>
+            </a:r>
+            <a:endParaRPr lang="en-US" altLang="zh-CN" sz="1600" dirty="0" smtClean="0"/>
+          </a:p>
+          <a:p>
+            <a:r>
+              <a:rPr lang="zh-CN" altLang="en-US" sz="1600" dirty="0"/>
+              <a:t>省去了内核与用户空间的往来</a:t>
+            </a:r>
+            <a:r>
+              <a:rPr lang="zh-CN" altLang="en-US" sz="1600" dirty="0" smtClean="0"/>
+              <a:t>拷贝</a:t>
+            </a:r>
+            <a:endParaRPr lang="en-US" altLang="zh-CN" sz="1600" dirty="0" smtClean="0"/>
+          </a:p>
+          <a:p>
+            <a:r>
+              <a:rPr lang="zh-CN" altLang="en-US" sz="1600" dirty="0" smtClean="0"/>
+              <a:t>前提</a:t>
+            </a:r>
+            <a:r>
+              <a:rPr lang="zh-CN" altLang="en-US" sz="1600" dirty="0"/>
+              <a:t>条件</a:t>
+            </a:r>
+            <a:r>
+              <a:rPr lang="zh-CN" altLang="en-US" sz="1600" dirty="0" smtClean="0"/>
+              <a:t>：</a:t>
+            </a:r>
+            <a:endParaRPr lang="en-US" altLang="zh-CN" sz="1600" dirty="0" smtClean="0"/>
+          </a:p>
+          <a:p>
+            <a:r>
+              <a:rPr lang="zh-CN" altLang="en-US" sz="1600" dirty="0" smtClean="0"/>
+              <a:t>内核</a:t>
+            </a:r>
+            <a:r>
+              <a:rPr lang="zh-CN" altLang="en-US" sz="1600" dirty="0"/>
+              <a:t>与用户缓冲区</a:t>
+            </a:r>
+            <a:r>
+              <a:rPr lang="zh-CN" altLang="en-US" sz="1600" dirty="0" smtClean="0"/>
+              <a:t>必须使用</a:t>
+            </a:r>
+            <a:r>
+              <a:rPr lang="zh-CN" altLang="en-US" sz="1600" dirty="0"/>
+              <a:t>相同的页对齐</a:t>
+            </a:r>
+            <a:r>
+              <a:rPr lang="zh-CN" altLang="en-US" sz="1600" dirty="0" smtClean="0"/>
+              <a:t>，</a:t>
+            </a:r>
+            <a:endParaRPr lang="en-US" altLang="zh-CN" sz="1600" dirty="0" smtClean="0"/>
+          </a:p>
+          <a:p>
+            <a:r>
+              <a:rPr lang="zh-CN" altLang="en-US" sz="1600" dirty="0" smtClean="0"/>
+              <a:t>缓冲区</a:t>
+            </a:r>
+            <a:r>
+              <a:rPr lang="zh-CN" altLang="en-US" sz="1600" dirty="0"/>
+              <a:t>的大小还必须是磁盘控制器块大小（通常为 </a:t>
+            </a:r>
+            <a:r>
+              <a:rPr lang="en-US" altLang="zh-CN" sz="1600" dirty="0"/>
+              <a:t>512 </a:t>
+            </a:r>
+            <a:r>
+              <a:rPr lang="zh-CN" altLang="en-US" sz="1600" dirty="0"/>
+              <a:t>字节磁盘扇区）的</a:t>
+            </a:r>
+            <a:r>
+              <a:rPr lang="zh-CN" altLang="en-US" sz="1600" dirty="0" smtClean="0"/>
+              <a:t>倍数</a:t>
+            </a:r>
+            <a:r>
+              <a:rPr lang="zh-CN" altLang="en-US" sz="1600" dirty="0"/>
+              <a:t>。</a:t>
+            </a:r>
+          </a:p>
+        </p:txBody>
+      </p:sp>
+      <p:pic>
+        <p:nvPicPr>
+          <p:cNvPr id="3074" name="Picture 2"/>
+          <p:cNvPicPr>
+            <a:picLocks noChangeAspect="1" noChangeArrowheads="1"/>
+          </p:cNvPicPr>
+          <p:nvPr/>
+        </p:nvPicPr>
+        <p:blipFill>
+          <a:blip r:embed="rId2">
+            <a:extLst>
+              <a:ext uri="{28A0092B-C50C-407E-A947-70E740481C1C}">
+                <a14:useLocalDpi xmlns:a14="http://schemas.microsoft.com/office/drawing/2010/main" val="0"/>
+              </a:ext>
+            </a:extLst>
+          </a:blip>
+          <a:srcRect/>
+          <a:stretch>
+            <a:fillRect/>
+          </a:stretch>
+        </p:blipFill>
+        <p:spPr bwMode="auto">
+          <a:xfrm>
+            <a:off x="2010669" y="4509120"/>
+            <a:ext cx="5172075" cy="2495550"/>
+          </a:xfrm>
+          <a:prstGeom prst="rect">
+            <a:avLst/>
+          </a:prstGeom>
+          <a:noFill/>
+          <a:ln>
+            <a:noFill/>
+          </a:ln>
+          <a:effectLst/>
+          <a:extLst>
+            <a:ext uri="{909E8E84-426E-40DD-AFC4-6F175D3DCCD1}">
+              <a14:hiddenFill xmlns:a14="http://schemas.microsoft.com/office/drawing/2010/main">
+                <a:solidFill>
+                  <a:schemeClr val="accent1"/>
+                </a:solidFill>
+              </a14:hiddenFill>
+            </a:ext>
+            <a:ext uri="{91240B29-F687-4F45-9708-019B960494DF}">
+              <a14:hiddenLine xmlns:a14="http://schemas.microsoft.com/office/drawing/2010/main" w="9525">
+                <a:solidFill>
+                  <a:schemeClr val="tx1"/>
+                </a:solidFill>
+                <a:miter lim="800000"/>
+                <a:headEnd/>
+                <a:tailEnd/>
+              </a14:hiddenLine>
+            </a:ext>
+            <a:ext uri="{AF507438-7753-43E0-B8FC-AC1667EBCBE1}">
+              <a14:hiddenEffects xmlns:a14="http://schemas.microsoft.com/office/drawing/2010/main">
+                <a:effectLst>
+                  <a:outerShdw dist="35921" dir="2700000" algn="ctr" rotWithShape="0">
+                    <a:schemeClr val="bg2"/>
+                  </a:outerShdw>
+                </a:effectLst>
+              </a14:hiddenEffects>
+            </a:ext>
+          </a:extLst>
+        </p:spPr>
+      </p:pic>
     </p:spTree>
     <p:extLst>
       <p:ext uri="{BB962C8B-B14F-4D97-AF65-F5344CB8AC3E}">
-        <p14:creationId xmlns:p14="http://schemas.microsoft.com/office/powerpoint/2010/main" val="2938540346"/>
+        <p14:creationId xmlns:p14="http://schemas.microsoft.com/office/powerpoint/2010/main" val="1185693217"/>
       </p:ext>
     </p:extLst>
   </p:cSld>
@@ -3661,11 +4567,7 @@
           <a:bodyPr/>
           <a:lstStyle/>
           <a:p>
-            <a:r>
-              <a:rPr lang="en-US" altLang="zh-CN" dirty="0" err="1" smtClean="0"/>
-              <a:t>DirectByteBuffer</a:t>
-            </a:r>
-            <a:endParaRPr lang="zh-CN" altLang="en-US" dirty="0"/>
+            <a:endParaRPr lang="zh-CN" altLang="en-US"/>
           </a:p>
         </p:txBody>
       </p:sp>
@@ -3684,72 +4586,14 @@
           <a:bodyPr/>
           <a:lstStyle/>
           <a:p>
-            <a:r>
-              <a:rPr lang="zh-CN" altLang="en-US" dirty="0"/>
-              <a:t>堆</a:t>
-            </a:r>
-            <a:r>
-              <a:rPr lang="zh-CN" altLang="en-US" dirty="0" smtClean="0"/>
-              <a:t>外内存</a:t>
-            </a:r>
-            <a:endParaRPr lang="en-US" altLang="zh-CN" dirty="0" smtClean="0"/>
-          </a:p>
-          <a:p>
-            <a:r>
-              <a:rPr lang="zh-CN" altLang="en-US" dirty="0" smtClean="0"/>
-              <a:t>内存释放 </a:t>
-            </a:r>
-            <a:r>
-              <a:rPr lang="en-US" altLang="zh-CN" dirty="0" err="1" smtClean="0"/>
-              <a:t>Deallocator</a:t>
-            </a:r>
-            <a:r>
-              <a:rPr lang="en-US" altLang="zh-CN" dirty="0"/>
-              <a:t> </a:t>
-            </a:r>
-            <a:r>
-              <a:rPr lang="en-US" altLang="zh-CN" dirty="0" smtClean="0"/>
-              <a:t>&amp; Cleaner</a:t>
-            </a:r>
-            <a:r>
-              <a:rPr lang="zh-CN" altLang="en-US" dirty="0" smtClean="0"/>
-              <a:t>（</a:t>
-            </a:r>
-            <a:r>
-              <a:rPr lang="en-US" altLang="zh-CN" dirty="0" smtClean="0"/>
-              <a:t>Java</a:t>
-            </a:r>
-            <a:r>
-              <a:rPr lang="zh-CN" altLang="en-US" dirty="0" smtClean="0"/>
-              <a:t>虚引用的应用场景）</a:t>
-            </a:r>
-            <a:endParaRPr lang="en-US" altLang="zh-CN" dirty="0" smtClean="0"/>
-          </a:p>
-          <a:p>
-            <a:r>
-              <a:rPr lang="en-US" altLang="zh-CN" dirty="0" smtClean="0"/>
-              <a:t>Underlying memory allocation &amp; free</a:t>
-            </a:r>
-            <a:r>
-              <a:rPr lang="zh-CN" altLang="en-US" dirty="0" smtClean="0"/>
-              <a:t>（</a:t>
-            </a:r>
-            <a:r>
-              <a:rPr lang="en-US" altLang="zh-CN" dirty="0" err="1" smtClean="0"/>
-              <a:t>JVM#Unsafe</a:t>
-            </a:r>
-            <a:r>
-              <a:rPr lang="zh-CN" altLang="en-US" dirty="0" smtClean="0"/>
-              <a:t>）</a:t>
-            </a:r>
-            <a:endParaRPr lang="zh-CN" altLang="en-US" dirty="0"/>
+            <a:endParaRPr lang="zh-CN" altLang="en-US"/>
           </a:p>
         </p:txBody>
       </p:sp>
     </p:spTree>
     <p:extLst>
       <p:ext uri="{BB962C8B-B14F-4D97-AF65-F5344CB8AC3E}">
-        <p14:creationId xmlns:p14="http://schemas.microsoft.com/office/powerpoint/2010/main" val="2796647012"/>
+        <p14:creationId xmlns:p14="http://schemas.microsoft.com/office/powerpoint/2010/main" val="2352568695"/>
       </p:ext>
     </p:extLst>
   </p:cSld>
@@ -3793,35 +4637,276 @@
           <a:p>
             <a:r>
               <a:rPr lang="en-US" altLang="zh-CN" dirty="0" smtClean="0"/>
+              <a:t>Java IO &amp; NIO</a:t>
+            </a:r>
+            <a:endParaRPr lang="zh-CN" altLang="en-US" dirty="0"/>
+          </a:p>
+        </p:txBody>
+      </p:sp>
+      <p:sp>
+        <p:nvSpPr>
+          <p:cNvPr id="3" name="内容占位符 2"/>
+          <p:cNvSpPr>
+            <a:spLocks noGrp="1"/>
+          </p:cNvSpPr>
+          <p:nvPr>
+            <p:ph idx="1"/>
+          </p:nvPr>
+        </p:nvSpPr>
+        <p:spPr/>
+        <p:txBody>
+          <a:bodyPr>
+            <a:normAutofit/>
+          </a:bodyPr>
+          <a:lstStyle/>
+          <a:p>
+            <a:r>
+              <a:rPr lang="zh-CN" altLang="en-US" dirty="0" smtClean="0"/>
+              <a:t>传统的</a:t>
+            </a:r>
+            <a:r>
+              <a:rPr lang="en-US" altLang="zh-CN" dirty="0" smtClean="0"/>
+              <a:t>Java IO</a:t>
+            </a:r>
+          </a:p>
+          <a:p>
+            <a:r>
+              <a:rPr lang="en-US" altLang="zh-CN" dirty="0" err="1" smtClean="0"/>
+              <a:t>InputStream</a:t>
+            </a:r>
+            <a:r>
+              <a:rPr lang="en-US" altLang="zh-CN" dirty="0" smtClean="0"/>
+              <a:t> &amp; </a:t>
+            </a:r>
+            <a:r>
+              <a:rPr lang="en-US" altLang="zh-CN" dirty="0" err="1" smtClean="0"/>
+              <a:t>OutputStream</a:t>
+            </a:r>
+            <a:r>
+              <a:rPr lang="zh-CN" altLang="en-US" dirty="0" smtClean="0"/>
+              <a:t>一个字节一个字节</a:t>
+            </a:r>
+            <a:r>
+              <a:rPr lang="zh-CN" altLang="en-US" dirty="0" smtClean="0"/>
+              <a:t>操作</a:t>
+            </a:r>
+            <a:endParaRPr lang="en-US" altLang="zh-CN" dirty="0" smtClean="0"/>
+          </a:p>
+          <a:p>
+            <a:r>
+              <a:rPr lang="zh-CN" altLang="en-US" dirty="0"/>
+              <a:t> </a:t>
+            </a:r>
+            <a:r>
+              <a:rPr lang="en-US" altLang="zh-CN" sz="1200" dirty="0"/>
+              <a:t>Java </a:t>
+            </a:r>
+            <a:r>
+              <a:rPr lang="zh-CN" altLang="en-US" sz="1200" dirty="0"/>
+              <a:t>有一套完备的 </a:t>
+            </a:r>
+            <a:r>
+              <a:rPr lang="en-US" altLang="zh-CN" sz="1200" dirty="0"/>
+              <a:t>I/O </a:t>
+            </a:r>
+            <a:r>
+              <a:rPr lang="zh-CN" altLang="en-US" sz="1200" dirty="0"/>
+              <a:t>类，但</a:t>
+            </a:r>
+            <a:r>
+              <a:rPr lang="zh-CN" altLang="en-US" sz="1200" dirty="0" smtClean="0"/>
+              <a:t>迄今为止</a:t>
+            </a:r>
+            <a:r>
+              <a:rPr lang="zh-CN" altLang="en-US" sz="1200" dirty="0"/>
+              <a:t>还只是针对通用特性，通常位于高端抽象层，横跨各种操作系统。这些 </a:t>
+            </a:r>
+            <a:r>
+              <a:rPr lang="en-US" altLang="zh-CN" sz="1200" dirty="0"/>
+              <a:t>I/O </a:t>
+            </a:r>
+            <a:r>
+              <a:rPr lang="zh-CN" altLang="en-US" sz="1200" dirty="0"/>
+              <a:t>类主要面向流</a:t>
+            </a:r>
+            <a:r>
+              <a:rPr lang="zh-CN" altLang="en-US" sz="1200" dirty="0" smtClean="0"/>
+              <a:t>数据</a:t>
+            </a:r>
+            <a:r>
+              <a:rPr lang="zh-CN" altLang="en-US" sz="1200" dirty="0"/>
+              <a:t>，经常为了处理个别字节或字符，就要执行好几个对象层的方法调用。</a:t>
+            </a:r>
+            <a:endParaRPr lang="en-US" altLang="zh-CN" sz="1200" dirty="0" smtClean="0"/>
+          </a:p>
+          <a:p>
+            <a:r>
+              <a:rPr lang="en-US" altLang="zh-CN" dirty="0" smtClean="0"/>
+              <a:t>Java NIO</a:t>
+            </a:r>
+            <a:r>
+              <a:rPr lang="zh-CN" altLang="en-US" dirty="0" smtClean="0"/>
+              <a:t>引入</a:t>
+            </a:r>
+            <a:r>
+              <a:rPr lang="en-US" altLang="zh-CN" dirty="0"/>
+              <a:t>B</a:t>
+            </a:r>
+            <a:r>
+              <a:rPr lang="en-US" altLang="zh-CN" dirty="0" smtClean="0"/>
+              <a:t>uffer</a:t>
+            </a:r>
+            <a:r>
+              <a:rPr lang="zh-CN" altLang="en-US" dirty="0" smtClean="0"/>
+              <a:t>、</a:t>
+            </a:r>
+            <a:r>
+              <a:rPr lang="en-US" altLang="zh-CN" dirty="0" smtClean="0"/>
               <a:t>Channel</a:t>
             </a:r>
-            <a:endParaRPr lang="zh-CN" altLang="en-US" dirty="0"/>
-          </a:p>
-        </p:txBody>
-      </p:sp>
-      <p:sp>
-        <p:nvSpPr>
-          <p:cNvPr id="3" name="内容占位符 2"/>
-          <p:cNvSpPr>
-            <a:spLocks noGrp="1"/>
-          </p:cNvSpPr>
-          <p:nvPr>
-            <p:ph idx="1"/>
-          </p:nvPr>
-        </p:nvSpPr>
-        <p:spPr/>
-        <p:txBody>
-          <a:bodyPr/>
-          <a:lstStyle/>
-          <a:p>
-            <a:endParaRPr lang="zh-CN" altLang="en-US"/>
+            <a:r>
+              <a:rPr lang="zh-CN" altLang="en-US" dirty="0" smtClean="0"/>
+              <a:t>允许批量字节</a:t>
+            </a:r>
+            <a:r>
+              <a:rPr lang="zh-CN" altLang="en-US" dirty="0" smtClean="0"/>
+              <a:t>操作</a:t>
+            </a:r>
+            <a:endParaRPr lang="en-US" altLang="zh-CN" dirty="0" smtClean="0"/>
+          </a:p>
+          <a:p>
+            <a:r>
+              <a:rPr lang="zh-CN" altLang="en-US" sz="1200" dirty="0"/>
+              <a:t>操作系统与 </a:t>
+            </a:r>
+            <a:r>
+              <a:rPr lang="en-US" altLang="zh-CN" sz="1200" dirty="0"/>
+              <a:t>Java </a:t>
+            </a:r>
+            <a:r>
+              <a:rPr lang="zh-CN" altLang="en-US" sz="1200" dirty="0"/>
+              <a:t>基于流的 </a:t>
+            </a:r>
+            <a:r>
+              <a:rPr lang="en-US" altLang="zh-CN" sz="1200" dirty="0" smtClean="0"/>
+              <a:t>I/O</a:t>
+            </a:r>
+            <a:r>
+              <a:rPr lang="zh-CN" altLang="en-US" sz="1200" dirty="0" smtClean="0"/>
+              <a:t>模型</a:t>
+            </a:r>
+            <a:r>
+              <a:rPr lang="zh-CN" altLang="en-US" sz="1200" dirty="0"/>
+              <a:t>有些不匹配。操作系统要移动的是大块数据（缓冲区），这往往是在硬件</a:t>
+            </a:r>
+            <a:r>
+              <a:rPr lang="zh-CN" altLang="en-US" sz="1200" dirty="0" smtClean="0"/>
+              <a:t>直接存储器存取（</a:t>
+            </a:r>
+            <a:r>
+              <a:rPr lang="en-US" altLang="zh-CN" sz="1200" dirty="0"/>
+              <a:t>DMA</a:t>
+            </a:r>
+            <a:r>
+              <a:rPr lang="zh-CN" altLang="en-US" sz="1200" dirty="0"/>
+              <a:t>）的协助下完成的。而 </a:t>
+            </a:r>
+            <a:r>
+              <a:rPr lang="en-US" altLang="zh-CN" sz="1200" dirty="0"/>
+              <a:t>JVM </a:t>
+            </a:r>
+            <a:r>
+              <a:rPr lang="zh-CN" altLang="en-US" sz="1200" dirty="0"/>
+              <a:t>的 </a:t>
+            </a:r>
+            <a:r>
+              <a:rPr lang="en-US" altLang="zh-CN" sz="1200" dirty="0"/>
+              <a:t>I/O </a:t>
+            </a:r>
+            <a:r>
+              <a:rPr lang="zh-CN" altLang="en-US" sz="1200" dirty="0"/>
+              <a:t>类喜欢操作小块数据</a:t>
+            </a:r>
+            <a:r>
+              <a:rPr lang="en-US" altLang="zh-CN" sz="1200" dirty="0"/>
+              <a:t>——</a:t>
+            </a:r>
+            <a:r>
+              <a:rPr lang="zh-CN" altLang="en-US" sz="1200" dirty="0"/>
+              <a:t>单个字节、几行文本。结果</a:t>
+            </a:r>
+            <a:r>
+              <a:rPr lang="zh-CN" altLang="en-US" sz="1200" dirty="0" smtClean="0"/>
+              <a:t>，操作系统</a:t>
+            </a:r>
+            <a:r>
+              <a:rPr lang="zh-CN" altLang="en-US" sz="1200" dirty="0"/>
+              <a:t>送来整缓冲区的数据，</a:t>
+            </a:r>
+            <a:r>
+              <a:rPr lang="en-US" altLang="zh-CN" sz="1200" dirty="0"/>
+              <a:t>java.io </a:t>
+            </a:r>
+            <a:r>
+              <a:rPr lang="zh-CN" altLang="en-US" sz="1200" dirty="0"/>
+              <a:t>的流数据类再花大量时间把它们拆成小块，往往拷贝</a:t>
+            </a:r>
+            <a:r>
+              <a:rPr lang="zh-CN" altLang="en-US" sz="1200" dirty="0" smtClean="0"/>
+              <a:t>一个</a:t>
+            </a:r>
+            <a:r>
+              <a:rPr lang="zh-CN" altLang="en-US" sz="1200" dirty="0"/>
+              <a:t>小块就要往返于几层对象。操作系统喜欢整卡车地运来数据，</a:t>
+            </a:r>
+            <a:r>
+              <a:rPr lang="en-US" altLang="zh-CN" sz="1200" dirty="0"/>
+              <a:t>java.io </a:t>
+            </a:r>
+            <a:r>
+              <a:rPr lang="zh-CN" altLang="en-US" sz="1200" dirty="0"/>
+              <a:t>类则喜欢一铲子一</a:t>
+            </a:r>
+            <a:r>
+              <a:rPr lang="zh-CN" altLang="en-US" sz="1200" dirty="0" smtClean="0"/>
+              <a:t>铲子地</a:t>
+            </a:r>
+            <a:r>
+              <a:rPr lang="zh-CN" altLang="en-US" sz="1200" dirty="0"/>
+              <a:t>加工数据。有了 </a:t>
+            </a:r>
+            <a:r>
+              <a:rPr lang="en-US" altLang="zh-CN" sz="1200" dirty="0"/>
+              <a:t>NIO</a:t>
+            </a:r>
+            <a:r>
+              <a:rPr lang="zh-CN" altLang="en-US" sz="1200" dirty="0"/>
+              <a:t>，就可以轻松地把一卡车数据备份到您能直接使用的地方（</a:t>
+            </a:r>
+            <a:r>
+              <a:rPr lang="en-US" altLang="zh-CN" sz="1200" dirty="0" err="1"/>
+              <a:t>ByteBuffer</a:t>
+            </a:r>
+            <a:r>
+              <a:rPr lang="en-US" altLang="zh-CN" sz="1200" dirty="0"/>
+              <a:t> </a:t>
+            </a:r>
+            <a:r>
+              <a:rPr lang="zh-CN" altLang="en-US" sz="1200" dirty="0" smtClean="0"/>
+              <a:t>对象</a:t>
+            </a:r>
+            <a:r>
+              <a:rPr lang="zh-CN" altLang="en-US" sz="1200" dirty="0"/>
+              <a:t>）。</a:t>
+            </a:r>
+            <a:endParaRPr lang="en-US" altLang="zh-CN" sz="1200" dirty="0" smtClean="0"/>
           </a:p>
         </p:txBody>
       </p:sp>
     </p:spTree>
     <p:extLst>
       <p:ext uri="{BB962C8B-B14F-4D97-AF65-F5344CB8AC3E}">
-        <p14:creationId xmlns:p14="http://schemas.microsoft.com/office/powerpoint/2010/main" val="3893680555"/>
+        <p14:creationId xmlns:p14="http://schemas.microsoft.com/office/powerpoint/2010/main" val="3711083681"/>
       </p:ext>
     </p:extLst>
   </p:cSld>
@@ -3865,7 +4950,7 @@
           <a:p>
             <a:r>
               <a:rPr lang="en-US" altLang="zh-CN" dirty="0" smtClean="0"/>
-              <a:t>Selector</a:t>
+              <a:t>Buffer</a:t>
             </a:r>
             <a:endParaRPr lang="zh-CN" altLang="en-US" dirty="0"/>
           </a:p>
@@ -3886,50 +4971,173 @@
           <a:bodyPr/>
           <a:lstStyle/>
           <a:p>
-            <a:r>
-              <a:rPr lang="zh-CN" altLang="en-US" dirty="0" smtClean="0"/>
-              <a:t>操作系统</a:t>
-            </a:r>
-            <a:r>
-              <a:rPr lang="en-US" altLang="zh-CN" dirty="0" err="1" smtClean="0"/>
-              <a:t>io</a:t>
-            </a:r>
-            <a:r>
-              <a:rPr lang="zh-CN" altLang="en-US" dirty="0" smtClean="0"/>
-              <a:t>调用（</a:t>
-            </a:r>
-            <a:r>
-              <a:rPr lang="en-US" altLang="zh-CN" dirty="0" smtClean="0"/>
-              <a:t>select</a:t>
-            </a:r>
-            <a:r>
-              <a:rPr lang="zh-CN" altLang="en-US" dirty="0" smtClean="0"/>
-              <a:t>、</a:t>
-            </a:r>
-            <a:r>
-              <a:rPr lang="en-US" altLang="zh-CN" dirty="0" smtClean="0"/>
-              <a:t>poll</a:t>
-            </a:r>
-            <a:r>
-              <a:rPr lang="zh-CN" altLang="en-US" dirty="0" smtClean="0"/>
-              <a:t>、</a:t>
-            </a:r>
-            <a:r>
-              <a:rPr lang="en-US" altLang="zh-CN" dirty="0" err="1" smtClean="0"/>
-              <a:t>epool</a:t>
-            </a:r>
-            <a:r>
-              <a:rPr lang="zh-CN" altLang="en-US" dirty="0" smtClean="0"/>
-              <a:t>）</a:t>
-            </a:r>
-            <a:endParaRPr lang="zh-CN" altLang="en-US" dirty="0"/>
+            <a:endParaRPr lang="zh-CN" altLang="en-US"/>
           </a:p>
         </p:txBody>
       </p:sp>
     </p:spTree>
     <p:extLst>
       <p:ext uri="{BB962C8B-B14F-4D97-AF65-F5344CB8AC3E}">
-        <p14:creationId xmlns:p14="http://schemas.microsoft.com/office/powerpoint/2010/main" val="3777469752"/>
+        <p14:creationId xmlns:p14="http://schemas.microsoft.com/office/powerpoint/2010/main" val="2680780946"/>
+      </p:ext>
+    </p:extLst>
+  </p:cSld>
+  <p:clrMapOvr>
+    <a:masterClrMapping/>
+  </p:clrMapOvr>
+</p:sld>
+</file>
+
+<file path=ppt/slides/slide9.xml><?xml version="1.0" encoding="utf-8"?>
+<p:sld xmlns:a="http://schemas.openxmlformats.org/drawingml/2006/main" xmlns:r="http://schemas.openxmlformats.org/officeDocument/2006/relationships" xmlns:p="http://schemas.openxmlformats.org/presentationml/2006/main">
+  <p:cSld>
+    <p:spTree>
+      <p:nvGrpSpPr>
+        <p:cNvPr id="1" name=""/>
+        <p:cNvGrpSpPr/>
+        <p:nvPr/>
+      </p:nvGrpSpPr>
+      <p:grpSpPr>
+        <a:xfrm>
+          <a:off x="0" y="0"/>
+          <a:ext cx="0" cy="0"/>
+          <a:chOff x="0" y="0"/>
+          <a:chExt cx="0" cy="0"/>
+        </a:xfrm>
+      </p:grpSpPr>
+      <p:sp>
+        <p:nvSpPr>
+          <p:cNvPr id="2" name="标题 1"/>
+          <p:cNvSpPr>
+            <a:spLocks noGrp="1"/>
+          </p:cNvSpPr>
+          <p:nvPr>
+            <p:ph type="title"/>
+          </p:nvPr>
+        </p:nvSpPr>
+        <p:spPr/>
+        <p:txBody>
+          <a:bodyPr/>
+          <a:lstStyle/>
+          <a:p>
+            <a:r>
+              <a:rPr lang="en-US" altLang="zh-CN" dirty="0" err="1" smtClean="0"/>
+              <a:t>MappedByteBuffer</a:t>
+            </a:r>
+            <a:endParaRPr lang="zh-CN" altLang="en-US" dirty="0"/>
+          </a:p>
+        </p:txBody>
+      </p:sp>
+      <p:sp>
+        <p:nvSpPr>
+          <p:cNvPr id="3" name="内容占位符 2"/>
+          <p:cNvSpPr>
+            <a:spLocks noGrp="1"/>
+          </p:cNvSpPr>
+          <p:nvPr>
+            <p:ph idx="1"/>
+          </p:nvPr>
+        </p:nvSpPr>
+        <p:spPr/>
+        <p:txBody>
+          <a:bodyPr>
+            <a:normAutofit lnSpcReduction="10000"/>
+          </a:bodyPr>
+          <a:lstStyle/>
+          <a:p>
+            <a:r>
+              <a:rPr lang="en-US" altLang="zh-CN" dirty="0" smtClean="0">
+                <a:effectLst/>
+              </a:rPr>
+              <a:t>A direct byte buffer whose content is a memory-mapped region of a file. </a:t>
+            </a:r>
+          </a:p>
+          <a:p>
+            <a:r>
+              <a:rPr lang="zh-CN" altLang="en-US" dirty="0" smtClean="0"/>
+              <a:t>内存映射文件</a:t>
+            </a:r>
+            <a:endParaRPr lang="en-US" altLang="zh-CN" dirty="0" smtClean="0"/>
+          </a:p>
+          <a:p>
+            <a:r>
+              <a:rPr lang="zh-CN" altLang="en-US" dirty="0" smtClean="0">
+                <a:effectLst/>
+              </a:rPr>
+              <a:t>操作系统内核空间</a:t>
+            </a:r>
+            <a:r>
+              <a:rPr lang="en-US" altLang="zh-CN" dirty="0" smtClean="0">
+                <a:effectLst/>
+              </a:rPr>
+              <a:t>&amp;</a:t>
+            </a:r>
+            <a:r>
+              <a:rPr lang="zh-CN" altLang="en-US" dirty="0" smtClean="0">
+                <a:effectLst/>
+              </a:rPr>
+              <a:t>用户空间</a:t>
+            </a:r>
+            <a:endParaRPr lang="en-US" altLang="zh-CN" dirty="0" smtClean="0">
+              <a:effectLst/>
+            </a:endParaRPr>
+          </a:p>
+          <a:p>
+            <a:r>
+              <a:rPr lang="zh-CN" altLang="en-US" dirty="0" smtClean="0"/>
+              <a:t>虚拟内存</a:t>
+            </a:r>
+            <a:r>
+              <a:rPr lang="en-US" altLang="zh-CN" dirty="0" smtClean="0"/>
+              <a:t>&amp;</a:t>
+            </a:r>
+            <a:r>
+              <a:rPr lang="zh-CN" altLang="en-US" dirty="0" smtClean="0"/>
+              <a:t>内存分页</a:t>
+            </a:r>
+            <a:endParaRPr lang="en-US" altLang="zh-CN" dirty="0" smtClean="0"/>
+          </a:p>
+          <a:p>
+            <a:r>
+              <a:rPr lang="zh-CN" altLang="en-US" dirty="0" smtClean="0">
+                <a:effectLst/>
+              </a:rPr>
+              <a:t>文件系统</a:t>
+            </a:r>
+            <a:endParaRPr lang="en-US" altLang="zh-CN" dirty="0" smtClean="0">
+              <a:effectLst/>
+            </a:endParaRPr>
+          </a:p>
+          <a:p>
+            <a:r>
+              <a:rPr lang="zh-CN" altLang="en-US" dirty="0" smtClean="0"/>
+              <a:t>文件空洞（</a:t>
+            </a:r>
+            <a:r>
+              <a:rPr lang="en-US" altLang="zh-CN" dirty="0" smtClean="0"/>
+              <a:t>File Hole</a:t>
+            </a:r>
+            <a:r>
+              <a:rPr lang="zh-CN" altLang="en-US" dirty="0" smtClean="0"/>
+              <a:t>）</a:t>
+            </a:r>
+            <a:endParaRPr lang="en-US" altLang="zh-CN" dirty="0" smtClean="0">
+              <a:effectLst/>
+            </a:endParaRPr>
+          </a:p>
+          <a:p>
+            <a:r>
+              <a:rPr lang="zh-CN" altLang="en-US" dirty="0" smtClean="0"/>
+              <a:t>字节顺序</a:t>
+            </a:r>
+            <a:endParaRPr lang="zh-CN" altLang="en-US" dirty="0"/>
+          </a:p>
+        </p:txBody>
+      </p:sp>
+    </p:spTree>
+    <p:extLst>
+      <p:ext uri="{BB962C8B-B14F-4D97-AF65-F5344CB8AC3E}">
+        <p14:creationId xmlns:p14="http://schemas.microsoft.com/office/powerpoint/2010/main" val="2938540346"/>
       </p:ext>
     </p:extLst>
   </p:cSld>

--- a/扒一扒Java IO那些事儿.pptx
+++ b/扒一扒Java IO那些事儿.pptx
@@ -4,19 +4,28 @@
   <p:sldMasterIdLst>
     <p:sldMasterId id="2147483648" r:id="rId1"/>
   </p:sldMasterIdLst>
+  <p:notesMasterIdLst>
+    <p:notesMasterId r:id="rId20"/>
+  </p:notesMasterIdLst>
   <p:sldIdLst>
     <p:sldId id="256" r:id="rId2"/>
-    <p:sldId id="266" r:id="rId3"/>
-    <p:sldId id="257" r:id="rId4"/>
-    <p:sldId id="264" r:id="rId5"/>
-    <p:sldId id="265" r:id="rId6"/>
-    <p:sldId id="267" r:id="rId7"/>
-    <p:sldId id="262" r:id="rId8"/>
-    <p:sldId id="258" r:id="rId9"/>
-    <p:sldId id="261" r:id="rId10"/>
-    <p:sldId id="263" r:id="rId11"/>
-    <p:sldId id="259" r:id="rId12"/>
-    <p:sldId id="260" r:id="rId13"/>
+    <p:sldId id="268" r:id="rId3"/>
+    <p:sldId id="266" r:id="rId4"/>
+    <p:sldId id="257" r:id="rId5"/>
+    <p:sldId id="262" r:id="rId6"/>
+    <p:sldId id="258" r:id="rId7"/>
+    <p:sldId id="269" r:id="rId8"/>
+    <p:sldId id="270" r:id="rId9"/>
+    <p:sldId id="273" r:id="rId10"/>
+    <p:sldId id="272" r:id="rId11"/>
+    <p:sldId id="274" r:id="rId12"/>
+    <p:sldId id="275" r:id="rId13"/>
+    <p:sldId id="261" r:id="rId14"/>
+    <p:sldId id="264" r:id="rId15"/>
+    <p:sldId id="265" r:id="rId16"/>
+    <p:sldId id="263" r:id="rId17"/>
+    <p:sldId id="259" r:id="rId18"/>
+    <p:sldId id="260" r:id="rId19"/>
   </p:sldIdLst>
   <p:sldSz cx="9144000" cy="6858000" type="screen4x3"/>
   <p:notesSz cx="6858000" cy="9144000"/>
@@ -118,6 +127,727 @@
 </p:presentation>
 </file>
 
+<file path=ppt/notesMasters/notesMaster1.xml><?xml version="1.0" encoding="utf-8"?>
+<p:notesMaster xmlns:a="http://schemas.openxmlformats.org/drawingml/2006/main" xmlns:r="http://schemas.openxmlformats.org/officeDocument/2006/relationships" xmlns:p="http://schemas.openxmlformats.org/presentationml/2006/main">
+  <p:cSld>
+    <p:bg>
+      <p:bgRef idx="1001">
+        <a:schemeClr val="bg1"/>
+      </p:bgRef>
+    </p:bg>
+    <p:spTree>
+      <p:nvGrpSpPr>
+        <p:cNvPr id="1" name=""/>
+        <p:cNvGrpSpPr/>
+        <p:nvPr/>
+      </p:nvGrpSpPr>
+      <p:grpSpPr>
+        <a:xfrm>
+          <a:off x="0" y="0"/>
+          <a:ext cx="0" cy="0"/>
+          <a:chOff x="0" y="0"/>
+          <a:chExt cx="0" cy="0"/>
+        </a:xfrm>
+      </p:grpSpPr>
+      <p:sp>
+        <p:nvSpPr>
+          <p:cNvPr id="2" name="页眉占位符 1"/>
+          <p:cNvSpPr>
+            <a:spLocks noGrp="1"/>
+          </p:cNvSpPr>
+          <p:nvPr>
+            <p:ph type="hdr" sz="quarter"/>
+          </p:nvPr>
+        </p:nvSpPr>
+        <p:spPr>
+          <a:xfrm>
+            <a:off x="0" y="0"/>
+            <a:ext cx="2971800" cy="457200"/>
+          </a:xfrm>
+          <a:prstGeom prst="rect">
+            <a:avLst/>
+          </a:prstGeom>
+        </p:spPr>
+        <p:txBody>
+          <a:bodyPr vert="horz" lIns="91440" tIns="45720" rIns="91440" bIns="45720" rtlCol="0"/>
+          <a:lstStyle>
+            <a:lvl1pPr algn="l">
+              <a:defRPr sz="1200"/>
+            </a:lvl1pPr>
+          </a:lstStyle>
+          <a:p>
+            <a:endParaRPr lang="zh-CN" altLang="en-US"/>
+          </a:p>
+        </p:txBody>
+      </p:sp>
+      <p:sp>
+        <p:nvSpPr>
+          <p:cNvPr id="3" name="日期占位符 2"/>
+          <p:cNvSpPr>
+            <a:spLocks noGrp="1"/>
+          </p:cNvSpPr>
+          <p:nvPr>
+            <p:ph type="dt" idx="1"/>
+          </p:nvPr>
+        </p:nvSpPr>
+        <p:spPr>
+          <a:xfrm>
+            <a:off x="3884613" y="0"/>
+            <a:ext cx="2971800" cy="457200"/>
+          </a:xfrm>
+          <a:prstGeom prst="rect">
+            <a:avLst/>
+          </a:prstGeom>
+        </p:spPr>
+        <p:txBody>
+          <a:bodyPr vert="horz" lIns="91440" tIns="45720" rIns="91440" bIns="45720" rtlCol="0"/>
+          <a:lstStyle>
+            <a:lvl1pPr algn="r">
+              <a:defRPr sz="1200"/>
+            </a:lvl1pPr>
+          </a:lstStyle>
+          <a:p>
+            <a:fld id="{8D0A4D32-5E3E-4AA6-B8C4-5345957C6B64}" type="datetimeFigureOut">
+              <a:rPr lang="zh-CN" altLang="en-US" smtClean="0"/>
+              <a:t>2016-12-08</a:t>
+            </a:fld>
+            <a:endParaRPr lang="zh-CN" altLang="en-US"/>
+          </a:p>
+        </p:txBody>
+      </p:sp>
+      <p:sp>
+        <p:nvSpPr>
+          <p:cNvPr id="4" name="幻灯片图像占位符 3"/>
+          <p:cNvSpPr>
+            <a:spLocks noGrp="1" noRot="1" noChangeAspect="1"/>
+          </p:cNvSpPr>
+          <p:nvPr>
+            <p:ph type="sldImg" idx="2"/>
+          </p:nvPr>
+        </p:nvSpPr>
+        <p:spPr>
+          <a:xfrm>
+            <a:off x="1143000" y="685800"/>
+            <a:ext cx="4572000" cy="3429000"/>
+          </a:xfrm>
+          <a:prstGeom prst="rect">
+            <a:avLst/>
+          </a:prstGeom>
+          <a:noFill/>
+          <a:ln w="12700">
+            <a:solidFill>
+              <a:prstClr val="black"/>
+            </a:solidFill>
+          </a:ln>
+        </p:spPr>
+        <p:txBody>
+          <a:bodyPr vert="horz" lIns="91440" tIns="45720" rIns="91440" bIns="45720" rtlCol="0" anchor="ctr"/>
+          <a:lstStyle/>
+          <a:p>
+            <a:endParaRPr lang="zh-CN" altLang="en-US"/>
+          </a:p>
+        </p:txBody>
+      </p:sp>
+      <p:sp>
+        <p:nvSpPr>
+          <p:cNvPr id="5" name="备注占位符 4"/>
+          <p:cNvSpPr>
+            <a:spLocks noGrp="1"/>
+          </p:cNvSpPr>
+          <p:nvPr>
+            <p:ph type="body" sz="quarter" idx="3"/>
+          </p:nvPr>
+        </p:nvSpPr>
+        <p:spPr>
+          <a:xfrm>
+            <a:off x="685800" y="4343400"/>
+            <a:ext cx="5486400" cy="4114800"/>
+          </a:xfrm>
+          <a:prstGeom prst="rect">
+            <a:avLst/>
+          </a:prstGeom>
+        </p:spPr>
+        <p:txBody>
+          <a:bodyPr vert="horz" lIns="91440" tIns="45720" rIns="91440" bIns="45720" rtlCol="0"/>
+          <a:lstStyle/>
+          <a:p>
+            <a:pPr lvl="0"/>
+            <a:r>
+              <a:rPr lang="zh-CN" altLang="en-US" smtClean="0"/>
+              <a:t>单击此处编辑母版文本样式</a:t>
+            </a:r>
+          </a:p>
+          <a:p>
+            <a:pPr lvl="1"/>
+            <a:r>
+              <a:rPr lang="zh-CN" altLang="en-US" smtClean="0"/>
+              <a:t>第二级</a:t>
+            </a:r>
+          </a:p>
+          <a:p>
+            <a:pPr lvl="2"/>
+            <a:r>
+              <a:rPr lang="zh-CN" altLang="en-US" smtClean="0"/>
+              <a:t>第三级</a:t>
+            </a:r>
+          </a:p>
+          <a:p>
+            <a:pPr lvl="3"/>
+            <a:r>
+              <a:rPr lang="zh-CN" altLang="en-US" smtClean="0"/>
+              <a:t>第四级</a:t>
+            </a:r>
+          </a:p>
+          <a:p>
+            <a:pPr lvl="4"/>
+            <a:r>
+              <a:rPr lang="zh-CN" altLang="en-US" smtClean="0"/>
+              <a:t>第五级</a:t>
+            </a:r>
+            <a:endParaRPr lang="zh-CN" altLang="en-US"/>
+          </a:p>
+        </p:txBody>
+      </p:sp>
+      <p:sp>
+        <p:nvSpPr>
+          <p:cNvPr id="6" name="页脚占位符 5"/>
+          <p:cNvSpPr>
+            <a:spLocks noGrp="1"/>
+          </p:cNvSpPr>
+          <p:nvPr>
+            <p:ph type="ftr" sz="quarter" idx="4"/>
+          </p:nvPr>
+        </p:nvSpPr>
+        <p:spPr>
+          <a:xfrm>
+            <a:off x="0" y="8685213"/>
+            <a:ext cx="2971800" cy="457200"/>
+          </a:xfrm>
+          <a:prstGeom prst="rect">
+            <a:avLst/>
+          </a:prstGeom>
+        </p:spPr>
+        <p:txBody>
+          <a:bodyPr vert="horz" lIns="91440" tIns="45720" rIns="91440" bIns="45720" rtlCol="0" anchor="b"/>
+          <a:lstStyle>
+            <a:lvl1pPr algn="l">
+              <a:defRPr sz="1200"/>
+            </a:lvl1pPr>
+          </a:lstStyle>
+          <a:p>
+            <a:endParaRPr lang="zh-CN" altLang="en-US"/>
+          </a:p>
+        </p:txBody>
+      </p:sp>
+      <p:sp>
+        <p:nvSpPr>
+          <p:cNvPr id="7" name="灯片编号占位符 6"/>
+          <p:cNvSpPr>
+            <a:spLocks noGrp="1"/>
+          </p:cNvSpPr>
+          <p:nvPr>
+            <p:ph type="sldNum" sz="quarter" idx="5"/>
+          </p:nvPr>
+        </p:nvSpPr>
+        <p:spPr>
+          <a:xfrm>
+            <a:off x="3884613" y="8685213"/>
+            <a:ext cx="2971800" cy="457200"/>
+          </a:xfrm>
+          <a:prstGeom prst="rect">
+            <a:avLst/>
+          </a:prstGeom>
+        </p:spPr>
+        <p:txBody>
+          <a:bodyPr vert="horz" lIns="91440" tIns="45720" rIns="91440" bIns="45720" rtlCol="0" anchor="b"/>
+          <a:lstStyle>
+            <a:lvl1pPr algn="r">
+              <a:defRPr sz="1200"/>
+            </a:lvl1pPr>
+          </a:lstStyle>
+          <a:p>
+            <a:fld id="{4FBAD5A4-DF14-402B-8AB5-0BCE7F23E77D}" type="slidenum">
+              <a:rPr lang="zh-CN" altLang="en-US" smtClean="0"/>
+              <a:t>‹#›</a:t>
+            </a:fld>
+            <a:endParaRPr lang="zh-CN" altLang="en-US"/>
+          </a:p>
+        </p:txBody>
+      </p:sp>
+    </p:spTree>
+    <p:extLst>
+      <p:ext uri="{BB962C8B-B14F-4D97-AF65-F5344CB8AC3E}">
+        <p14:creationId xmlns:p14="http://schemas.microsoft.com/office/powerpoint/2010/main" val="1995783777"/>
+      </p:ext>
+    </p:extLst>
+  </p:cSld>
+  <p:clrMap bg1="lt1" tx1="dk1" bg2="lt2" tx2="dk2" accent1="accent1" accent2="accent2" accent3="accent3" accent4="accent4" accent5="accent5" accent6="accent6" hlink="hlink" folHlink="folHlink"/>
+  <p:notesStyle>
+    <a:lvl1pPr marL="0" algn="l" defTabSz="914400" rtl="0" eaLnBrk="1" latinLnBrk="0" hangingPunct="1">
+      <a:defRPr sz="1200" kern="1200">
+        <a:solidFill>
+          <a:schemeClr val="tx1"/>
+        </a:solidFill>
+        <a:latin typeface="+mn-lt"/>
+        <a:ea typeface="+mn-ea"/>
+        <a:cs typeface="+mn-cs"/>
+      </a:defRPr>
+    </a:lvl1pPr>
+    <a:lvl2pPr marL="457200" algn="l" defTabSz="914400" rtl="0" eaLnBrk="1" latinLnBrk="0" hangingPunct="1">
+      <a:defRPr sz="1200" kern="1200">
+        <a:solidFill>
+          <a:schemeClr val="tx1"/>
+        </a:solidFill>
+        <a:latin typeface="+mn-lt"/>
+        <a:ea typeface="+mn-ea"/>
+        <a:cs typeface="+mn-cs"/>
+      </a:defRPr>
+    </a:lvl2pPr>
+    <a:lvl3pPr marL="914400" algn="l" defTabSz="914400" rtl="0" eaLnBrk="1" latinLnBrk="0" hangingPunct="1">
+      <a:defRPr sz="1200" kern="1200">
+        <a:solidFill>
+          <a:schemeClr val="tx1"/>
+        </a:solidFill>
+        <a:latin typeface="+mn-lt"/>
+        <a:ea typeface="+mn-ea"/>
+        <a:cs typeface="+mn-cs"/>
+      </a:defRPr>
+    </a:lvl3pPr>
+    <a:lvl4pPr marL="1371600" algn="l" defTabSz="914400" rtl="0" eaLnBrk="1" latinLnBrk="0" hangingPunct="1">
+      <a:defRPr sz="1200" kern="1200">
+        <a:solidFill>
+          <a:schemeClr val="tx1"/>
+        </a:solidFill>
+        <a:latin typeface="+mn-lt"/>
+        <a:ea typeface="+mn-ea"/>
+        <a:cs typeface="+mn-cs"/>
+      </a:defRPr>
+    </a:lvl4pPr>
+    <a:lvl5pPr marL="1828800" algn="l" defTabSz="914400" rtl="0" eaLnBrk="1" latinLnBrk="0" hangingPunct="1">
+      <a:defRPr sz="1200" kern="1200">
+        <a:solidFill>
+          <a:schemeClr val="tx1"/>
+        </a:solidFill>
+        <a:latin typeface="+mn-lt"/>
+        <a:ea typeface="+mn-ea"/>
+        <a:cs typeface="+mn-cs"/>
+      </a:defRPr>
+    </a:lvl5pPr>
+    <a:lvl6pPr marL="2286000" algn="l" defTabSz="914400" rtl="0" eaLnBrk="1" latinLnBrk="0" hangingPunct="1">
+      <a:defRPr sz="1200" kern="1200">
+        <a:solidFill>
+          <a:schemeClr val="tx1"/>
+        </a:solidFill>
+        <a:latin typeface="+mn-lt"/>
+        <a:ea typeface="+mn-ea"/>
+        <a:cs typeface="+mn-cs"/>
+      </a:defRPr>
+    </a:lvl6pPr>
+    <a:lvl7pPr marL="2743200" algn="l" defTabSz="914400" rtl="0" eaLnBrk="1" latinLnBrk="0" hangingPunct="1">
+      <a:defRPr sz="1200" kern="1200">
+        <a:solidFill>
+          <a:schemeClr val="tx1"/>
+        </a:solidFill>
+        <a:latin typeface="+mn-lt"/>
+        <a:ea typeface="+mn-ea"/>
+        <a:cs typeface="+mn-cs"/>
+      </a:defRPr>
+    </a:lvl7pPr>
+    <a:lvl8pPr marL="3200400" algn="l" defTabSz="914400" rtl="0" eaLnBrk="1" latinLnBrk="0" hangingPunct="1">
+      <a:defRPr sz="1200" kern="1200">
+        <a:solidFill>
+          <a:schemeClr val="tx1"/>
+        </a:solidFill>
+        <a:latin typeface="+mn-lt"/>
+        <a:ea typeface="+mn-ea"/>
+        <a:cs typeface="+mn-cs"/>
+      </a:defRPr>
+    </a:lvl8pPr>
+    <a:lvl9pPr marL="3657600" algn="l" defTabSz="914400" rtl="0" eaLnBrk="1" latinLnBrk="0" hangingPunct="1">
+      <a:defRPr sz="1200" kern="1200">
+        <a:solidFill>
+          <a:schemeClr val="tx1"/>
+        </a:solidFill>
+        <a:latin typeface="+mn-lt"/>
+        <a:ea typeface="+mn-ea"/>
+        <a:cs typeface="+mn-cs"/>
+      </a:defRPr>
+    </a:lvl9pPr>
+  </p:notesStyle>
+</p:notesMaster>
+</file>
+
+<file path=ppt/notesSlides/notesSlide1.xml><?xml version="1.0" encoding="utf-8"?>
+<p:notes xmlns:a="http://schemas.openxmlformats.org/drawingml/2006/main" xmlns:r="http://schemas.openxmlformats.org/officeDocument/2006/relationships" xmlns:p="http://schemas.openxmlformats.org/presentationml/2006/main">
+  <p:cSld>
+    <p:spTree>
+      <p:nvGrpSpPr>
+        <p:cNvPr id="1" name=""/>
+        <p:cNvGrpSpPr/>
+        <p:nvPr/>
+      </p:nvGrpSpPr>
+      <p:grpSpPr>
+        <a:xfrm>
+          <a:off x="0" y="0"/>
+          <a:ext cx="0" cy="0"/>
+          <a:chOff x="0" y="0"/>
+          <a:chExt cx="0" cy="0"/>
+        </a:xfrm>
+      </p:grpSpPr>
+      <p:sp>
+        <p:nvSpPr>
+          <p:cNvPr id="2" name="幻灯片图像占位符 1"/>
+          <p:cNvSpPr>
+            <a:spLocks noGrp="1" noRot="1" noChangeAspect="1"/>
+          </p:cNvSpPr>
+          <p:nvPr>
+            <p:ph type="sldImg"/>
+          </p:nvPr>
+        </p:nvSpPr>
+        <p:spPr/>
+      </p:sp>
+      <p:sp>
+        <p:nvSpPr>
+          <p:cNvPr id="3" name="备注占位符 2"/>
+          <p:cNvSpPr>
+            <a:spLocks noGrp="1"/>
+          </p:cNvSpPr>
+          <p:nvPr>
+            <p:ph type="body" idx="1"/>
+          </p:nvPr>
+        </p:nvSpPr>
+        <p:spPr/>
+        <p:txBody>
+          <a:bodyPr/>
+          <a:lstStyle/>
+          <a:p>
+            <a:pPr marL="0" marR="0" indent="0" algn="l" defTabSz="914400" rtl="0" eaLnBrk="1" fontAlgn="auto" latinLnBrk="0" hangingPunct="1">
+              <a:lnSpc>
+                <a:spcPct val="100000"/>
+              </a:lnSpc>
+              <a:spcBef>
+                <a:spcPts val="0"/>
+              </a:spcBef>
+              <a:spcAft>
+                <a:spcPts val="0"/>
+              </a:spcAft>
+              <a:buClrTx/>
+              <a:buSzTx/>
+              <a:buFontTx/>
+              <a:buNone/>
+              <a:tabLst/>
+              <a:defRPr/>
+            </a:pPr>
+            <a:r>
+              <a:rPr lang="zh-CN" altLang="en-US" sz="1200" dirty="0" smtClean="0"/>
+              <a:t>操作系统与 </a:t>
+            </a:r>
+            <a:r>
+              <a:rPr lang="en-US" altLang="zh-CN" sz="1200" dirty="0" smtClean="0"/>
+              <a:t>Java </a:t>
+            </a:r>
+            <a:r>
+              <a:rPr lang="zh-CN" altLang="en-US" sz="1200" dirty="0" smtClean="0"/>
+              <a:t>基于流的 </a:t>
+            </a:r>
+            <a:r>
+              <a:rPr lang="en-US" altLang="zh-CN" sz="1200" dirty="0" smtClean="0"/>
+              <a:t>I/O</a:t>
+            </a:r>
+            <a:r>
+              <a:rPr lang="zh-CN" altLang="en-US" sz="1200" dirty="0" smtClean="0"/>
+              <a:t>模型有些不匹配。操作系统要移动的是大块数据（缓冲区），这往往是在硬件直接存储器存取（</a:t>
+            </a:r>
+            <a:r>
+              <a:rPr lang="en-US" altLang="zh-CN" sz="1200" dirty="0" smtClean="0"/>
+              <a:t>DMA</a:t>
+            </a:r>
+            <a:r>
+              <a:rPr lang="zh-CN" altLang="en-US" sz="1200" dirty="0" smtClean="0"/>
+              <a:t>）的协助下完成的。而 </a:t>
+            </a:r>
+            <a:r>
+              <a:rPr lang="en-US" altLang="zh-CN" sz="1200" dirty="0" smtClean="0"/>
+              <a:t>JVM </a:t>
+            </a:r>
+            <a:r>
+              <a:rPr lang="zh-CN" altLang="en-US" sz="1200" dirty="0" smtClean="0"/>
+              <a:t>的 </a:t>
+            </a:r>
+            <a:r>
+              <a:rPr lang="en-US" altLang="zh-CN" sz="1200" dirty="0" smtClean="0"/>
+              <a:t>I/O </a:t>
+            </a:r>
+            <a:r>
+              <a:rPr lang="zh-CN" altLang="en-US" sz="1200" dirty="0" smtClean="0"/>
+              <a:t>类喜欢操作小块数据</a:t>
+            </a:r>
+            <a:r>
+              <a:rPr lang="en-US" altLang="zh-CN" sz="1200" dirty="0" smtClean="0"/>
+              <a:t>——</a:t>
+            </a:r>
+            <a:r>
+              <a:rPr lang="zh-CN" altLang="en-US" sz="1200" dirty="0" smtClean="0"/>
+              <a:t>单个字节、几行文本。结果，操作系统送来整缓冲区的数据，</a:t>
+            </a:r>
+            <a:r>
+              <a:rPr lang="en-US" altLang="zh-CN" sz="1200" dirty="0" smtClean="0"/>
+              <a:t>java.io </a:t>
+            </a:r>
+            <a:r>
+              <a:rPr lang="zh-CN" altLang="en-US" sz="1200" dirty="0" smtClean="0"/>
+              <a:t>的流数据类再花大量时间把它们拆成小块，往往拷贝一个小块就要往返于几层对象。操作系统喜欢整卡车地运来数据，</a:t>
+            </a:r>
+            <a:r>
+              <a:rPr lang="en-US" altLang="zh-CN" sz="1200" dirty="0" smtClean="0"/>
+              <a:t>java.io </a:t>
+            </a:r>
+            <a:r>
+              <a:rPr lang="zh-CN" altLang="en-US" sz="1200" dirty="0" smtClean="0"/>
+              <a:t>类则喜欢一铲子一铲子地加工数据。有了 </a:t>
+            </a:r>
+            <a:r>
+              <a:rPr lang="en-US" altLang="zh-CN" sz="1200" dirty="0" smtClean="0"/>
+              <a:t>NIO</a:t>
+            </a:r>
+            <a:r>
+              <a:rPr lang="zh-CN" altLang="en-US" sz="1200" dirty="0" smtClean="0"/>
+              <a:t>，就可以轻松地把一卡车数据备份到您能直接使用的地方（</a:t>
+            </a:r>
+            <a:r>
+              <a:rPr lang="en-US" altLang="zh-CN" sz="1200" dirty="0" err="1" smtClean="0"/>
+              <a:t>ByteBuffer</a:t>
+            </a:r>
+            <a:r>
+              <a:rPr lang="en-US" altLang="zh-CN" sz="1200" dirty="0" smtClean="0"/>
+              <a:t> </a:t>
+            </a:r>
+            <a:r>
+              <a:rPr lang="zh-CN" altLang="en-US" sz="1200" dirty="0" smtClean="0"/>
+              <a:t>对象）。</a:t>
+            </a:r>
+          </a:p>
+        </p:txBody>
+      </p:sp>
+      <p:sp>
+        <p:nvSpPr>
+          <p:cNvPr id="4" name="灯片编号占位符 3"/>
+          <p:cNvSpPr>
+            <a:spLocks noGrp="1"/>
+          </p:cNvSpPr>
+          <p:nvPr>
+            <p:ph type="sldNum" sz="quarter" idx="10"/>
+          </p:nvPr>
+        </p:nvSpPr>
+        <p:spPr/>
+        <p:txBody>
+          <a:bodyPr/>
+          <a:lstStyle/>
+          <a:p>
+            <a:fld id="{4FBAD5A4-DF14-402B-8AB5-0BCE7F23E77D}" type="slidenum">
+              <a:rPr lang="zh-CN" altLang="en-US" smtClean="0"/>
+              <a:t>5</a:t>
+            </a:fld>
+            <a:endParaRPr lang="zh-CN" altLang="en-US"/>
+          </a:p>
+        </p:txBody>
+      </p:sp>
+    </p:spTree>
+    <p:extLst>
+      <p:ext uri="{BB962C8B-B14F-4D97-AF65-F5344CB8AC3E}">
+        <p14:creationId xmlns:p14="http://schemas.microsoft.com/office/powerpoint/2010/main" val="2196960985"/>
+      </p:ext>
+    </p:extLst>
+  </p:cSld>
+  <p:clrMapOvr>
+    <a:masterClrMapping/>
+  </p:clrMapOvr>
+</p:notes>
+</file>
+
+<file path=ppt/notesSlides/notesSlide2.xml><?xml version="1.0" encoding="utf-8"?>
+<p:notes xmlns:a="http://schemas.openxmlformats.org/drawingml/2006/main" xmlns:r="http://schemas.openxmlformats.org/officeDocument/2006/relationships" xmlns:p="http://schemas.openxmlformats.org/presentationml/2006/main">
+  <p:cSld>
+    <p:spTree>
+      <p:nvGrpSpPr>
+        <p:cNvPr id="1" name=""/>
+        <p:cNvGrpSpPr/>
+        <p:nvPr/>
+      </p:nvGrpSpPr>
+      <p:grpSpPr>
+        <a:xfrm>
+          <a:off x="0" y="0"/>
+          <a:ext cx="0" cy="0"/>
+          <a:chOff x="0" y="0"/>
+          <a:chExt cx="0" cy="0"/>
+        </a:xfrm>
+      </p:grpSpPr>
+      <p:sp>
+        <p:nvSpPr>
+          <p:cNvPr id="2" name="幻灯片图像占位符 1"/>
+          <p:cNvSpPr>
+            <a:spLocks noGrp="1" noRot="1" noChangeAspect="1"/>
+          </p:cNvSpPr>
+          <p:nvPr>
+            <p:ph type="sldImg"/>
+          </p:nvPr>
+        </p:nvSpPr>
+        <p:spPr/>
+      </p:sp>
+      <p:sp>
+        <p:nvSpPr>
+          <p:cNvPr id="3" name="备注占位符 2"/>
+          <p:cNvSpPr>
+            <a:spLocks noGrp="1"/>
+          </p:cNvSpPr>
+          <p:nvPr>
+            <p:ph type="body" idx="1"/>
+          </p:nvPr>
+        </p:nvSpPr>
+        <p:spPr/>
+        <p:txBody>
+          <a:bodyPr/>
+          <a:lstStyle/>
+          <a:p>
+            <a:r>
+              <a:rPr lang="en-US" altLang="zh-CN" dirty="0" smtClean="0"/>
+              <a:t>Capacity</a:t>
+            </a:r>
+            <a:r>
+              <a:rPr lang="zh-CN" altLang="en-US" dirty="0" smtClean="0"/>
+              <a:t>：缓冲区能够容纳的数据元素的最大数量。这一容量在缓冲区创建时被设定，并且永远不能被改变。</a:t>
+            </a:r>
+            <a:endParaRPr lang="en-US" altLang="zh-CN" dirty="0" smtClean="0"/>
+          </a:p>
+          <a:p>
+            <a:r>
+              <a:rPr lang="en-US" altLang="zh-CN" dirty="0" smtClean="0"/>
+              <a:t>Limit</a:t>
+            </a:r>
+            <a:r>
+              <a:rPr lang="zh-CN" altLang="en-US" dirty="0" smtClean="0"/>
+              <a:t>：缓冲区的第一个不能被读或写的元素。或者说，缓冲区中现存元素的计数。</a:t>
+            </a:r>
+          </a:p>
+          <a:p>
+            <a:r>
+              <a:rPr lang="en-US" altLang="zh-CN" dirty="0" smtClean="0"/>
+              <a:t>Position</a:t>
+            </a:r>
+            <a:r>
+              <a:rPr lang="zh-CN" altLang="en-US" dirty="0" smtClean="0"/>
+              <a:t>：下一个要被读或写的元素的索引。位置会自动由相应的 </a:t>
+            </a:r>
+            <a:r>
+              <a:rPr lang="en-US" altLang="zh-CN" dirty="0" smtClean="0"/>
+              <a:t>get( )</a:t>
+            </a:r>
+            <a:r>
+              <a:rPr lang="zh-CN" altLang="en-US" dirty="0" smtClean="0"/>
+              <a:t>和 </a:t>
+            </a:r>
+            <a:r>
+              <a:rPr lang="en-US" altLang="zh-CN" dirty="0" smtClean="0"/>
+              <a:t>put( )</a:t>
+            </a:r>
+            <a:r>
+              <a:rPr lang="zh-CN" altLang="en-US" dirty="0" smtClean="0"/>
+              <a:t>函数更新。</a:t>
+            </a:r>
+          </a:p>
+          <a:p>
+            <a:r>
+              <a:rPr lang="en-US" altLang="zh-CN" dirty="0" smtClean="0"/>
+              <a:t>Mark</a:t>
+            </a:r>
+            <a:r>
+              <a:rPr lang="zh-CN" altLang="en-US" dirty="0" smtClean="0"/>
+              <a:t>：一个备忘位置。调用 </a:t>
+            </a:r>
+            <a:r>
+              <a:rPr lang="en-US" altLang="zh-CN" dirty="0" smtClean="0"/>
+              <a:t>mark( )</a:t>
+            </a:r>
+            <a:r>
+              <a:rPr lang="zh-CN" altLang="en-US" dirty="0" smtClean="0"/>
+              <a:t>来设定 </a:t>
+            </a:r>
+            <a:r>
+              <a:rPr lang="en-US" altLang="zh-CN" dirty="0" smtClean="0"/>
+              <a:t>mark = </a:t>
+            </a:r>
+            <a:r>
+              <a:rPr lang="en-US" altLang="zh-CN" dirty="0" err="1" smtClean="0"/>
+              <a:t>postion</a:t>
+            </a:r>
+            <a:r>
+              <a:rPr lang="zh-CN" altLang="en-US" dirty="0" smtClean="0"/>
+              <a:t>。调用 </a:t>
+            </a:r>
+            <a:r>
+              <a:rPr lang="en-US" altLang="zh-CN" dirty="0" smtClean="0"/>
+              <a:t>reset( )</a:t>
+            </a:r>
+            <a:r>
+              <a:rPr lang="zh-CN" altLang="en-US" dirty="0" smtClean="0"/>
+              <a:t>设定 </a:t>
+            </a:r>
+            <a:r>
+              <a:rPr lang="en-US" altLang="zh-CN" dirty="0" smtClean="0"/>
+              <a:t>position =mark</a:t>
+            </a:r>
+            <a:r>
+              <a:rPr lang="zh-CN" altLang="en-US" dirty="0" smtClean="0"/>
+              <a:t>。标记在设定前是未定义的</a:t>
+            </a:r>
+            <a:r>
+              <a:rPr lang="en-US" altLang="zh-CN" dirty="0" smtClean="0"/>
+              <a:t>( undefined) </a:t>
+            </a:r>
+            <a:r>
+              <a:rPr lang="zh-CN" altLang="en-US" dirty="0" smtClean="0"/>
+              <a:t>。</a:t>
+            </a:r>
+            <a:endParaRPr lang="zh-CN" altLang="en-US" dirty="0"/>
+          </a:p>
+        </p:txBody>
+      </p:sp>
+      <p:sp>
+        <p:nvSpPr>
+          <p:cNvPr id="4" name="灯片编号占位符 3"/>
+          <p:cNvSpPr>
+            <a:spLocks noGrp="1"/>
+          </p:cNvSpPr>
+          <p:nvPr>
+            <p:ph type="sldNum" sz="quarter" idx="10"/>
+          </p:nvPr>
+        </p:nvSpPr>
+        <p:spPr/>
+        <p:txBody>
+          <a:bodyPr/>
+          <a:lstStyle/>
+          <a:p>
+            <a:fld id="{4FBAD5A4-DF14-402B-8AB5-0BCE7F23E77D}" type="slidenum">
+              <a:rPr lang="zh-CN" altLang="en-US" smtClean="0"/>
+              <a:t>6</a:t>
+            </a:fld>
+            <a:endParaRPr lang="zh-CN" altLang="en-US"/>
+          </a:p>
+        </p:txBody>
+      </p:sp>
+    </p:spTree>
+    <p:extLst>
+      <p:ext uri="{BB962C8B-B14F-4D97-AF65-F5344CB8AC3E}">
+        <p14:creationId xmlns:p14="http://schemas.microsoft.com/office/powerpoint/2010/main" val="2126212813"/>
+      </p:ext>
+    </p:extLst>
+  </p:cSld>
+  <p:clrMapOvr>
+    <a:masterClrMapping/>
+  </p:clrMapOvr>
+</p:notes>
+</file>
+
 <file path=ppt/slideLayouts/slideLayout1.xml><?xml version="1.0" encoding="utf-8"?>
 <p:sldLayout xmlns:a="http://schemas.openxmlformats.org/drawingml/2006/main" xmlns:r="http://schemas.openxmlformats.org/officeDocument/2006/relationships" xmlns:p="http://schemas.openxmlformats.org/presentationml/2006/main" type="title" preserve="1">
   <p:cSld name="标题幻灯片">
@@ -299,7 +1029,7 @@
           <a:p>
             <a:fld id="{FCBC4343-494B-425E-AA82-E9AF8325E412}" type="datetimeFigureOut">
               <a:rPr lang="zh-CN" altLang="en-US" smtClean="0"/>
-              <a:t>2016-12-07</a:t>
+              <a:t>2016-12-08</a:t>
             </a:fld>
             <a:endParaRPr lang="zh-CN" altLang="en-US"/>
           </a:p>
@@ -469,7 +1199,7 @@
           <a:p>
             <a:fld id="{FCBC4343-494B-425E-AA82-E9AF8325E412}" type="datetimeFigureOut">
               <a:rPr lang="zh-CN" altLang="en-US" smtClean="0"/>
-              <a:t>2016-12-07</a:t>
+              <a:t>2016-12-08</a:t>
             </a:fld>
             <a:endParaRPr lang="zh-CN" altLang="en-US"/>
           </a:p>
@@ -649,7 +1379,7 @@
           <a:p>
             <a:fld id="{FCBC4343-494B-425E-AA82-E9AF8325E412}" type="datetimeFigureOut">
               <a:rPr lang="zh-CN" altLang="en-US" smtClean="0"/>
-              <a:t>2016-12-07</a:t>
+              <a:t>2016-12-08</a:t>
             </a:fld>
             <a:endParaRPr lang="zh-CN" altLang="en-US"/>
           </a:p>
@@ -819,7 +1549,7 @@
           <a:p>
             <a:fld id="{FCBC4343-494B-425E-AA82-E9AF8325E412}" type="datetimeFigureOut">
               <a:rPr lang="zh-CN" altLang="en-US" smtClean="0"/>
-              <a:t>2016-12-07</a:t>
+              <a:t>2016-12-08</a:t>
             </a:fld>
             <a:endParaRPr lang="zh-CN" altLang="en-US"/>
           </a:p>
@@ -1065,7 +1795,7 @@
           <a:p>
             <a:fld id="{FCBC4343-494B-425E-AA82-E9AF8325E412}" type="datetimeFigureOut">
               <a:rPr lang="zh-CN" altLang="en-US" smtClean="0"/>
-              <a:t>2016-12-07</a:t>
+              <a:t>2016-12-08</a:t>
             </a:fld>
             <a:endParaRPr lang="zh-CN" altLang="en-US"/>
           </a:p>
@@ -1353,7 +2083,7 @@
           <a:p>
             <a:fld id="{FCBC4343-494B-425E-AA82-E9AF8325E412}" type="datetimeFigureOut">
               <a:rPr lang="zh-CN" altLang="en-US" smtClean="0"/>
-              <a:t>2016-12-07</a:t>
+              <a:t>2016-12-08</a:t>
             </a:fld>
             <a:endParaRPr lang="zh-CN" altLang="en-US"/>
           </a:p>
@@ -1775,7 +2505,7 @@
           <a:p>
             <a:fld id="{FCBC4343-494B-425E-AA82-E9AF8325E412}" type="datetimeFigureOut">
               <a:rPr lang="zh-CN" altLang="en-US" smtClean="0"/>
-              <a:t>2016-12-07</a:t>
+              <a:t>2016-12-08</a:t>
             </a:fld>
             <a:endParaRPr lang="zh-CN" altLang="en-US"/>
           </a:p>
@@ -1893,7 +2623,7 @@
           <a:p>
             <a:fld id="{FCBC4343-494B-425E-AA82-E9AF8325E412}" type="datetimeFigureOut">
               <a:rPr lang="zh-CN" altLang="en-US" smtClean="0"/>
-              <a:t>2016-12-07</a:t>
+              <a:t>2016-12-08</a:t>
             </a:fld>
             <a:endParaRPr lang="zh-CN" altLang="en-US"/>
           </a:p>
@@ -1988,7 +2718,7 @@
           <a:p>
             <a:fld id="{FCBC4343-494B-425E-AA82-E9AF8325E412}" type="datetimeFigureOut">
               <a:rPr lang="zh-CN" altLang="en-US" smtClean="0"/>
-              <a:t>2016-12-07</a:t>
+              <a:t>2016-12-08</a:t>
             </a:fld>
             <a:endParaRPr lang="zh-CN" altLang="en-US"/>
           </a:p>
@@ -2265,7 +2995,7 @@
           <a:p>
             <a:fld id="{FCBC4343-494B-425E-AA82-E9AF8325E412}" type="datetimeFigureOut">
               <a:rPr lang="zh-CN" altLang="en-US" smtClean="0"/>
-              <a:t>2016-12-07</a:t>
+              <a:t>2016-12-08</a:t>
             </a:fld>
             <a:endParaRPr lang="zh-CN" altLang="en-US"/>
           </a:p>
@@ -2518,7 +3248,7 @@
           <a:p>
             <a:fld id="{FCBC4343-494B-425E-AA82-E9AF8325E412}" type="datetimeFigureOut">
               <a:rPr lang="zh-CN" altLang="en-US" smtClean="0"/>
-              <a:t>2016-12-07</a:t>
+              <a:t>2016-12-08</a:t>
             </a:fld>
             <a:endParaRPr lang="zh-CN" altLang="en-US"/>
           </a:p>
@@ -2731,7 +3461,7 @@
           <a:p>
             <a:fld id="{FCBC4343-494B-425E-AA82-E9AF8325E412}" type="datetimeFigureOut">
               <a:rPr lang="zh-CN" altLang="en-US" smtClean="0"/>
-              <a:t>2016-12-07</a:t>
+              <a:t>2016-12-08</a:t>
             </a:fld>
             <a:endParaRPr lang="zh-CN" altLang="en-US"/>
           </a:p>
@@ -3127,11 +3857,7 @@
             </a:r>
             <a:r>
               <a:rPr lang="en-US" altLang="zh-CN" dirty="0" smtClean="0"/>
-              <a:t>Java </a:t>
-            </a:r>
-            <a:r>
-              <a:rPr lang="en-US" altLang="zh-CN" dirty="0" smtClean="0"/>
-              <a:t>IO</a:t>
+              <a:t>Java IO</a:t>
             </a:r>
             <a:r>
               <a:rPr lang="zh-CN" altLang="en-US" dirty="0" smtClean="0"/>
@@ -3206,8 +3932,12 @@
           <a:lstStyle/>
           <a:p>
             <a:r>
-              <a:rPr lang="en-US" altLang="zh-CN" dirty="0" err="1" smtClean="0"/>
-              <a:t>DirectByteBuffer</a:t>
+              <a:rPr lang="en-US" altLang="zh-CN" dirty="0" smtClean="0"/>
+              <a:t>Buffer</a:t>
+            </a:r>
+            <a:r>
+              <a:rPr lang="zh-CN" altLang="en-US" dirty="0" smtClean="0"/>
+              <a:t>操作</a:t>
             </a:r>
             <a:endParaRPr lang="zh-CN" altLang="en-US" dirty="0"/>
           </a:p>
@@ -3230,512 +3960,79 @@
           <a:p>
             <a:r>
               <a:rPr lang="zh-CN" altLang="en-US" dirty="0"/>
-              <a:t>堆</a:t>
-            </a:r>
+              <a:t>标记（</a:t>
+            </a:r>
+            <a:r>
+              <a:rPr lang="en-US" altLang="zh-CN" dirty="0"/>
+              <a:t>mark</a:t>
+            </a:r>
+            <a:r>
+              <a:rPr lang="zh-CN" altLang="en-US" dirty="0"/>
+              <a:t>）</a:t>
+            </a:r>
+            <a:endParaRPr lang="en-US" altLang="zh-CN" dirty="0"/>
+          </a:p>
+          <a:p>
+            <a:endParaRPr lang="en-US" altLang="zh-CN" dirty="0" smtClean="0"/>
+          </a:p>
+          <a:p>
+            <a:endParaRPr lang="en-US" altLang="zh-CN" dirty="0" smtClean="0"/>
+          </a:p>
+          <a:p>
+            <a:endParaRPr lang="en-US" altLang="zh-CN" dirty="0" smtClean="0"/>
+          </a:p>
+          <a:p>
             <a:r>
               <a:rPr lang="zh-CN" altLang="en-US" dirty="0" smtClean="0"/>
-              <a:t>外内存</a:t>
-            </a:r>
-            <a:endParaRPr lang="en-US" altLang="zh-CN" dirty="0" smtClean="0"/>
-          </a:p>
-          <a:p>
-            <a:r>
-              <a:rPr lang="zh-CN" altLang="en-US" dirty="0" smtClean="0"/>
-              <a:t>内存释放 </a:t>
-            </a:r>
-            <a:r>
-              <a:rPr lang="en-US" altLang="zh-CN" dirty="0" err="1" smtClean="0"/>
-              <a:t>Deallocator</a:t>
+              <a:t>重置（</a:t>
             </a:r>
             <a:r>
               <a:rPr lang="en-US" altLang="zh-CN" dirty="0"/>
-              <a:t> </a:t>
-            </a:r>
-            <a:r>
-              <a:rPr lang="en-US" altLang="zh-CN" dirty="0" smtClean="0"/>
-              <a:t>&amp; Cleaner</a:t>
-            </a:r>
-            <a:r>
-              <a:rPr lang="zh-CN" altLang="en-US" dirty="0" smtClean="0"/>
-              <a:t>（</a:t>
-            </a:r>
-            <a:r>
-              <a:rPr lang="en-US" altLang="zh-CN" dirty="0" smtClean="0"/>
-              <a:t>Java</a:t>
-            </a:r>
-            <a:r>
-              <a:rPr lang="zh-CN" altLang="en-US" dirty="0" smtClean="0"/>
-              <a:t>虚引用的应用场景）</a:t>
-            </a:r>
-            <a:endParaRPr lang="en-US" altLang="zh-CN" dirty="0" smtClean="0"/>
-          </a:p>
-          <a:p>
-            <a:r>
-              <a:rPr lang="en-US" altLang="zh-CN" dirty="0" smtClean="0"/>
-              <a:t>Underlying memory allocation &amp; free</a:t>
-            </a:r>
-            <a:r>
-              <a:rPr lang="zh-CN" altLang="en-US" dirty="0" smtClean="0"/>
-              <a:t>（</a:t>
-            </a:r>
-            <a:r>
-              <a:rPr lang="en-US" altLang="zh-CN" dirty="0" err="1" smtClean="0"/>
-              <a:t>JVM#Unsafe</a:t>
+              <a:t>reset</a:t>
             </a:r>
             <a:r>
               <a:rPr lang="zh-CN" altLang="en-US" dirty="0" smtClean="0"/>
               <a:t>）</a:t>
             </a:r>
-            <a:endParaRPr lang="zh-CN" altLang="en-US" dirty="0"/>
-          </a:p>
-        </p:txBody>
-      </p:sp>
-    </p:spTree>
-    <p:extLst>
-      <p:ext uri="{BB962C8B-B14F-4D97-AF65-F5344CB8AC3E}">
-        <p14:creationId xmlns:p14="http://schemas.microsoft.com/office/powerpoint/2010/main" val="2796647012"/>
-      </p:ext>
-    </p:extLst>
-  </p:cSld>
-  <p:clrMapOvr>
-    <a:masterClrMapping/>
-  </p:clrMapOvr>
-</p:sld>
-</file>
-
-<file path=ppt/slides/slide11.xml><?xml version="1.0" encoding="utf-8"?>
-<p:sld xmlns:a="http://schemas.openxmlformats.org/drawingml/2006/main" xmlns:r="http://schemas.openxmlformats.org/officeDocument/2006/relationships" xmlns:p="http://schemas.openxmlformats.org/presentationml/2006/main">
-  <p:cSld>
-    <p:spTree>
-      <p:nvGrpSpPr>
-        <p:cNvPr id="1" name=""/>
-        <p:cNvGrpSpPr/>
-        <p:nvPr/>
-      </p:nvGrpSpPr>
-      <p:grpSpPr>
-        <a:xfrm>
-          <a:off x="0" y="0"/>
-          <a:ext cx="0" cy="0"/>
-          <a:chOff x="0" y="0"/>
-          <a:chExt cx="0" cy="0"/>
-        </a:xfrm>
-      </p:grpSpPr>
-      <p:sp>
-        <p:nvSpPr>
-          <p:cNvPr id="2" name="标题 1"/>
-          <p:cNvSpPr>
-            <a:spLocks noGrp="1"/>
-          </p:cNvSpPr>
-          <p:nvPr>
-            <p:ph type="title"/>
-          </p:nvPr>
-        </p:nvSpPr>
-        <p:spPr/>
-        <p:txBody>
-          <a:bodyPr/>
-          <a:lstStyle/>
-          <a:p>
-            <a:r>
-              <a:rPr lang="en-US" altLang="zh-CN" dirty="0" smtClean="0"/>
-              <a:t>Channel</a:t>
-            </a:r>
-            <a:endParaRPr lang="zh-CN" altLang="en-US" dirty="0"/>
-          </a:p>
-        </p:txBody>
-      </p:sp>
-      <p:sp>
-        <p:nvSpPr>
-          <p:cNvPr id="3" name="内容占位符 2"/>
-          <p:cNvSpPr>
-            <a:spLocks noGrp="1"/>
-          </p:cNvSpPr>
-          <p:nvPr>
-            <p:ph idx="1"/>
-          </p:nvPr>
-        </p:nvSpPr>
-        <p:spPr/>
-        <p:txBody>
-          <a:bodyPr/>
-          <a:lstStyle/>
-          <a:p>
-            <a:endParaRPr lang="zh-CN" altLang="en-US"/>
-          </a:p>
-        </p:txBody>
-      </p:sp>
-    </p:spTree>
-    <p:extLst>
-      <p:ext uri="{BB962C8B-B14F-4D97-AF65-F5344CB8AC3E}">
-        <p14:creationId xmlns:p14="http://schemas.microsoft.com/office/powerpoint/2010/main" val="3893680555"/>
-      </p:ext>
-    </p:extLst>
-  </p:cSld>
-  <p:clrMapOvr>
-    <a:masterClrMapping/>
-  </p:clrMapOvr>
-</p:sld>
-</file>
-
-<file path=ppt/slides/slide12.xml><?xml version="1.0" encoding="utf-8"?>
-<p:sld xmlns:a="http://schemas.openxmlformats.org/drawingml/2006/main" xmlns:r="http://schemas.openxmlformats.org/officeDocument/2006/relationships" xmlns:p="http://schemas.openxmlformats.org/presentationml/2006/main">
-  <p:cSld>
-    <p:spTree>
-      <p:nvGrpSpPr>
-        <p:cNvPr id="1" name=""/>
-        <p:cNvGrpSpPr/>
-        <p:nvPr/>
-      </p:nvGrpSpPr>
-      <p:grpSpPr>
-        <a:xfrm>
-          <a:off x="0" y="0"/>
-          <a:ext cx="0" cy="0"/>
-          <a:chOff x="0" y="0"/>
-          <a:chExt cx="0" cy="0"/>
-        </a:xfrm>
-      </p:grpSpPr>
-      <p:sp>
-        <p:nvSpPr>
-          <p:cNvPr id="2" name="标题 1"/>
-          <p:cNvSpPr>
-            <a:spLocks noGrp="1"/>
-          </p:cNvSpPr>
-          <p:nvPr>
-            <p:ph type="title"/>
-          </p:nvPr>
-        </p:nvSpPr>
-        <p:spPr/>
-        <p:txBody>
-          <a:bodyPr/>
-          <a:lstStyle/>
-          <a:p>
-            <a:r>
-              <a:rPr lang="en-US" altLang="zh-CN" dirty="0" smtClean="0"/>
-              <a:t>Selector</a:t>
-            </a:r>
-            <a:endParaRPr lang="zh-CN" altLang="en-US" dirty="0"/>
-          </a:p>
-        </p:txBody>
-      </p:sp>
-      <p:sp>
-        <p:nvSpPr>
-          <p:cNvPr id="3" name="内容占位符 2"/>
-          <p:cNvSpPr>
-            <a:spLocks noGrp="1"/>
-          </p:cNvSpPr>
-          <p:nvPr>
-            <p:ph idx="1"/>
-          </p:nvPr>
-        </p:nvSpPr>
-        <p:spPr/>
-        <p:txBody>
-          <a:bodyPr/>
-          <a:lstStyle/>
-          <a:p>
-            <a:r>
-              <a:rPr lang="zh-CN" altLang="en-US" dirty="0" smtClean="0"/>
-              <a:t>操作系统</a:t>
-            </a:r>
-            <a:r>
-              <a:rPr lang="en-US" altLang="zh-CN" dirty="0" err="1" smtClean="0"/>
-              <a:t>io</a:t>
-            </a:r>
-            <a:r>
-              <a:rPr lang="zh-CN" altLang="en-US" dirty="0" smtClean="0"/>
-              <a:t>调用（</a:t>
-            </a:r>
-            <a:r>
-              <a:rPr lang="en-US" altLang="zh-CN" dirty="0" smtClean="0"/>
-              <a:t>select</a:t>
-            </a:r>
-            <a:r>
-              <a:rPr lang="zh-CN" altLang="en-US" dirty="0" smtClean="0"/>
-              <a:t>、</a:t>
-            </a:r>
-            <a:r>
-              <a:rPr lang="en-US" altLang="zh-CN" dirty="0" smtClean="0"/>
-              <a:t>poll</a:t>
-            </a:r>
-            <a:r>
-              <a:rPr lang="zh-CN" altLang="en-US" dirty="0" smtClean="0"/>
-              <a:t>、</a:t>
-            </a:r>
-            <a:r>
-              <a:rPr lang="en-US" altLang="zh-CN" dirty="0" err="1" smtClean="0"/>
-              <a:t>epool</a:t>
-            </a:r>
-            <a:r>
-              <a:rPr lang="zh-CN" altLang="en-US" dirty="0" smtClean="0"/>
-              <a:t>）</a:t>
-            </a:r>
-            <a:endParaRPr lang="zh-CN" altLang="en-US" dirty="0"/>
-          </a:p>
-        </p:txBody>
-      </p:sp>
-    </p:spTree>
-    <p:extLst>
-      <p:ext uri="{BB962C8B-B14F-4D97-AF65-F5344CB8AC3E}">
-        <p14:creationId xmlns:p14="http://schemas.microsoft.com/office/powerpoint/2010/main" val="3777469752"/>
-      </p:ext>
-    </p:extLst>
-  </p:cSld>
-  <p:clrMapOvr>
-    <a:masterClrMapping/>
-  </p:clrMapOvr>
-</p:sld>
-</file>
-
-<file path=ppt/slides/slide2.xml><?xml version="1.0" encoding="utf-8"?>
-<p:sld xmlns:a="http://schemas.openxmlformats.org/drawingml/2006/main" xmlns:r="http://schemas.openxmlformats.org/officeDocument/2006/relationships" xmlns:p="http://schemas.openxmlformats.org/presentationml/2006/main">
-  <p:cSld>
-    <p:spTree>
-      <p:nvGrpSpPr>
-        <p:cNvPr id="1" name=""/>
-        <p:cNvGrpSpPr/>
-        <p:nvPr/>
-      </p:nvGrpSpPr>
-      <p:grpSpPr>
-        <a:xfrm>
-          <a:off x="0" y="0"/>
-          <a:ext cx="0" cy="0"/>
-          <a:chOff x="0" y="0"/>
-          <a:chExt cx="0" cy="0"/>
-        </a:xfrm>
-      </p:grpSpPr>
-      <p:sp>
-        <p:nvSpPr>
-          <p:cNvPr id="2" name="标题 1"/>
-          <p:cNvSpPr>
-            <a:spLocks noGrp="1"/>
-          </p:cNvSpPr>
-          <p:nvPr>
-            <p:ph type="title"/>
-          </p:nvPr>
-        </p:nvSpPr>
-        <p:spPr/>
-        <p:txBody>
-          <a:bodyPr/>
-          <a:lstStyle/>
-          <a:p>
-            <a:r>
-              <a:rPr lang="zh-CN" altLang="en-US" dirty="0" smtClean="0"/>
-              <a:t>从</a:t>
-            </a:r>
-            <a:r>
-              <a:rPr lang="en-US" altLang="zh-CN" dirty="0" err="1" smtClean="0"/>
-              <a:t>InputStream</a:t>
-            </a:r>
-            <a:r>
-              <a:rPr lang="zh-CN" altLang="en-US" dirty="0" smtClean="0"/>
-              <a:t>开始</a:t>
-            </a:r>
-            <a:r>
-              <a:rPr lang="en-US" altLang="zh-CN" dirty="0" smtClean="0"/>
-              <a:t>…</a:t>
-            </a:r>
-            <a:endParaRPr lang="zh-CN" altLang="en-US" dirty="0"/>
-          </a:p>
-        </p:txBody>
-      </p:sp>
-      <p:sp>
-        <p:nvSpPr>
-          <p:cNvPr id="3" name="内容占位符 2"/>
-          <p:cNvSpPr>
-            <a:spLocks noGrp="1"/>
-          </p:cNvSpPr>
-          <p:nvPr>
-            <p:ph idx="1"/>
-          </p:nvPr>
-        </p:nvSpPr>
-        <p:spPr/>
-        <p:txBody>
-          <a:bodyPr/>
-          <a:lstStyle/>
-          <a:p>
-            <a:endParaRPr lang="zh-CN" altLang="en-US"/>
-          </a:p>
-        </p:txBody>
-      </p:sp>
-    </p:spTree>
-    <p:extLst>
-      <p:ext uri="{BB962C8B-B14F-4D97-AF65-F5344CB8AC3E}">
-        <p14:creationId xmlns:p14="http://schemas.microsoft.com/office/powerpoint/2010/main" val="3804736013"/>
-      </p:ext>
-    </p:extLst>
-  </p:cSld>
-  <p:clrMapOvr>
-    <a:masterClrMapping/>
-  </p:clrMapOvr>
-</p:sld>
-</file>
-
-<file path=ppt/slides/slide3.xml><?xml version="1.0" encoding="utf-8"?>
-<p:sld xmlns:a="http://schemas.openxmlformats.org/drawingml/2006/main" xmlns:r="http://schemas.openxmlformats.org/officeDocument/2006/relationships" xmlns:p="http://schemas.openxmlformats.org/presentationml/2006/main">
-  <p:cSld>
-    <p:spTree>
-      <p:nvGrpSpPr>
-        <p:cNvPr id="1" name=""/>
-        <p:cNvGrpSpPr/>
-        <p:nvPr/>
-      </p:nvGrpSpPr>
-      <p:grpSpPr>
-        <a:xfrm>
-          <a:off x="0" y="0"/>
-          <a:ext cx="0" cy="0"/>
-          <a:chOff x="0" y="0"/>
-          <a:chExt cx="0" cy="0"/>
-        </a:xfrm>
-      </p:grpSpPr>
-      <p:sp>
-        <p:nvSpPr>
-          <p:cNvPr id="2" name="标题 1"/>
-          <p:cNvSpPr>
-            <a:spLocks noGrp="1"/>
-          </p:cNvSpPr>
-          <p:nvPr>
-            <p:ph type="title"/>
-          </p:nvPr>
-        </p:nvSpPr>
-        <p:spPr/>
-        <p:txBody>
-          <a:bodyPr/>
-          <a:lstStyle/>
-          <a:p>
-            <a:r>
-              <a:rPr lang="zh-CN" altLang="en-US" dirty="0" smtClean="0"/>
-              <a:t>操作系统</a:t>
-            </a:r>
-            <a:r>
-              <a:rPr lang="en-US" altLang="zh-CN" dirty="0" smtClean="0"/>
-              <a:t>IO</a:t>
-            </a:r>
-            <a:endParaRPr lang="zh-CN" altLang="en-US" dirty="0"/>
-          </a:p>
-        </p:txBody>
-      </p:sp>
-      <p:sp>
-        <p:nvSpPr>
-          <p:cNvPr id="3" name="内容占位符 2"/>
-          <p:cNvSpPr>
-            <a:spLocks noGrp="1"/>
-          </p:cNvSpPr>
-          <p:nvPr>
-            <p:ph idx="1"/>
-          </p:nvPr>
-        </p:nvSpPr>
-        <p:spPr/>
-        <p:txBody>
-          <a:bodyPr/>
-          <a:lstStyle/>
-          <a:p>
-            <a:r>
-              <a:rPr lang="zh-CN" altLang="en-US" dirty="0" smtClean="0"/>
-              <a:t>硬件设备（磁带、磁盘、</a:t>
-            </a:r>
-            <a:r>
-              <a:rPr lang="en-US" altLang="zh-CN" dirty="0" smtClean="0"/>
-              <a:t>SSD</a:t>
-            </a:r>
-            <a:r>
-              <a:rPr lang="zh-CN" altLang="en-US" dirty="0" smtClean="0"/>
-              <a:t>）</a:t>
-            </a:r>
-            <a:endParaRPr lang="en-US" altLang="zh-CN" dirty="0" smtClean="0"/>
-          </a:p>
-          <a:p>
-            <a:r>
-              <a:rPr lang="zh-CN" altLang="en-US" dirty="0" smtClean="0"/>
-              <a:t>驱动</a:t>
-            </a:r>
-            <a:r>
-              <a:rPr lang="zh-CN" altLang="en-US" dirty="0" smtClean="0"/>
-              <a:t>（硬件控制管理）</a:t>
-            </a:r>
-            <a:endParaRPr lang="en-US" altLang="zh-CN" dirty="0" smtClean="0"/>
-          </a:p>
-          <a:p>
-            <a:r>
-              <a:rPr lang="en-US" altLang="zh-CN" dirty="0" smtClean="0"/>
-              <a:t>DMA</a:t>
-            </a:r>
-            <a:r>
-              <a:rPr lang="zh-CN" altLang="en-US" dirty="0" smtClean="0"/>
-              <a:t>（直接存储器访问）</a:t>
-            </a:r>
             <a:endParaRPr lang="en-US" altLang="zh-CN" dirty="0"/>
           </a:p>
-          <a:p>
-            <a:r>
-              <a:rPr lang="zh-CN" altLang="en-US" dirty="0"/>
-              <a:t>系统调用（</a:t>
+        </p:txBody>
+      </p:sp>
+      <p:sp>
+        <p:nvSpPr>
+          <p:cNvPr id="5" name="TextBox 4"/>
+          <p:cNvSpPr txBox="1"/>
+          <p:nvPr/>
+        </p:nvSpPr>
+        <p:spPr>
+          <a:xfrm>
+            <a:off x="971599" y="2132856"/>
+            <a:ext cx="7178119" cy="369332"/>
+          </a:xfrm>
+          <a:prstGeom prst="rect">
+            <a:avLst/>
+          </a:prstGeom>
+          <a:noFill/>
+          <a:ln>
+            <a:solidFill>
+              <a:schemeClr val="tx1"/>
+            </a:solidFill>
+            <a:prstDash val="lgDash"/>
+          </a:ln>
+        </p:spPr>
+        <p:txBody>
+          <a:bodyPr wrap="square" rtlCol="0">
+            <a:spAutoFit/>
+          </a:bodyPr>
+          <a:lstStyle/>
+          <a:p>
+            <a:r>
+              <a:rPr lang="en-US" altLang="zh-CN" dirty="0" err="1"/>
+              <a:t>buffer.position</a:t>
             </a:r>
             <a:r>
               <a:rPr lang="en-US" altLang="zh-CN" dirty="0"/>
-              <a:t>open</a:t>
-            </a:r>
-            <a:r>
-              <a:rPr lang="zh-CN" altLang="en-US" dirty="0"/>
-              <a:t>、</a:t>
-            </a:r>
-            <a:r>
-              <a:rPr lang="en-US" altLang="zh-CN" dirty="0"/>
-              <a:t>read</a:t>
-            </a:r>
-            <a:r>
-              <a:rPr lang="zh-CN" altLang="en-US" dirty="0"/>
-              <a:t>、</a:t>
-            </a:r>
-            <a:r>
-              <a:rPr lang="en-US" altLang="zh-CN" dirty="0"/>
-              <a:t>write</a:t>
-            </a:r>
-            <a:r>
-              <a:rPr lang="zh-CN" altLang="en-US" dirty="0"/>
-              <a:t>、</a:t>
-            </a:r>
-            <a:r>
-              <a:rPr lang="en-US" altLang="zh-CN" dirty="0"/>
-              <a:t>close</a:t>
-            </a:r>
-            <a:r>
-              <a:rPr lang="zh-CN" altLang="en-US" dirty="0"/>
-              <a:t>）</a:t>
-            </a:r>
-            <a:endParaRPr lang="en-US" altLang="zh-CN" dirty="0" smtClean="0"/>
-          </a:p>
-          <a:p>
-            <a:r>
-              <a:rPr lang="zh-CN" altLang="en-US" dirty="0" smtClean="0"/>
-              <a:t>操作系统</a:t>
-            </a:r>
-            <a:r>
-              <a:rPr lang="en-US" altLang="zh-CN" dirty="0" smtClean="0"/>
-              <a:t>IO</a:t>
-            </a:r>
-            <a:r>
-              <a:rPr lang="zh-CN" altLang="en-US" dirty="0" smtClean="0"/>
-              <a:t>缓冲区（</a:t>
-            </a:r>
-            <a:r>
-              <a:rPr lang="en-US" altLang="zh-CN" dirty="0" smtClean="0"/>
-              <a:t>Buffer</a:t>
-            </a:r>
-            <a:r>
-              <a:rPr lang="zh-CN" altLang="en-US" dirty="0" smtClean="0"/>
-              <a:t>写</a:t>
-            </a:r>
-            <a:r>
-              <a:rPr lang="en-US" altLang="zh-CN" dirty="0" smtClean="0"/>
-              <a:t>/Cache</a:t>
-            </a:r>
-            <a:r>
-              <a:rPr lang="zh-CN" altLang="en-US" dirty="0" smtClean="0"/>
-              <a:t>读）</a:t>
-            </a:r>
-            <a:endParaRPr lang="en-US" altLang="zh-CN" dirty="0" smtClean="0"/>
-          </a:p>
-          <a:p>
-            <a:r>
-              <a:rPr lang="zh-CN" altLang="en-US" dirty="0" smtClean="0"/>
-              <a:t>内核空间到用户空间的拷贝</a:t>
+              <a:t>(2).mark().position(4);</a:t>
             </a:r>
             <a:endParaRPr lang="zh-CN" altLang="en-US" dirty="0"/>
           </a:p>
@@ -3743,7 +4040,7 @@
       </p:sp>
       <p:pic>
         <p:nvPicPr>
-          <p:cNvPr id="1028" name="Picture 4"/>
+          <p:cNvPr id="6147" name="Picture 3"/>
           <p:cNvPicPr>
             <a:picLocks noChangeAspect="1" noChangeArrowheads="1"/>
           </p:cNvPicPr>
@@ -3764,8 +4061,8 @@
         </p:blipFill>
         <p:spPr bwMode="auto">
           <a:xfrm>
-            <a:off x="2281062" y="4966500"/>
-            <a:ext cx="5114925" cy="1562100"/>
+            <a:off x="2119751" y="2564904"/>
+            <a:ext cx="4881813" cy="1152128"/>
           </a:xfrm>
           <a:prstGeom prst="rect">
             <a:avLst/>
@@ -3807,7 +4104,7 @@
       </p:pic>
       <p:pic>
         <p:nvPicPr>
-          <p:cNvPr id="1029" name="Picture 5"/>
+          <p:cNvPr id="6148" name="Picture 4"/>
           <p:cNvPicPr>
             <a:picLocks noChangeAspect="1" noChangeArrowheads="1"/>
           </p:cNvPicPr>
@@ -3828,8 +4125,985 @@
         </p:blipFill>
         <p:spPr bwMode="auto">
           <a:xfrm>
-            <a:off x="1700038" y="6201263"/>
-            <a:ext cx="6276975" cy="619125"/>
+            <a:off x="2119751" y="5085184"/>
+            <a:ext cx="4924879" cy="1152128"/>
+          </a:xfrm>
+          <a:prstGeom prst="rect">
+            <a:avLst/>
+          </a:prstGeom>
+          <a:noFill/>
+          <a:ln>
+            <a:noFill/>
+          </a:ln>
+          <a:effectLst/>
+          <a:extLst>
+            <a:ext uri="{909E8E84-426E-40DD-AFC4-6F175D3DCCD1}">
+              <a14:hiddenFill xmlns:a14="http://schemas.microsoft.com/office/drawing/2010/main">
+                <a:solidFill>
+                  <a:schemeClr val="accent1"/>
+                </a:solidFill>
+              </a14:hiddenFill>
+            </a:ext>
+            <a:ext uri="{91240B29-F687-4F45-9708-019B960494DF}">
+              <a14:hiddenLine xmlns:a14="http://schemas.microsoft.com/office/drawing/2010/main" w="9525">
+                <a:solidFill>
+                  <a:schemeClr val="tx1"/>
+                </a:solidFill>
+                <a:miter lim="800000"/>
+                <a:headEnd/>
+                <a:tailEnd/>
+              </a14:hiddenLine>
+            </a:ext>
+            <a:ext uri="{AF507438-7753-43E0-B8FC-AC1667EBCBE1}">
+              <a14:hiddenEffects xmlns:a14="http://schemas.microsoft.com/office/drawing/2010/main">
+                <a:effectLst>
+                  <a:outerShdw dist="35921" dir="2700000" algn="ctr" rotWithShape="0">
+                    <a:schemeClr val="bg2"/>
+                  </a:outerShdw>
+                </a:effectLst>
+              </a14:hiddenEffects>
+            </a:ext>
+          </a:extLst>
+        </p:spPr>
+      </p:pic>
+      <p:sp>
+        <p:nvSpPr>
+          <p:cNvPr id="14" name="TextBox 13"/>
+          <p:cNvSpPr txBox="1"/>
+          <p:nvPr/>
+        </p:nvSpPr>
+        <p:spPr>
+          <a:xfrm>
+            <a:off x="971597" y="4509120"/>
+            <a:ext cx="7178119" cy="369332"/>
+          </a:xfrm>
+          <a:prstGeom prst="rect">
+            <a:avLst/>
+          </a:prstGeom>
+          <a:noFill/>
+          <a:ln>
+            <a:solidFill>
+              <a:schemeClr val="tx1"/>
+            </a:solidFill>
+            <a:prstDash val="lgDash"/>
+          </a:ln>
+        </p:spPr>
+        <p:txBody>
+          <a:bodyPr wrap="square" rtlCol="0">
+            <a:spAutoFit/>
+          </a:bodyPr>
+          <a:lstStyle/>
+          <a:p>
+            <a:r>
+              <a:rPr lang="en-US" altLang="zh-CN" dirty="0" err="1" smtClean="0"/>
+              <a:t>buffer.reset</a:t>
+            </a:r>
+            <a:r>
+              <a:rPr lang="en-US" altLang="zh-CN" dirty="0" smtClean="0"/>
+              <a:t>();</a:t>
+            </a:r>
+            <a:endParaRPr lang="zh-CN" altLang="en-US" dirty="0"/>
+          </a:p>
+        </p:txBody>
+      </p:sp>
+    </p:spTree>
+    <p:extLst>
+      <p:ext uri="{BB962C8B-B14F-4D97-AF65-F5344CB8AC3E}">
+        <p14:creationId xmlns:p14="http://schemas.microsoft.com/office/powerpoint/2010/main" val="15243757"/>
+      </p:ext>
+    </p:extLst>
+  </p:cSld>
+  <p:clrMapOvr>
+    <a:masterClrMapping/>
+  </p:clrMapOvr>
+</p:sld>
+</file>
+
+<file path=ppt/slides/slide11.xml><?xml version="1.0" encoding="utf-8"?>
+<p:sld xmlns:a="http://schemas.openxmlformats.org/drawingml/2006/main" xmlns:r="http://schemas.openxmlformats.org/officeDocument/2006/relationships" xmlns:p="http://schemas.openxmlformats.org/presentationml/2006/main">
+  <p:cSld>
+    <p:spTree>
+      <p:nvGrpSpPr>
+        <p:cNvPr id="1" name=""/>
+        <p:cNvGrpSpPr/>
+        <p:nvPr/>
+      </p:nvGrpSpPr>
+      <p:grpSpPr>
+        <a:xfrm>
+          <a:off x="0" y="0"/>
+          <a:ext cx="0" cy="0"/>
+          <a:chOff x="0" y="0"/>
+          <a:chExt cx="0" cy="0"/>
+        </a:xfrm>
+      </p:grpSpPr>
+      <p:sp>
+        <p:nvSpPr>
+          <p:cNvPr id="2" name="标题 1"/>
+          <p:cNvSpPr>
+            <a:spLocks noGrp="1"/>
+          </p:cNvSpPr>
+          <p:nvPr>
+            <p:ph type="title"/>
+          </p:nvPr>
+        </p:nvSpPr>
+        <p:spPr/>
+        <p:txBody>
+          <a:bodyPr/>
+          <a:lstStyle/>
+          <a:p>
+            <a:r>
+              <a:rPr lang="en-US" altLang="zh-CN" dirty="0" smtClean="0"/>
+              <a:t>Buffer</a:t>
+            </a:r>
+            <a:r>
+              <a:rPr lang="zh-CN" altLang="en-US" dirty="0" smtClean="0"/>
+              <a:t>批量操作</a:t>
+            </a:r>
+            <a:endParaRPr lang="zh-CN" altLang="en-US" dirty="0"/>
+          </a:p>
+        </p:txBody>
+      </p:sp>
+      <p:sp>
+        <p:nvSpPr>
+          <p:cNvPr id="3" name="内容占位符 2"/>
+          <p:cNvSpPr>
+            <a:spLocks noGrp="1"/>
+          </p:cNvSpPr>
+          <p:nvPr>
+            <p:ph idx="1"/>
+          </p:nvPr>
+        </p:nvSpPr>
+        <p:spPr/>
+        <p:txBody>
+          <a:bodyPr>
+            <a:normAutofit/>
+          </a:bodyPr>
+          <a:lstStyle/>
+          <a:p>
+            <a:r>
+              <a:rPr lang="zh-CN" altLang="en-US" dirty="0" smtClean="0"/>
+              <a:t>批量数据操作</a:t>
+            </a:r>
+            <a:r>
+              <a:rPr lang="en-US" altLang="zh-CN" dirty="0" smtClean="0"/>
+              <a:t>API</a:t>
+            </a:r>
+          </a:p>
+          <a:p>
+            <a:endParaRPr lang="en-US" altLang="zh-CN" dirty="0"/>
+          </a:p>
+          <a:p>
+            <a:endParaRPr lang="en-US" altLang="zh-CN" dirty="0" smtClean="0"/>
+          </a:p>
+          <a:p>
+            <a:endParaRPr lang="en-US" altLang="zh-CN" dirty="0"/>
+          </a:p>
+          <a:p>
+            <a:endParaRPr lang="en-US" altLang="zh-CN" dirty="0" smtClean="0"/>
+          </a:p>
+          <a:p>
+            <a:r>
+              <a:rPr lang="zh-CN" altLang="en-US" dirty="0" smtClean="0"/>
+              <a:t>两个</a:t>
+            </a:r>
+            <a:r>
+              <a:rPr lang="zh-CN" altLang="en-US" dirty="0"/>
+              <a:t>常见</a:t>
+            </a:r>
+            <a:r>
+              <a:rPr lang="zh-CN" altLang="en-US" dirty="0" smtClean="0"/>
+              <a:t>异常（</a:t>
+            </a:r>
+            <a:r>
+              <a:rPr lang="en-US" altLang="zh-CN" dirty="0" err="1" smtClean="0"/>
+              <a:t>array.length</a:t>
+            </a:r>
+            <a:r>
+              <a:rPr lang="en-US" altLang="zh-CN" dirty="0" smtClean="0"/>
+              <a:t> </a:t>
+            </a:r>
+            <a:r>
+              <a:rPr lang="en-US" altLang="zh-CN" dirty="0"/>
+              <a:t>&gt; remaining()</a:t>
+            </a:r>
+            <a:r>
+              <a:rPr lang="zh-CN" altLang="en-US" dirty="0" smtClean="0"/>
+              <a:t>）</a:t>
+            </a:r>
+            <a:endParaRPr lang="en-US" altLang="zh-CN" dirty="0" smtClean="0"/>
+          </a:p>
+          <a:p>
+            <a:pPr lvl="1"/>
+            <a:r>
+              <a:rPr lang="en-US" altLang="zh-CN" sz="2400" dirty="0" err="1" smtClean="0"/>
+              <a:t>BufferUnderflowException</a:t>
+            </a:r>
+            <a:r>
+              <a:rPr lang="zh-CN" altLang="en-US" sz="2400" dirty="0" smtClean="0"/>
+              <a:t>（</a:t>
+            </a:r>
+            <a:r>
+              <a:rPr lang="en-US" altLang="zh-CN" sz="2400" dirty="0" smtClean="0"/>
+              <a:t>get</a:t>
+            </a:r>
+            <a:r>
+              <a:rPr lang="zh-CN" altLang="en-US" sz="2400" dirty="0" smtClean="0"/>
+              <a:t>读数据）</a:t>
+            </a:r>
+            <a:endParaRPr lang="en-US" altLang="zh-CN" sz="2400" dirty="0" smtClean="0"/>
+          </a:p>
+          <a:p>
+            <a:pPr lvl="1"/>
+            <a:r>
+              <a:rPr lang="en-US" altLang="zh-CN" sz="2400" dirty="0" err="1" smtClean="0"/>
+              <a:t>BufferOverflowException</a:t>
+            </a:r>
+            <a:r>
+              <a:rPr lang="zh-CN" altLang="en-US" sz="2400" dirty="0" smtClean="0"/>
+              <a:t>（</a:t>
+            </a:r>
+            <a:r>
+              <a:rPr lang="en-US" altLang="zh-CN" sz="2400" dirty="0" smtClean="0"/>
+              <a:t>put</a:t>
+            </a:r>
+            <a:r>
+              <a:rPr lang="zh-CN" altLang="en-US" sz="2400" dirty="0" smtClean="0"/>
+              <a:t>写数据）</a:t>
+            </a:r>
+            <a:endParaRPr lang="en-US" altLang="zh-CN" dirty="0"/>
+          </a:p>
+        </p:txBody>
+      </p:sp>
+      <p:sp>
+        <p:nvSpPr>
+          <p:cNvPr id="4" name="TextBox 3"/>
+          <p:cNvSpPr txBox="1"/>
+          <p:nvPr/>
+        </p:nvSpPr>
+        <p:spPr>
+          <a:xfrm>
+            <a:off x="1826552" y="2132856"/>
+            <a:ext cx="5760640" cy="2462213"/>
+          </a:xfrm>
+          <a:prstGeom prst="rect">
+            <a:avLst/>
+          </a:prstGeom>
+          <a:noFill/>
+          <a:ln>
+            <a:solidFill>
+              <a:schemeClr val="tx1"/>
+            </a:solidFill>
+            <a:prstDash val="lgDash"/>
+          </a:ln>
+        </p:spPr>
+        <p:txBody>
+          <a:bodyPr wrap="square" rtlCol="0">
+            <a:spAutoFit/>
+          </a:bodyPr>
+          <a:lstStyle/>
+          <a:p>
+            <a:r>
+              <a:rPr lang="en-US" altLang="zh-CN" sz="1400" dirty="0"/>
+              <a:t>public abstract class </a:t>
+            </a:r>
+            <a:r>
+              <a:rPr lang="en-US" altLang="zh-CN" sz="1400" dirty="0" err="1"/>
+              <a:t>CharBuffer</a:t>
+            </a:r>
+            <a:endParaRPr lang="en-US" altLang="zh-CN" sz="1400" dirty="0"/>
+          </a:p>
+          <a:p>
+            <a:r>
+              <a:rPr lang="en-US" altLang="zh-CN" sz="1400" dirty="0" smtClean="0"/>
+              <a:t>            extends </a:t>
+            </a:r>
+            <a:r>
+              <a:rPr lang="en-US" altLang="zh-CN" sz="1400" dirty="0"/>
+              <a:t>Buffer implements </a:t>
+            </a:r>
+            <a:r>
+              <a:rPr lang="en-US" altLang="zh-CN" sz="1400" dirty="0" err="1"/>
+              <a:t>CharSequence</a:t>
+            </a:r>
+            <a:r>
+              <a:rPr lang="en-US" altLang="zh-CN" sz="1400" dirty="0"/>
+              <a:t>, </a:t>
+            </a:r>
+            <a:r>
+              <a:rPr lang="en-US" altLang="zh-CN" sz="1400" dirty="0" smtClean="0"/>
+              <a:t>Comparable {</a:t>
+            </a:r>
+            <a:endParaRPr lang="en-US" altLang="zh-CN" sz="1400" dirty="0"/>
+          </a:p>
+          <a:p>
+            <a:r>
+              <a:rPr lang="en-US" altLang="zh-CN" sz="1400" dirty="0" smtClean="0"/>
+              <a:t>            // </a:t>
+            </a:r>
+            <a:r>
+              <a:rPr lang="en-US" altLang="zh-CN" sz="1400" dirty="0"/>
+              <a:t>This is a partial API listing</a:t>
+            </a:r>
+          </a:p>
+          <a:p>
+            <a:r>
+              <a:rPr lang="en-US" altLang="zh-CN" sz="1400" dirty="0" smtClean="0"/>
+              <a:t>            public </a:t>
+            </a:r>
+            <a:r>
+              <a:rPr lang="en-US" altLang="zh-CN" sz="1400" dirty="0" err="1"/>
+              <a:t>CharBuffer</a:t>
+            </a:r>
+            <a:r>
+              <a:rPr lang="en-US" altLang="zh-CN" sz="1400" dirty="0"/>
+              <a:t> get (char [] </a:t>
+            </a:r>
+            <a:r>
+              <a:rPr lang="en-US" altLang="zh-CN" sz="1400" dirty="0" err="1"/>
+              <a:t>dst</a:t>
+            </a:r>
+            <a:r>
+              <a:rPr lang="en-US" altLang="zh-CN" sz="1400" dirty="0"/>
+              <a:t>)</a:t>
+            </a:r>
+          </a:p>
+          <a:p>
+            <a:r>
+              <a:rPr lang="en-US" altLang="zh-CN" sz="1400" dirty="0" smtClean="0"/>
+              <a:t>            public </a:t>
+            </a:r>
+            <a:r>
+              <a:rPr lang="en-US" altLang="zh-CN" sz="1400" dirty="0" err="1"/>
+              <a:t>CharBuffer</a:t>
+            </a:r>
+            <a:r>
+              <a:rPr lang="en-US" altLang="zh-CN" sz="1400" dirty="0"/>
+              <a:t> get (char [] </a:t>
+            </a:r>
+            <a:r>
+              <a:rPr lang="en-US" altLang="zh-CN" sz="1400" dirty="0" err="1"/>
+              <a:t>dst</a:t>
+            </a:r>
+            <a:r>
+              <a:rPr lang="en-US" altLang="zh-CN" sz="1400" dirty="0"/>
+              <a:t>, </a:t>
+            </a:r>
+            <a:r>
+              <a:rPr lang="en-US" altLang="zh-CN" sz="1400" dirty="0" err="1"/>
+              <a:t>int</a:t>
+            </a:r>
+            <a:r>
+              <a:rPr lang="en-US" altLang="zh-CN" sz="1400" dirty="0"/>
+              <a:t> offset, </a:t>
+            </a:r>
+            <a:r>
+              <a:rPr lang="en-US" altLang="zh-CN" sz="1400" dirty="0" err="1"/>
+              <a:t>int</a:t>
+            </a:r>
+            <a:r>
+              <a:rPr lang="en-US" altLang="zh-CN" sz="1400" dirty="0"/>
+              <a:t> length)</a:t>
+            </a:r>
+          </a:p>
+          <a:p>
+            <a:r>
+              <a:rPr lang="en-US" altLang="zh-CN" sz="1400" dirty="0" smtClean="0"/>
+              <a:t>            public </a:t>
+            </a:r>
+            <a:r>
+              <a:rPr lang="en-US" altLang="zh-CN" sz="1400" dirty="0"/>
+              <a:t>final </a:t>
+            </a:r>
+            <a:r>
+              <a:rPr lang="en-US" altLang="zh-CN" sz="1400" dirty="0" err="1"/>
+              <a:t>CharBuffer</a:t>
+            </a:r>
+            <a:r>
+              <a:rPr lang="en-US" altLang="zh-CN" sz="1400" dirty="0"/>
+              <a:t> put (char[] </a:t>
+            </a:r>
+            <a:r>
+              <a:rPr lang="en-US" altLang="zh-CN" sz="1400" dirty="0" err="1"/>
+              <a:t>src</a:t>
+            </a:r>
+            <a:r>
+              <a:rPr lang="en-US" altLang="zh-CN" sz="1400" dirty="0"/>
+              <a:t>)</a:t>
+            </a:r>
+          </a:p>
+          <a:p>
+            <a:r>
+              <a:rPr lang="en-US" altLang="zh-CN" sz="1400" dirty="0" smtClean="0"/>
+              <a:t>            public </a:t>
+            </a:r>
+            <a:r>
+              <a:rPr lang="en-US" altLang="zh-CN" sz="1400" dirty="0" err="1"/>
+              <a:t>CharBuffer</a:t>
+            </a:r>
+            <a:r>
+              <a:rPr lang="en-US" altLang="zh-CN" sz="1400" dirty="0"/>
+              <a:t> put (char [] </a:t>
+            </a:r>
+            <a:r>
+              <a:rPr lang="en-US" altLang="zh-CN" sz="1400" dirty="0" err="1"/>
+              <a:t>src</a:t>
+            </a:r>
+            <a:r>
+              <a:rPr lang="en-US" altLang="zh-CN" sz="1400" dirty="0"/>
+              <a:t>, </a:t>
+            </a:r>
+            <a:r>
+              <a:rPr lang="en-US" altLang="zh-CN" sz="1400" dirty="0" err="1"/>
+              <a:t>int</a:t>
+            </a:r>
+            <a:r>
+              <a:rPr lang="en-US" altLang="zh-CN" sz="1400" dirty="0"/>
+              <a:t> offset, </a:t>
+            </a:r>
+            <a:r>
+              <a:rPr lang="en-US" altLang="zh-CN" sz="1400" dirty="0" err="1"/>
+              <a:t>int</a:t>
+            </a:r>
+            <a:r>
+              <a:rPr lang="en-US" altLang="zh-CN" sz="1400" dirty="0"/>
+              <a:t> length)</a:t>
+            </a:r>
+          </a:p>
+          <a:p>
+            <a:r>
+              <a:rPr lang="en-US" altLang="zh-CN" sz="1400" dirty="0" smtClean="0"/>
+              <a:t>            public </a:t>
+            </a:r>
+            <a:r>
+              <a:rPr lang="en-US" altLang="zh-CN" sz="1400" dirty="0" err="1"/>
+              <a:t>CharBuffer</a:t>
+            </a:r>
+            <a:r>
+              <a:rPr lang="en-US" altLang="zh-CN" sz="1400" dirty="0"/>
+              <a:t> put (</a:t>
+            </a:r>
+            <a:r>
+              <a:rPr lang="en-US" altLang="zh-CN" sz="1400" dirty="0" err="1"/>
+              <a:t>CharBuffer</a:t>
+            </a:r>
+            <a:r>
+              <a:rPr lang="en-US" altLang="zh-CN" sz="1400" dirty="0"/>
+              <a:t> </a:t>
+            </a:r>
+            <a:r>
+              <a:rPr lang="en-US" altLang="zh-CN" sz="1400" dirty="0" err="1"/>
+              <a:t>src</a:t>
+            </a:r>
+            <a:r>
+              <a:rPr lang="en-US" altLang="zh-CN" sz="1400" dirty="0"/>
+              <a:t>)</a:t>
+            </a:r>
+          </a:p>
+          <a:p>
+            <a:r>
+              <a:rPr lang="en-US" altLang="zh-CN" sz="1400" dirty="0" smtClean="0"/>
+              <a:t>            public </a:t>
+            </a:r>
+            <a:r>
+              <a:rPr lang="en-US" altLang="zh-CN" sz="1400" dirty="0"/>
+              <a:t>final </a:t>
+            </a:r>
+            <a:r>
+              <a:rPr lang="en-US" altLang="zh-CN" sz="1400" dirty="0" err="1"/>
+              <a:t>CharBuffer</a:t>
+            </a:r>
+            <a:r>
+              <a:rPr lang="en-US" altLang="zh-CN" sz="1400" dirty="0"/>
+              <a:t> put (String </a:t>
+            </a:r>
+            <a:r>
+              <a:rPr lang="en-US" altLang="zh-CN" sz="1400" dirty="0" err="1"/>
+              <a:t>src</a:t>
+            </a:r>
+            <a:r>
+              <a:rPr lang="en-US" altLang="zh-CN" sz="1400" dirty="0"/>
+              <a:t>)</a:t>
+            </a:r>
+          </a:p>
+          <a:p>
+            <a:r>
+              <a:rPr lang="en-US" altLang="zh-CN" sz="1400" dirty="0" smtClean="0"/>
+              <a:t>            public </a:t>
+            </a:r>
+            <a:r>
+              <a:rPr lang="en-US" altLang="zh-CN" sz="1400" dirty="0" err="1"/>
+              <a:t>CharBuffer</a:t>
+            </a:r>
+            <a:r>
+              <a:rPr lang="en-US" altLang="zh-CN" sz="1400" dirty="0"/>
+              <a:t> put (String </a:t>
+            </a:r>
+            <a:r>
+              <a:rPr lang="en-US" altLang="zh-CN" sz="1400" dirty="0" err="1"/>
+              <a:t>src</a:t>
+            </a:r>
+            <a:r>
+              <a:rPr lang="en-US" altLang="zh-CN" sz="1400" dirty="0"/>
+              <a:t>, </a:t>
+            </a:r>
+            <a:r>
+              <a:rPr lang="en-US" altLang="zh-CN" sz="1400" dirty="0" err="1"/>
+              <a:t>int</a:t>
+            </a:r>
+            <a:r>
+              <a:rPr lang="en-US" altLang="zh-CN" sz="1400" dirty="0"/>
+              <a:t> start, </a:t>
+            </a:r>
+            <a:r>
+              <a:rPr lang="en-US" altLang="zh-CN" sz="1400" dirty="0" err="1"/>
+              <a:t>int</a:t>
+            </a:r>
+            <a:r>
+              <a:rPr lang="en-US" altLang="zh-CN" sz="1400" dirty="0"/>
+              <a:t> end)</a:t>
+            </a:r>
+          </a:p>
+          <a:p>
+            <a:r>
+              <a:rPr lang="en-US" altLang="zh-CN" sz="1400" dirty="0"/>
+              <a:t>}</a:t>
+            </a:r>
+            <a:endParaRPr lang="zh-CN" altLang="en-US" sz="1400" dirty="0"/>
+          </a:p>
+        </p:txBody>
+      </p:sp>
+    </p:spTree>
+    <p:extLst>
+      <p:ext uri="{BB962C8B-B14F-4D97-AF65-F5344CB8AC3E}">
+        <p14:creationId xmlns:p14="http://schemas.microsoft.com/office/powerpoint/2010/main" val="2420958441"/>
+      </p:ext>
+    </p:extLst>
+  </p:cSld>
+  <p:clrMapOvr>
+    <a:masterClrMapping/>
+  </p:clrMapOvr>
+</p:sld>
+</file>
+
+<file path=ppt/slides/slide12.xml><?xml version="1.0" encoding="utf-8"?>
+<p:sld xmlns:a="http://schemas.openxmlformats.org/drawingml/2006/main" xmlns:r="http://schemas.openxmlformats.org/officeDocument/2006/relationships" xmlns:p="http://schemas.openxmlformats.org/presentationml/2006/main">
+  <p:cSld>
+    <p:spTree>
+      <p:nvGrpSpPr>
+        <p:cNvPr id="1" name=""/>
+        <p:cNvGrpSpPr/>
+        <p:nvPr/>
+      </p:nvGrpSpPr>
+      <p:grpSpPr>
+        <a:xfrm>
+          <a:off x="0" y="0"/>
+          <a:ext cx="0" cy="0"/>
+          <a:chOff x="0" y="0"/>
+          <a:chExt cx="0" cy="0"/>
+        </a:xfrm>
+      </p:grpSpPr>
+      <p:sp>
+        <p:nvSpPr>
+          <p:cNvPr id="2" name="标题 1"/>
+          <p:cNvSpPr>
+            <a:spLocks noGrp="1"/>
+          </p:cNvSpPr>
+          <p:nvPr>
+            <p:ph type="title"/>
+          </p:nvPr>
+        </p:nvSpPr>
+        <p:spPr/>
+        <p:txBody>
+          <a:bodyPr/>
+          <a:lstStyle/>
+          <a:p>
+            <a:r>
+              <a:rPr lang="en-US" altLang="zh-CN" dirty="0" smtClean="0"/>
+              <a:t>Buffer</a:t>
+            </a:r>
+            <a:r>
+              <a:rPr lang="zh-CN" altLang="en-US" dirty="0" smtClean="0"/>
+              <a:t>操作</a:t>
+            </a:r>
+            <a:endParaRPr lang="zh-CN" altLang="en-US" dirty="0"/>
+          </a:p>
+        </p:txBody>
+      </p:sp>
+      <p:sp>
+        <p:nvSpPr>
+          <p:cNvPr id="3" name="内容占位符 2"/>
+          <p:cNvSpPr>
+            <a:spLocks noGrp="1"/>
+          </p:cNvSpPr>
+          <p:nvPr>
+            <p:ph idx="1"/>
+          </p:nvPr>
+        </p:nvSpPr>
+        <p:spPr/>
+        <p:txBody>
+          <a:bodyPr/>
+          <a:lstStyle/>
+          <a:p>
+            <a:r>
+              <a:rPr lang="zh-CN" altLang="en-US" dirty="0" smtClean="0"/>
+              <a:t>创建</a:t>
+            </a:r>
+            <a:r>
+              <a:rPr lang="en-US" altLang="zh-CN" dirty="0" smtClean="0"/>
+              <a:t>Buffer</a:t>
+            </a:r>
+          </a:p>
+          <a:p>
+            <a:pPr lvl="1"/>
+            <a:r>
+              <a:rPr lang="zh-CN" altLang="en-US" dirty="0" smtClean="0"/>
+              <a:t>分配</a:t>
+            </a:r>
+            <a:endParaRPr lang="en-US" altLang="zh-CN" dirty="0" smtClean="0"/>
+          </a:p>
+          <a:p>
+            <a:pPr lvl="1"/>
+            <a:r>
+              <a:rPr lang="zh-CN" altLang="en-US" dirty="0" smtClean="0"/>
+              <a:t>包装</a:t>
+            </a:r>
+            <a:endParaRPr lang="en-US" altLang="zh-CN" dirty="0" smtClean="0"/>
+          </a:p>
+          <a:p>
+            <a:pPr lvl="1"/>
+            <a:endParaRPr lang="en-US" altLang="zh-CN" dirty="0"/>
+          </a:p>
+          <a:p>
+            <a:r>
+              <a:rPr lang="zh-CN" altLang="en-US" dirty="0" smtClean="0"/>
+              <a:t>复制</a:t>
+            </a:r>
+            <a:r>
+              <a:rPr lang="en-US" altLang="zh-CN" smtClean="0"/>
+              <a:t>Buffer</a:t>
+            </a:r>
+            <a:endParaRPr lang="zh-CN" altLang="en-US" dirty="0"/>
+          </a:p>
+        </p:txBody>
+      </p:sp>
+      <p:sp>
+        <p:nvSpPr>
+          <p:cNvPr id="4" name="TextBox 3"/>
+          <p:cNvSpPr txBox="1"/>
+          <p:nvPr/>
+        </p:nvSpPr>
+        <p:spPr>
+          <a:xfrm>
+            <a:off x="2094008" y="2267580"/>
+            <a:ext cx="6222408" cy="369332"/>
+          </a:xfrm>
+          <a:prstGeom prst="rect">
+            <a:avLst/>
+          </a:prstGeom>
+          <a:noFill/>
+          <a:ln>
+            <a:solidFill>
+              <a:schemeClr val="tx1"/>
+            </a:solidFill>
+            <a:prstDash val="lgDash"/>
+          </a:ln>
+        </p:spPr>
+        <p:txBody>
+          <a:bodyPr wrap="square" rtlCol="0">
+            <a:spAutoFit/>
+          </a:bodyPr>
+          <a:lstStyle/>
+          <a:p>
+            <a:r>
+              <a:rPr lang="en-US" altLang="zh-CN" dirty="0" err="1"/>
+              <a:t>CharBuffer</a:t>
+            </a:r>
+            <a:r>
+              <a:rPr lang="en-US" altLang="zh-CN" dirty="0"/>
+              <a:t> </a:t>
+            </a:r>
+            <a:r>
+              <a:rPr lang="en-US" altLang="zh-CN" dirty="0" err="1"/>
+              <a:t>charBuffer</a:t>
+            </a:r>
+            <a:r>
+              <a:rPr lang="en-US" altLang="zh-CN" dirty="0"/>
+              <a:t> = </a:t>
+            </a:r>
+            <a:r>
+              <a:rPr lang="en-US" altLang="zh-CN" dirty="0" err="1"/>
+              <a:t>CharBuffer.allocate</a:t>
+            </a:r>
+            <a:r>
+              <a:rPr lang="en-US" altLang="zh-CN" dirty="0"/>
+              <a:t> (100);</a:t>
+            </a:r>
+            <a:endParaRPr lang="zh-CN" altLang="en-US" dirty="0"/>
+          </a:p>
+        </p:txBody>
+      </p:sp>
+      <p:sp>
+        <p:nvSpPr>
+          <p:cNvPr id="5" name="TextBox 4"/>
+          <p:cNvSpPr txBox="1"/>
+          <p:nvPr/>
+        </p:nvSpPr>
+        <p:spPr>
+          <a:xfrm>
+            <a:off x="2094008" y="2780928"/>
+            <a:ext cx="6222408" cy="646331"/>
+          </a:xfrm>
+          <a:prstGeom prst="rect">
+            <a:avLst/>
+          </a:prstGeom>
+          <a:noFill/>
+          <a:ln>
+            <a:solidFill>
+              <a:schemeClr val="tx1"/>
+            </a:solidFill>
+            <a:prstDash val="lgDash"/>
+          </a:ln>
+        </p:spPr>
+        <p:txBody>
+          <a:bodyPr wrap="square" rtlCol="0">
+            <a:spAutoFit/>
+          </a:bodyPr>
+          <a:lstStyle/>
+          <a:p>
+            <a:r>
+              <a:rPr lang="en-US" altLang="zh-CN" dirty="0"/>
+              <a:t>char [] </a:t>
+            </a:r>
+            <a:r>
+              <a:rPr lang="en-US" altLang="zh-CN" dirty="0" err="1"/>
+              <a:t>myArray</a:t>
+            </a:r>
+            <a:r>
+              <a:rPr lang="en-US" altLang="zh-CN" dirty="0"/>
+              <a:t> = new char [100];</a:t>
+            </a:r>
+          </a:p>
+          <a:p>
+            <a:r>
+              <a:rPr lang="en-US" altLang="zh-CN" dirty="0" err="1"/>
+              <a:t>CharBuffer</a:t>
+            </a:r>
+            <a:r>
+              <a:rPr lang="en-US" altLang="zh-CN" dirty="0"/>
+              <a:t> </a:t>
+            </a:r>
+            <a:r>
+              <a:rPr lang="en-US" altLang="zh-CN" dirty="0" err="1"/>
+              <a:t>charbuffer</a:t>
+            </a:r>
+            <a:r>
+              <a:rPr lang="en-US" altLang="zh-CN" dirty="0"/>
+              <a:t> = </a:t>
+            </a:r>
+            <a:r>
+              <a:rPr lang="en-US" altLang="zh-CN" dirty="0" err="1"/>
+              <a:t>CharBuffer.wrap</a:t>
+            </a:r>
+            <a:r>
+              <a:rPr lang="en-US" altLang="zh-CN" dirty="0"/>
+              <a:t> (</a:t>
+            </a:r>
+            <a:r>
+              <a:rPr lang="en-US" altLang="zh-CN" dirty="0" err="1"/>
+              <a:t>myArray</a:t>
+            </a:r>
+            <a:r>
+              <a:rPr lang="en-US" altLang="zh-CN" dirty="0"/>
+              <a:t>);</a:t>
+            </a:r>
+            <a:endParaRPr lang="zh-CN" altLang="en-US" dirty="0"/>
+          </a:p>
+        </p:txBody>
+      </p:sp>
+    </p:spTree>
+    <p:extLst>
+      <p:ext uri="{BB962C8B-B14F-4D97-AF65-F5344CB8AC3E}">
+        <p14:creationId xmlns:p14="http://schemas.microsoft.com/office/powerpoint/2010/main" val="2438212743"/>
+      </p:ext>
+    </p:extLst>
+  </p:cSld>
+  <p:clrMapOvr>
+    <a:masterClrMapping/>
+  </p:clrMapOvr>
+</p:sld>
+</file>
+
+<file path=ppt/slides/slide13.xml><?xml version="1.0" encoding="utf-8"?>
+<p:sld xmlns:a="http://schemas.openxmlformats.org/drawingml/2006/main" xmlns:r="http://schemas.openxmlformats.org/officeDocument/2006/relationships" xmlns:p="http://schemas.openxmlformats.org/presentationml/2006/main">
+  <p:cSld>
+    <p:spTree>
+      <p:nvGrpSpPr>
+        <p:cNvPr id="1" name=""/>
+        <p:cNvGrpSpPr/>
+        <p:nvPr/>
+      </p:nvGrpSpPr>
+      <p:grpSpPr>
+        <a:xfrm>
+          <a:off x="0" y="0"/>
+          <a:ext cx="0" cy="0"/>
+          <a:chOff x="0" y="0"/>
+          <a:chExt cx="0" cy="0"/>
+        </a:xfrm>
+      </p:grpSpPr>
+      <p:sp>
+        <p:nvSpPr>
+          <p:cNvPr id="2" name="标题 1"/>
+          <p:cNvSpPr>
+            <a:spLocks noGrp="1"/>
+          </p:cNvSpPr>
+          <p:nvPr>
+            <p:ph type="title"/>
+          </p:nvPr>
+        </p:nvSpPr>
+        <p:spPr/>
+        <p:txBody>
+          <a:bodyPr/>
+          <a:lstStyle/>
+          <a:p>
+            <a:r>
+              <a:rPr lang="en-US" altLang="zh-CN" dirty="0" err="1" smtClean="0"/>
+              <a:t>MappedByteBuffer</a:t>
+            </a:r>
+            <a:endParaRPr lang="zh-CN" altLang="en-US" dirty="0"/>
+          </a:p>
+        </p:txBody>
+      </p:sp>
+      <p:sp>
+        <p:nvSpPr>
+          <p:cNvPr id="3" name="内容占位符 2"/>
+          <p:cNvSpPr>
+            <a:spLocks noGrp="1"/>
+          </p:cNvSpPr>
+          <p:nvPr>
+            <p:ph idx="1"/>
+          </p:nvPr>
+        </p:nvSpPr>
+        <p:spPr/>
+        <p:txBody>
+          <a:bodyPr>
+            <a:normAutofit lnSpcReduction="10000"/>
+          </a:bodyPr>
+          <a:lstStyle/>
+          <a:p>
+            <a:r>
+              <a:rPr lang="en-US" altLang="zh-CN" dirty="0" smtClean="0">
+                <a:effectLst/>
+              </a:rPr>
+              <a:t>A direct byte buffer whose content is a memory-mapped region of a file. </a:t>
+            </a:r>
+          </a:p>
+          <a:p>
+            <a:r>
+              <a:rPr lang="zh-CN" altLang="en-US" dirty="0" smtClean="0"/>
+              <a:t>内存映射文件</a:t>
+            </a:r>
+            <a:endParaRPr lang="en-US" altLang="zh-CN" dirty="0" smtClean="0"/>
+          </a:p>
+          <a:p>
+            <a:r>
+              <a:rPr lang="zh-CN" altLang="en-US" dirty="0" smtClean="0">
+                <a:effectLst/>
+              </a:rPr>
+              <a:t>操作系统内核空间</a:t>
+            </a:r>
+            <a:r>
+              <a:rPr lang="en-US" altLang="zh-CN" dirty="0" smtClean="0">
+                <a:effectLst/>
+              </a:rPr>
+              <a:t>&amp;</a:t>
+            </a:r>
+            <a:r>
+              <a:rPr lang="zh-CN" altLang="en-US" dirty="0" smtClean="0">
+                <a:effectLst/>
+              </a:rPr>
+              <a:t>用户空间</a:t>
+            </a:r>
+            <a:endParaRPr lang="en-US" altLang="zh-CN" dirty="0" smtClean="0">
+              <a:effectLst/>
+            </a:endParaRPr>
+          </a:p>
+          <a:p>
+            <a:r>
+              <a:rPr lang="zh-CN" altLang="en-US" dirty="0" smtClean="0"/>
+              <a:t>虚拟内存</a:t>
+            </a:r>
+            <a:r>
+              <a:rPr lang="en-US" altLang="zh-CN" dirty="0" smtClean="0"/>
+              <a:t>&amp;</a:t>
+            </a:r>
+            <a:r>
+              <a:rPr lang="zh-CN" altLang="en-US" dirty="0" smtClean="0"/>
+              <a:t>内存分页</a:t>
+            </a:r>
+            <a:endParaRPr lang="en-US" altLang="zh-CN" dirty="0" smtClean="0"/>
+          </a:p>
+          <a:p>
+            <a:r>
+              <a:rPr lang="zh-CN" altLang="en-US" dirty="0" smtClean="0">
+                <a:effectLst/>
+              </a:rPr>
+              <a:t>文件系统</a:t>
+            </a:r>
+            <a:endParaRPr lang="en-US" altLang="zh-CN" dirty="0" smtClean="0">
+              <a:effectLst/>
+            </a:endParaRPr>
+          </a:p>
+          <a:p>
+            <a:r>
+              <a:rPr lang="zh-CN" altLang="en-US" dirty="0" smtClean="0"/>
+              <a:t>文件空洞（</a:t>
+            </a:r>
+            <a:r>
+              <a:rPr lang="en-US" altLang="zh-CN" dirty="0" smtClean="0"/>
+              <a:t>File Hole</a:t>
+            </a:r>
+            <a:r>
+              <a:rPr lang="zh-CN" altLang="en-US" dirty="0" smtClean="0"/>
+              <a:t>）</a:t>
+            </a:r>
+            <a:endParaRPr lang="en-US" altLang="zh-CN" dirty="0" smtClean="0">
+              <a:effectLst/>
+            </a:endParaRPr>
+          </a:p>
+          <a:p>
+            <a:r>
+              <a:rPr lang="zh-CN" altLang="en-US" dirty="0" smtClean="0"/>
+              <a:t>字节顺序</a:t>
+            </a:r>
+            <a:endParaRPr lang="zh-CN" altLang="en-US" dirty="0"/>
+          </a:p>
+        </p:txBody>
+      </p:sp>
+      <p:pic>
+        <p:nvPicPr>
+          <p:cNvPr id="1026" name="Picture 2"/>
+          <p:cNvPicPr>
+            <a:picLocks noChangeAspect="1" noChangeArrowheads="1"/>
+          </p:cNvPicPr>
+          <p:nvPr/>
+        </p:nvPicPr>
+        <p:blipFill>
+          <a:blip r:embed="rId2">
+            <a:extLst>
+              <a:ext uri="{28A0092B-C50C-407E-A947-70E740481C1C}">
+                <a14:useLocalDpi xmlns:a14="http://schemas.microsoft.com/office/drawing/2010/main" val="0"/>
+              </a:ext>
+            </a:extLst>
+          </a:blip>
+          <a:srcRect/>
+          <a:stretch>
+            <a:fillRect/>
+          </a:stretch>
+        </p:blipFill>
+        <p:spPr bwMode="auto">
+          <a:xfrm>
+            <a:off x="3593568" y="4077072"/>
+            <a:ext cx="5524500" cy="2505075"/>
           </a:xfrm>
           <a:prstGeom prst="rect">
             <a:avLst/>
@@ -3872,7 +5146,7 @@
     </p:spTree>
     <p:extLst>
       <p:ext uri="{BB962C8B-B14F-4D97-AF65-F5344CB8AC3E}">
-        <p14:creationId xmlns:p14="http://schemas.microsoft.com/office/powerpoint/2010/main" val="842316347"/>
+        <p14:creationId xmlns:p14="http://schemas.microsoft.com/office/powerpoint/2010/main" val="2938540346"/>
       </p:ext>
     </p:extLst>
   </p:cSld>
@@ -3882,7 +5156,7 @@
 </p:sld>
 </file>
 
-<file path=ppt/slides/slide4.xml><?xml version="1.0" encoding="utf-8"?>
+<file path=ppt/slides/slide14.xml><?xml version="1.0" encoding="utf-8"?>
 <p:sld xmlns:a="http://schemas.openxmlformats.org/drawingml/2006/main" xmlns:r="http://schemas.openxmlformats.org/officeDocument/2006/relationships" xmlns:p="http://schemas.openxmlformats.org/presentationml/2006/main">
   <p:cSld>
     <p:spTree>
@@ -4146,7 +5420,7 @@
       </p:pic>
       <p:pic>
         <p:nvPicPr>
-          <p:cNvPr id="2054" name="Picture 6"/>
+          <p:cNvPr id="8194" name="Picture 2"/>
           <p:cNvPicPr>
             <a:picLocks noChangeAspect="1" noChangeArrowheads="1"/>
           </p:cNvPicPr>
@@ -4167,8 +5441,8 @@
         </p:blipFill>
         <p:spPr bwMode="auto">
           <a:xfrm>
-            <a:off x="6374185" y="2998780"/>
-            <a:ext cx="5762625" cy="752475"/>
+            <a:off x="6368912" y="3066635"/>
+            <a:ext cx="6370637" cy="762000"/>
           </a:xfrm>
           <a:prstGeom prst="rect">
             <a:avLst/>
@@ -4210,7 +5484,7 @@
       </p:pic>
       <p:pic>
         <p:nvPicPr>
-          <p:cNvPr id="2056" name="Picture 8"/>
+          <p:cNvPr id="8195" name="Picture 3"/>
           <p:cNvPicPr>
             <a:picLocks noChangeAspect="1" noChangeArrowheads="1"/>
           </p:cNvPicPr>
@@ -4231,8 +5505,8 @@
         </p:blipFill>
         <p:spPr bwMode="auto">
           <a:xfrm>
-            <a:off x="6374185" y="0"/>
-            <a:ext cx="6067425" cy="2990850"/>
+            <a:off x="6419605" y="113885"/>
+            <a:ext cx="6351587" cy="2952750"/>
           </a:xfrm>
           <a:prstGeom prst="rect">
             <a:avLst/>
@@ -4285,7 +5559,7 @@
 </p:sld>
 </file>
 
-<file path=ppt/slides/slide5.xml><?xml version="1.0" encoding="utf-8"?>
+<file path=ppt/slides/slide15.xml><?xml version="1.0" encoding="utf-8"?>
 <p:sld xmlns:a="http://schemas.openxmlformats.org/drawingml/2006/main" xmlns:r="http://schemas.openxmlformats.org/officeDocument/2006/relationships" xmlns:p="http://schemas.openxmlformats.org/presentationml/2006/main">
   <p:cSld>
     <p:spTree>
@@ -4535,6 +5809,1246 @@
 </p:sld>
 </file>
 
+<file path=ppt/slides/slide16.xml><?xml version="1.0" encoding="utf-8"?>
+<p:sld xmlns:a="http://schemas.openxmlformats.org/drawingml/2006/main" xmlns:r="http://schemas.openxmlformats.org/officeDocument/2006/relationships" xmlns:p="http://schemas.openxmlformats.org/presentationml/2006/main">
+  <p:cSld>
+    <p:spTree>
+      <p:nvGrpSpPr>
+        <p:cNvPr id="1" name=""/>
+        <p:cNvGrpSpPr/>
+        <p:nvPr/>
+      </p:nvGrpSpPr>
+      <p:grpSpPr>
+        <a:xfrm>
+          <a:off x="0" y="0"/>
+          <a:ext cx="0" cy="0"/>
+          <a:chOff x="0" y="0"/>
+          <a:chExt cx="0" cy="0"/>
+        </a:xfrm>
+      </p:grpSpPr>
+      <p:sp>
+        <p:nvSpPr>
+          <p:cNvPr id="2" name="标题 1"/>
+          <p:cNvSpPr>
+            <a:spLocks noGrp="1"/>
+          </p:cNvSpPr>
+          <p:nvPr>
+            <p:ph type="title"/>
+          </p:nvPr>
+        </p:nvSpPr>
+        <p:spPr/>
+        <p:txBody>
+          <a:bodyPr/>
+          <a:lstStyle/>
+          <a:p>
+            <a:r>
+              <a:rPr lang="en-US" altLang="zh-CN" dirty="0" err="1" smtClean="0"/>
+              <a:t>DirectByteBuffer</a:t>
+            </a:r>
+            <a:endParaRPr lang="zh-CN" altLang="en-US" dirty="0"/>
+          </a:p>
+        </p:txBody>
+      </p:sp>
+      <p:sp>
+        <p:nvSpPr>
+          <p:cNvPr id="3" name="内容占位符 2"/>
+          <p:cNvSpPr>
+            <a:spLocks noGrp="1"/>
+          </p:cNvSpPr>
+          <p:nvPr>
+            <p:ph idx="1"/>
+          </p:nvPr>
+        </p:nvSpPr>
+        <p:spPr/>
+        <p:txBody>
+          <a:bodyPr/>
+          <a:lstStyle/>
+          <a:p>
+            <a:r>
+              <a:rPr lang="zh-CN" altLang="en-US" dirty="0"/>
+              <a:t>堆</a:t>
+            </a:r>
+            <a:r>
+              <a:rPr lang="zh-CN" altLang="en-US" dirty="0" smtClean="0"/>
+              <a:t>外内存</a:t>
+            </a:r>
+            <a:endParaRPr lang="en-US" altLang="zh-CN" dirty="0" smtClean="0"/>
+          </a:p>
+          <a:p>
+            <a:r>
+              <a:rPr lang="zh-CN" altLang="en-US" dirty="0" smtClean="0"/>
+              <a:t>内存释放 </a:t>
+            </a:r>
+            <a:r>
+              <a:rPr lang="en-US" altLang="zh-CN" dirty="0" err="1" smtClean="0"/>
+              <a:t>Deallocator</a:t>
+            </a:r>
+            <a:r>
+              <a:rPr lang="en-US" altLang="zh-CN" dirty="0"/>
+              <a:t> </a:t>
+            </a:r>
+            <a:r>
+              <a:rPr lang="en-US" altLang="zh-CN" dirty="0" smtClean="0"/>
+              <a:t>&amp; Cleaner</a:t>
+            </a:r>
+            <a:r>
+              <a:rPr lang="zh-CN" altLang="en-US" dirty="0" smtClean="0"/>
+              <a:t>（</a:t>
+            </a:r>
+            <a:r>
+              <a:rPr lang="en-US" altLang="zh-CN" dirty="0" smtClean="0"/>
+              <a:t>Java</a:t>
+            </a:r>
+            <a:r>
+              <a:rPr lang="zh-CN" altLang="en-US" dirty="0" smtClean="0"/>
+              <a:t>虚引用的应用场景）</a:t>
+            </a:r>
+            <a:endParaRPr lang="en-US" altLang="zh-CN" dirty="0" smtClean="0"/>
+          </a:p>
+          <a:p>
+            <a:r>
+              <a:rPr lang="en-US" altLang="zh-CN" dirty="0" smtClean="0"/>
+              <a:t>Underlying memory allocation &amp; free</a:t>
+            </a:r>
+            <a:r>
+              <a:rPr lang="zh-CN" altLang="en-US" dirty="0" smtClean="0"/>
+              <a:t>（</a:t>
+            </a:r>
+            <a:r>
+              <a:rPr lang="en-US" altLang="zh-CN" dirty="0" err="1" smtClean="0"/>
+              <a:t>JVM#Unsafe</a:t>
+            </a:r>
+            <a:r>
+              <a:rPr lang="zh-CN" altLang="en-US" dirty="0" smtClean="0"/>
+              <a:t>）</a:t>
+            </a:r>
+            <a:endParaRPr lang="zh-CN" altLang="en-US" dirty="0"/>
+          </a:p>
+        </p:txBody>
+      </p:sp>
+    </p:spTree>
+    <p:extLst>
+      <p:ext uri="{BB962C8B-B14F-4D97-AF65-F5344CB8AC3E}">
+        <p14:creationId xmlns:p14="http://schemas.microsoft.com/office/powerpoint/2010/main" val="2796647012"/>
+      </p:ext>
+    </p:extLst>
+  </p:cSld>
+  <p:clrMapOvr>
+    <a:masterClrMapping/>
+  </p:clrMapOvr>
+</p:sld>
+</file>
+
+<file path=ppt/slides/slide17.xml><?xml version="1.0" encoding="utf-8"?>
+<p:sld xmlns:a="http://schemas.openxmlformats.org/drawingml/2006/main" xmlns:r="http://schemas.openxmlformats.org/officeDocument/2006/relationships" xmlns:p="http://schemas.openxmlformats.org/presentationml/2006/main">
+  <p:cSld>
+    <p:spTree>
+      <p:nvGrpSpPr>
+        <p:cNvPr id="1" name=""/>
+        <p:cNvGrpSpPr/>
+        <p:nvPr/>
+      </p:nvGrpSpPr>
+      <p:grpSpPr>
+        <a:xfrm>
+          <a:off x="0" y="0"/>
+          <a:ext cx="0" cy="0"/>
+          <a:chOff x="0" y="0"/>
+          <a:chExt cx="0" cy="0"/>
+        </a:xfrm>
+      </p:grpSpPr>
+      <p:sp>
+        <p:nvSpPr>
+          <p:cNvPr id="2" name="标题 1"/>
+          <p:cNvSpPr>
+            <a:spLocks noGrp="1"/>
+          </p:cNvSpPr>
+          <p:nvPr>
+            <p:ph type="title"/>
+          </p:nvPr>
+        </p:nvSpPr>
+        <p:spPr/>
+        <p:txBody>
+          <a:bodyPr/>
+          <a:lstStyle/>
+          <a:p>
+            <a:r>
+              <a:rPr lang="en-US" altLang="zh-CN" dirty="0" smtClean="0"/>
+              <a:t>Channel</a:t>
+            </a:r>
+            <a:endParaRPr lang="zh-CN" altLang="en-US" dirty="0"/>
+          </a:p>
+        </p:txBody>
+      </p:sp>
+      <p:sp>
+        <p:nvSpPr>
+          <p:cNvPr id="3" name="内容占位符 2"/>
+          <p:cNvSpPr>
+            <a:spLocks noGrp="1"/>
+          </p:cNvSpPr>
+          <p:nvPr>
+            <p:ph idx="1"/>
+          </p:nvPr>
+        </p:nvSpPr>
+        <p:spPr/>
+        <p:txBody>
+          <a:bodyPr/>
+          <a:lstStyle/>
+          <a:p>
+            <a:endParaRPr lang="zh-CN" altLang="en-US"/>
+          </a:p>
+        </p:txBody>
+      </p:sp>
+    </p:spTree>
+    <p:extLst>
+      <p:ext uri="{BB962C8B-B14F-4D97-AF65-F5344CB8AC3E}">
+        <p14:creationId xmlns:p14="http://schemas.microsoft.com/office/powerpoint/2010/main" val="3893680555"/>
+      </p:ext>
+    </p:extLst>
+  </p:cSld>
+  <p:clrMapOvr>
+    <a:masterClrMapping/>
+  </p:clrMapOvr>
+</p:sld>
+</file>
+
+<file path=ppt/slides/slide18.xml><?xml version="1.0" encoding="utf-8"?>
+<p:sld xmlns:a="http://schemas.openxmlformats.org/drawingml/2006/main" xmlns:r="http://schemas.openxmlformats.org/officeDocument/2006/relationships" xmlns:p="http://schemas.openxmlformats.org/presentationml/2006/main">
+  <p:cSld>
+    <p:spTree>
+      <p:nvGrpSpPr>
+        <p:cNvPr id="1" name=""/>
+        <p:cNvGrpSpPr/>
+        <p:nvPr/>
+      </p:nvGrpSpPr>
+      <p:grpSpPr>
+        <a:xfrm>
+          <a:off x="0" y="0"/>
+          <a:ext cx="0" cy="0"/>
+          <a:chOff x="0" y="0"/>
+          <a:chExt cx="0" cy="0"/>
+        </a:xfrm>
+      </p:grpSpPr>
+      <p:sp>
+        <p:nvSpPr>
+          <p:cNvPr id="2" name="标题 1"/>
+          <p:cNvSpPr>
+            <a:spLocks noGrp="1"/>
+          </p:cNvSpPr>
+          <p:nvPr>
+            <p:ph type="title"/>
+          </p:nvPr>
+        </p:nvSpPr>
+        <p:spPr/>
+        <p:txBody>
+          <a:bodyPr/>
+          <a:lstStyle/>
+          <a:p>
+            <a:r>
+              <a:rPr lang="en-US" altLang="zh-CN" dirty="0" smtClean="0"/>
+              <a:t>Selector</a:t>
+            </a:r>
+            <a:endParaRPr lang="zh-CN" altLang="en-US" dirty="0"/>
+          </a:p>
+        </p:txBody>
+      </p:sp>
+      <p:sp>
+        <p:nvSpPr>
+          <p:cNvPr id="3" name="内容占位符 2"/>
+          <p:cNvSpPr>
+            <a:spLocks noGrp="1"/>
+          </p:cNvSpPr>
+          <p:nvPr>
+            <p:ph idx="1"/>
+          </p:nvPr>
+        </p:nvSpPr>
+        <p:spPr/>
+        <p:txBody>
+          <a:bodyPr/>
+          <a:lstStyle/>
+          <a:p>
+            <a:r>
+              <a:rPr lang="zh-CN" altLang="en-US" dirty="0" smtClean="0"/>
+              <a:t>操作系统</a:t>
+            </a:r>
+            <a:r>
+              <a:rPr lang="en-US" altLang="zh-CN" dirty="0" err="1" smtClean="0"/>
+              <a:t>io</a:t>
+            </a:r>
+            <a:r>
+              <a:rPr lang="zh-CN" altLang="en-US" dirty="0" smtClean="0"/>
+              <a:t>调用（</a:t>
+            </a:r>
+            <a:r>
+              <a:rPr lang="en-US" altLang="zh-CN" dirty="0" smtClean="0"/>
+              <a:t>select</a:t>
+            </a:r>
+            <a:r>
+              <a:rPr lang="zh-CN" altLang="en-US" dirty="0" smtClean="0"/>
+              <a:t>、</a:t>
+            </a:r>
+            <a:r>
+              <a:rPr lang="en-US" altLang="zh-CN" dirty="0" smtClean="0"/>
+              <a:t>poll</a:t>
+            </a:r>
+            <a:r>
+              <a:rPr lang="zh-CN" altLang="en-US" dirty="0" smtClean="0"/>
+              <a:t>、</a:t>
+            </a:r>
+            <a:r>
+              <a:rPr lang="en-US" altLang="zh-CN" dirty="0" err="1" smtClean="0"/>
+              <a:t>epool</a:t>
+            </a:r>
+            <a:r>
+              <a:rPr lang="zh-CN" altLang="en-US" dirty="0" smtClean="0"/>
+              <a:t>）</a:t>
+            </a:r>
+            <a:endParaRPr lang="zh-CN" altLang="en-US" dirty="0"/>
+          </a:p>
+        </p:txBody>
+      </p:sp>
+    </p:spTree>
+    <p:extLst>
+      <p:ext uri="{BB962C8B-B14F-4D97-AF65-F5344CB8AC3E}">
+        <p14:creationId xmlns:p14="http://schemas.microsoft.com/office/powerpoint/2010/main" val="3777469752"/>
+      </p:ext>
+    </p:extLst>
+  </p:cSld>
+  <p:clrMapOvr>
+    <a:masterClrMapping/>
+  </p:clrMapOvr>
+</p:sld>
+</file>
+
+<file path=ppt/slides/slide2.xml><?xml version="1.0" encoding="utf-8"?>
+<p:sld xmlns:a="http://schemas.openxmlformats.org/drawingml/2006/main" xmlns:r="http://schemas.openxmlformats.org/officeDocument/2006/relationships" xmlns:p="http://schemas.openxmlformats.org/presentationml/2006/main">
+  <p:cSld>
+    <p:spTree>
+      <p:nvGrpSpPr>
+        <p:cNvPr id="1" name=""/>
+        <p:cNvGrpSpPr/>
+        <p:nvPr/>
+      </p:nvGrpSpPr>
+      <p:grpSpPr>
+        <a:xfrm>
+          <a:off x="0" y="0"/>
+          <a:ext cx="0" cy="0"/>
+          <a:chOff x="0" y="0"/>
+          <a:chExt cx="0" cy="0"/>
+        </a:xfrm>
+      </p:grpSpPr>
+      <p:sp>
+        <p:nvSpPr>
+          <p:cNvPr id="2" name="标题 1"/>
+          <p:cNvSpPr>
+            <a:spLocks noGrp="1"/>
+          </p:cNvSpPr>
+          <p:nvPr>
+            <p:ph type="title"/>
+          </p:nvPr>
+        </p:nvSpPr>
+        <p:spPr/>
+        <p:txBody>
+          <a:bodyPr/>
+          <a:lstStyle/>
+          <a:p>
+            <a:r>
+              <a:rPr lang="en-US" altLang="zh-CN" dirty="0" smtClean="0"/>
+              <a:t>Agenda</a:t>
+            </a:r>
+            <a:endParaRPr lang="zh-CN" altLang="en-US" dirty="0"/>
+          </a:p>
+        </p:txBody>
+      </p:sp>
+      <p:sp>
+        <p:nvSpPr>
+          <p:cNvPr id="3" name="内容占位符 2"/>
+          <p:cNvSpPr>
+            <a:spLocks noGrp="1"/>
+          </p:cNvSpPr>
+          <p:nvPr>
+            <p:ph idx="1"/>
+          </p:nvPr>
+        </p:nvSpPr>
+        <p:spPr/>
+        <p:txBody>
+          <a:bodyPr/>
+          <a:lstStyle/>
+          <a:p>
+            <a:r>
+              <a:rPr lang="zh-CN" altLang="en-US" dirty="0" smtClean="0"/>
+              <a:t>操作系统</a:t>
+            </a:r>
+            <a:r>
+              <a:rPr lang="en-US" altLang="zh-CN" dirty="0" smtClean="0"/>
+              <a:t>IO</a:t>
+            </a:r>
+          </a:p>
+          <a:p>
+            <a:r>
+              <a:rPr lang="en-US" altLang="zh-CN" dirty="0" smtClean="0"/>
+              <a:t>Java IO &amp; NIO</a:t>
+            </a:r>
+          </a:p>
+          <a:p>
+            <a:r>
+              <a:rPr lang="en-US" altLang="zh-CN" dirty="0" smtClean="0"/>
+              <a:t>Buffer</a:t>
+            </a:r>
+          </a:p>
+          <a:p>
+            <a:r>
+              <a:rPr lang="en-US" altLang="zh-CN" dirty="0" smtClean="0"/>
+              <a:t>Channel</a:t>
+            </a:r>
+          </a:p>
+          <a:p>
+            <a:r>
+              <a:rPr lang="en-US" altLang="zh-CN" dirty="0" smtClean="0"/>
+              <a:t>Selector</a:t>
+            </a:r>
+          </a:p>
+          <a:p>
+            <a:endParaRPr lang="zh-CN" altLang="en-US" dirty="0"/>
+          </a:p>
+        </p:txBody>
+      </p:sp>
+    </p:spTree>
+    <p:extLst>
+      <p:ext uri="{BB962C8B-B14F-4D97-AF65-F5344CB8AC3E}">
+        <p14:creationId xmlns:p14="http://schemas.microsoft.com/office/powerpoint/2010/main" val="3339773700"/>
+      </p:ext>
+    </p:extLst>
+  </p:cSld>
+  <p:clrMapOvr>
+    <a:masterClrMapping/>
+  </p:clrMapOvr>
+</p:sld>
+</file>
+
+<file path=ppt/slides/slide3.xml><?xml version="1.0" encoding="utf-8"?>
+<p:sld xmlns:a="http://schemas.openxmlformats.org/drawingml/2006/main" xmlns:r="http://schemas.openxmlformats.org/officeDocument/2006/relationships" xmlns:p="http://schemas.openxmlformats.org/presentationml/2006/main">
+  <p:cSld>
+    <p:spTree>
+      <p:nvGrpSpPr>
+        <p:cNvPr id="1" name=""/>
+        <p:cNvGrpSpPr/>
+        <p:nvPr/>
+      </p:nvGrpSpPr>
+      <p:grpSpPr>
+        <a:xfrm>
+          <a:off x="0" y="0"/>
+          <a:ext cx="0" cy="0"/>
+          <a:chOff x="0" y="0"/>
+          <a:chExt cx="0" cy="0"/>
+        </a:xfrm>
+      </p:grpSpPr>
+      <p:sp>
+        <p:nvSpPr>
+          <p:cNvPr id="2" name="标题 1"/>
+          <p:cNvSpPr>
+            <a:spLocks noGrp="1"/>
+          </p:cNvSpPr>
+          <p:nvPr>
+            <p:ph type="title"/>
+          </p:nvPr>
+        </p:nvSpPr>
+        <p:spPr/>
+        <p:txBody>
+          <a:bodyPr/>
+          <a:lstStyle/>
+          <a:p>
+            <a:r>
+              <a:rPr lang="zh-CN" altLang="en-US" dirty="0" smtClean="0"/>
+              <a:t>从</a:t>
+            </a:r>
+            <a:r>
+              <a:rPr lang="en-US" altLang="zh-CN" dirty="0" err="1" smtClean="0"/>
+              <a:t>InputStream</a:t>
+            </a:r>
+            <a:r>
+              <a:rPr lang="zh-CN" altLang="en-US" dirty="0" smtClean="0"/>
+              <a:t>开始</a:t>
+            </a:r>
+            <a:r>
+              <a:rPr lang="en-US" altLang="zh-CN" dirty="0" smtClean="0"/>
+              <a:t>…</a:t>
+            </a:r>
+            <a:endParaRPr lang="zh-CN" altLang="en-US" dirty="0"/>
+          </a:p>
+        </p:txBody>
+      </p:sp>
+      <p:sp>
+        <p:nvSpPr>
+          <p:cNvPr id="3" name="内容占位符 2"/>
+          <p:cNvSpPr>
+            <a:spLocks noGrp="1"/>
+          </p:cNvSpPr>
+          <p:nvPr>
+            <p:ph idx="1"/>
+          </p:nvPr>
+        </p:nvSpPr>
+        <p:spPr/>
+        <p:txBody>
+          <a:bodyPr/>
+          <a:lstStyle/>
+          <a:p>
+            <a:endParaRPr lang="zh-CN" altLang="en-US"/>
+          </a:p>
+        </p:txBody>
+      </p:sp>
+      <p:pic>
+        <p:nvPicPr>
+          <p:cNvPr id="2050" name="Picture 2"/>
+          <p:cNvPicPr>
+            <a:picLocks noChangeAspect="1" noChangeArrowheads="1"/>
+          </p:cNvPicPr>
+          <p:nvPr/>
+        </p:nvPicPr>
+        <p:blipFill>
+          <a:blip r:embed="rId2">
+            <a:extLst>
+              <a:ext uri="{28A0092B-C50C-407E-A947-70E740481C1C}">
+                <a14:useLocalDpi xmlns:a14="http://schemas.microsoft.com/office/drawing/2010/main" val="0"/>
+              </a:ext>
+            </a:extLst>
+          </a:blip>
+          <a:srcRect/>
+          <a:stretch>
+            <a:fillRect/>
+          </a:stretch>
+        </p:blipFill>
+        <p:spPr bwMode="auto">
+          <a:xfrm>
+            <a:off x="467544" y="1628799"/>
+            <a:ext cx="2333625" cy="2085975"/>
+          </a:xfrm>
+          <a:prstGeom prst="rect">
+            <a:avLst/>
+          </a:prstGeom>
+          <a:noFill/>
+          <a:ln>
+            <a:noFill/>
+          </a:ln>
+          <a:effectLst/>
+          <a:extLst>
+            <a:ext uri="{909E8E84-426E-40DD-AFC4-6F175D3DCCD1}">
+              <a14:hiddenFill xmlns:a14="http://schemas.microsoft.com/office/drawing/2010/main">
+                <a:solidFill>
+                  <a:schemeClr val="accent1"/>
+                </a:solidFill>
+              </a14:hiddenFill>
+            </a:ext>
+            <a:ext uri="{91240B29-F687-4F45-9708-019B960494DF}">
+              <a14:hiddenLine xmlns:a14="http://schemas.microsoft.com/office/drawing/2010/main" w="9525">
+                <a:solidFill>
+                  <a:schemeClr val="tx1"/>
+                </a:solidFill>
+                <a:miter lim="800000"/>
+                <a:headEnd/>
+                <a:tailEnd/>
+              </a14:hiddenLine>
+            </a:ext>
+            <a:ext uri="{AF507438-7753-43E0-B8FC-AC1667EBCBE1}">
+              <a14:hiddenEffects xmlns:a14="http://schemas.microsoft.com/office/drawing/2010/main">
+                <a:effectLst>
+                  <a:outerShdw dist="35921" dir="2700000" algn="ctr" rotWithShape="0">
+                    <a:schemeClr val="bg2"/>
+                  </a:outerShdw>
+                </a:effectLst>
+              </a14:hiddenEffects>
+            </a:ext>
+          </a:extLst>
+        </p:spPr>
+      </p:pic>
+      <p:pic>
+        <p:nvPicPr>
+          <p:cNvPr id="2052" name="Picture 4"/>
+          <p:cNvPicPr>
+            <a:picLocks noChangeAspect="1" noChangeArrowheads="1"/>
+          </p:cNvPicPr>
+          <p:nvPr/>
+        </p:nvPicPr>
+        <p:blipFill>
+          <a:blip r:embed="rId3">
+            <a:extLst>
+              <a:ext uri="{28A0092B-C50C-407E-A947-70E740481C1C}">
+                <a14:useLocalDpi xmlns:a14="http://schemas.microsoft.com/office/drawing/2010/main" val="0"/>
+              </a:ext>
+            </a:extLst>
+          </a:blip>
+          <a:srcRect/>
+          <a:stretch>
+            <a:fillRect/>
+          </a:stretch>
+        </p:blipFill>
+        <p:spPr bwMode="auto">
+          <a:xfrm>
+            <a:off x="2843808" y="1628799"/>
+            <a:ext cx="2764459" cy="4443399"/>
+          </a:xfrm>
+          <a:prstGeom prst="rect">
+            <a:avLst/>
+          </a:prstGeom>
+          <a:noFill/>
+          <a:ln>
+            <a:noFill/>
+          </a:ln>
+          <a:effectLst/>
+          <a:extLst>
+            <a:ext uri="{909E8E84-426E-40DD-AFC4-6F175D3DCCD1}">
+              <a14:hiddenFill xmlns:a14="http://schemas.microsoft.com/office/drawing/2010/main">
+                <a:solidFill>
+                  <a:schemeClr val="accent1"/>
+                </a:solidFill>
+              </a14:hiddenFill>
+            </a:ext>
+            <a:ext uri="{91240B29-F687-4F45-9708-019B960494DF}">
+              <a14:hiddenLine xmlns:a14="http://schemas.microsoft.com/office/drawing/2010/main" w="9525">
+                <a:solidFill>
+                  <a:schemeClr val="tx1"/>
+                </a:solidFill>
+                <a:miter lim="800000"/>
+                <a:headEnd/>
+                <a:tailEnd/>
+              </a14:hiddenLine>
+            </a:ext>
+            <a:ext uri="{AF507438-7753-43E0-B8FC-AC1667EBCBE1}">
+              <a14:hiddenEffects xmlns:a14="http://schemas.microsoft.com/office/drawing/2010/main">
+                <a:effectLst>
+                  <a:outerShdw dist="35921" dir="2700000" algn="ctr" rotWithShape="0">
+                    <a:schemeClr val="bg2"/>
+                  </a:outerShdw>
+                </a:effectLst>
+              </a14:hiddenEffects>
+            </a:ext>
+          </a:extLst>
+        </p:spPr>
+      </p:pic>
+      <p:pic>
+        <p:nvPicPr>
+          <p:cNvPr id="2054" name="Picture 6"/>
+          <p:cNvPicPr>
+            <a:picLocks noChangeAspect="1" noChangeArrowheads="1"/>
+          </p:cNvPicPr>
+          <p:nvPr/>
+        </p:nvPicPr>
+        <p:blipFill>
+          <a:blip r:embed="rId4">
+            <a:extLst>
+              <a:ext uri="{28A0092B-C50C-407E-A947-70E740481C1C}">
+                <a14:useLocalDpi xmlns:a14="http://schemas.microsoft.com/office/drawing/2010/main" val="0"/>
+              </a:ext>
+            </a:extLst>
+          </a:blip>
+          <a:srcRect/>
+          <a:stretch>
+            <a:fillRect/>
+          </a:stretch>
+        </p:blipFill>
+        <p:spPr bwMode="auto">
+          <a:xfrm>
+            <a:off x="5148064" y="2852936"/>
+            <a:ext cx="3600401" cy="3351593"/>
+          </a:xfrm>
+          <a:prstGeom prst="rect">
+            <a:avLst/>
+          </a:prstGeom>
+          <a:noFill/>
+          <a:ln>
+            <a:noFill/>
+          </a:ln>
+          <a:effectLst/>
+          <a:extLst>
+            <a:ext uri="{909E8E84-426E-40DD-AFC4-6F175D3DCCD1}">
+              <a14:hiddenFill xmlns:a14="http://schemas.microsoft.com/office/drawing/2010/main">
+                <a:solidFill>
+                  <a:schemeClr val="accent1"/>
+                </a:solidFill>
+              </a14:hiddenFill>
+            </a:ext>
+            <a:ext uri="{91240B29-F687-4F45-9708-019B960494DF}">
+              <a14:hiddenLine xmlns:a14="http://schemas.microsoft.com/office/drawing/2010/main" w="9525">
+                <a:solidFill>
+                  <a:schemeClr val="tx1"/>
+                </a:solidFill>
+                <a:miter lim="800000"/>
+                <a:headEnd/>
+                <a:tailEnd/>
+              </a14:hiddenLine>
+            </a:ext>
+            <a:ext uri="{AF507438-7753-43E0-B8FC-AC1667EBCBE1}">
+              <a14:hiddenEffects xmlns:a14="http://schemas.microsoft.com/office/drawing/2010/main">
+                <a:effectLst>
+                  <a:outerShdw dist="35921" dir="2700000" algn="ctr" rotWithShape="0">
+                    <a:schemeClr val="bg2"/>
+                  </a:outerShdw>
+                </a:effectLst>
+              </a14:hiddenEffects>
+            </a:ext>
+          </a:extLst>
+        </p:spPr>
+      </p:pic>
+    </p:spTree>
+    <p:extLst>
+      <p:ext uri="{BB962C8B-B14F-4D97-AF65-F5344CB8AC3E}">
+        <p14:creationId xmlns:p14="http://schemas.microsoft.com/office/powerpoint/2010/main" val="3804736013"/>
+      </p:ext>
+    </p:extLst>
+  </p:cSld>
+  <p:clrMapOvr>
+    <a:masterClrMapping/>
+  </p:clrMapOvr>
+</p:sld>
+</file>
+
+<file path=ppt/slides/slide4.xml><?xml version="1.0" encoding="utf-8"?>
+<p:sld xmlns:a="http://schemas.openxmlformats.org/drawingml/2006/main" xmlns:r="http://schemas.openxmlformats.org/officeDocument/2006/relationships" xmlns:p="http://schemas.openxmlformats.org/presentationml/2006/main">
+  <p:cSld>
+    <p:spTree>
+      <p:nvGrpSpPr>
+        <p:cNvPr id="1" name=""/>
+        <p:cNvGrpSpPr/>
+        <p:nvPr/>
+      </p:nvGrpSpPr>
+      <p:grpSpPr>
+        <a:xfrm>
+          <a:off x="0" y="0"/>
+          <a:ext cx="0" cy="0"/>
+          <a:chOff x="0" y="0"/>
+          <a:chExt cx="0" cy="0"/>
+        </a:xfrm>
+      </p:grpSpPr>
+      <p:sp>
+        <p:nvSpPr>
+          <p:cNvPr id="2" name="标题 1"/>
+          <p:cNvSpPr>
+            <a:spLocks noGrp="1"/>
+          </p:cNvSpPr>
+          <p:nvPr>
+            <p:ph type="title"/>
+          </p:nvPr>
+        </p:nvSpPr>
+        <p:spPr/>
+        <p:txBody>
+          <a:bodyPr/>
+          <a:lstStyle/>
+          <a:p>
+            <a:r>
+              <a:rPr lang="zh-CN" altLang="en-US" dirty="0" smtClean="0"/>
+              <a:t>操作系统</a:t>
+            </a:r>
+            <a:r>
+              <a:rPr lang="en-US" altLang="zh-CN" dirty="0" smtClean="0"/>
+              <a:t>IO</a:t>
+            </a:r>
+            <a:endParaRPr lang="zh-CN" altLang="en-US" dirty="0"/>
+          </a:p>
+        </p:txBody>
+      </p:sp>
+      <p:sp>
+        <p:nvSpPr>
+          <p:cNvPr id="3" name="内容占位符 2"/>
+          <p:cNvSpPr>
+            <a:spLocks noGrp="1"/>
+          </p:cNvSpPr>
+          <p:nvPr>
+            <p:ph idx="1"/>
+          </p:nvPr>
+        </p:nvSpPr>
+        <p:spPr/>
+        <p:txBody>
+          <a:bodyPr>
+            <a:normAutofit/>
+          </a:bodyPr>
+          <a:lstStyle/>
+          <a:p>
+            <a:r>
+              <a:rPr lang="zh-CN" altLang="en-US" sz="2400" dirty="0" smtClean="0"/>
+              <a:t>硬件设备（磁带、磁盘、</a:t>
+            </a:r>
+            <a:r>
+              <a:rPr lang="en-US" altLang="zh-CN" sz="2400" dirty="0" smtClean="0"/>
+              <a:t>SSD</a:t>
+            </a:r>
+            <a:r>
+              <a:rPr lang="zh-CN" altLang="en-US" sz="2400" dirty="0" smtClean="0"/>
+              <a:t>）</a:t>
+            </a:r>
+            <a:endParaRPr lang="en-US" altLang="zh-CN" sz="2400" dirty="0" smtClean="0"/>
+          </a:p>
+          <a:p>
+            <a:r>
+              <a:rPr lang="zh-CN" altLang="en-US" sz="2400" dirty="0" smtClean="0"/>
+              <a:t>驱动（硬件控制管理）</a:t>
+            </a:r>
+            <a:endParaRPr lang="en-US" altLang="zh-CN" sz="2400" dirty="0" smtClean="0"/>
+          </a:p>
+          <a:p>
+            <a:r>
+              <a:rPr lang="en-US" altLang="zh-CN" sz="2400" dirty="0" smtClean="0"/>
+              <a:t>DMA</a:t>
+            </a:r>
+            <a:r>
+              <a:rPr lang="zh-CN" altLang="en-US" sz="2400" dirty="0" smtClean="0"/>
+              <a:t>（直接存储器访问）</a:t>
+            </a:r>
+            <a:endParaRPr lang="en-US" altLang="zh-CN" sz="2400" dirty="0"/>
+          </a:p>
+          <a:p>
+            <a:r>
+              <a:rPr lang="zh-CN" altLang="en-US" sz="2400" dirty="0"/>
+              <a:t>系统调用（</a:t>
+            </a:r>
+            <a:r>
+              <a:rPr lang="en-US" altLang="zh-CN" sz="2400" dirty="0"/>
+              <a:t>open</a:t>
+            </a:r>
+            <a:r>
+              <a:rPr lang="zh-CN" altLang="en-US" sz="2400" dirty="0"/>
+              <a:t>、</a:t>
+            </a:r>
+            <a:r>
+              <a:rPr lang="en-US" altLang="zh-CN" sz="2400" dirty="0"/>
+              <a:t>read</a:t>
+            </a:r>
+            <a:r>
+              <a:rPr lang="zh-CN" altLang="en-US" sz="2400" dirty="0"/>
+              <a:t>、</a:t>
+            </a:r>
+            <a:r>
+              <a:rPr lang="en-US" altLang="zh-CN" sz="2400" dirty="0"/>
+              <a:t>write</a:t>
+            </a:r>
+            <a:r>
+              <a:rPr lang="zh-CN" altLang="en-US" sz="2400" dirty="0"/>
+              <a:t>、</a:t>
+            </a:r>
+            <a:r>
+              <a:rPr lang="en-US" altLang="zh-CN" sz="2400" dirty="0"/>
+              <a:t>close</a:t>
+            </a:r>
+            <a:r>
+              <a:rPr lang="zh-CN" altLang="en-US" sz="2400" dirty="0"/>
+              <a:t>）</a:t>
+            </a:r>
+            <a:endParaRPr lang="en-US" altLang="zh-CN" sz="2400" dirty="0" smtClean="0"/>
+          </a:p>
+          <a:p>
+            <a:r>
+              <a:rPr lang="zh-CN" altLang="en-US" sz="2400" dirty="0" smtClean="0"/>
+              <a:t>操作系统</a:t>
+            </a:r>
+            <a:r>
+              <a:rPr lang="en-US" altLang="zh-CN" sz="2400" dirty="0" smtClean="0"/>
+              <a:t>IO</a:t>
+            </a:r>
+            <a:r>
+              <a:rPr lang="zh-CN" altLang="en-US" sz="2400" dirty="0" smtClean="0"/>
+              <a:t>缓冲区（</a:t>
+            </a:r>
+            <a:r>
+              <a:rPr lang="en-US" altLang="zh-CN" sz="2400" dirty="0" smtClean="0"/>
+              <a:t>Buffer</a:t>
+            </a:r>
+            <a:r>
+              <a:rPr lang="zh-CN" altLang="en-US" sz="2400" dirty="0" smtClean="0"/>
+              <a:t>写</a:t>
+            </a:r>
+            <a:r>
+              <a:rPr lang="en-US" altLang="zh-CN" sz="2400" dirty="0" smtClean="0"/>
+              <a:t>/Cache</a:t>
+            </a:r>
+            <a:r>
+              <a:rPr lang="zh-CN" altLang="en-US" sz="2400" dirty="0" smtClean="0"/>
+              <a:t>读）</a:t>
+            </a:r>
+            <a:endParaRPr lang="en-US" altLang="zh-CN" sz="2400" dirty="0" smtClean="0"/>
+          </a:p>
+          <a:p>
+            <a:r>
+              <a:rPr lang="zh-CN" altLang="en-US" sz="2400" dirty="0" smtClean="0"/>
+              <a:t>内核空间到用户空间的拷贝</a:t>
+            </a:r>
+            <a:endParaRPr lang="zh-CN" altLang="en-US" sz="2400" dirty="0"/>
+          </a:p>
+        </p:txBody>
+      </p:sp>
+      <p:pic>
+        <p:nvPicPr>
+          <p:cNvPr id="1028" name="Picture 4"/>
+          <p:cNvPicPr>
+            <a:picLocks noChangeAspect="1" noChangeArrowheads="1"/>
+          </p:cNvPicPr>
+          <p:nvPr/>
+        </p:nvPicPr>
+        <p:blipFill>
+          <a:blip r:embed="rId2">
+            <a:extLst>
+              <a:ext uri="{28A0092B-C50C-407E-A947-70E740481C1C}">
+                <a14:useLocalDpi xmlns:a14="http://schemas.microsoft.com/office/drawing/2010/main" val="0"/>
+              </a:ext>
+            </a:extLst>
+          </a:blip>
+          <a:srcRect/>
+          <a:stretch>
+            <a:fillRect/>
+          </a:stretch>
+        </p:blipFill>
+        <p:spPr bwMode="auto">
+          <a:xfrm>
+            <a:off x="1960860" y="4243164"/>
+            <a:ext cx="5114925" cy="1562100"/>
+          </a:xfrm>
+          <a:prstGeom prst="rect">
+            <a:avLst/>
+          </a:prstGeom>
+          <a:noFill/>
+          <a:ln>
+            <a:noFill/>
+          </a:ln>
+          <a:effectLst/>
+          <a:extLst>
+            <a:ext uri="{909E8E84-426E-40DD-AFC4-6F175D3DCCD1}">
+              <a14:hiddenFill xmlns:a14="http://schemas.microsoft.com/office/drawing/2010/main">
+                <a:solidFill>
+                  <a:schemeClr val="accent1"/>
+                </a:solidFill>
+              </a14:hiddenFill>
+            </a:ext>
+            <a:ext uri="{91240B29-F687-4F45-9708-019B960494DF}">
+              <a14:hiddenLine xmlns:a14="http://schemas.microsoft.com/office/drawing/2010/main" w="9525">
+                <a:solidFill>
+                  <a:schemeClr val="tx1"/>
+                </a:solidFill>
+                <a:miter lim="800000"/>
+                <a:headEnd/>
+                <a:tailEnd/>
+              </a14:hiddenLine>
+            </a:ext>
+            <a:ext uri="{AF507438-7753-43E0-B8FC-AC1667EBCBE1}">
+              <a14:hiddenEffects xmlns:a14="http://schemas.microsoft.com/office/drawing/2010/main">
+                <a:effectLst>
+                  <a:outerShdw dist="35921" dir="2700000" algn="ctr" rotWithShape="0">
+                    <a:schemeClr val="bg2"/>
+                  </a:outerShdw>
+                </a:effectLst>
+              </a14:hiddenEffects>
+            </a:ext>
+          </a:extLst>
+        </p:spPr>
+      </p:pic>
+      <p:pic>
+        <p:nvPicPr>
+          <p:cNvPr id="3077" name="Picture 5"/>
+          <p:cNvPicPr>
+            <a:picLocks noChangeAspect="1" noChangeArrowheads="1"/>
+          </p:cNvPicPr>
+          <p:nvPr/>
+        </p:nvPicPr>
+        <p:blipFill>
+          <a:blip r:embed="rId3">
+            <a:extLst>
+              <a:ext uri="{28A0092B-C50C-407E-A947-70E740481C1C}">
+                <a14:useLocalDpi xmlns:a14="http://schemas.microsoft.com/office/drawing/2010/main" val="0"/>
+              </a:ext>
+            </a:extLst>
+          </a:blip>
+          <a:srcRect/>
+          <a:stretch>
+            <a:fillRect/>
+          </a:stretch>
+        </p:blipFill>
+        <p:spPr bwMode="auto">
+          <a:xfrm>
+            <a:off x="1403647" y="5864781"/>
+            <a:ext cx="6229350" cy="628650"/>
+          </a:xfrm>
+          <a:prstGeom prst="rect">
+            <a:avLst/>
+          </a:prstGeom>
+          <a:noFill/>
+          <a:ln>
+            <a:noFill/>
+          </a:ln>
+          <a:effectLst/>
+          <a:extLst>
+            <a:ext uri="{909E8E84-426E-40DD-AFC4-6F175D3DCCD1}">
+              <a14:hiddenFill xmlns:a14="http://schemas.microsoft.com/office/drawing/2010/main">
+                <a:solidFill>
+                  <a:schemeClr val="accent1"/>
+                </a:solidFill>
+              </a14:hiddenFill>
+            </a:ext>
+            <a:ext uri="{91240B29-F687-4F45-9708-019B960494DF}">
+              <a14:hiddenLine xmlns:a14="http://schemas.microsoft.com/office/drawing/2010/main" w="9525">
+                <a:solidFill>
+                  <a:schemeClr val="tx1"/>
+                </a:solidFill>
+                <a:miter lim="800000"/>
+                <a:headEnd/>
+                <a:tailEnd/>
+              </a14:hiddenLine>
+            </a:ext>
+            <a:ext uri="{AF507438-7753-43E0-B8FC-AC1667EBCBE1}">
+              <a14:hiddenEffects xmlns:a14="http://schemas.microsoft.com/office/drawing/2010/main">
+                <a:effectLst>
+                  <a:outerShdw dist="35921" dir="2700000" algn="ctr" rotWithShape="0">
+                    <a:schemeClr val="bg2"/>
+                  </a:outerShdw>
+                </a:effectLst>
+              </a14:hiddenEffects>
+            </a:ext>
+          </a:extLst>
+        </p:spPr>
+      </p:pic>
+    </p:spTree>
+    <p:extLst>
+      <p:ext uri="{BB962C8B-B14F-4D97-AF65-F5344CB8AC3E}">
+        <p14:creationId xmlns:p14="http://schemas.microsoft.com/office/powerpoint/2010/main" val="842316347"/>
+      </p:ext>
+    </p:extLst>
+  </p:cSld>
+  <p:clrMapOvr>
+    <a:masterClrMapping/>
+  </p:clrMapOvr>
+</p:sld>
+</file>
+
+<file path=ppt/slides/slide5.xml><?xml version="1.0" encoding="utf-8"?>
+<p:sld xmlns:a="http://schemas.openxmlformats.org/drawingml/2006/main" xmlns:r="http://schemas.openxmlformats.org/officeDocument/2006/relationships" xmlns:p="http://schemas.openxmlformats.org/presentationml/2006/main">
+  <p:cSld>
+    <p:spTree>
+      <p:nvGrpSpPr>
+        <p:cNvPr id="1" name=""/>
+        <p:cNvGrpSpPr/>
+        <p:nvPr/>
+      </p:nvGrpSpPr>
+      <p:grpSpPr>
+        <a:xfrm>
+          <a:off x="0" y="0"/>
+          <a:ext cx="0" cy="0"/>
+          <a:chOff x="0" y="0"/>
+          <a:chExt cx="0" cy="0"/>
+        </a:xfrm>
+      </p:grpSpPr>
+      <p:sp>
+        <p:nvSpPr>
+          <p:cNvPr id="2" name="标题 1"/>
+          <p:cNvSpPr>
+            <a:spLocks noGrp="1"/>
+          </p:cNvSpPr>
+          <p:nvPr>
+            <p:ph type="title"/>
+          </p:nvPr>
+        </p:nvSpPr>
+        <p:spPr/>
+        <p:txBody>
+          <a:bodyPr/>
+          <a:lstStyle/>
+          <a:p>
+            <a:r>
+              <a:rPr lang="en-US" altLang="zh-CN" dirty="0" smtClean="0"/>
+              <a:t>Java IO &amp; NIO</a:t>
+            </a:r>
+            <a:endParaRPr lang="zh-CN" altLang="en-US" dirty="0"/>
+          </a:p>
+        </p:txBody>
+      </p:sp>
+      <p:sp>
+        <p:nvSpPr>
+          <p:cNvPr id="3" name="内容占位符 2"/>
+          <p:cNvSpPr>
+            <a:spLocks noGrp="1"/>
+          </p:cNvSpPr>
+          <p:nvPr>
+            <p:ph idx="1"/>
+          </p:nvPr>
+        </p:nvSpPr>
+        <p:spPr/>
+        <p:txBody>
+          <a:bodyPr>
+            <a:normAutofit/>
+          </a:bodyPr>
+          <a:lstStyle/>
+          <a:p>
+            <a:r>
+              <a:rPr lang="zh-CN" altLang="en-US" dirty="0" smtClean="0"/>
+              <a:t>传统的</a:t>
+            </a:r>
+            <a:r>
+              <a:rPr lang="en-US" altLang="zh-CN" dirty="0" smtClean="0"/>
+              <a:t>Java </a:t>
+            </a:r>
+            <a:r>
+              <a:rPr lang="en-US" altLang="zh-CN" dirty="0" smtClean="0"/>
+              <a:t>IO</a:t>
+            </a:r>
+          </a:p>
+          <a:p>
+            <a:pPr lvl="1"/>
+            <a:r>
+              <a:rPr lang="zh-CN" altLang="en-US" sz="1600" dirty="0" smtClean="0"/>
+              <a:t>意义：</a:t>
+            </a:r>
+            <a:r>
+              <a:rPr lang="zh-CN" altLang="en-US" sz="1600" dirty="0"/>
+              <a:t>封装了一套完备的 </a:t>
+            </a:r>
+            <a:r>
+              <a:rPr lang="en-US" altLang="zh-CN" sz="1600" dirty="0"/>
+              <a:t>I/O </a:t>
+            </a:r>
+            <a:r>
+              <a:rPr lang="zh-CN" altLang="en-US" sz="1600" dirty="0"/>
+              <a:t>类，位于高端抽象层，横跨各种操作系统</a:t>
+            </a:r>
+            <a:r>
+              <a:rPr lang="zh-CN" altLang="en-US" sz="1600" dirty="0" smtClean="0"/>
+              <a:t>。</a:t>
+            </a:r>
+            <a:endParaRPr lang="en-US" altLang="zh-CN" sz="1600" dirty="0" smtClean="0"/>
+          </a:p>
+          <a:p>
+            <a:pPr lvl="1"/>
+            <a:r>
+              <a:rPr lang="zh-CN" altLang="en-US" sz="1600" dirty="0" smtClean="0"/>
+              <a:t>不足：</a:t>
+            </a:r>
+            <a:r>
+              <a:rPr lang="en-US" altLang="zh-CN" sz="1600" dirty="0" err="1"/>
+              <a:t>InputStream</a:t>
+            </a:r>
+            <a:r>
+              <a:rPr lang="en-US" altLang="zh-CN" sz="1600" dirty="0"/>
+              <a:t> &amp; </a:t>
+            </a:r>
+            <a:r>
+              <a:rPr lang="en-US" altLang="zh-CN" sz="1600" dirty="0" err="1" smtClean="0"/>
+              <a:t>OutputStream</a:t>
+            </a:r>
+            <a:r>
+              <a:rPr lang="zh-CN" altLang="en-US" sz="1600" dirty="0"/>
+              <a:t>面向</a:t>
+            </a:r>
+            <a:r>
+              <a:rPr lang="zh-CN" altLang="en-US" sz="1600" dirty="0" smtClean="0"/>
+              <a:t>流</a:t>
+            </a:r>
+            <a:r>
+              <a:rPr lang="en-US" altLang="zh-CN" sz="1600" dirty="0" smtClean="0"/>
+              <a:t>IO</a:t>
+            </a:r>
+            <a:r>
+              <a:rPr lang="zh-CN" altLang="en-US" sz="1600" dirty="0" smtClean="0"/>
+              <a:t>模型，一</a:t>
+            </a:r>
+            <a:r>
+              <a:rPr lang="zh-CN" altLang="en-US" sz="1600" dirty="0"/>
+              <a:t>个字节一个字节</a:t>
+            </a:r>
+            <a:r>
+              <a:rPr lang="zh-CN" altLang="en-US" sz="1600" dirty="0" smtClean="0"/>
+              <a:t>操作数据；会</a:t>
+            </a:r>
+            <a:r>
+              <a:rPr lang="zh-CN" altLang="en-US" sz="1600" dirty="0"/>
+              <a:t>造成多次系统调用，且经常为了处理个别字节或字符，就要执行好几个对象</a:t>
+            </a:r>
+            <a:r>
+              <a:rPr lang="zh-CN" altLang="en-US" sz="1600" dirty="0" smtClean="0"/>
+              <a:t>层之间的</a:t>
+            </a:r>
+            <a:r>
+              <a:rPr lang="zh-CN" altLang="en-US" sz="1600" dirty="0"/>
+              <a:t>数据拷贝</a:t>
+            </a:r>
+            <a:r>
+              <a:rPr lang="zh-CN" altLang="en-US" sz="1600" dirty="0" smtClean="0"/>
+              <a:t>。</a:t>
+            </a:r>
+            <a:endParaRPr lang="en-US" altLang="zh-CN" sz="1600" dirty="0" smtClean="0"/>
+          </a:p>
+          <a:p>
+            <a:r>
+              <a:rPr lang="en-US" altLang="zh-CN" dirty="0" smtClean="0"/>
+              <a:t>Java NIO</a:t>
+            </a:r>
+          </a:p>
+          <a:p>
+            <a:pPr lvl="1"/>
+            <a:r>
+              <a:rPr lang="zh-CN" altLang="en-US" sz="1600" dirty="0" smtClean="0"/>
+              <a:t>引入</a:t>
+            </a:r>
+            <a:r>
+              <a:rPr lang="en-US" altLang="zh-CN" sz="1600" dirty="0"/>
+              <a:t>B</a:t>
+            </a:r>
+            <a:r>
+              <a:rPr lang="en-US" altLang="zh-CN" sz="1600" dirty="0" smtClean="0"/>
+              <a:t>uffer</a:t>
+            </a:r>
+            <a:r>
+              <a:rPr lang="zh-CN" altLang="en-US" sz="1600" dirty="0" smtClean="0"/>
+              <a:t>、</a:t>
+            </a:r>
+            <a:r>
+              <a:rPr lang="en-US" altLang="zh-CN" sz="1600" dirty="0" smtClean="0"/>
+              <a:t>Channel</a:t>
+            </a:r>
+            <a:r>
+              <a:rPr lang="zh-CN" altLang="en-US" sz="1600" dirty="0" smtClean="0"/>
+              <a:t>，允许批量字节操作以及直接内存访问</a:t>
+            </a:r>
+            <a:endParaRPr lang="en-US" altLang="zh-CN" sz="1600" dirty="0" smtClean="0"/>
+          </a:p>
+          <a:p>
+            <a:pPr lvl="1"/>
+            <a:r>
+              <a:rPr lang="zh-CN" altLang="en-US" sz="1600" dirty="0" smtClean="0"/>
+              <a:t>引入</a:t>
+            </a:r>
+            <a:r>
+              <a:rPr lang="en-US" altLang="zh-CN" sz="1600" dirty="0" smtClean="0"/>
+              <a:t>Selector</a:t>
+            </a:r>
+            <a:r>
+              <a:rPr lang="zh-CN" altLang="en-US" sz="1600" dirty="0" smtClean="0"/>
+              <a:t>，增强了</a:t>
+            </a:r>
+            <a:r>
+              <a:rPr lang="en-US" altLang="zh-CN" sz="1600" dirty="0" smtClean="0"/>
+              <a:t>Java</a:t>
+            </a:r>
+            <a:r>
+              <a:rPr lang="zh-CN" altLang="en-US" sz="1600" dirty="0" smtClean="0"/>
+              <a:t>的非阻塞</a:t>
+            </a:r>
+            <a:r>
+              <a:rPr lang="en-US" altLang="zh-CN" sz="1600" dirty="0" smtClean="0"/>
+              <a:t>IO</a:t>
+            </a:r>
+            <a:r>
+              <a:rPr lang="zh-CN" altLang="en-US" sz="1600" dirty="0" smtClean="0"/>
+              <a:t>模式，多路复用模型可提升系统伸缩性</a:t>
+            </a:r>
+            <a:endParaRPr lang="en-US" altLang="zh-CN" sz="1600" dirty="0" smtClean="0"/>
+          </a:p>
+        </p:txBody>
+      </p:sp>
+    </p:spTree>
+    <p:extLst>
+      <p:ext uri="{BB962C8B-B14F-4D97-AF65-F5344CB8AC3E}">
+        <p14:creationId xmlns:p14="http://schemas.microsoft.com/office/powerpoint/2010/main" val="3711083681"/>
+      </p:ext>
+    </p:extLst>
+  </p:cSld>
+  <p:clrMapOvr>
+    <a:masterClrMapping/>
+  </p:clrMapOvr>
+</p:sld>
+</file>
+
 <file path=ppt/slides/slide6.xml><?xml version="1.0" encoding="utf-8"?>
 <p:sld xmlns:a="http://schemas.openxmlformats.org/drawingml/2006/main" xmlns:r="http://schemas.openxmlformats.org/officeDocument/2006/relationships" xmlns:p="http://schemas.openxmlformats.org/presentationml/2006/main">
   <p:cSld>
@@ -4567,7 +7081,11 @@
           <a:bodyPr/>
           <a:lstStyle/>
           <a:p>
-            <a:endParaRPr lang="zh-CN" altLang="en-US"/>
+            <a:r>
+              <a:rPr lang="en-US" altLang="zh-CN" dirty="0" smtClean="0"/>
+              <a:t>Buffer</a:t>
+            </a:r>
+            <a:endParaRPr lang="zh-CN" altLang="en-US" dirty="0"/>
           </a:p>
         </p:txBody>
       </p:sp>
@@ -4586,14 +7104,304 @@
           <a:bodyPr/>
           <a:lstStyle/>
           <a:p>
-            <a:endParaRPr lang="zh-CN" altLang="en-US"/>
+            <a:r>
+              <a:rPr lang="en-US" altLang="zh-CN" dirty="0" smtClean="0"/>
+              <a:t>What’s </a:t>
+            </a:r>
+            <a:r>
+              <a:rPr lang="en-US" altLang="zh-CN" dirty="0" err="1" smtClean="0"/>
+              <a:t>java.nio.Buffer</a:t>
+            </a:r>
+            <a:r>
+              <a:rPr lang="en-US" altLang="zh-CN" dirty="0" smtClean="0"/>
+              <a:t>?</a:t>
+            </a:r>
+          </a:p>
+          <a:p>
+            <a:pPr lvl="1"/>
+            <a:r>
+              <a:rPr lang="zh-CN" altLang="en-US" sz="1600" dirty="0" smtClean="0"/>
+              <a:t>本质上是一个封装了状态的</a:t>
+            </a:r>
+            <a:r>
+              <a:rPr lang="zh-CN" altLang="en-US" sz="1600" b="1" dirty="0" smtClean="0"/>
+              <a:t>数组</a:t>
+            </a:r>
+            <a:r>
+              <a:rPr lang="zh-CN" altLang="en-US" sz="1600" dirty="0" smtClean="0"/>
+              <a:t>，用于处理数据缓冲区</a:t>
+            </a:r>
+            <a:endParaRPr lang="en-US" altLang="zh-CN" sz="1600" dirty="0" smtClean="0"/>
+          </a:p>
+          <a:p>
+            <a:r>
+              <a:rPr lang="zh-CN" altLang="en-US" dirty="0" smtClean="0"/>
+              <a:t>状态：</a:t>
+            </a:r>
+            <a:endParaRPr lang="en-US" altLang="zh-CN" dirty="0" smtClean="0"/>
+          </a:p>
+          <a:p>
+            <a:pPr lvl="1"/>
+            <a:r>
+              <a:rPr lang="zh-CN" altLang="en-US" sz="1600" dirty="0"/>
+              <a:t>容量（</a:t>
+            </a:r>
+            <a:r>
+              <a:rPr lang="en-US" altLang="zh-CN" sz="1600" dirty="0"/>
+              <a:t>Capacity</a:t>
+            </a:r>
+            <a:r>
+              <a:rPr lang="zh-CN" altLang="en-US" sz="1600" dirty="0" smtClean="0"/>
+              <a:t>）</a:t>
+            </a:r>
+            <a:endParaRPr lang="en-US" altLang="zh-CN" sz="1600" dirty="0" smtClean="0"/>
+          </a:p>
+          <a:p>
+            <a:pPr lvl="1"/>
+            <a:r>
+              <a:rPr lang="zh-CN" altLang="en-US" sz="1600" dirty="0"/>
+              <a:t>上界（</a:t>
+            </a:r>
+            <a:r>
+              <a:rPr lang="en-US" altLang="zh-CN" sz="1600" dirty="0"/>
+              <a:t>Limit</a:t>
+            </a:r>
+            <a:r>
+              <a:rPr lang="zh-CN" altLang="en-US" sz="1600" dirty="0" smtClean="0"/>
+              <a:t>）</a:t>
+            </a:r>
+            <a:endParaRPr lang="en-US" altLang="zh-CN" sz="1600" dirty="0" smtClean="0"/>
+          </a:p>
+          <a:p>
+            <a:pPr lvl="1"/>
+            <a:r>
+              <a:rPr lang="zh-CN" altLang="en-US" sz="1600" dirty="0"/>
+              <a:t>位置（</a:t>
+            </a:r>
+            <a:r>
+              <a:rPr lang="en-US" altLang="zh-CN" sz="1600" dirty="0"/>
+              <a:t>Position</a:t>
+            </a:r>
+            <a:r>
+              <a:rPr lang="zh-CN" altLang="en-US" sz="1600" dirty="0" smtClean="0"/>
+              <a:t>）</a:t>
+            </a:r>
+            <a:endParaRPr lang="en-US" altLang="zh-CN" sz="1600" dirty="0" smtClean="0"/>
+          </a:p>
+          <a:p>
+            <a:pPr lvl="1"/>
+            <a:r>
+              <a:rPr lang="zh-CN" altLang="en-US" sz="1600" dirty="0"/>
+              <a:t>标记（</a:t>
+            </a:r>
+            <a:r>
+              <a:rPr lang="en-US" altLang="zh-CN" sz="1600" dirty="0"/>
+              <a:t>Mark</a:t>
+            </a:r>
+            <a:r>
+              <a:rPr lang="zh-CN" altLang="en-US" sz="1600" dirty="0" smtClean="0"/>
+              <a:t>）</a:t>
+            </a:r>
+            <a:endParaRPr lang="en-US" altLang="zh-CN" sz="1600" dirty="0" smtClean="0"/>
+          </a:p>
+          <a:p>
+            <a:r>
+              <a:rPr lang="zh-CN" altLang="en-US" dirty="0"/>
+              <a:t>不变性</a:t>
+            </a:r>
+            <a:r>
+              <a:rPr lang="zh-CN" altLang="en-US" dirty="0" smtClean="0"/>
+              <a:t>条件：</a:t>
+            </a:r>
+            <a:endParaRPr lang="en-US" altLang="zh-CN" dirty="0" smtClean="0"/>
+          </a:p>
+          <a:p>
+            <a:pPr lvl="1"/>
+            <a:endParaRPr lang="zh-CN" altLang="en-US" dirty="0"/>
+          </a:p>
+        </p:txBody>
+      </p:sp>
+      <p:pic>
+        <p:nvPicPr>
+          <p:cNvPr id="4098" name="Picture 2"/>
+          <p:cNvPicPr>
+            <a:picLocks noChangeAspect="1" noChangeArrowheads="1"/>
+          </p:cNvPicPr>
+          <p:nvPr/>
+        </p:nvPicPr>
+        <p:blipFill>
+          <a:blip r:embed="rId3">
+            <a:extLst>
+              <a:ext uri="{28A0092B-C50C-407E-A947-70E740481C1C}">
+                <a14:useLocalDpi xmlns:a14="http://schemas.microsoft.com/office/drawing/2010/main" val="0"/>
+              </a:ext>
+            </a:extLst>
+          </a:blip>
+          <a:srcRect/>
+          <a:stretch>
+            <a:fillRect/>
+          </a:stretch>
+        </p:blipFill>
+        <p:spPr bwMode="auto">
+          <a:xfrm>
+            <a:off x="3422848" y="2780928"/>
+            <a:ext cx="4953000" cy="504825"/>
+          </a:xfrm>
+          <a:prstGeom prst="rect">
+            <a:avLst/>
+          </a:prstGeom>
+          <a:noFill/>
+          <a:ln>
+            <a:noFill/>
+          </a:ln>
+          <a:effectLst/>
+          <a:extLst>
+            <a:ext uri="{909E8E84-426E-40DD-AFC4-6F175D3DCCD1}">
+              <a14:hiddenFill xmlns:a14="http://schemas.microsoft.com/office/drawing/2010/main">
+                <a:solidFill>
+                  <a:schemeClr val="accent1"/>
+                </a:solidFill>
+              </a14:hiddenFill>
+            </a:ext>
+            <a:ext uri="{91240B29-F687-4F45-9708-019B960494DF}">
+              <a14:hiddenLine xmlns:a14="http://schemas.microsoft.com/office/drawing/2010/main" w="9525">
+                <a:solidFill>
+                  <a:schemeClr val="tx1"/>
+                </a:solidFill>
+                <a:miter lim="800000"/>
+                <a:headEnd/>
+                <a:tailEnd/>
+              </a14:hiddenLine>
+            </a:ext>
+            <a:ext uri="{AF507438-7753-43E0-B8FC-AC1667EBCBE1}">
+              <a14:hiddenEffects xmlns:a14="http://schemas.microsoft.com/office/drawing/2010/main">
+                <a:effectLst>
+                  <a:outerShdw dist="35921" dir="2700000" algn="ctr" rotWithShape="0">
+                    <a:schemeClr val="bg2"/>
+                  </a:outerShdw>
+                </a:effectLst>
+              </a14:hiddenEffects>
+            </a:ext>
+          </a:extLst>
+        </p:spPr>
+      </p:pic>
+      <p:pic>
+        <p:nvPicPr>
+          <p:cNvPr id="4100" name="Picture 4"/>
+          <p:cNvPicPr>
+            <a:picLocks noChangeAspect="1" noChangeArrowheads="1"/>
+          </p:cNvPicPr>
+          <p:nvPr/>
+        </p:nvPicPr>
+        <p:blipFill>
+          <a:blip r:embed="rId4">
+            <a:extLst>
+              <a:ext uri="{28A0092B-C50C-407E-A947-70E740481C1C}">
+                <a14:useLocalDpi xmlns:a14="http://schemas.microsoft.com/office/drawing/2010/main" val="0"/>
+              </a:ext>
+            </a:extLst>
+          </a:blip>
+          <a:srcRect/>
+          <a:stretch>
+            <a:fillRect/>
+          </a:stretch>
+        </p:blipFill>
+        <p:spPr bwMode="auto">
+          <a:xfrm>
+            <a:off x="3422848" y="3284984"/>
+            <a:ext cx="5181600" cy="971550"/>
+          </a:xfrm>
+          <a:prstGeom prst="rect">
+            <a:avLst/>
+          </a:prstGeom>
+          <a:noFill/>
+          <a:ln>
+            <a:noFill/>
+          </a:ln>
+          <a:effectLst/>
+          <a:extLst>
+            <a:ext uri="{909E8E84-426E-40DD-AFC4-6F175D3DCCD1}">
+              <a14:hiddenFill xmlns:a14="http://schemas.microsoft.com/office/drawing/2010/main">
+                <a:solidFill>
+                  <a:schemeClr val="accent1"/>
+                </a:solidFill>
+              </a14:hiddenFill>
+            </a:ext>
+            <a:ext uri="{91240B29-F687-4F45-9708-019B960494DF}">
+              <a14:hiddenLine xmlns:a14="http://schemas.microsoft.com/office/drawing/2010/main" w="9525">
+                <a:solidFill>
+                  <a:schemeClr val="tx1"/>
+                </a:solidFill>
+                <a:miter lim="800000"/>
+                <a:headEnd/>
+                <a:tailEnd/>
+              </a14:hiddenLine>
+            </a:ext>
+            <a:ext uri="{AF507438-7753-43E0-B8FC-AC1667EBCBE1}">
+              <a14:hiddenEffects xmlns:a14="http://schemas.microsoft.com/office/drawing/2010/main">
+                <a:effectLst>
+                  <a:outerShdw dist="35921" dir="2700000" algn="ctr" rotWithShape="0">
+                    <a:schemeClr val="bg2"/>
+                  </a:outerShdw>
+                </a:effectLst>
+              </a14:hiddenEffects>
+            </a:ext>
+          </a:extLst>
+        </p:spPr>
+      </p:pic>
+      <p:sp>
+        <p:nvSpPr>
+          <p:cNvPr id="4" name="圆角矩形 3"/>
+          <p:cNvSpPr/>
+          <p:nvPr/>
+        </p:nvSpPr>
+        <p:spPr>
+          <a:xfrm>
+            <a:off x="971600" y="4869160"/>
+            <a:ext cx="4968552" cy="360040"/>
+          </a:xfrm>
+          <a:prstGeom prst="roundRect">
+            <a:avLst/>
+          </a:prstGeom>
+          <a:ln>
+            <a:prstDash val="sysDash"/>
+          </a:ln>
+        </p:spPr>
+        <p:style>
+          <a:lnRef idx="2">
+            <a:schemeClr val="dk1"/>
+          </a:lnRef>
+          <a:fillRef idx="1">
+            <a:schemeClr val="lt1"/>
+          </a:fillRef>
+          <a:effectRef idx="0">
+            <a:schemeClr val="dk1"/>
+          </a:effectRef>
+          <a:fontRef idx="minor">
+            <a:schemeClr val="dk1"/>
+          </a:fontRef>
+        </p:style>
+        <p:txBody>
+          <a:bodyPr rtlCol="0" anchor="ctr"/>
+          <a:lstStyle/>
+          <a:p>
+            <a:pPr algn="ctr"/>
+            <a:r>
+              <a:rPr lang="en-US" altLang="zh-CN" dirty="0" smtClean="0"/>
+              <a:t>-1 </a:t>
+            </a:r>
+            <a:r>
+              <a:rPr lang="en-US" altLang="zh-CN" dirty="0"/>
+              <a:t>&lt;= mark &lt;= position &lt;= limit &lt;= capacity</a:t>
+            </a:r>
+            <a:endParaRPr lang="zh-CN" altLang="en-US" dirty="0"/>
           </a:p>
         </p:txBody>
       </p:sp>
     </p:spTree>
     <p:extLst>
       <p:ext uri="{BB962C8B-B14F-4D97-AF65-F5344CB8AC3E}">
-        <p14:creationId xmlns:p14="http://schemas.microsoft.com/office/powerpoint/2010/main" val="2352568695"/>
+        <p14:creationId xmlns:p14="http://schemas.microsoft.com/office/powerpoint/2010/main" val="2680780946"/>
       </p:ext>
     </p:extLst>
   </p:cSld>
@@ -4637,276 +7445,408 @@
           <a:p>
             <a:r>
               <a:rPr lang="en-US" altLang="zh-CN" dirty="0" smtClean="0"/>
-              <a:t>Java IO &amp; NIO</a:t>
-            </a:r>
-            <a:endParaRPr lang="zh-CN" altLang="en-US" dirty="0"/>
-          </a:p>
-        </p:txBody>
-      </p:sp>
-      <p:sp>
-        <p:nvSpPr>
-          <p:cNvPr id="3" name="内容占位符 2"/>
-          <p:cNvSpPr>
-            <a:spLocks noGrp="1"/>
-          </p:cNvSpPr>
-          <p:nvPr>
-            <p:ph idx="1"/>
-          </p:nvPr>
-        </p:nvSpPr>
-        <p:spPr/>
-        <p:txBody>
-          <a:bodyPr>
-            <a:normAutofit/>
-          </a:bodyPr>
-          <a:lstStyle/>
-          <a:p>
-            <a:r>
-              <a:rPr lang="zh-CN" altLang="en-US" dirty="0" smtClean="0"/>
-              <a:t>传统的</a:t>
-            </a:r>
-            <a:r>
-              <a:rPr lang="en-US" altLang="zh-CN" dirty="0" smtClean="0"/>
-              <a:t>Java IO</a:t>
-            </a:r>
-          </a:p>
-          <a:p>
-            <a:r>
-              <a:rPr lang="en-US" altLang="zh-CN" dirty="0" err="1" smtClean="0"/>
-              <a:t>InputStream</a:t>
-            </a:r>
-            <a:r>
-              <a:rPr lang="en-US" altLang="zh-CN" dirty="0" smtClean="0"/>
-              <a:t> &amp; </a:t>
-            </a:r>
-            <a:r>
-              <a:rPr lang="en-US" altLang="zh-CN" dirty="0" err="1" smtClean="0"/>
-              <a:t>OutputStream</a:t>
-            </a:r>
-            <a:r>
-              <a:rPr lang="zh-CN" altLang="en-US" dirty="0" smtClean="0"/>
-              <a:t>一个字节一个字节</a:t>
+              <a:t>Buffer</a:t>
             </a:r>
             <a:r>
               <a:rPr lang="zh-CN" altLang="en-US" dirty="0" smtClean="0"/>
               <a:t>操作</a:t>
             </a:r>
-            <a:endParaRPr lang="en-US" altLang="zh-CN" dirty="0" smtClean="0"/>
-          </a:p>
-          <a:p>
-            <a:r>
-              <a:rPr lang="zh-CN" altLang="en-US" dirty="0"/>
+            <a:endParaRPr lang="zh-CN" altLang="en-US" dirty="0"/>
+          </a:p>
+        </p:txBody>
+      </p:sp>
+      <p:sp>
+        <p:nvSpPr>
+          <p:cNvPr id="3" name="内容占位符 2"/>
+          <p:cNvSpPr>
+            <a:spLocks noGrp="1"/>
+          </p:cNvSpPr>
+          <p:nvPr>
+            <p:ph idx="1"/>
+          </p:nvPr>
+        </p:nvSpPr>
+        <p:spPr/>
+        <p:txBody>
+          <a:bodyPr/>
+          <a:lstStyle/>
+          <a:p>
+            <a:r>
+              <a:rPr lang="en-US" altLang="zh-CN" dirty="0" smtClean="0"/>
+              <a:t>Buffer API</a:t>
+            </a:r>
+            <a:endParaRPr lang="zh-CN" altLang="en-US" dirty="0"/>
+          </a:p>
+        </p:txBody>
+      </p:sp>
+      <p:sp>
+        <p:nvSpPr>
+          <p:cNvPr id="4" name="TextBox 3"/>
+          <p:cNvSpPr txBox="1"/>
+          <p:nvPr/>
+        </p:nvSpPr>
+        <p:spPr>
+          <a:xfrm>
+            <a:off x="1763688" y="2204864"/>
+            <a:ext cx="5760640" cy="3539430"/>
+          </a:xfrm>
+          <a:prstGeom prst="rect">
+            <a:avLst/>
+          </a:prstGeom>
+          <a:noFill/>
+          <a:ln>
+            <a:solidFill>
+              <a:schemeClr val="tx1"/>
+            </a:solidFill>
+            <a:prstDash val="lgDash"/>
+          </a:ln>
+        </p:spPr>
+        <p:txBody>
+          <a:bodyPr wrap="square" rtlCol="0">
+            <a:spAutoFit/>
+          </a:bodyPr>
+          <a:lstStyle/>
+          <a:p>
+            <a:r>
+              <a:rPr lang="en-US" altLang="zh-CN" sz="1400" dirty="0"/>
+              <a:t>package </a:t>
+            </a:r>
+            <a:r>
+              <a:rPr lang="en-US" altLang="zh-CN" sz="1400" dirty="0" err="1"/>
+              <a:t>java.nio</a:t>
+            </a:r>
+            <a:r>
+              <a:rPr lang="en-US" altLang="zh-CN" sz="1400" dirty="0"/>
+              <a:t>;</a:t>
+            </a:r>
+          </a:p>
+          <a:p>
+            <a:r>
+              <a:rPr lang="en-US" altLang="zh-CN" sz="1400" dirty="0"/>
+              <a:t>public abstract class Buffer {</a:t>
+            </a:r>
+          </a:p>
+          <a:p>
+            <a:r>
+              <a:rPr lang="en-US" altLang="zh-CN" sz="1400" dirty="0" smtClean="0"/>
+              <a:t>            public </a:t>
+            </a:r>
+            <a:r>
+              <a:rPr lang="en-US" altLang="zh-CN" sz="1400" dirty="0"/>
+              <a:t>final </a:t>
+            </a:r>
+            <a:r>
+              <a:rPr lang="en-US" altLang="zh-CN" sz="1400" dirty="0" err="1"/>
+              <a:t>int</a:t>
+            </a:r>
+            <a:r>
+              <a:rPr lang="en-US" altLang="zh-CN" sz="1400" dirty="0"/>
+              <a:t> capacity( </a:t>
+            </a:r>
+            <a:r>
+              <a:rPr lang="en-US" altLang="zh-CN" sz="1400" dirty="0" smtClean="0"/>
+              <a:t>)                                           //</a:t>
+            </a:r>
+            <a:r>
+              <a:rPr lang="zh-CN" altLang="en-US" sz="1400" dirty="0" smtClean="0"/>
+              <a:t>容量</a:t>
+            </a:r>
+            <a:endParaRPr lang="en-US" altLang="zh-CN" sz="1400" dirty="0"/>
+          </a:p>
+          <a:p>
+            <a:r>
+              <a:rPr lang="en-US" altLang="zh-CN" sz="1400" dirty="0" smtClean="0"/>
+              <a:t>            public </a:t>
+            </a:r>
+            <a:r>
+              <a:rPr lang="en-US" altLang="zh-CN" sz="1400" dirty="0"/>
+              <a:t>final </a:t>
+            </a:r>
+            <a:r>
+              <a:rPr lang="en-US" altLang="zh-CN" sz="1400" dirty="0" err="1"/>
+              <a:t>int</a:t>
+            </a:r>
+            <a:r>
+              <a:rPr lang="en-US" altLang="zh-CN" sz="1400" dirty="0"/>
+              <a:t> position( </a:t>
+            </a:r>
+            <a:r>
+              <a:rPr lang="en-US" altLang="zh-CN" sz="1400" dirty="0" smtClean="0"/>
+              <a:t>)                                           //</a:t>
+            </a:r>
+            <a:r>
+              <a:rPr lang="zh-CN" altLang="en-US" sz="1400" dirty="0" smtClean="0"/>
+              <a:t>当前读写位置</a:t>
+            </a:r>
+            <a:endParaRPr lang="en-US" altLang="zh-CN" sz="1400" dirty="0"/>
+          </a:p>
+          <a:p>
+            <a:r>
+              <a:rPr lang="en-US" altLang="zh-CN" sz="1400" dirty="0" smtClean="0"/>
+              <a:t>            public </a:t>
+            </a:r>
+            <a:r>
+              <a:rPr lang="en-US" altLang="zh-CN" sz="1400" dirty="0"/>
+              <a:t>final Buffer position (</a:t>
+            </a:r>
+            <a:r>
+              <a:rPr lang="en-US" altLang="zh-CN" sz="1400" dirty="0" err="1"/>
+              <a:t>int</a:t>
+            </a:r>
+            <a:r>
+              <a:rPr lang="en-US" altLang="zh-CN" sz="1400" dirty="0"/>
               <a:t> </a:t>
             </a:r>
             <a:r>
-              <a:rPr lang="en-US" altLang="zh-CN" sz="1200" dirty="0"/>
-              <a:t>Java </a:t>
-            </a:r>
-            <a:r>
-              <a:rPr lang="zh-CN" altLang="en-US" sz="1200" dirty="0"/>
-              <a:t>有一套完备的 </a:t>
-            </a:r>
-            <a:r>
-              <a:rPr lang="en-US" altLang="zh-CN" sz="1200" dirty="0"/>
-              <a:t>I/O </a:t>
-            </a:r>
-            <a:r>
-              <a:rPr lang="zh-CN" altLang="en-US" sz="1200" dirty="0"/>
-              <a:t>类，但</a:t>
-            </a:r>
-            <a:r>
-              <a:rPr lang="zh-CN" altLang="en-US" sz="1200" dirty="0" smtClean="0"/>
-              <a:t>迄今为止</a:t>
-            </a:r>
-            <a:r>
-              <a:rPr lang="zh-CN" altLang="en-US" sz="1200" dirty="0"/>
-              <a:t>还只是针对通用特性，通常位于高端抽象层，横跨各种操作系统。这些 </a:t>
-            </a:r>
-            <a:r>
-              <a:rPr lang="en-US" altLang="zh-CN" sz="1200" dirty="0"/>
-              <a:t>I/O </a:t>
-            </a:r>
-            <a:r>
-              <a:rPr lang="zh-CN" altLang="en-US" sz="1200" dirty="0"/>
-              <a:t>类主要面向流</a:t>
-            </a:r>
-            <a:r>
-              <a:rPr lang="zh-CN" altLang="en-US" sz="1200" dirty="0" smtClean="0"/>
-              <a:t>数据</a:t>
-            </a:r>
-            <a:r>
-              <a:rPr lang="zh-CN" altLang="en-US" sz="1200" dirty="0"/>
-              <a:t>，经常为了处理个别字节或字符，就要执行好几个对象层的方法调用。</a:t>
-            </a:r>
-            <a:endParaRPr lang="en-US" altLang="zh-CN" sz="1200" dirty="0" smtClean="0"/>
-          </a:p>
-          <a:p>
-            <a:r>
-              <a:rPr lang="en-US" altLang="zh-CN" dirty="0" smtClean="0"/>
-              <a:t>Java NIO</a:t>
-            </a:r>
-            <a:r>
-              <a:rPr lang="zh-CN" altLang="en-US" dirty="0" smtClean="0"/>
-              <a:t>引入</a:t>
-            </a:r>
-            <a:r>
-              <a:rPr lang="en-US" altLang="zh-CN" dirty="0"/>
-              <a:t>B</a:t>
-            </a:r>
-            <a:r>
-              <a:rPr lang="en-US" altLang="zh-CN" dirty="0" smtClean="0"/>
-              <a:t>uffer</a:t>
-            </a:r>
-            <a:r>
-              <a:rPr lang="zh-CN" altLang="en-US" dirty="0" smtClean="0"/>
-              <a:t>、</a:t>
-            </a:r>
-            <a:r>
-              <a:rPr lang="en-US" altLang="zh-CN" dirty="0" smtClean="0"/>
-              <a:t>Channel</a:t>
-            </a:r>
-            <a:r>
-              <a:rPr lang="zh-CN" altLang="en-US" dirty="0" smtClean="0"/>
-              <a:t>允许批量字节</a:t>
-            </a:r>
-            <a:r>
-              <a:rPr lang="zh-CN" altLang="en-US" dirty="0" smtClean="0"/>
-              <a:t>操作</a:t>
-            </a:r>
-            <a:endParaRPr lang="en-US" altLang="zh-CN" dirty="0" smtClean="0"/>
-          </a:p>
-          <a:p>
-            <a:r>
-              <a:rPr lang="zh-CN" altLang="en-US" sz="1200" dirty="0"/>
-              <a:t>操作系统与 </a:t>
-            </a:r>
-            <a:r>
-              <a:rPr lang="en-US" altLang="zh-CN" sz="1200" dirty="0"/>
-              <a:t>Java </a:t>
-            </a:r>
-            <a:r>
-              <a:rPr lang="zh-CN" altLang="en-US" sz="1200" dirty="0"/>
-              <a:t>基于流的 </a:t>
-            </a:r>
-            <a:r>
-              <a:rPr lang="en-US" altLang="zh-CN" sz="1200" dirty="0" smtClean="0"/>
-              <a:t>I/O</a:t>
-            </a:r>
-            <a:r>
-              <a:rPr lang="zh-CN" altLang="en-US" sz="1200" dirty="0" smtClean="0"/>
-              <a:t>模型</a:t>
-            </a:r>
-            <a:r>
-              <a:rPr lang="zh-CN" altLang="en-US" sz="1200" dirty="0"/>
-              <a:t>有些不匹配。操作系统要移动的是大块数据（缓冲区），这往往是在硬件</a:t>
-            </a:r>
-            <a:r>
-              <a:rPr lang="zh-CN" altLang="en-US" sz="1200" dirty="0" smtClean="0"/>
-              <a:t>直接存储器存取（</a:t>
-            </a:r>
-            <a:r>
-              <a:rPr lang="en-US" altLang="zh-CN" sz="1200" dirty="0"/>
-              <a:t>DMA</a:t>
-            </a:r>
-            <a:r>
-              <a:rPr lang="zh-CN" altLang="en-US" sz="1200" dirty="0"/>
-              <a:t>）的协助下完成的。而 </a:t>
-            </a:r>
-            <a:r>
-              <a:rPr lang="en-US" altLang="zh-CN" sz="1200" dirty="0"/>
-              <a:t>JVM </a:t>
-            </a:r>
-            <a:r>
-              <a:rPr lang="zh-CN" altLang="en-US" sz="1200" dirty="0"/>
-              <a:t>的 </a:t>
-            </a:r>
-            <a:r>
-              <a:rPr lang="en-US" altLang="zh-CN" sz="1200" dirty="0"/>
-              <a:t>I/O </a:t>
-            </a:r>
-            <a:r>
-              <a:rPr lang="zh-CN" altLang="en-US" sz="1200" dirty="0"/>
-              <a:t>类喜欢操作小块数据</a:t>
-            </a:r>
-            <a:r>
-              <a:rPr lang="en-US" altLang="zh-CN" sz="1200" dirty="0"/>
-              <a:t>——</a:t>
-            </a:r>
-            <a:r>
-              <a:rPr lang="zh-CN" altLang="en-US" sz="1200" dirty="0"/>
-              <a:t>单个字节、几行文本。结果</a:t>
-            </a:r>
-            <a:r>
-              <a:rPr lang="zh-CN" altLang="en-US" sz="1200" dirty="0" smtClean="0"/>
-              <a:t>，操作系统</a:t>
-            </a:r>
-            <a:r>
-              <a:rPr lang="zh-CN" altLang="en-US" sz="1200" dirty="0"/>
-              <a:t>送来整缓冲区的数据，</a:t>
-            </a:r>
-            <a:r>
-              <a:rPr lang="en-US" altLang="zh-CN" sz="1200" dirty="0"/>
-              <a:t>java.io </a:t>
-            </a:r>
-            <a:r>
-              <a:rPr lang="zh-CN" altLang="en-US" sz="1200" dirty="0"/>
-              <a:t>的流数据类再花大量时间把它们拆成小块，往往拷贝</a:t>
-            </a:r>
-            <a:r>
-              <a:rPr lang="zh-CN" altLang="en-US" sz="1200" dirty="0" smtClean="0"/>
-              <a:t>一个</a:t>
-            </a:r>
-            <a:r>
-              <a:rPr lang="zh-CN" altLang="en-US" sz="1200" dirty="0"/>
-              <a:t>小块就要往返于几层对象。操作系统喜欢整卡车地运来数据，</a:t>
-            </a:r>
-            <a:r>
-              <a:rPr lang="en-US" altLang="zh-CN" sz="1200" dirty="0"/>
-              <a:t>java.io </a:t>
-            </a:r>
-            <a:r>
-              <a:rPr lang="zh-CN" altLang="en-US" sz="1200" dirty="0"/>
-              <a:t>类则喜欢一铲子一</a:t>
-            </a:r>
-            <a:r>
-              <a:rPr lang="zh-CN" altLang="en-US" sz="1200" dirty="0" smtClean="0"/>
-              <a:t>铲子地</a:t>
-            </a:r>
-            <a:r>
-              <a:rPr lang="zh-CN" altLang="en-US" sz="1200" dirty="0"/>
-              <a:t>加工数据。有了 </a:t>
-            </a:r>
-            <a:r>
-              <a:rPr lang="en-US" altLang="zh-CN" sz="1200" dirty="0"/>
-              <a:t>NIO</a:t>
-            </a:r>
-            <a:r>
-              <a:rPr lang="zh-CN" altLang="en-US" sz="1200" dirty="0"/>
-              <a:t>，就可以轻松地把一卡车数据备份到您能直接使用的地方（</a:t>
-            </a:r>
-            <a:r>
-              <a:rPr lang="en-US" altLang="zh-CN" sz="1200" dirty="0" err="1"/>
-              <a:t>ByteBuffer</a:t>
-            </a:r>
-            <a:r>
-              <a:rPr lang="en-US" altLang="zh-CN" sz="1200" dirty="0"/>
+              <a:rPr lang="en-US" altLang="zh-CN" sz="1400" dirty="0" err="1" smtClean="0"/>
+              <a:t>newPosition</a:t>
+            </a:r>
+            <a:r>
+              <a:rPr lang="en-US" altLang="zh-CN" sz="1400" dirty="0" smtClean="0"/>
+              <a:t>)         </a:t>
+            </a:r>
+            <a:endParaRPr lang="en-US" altLang="zh-CN" sz="1400" dirty="0"/>
+          </a:p>
+          <a:p>
+            <a:r>
+              <a:rPr lang="en-US" altLang="zh-CN" sz="1400" dirty="0" smtClean="0"/>
+              <a:t>            public </a:t>
+            </a:r>
+            <a:r>
+              <a:rPr lang="en-US" altLang="zh-CN" sz="1400" dirty="0"/>
+              <a:t>final </a:t>
+            </a:r>
+            <a:r>
+              <a:rPr lang="en-US" altLang="zh-CN" sz="1400" dirty="0" err="1"/>
+              <a:t>int</a:t>
+            </a:r>
+            <a:r>
+              <a:rPr lang="en-US" altLang="zh-CN" sz="1400" dirty="0"/>
+              <a:t> limit( </a:t>
+            </a:r>
+            <a:r>
+              <a:rPr lang="en-US" altLang="zh-CN" sz="1400" dirty="0" smtClean="0"/>
+              <a:t>)                                                  //</a:t>
+            </a:r>
+            <a:r>
+              <a:rPr lang="zh-CN" altLang="en-US" sz="1400" dirty="0" smtClean="0"/>
+              <a:t>当前可读可写容量</a:t>
+            </a:r>
+            <a:endParaRPr lang="en-US" altLang="zh-CN" sz="1400" dirty="0"/>
+          </a:p>
+          <a:p>
+            <a:r>
+              <a:rPr lang="en-US" altLang="zh-CN" sz="1400" dirty="0" smtClean="0"/>
+              <a:t>            public </a:t>
+            </a:r>
+            <a:r>
+              <a:rPr lang="en-US" altLang="zh-CN" sz="1400" dirty="0"/>
+              <a:t>final Buffer limit (</a:t>
+            </a:r>
+            <a:r>
+              <a:rPr lang="en-US" altLang="zh-CN" sz="1400" dirty="0" err="1"/>
+              <a:t>int</a:t>
+            </a:r>
+            <a:r>
+              <a:rPr lang="en-US" altLang="zh-CN" sz="1400" dirty="0"/>
               <a:t> </a:t>
             </a:r>
             <a:r>
-              <a:rPr lang="zh-CN" altLang="en-US" sz="1200" dirty="0" smtClean="0"/>
-              <a:t>对象</a:t>
-            </a:r>
-            <a:r>
-              <a:rPr lang="zh-CN" altLang="en-US" sz="1200" dirty="0"/>
-              <a:t>）。</a:t>
-            </a:r>
-            <a:endParaRPr lang="en-US" altLang="zh-CN" sz="1200" dirty="0" smtClean="0"/>
+              <a:rPr lang="en-US" altLang="zh-CN" sz="1400" dirty="0" err="1"/>
+              <a:t>newLimit</a:t>
+            </a:r>
+            <a:r>
+              <a:rPr lang="en-US" altLang="zh-CN" sz="1400" dirty="0" smtClean="0"/>
+              <a:t>)                    </a:t>
+            </a:r>
+            <a:endParaRPr lang="en-US" altLang="zh-CN" sz="1400" dirty="0"/>
+          </a:p>
+          <a:p>
+            <a:r>
+              <a:rPr lang="en-US" altLang="zh-CN" sz="1400" dirty="0" smtClean="0"/>
+              <a:t>            public </a:t>
+            </a:r>
+            <a:r>
+              <a:rPr lang="en-US" altLang="zh-CN" sz="1400" dirty="0"/>
+              <a:t>final Buffer mark( </a:t>
+            </a:r>
+            <a:r>
+              <a:rPr lang="en-US" altLang="zh-CN" sz="1400" dirty="0" smtClean="0"/>
+              <a:t>)                                           //</a:t>
+            </a:r>
+            <a:r>
+              <a:rPr lang="zh-CN" altLang="en-US" sz="1400" dirty="0" smtClean="0"/>
+              <a:t>标记</a:t>
+            </a:r>
+            <a:endParaRPr lang="en-US" altLang="zh-CN" sz="1400" dirty="0"/>
+          </a:p>
+          <a:p>
+            <a:r>
+              <a:rPr lang="en-US" altLang="zh-CN" sz="1400" dirty="0" smtClean="0"/>
+              <a:t>            public </a:t>
+            </a:r>
+            <a:r>
+              <a:rPr lang="en-US" altLang="zh-CN" sz="1400" dirty="0"/>
+              <a:t>final Buffer reset( </a:t>
+            </a:r>
+            <a:r>
+              <a:rPr lang="en-US" altLang="zh-CN" sz="1400" dirty="0" smtClean="0"/>
+              <a:t>)                                           //</a:t>
+            </a:r>
+            <a:r>
+              <a:rPr lang="zh-CN" altLang="en-US" sz="1400" dirty="0" smtClean="0"/>
+              <a:t>重置</a:t>
+            </a:r>
+            <a:endParaRPr lang="en-US" altLang="zh-CN" sz="1400" dirty="0"/>
+          </a:p>
+          <a:p>
+            <a:r>
+              <a:rPr lang="en-US" altLang="zh-CN" sz="1400" dirty="0" smtClean="0"/>
+              <a:t>            public </a:t>
+            </a:r>
+            <a:r>
+              <a:rPr lang="en-US" altLang="zh-CN" sz="1400" dirty="0"/>
+              <a:t>final Buffer clear( </a:t>
+            </a:r>
+            <a:r>
+              <a:rPr lang="en-US" altLang="zh-CN" sz="1400" dirty="0" smtClean="0"/>
+              <a:t>)                                            //</a:t>
+            </a:r>
+            <a:r>
+              <a:rPr lang="zh-CN" altLang="en-US" sz="1400" dirty="0" smtClean="0"/>
+              <a:t>清空</a:t>
+            </a:r>
+            <a:endParaRPr lang="en-US" altLang="zh-CN" sz="1400" dirty="0"/>
+          </a:p>
+          <a:p>
+            <a:r>
+              <a:rPr lang="en-US" altLang="zh-CN" sz="1400" dirty="0" smtClean="0"/>
+              <a:t>            public </a:t>
+            </a:r>
+            <a:r>
+              <a:rPr lang="en-US" altLang="zh-CN" sz="1400" dirty="0"/>
+              <a:t>final Buffer flip( </a:t>
+            </a:r>
+            <a:r>
+              <a:rPr lang="en-US" altLang="zh-CN" sz="1400" dirty="0" smtClean="0"/>
+              <a:t>)                                               //</a:t>
+            </a:r>
+            <a:r>
+              <a:rPr lang="zh-CN" altLang="en-US" sz="1400" dirty="0" smtClean="0"/>
+              <a:t>翻转</a:t>
+            </a:r>
+            <a:endParaRPr lang="en-US" altLang="zh-CN" sz="1400" dirty="0"/>
+          </a:p>
+          <a:p>
+            <a:r>
+              <a:rPr lang="en-US" altLang="zh-CN" sz="1400" dirty="0" smtClean="0"/>
+              <a:t>            public </a:t>
+            </a:r>
+            <a:r>
+              <a:rPr lang="en-US" altLang="zh-CN" sz="1400" dirty="0"/>
+              <a:t>final Buffer rewind( </a:t>
+            </a:r>
+            <a:r>
+              <a:rPr lang="en-US" altLang="zh-CN" sz="1400" dirty="0" smtClean="0"/>
+              <a:t>)                                        //</a:t>
+            </a:r>
+            <a:r>
+              <a:rPr lang="zh-CN" altLang="en-US" sz="1400" dirty="0" smtClean="0"/>
+              <a:t>回退</a:t>
+            </a:r>
+            <a:endParaRPr lang="en-US" altLang="zh-CN" sz="1400" dirty="0"/>
+          </a:p>
+          <a:p>
+            <a:r>
+              <a:rPr lang="en-US" altLang="zh-CN" sz="1400" dirty="0" smtClean="0"/>
+              <a:t>            public </a:t>
+            </a:r>
+            <a:r>
+              <a:rPr lang="en-US" altLang="zh-CN" sz="1400" dirty="0"/>
+              <a:t>final </a:t>
+            </a:r>
+            <a:r>
+              <a:rPr lang="en-US" altLang="zh-CN" sz="1400" dirty="0" err="1"/>
+              <a:t>int</a:t>
+            </a:r>
+            <a:r>
+              <a:rPr lang="en-US" altLang="zh-CN" sz="1400" dirty="0"/>
+              <a:t> remaining( </a:t>
+            </a:r>
+            <a:r>
+              <a:rPr lang="en-US" altLang="zh-CN" sz="1400" dirty="0" smtClean="0"/>
+              <a:t>)                                         //</a:t>
+            </a:r>
+            <a:r>
+              <a:rPr lang="zh-CN" altLang="en-US" sz="1400" dirty="0" smtClean="0"/>
+              <a:t>剩余容量</a:t>
+            </a:r>
+            <a:endParaRPr lang="en-US" altLang="zh-CN" sz="1400" dirty="0"/>
+          </a:p>
+          <a:p>
+            <a:r>
+              <a:rPr lang="en-US" altLang="zh-CN" sz="1400" dirty="0" smtClean="0"/>
+              <a:t>            public </a:t>
+            </a:r>
+            <a:r>
+              <a:rPr lang="en-US" altLang="zh-CN" sz="1400" dirty="0"/>
+              <a:t>final </a:t>
+            </a:r>
+            <a:r>
+              <a:rPr lang="en-US" altLang="zh-CN" sz="1400" dirty="0" err="1"/>
+              <a:t>boolean</a:t>
+            </a:r>
+            <a:r>
+              <a:rPr lang="en-US" altLang="zh-CN" sz="1400" dirty="0"/>
+              <a:t> </a:t>
+            </a:r>
+            <a:r>
+              <a:rPr lang="en-US" altLang="zh-CN" sz="1400" dirty="0" err="1"/>
+              <a:t>hasRemaining</a:t>
+            </a:r>
+            <a:r>
+              <a:rPr lang="en-US" altLang="zh-CN" sz="1400" dirty="0"/>
+              <a:t>( )</a:t>
+            </a:r>
+          </a:p>
+          <a:p>
+            <a:r>
+              <a:rPr lang="en-US" altLang="zh-CN" sz="1400" dirty="0" smtClean="0"/>
+              <a:t>            public </a:t>
+            </a:r>
+            <a:r>
+              <a:rPr lang="en-US" altLang="zh-CN" sz="1400" dirty="0"/>
+              <a:t>abstract </a:t>
+            </a:r>
+            <a:r>
+              <a:rPr lang="en-US" altLang="zh-CN" sz="1400" dirty="0" err="1"/>
+              <a:t>boolean</a:t>
+            </a:r>
+            <a:r>
+              <a:rPr lang="en-US" altLang="zh-CN" sz="1400" dirty="0"/>
+              <a:t> </a:t>
+            </a:r>
+            <a:r>
+              <a:rPr lang="en-US" altLang="zh-CN" sz="1400" dirty="0" err="1"/>
+              <a:t>isReadOnly</a:t>
+            </a:r>
+            <a:r>
+              <a:rPr lang="en-US" altLang="zh-CN" sz="1400" dirty="0"/>
+              <a:t>( );</a:t>
+            </a:r>
+          </a:p>
+          <a:p>
+            <a:r>
+              <a:rPr lang="en-US" altLang="zh-CN" sz="1400" dirty="0"/>
+              <a:t>}</a:t>
+            </a:r>
+            <a:endParaRPr lang="zh-CN" altLang="en-US" sz="1400" dirty="0"/>
           </a:p>
         </p:txBody>
       </p:sp>
     </p:spTree>
     <p:extLst>
       <p:ext uri="{BB962C8B-B14F-4D97-AF65-F5344CB8AC3E}">
-        <p14:creationId xmlns:p14="http://schemas.microsoft.com/office/powerpoint/2010/main" val="3711083681"/>
+        <p14:creationId xmlns:p14="http://schemas.microsoft.com/office/powerpoint/2010/main" val="3622785932"/>
       </p:ext>
     </p:extLst>
   </p:cSld>
@@ -4952,6 +7892,10 @@
               <a:rPr lang="en-US" altLang="zh-CN" dirty="0" smtClean="0"/>
               <a:t>Buffer</a:t>
             </a:r>
+            <a:r>
+              <a:rPr lang="zh-CN" altLang="en-US" dirty="0" smtClean="0"/>
+              <a:t>操作</a:t>
+            </a:r>
             <a:endParaRPr lang="zh-CN" altLang="en-US" dirty="0"/>
           </a:p>
         </p:txBody>
@@ -4971,14 +7915,352 @@
           <a:bodyPr/>
           <a:lstStyle/>
           <a:p>
+            <a:r>
+              <a:rPr lang="zh-CN" altLang="en-US" dirty="0" smtClean="0"/>
+              <a:t>填充（</a:t>
+            </a:r>
+            <a:r>
+              <a:rPr lang="en-US" altLang="zh-CN" dirty="0" smtClean="0"/>
+              <a:t>put</a:t>
+            </a:r>
+            <a:r>
+              <a:rPr lang="zh-CN" altLang="en-US" dirty="0" smtClean="0"/>
+              <a:t>）</a:t>
+            </a:r>
+            <a:endParaRPr lang="en-US" altLang="zh-CN" dirty="0" smtClean="0"/>
+          </a:p>
+          <a:p>
+            <a:endParaRPr lang="en-US" altLang="zh-CN" dirty="0"/>
+          </a:p>
+          <a:p>
+            <a:endParaRPr lang="en-US" altLang="zh-CN" dirty="0" smtClean="0"/>
+          </a:p>
+          <a:p>
+            <a:pPr>
+              <a:lnSpc>
+                <a:spcPct val="150000"/>
+              </a:lnSpc>
+            </a:pPr>
+            <a:r>
+              <a:rPr lang="zh-CN" altLang="en-US" dirty="0" smtClean="0"/>
+              <a:t>翻转（</a:t>
+            </a:r>
+            <a:r>
+              <a:rPr lang="en-US" altLang="zh-CN" dirty="0" smtClean="0"/>
+              <a:t>flip</a:t>
+            </a:r>
+            <a:r>
+              <a:rPr lang="zh-CN" altLang="en-US" dirty="0" smtClean="0"/>
+              <a:t>）</a:t>
+            </a:r>
+            <a:endParaRPr lang="zh-CN" altLang="en-US" dirty="0"/>
+          </a:p>
+        </p:txBody>
+      </p:sp>
+      <p:sp>
+        <p:nvSpPr>
+          <p:cNvPr id="4" name="TextBox 3"/>
+          <p:cNvSpPr txBox="1"/>
+          <p:nvPr/>
+        </p:nvSpPr>
+        <p:spPr>
+          <a:xfrm>
+            <a:off x="971600" y="2132856"/>
+            <a:ext cx="7178119" cy="369332"/>
+          </a:xfrm>
+          <a:prstGeom prst="rect">
+            <a:avLst/>
+          </a:prstGeom>
+          <a:noFill/>
+          <a:ln>
+            <a:solidFill>
+              <a:schemeClr val="tx1"/>
+            </a:solidFill>
+            <a:prstDash val="lgDash"/>
+          </a:ln>
+        </p:spPr>
+        <p:txBody>
+          <a:bodyPr wrap="none" rtlCol="0">
+            <a:spAutoFit/>
+          </a:bodyPr>
+          <a:lstStyle/>
+          <a:p>
+            <a:r>
+              <a:rPr lang="en-US" altLang="zh-CN" dirty="0" err="1"/>
+              <a:t>buffer.put</a:t>
+            </a:r>
+            <a:r>
+              <a:rPr lang="en-US" altLang="zh-CN" dirty="0"/>
+              <a:t>((byte)'H').put((byte)'e').put((byte)'l').put((byte)'l').put((byte)'o');</a:t>
+            </a:r>
+            <a:endParaRPr lang="zh-CN" altLang="en-US" dirty="0"/>
+          </a:p>
+        </p:txBody>
+      </p:sp>
+      <p:pic>
+        <p:nvPicPr>
+          <p:cNvPr id="5122" name="Picture 2"/>
+          <p:cNvPicPr>
+            <a:picLocks noChangeAspect="1" noChangeArrowheads="1"/>
+          </p:cNvPicPr>
+          <p:nvPr/>
+        </p:nvPicPr>
+        <p:blipFill>
+          <a:blip r:embed="rId2">
+            <a:extLst>
+              <a:ext uri="{28A0092B-C50C-407E-A947-70E740481C1C}">
+                <a14:useLocalDpi xmlns:a14="http://schemas.microsoft.com/office/drawing/2010/main" val="0"/>
+              </a:ext>
+            </a:extLst>
+          </a:blip>
+          <a:srcRect/>
+          <a:stretch>
+            <a:fillRect/>
+          </a:stretch>
+        </p:blipFill>
+        <p:spPr bwMode="auto">
+          <a:xfrm>
+            <a:off x="2039355" y="2549266"/>
+            <a:ext cx="4698082" cy="1095758"/>
+          </a:xfrm>
+          <a:prstGeom prst="rect">
+            <a:avLst/>
+          </a:prstGeom>
+          <a:noFill/>
+          <a:ln>
+            <a:noFill/>
+          </a:ln>
+          <a:effectLst/>
+          <a:extLst>
+            <a:ext uri="{909E8E84-426E-40DD-AFC4-6F175D3DCCD1}">
+              <a14:hiddenFill xmlns:a14="http://schemas.microsoft.com/office/drawing/2010/main">
+                <a:solidFill>
+                  <a:schemeClr val="accent1"/>
+                </a:solidFill>
+              </a14:hiddenFill>
+            </a:ext>
+            <a:ext uri="{91240B29-F687-4F45-9708-019B960494DF}">
+              <a14:hiddenLine xmlns:a14="http://schemas.microsoft.com/office/drawing/2010/main" w="9525">
+                <a:solidFill>
+                  <a:schemeClr val="tx1"/>
+                </a:solidFill>
+                <a:miter lim="800000"/>
+                <a:headEnd/>
+                <a:tailEnd/>
+              </a14:hiddenLine>
+            </a:ext>
+            <a:ext uri="{AF507438-7753-43E0-B8FC-AC1667EBCBE1}">
+              <a14:hiddenEffects xmlns:a14="http://schemas.microsoft.com/office/drawing/2010/main">
+                <a:effectLst>
+                  <a:outerShdw dist="35921" dir="2700000" algn="ctr" rotWithShape="0">
+                    <a:schemeClr val="bg2"/>
+                  </a:outerShdw>
+                </a:effectLst>
+              </a14:hiddenEffects>
+            </a:ext>
+          </a:extLst>
+        </p:spPr>
+      </p:pic>
+      <p:sp>
+        <p:nvSpPr>
+          <p:cNvPr id="5" name="TextBox 4"/>
+          <p:cNvSpPr txBox="1"/>
+          <p:nvPr/>
+        </p:nvSpPr>
+        <p:spPr>
+          <a:xfrm>
+            <a:off x="971599" y="4077072"/>
+            <a:ext cx="7178119" cy="369332"/>
+          </a:xfrm>
+          <a:prstGeom prst="rect">
+            <a:avLst/>
+          </a:prstGeom>
+          <a:noFill/>
+          <a:ln>
+            <a:solidFill>
+              <a:schemeClr val="tx1"/>
+            </a:solidFill>
+            <a:prstDash val="lgDash"/>
+          </a:ln>
+        </p:spPr>
+        <p:txBody>
+          <a:bodyPr wrap="square" rtlCol="0">
+            <a:spAutoFit/>
+          </a:bodyPr>
+          <a:lstStyle/>
+          <a:p>
+            <a:r>
+              <a:rPr lang="en-US" altLang="zh-CN" dirty="0" err="1" smtClean="0"/>
+              <a:t>buffer.flip</a:t>
+            </a:r>
+            <a:r>
+              <a:rPr lang="en-US" altLang="zh-CN" dirty="0"/>
+              <a:t>();</a:t>
+            </a:r>
+            <a:endParaRPr lang="zh-CN" altLang="en-US" dirty="0"/>
+          </a:p>
+        </p:txBody>
+      </p:sp>
+      <p:sp>
+        <p:nvSpPr>
+          <p:cNvPr id="6" name="上下箭头 5"/>
+          <p:cNvSpPr/>
+          <p:nvPr/>
+        </p:nvSpPr>
+        <p:spPr>
+          <a:xfrm>
+            <a:off x="4067944" y="4446404"/>
+            <a:ext cx="504056" cy="187707"/>
+          </a:xfrm>
+          <a:prstGeom prst="upDownArrow">
+            <a:avLst>
+              <a:gd name="adj1" fmla="val 46371"/>
+              <a:gd name="adj2" fmla="val 28904"/>
+            </a:avLst>
+          </a:prstGeom>
+          <a:ln w="12700">
+            <a:prstDash val="sysDash"/>
+          </a:ln>
+        </p:spPr>
+        <p:style>
+          <a:lnRef idx="2">
+            <a:schemeClr val="dk1"/>
+          </a:lnRef>
+          <a:fillRef idx="1">
+            <a:schemeClr val="lt1"/>
+          </a:fillRef>
+          <a:effectRef idx="0">
+            <a:schemeClr val="dk1"/>
+          </a:effectRef>
+          <a:fontRef idx="minor">
+            <a:schemeClr val="dk1"/>
+          </a:fontRef>
+        </p:style>
+        <p:txBody>
+          <a:bodyPr rtlCol="0" anchor="ctr"/>
+          <a:lstStyle/>
+          <a:p>
+            <a:pPr algn="ctr"/>
             <a:endParaRPr lang="zh-CN" altLang="en-US"/>
           </a:p>
         </p:txBody>
       </p:sp>
+      <p:sp>
+        <p:nvSpPr>
+          <p:cNvPr id="7" name="TextBox 6"/>
+          <p:cNvSpPr txBox="1"/>
+          <p:nvPr/>
+        </p:nvSpPr>
+        <p:spPr>
+          <a:xfrm>
+            <a:off x="971599" y="4643223"/>
+            <a:ext cx="7178120" cy="369332"/>
+          </a:xfrm>
+          <a:prstGeom prst="rect">
+            <a:avLst/>
+          </a:prstGeom>
+          <a:noFill/>
+          <a:ln>
+            <a:solidFill>
+              <a:schemeClr val="tx1"/>
+            </a:solidFill>
+            <a:prstDash val="lgDash"/>
+          </a:ln>
+        </p:spPr>
+        <p:txBody>
+          <a:bodyPr wrap="square" rtlCol="0">
+            <a:spAutoFit/>
+          </a:bodyPr>
+          <a:lstStyle/>
+          <a:p>
+            <a:r>
+              <a:rPr lang="en-US" altLang="zh-CN" dirty="0" err="1"/>
+              <a:t>buffer.limit</a:t>
+            </a:r>
+            <a:r>
+              <a:rPr lang="en-US" altLang="zh-CN" dirty="0"/>
+              <a:t>(</a:t>
+            </a:r>
+            <a:r>
+              <a:rPr lang="en-US" altLang="zh-CN" dirty="0" err="1"/>
+              <a:t>buffer.position</a:t>
+            </a:r>
+            <a:r>
+              <a:rPr lang="en-US" altLang="zh-CN" dirty="0"/>
+              <a:t>()).position(0);</a:t>
+            </a:r>
+            <a:endParaRPr lang="zh-CN" altLang="en-US" dirty="0"/>
+          </a:p>
+        </p:txBody>
+      </p:sp>
+      <p:pic>
+        <p:nvPicPr>
+          <p:cNvPr id="5124" name="Picture 4"/>
+          <p:cNvPicPr>
+            <a:picLocks noChangeAspect="1" noChangeArrowheads="1"/>
+          </p:cNvPicPr>
+          <p:nvPr/>
+        </p:nvPicPr>
+        <p:blipFill>
+          <a:blip r:embed="rId3">
+            <a:extLst>
+              <a:ext uri="{28A0092B-C50C-407E-A947-70E740481C1C}">
+                <a14:useLocalDpi xmlns:a14="http://schemas.microsoft.com/office/drawing/2010/main" val="0"/>
+              </a:ext>
+            </a:extLst>
+          </a:blip>
+          <a:srcRect/>
+          <a:stretch>
+            <a:fillRect/>
+          </a:stretch>
+        </p:blipFill>
+        <p:spPr bwMode="auto">
+          <a:xfrm>
+            <a:off x="2039355" y="5157193"/>
+            <a:ext cx="4698082" cy="1152127"/>
+          </a:xfrm>
+          <a:prstGeom prst="rect">
+            <a:avLst/>
+          </a:prstGeom>
+          <a:noFill/>
+          <a:ln>
+            <a:noFill/>
+          </a:ln>
+          <a:effectLst/>
+          <a:extLst>
+            <a:ext uri="{909E8E84-426E-40DD-AFC4-6F175D3DCCD1}">
+              <a14:hiddenFill xmlns:a14="http://schemas.microsoft.com/office/drawing/2010/main">
+                <a:solidFill>
+                  <a:schemeClr val="accent1"/>
+                </a:solidFill>
+              </a14:hiddenFill>
+            </a:ext>
+            <a:ext uri="{91240B29-F687-4F45-9708-019B960494DF}">
+              <a14:hiddenLine xmlns:a14="http://schemas.microsoft.com/office/drawing/2010/main" w="9525">
+                <a:solidFill>
+                  <a:schemeClr val="tx1"/>
+                </a:solidFill>
+                <a:miter lim="800000"/>
+                <a:headEnd/>
+                <a:tailEnd/>
+              </a14:hiddenLine>
+            </a:ext>
+            <a:ext uri="{AF507438-7753-43E0-B8FC-AC1667EBCBE1}">
+              <a14:hiddenEffects xmlns:a14="http://schemas.microsoft.com/office/drawing/2010/main">
+                <a:effectLst>
+                  <a:outerShdw dist="35921" dir="2700000" algn="ctr" rotWithShape="0">
+                    <a:schemeClr val="bg2"/>
+                  </a:outerShdw>
+                </a:effectLst>
+              </a14:hiddenEffects>
+            </a:ext>
+          </a:extLst>
+        </p:spPr>
+      </p:pic>
     </p:spTree>
     <p:extLst>
       <p:ext uri="{BB962C8B-B14F-4D97-AF65-F5344CB8AC3E}">
-        <p14:creationId xmlns:p14="http://schemas.microsoft.com/office/powerpoint/2010/main" val="2680780946"/>
+        <p14:creationId xmlns:p14="http://schemas.microsoft.com/office/powerpoint/2010/main" val="1850386858"/>
       </p:ext>
     </p:extLst>
   </p:cSld>
@@ -5021,8 +8303,12 @@
           <a:lstStyle/>
           <a:p>
             <a:r>
-              <a:rPr lang="en-US" altLang="zh-CN" dirty="0" err="1" smtClean="0"/>
-              <a:t>MappedByteBuffer</a:t>
+              <a:rPr lang="en-US" altLang="zh-CN" dirty="0" smtClean="0"/>
+              <a:t>Buffer</a:t>
+            </a:r>
+            <a:r>
+              <a:rPr lang="zh-CN" altLang="en-US" dirty="0" smtClean="0"/>
+              <a:t>操作</a:t>
             </a:r>
             <a:endParaRPr lang="zh-CN" altLang="en-US" dirty="0"/>
           </a:p>
@@ -5040,104 +8326,726 @@
         </p:nvSpPr>
         <p:spPr/>
         <p:txBody>
-          <a:bodyPr>
-            <a:normAutofit lnSpcReduction="10000"/>
-          </a:bodyPr>
-          <a:lstStyle/>
-          <a:p>
-            <a:r>
-              <a:rPr lang="en-US" altLang="zh-CN" dirty="0" smtClean="0">
-                <a:effectLst/>
-              </a:rPr>
-              <a:t>A direct byte buffer whose content is a memory-mapped region of a file. </a:t>
-            </a:r>
-          </a:p>
+          <a:bodyPr/>
+          <a:lstStyle/>
           <a:p>
             <a:r>
               <a:rPr lang="zh-CN" altLang="en-US" dirty="0" smtClean="0"/>
-              <a:t>内存映射文件</a:t>
-            </a:r>
-            <a:endParaRPr lang="en-US" altLang="zh-CN" dirty="0" smtClean="0"/>
-          </a:p>
-          <a:p>
-            <a:r>
-              <a:rPr lang="zh-CN" altLang="en-US" dirty="0" smtClean="0">
-                <a:effectLst/>
-              </a:rPr>
-              <a:t>操作系统内核空间</a:t>
-            </a:r>
-            <a:r>
-              <a:rPr lang="en-US" altLang="zh-CN" dirty="0" smtClean="0">
-                <a:effectLst/>
-              </a:rPr>
-              <a:t>&amp;</a:t>
-            </a:r>
-            <a:r>
-              <a:rPr lang="zh-CN" altLang="en-US" dirty="0" smtClean="0">
-                <a:effectLst/>
-              </a:rPr>
-              <a:t>用户空间</a:t>
-            </a:r>
-            <a:endParaRPr lang="en-US" altLang="zh-CN" dirty="0" smtClean="0">
-              <a:effectLst/>
-            </a:endParaRPr>
-          </a:p>
-          <a:p>
-            <a:r>
-              <a:rPr lang="zh-CN" altLang="en-US" dirty="0" smtClean="0"/>
-              <a:t>虚拟内存</a:t>
+              <a:t>释放（</a:t>
             </a:r>
             <a:r>
               <a:rPr lang="en-US" altLang="zh-CN" dirty="0" smtClean="0"/>
-              <a:t>&amp;</a:t>
-            </a:r>
-            <a:r>
-              <a:rPr lang="zh-CN" altLang="en-US" dirty="0" smtClean="0"/>
-              <a:t>内存分页</a:t>
-            </a:r>
-            <a:endParaRPr lang="en-US" altLang="zh-CN" dirty="0" smtClean="0"/>
-          </a:p>
-          <a:p>
-            <a:r>
-              <a:rPr lang="zh-CN" altLang="en-US" dirty="0" smtClean="0">
-                <a:effectLst/>
-              </a:rPr>
-              <a:t>文件系统</a:t>
-            </a:r>
-            <a:endParaRPr lang="en-US" altLang="zh-CN" dirty="0" smtClean="0">
-              <a:effectLst/>
-            </a:endParaRPr>
-          </a:p>
-          <a:p>
-            <a:r>
-              <a:rPr lang="zh-CN" altLang="en-US" dirty="0" smtClean="0"/>
-              <a:t>文件空洞（</a:t>
-            </a:r>
-            <a:r>
-              <a:rPr lang="en-US" altLang="zh-CN" dirty="0" smtClean="0"/>
-              <a:t>File Hole</a:t>
+              <a:t>get</a:t>
             </a:r>
             <a:r>
               <a:rPr lang="zh-CN" altLang="en-US" dirty="0" smtClean="0"/>
               <a:t>）</a:t>
             </a:r>
-            <a:endParaRPr lang="en-US" altLang="zh-CN" dirty="0" smtClean="0">
-              <a:effectLst/>
+            <a:endParaRPr lang="en-US" altLang="zh-CN" dirty="0" smtClean="0"/>
+          </a:p>
+          <a:p>
+            <a:endParaRPr lang="en-US" altLang="zh-CN" dirty="0"/>
+          </a:p>
+          <a:p>
+            <a:pPr>
+              <a:lnSpc>
+                <a:spcPct val="200000"/>
+              </a:lnSpc>
+            </a:pPr>
+            <a:r>
+              <a:rPr lang="zh-CN" altLang="en-US" dirty="0" smtClean="0"/>
+              <a:t>压缩（</a:t>
+            </a:r>
+            <a:r>
+              <a:rPr lang="en-US" altLang="zh-CN" dirty="0" smtClean="0"/>
+              <a:t>compact</a:t>
+            </a:r>
+            <a:r>
+              <a:rPr lang="zh-CN" altLang="en-US" dirty="0" smtClean="0"/>
+              <a:t>）</a:t>
+            </a:r>
+            <a:endParaRPr lang="zh-CN" altLang="en-US" dirty="0"/>
+          </a:p>
+        </p:txBody>
+      </p:sp>
+      <p:sp>
+        <p:nvSpPr>
+          <p:cNvPr id="4" name="TextBox 3"/>
+          <p:cNvSpPr txBox="1"/>
+          <p:nvPr/>
+        </p:nvSpPr>
+        <p:spPr>
+          <a:xfrm>
+            <a:off x="971600" y="2132856"/>
+            <a:ext cx="7178118" cy="923330"/>
+          </a:xfrm>
+          <a:prstGeom prst="rect">
+            <a:avLst/>
+          </a:prstGeom>
+          <a:noFill/>
+          <a:ln>
+            <a:solidFill>
+              <a:schemeClr val="tx1"/>
+            </a:solidFill>
+            <a:prstDash val="lgDash"/>
+          </a:ln>
+        </p:spPr>
+        <p:txBody>
+          <a:bodyPr wrap="square" rtlCol="0">
+            <a:spAutoFit/>
+          </a:bodyPr>
+          <a:lstStyle/>
+          <a:p>
+            <a:r>
+              <a:rPr lang="en-US" altLang="zh-CN" dirty="0"/>
+              <a:t>for (</a:t>
+            </a:r>
+            <a:r>
+              <a:rPr lang="en-US" altLang="zh-CN" dirty="0" err="1"/>
+              <a:t>int</a:t>
+            </a:r>
+            <a:r>
+              <a:rPr lang="en-US" altLang="zh-CN" dirty="0"/>
+              <a:t> </a:t>
+            </a:r>
+            <a:r>
+              <a:rPr lang="en-US" altLang="zh-CN" dirty="0" err="1"/>
+              <a:t>i</a:t>
+            </a:r>
+            <a:r>
+              <a:rPr lang="en-US" altLang="zh-CN" dirty="0"/>
+              <a:t> = 0; </a:t>
+            </a:r>
+            <a:r>
+              <a:rPr lang="en-US" altLang="zh-CN" dirty="0" err="1"/>
+              <a:t>buffer.hasRemaining</a:t>
+            </a:r>
+            <a:r>
+              <a:rPr lang="en-US" altLang="zh-CN" dirty="0"/>
+              <a:t>( ), </a:t>
+            </a:r>
+            <a:r>
+              <a:rPr lang="en-US" altLang="zh-CN" dirty="0" err="1"/>
+              <a:t>i</a:t>
+            </a:r>
+            <a:r>
+              <a:rPr lang="en-US" altLang="zh-CN" dirty="0"/>
+              <a:t>++) {</a:t>
+            </a:r>
+          </a:p>
+          <a:p>
+            <a:r>
+              <a:rPr lang="en-US" altLang="zh-CN" dirty="0" smtClean="0"/>
+              <a:t>       </a:t>
+            </a:r>
+            <a:r>
+              <a:rPr lang="en-US" altLang="zh-CN" dirty="0" err="1" smtClean="0"/>
+              <a:t>myByteArray</a:t>
+            </a:r>
+            <a:r>
+              <a:rPr lang="en-US" altLang="zh-CN" dirty="0" smtClean="0"/>
+              <a:t> </a:t>
+            </a:r>
+            <a:r>
+              <a:rPr lang="en-US" altLang="zh-CN" dirty="0"/>
+              <a:t>[</a:t>
+            </a:r>
+            <a:r>
+              <a:rPr lang="en-US" altLang="zh-CN" dirty="0" err="1"/>
+              <a:t>i</a:t>
+            </a:r>
+            <a:r>
+              <a:rPr lang="en-US" altLang="zh-CN" dirty="0"/>
+              <a:t>] = </a:t>
+            </a:r>
+            <a:r>
+              <a:rPr lang="en-US" altLang="zh-CN" dirty="0" err="1"/>
+              <a:t>buffer.get</a:t>
+            </a:r>
+            <a:r>
+              <a:rPr lang="en-US" altLang="zh-CN" dirty="0"/>
+              <a:t>( );</a:t>
+            </a:r>
+          </a:p>
+          <a:p>
+            <a:r>
+              <a:rPr lang="en-US" altLang="zh-CN" dirty="0"/>
+              <a:t>}</a:t>
+            </a:r>
+            <a:endParaRPr lang="zh-CN" altLang="en-US" dirty="0"/>
+          </a:p>
+        </p:txBody>
+      </p:sp>
+      <p:sp>
+        <p:nvSpPr>
+          <p:cNvPr id="5" name="TextBox 4"/>
+          <p:cNvSpPr txBox="1"/>
+          <p:nvPr/>
+        </p:nvSpPr>
+        <p:spPr>
+          <a:xfrm>
+            <a:off x="971599" y="3645024"/>
+            <a:ext cx="7178119" cy="369332"/>
+          </a:xfrm>
+          <a:prstGeom prst="rect">
+            <a:avLst/>
+          </a:prstGeom>
+          <a:noFill/>
+          <a:ln>
+            <a:solidFill>
+              <a:schemeClr val="tx1"/>
+            </a:solidFill>
+            <a:prstDash val="lgDash"/>
+          </a:ln>
+        </p:spPr>
+        <p:txBody>
+          <a:bodyPr wrap="square" rtlCol="0">
+            <a:spAutoFit/>
+          </a:bodyPr>
+          <a:lstStyle/>
+          <a:p>
+            <a:r>
+              <a:rPr lang="en-US" altLang="zh-CN" dirty="0" err="1"/>
+              <a:t>buffer.compact</a:t>
+            </a:r>
+            <a:r>
+              <a:rPr lang="en-US" altLang="zh-CN" dirty="0" smtClean="0"/>
+              <a:t>();                                 </a:t>
+            </a:r>
+            <a:r>
+              <a:rPr lang="zh-CN" altLang="en-US" u="sng" dirty="0" smtClean="0">
+                <a:solidFill>
+                  <a:schemeClr val="accent2"/>
+                </a:solidFill>
+              </a:rPr>
+              <a:t>效率</a:t>
+            </a:r>
+            <a:r>
+              <a:rPr lang="zh-CN" altLang="en-US" u="sng" dirty="0">
+                <a:solidFill>
+                  <a:schemeClr val="accent2"/>
+                </a:solidFill>
+              </a:rPr>
+              <a:t>并</a:t>
+            </a:r>
+            <a:r>
+              <a:rPr lang="zh-CN" altLang="en-US" u="sng" dirty="0" smtClean="0">
+                <a:solidFill>
+                  <a:schemeClr val="accent2"/>
+                </a:solidFill>
+              </a:rPr>
+              <a:t>不</a:t>
+            </a:r>
+            <a:r>
+              <a:rPr lang="zh-CN" altLang="en-US" u="sng" dirty="0">
+                <a:solidFill>
+                  <a:schemeClr val="accent2"/>
+                </a:solidFill>
+              </a:rPr>
+              <a:t>高</a:t>
+            </a:r>
+            <a:r>
+              <a:rPr lang="en-US" altLang="zh-CN" dirty="0" smtClean="0"/>
+              <a:t>        </a:t>
+            </a:r>
+            <a:r>
+              <a:rPr lang="zh-CN" altLang="en-US" u="sng" dirty="0" smtClean="0">
+                <a:solidFill>
+                  <a:schemeClr val="accent2"/>
+                </a:solidFill>
+              </a:rPr>
+              <a:t>压缩后同时被翻转</a:t>
+            </a:r>
+            <a:endParaRPr lang="zh-CN" altLang="en-US" u="sng" dirty="0">
+              <a:solidFill>
+                <a:schemeClr val="accent2"/>
+              </a:solidFill>
             </a:endParaRPr>
           </a:p>
-          <a:p>
-            <a:r>
-              <a:rPr lang="zh-CN" altLang="en-US" dirty="0" smtClean="0"/>
-              <a:t>字节顺序</a:t>
-            </a:r>
-            <a:endParaRPr lang="zh-CN" altLang="en-US" dirty="0"/>
-          </a:p>
-        </p:txBody>
-      </p:sp>
+        </p:txBody>
+      </p:sp>
+      <p:sp>
+        <p:nvSpPr>
+          <p:cNvPr id="8" name="爆炸形 1 7"/>
+          <p:cNvSpPr/>
+          <p:nvPr/>
+        </p:nvSpPr>
+        <p:spPr>
+          <a:xfrm>
+            <a:off x="6012160" y="2132856"/>
+            <a:ext cx="1656184" cy="923330"/>
+          </a:xfrm>
+          <a:prstGeom prst="irregularSeal1">
+            <a:avLst/>
+          </a:prstGeom>
+        </p:spPr>
+        <p:style>
+          <a:lnRef idx="2">
+            <a:schemeClr val="accent1"/>
+          </a:lnRef>
+          <a:fillRef idx="1">
+            <a:schemeClr val="lt1"/>
+          </a:fillRef>
+          <a:effectRef idx="0">
+            <a:schemeClr val="accent1"/>
+          </a:effectRef>
+          <a:fontRef idx="minor">
+            <a:schemeClr val="dk1"/>
+          </a:fontRef>
+        </p:style>
+        <p:txBody>
+          <a:bodyPr rtlCol="0" anchor="ctr"/>
+          <a:lstStyle/>
+          <a:p>
+            <a:pPr algn="ctr"/>
+            <a:r>
+              <a:rPr lang="zh-CN" altLang="en-US" sz="1400" b="1" dirty="0" smtClean="0">
+                <a:solidFill>
+                  <a:schemeClr val="accent2"/>
+                </a:solidFill>
+              </a:rPr>
+              <a:t>注意线程安全性</a:t>
+            </a:r>
+            <a:endParaRPr lang="zh-CN" altLang="en-US" sz="1400" b="1" dirty="0">
+              <a:solidFill>
+                <a:schemeClr val="accent2"/>
+              </a:solidFill>
+            </a:endParaRPr>
+          </a:p>
+        </p:txBody>
+      </p:sp>
+      <p:pic>
+        <p:nvPicPr>
+          <p:cNvPr id="6146" name="Picture 2"/>
+          <p:cNvPicPr>
+            <a:picLocks noChangeAspect="1" noChangeArrowheads="1"/>
+          </p:cNvPicPr>
+          <p:nvPr/>
+        </p:nvPicPr>
+        <p:blipFill>
+          <a:blip r:embed="rId2">
+            <a:extLst>
+              <a:ext uri="{28A0092B-C50C-407E-A947-70E740481C1C}">
+                <a14:useLocalDpi xmlns:a14="http://schemas.microsoft.com/office/drawing/2010/main" val="0"/>
+              </a:ext>
+            </a:extLst>
+          </a:blip>
+          <a:srcRect/>
+          <a:stretch>
+            <a:fillRect/>
+          </a:stretch>
+        </p:blipFill>
+        <p:spPr bwMode="auto">
+          <a:xfrm>
+            <a:off x="2278300" y="4070418"/>
+            <a:ext cx="4564718" cy="998820"/>
+          </a:xfrm>
+          <a:prstGeom prst="rect">
+            <a:avLst/>
+          </a:prstGeom>
+          <a:noFill/>
+          <a:ln>
+            <a:noFill/>
+          </a:ln>
+          <a:effectLst/>
+          <a:extLst>
+            <a:ext uri="{909E8E84-426E-40DD-AFC4-6F175D3DCCD1}">
+              <a14:hiddenFill xmlns:a14="http://schemas.microsoft.com/office/drawing/2010/main">
+                <a:solidFill>
+                  <a:schemeClr val="accent1"/>
+                </a:solidFill>
+              </a14:hiddenFill>
+            </a:ext>
+            <a:ext uri="{91240B29-F687-4F45-9708-019B960494DF}">
+              <a14:hiddenLine xmlns:a14="http://schemas.microsoft.com/office/drawing/2010/main" w="9525">
+                <a:solidFill>
+                  <a:schemeClr val="tx1"/>
+                </a:solidFill>
+                <a:miter lim="800000"/>
+                <a:headEnd/>
+                <a:tailEnd/>
+              </a14:hiddenLine>
+            </a:ext>
+            <a:ext uri="{AF507438-7753-43E0-B8FC-AC1667EBCBE1}">
+              <a14:hiddenEffects xmlns:a14="http://schemas.microsoft.com/office/drawing/2010/main">
+                <a:effectLst>
+                  <a:outerShdw dist="35921" dir="2700000" algn="ctr" rotWithShape="0">
+                    <a:schemeClr val="bg2"/>
+                  </a:outerShdw>
+                </a:effectLst>
+              </a14:hiddenEffects>
+            </a:ext>
+          </a:extLst>
+        </p:spPr>
+      </p:pic>
+      <p:pic>
+        <p:nvPicPr>
+          <p:cNvPr id="7170" name="Picture 2"/>
+          <p:cNvPicPr>
+            <a:picLocks noChangeAspect="1" noChangeArrowheads="1"/>
+          </p:cNvPicPr>
+          <p:nvPr/>
+        </p:nvPicPr>
+        <p:blipFill>
+          <a:blip r:embed="rId3">
+            <a:extLst>
+              <a:ext uri="{28A0092B-C50C-407E-A947-70E740481C1C}">
+                <a14:useLocalDpi xmlns:a14="http://schemas.microsoft.com/office/drawing/2010/main" val="0"/>
+              </a:ext>
+            </a:extLst>
+          </a:blip>
+          <a:srcRect/>
+          <a:stretch>
+            <a:fillRect/>
+          </a:stretch>
+        </p:blipFill>
+        <p:spPr bwMode="auto">
+          <a:xfrm>
+            <a:off x="2361646" y="5264192"/>
+            <a:ext cx="4483668" cy="1045128"/>
+          </a:xfrm>
+          <a:prstGeom prst="rect">
+            <a:avLst/>
+          </a:prstGeom>
+          <a:noFill/>
+          <a:ln>
+            <a:noFill/>
+          </a:ln>
+          <a:effectLst/>
+          <a:extLst>
+            <a:ext uri="{909E8E84-426E-40DD-AFC4-6F175D3DCCD1}">
+              <a14:hiddenFill xmlns:a14="http://schemas.microsoft.com/office/drawing/2010/main">
+                <a:solidFill>
+                  <a:schemeClr val="accent1"/>
+                </a:solidFill>
+              </a14:hiddenFill>
+            </a:ext>
+            <a:ext uri="{91240B29-F687-4F45-9708-019B960494DF}">
+              <a14:hiddenLine xmlns:a14="http://schemas.microsoft.com/office/drawing/2010/main" w="9525">
+                <a:solidFill>
+                  <a:schemeClr val="tx1"/>
+                </a:solidFill>
+                <a:miter lim="800000"/>
+                <a:headEnd/>
+                <a:tailEnd/>
+              </a14:hiddenLine>
+            </a:ext>
+            <a:ext uri="{AF507438-7753-43E0-B8FC-AC1667EBCBE1}">
+              <a14:hiddenEffects xmlns:a14="http://schemas.microsoft.com/office/drawing/2010/main">
+                <a:effectLst>
+                  <a:outerShdw dist="35921" dir="2700000" algn="ctr" rotWithShape="0">
+                    <a:schemeClr val="bg2"/>
+                  </a:outerShdw>
+                </a:effectLst>
+              </a14:hiddenEffects>
+            </a:ext>
+          </a:extLst>
+        </p:spPr>
+      </p:pic>
+      <p:cxnSp>
+        <p:nvCxnSpPr>
+          <p:cNvPr id="16" name="曲线连接符 15"/>
+          <p:cNvCxnSpPr/>
+          <p:nvPr/>
+        </p:nvCxnSpPr>
+        <p:spPr>
+          <a:xfrm rot="5400000">
+            <a:off x="2894340" y="4549808"/>
+            <a:ext cx="827080" cy="720080"/>
+          </a:xfrm>
+          <a:prstGeom prst="curvedConnector3">
+            <a:avLst/>
+          </a:prstGeom>
+          <a:ln w="19050">
+            <a:solidFill>
+              <a:schemeClr val="accent6"/>
+            </a:solidFill>
+            <a:prstDash val="dash"/>
+            <a:tailEnd type="arrow"/>
+          </a:ln>
+        </p:spPr>
+        <p:style>
+          <a:lnRef idx="1">
+            <a:schemeClr val="accent1"/>
+          </a:lnRef>
+          <a:fillRef idx="0">
+            <a:schemeClr val="accent1"/>
+          </a:fillRef>
+          <a:effectRef idx="0">
+            <a:schemeClr val="accent1"/>
+          </a:effectRef>
+          <a:fontRef idx="minor">
+            <a:schemeClr val="tx1"/>
+          </a:fontRef>
+        </p:style>
+      </p:cxnSp>
+      <p:cxnSp>
+        <p:nvCxnSpPr>
+          <p:cNvPr id="20" name="曲线连接符 19"/>
+          <p:cNvCxnSpPr/>
+          <p:nvPr/>
+        </p:nvCxnSpPr>
+        <p:spPr>
+          <a:xfrm rot="5400000">
+            <a:off x="3294364" y="4549808"/>
+            <a:ext cx="827080" cy="720080"/>
+          </a:xfrm>
+          <a:prstGeom prst="curvedConnector3">
+            <a:avLst/>
+          </a:prstGeom>
+          <a:ln w="19050">
+            <a:solidFill>
+              <a:schemeClr val="accent6"/>
+            </a:solidFill>
+            <a:prstDash val="dash"/>
+            <a:tailEnd type="arrow"/>
+          </a:ln>
+        </p:spPr>
+        <p:style>
+          <a:lnRef idx="1">
+            <a:schemeClr val="accent1"/>
+          </a:lnRef>
+          <a:fillRef idx="0">
+            <a:schemeClr val="accent1"/>
+          </a:fillRef>
+          <a:effectRef idx="0">
+            <a:schemeClr val="accent1"/>
+          </a:effectRef>
+          <a:fontRef idx="minor">
+            <a:schemeClr val="tx1"/>
+          </a:fontRef>
+        </p:style>
+      </p:cxnSp>
+      <p:cxnSp>
+        <p:nvCxnSpPr>
+          <p:cNvPr id="21" name="曲线连接符 20"/>
+          <p:cNvCxnSpPr/>
+          <p:nvPr/>
+        </p:nvCxnSpPr>
+        <p:spPr>
+          <a:xfrm rot="5400000">
+            <a:off x="3655556" y="4549808"/>
+            <a:ext cx="827080" cy="720080"/>
+          </a:xfrm>
+          <a:prstGeom prst="curvedConnector3">
+            <a:avLst/>
+          </a:prstGeom>
+          <a:ln w="19050">
+            <a:solidFill>
+              <a:schemeClr val="accent6"/>
+            </a:solidFill>
+            <a:prstDash val="dash"/>
+            <a:tailEnd type="arrow"/>
+          </a:ln>
+        </p:spPr>
+        <p:style>
+          <a:lnRef idx="1">
+            <a:schemeClr val="accent1"/>
+          </a:lnRef>
+          <a:fillRef idx="0">
+            <a:schemeClr val="accent1"/>
+          </a:fillRef>
+          <a:effectRef idx="0">
+            <a:schemeClr val="accent1"/>
+          </a:effectRef>
+          <a:fontRef idx="minor">
+            <a:schemeClr val="tx1"/>
+          </a:fontRef>
+        </p:style>
+      </p:cxnSp>
+      <p:cxnSp>
+        <p:nvCxnSpPr>
+          <p:cNvPr id="22" name="曲线连接符 21"/>
+          <p:cNvCxnSpPr/>
+          <p:nvPr/>
+        </p:nvCxnSpPr>
+        <p:spPr>
+          <a:xfrm rot="5400000">
+            <a:off x="2519484" y="4526020"/>
+            <a:ext cx="827080" cy="720080"/>
+          </a:xfrm>
+          <a:prstGeom prst="curvedConnector3">
+            <a:avLst/>
+          </a:prstGeom>
+          <a:ln w="19050">
+            <a:solidFill>
+              <a:schemeClr val="accent6"/>
+            </a:solidFill>
+            <a:prstDash val="dash"/>
+            <a:tailEnd type="arrow"/>
+          </a:ln>
+        </p:spPr>
+        <p:style>
+          <a:lnRef idx="1">
+            <a:schemeClr val="accent1"/>
+          </a:lnRef>
+          <a:fillRef idx="0">
+            <a:schemeClr val="accent1"/>
+          </a:fillRef>
+          <a:effectRef idx="0">
+            <a:schemeClr val="accent1"/>
+          </a:effectRef>
+          <a:fontRef idx="minor">
+            <a:schemeClr val="tx1"/>
+          </a:fontRef>
+        </p:style>
+      </p:cxnSp>
+      <p:cxnSp>
+        <p:nvCxnSpPr>
+          <p:cNvPr id="25" name="直接连接符 24"/>
+          <p:cNvCxnSpPr/>
+          <p:nvPr/>
+        </p:nvCxnSpPr>
+        <p:spPr>
+          <a:xfrm>
+            <a:off x="3923928" y="5445224"/>
+            <a:ext cx="360040" cy="216024"/>
+          </a:xfrm>
+          <a:prstGeom prst="line">
+            <a:avLst/>
+          </a:prstGeom>
+          <a:ln w="19050">
+            <a:solidFill>
+              <a:schemeClr val="bg1">
+                <a:lumMod val="65000"/>
+              </a:schemeClr>
+            </a:solidFill>
+            <a:prstDash val="dash"/>
+          </a:ln>
+        </p:spPr>
+        <p:style>
+          <a:lnRef idx="1">
+            <a:schemeClr val="accent1"/>
+          </a:lnRef>
+          <a:fillRef idx="0">
+            <a:schemeClr val="accent1"/>
+          </a:fillRef>
+          <a:effectRef idx="0">
+            <a:schemeClr val="accent1"/>
+          </a:effectRef>
+          <a:fontRef idx="minor">
+            <a:schemeClr val="tx1"/>
+          </a:fontRef>
+        </p:style>
+      </p:cxnSp>
+      <p:cxnSp>
+        <p:nvCxnSpPr>
+          <p:cNvPr id="31" name="直接连接符 30"/>
+          <p:cNvCxnSpPr/>
+          <p:nvPr/>
+        </p:nvCxnSpPr>
+        <p:spPr>
+          <a:xfrm flipH="1">
+            <a:off x="3923928" y="5429764"/>
+            <a:ext cx="360040" cy="231484"/>
+          </a:xfrm>
+          <a:prstGeom prst="line">
+            <a:avLst/>
+          </a:prstGeom>
+          <a:ln w="19050">
+            <a:solidFill>
+              <a:schemeClr val="bg1">
+                <a:lumMod val="65000"/>
+              </a:schemeClr>
+            </a:solidFill>
+            <a:prstDash val="dash"/>
+          </a:ln>
+        </p:spPr>
+        <p:style>
+          <a:lnRef idx="1">
+            <a:schemeClr val="accent1"/>
+          </a:lnRef>
+          <a:fillRef idx="0">
+            <a:schemeClr val="accent1"/>
+          </a:fillRef>
+          <a:effectRef idx="0">
+            <a:schemeClr val="accent1"/>
+          </a:effectRef>
+          <a:fontRef idx="minor">
+            <a:schemeClr val="tx1"/>
+          </a:fontRef>
+        </p:style>
+      </p:cxnSp>
+      <p:cxnSp>
+        <p:nvCxnSpPr>
+          <p:cNvPr id="34" name="直接连接符 33"/>
+          <p:cNvCxnSpPr/>
+          <p:nvPr/>
+        </p:nvCxnSpPr>
+        <p:spPr>
+          <a:xfrm>
+            <a:off x="4298832" y="5445224"/>
+            <a:ext cx="360040" cy="216024"/>
+          </a:xfrm>
+          <a:prstGeom prst="line">
+            <a:avLst/>
+          </a:prstGeom>
+          <a:ln w="19050">
+            <a:solidFill>
+              <a:schemeClr val="bg1">
+                <a:lumMod val="65000"/>
+              </a:schemeClr>
+            </a:solidFill>
+            <a:prstDash val="dash"/>
+          </a:ln>
+        </p:spPr>
+        <p:style>
+          <a:lnRef idx="1">
+            <a:schemeClr val="accent1"/>
+          </a:lnRef>
+          <a:fillRef idx="0">
+            <a:schemeClr val="accent1"/>
+          </a:fillRef>
+          <a:effectRef idx="0">
+            <a:schemeClr val="accent1"/>
+          </a:effectRef>
+          <a:fontRef idx="minor">
+            <a:schemeClr val="tx1"/>
+          </a:fontRef>
+        </p:style>
+      </p:cxnSp>
+      <p:cxnSp>
+        <p:nvCxnSpPr>
+          <p:cNvPr id="35" name="直接连接符 34"/>
+          <p:cNvCxnSpPr/>
+          <p:nvPr/>
+        </p:nvCxnSpPr>
+        <p:spPr>
+          <a:xfrm flipH="1">
+            <a:off x="4298832" y="5429764"/>
+            <a:ext cx="360040" cy="231484"/>
+          </a:xfrm>
+          <a:prstGeom prst="line">
+            <a:avLst/>
+          </a:prstGeom>
+          <a:ln w="19050">
+            <a:solidFill>
+              <a:schemeClr val="bg1">
+                <a:lumMod val="65000"/>
+              </a:schemeClr>
+            </a:solidFill>
+            <a:prstDash val="dash"/>
+          </a:ln>
+        </p:spPr>
+        <p:style>
+          <a:lnRef idx="1">
+            <a:schemeClr val="accent1"/>
+          </a:lnRef>
+          <a:fillRef idx="0">
+            <a:schemeClr val="accent1"/>
+          </a:fillRef>
+          <a:effectRef idx="0">
+            <a:schemeClr val="accent1"/>
+          </a:effectRef>
+          <a:fontRef idx="minor">
+            <a:schemeClr val="tx1"/>
+          </a:fontRef>
+        </p:style>
+      </p:cxnSp>
     </p:spTree>
     <p:extLst>
       <p:ext uri="{BB962C8B-B14F-4D97-AF65-F5344CB8AC3E}">
-        <p14:creationId xmlns:p14="http://schemas.microsoft.com/office/powerpoint/2010/main" val="2938540346"/>
+        <p14:creationId xmlns:p14="http://schemas.microsoft.com/office/powerpoint/2010/main" val="311445410"/>
       </p:ext>
     </p:extLst>
   </p:cSld>
@@ -5430,4 +9338,289 @@
   <a:objectDefaults/>
   <a:extraClrSchemeLst/>
 </a:theme>
+</file>
+
+<file path=ppt/theme/theme2.xml><?xml version="1.0" encoding="utf-8"?>
+<a:theme xmlns:a="http://schemas.openxmlformats.org/drawingml/2006/main" name="Office 主题​​">
+  <a:themeElements>
+    <a:clrScheme name="Office">
+      <a:dk1>
+        <a:sysClr val="windowText" lastClr="000000"/>
+      </a:dk1>
+      <a:lt1>
+        <a:sysClr val="window" lastClr="FFFFFF"/>
+      </a:lt1>
+      <a:dk2>
+        <a:srgbClr val="1F497D"/>
+      </a:dk2>
+      <a:lt2>
+        <a:srgbClr val="EEECE1"/>
+      </a:lt2>
+      <a:accent1>
+        <a:srgbClr val="4F81BD"/>
+      </a:accent1>
+      <a:accent2>
+        <a:srgbClr val="C0504D"/>
+      </a:accent2>
+      <a:accent3>
+        <a:srgbClr val="9BBB59"/>
+      </a:accent3>
+      <a:accent4>
+        <a:srgbClr val="8064A2"/>
+      </a:accent4>
+      <a:accent5>
+        <a:srgbClr val="4BACC6"/>
+      </a:accent5>
+      <a:accent6>
+        <a:srgbClr val="F79646"/>
+      </a:accent6>
+      <a:hlink>
+        <a:srgbClr val="0000FF"/>
+      </a:hlink>
+      <a:folHlink>
+        <a:srgbClr val="800080"/>
+      </a:folHlink>
+    </a:clrScheme>
+    <a:fontScheme name="Office">
+      <a:majorFont>
+        <a:latin typeface="Calibri"/>
+        <a:ea typeface=""/>
+        <a:cs typeface=""/>
+        <a:font script="Jpan" typeface="ＭＳ Ｐゴシック"/>
+        <a:font script="Hang" typeface="맑은 고딕"/>
+        <a:font script="Hans" typeface="宋体"/>
+        <a:font script="Hant" typeface="新細明體"/>
+        <a:font script="Arab" typeface="Times New Roman"/>
+        <a:font script="Hebr" typeface="Times New Roman"/>
+        <a:font script="Thai" typeface="Angsana New"/>
+        <a:font script="Ethi" typeface="Nyala"/>
+        <a:font script="Beng" typeface="Vrinda"/>
+        <a:font script="Gujr" typeface="Shruti"/>
+        <a:font script="Khmr" typeface="MoolBoran"/>
+        <a:font script="Knda" typeface="Tunga"/>
+        <a:font script="Guru" typeface="Raavi"/>
+        <a:font script="Cans" typeface="Euphemia"/>
+        <a:font script="Cher" typeface="Plantagenet Cherokee"/>
+        <a:font script="Yiii" typeface="Microsoft Yi Baiti"/>
+        <a:font script="Tibt" typeface="Microsoft Himalaya"/>
+        <a:font script="Thaa" typeface="MV Boli"/>
+        <a:font script="Deva" typeface="Mangal"/>
+        <a:font script="Telu" typeface="Gautami"/>
+        <a:font script="Taml" typeface="Latha"/>
+        <a:font script="Syrc" typeface="Estrangelo Edessa"/>
+        <a:font script="Orya" typeface="Kalinga"/>
+        <a:font script="Mlym" typeface="Kartika"/>
+        <a:font script="Laoo" typeface="DokChampa"/>
+        <a:font script="Sinh" typeface="Iskoola Pota"/>
+        <a:font script="Mong" typeface="Mongolian Baiti"/>
+        <a:font script="Viet" typeface="Times New Roman"/>
+        <a:font script="Uigh" typeface="Microsoft Uighur"/>
+        <a:font script="Geor" typeface="Sylfaen"/>
+      </a:majorFont>
+      <a:minorFont>
+        <a:latin typeface="Calibri"/>
+        <a:ea typeface=""/>
+        <a:cs typeface=""/>
+        <a:font script="Jpan" typeface="ＭＳ Ｐゴシック"/>
+        <a:font script="Hang" typeface="맑은 고딕"/>
+        <a:font script="Hans" typeface="宋体"/>
+        <a:font script="Hant" typeface="新細明體"/>
+        <a:font script="Arab" typeface="Arial"/>
+        <a:font script="Hebr" typeface="Arial"/>
+        <a:font script="Thai" typeface="Cordia New"/>
+        <a:font script="Ethi" typeface="Nyala"/>
+        <a:font script="Beng" typeface="Vrinda"/>
+        <a:font script="Gujr" typeface="Shruti"/>
+        <a:font script="Khmr" typeface="DaunPenh"/>
+        <a:font script="Knda" typeface="Tunga"/>
+        <a:font script="Guru" typeface="Raavi"/>
+        <a:font script="Cans" typeface="Euphemia"/>
+        <a:font script="Cher" typeface="Plantagenet Cherokee"/>
+        <a:font script="Yiii" typeface="Microsoft Yi Baiti"/>
+        <a:font script="Tibt" typeface="Microsoft Himalaya"/>
+        <a:font script="Thaa" typeface="MV Boli"/>
+        <a:font script="Deva" typeface="Mangal"/>
+        <a:font script="Telu" typeface="Gautami"/>
+        <a:font script="Taml" typeface="Latha"/>
+        <a:font script="Syrc" typeface="Estrangelo Edessa"/>
+        <a:font script="Orya" typeface="Kalinga"/>
+        <a:font script="Mlym" typeface="Kartika"/>
+        <a:font script="Laoo" typeface="DokChampa"/>
+        <a:font script="Sinh" typeface="Iskoola Pota"/>
+        <a:font script="Mong" typeface="Mongolian Baiti"/>
+        <a:font script="Viet" typeface="Arial"/>
+        <a:font script="Uigh" typeface="Microsoft Uighur"/>
+        <a:font script="Geor" typeface="Sylfaen"/>
+      </a:minorFont>
+    </a:fontScheme>
+    <a:fmtScheme name="Office">
+      <a:fillStyleLst>
+        <a:solidFill>
+          <a:schemeClr val="phClr"/>
+        </a:solidFill>
+        <a:gradFill rotWithShape="1">
+          <a:gsLst>
+            <a:gs pos="0">
+              <a:schemeClr val="phClr">
+                <a:tint val="50000"/>
+                <a:satMod val="300000"/>
+              </a:schemeClr>
+            </a:gs>
+            <a:gs pos="35000">
+              <a:schemeClr val="phClr">
+                <a:tint val="37000"/>
+                <a:satMod val="300000"/>
+              </a:schemeClr>
+            </a:gs>
+            <a:gs pos="100000">
+              <a:schemeClr val="phClr">
+                <a:tint val="15000"/>
+                <a:satMod val="350000"/>
+              </a:schemeClr>
+            </a:gs>
+          </a:gsLst>
+          <a:lin ang="16200000" scaled="1"/>
+        </a:gradFill>
+        <a:gradFill rotWithShape="1">
+          <a:gsLst>
+            <a:gs pos="0">
+              <a:schemeClr val="phClr">
+                <a:shade val="51000"/>
+                <a:satMod val="130000"/>
+              </a:schemeClr>
+            </a:gs>
+            <a:gs pos="80000">
+              <a:schemeClr val="phClr">
+                <a:shade val="93000"/>
+                <a:satMod val="130000"/>
+              </a:schemeClr>
+            </a:gs>
+            <a:gs pos="100000">
+              <a:schemeClr val="phClr">
+                <a:shade val="94000"/>
+                <a:satMod val="135000"/>
+              </a:schemeClr>
+            </a:gs>
+          </a:gsLst>
+          <a:lin ang="16200000" scaled="0"/>
+        </a:gradFill>
+      </a:fillStyleLst>
+      <a:lnStyleLst>
+        <a:ln w="9525" cap="flat" cmpd="sng" algn="ctr">
+          <a:solidFill>
+            <a:schemeClr val="phClr">
+              <a:shade val="95000"/>
+              <a:satMod val="105000"/>
+            </a:schemeClr>
+          </a:solidFill>
+          <a:prstDash val="solid"/>
+        </a:ln>
+        <a:ln w="25400" cap="flat" cmpd="sng" algn="ctr">
+          <a:solidFill>
+            <a:schemeClr val="phClr"/>
+          </a:solidFill>
+          <a:prstDash val="solid"/>
+        </a:ln>
+        <a:ln w="38100" cap="flat" cmpd="sng" algn="ctr">
+          <a:solidFill>
+            <a:schemeClr val="phClr"/>
+          </a:solidFill>
+          <a:prstDash val="solid"/>
+        </a:ln>
+      </a:lnStyleLst>
+      <a:effectStyleLst>
+        <a:effectStyle>
+          <a:effectLst>
+            <a:outerShdw blurRad="40000" dist="20000" dir="5400000" rotWithShape="0">
+              <a:srgbClr val="000000">
+                <a:alpha val="38000"/>
+              </a:srgbClr>
+            </a:outerShdw>
+          </a:effectLst>
+        </a:effectStyle>
+        <a:effectStyle>
+          <a:effectLst>
+            <a:outerShdw blurRad="40000" dist="23000" dir="5400000" rotWithShape="0">
+              <a:srgbClr val="000000">
+                <a:alpha val="35000"/>
+              </a:srgbClr>
+            </a:outerShdw>
+          </a:effectLst>
+        </a:effectStyle>
+        <a:effectStyle>
+          <a:effectLst>
+            <a:outerShdw blurRad="40000" dist="23000" dir="5400000" rotWithShape="0">
+              <a:srgbClr val="000000">
+                <a:alpha val="35000"/>
+              </a:srgbClr>
+            </a:outerShdw>
+          </a:effectLst>
+          <a:scene3d>
+            <a:camera prst="orthographicFront">
+              <a:rot lat="0" lon="0" rev="0"/>
+            </a:camera>
+            <a:lightRig rig="threePt" dir="t">
+              <a:rot lat="0" lon="0" rev="1200000"/>
+            </a:lightRig>
+          </a:scene3d>
+          <a:sp3d>
+            <a:bevelT w="63500" h="25400"/>
+          </a:sp3d>
+        </a:effectStyle>
+      </a:effectStyleLst>
+      <a:bgFillStyleLst>
+        <a:solidFill>
+          <a:schemeClr val="phClr"/>
+        </a:solidFill>
+        <a:gradFill rotWithShape="1">
+          <a:gsLst>
+            <a:gs pos="0">
+              <a:schemeClr val="phClr">
+                <a:tint val="40000"/>
+                <a:satMod val="350000"/>
+              </a:schemeClr>
+            </a:gs>
+            <a:gs pos="40000">
+              <a:schemeClr val="phClr">
+                <a:tint val="45000"/>
+                <a:shade val="99000"/>
+                <a:satMod val="350000"/>
+              </a:schemeClr>
+            </a:gs>
+            <a:gs pos="100000">
+              <a:schemeClr val="phClr">
+                <a:shade val="20000"/>
+                <a:satMod val="255000"/>
+              </a:schemeClr>
+            </a:gs>
+          </a:gsLst>
+          <a:path path="circle">
+            <a:fillToRect l="50000" t="-80000" r="50000" b="180000"/>
+          </a:path>
+        </a:gradFill>
+        <a:gradFill rotWithShape="1">
+          <a:gsLst>
+            <a:gs pos="0">
+              <a:schemeClr val="phClr">
+                <a:tint val="80000"/>
+                <a:satMod val="300000"/>
+              </a:schemeClr>
+            </a:gs>
+            <a:gs pos="100000">
+              <a:schemeClr val="phClr">
+                <a:shade val="30000"/>
+                <a:satMod val="200000"/>
+              </a:schemeClr>
+            </a:gs>
+          </a:gsLst>
+          <a:path path="circle">
+            <a:fillToRect l="50000" t="50000" r="50000" b="50000"/>
+          </a:path>
+        </a:gradFill>
+      </a:bgFillStyleLst>
+    </a:fmtScheme>
+  </a:themeElements>
+  <a:objectDefaults/>
+  <a:extraClrSchemeLst/>
+</a:theme>
 </file>
--- a/扒一扒Java IO那些事儿.pptx
+++ b/扒一扒Java IO那些事儿.pptx
@@ -5,7 +5,7 @@
     <p:sldMasterId id="2147483648" r:id="rId1"/>
   </p:sldMasterIdLst>
   <p:notesMasterIdLst>
-    <p:notesMasterId r:id="rId44"/>
+    <p:notesMasterId r:id="rId49"/>
   </p:notesMasterIdLst>
   <p:sldIdLst>
     <p:sldId id="256" r:id="rId2"/>
@@ -43,13 +43,18 @@
     <p:sldId id="310" r:id="rId34"/>
     <p:sldId id="303" r:id="rId35"/>
     <p:sldId id="306" r:id="rId36"/>
-    <p:sldId id="302" r:id="rId37"/>
-    <p:sldId id="304" r:id="rId38"/>
-    <p:sldId id="277" r:id="rId39"/>
-    <p:sldId id="305" r:id="rId40"/>
-    <p:sldId id="260" r:id="rId41"/>
-    <p:sldId id="286" r:id="rId42"/>
-    <p:sldId id="288" r:id="rId43"/>
+    <p:sldId id="311" r:id="rId37"/>
+    <p:sldId id="302" r:id="rId38"/>
+    <p:sldId id="304" r:id="rId39"/>
+    <p:sldId id="312" r:id="rId40"/>
+    <p:sldId id="277" r:id="rId41"/>
+    <p:sldId id="305" r:id="rId42"/>
+    <p:sldId id="260" r:id="rId43"/>
+    <p:sldId id="315" r:id="rId44"/>
+    <p:sldId id="314" r:id="rId45"/>
+    <p:sldId id="313" r:id="rId46"/>
+    <p:sldId id="286" r:id="rId47"/>
+    <p:sldId id="288" r:id="rId48"/>
   </p:sldIdLst>
   <p:sldSz cx="9144000" cy="6858000" type="screen4x3"/>
   <p:notesSz cx="6858000" cy="9144000"/>
@@ -234,7 +239,7 @@
             <a:fld id="{8D0A4D32-5E3E-4AA6-B8C4-5345957C6B64}" type="datetimeFigureOut">
               <a:rPr lang="zh-CN" altLang="en-US" smtClean="0"/>
               <a:pPr/>
-              <a:t>2016-12-14</a:t>
+              <a:t>2016-12-15</a:t>
             </a:fld>
             <a:endParaRPr lang="zh-CN" altLang="en-US"/>
           </a:p>
@@ -1829,7 +1834,15 @@
             </a:pPr>
             <a:r>
               <a:rPr lang="zh-CN" altLang="en-US" sz="2000" dirty="0" smtClean="0"/>
-              <a:t>关于“通道被关闭，线程就被中断”的设计理念是这样的：“当 </a:t>
+              <a:t>关于</a:t>
+            </a:r>
+            <a:r>
+              <a:rPr lang="zh-CN" altLang="en-US" sz="2000" dirty="0" smtClean="0"/>
+              <a:t>“线程被中断，通道就被关闭”</a:t>
+            </a:r>
+            <a:r>
+              <a:rPr lang="zh-CN" altLang="en-US" sz="2000" dirty="0" smtClean="0"/>
+              <a:t>的设计理念是这样的：“当 </a:t>
             </a:r>
             <a:r>
               <a:rPr lang="en-US" altLang="zh-CN" sz="2000" dirty="0" smtClean="0"/>
@@ -2561,7 +2574,19 @@
             </a:pPr>
             <a:r>
               <a:rPr lang="zh-CN" altLang="en-US" dirty="0" smtClean="0"/>
-              <a:t>类似的步骤在写文件数据时也会采用。这时，文件内容的改变（通过 </a:t>
+              <a:t>写</a:t>
+            </a:r>
+            <a:r>
+              <a:rPr lang="zh-CN" altLang="en-US" dirty="0" smtClean="0"/>
+              <a:t>文件数据时也会</a:t>
+            </a:r>
+            <a:r>
+              <a:rPr lang="zh-CN" altLang="en-US" dirty="0" smtClean="0"/>
+              <a:t>采用类似的步骤。</a:t>
+            </a:r>
+            <a:r>
+              <a:rPr lang="zh-CN" altLang="en-US" dirty="0" smtClean="0"/>
+              <a:t>这时，文件内容的改变（通过 </a:t>
             </a:r>
             <a:r>
               <a:rPr lang="en-US" altLang="zh-CN" dirty="0" smtClean="0"/>
@@ -2569,7 +2594,52 @@
             </a:r>
             <a:r>
               <a:rPr lang="zh-CN" altLang="en-US" dirty="0" smtClean="0"/>
-              <a:t>）将导致文件系统页变脏，随后通过页面调出，与磁盘上的文件内容保持同步。文件的创建方式是，先把文件映射到空闲文件系统页，在随后的写操作中，再将文件系统页刷新到磁盘。</a:t>
+              <a:t>）将导致文件系统页变脏，随后通过页面调出，与磁盘上的文件内容保持同步</a:t>
+            </a:r>
+            <a:r>
+              <a:rPr lang="zh-CN" altLang="en-US" dirty="0" smtClean="0"/>
+              <a:t>。</a:t>
+            </a:r>
+            <a:endParaRPr lang="en-US" altLang="zh-CN" dirty="0" smtClean="0"/>
+          </a:p>
+          <a:p>
+            <a:pPr marL="0" indent="0">
+              <a:buFont typeface="+mj-lt"/>
+              <a:buNone/>
+            </a:pPr>
+            <a:r>
+              <a:rPr lang="zh-CN" altLang="en-US" dirty="0" smtClean="0"/>
+              <a:t>文件</a:t>
+            </a:r>
+            <a:r>
+              <a:rPr lang="zh-CN" altLang="en-US" dirty="0" smtClean="0"/>
+              <a:t>的创建方式是，先把文件映射到空闲文件系统页，在随后的写操作中，再将文件系统页刷新到磁盘</a:t>
+            </a:r>
+            <a:r>
+              <a:rPr lang="zh-CN" altLang="en-US" dirty="0" smtClean="0"/>
+              <a:t>。</a:t>
+            </a:r>
+            <a:endParaRPr lang="en-US" altLang="zh-CN" dirty="0" smtClean="0"/>
+          </a:p>
+          <a:p>
+            <a:pPr marL="0" indent="0">
+              <a:buFont typeface="+mj-lt"/>
+              <a:buNone/>
+            </a:pPr>
+            <a:endParaRPr lang="en-US" altLang="zh-CN" dirty="0" smtClean="0"/>
+          </a:p>
+          <a:p>
+            <a:pPr marL="0" indent="0">
+              <a:buFont typeface="+mj-lt"/>
+              <a:buNone/>
+            </a:pPr>
+            <a:r>
+              <a:rPr lang="en-US" altLang="zh-CN" dirty="0" smtClean="0"/>
+              <a:t>Bitmap</a:t>
+            </a:r>
+            <a:r>
+              <a:rPr lang="zh-CN" altLang="en-US" dirty="0" smtClean="0"/>
+              <a:t>的用途：去重排序、布隆过滤、资源分配。</a:t>
             </a:r>
             <a:endParaRPr lang="zh-CN" altLang="en-US" dirty="0"/>
           </a:p>
@@ -2784,11 +2854,7 @@
             </a:pPr>
             <a:r>
               <a:rPr lang="zh-CN" altLang="en-US" dirty="0" smtClean="0"/>
-              <a:t>设备控制</a:t>
-            </a:r>
-            <a:r>
-              <a:rPr lang="zh-CN" altLang="en-US" dirty="0" smtClean="0"/>
-              <a:t>器不能通过 </a:t>
+              <a:t>设备控制器不能通过 </a:t>
             </a:r>
             <a:r>
               <a:rPr lang="en-US" altLang="zh-CN" dirty="0" smtClean="0"/>
@@ -2796,11 +2862,7 @@
             </a:r>
             <a:r>
               <a:rPr lang="zh-CN" altLang="en-US" dirty="0" smtClean="0"/>
-              <a:t>直接存储到用户空间，通过虚拟内存可以把内核空间地址与用户空间的虚拟地址映射到同一个物理地址</a:t>
-            </a:r>
-            <a:r>
-              <a:rPr lang="zh-CN" altLang="en-US" dirty="0" smtClean="0"/>
-              <a:t>。</a:t>
+              <a:t>直接存储到用户空间，通过虚拟内存可以把内核空间地址与用户空间的虚拟地址映射到同一个物理地址。</a:t>
             </a:r>
             <a:endParaRPr lang="en-US" altLang="zh-CN" dirty="0" smtClean="0"/>
           </a:p>
@@ -2847,7 +2909,92 @@
             </a:r>
             <a:r>
               <a:rPr lang="zh-CN" altLang="en-US" dirty="0" smtClean="0"/>
-              <a:t>字节磁盘扇区）的倍数。</a:t>
+              <a:t>字节磁盘扇区）的倍数</a:t>
+            </a:r>
+            <a:r>
+              <a:rPr lang="zh-CN" altLang="en-US" dirty="0" smtClean="0"/>
+              <a:t>。</a:t>
+            </a:r>
+            <a:endParaRPr lang="en-US" altLang="zh-CN" dirty="0" smtClean="0"/>
+          </a:p>
+          <a:p>
+            <a:r>
+              <a:rPr lang="zh-CN" altLang="en-US" dirty="0" smtClean="0"/>
+              <a:t>内存映射 </a:t>
+            </a:r>
+            <a:r>
+              <a:rPr lang="en-US" altLang="zh-CN" dirty="0" smtClean="0"/>
+              <a:t>I/O </a:t>
+            </a:r>
+            <a:r>
+              <a:rPr lang="zh-CN" altLang="en-US" dirty="0" smtClean="0"/>
+              <a:t>使用文件系统建立从用户空间直到可用文件系统页的虚拟内存映射。这样做有几个好处：</a:t>
+            </a:r>
+          </a:p>
+          <a:p>
+            <a:r>
+              <a:rPr lang="en-US" altLang="zh-CN" dirty="0" smtClean="0"/>
+              <a:t>•  </a:t>
+            </a:r>
+            <a:r>
+              <a:rPr lang="zh-CN" altLang="en-US" dirty="0" smtClean="0"/>
+              <a:t>用户进程把文件数据当作内存，所以无需发布 </a:t>
+            </a:r>
+            <a:r>
+              <a:rPr lang="en-US" altLang="zh-CN" dirty="0" smtClean="0"/>
+              <a:t>read( )</a:t>
+            </a:r>
+            <a:r>
+              <a:rPr lang="zh-CN" altLang="en-US" dirty="0" smtClean="0"/>
+              <a:t>或 </a:t>
+            </a:r>
+            <a:r>
+              <a:rPr lang="en-US" altLang="zh-CN" dirty="0" smtClean="0"/>
+              <a:t>write( )</a:t>
+            </a:r>
+            <a:r>
+              <a:rPr lang="zh-CN" altLang="en-US" dirty="0" smtClean="0"/>
+              <a:t>系统调用。</a:t>
+            </a:r>
+          </a:p>
+          <a:p>
+            <a:r>
+              <a:rPr lang="en-US" altLang="zh-CN" dirty="0" smtClean="0"/>
+              <a:t>•  </a:t>
+            </a:r>
+            <a:r>
+              <a:rPr lang="zh-CN" altLang="en-US" dirty="0" smtClean="0"/>
+              <a:t>当用户进程碰触到映射内存空间，页错误会自动产生，从而将文件数据从磁盘读进内存。如果用户修改了映射内存空间，相关页会自动标记为脏，随后刷新到磁盘，文件得到更新。</a:t>
+            </a:r>
+          </a:p>
+          <a:p>
+            <a:r>
+              <a:rPr lang="en-US" altLang="zh-CN" dirty="0" smtClean="0"/>
+              <a:t>•  </a:t>
+            </a:r>
+            <a:r>
+              <a:rPr lang="zh-CN" altLang="en-US" dirty="0" smtClean="0"/>
+              <a:t>操作系统的虚拟内存子系统会对页进行智能高速缓存，自动根据系统负载进行内存管理。</a:t>
+            </a:r>
+          </a:p>
+          <a:p>
+            <a:r>
+              <a:rPr lang="en-US" altLang="zh-CN" dirty="0" smtClean="0"/>
+              <a:t>•  </a:t>
+            </a:r>
+            <a:r>
+              <a:rPr lang="zh-CN" altLang="en-US" dirty="0" smtClean="0"/>
+              <a:t>数据总是按页对齐的，无需执行缓冲区拷贝。</a:t>
+            </a:r>
+          </a:p>
+          <a:p>
+            <a:r>
+              <a:rPr lang="en-US" altLang="zh-CN" dirty="0" smtClean="0"/>
+              <a:t>•  </a:t>
+            </a:r>
+            <a:r>
+              <a:rPr lang="zh-CN" altLang="en-US" dirty="0" smtClean="0"/>
+              <a:t>大型文件使用映射，无需耗费大量内存，即可进行数据拷贝。</a:t>
             </a:r>
             <a:endParaRPr lang="zh-CN" altLang="en-US" dirty="0"/>
           </a:p>
@@ -2943,19 +3090,7 @@
           <a:p>
             <a:r>
               <a:rPr lang="zh-CN" altLang="en-US" dirty="0" smtClean="0"/>
-              <a:t>如果</a:t>
-            </a:r>
-            <a:r>
-              <a:rPr lang="zh-CN" altLang="en-US" dirty="0" smtClean="0"/>
-              <a:t>同时</a:t>
-            </a:r>
-            <a:r>
-              <a:rPr lang="zh-CN" altLang="en-US" dirty="0" smtClean="0"/>
-              <a:t>结合文件锁定来保护关键区域和控制事务原子性，那您将能了解到内存映射缓冲区如何可以被很好地利用</a:t>
-            </a:r>
-            <a:r>
-              <a:rPr lang="zh-CN" altLang="en-US" dirty="0" smtClean="0"/>
-              <a:t>。</a:t>
+              <a:t>如果同时结合文件锁定来保护关键区域和控制事务原子性，那您将能了解到内存映射缓冲区如何可以被很好地利用。</a:t>
             </a:r>
             <a:endParaRPr lang="en-US" altLang="zh-CN" dirty="0" smtClean="0"/>
           </a:p>
@@ -3156,7 +3291,7 @@
             <a:fld id="{4FBAD5A4-DF14-402B-8AB5-0BCE7F23E77D}" type="slidenum">
               <a:rPr lang="zh-CN" altLang="en-US" smtClean="0"/>
               <a:pPr/>
-              <a:t>36</a:t>
+              <a:t>37</a:t>
             </a:fld>
             <a:endParaRPr lang="zh-CN" altLang="en-US"/>
           </a:p>
@@ -3249,7 +3384,7 @@
             <a:fld id="{4FBAD5A4-DF14-402B-8AB5-0BCE7F23E77D}" type="slidenum">
               <a:rPr lang="zh-CN" altLang="en-US" smtClean="0"/>
               <a:pPr/>
-              <a:t>37</a:t>
+              <a:t>38</a:t>
             </a:fld>
             <a:endParaRPr lang="zh-CN" altLang="en-US"/>
           </a:p>
@@ -3398,7 +3533,7 @@
             <a:fld id="{4FBAD5A4-DF14-402B-8AB5-0BCE7F23E77D}" type="slidenum">
               <a:rPr lang="zh-CN" altLang="en-US" smtClean="0"/>
               <a:pPr/>
-              <a:t>39</a:t>
+              <a:t>41</a:t>
             </a:fld>
             <a:endParaRPr lang="zh-CN" altLang="en-US"/>
           </a:p>
@@ -3408,6 +3543,211 @@
     <p:extLst>
       <p:ext uri="{BB962C8B-B14F-4D97-AF65-F5344CB8AC3E}">
         <p14:creationId xmlns:p14="http://schemas.microsoft.com/office/powerpoint/2010/main" val="3000393338"/>
+      </p:ext>
+    </p:extLst>
+  </p:cSld>
+  <p:clrMapOvr>
+    <a:masterClrMapping/>
+  </p:clrMapOvr>
+</p:notes>
+</file>
+
+<file path=ppt/notesSlides/notesSlide24.xml><?xml version="1.0" encoding="utf-8"?>
+<p:notes xmlns:a="http://schemas.openxmlformats.org/drawingml/2006/main" xmlns:r="http://schemas.openxmlformats.org/officeDocument/2006/relationships" xmlns:p="http://schemas.openxmlformats.org/presentationml/2006/main">
+  <p:cSld>
+    <p:spTree>
+      <p:nvGrpSpPr>
+        <p:cNvPr id="1" name=""/>
+        <p:cNvGrpSpPr/>
+        <p:nvPr/>
+      </p:nvGrpSpPr>
+      <p:grpSpPr>
+        <a:xfrm>
+          <a:off x="0" y="0"/>
+          <a:ext cx="0" cy="0"/>
+          <a:chOff x="0" y="0"/>
+          <a:chExt cx="0" cy="0"/>
+        </a:xfrm>
+      </p:grpSpPr>
+      <p:sp>
+        <p:nvSpPr>
+          <p:cNvPr id="2" name="幻灯片图像占位符 1"/>
+          <p:cNvSpPr>
+            <a:spLocks noGrp="1" noRot="1" noChangeAspect="1"/>
+          </p:cNvSpPr>
+          <p:nvPr>
+            <p:ph type="sldImg"/>
+          </p:nvPr>
+        </p:nvSpPr>
+        <p:spPr/>
+      </p:sp>
+      <p:sp>
+        <p:nvSpPr>
+          <p:cNvPr id="3" name="备注占位符 2"/>
+          <p:cNvSpPr>
+            <a:spLocks noGrp="1"/>
+          </p:cNvSpPr>
+          <p:nvPr>
+            <p:ph type="body" idx="1"/>
+          </p:nvPr>
+        </p:nvSpPr>
+        <p:spPr/>
+        <p:txBody>
+          <a:bodyPr/>
+          <a:lstStyle/>
+          <a:p>
+            <a:r>
+              <a:rPr lang="zh-CN" altLang="en-US" dirty="0" smtClean="0"/>
+              <a:t>真正的就绪选择必须由操作系统来做。如果在应用层面去轮询检查通道状态，将会使得在检查每个通道是否就绪时都至少进行一次系统调用，这种代价是十分昂贵的。</a:t>
+            </a:r>
+            <a:endParaRPr lang="en-US" altLang="zh-CN" dirty="0" smtClean="0"/>
+          </a:p>
+          <a:p>
+            <a:r>
+              <a:rPr lang="zh-CN" altLang="en-US" dirty="0" smtClean="0"/>
+              <a:t>操作系统的一项最重要的功能就是处理 </a:t>
+            </a:r>
+            <a:r>
+              <a:rPr lang="en-US" altLang="zh-CN" dirty="0" smtClean="0"/>
+              <a:t>I/O </a:t>
+            </a:r>
+            <a:r>
+              <a:rPr lang="zh-CN" altLang="en-US" dirty="0" smtClean="0"/>
+              <a:t>请求并通知各个线程它们的数据已经准备好了。</a:t>
+            </a:r>
+            <a:endParaRPr lang="zh-CN" altLang="en-US" dirty="0"/>
+          </a:p>
+        </p:txBody>
+      </p:sp>
+      <p:sp>
+        <p:nvSpPr>
+          <p:cNvPr id="4" name="灯片编号占位符 3"/>
+          <p:cNvSpPr>
+            <a:spLocks noGrp="1"/>
+          </p:cNvSpPr>
+          <p:nvPr>
+            <p:ph type="sldNum" sz="quarter" idx="10"/>
+          </p:nvPr>
+        </p:nvSpPr>
+        <p:spPr/>
+        <p:txBody>
+          <a:bodyPr/>
+          <a:lstStyle/>
+          <a:p>
+            <a:fld id="{4FBAD5A4-DF14-402B-8AB5-0BCE7F23E77D}" type="slidenum">
+              <a:rPr lang="zh-CN" altLang="en-US" smtClean="0"/>
+              <a:pPr/>
+              <a:t>42</a:t>
+            </a:fld>
+            <a:endParaRPr lang="zh-CN" altLang="en-US"/>
+          </a:p>
+        </p:txBody>
+      </p:sp>
+    </p:spTree>
+    <p:extLst>
+      <p:ext uri="{BB962C8B-B14F-4D97-AF65-F5344CB8AC3E}">
+        <p14:creationId xmlns:p14="http://schemas.microsoft.com/office/powerpoint/2010/main" val="216504068"/>
+      </p:ext>
+    </p:extLst>
+  </p:cSld>
+  <p:clrMapOvr>
+    <a:masterClrMapping/>
+  </p:clrMapOvr>
+</p:notes>
+</file>
+
+<file path=ppt/notesSlides/notesSlide25.xml><?xml version="1.0" encoding="utf-8"?>
+<p:notes xmlns:a="http://schemas.openxmlformats.org/drawingml/2006/main" xmlns:r="http://schemas.openxmlformats.org/officeDocument/2006/relationships" xmlns:p="http://schemas.openxmlformats.org/presentationml/2006/main">
+  <p:cSld>
+    <p:spTree>
+      <p:nvGrpSpPr>
+        <p:cNvPr id="1" name=""/>
+        <p:cNvGrpSpPr/>
+        <p:nvPr/>
+      </p:nvGrpSpPr>
+      <p:grpSpPr>
+        <a:xfrm>
+          <a:off x="0" y="0"/>
+          <a:ext cx="0" cy="0"/>
+          <a:chOff x="0" y="0"/>
+          <a:chExt cx="0" cy="0"/>
+        </a:xfrm>
+      </p:grpSpPr>
+      <p:sp>
+        <p:nvSpPr>
+          <p:cNvPr id="2" name="幻灯片图像占位符 1"/>
+          <p:cNvSpPr>
+            <a:spLocks noGrp="1" noRot="1" noChangeAspect="1"/>
+          </p:cNvSpPr>
+          <p:nvPr>
+            <p:ph type="sldImg"/>
+          </p:nvPr>
+        </p:nvSpPr>
+        <p:spPr/>
+      </p:sp>
+      <p:sp>
+        <p:nvSpPr>
+          <p:cNvPr id="3" name="备注占位符 2"/>
+          <p:cNvSpPr>
+            <a:spLocks noGrp="1"/>
+          </p:cNvSpPr>
+          <p:nvPr>
+            <p:ph type="body" idx="1"/>
+          </p:nvPr>
+        </p:nvSpPr>
+        <p:spPr/>
+        <p:txBody>
+          <a:bodyPr/>
+          <a:lstStyle/>
+          <a:p>
+            <a:r>
+              <a:rPr lang="zh-CN" altLang="en-US" dirty="0" smtClean="0"/>
+              <a:t>通道在被注册到一个选择器上之前，必须先设置为非阻塞模式（通过调用 </a:t>
+            </a:r>
+            <a:r>
+              <a:rPr lang="en-US" altLang="zh-CN" dirty="0" err="1" smtClean="0"/>
+              <a:t>configureBlocking</a:t>
+            </a:r>
+            <a:r>
+              <a:rPr lang="en-US" altLang="zh-CN" dirty="0" smtClean="0"/>
+              <a:t>(false)</a:t>
+            </a:r>
+            <a:r>
+              <a:rPr lang="zh-CN" altLang="en-US" dirty="0" smtClean="0"/>
+              <a:t>）。</a:t>
+            </a:r>
+            <a:endParaRPr lang="zh-CN" altLang="en-US" dirty="0"/>
+          </a:p>
+        </p:txBody>
+      </p:sp>
+      <p:sp>
+        <p:nvSpPr>
+          <p:cNvPr id="4" name="灯片编号占位符 3"/>
+          <p:cNvSpPr>
+            <a:spLocks noGrp="1"/>
+          </p:cNvSpPr>
+          <p:nvPr>
+            <p:ph type="sldNum" sz="quarter" idx="10"/>
+          </p:nvPr>
+        </p:nvSpPr>
+        <p:spPr/>
+        <p:txBody>
+          <a:bodyPr/>
+          <a:lstStyle/>
+          <a:p>
+            <a:fld id="{4FBAD5A4-DF14-402B-8AB5-0BCE7F23E77D}" type="slidenum">
+              <a:rPr lang="zh-CN" altLang="en-US" smtClean="0"/>
+              <a:pPr/>
+              <a:t>44</a:t>
+            </a:fld>
+            <a:endParaRPr lang="zh-CN" altLang="en-US"/>
+          </a:p>
+        </p:txBody>
+      </p:sp>
+    </p:spTree>
+    <p:extLst>
+      <p:ext uri="{BB962C8B-B14F-4D97-AF65-F5344CB8AC3E}">
+        <p14:creationId xmlns:p14="http://schemas.microsoft.com/office/powerpoint/2010/main" val="2594966498"/>
       </p:ext>
     </p:extLst>
   </p:cSld>
@@ -4832,7 +5172,7 @@
             <a:fld id="{FCBC4343-494B-425E-AA82-E9AF8325E412}" type="datetimeFigureOut">
               <a:rPr lang="zh-CN" altLang="en-US" smtClean="0"/>
               <a:pPr/>
-              <a:t>2016-12-14</a:t>
+              <a:t>2016-12-15</a:t>
             </a:fld>
             <a:endParaRPr lang="zh-CN" altLang="en-US"/>
           </a:p>
@@ -5004,7 +5344,7 @@
             <a:fld id="{FCBC4343-494B-425E-AA82-E9AF8325E412}" type="datetimeFigureOut">
               <a:rPr lang="zh-CN" altLang="en-US" smtClean="0"/>
               <a:pPr/>
-              <a:t>2016-12-14</a:t>
+              <a:t>2016-12-15</a:t>
             </a:fld>
             <a:endParaRPr lang="zh-CN" altLang="en-US"/>
           </a:p>
@@ -5186,7 +5526,7 @@
             <a:fld id="{FCBC4343-494B-425E-AA82-E9AF8325E412}" type="datetimeFigureOut">
               <a:rPr lang="zh-CN" altLang="en-US" smtClean="0"/>
               <a:pPr/>
-              <a:t>2016-12-14</a:t>
+              <a:t>2016-12-15</a:t>
             </a:fld>
             <a:endParaRPr lang="zh-CN" altLang="en-US"/>
           </a:p>
@@ -5358,7 +5698,7 @@
             <a:fld id="{FCBC4343-494B-425E-AA82-E9AF8325E412}" type="datetimeFigureOut">
               <a:rPr lang="zh-CN" altLang="en-US" smtClean="0"/>
               <a:pPr/>
-              <a:t>2016-12-14</a:t>
+              <a:t>2016-12-15</a:t>
             </a:fld>
             <a:endParaRPr lang="zh-CN" altLang="en-US"/>
           </a:p>
@@ -5606,7 +5946,7 @@
             <a:fld id="{FCBC4343-494B-425E-AA82-E9AF8325E412}" type="datetimeFigureOut">
               <a:rPr lang="zh-CN" altLang="en-US" smtClean="0"/>
               <a:pPr/>
-              <a:t>2016-12-14</a:t>
+              <a:t>2016-12-15</a:t>
             </a:fld>
             <a:endParaRPr lang="zh-CN" altLang="en-US"/>
           </a:p>
@@ -5896,7 +6236,7 @@
             <a:fld id="{FCBC4343-494B-425E-AA82-E9AF8325E412}" type="datetimeFigureOut">
               <a:rPr lang="zh-CN" altLang="en-US" smtClean="0"/>
               <a:pPr/>
-              <a:t>2016-12-14</a:t>
+              <a:t>2016-12-15</a:t>
             </a:fld>
             <a:endParaRPr lang="zh-CN" altLang="en-US"/>
           </a:p>
@@ -6320,7 +6660,7 @@
             <a:fld id="{FCBC4343-494B-425E-AA82-E9AF8325E412}" type="datetimeFigureOut">
               <a:rPr lang="zh-CN" altLang="en-US" smtClean="0"/>
               <a:pPr/>
-              <a:t>2016-12-14</a:t>
+              <a:t>2016-12-15</a:t>
             </a:fld>
             <a:endParaRPr lang="zh-CN" altLang="en-US"/>
           </a:p>
@@ -6440,7 +6780,7 @@
             <a:fld id="{FCBC4343-494B-425E-AA82-E9AF8325E412}" type="datetimeFigureOut">
               <a:rPr lang="zh-CN" altLang="en-US" smtClean="0"/>
               <a:pPr/>
-              <a:t>2016-12-14</a:t>
+              <a:t>2016-12-15</a:t>
             </a:fld>
             <a:endParaRPr lang="zh-CN" altLang="en-US"/>
           </a:p>
@@ -6537,7 +6877,7 @@
             <a:fld id="{FCBC4343-494B-425E-AA82-E9AF8325E412}" type="datetimeFigureOut">
               <a:rPr lang="zh-CN" altLang="en-US" smtClean="0"/>
               <a:pPr/>
-              <a:t>2016-12-14</a:t>
+              <a:t>2016-12-15</a:t>
             </a:fld>
             <a:endParaRPr lang="zh-CN" altLang="en-US"/>
           </a:p>
@@ -6816,7 +7156,7 @@
             <a:fld id="{FCBC4343-494B-425E-AA82-E9AF8325E412}" type="datetimeFigureOut">
               <a:rPr lang="zh-CN" altLang="en-US" smtClean="0"/>
               <a:pPr/>
-              <a:t>2016-12-14</a:t>
+              <a:t>2016-12-15</a:t>
             </a:fld>
             <a:endParaRPr lang="zh-CN" altLang="en-US"/>
           </a:p>
@@ -7071,7 +7411,7 @@
             <a:fld id="{FCBC4343-494B-425E-AA82-E9AF8325E412}" type="datetimeFigureOut">
               <a:rPr lang="zh-CN" altLang="en-US" smtClean="0"/>
               <a:pPr/>
-              <a:t>2016-12-14</a:t>
+              <a:t>2016-12-15</a:t>
             </a:fld>
             <a:endParaRPr lang="zh-CN" altLang="en-US"/>
           </a:p>
@@ -7286,7 +7626,7 @@
             <a:fld id="{FCBC4343-494B-425E-AA82-E9AF8325E412}" type="datetimeFigureOut">
               <a:rPr lang="zh-CN" altLang="en-US" smtClean="0"/>
               <a:pPr/>
-              <a:t>2016-12-14</a:t>
+              <a:t>2016-12-15</a:t>
             </a:fld>
             <a:endParaRPr lang="zh-CN" altLang="en-US"/>
           </a:p>
@@ -27837,15 +28177,15 @@
           <a:p>
             <a:r>
               <a:rPr lang="zh-CN" altLang="en-US" dirty="0" smtClean="0"/>
+              <a:t>关闭 </a:t>
+            </a:r>
+            <a:r>
+              <a:rPr lang="en-US" altLang="zh-CN" dirty="0" smtClean="0"/>
+              <a:t>&amp; </a:t>
+            </a:r>
+            <a:r>
+              <a:rPr lang="zh-CN" altLang="en-US" dirty="0" smtClean="0"/>
               <a:t>异常</a:t>
-            </a:r>
-            <a:r>
-              <a:rPr lang="en-US" altLang="zh-CN" dirty="0" smtClean="0"/>
-              <a:t> &amp; </a:t>
-            </a:r>
-            <a:r>
-              <a:rPr lang="zh-CN" altLang="en-US" dirty="0" smtClean="0"/>
-              <a:t>中断处理</a:t>
             </a:r>
             <a:endParaRPr lang="en-US" altLang="zh-CN" dirty="0" smtClean="0"/>
           </a:p>
@@ -27869,7 +28209,15 @@
             </a:r>
             <a:r>
               <a:rPr lang="zh-CN" altLang="en-US" sz="2000" dirty="0" smtClean="0"/>
-              <a:t>（线程被中断，通道即被关闭）</a:t>
+              <a:t>（</a:t>
+            </a:r>
+            <a:r>
+              <a:rPr lang="zh-CN" altLang="en-US" sz="2000" dirty="0" smtClean="0"/>
+              <a:t>线程中断后，</a:t>
+            </a:r>
+            <a:r>
+              <a:rPr lang="zh-CN" altLang="en-US" sz="2000" dirty="0" smtClean="0"/>
+              <a:t>通道即被关闭）</a:t>
             </a:r>
             <a:endParaRPr lang="en-US" altLang="zh-CN" sz="2000" dirty="0" smtClean="0"/>
           </a:p>
@@ -27881,13 +28229,60 @@
             </a:r>
             <a:r>
               <a:rPr lang="zh-CN" altLang="en-US" sz="2000" dirty="0" smtClean="0"/>
-              <a:t>（通道被中断，线程被唤醒捕获异常）</a:t>
+              <a:t>（</a:t>
+            </a:r>
+            <a:r>
+              <a:rPr lang="zh-CN" altLang="en-US" sz="2000" dirty="0" smtClean="0"/>
+              <a:t>通道关闭，线程被唤醒并捕获</a:t>
+            </a:r>
+            <a:r>
+              <a:rPr lang="zh-CN" altLang="en-US" sz="2000" dirty="0" smtClean="0"/>
+              <a:t>异常）</a:t>
             </a:r>
             <a:endParaRPr lang="en-US" altLang="zh-CN" sz="2000" dirty="0" smtClean="0"/>
           </a:p>
           <a:p>
             <a:r>
-              <a:rPr lang="en-US" altLang="zh-CN" dirty="0"/>
+              <a:rPr lang="zh-CN" altLang="en-US" dirty="0" smtClean="0"/>
+              <a:t>中断语义</a:t>
+            </a:r>
+            <a:r>
+              <a:rPr lang="zh-CN" altLang="en-US" sz="2400" dirty="0" smtClean="0"/>
+              <a:t>（</a:t>
+            </a:r>
+            <a:r>
+              <a:rPr lang="en-US" altLang="zh-CN" sz="2400" dirty="0"/>
+              <a:t> </a:t>
+            </a:r>
+            <a:r>
+              <a:rPr lang="en-US" altLang="zh-CN" sz="2400" i="1" u="sng" dirty="0" err="1"/>
+              <a:t>InterruptibleChannel</a:t>
+            </a:r>
+            <a:r>
+              <a:rPr lang="en-US" altLang="zh-CN" sz="2400" i="1" u="sng" dirty="0"/>
+              <a:t> </a:t>
+            </a:r>
+            <a:r>
+              <a:rPr lang="zh-CN" altLang="en-US" sz="2400" dirty="0" smtClean="0"/>
+              <a:t>）</a:t>
+            </a:r>
+            <a:endParaRPr lang="en-US" altLang="zh-CN" sz="2400" dirty="0" smtClean="0"/>
+          </a:p>
+          <a:p>
+            <a:pPr lvl="1"/>
+            <a:r>
+              <a:rPr lang="zh-CN" altLang="en-US" sz="2000" dirty="0"/>
+              <a:t>线程被中断，通道就被</a:t>
+            </a:r>
+            <a:r>
+              <a:rPr lang="zh-CN" altLang="en-US" sz="2000" dirty="0" smtClean="0"/>
+              <a:t>关闭（快速熔断）</a:t>
+            </a:r>
+            <a:endParaRPr lang="en-US" altLang="zh-CN" sz="2000" dirty="0" smtClean="0"/>
+          </a:p>
+          <a:p>
+            <a:r>
+              <a:rPr lang="en-US" altLang="zh-CN" dirty="0" smtClean="0"/>
               <a:t>IO</a:t>
             </a:r>
             <a:r>
@@ -28880,6 +29275,56 @@
           </a:extLst>
         </p:spPr>
       </p:pic>
+      <p:sp>
+        <p:nvSpPr>
+          <p:cNvPr id="6" name="爆炸形 1 5"/>
+          <p:cNvSpPr/>
+          <p:nvPr/>
+        </p:nvSpPr>
+        <p:spPr>
+          <a:xfrm>
+            <a:off x="6156176" y="3233008"/>
+            <a:ext cx="936104" cy="586230"/>
+          </a:xfrm>
+          <a:prstGeom prst="irregularSeal1">
+            <a:avLst/>
+          </a:prstGeom>
+        </p:spPr>
+        <p:style>
+          <a:lnRef idx="2">
+            <a:schemeClr val="accent1"/>
+          </a:lnRef>
+          <a:fillRef idx="1">
+            <a:schemeClr val="lt1"/>
+          </a:fillRef>
+          <a:effectRef idx="0">
+            <a:schemeClr val="accent1"/>
+          </a:effectRef>
+          <a:fontRef idx="minor">
+            <a:schemeClr val="dk1"/>
+          </a:fontRef>
+        </p:style>
+        <p:txBody>
+          <a:bodyPr rtlCol="0" anchor="ctr"/>
+          <a:lstStyle/>
+          <a:p>
+            <a:pPr algn="ctr"/>
+            <a:r>
+              <a:rPr lang="zh-CN" altLang="en-US" sz="1200" b="1" dirty="0">
+                <a:solidFill>
+                  <a:schemeClr val="accent2"/>
+                </a:solidFill>
+              </a:rPr>
+              <a:t>线程安全</a:t>
+            </a:r>
+            <a:endParaRPr lang="zh-CN" altLang="en-US" sz="1200" b="1" dirty="0">
+              <a:solidFill>
+                <a:schemeClr val="accent2"/>
+              </a:solidFill>
+            </a:endParaRPr>
+          </a:p>
+        </p:txBody>
+      </p:sp>
     </p:spTree>
     <p:extLst>
       <p:ext uri="{BB962C8B-B14F-4D97-AF65-F5344CB8AC3E}">
@@ -28988,15 +29433,7 @@
             <a:pPr lvl="1"/>
             <a:r>
               <a:rPr lang="zh-CN" altLang="en-US" sz="2000" dirty="0" smtClean="0"/>
-              <a:t>锁定</a:t>
-            </a:r>
-            <a:r>
-              <a:rPr lang="zh-CN" altLang="en-US" sz="2000" dirty="0" smtClean="0"/>
-              <a:t>的是文件（</a:t>
-            </a:r>
-            <a:r>
-              <a:rPr lang="zh-CN" altLang="en-US" sz="2000" dirty="0" smtClean="0"/>
-              <a:t>非通道或线程）</a:t>
+              <a:t>锁定的是文件（非通道或线程）</a:t>
             </a:r>
             <a:endParaRPr lang="en-US" altLang="zh-CN" sz="2000" dirty="0" smtClean="0"/>
           </a:p>
@@ -29486,58 +29923,140 @@
           </a:p>
         </p:txBody>
       </p:sp>
+      <p:sp>
+        <p:nvSpPr>
+          <p:cNvPr id="5" name="矩形 4"/>
+          <p:cNvSpPr/>
+          <p:nvPr/>
+        </p:nvSpPr>
+        <p:spPr>
+          <a:xfrm>
+            <a:off x="1817216" y="6270700"/>
+            <a:ext cx="5346416" cy="216024"/>
+          </a:xfrm>
+          <a:prstGeom prst="rect">
+            <a:avLst/>
+          </a:prstGeom>
+        </p:spPr>
+        <p:style>
+          <a:lnRef idx="1">
+            <a:schemeClr val="accent1"/>
+          </a:lnRef>
+          <a:fillRef idx="3">
+            <a:schemeClr val="accent1"/>
+          </a:fillRef>
+          <a:effectRef idx="2">
+            <a:schemeClr val="accent1"/>
+          </a:effectRef>
+          <a:fontRef idx="minor">
+            <a:schemeClr val="lt1"/>
+          </a:fontRef>
+        </p:style>
+        <p:txBody>
+          <a:bodyPr rtlCol="0" anchor="ctr"/>
+          <a:lstStyle/>
+          <a:p>
+            <a:pPr algn="ctr"/>
+            <a:endParaRPr lang="zh-CN" altLang="en-US"/>
+          </a:p>
+        </p:txBody>
+      </p:sp>
+      <p:sp>
+        <p:nvSpPr>
+          <p:cNvPr id="13" name="矩形 12"/>
+          <p:cNvSpPr/>
+          <p:nvPr/>
+        </p:nvSpPr>
+        <p:spPr>
+          <a:xfrm>
+            <a:off x="1745208" y="6425749"/>
+            <a:ext cx="263214" cy="276999"/>
+          </a:xfrm>
+          <a:prstGeom prst="rect">
+            <a:avLst/>
+          </a:prstGeom>
+        </p:spPr>
+        <p:txBody>
+          <a:bodyPr wrap="none">
+            <a:spAutoFit/>
+          </a:bodyPr>
+          <a:lstStyle/>
+          <a:p>
+            <a:r>
+              <a:rPr lang="en-US" altLang="zh-CN" sz="1200" dirty="0">
+                <a:solidFill>
+                  <a:schemeClr val="bg1">
+                    <a:lumMod val="50000"/>
+                  </a:schemeClr>
+                </a:solidFill>
+              </a:rPr>
+              <a:t>0</a:t>
+            </a:r>
+            <a:endParaRPr lang="zh-CN" altLang="en-US" sz="1200" dirty="0">
+              <a:solidFill>
+                <a:schemeClr val="bg1">
+                  <a:lumMod val="50000"/>
+                </a:schemeClr>
+              </a:solidFill>
+            </a:endParaRPr>
+          </a:p>
+        </p:txBody>
+      </p:sp>
+      <p:sp>
+        <p:nvSpPr>
+          <p:cNvPr id="14" name="矩形 13"/>
+          <p:cNvSpPr/>
+          <p:nvPr/>
+        </p:nvSpPr>
+        <p:spPr>
+          <a:xfrm>
+            <a:off x="7001792" y="6414716"/>
+            <a:ext cx="360996" cy="276999"/>
+          </a:xfrm>
+          <a:prstGeom prst="rect">
+            <a:avLst/>
+          </a:prstGeom>
+        </p:spPr>
+        <p:txBody>
+          <a:bodyPr wrap="none">
+            <a:spAutoFit/>
+          </a:bodyPr>
+          <a:lstStyle/>
+          <a:p>
+            <a:r>
+              <a:rPr lang="en-US" altLang="zh-CN" sz="1200" dirty="0" smtClean="0">
+                <a:solidFill>
+                  <a:schemeClr val="bg1">
+                    <a:lumMod val="50000"/>
+                  </a:schemeClr>
+                </a:solidFill>
+              </a:rPr>
+              <a:t>1G</a:t>
+            </a:r>
+            <a:endParaRPr lang="zh-CN" altLang="en-US" sz="1200" dirty="0">
+              <a:solidFill>
+                <a:schemeClr val="bg1">
+                  <a:lumMod val="50000"/>
+                </a:schemeClr>
+              </a:solidFill>
+            </a:endParaRPr>
+          </a:p>
+        </p:txBody>
+      </p:sp>
       <p:grpSp>
         <p:nvGrpSpPr>
-          <p:cNvPr id="19" name="组合 18"/>
+          <p:cNvPr id="10" name="组合 9"/>
           <p:cNvGrpSpPr/>
           <p:nvPr/>
         </p:nvGrpSpPr>
         <p:grpSpPr>
           <a:xfrm>
-            <a:off x="1745208" y="6237312"/>
-            <a:ext cx="5617580" cy="465436"/>
-            <a:chOff x="1115616" y="6347940"/>
-            <a:chExt cx="5617580" cy="465436"/>
+            <a:off x="4956350" y="6270700"/>
+            <a:ext cx="1247524" cy="421015"/>
+            <a:chOff x="4956350" y="6270700"/>
+            <a:chExt cx="1247524" cy="421015"/>
           </a:xfrm>
         </p:grpSpPr>
-        <p:sp>
-          <p:nvSpPr>
-            <p:cNvPr id="5" name="矩形 4"/>
-            <p:cNvSpPr/>
-            <p:nvPr/>
-          </p:nvSpPr>
-          <p:spPr>
-            <a:xfrm>
-              <a:off x="1187624" y="6381328"/>
-              <a:ext cx="5346416" cy="216024"/>
-            </a:xfrm>
-            <a:prstGeom prst="rect">
-              <a:avLst/>
-            </a:prstGeom>
-          </p:spPr>
-          <p:style>
-            <a:lnRef idx="1">
-              <a:schemeClr val="accent1"/>
-            </a:lnRef>
-            <a:fillRef idx="3">
-              <a:schemeClr val="accent1"/>
-            </a:fillRef>
-            <a:effectRef idx="2">
-              <a:schemeClr val="accent1"/>
-            </a:effectRef>
-            <a:fontRef idx="minor">
-              <a:schemeClr val="lt1"/>
-            </a:fontRef>
-          </p:style>
-          <p:txBody>
-            <a:bodyPr rtlCol="0" anchor="ctr"/>
-            <a:lstStyle/>
-            <a:p>
-              <a:pPr algn="ctr"/>
-              <a:endParaRPr lang="zh-CN" altLang="en-US"/>
-            </a:p>
-          </p:txBody>
-        </p:sp>
         <p:cxnSp>
           <p:nvCxnSpPr>
             <p:cNvPr id="9" name="直接连接符 8"/>
@@ -29546,7 +30065,7 @@
           </p:nvCxnSpPr>
           <p:spPr>
             <a:xfrm>
-              <a:off x="4553998" y="6381328"/>
+              <a:off x="5183590" y="6270700"/>
               <a:ext cx="0" cy="216024"/>
             </a:xfrm>
             <a:prstGeom prst="line">
@@ -29576,7 +30095,7 @@
           </p:nvCxnSpPr>
           <p:spPr>
             <a:xfrm>
-              <a:off x="5100366" y="6378428"/>
+              <a:off x="5868144" y="6270700"/>
               <a:ext cx="0" cy="216024"/>
             </a:xfrm>
             <a:prstGeom prst="line">
@@ -29600,95 +30119,13 @@
         </p:cxnSp>
         <p:sp>
           <p:nvSpPr>
-            <p:cNvPr id="13" name="矩形 12"/>
-            <p:cNvSpPr/>
-            <p:nvPr/>
-          </p:nvSpPr>
-          <p:spPr>
-            <a:xfrm>
-              <a:off x="1115616" y="6536377"/>
-              <a:ext cx="263214" cy="276999"/>
-            </a:xfrm>
-            <a:prstGeom prst="rect">
-              <a:avLst/>
-            </a:prstGeom>
-          </p:spPr>
-          <p:txBody>
-            <a:bodyPr wrap="none">
-              <a:spAutoFit/>
-            </a:bodyPr>
-            <a:lstStyle/>
-            <a:p>
-              <a:r>
-                <a:rPr lang="en-US" altLang="zh-CN" sz="1200" dirty="0">
-                  <a:solidFill>
-                    <a:schemeClr val="bg1">
-                      <a:lumMod val="50000"/>
-                    </a:schemeClr>
-                  </a:solidFill>
-                </a:rPr>
-                <a:t>0</a:t>
-              </a:r>
-              <a:endParaRPr lang="zh-CN" altLang="en-US" sz="1200" dirty="0">
-                <a:solidFill>
-                  <a:schemeClr val="bg1">
-                    <a:lumMod val="50000"/>
-                  </a:schemeClr>
-                </a:solidFill>
-              </a:endParaRPr>
-            </a:p>
-          </p:txBody>
-        </p:sp>
-        <p:sp>
-          <p:nvSpPr>
-            <p:cNvPr id="14" name="矩形 13"/>
-            <p:cNvSpPr/>
-            <p:nvPr/>
-          </p:nvSpPr>
-          <p:spPr>
-            <a:xfrm>
-              <a:off x="6372200" y="6525344"/>
-              <a:ext cx="360996" cy="276999"/>
-            </a:xfrm>
-            <a:prstGeom prst="rect">
-              <a:avLst/>
-            </a:prstGeom>
-          </p:spPr>
-          <p:txBody>
-            <a:bodyPr wrap="none">
-              <a:spAutoFit/>
-            </a:bodyPr>
-            <a:lstStyle/>
-            <a:p>
-              <a:r>
-                <a:rPr lang="en-US" altLang="zh-CN" sz="1200" dirty="0" smtClean="0">
-                  <a:solidFill>
-                    <a:schemeClr val="bg1">
-                      <a:lumMod val="50000"/>
-                    </a:schemeClr>
-                  </a:solidFill>
-                </a:rPr>
-                <a:t>1G</a:t>
-              </a:r>
-              <a:endParaRPr lang="zh-CN" altLang="en-US" sz="1200" dirty="0">
-                <a:solidFill>
-                  <a:schemeClr val="bg1">
-                    <a:lumMod val="50000"/>
-                  </a:schemeClr>
-                </a:solidFill>
-              </a:endParaRPr>
-            </a:p>
-          </p:txBody>
-        </p:sp>
-        <p:sp>
-          <p:nvSpPr>
             <p:cNvPr id="15" name="矩形 14"/>
             <p:cNvSpPr/>
             <p:nvPr/>
           </p:nvSpPr>
           <p:spPr>
             <a:xfrm>
-              <a:off x="4283968" y="6525344"/>
+              <a:off x="4956350" y="6414716"/>
               <a:ext cx="551754" cy="276999"/>
             </a:xfrm>
             <a:prstGeom prst="rect">
@@ -29729,7 +30166,7 @@
           </p:nvSpPr>
           <p:spPr>
             <a:xfrm>
-              <a:off x="4884342" y="6525344"/>
+              <a:off x="5652120" y="6414716"/>
               <a:ext cx="551754" cy="276999"/>
             </a:xfrm>
             <a:prstGeom prst="rect">
@@ -29750,7 +30187,7 @@
                     </a:schemeClr>
                   </a:solidFill>
                 </a:rPr>
-                <a:t>700M</a:t>
+                <a:t>750M</a:t>
               </a:r>
               <a:endParaRPr lang="zh-CN" altLang="en-US" sz="1200" dirty="0">
                 <a:solidFill>
@@ -29770,8 +30207,8 @@
           </p:nvSpPr>
           <p:spPr>
             <a:xfrm>
-              <a:off x="4499992" y="6347940"/>
-              <a:ext cx="670248" cy="276999"/>
+              <a:off x="5184367" y="6270715"/>
+              <a:ext cx="683777" cy="276999"/>
             </a:xfrm>
             <a:prstGeom prst="rect">
               <a:avLst/>
@@ -29784,22 +30221,312 @@
             <a:lstStyle/>
             <a:p>
               <a:r>
-                <a:rPr lang="en-US" altLang="zh-CN" sz="1200" dirty="0">
+                <a:rPr lang="en-US" altLang="zh-CN" sz="1200" b="1" dirty="0">
                   <a:solidFill>
-                    <a:schemeClr val="accent6"/>
+                    <a:schemeClr val="bg1"/>
                   </a:solidFill>
                 </a:rPr>
                 <a:t>blocked</a:t>
               </a:r>
-              <a:endParaRPr lang="zh-CN" altLang="en-US" sz="1200" dirty="0">
+              <a:endParaRPr lang="zh-CN" altLang="en-US" sz="1200" b="1" dirty="0">
                 <a:solidFill>
-                  <a:schemeClr val="accent6"/>
+                  <a:schemeClr val="bg1"/>
                 </a:solidFill>
               </a:endParaRPr>
             </a:p>
           </p:txBody>
         </p:sp>
       </p:grpSp>
+      <p:cxnSp>
+        <p:nvCxnSpPr>
+          <p:cNvPr id="17" name="直接箭头连接符 16"/>
+          <p:cNvCxnSpPr/>
+          <p:nvPr/>
+        </p:nvCxnSpPr>
+        <p:spPr>
+          <a:xfrm>
+            <a:off x="2465766" y="6309320"/>
+            <a:ext cx="1314146" cy="0"/>
+          </a:xfrm>
+          <a:prstGeom prst="straightConnector1">
+            <a:avLst/>
+          </a:prstGeom>
+          <a:ln>
+            <a:solidFill>
+              <a:schemeClr val="bg1"/>
+            </a:solidFill>
+            <a:prstDash val="dash"/>
+            <a:headEnd type="arrow"/>
+            <a:tailEnd type="arrow"/>
+          </a:ln>
+        </p:spPr>
+        <p:style>
+          <a:lnRef idx="1">
+            <a:schemeClr val="accent1"/>
+          </a:lnRef>
+          <a:fillRef idx="0">
+            <a:schemeClr val="accent1"/>
+          </a:fillRef>
+          <a:effectRef idx="0">
+            <a:schemeClr val="accent1"/>
+          </a:effectRef>
+          <a:fontRef idx="minor">
+            <a:schemeClr val="tx1"/>
+          </a:fontRef>
+        </p:style>
+      </p:cxnSp>
+      <p:grpSp>
+        <p:nvGrpSpPr>
+          <p:cNvPr id="20" name="组合 19"/>
+          <p:cNvGrpSpPr/>
+          <p:nvPr/>
+        </p:nvGrpSpPr>
+        <p:grpSpPr>
+          <a:xfrm>
+            <a:off x="2220046" y="6248345"/>
+            <a:ext cx="1895596" cy="443370"/>
+            <a:chOff x="4937870" y="6248345"/>
+            <a:chExt cx="1895596" cy="443370"/>
+          </a:xfrm>
+        </p:grpSpPr>
+        <p:cxnSp>
+          <p:nvCxnSpPr>
+            <p:cNvPr id="21" name="直接连接符 20"/>
+            <p:cNvCxnSpPr/>
+            <p:nvPr/>
+          </p:nvCxnSpPr>
+          <p:spPr>
+            <a:xfrm>
+              <a:off x="5183590" y="6270700"/>
+              <a:ext cx="0" cy="216024"/>
+            </a:xfrm>
+            <a:prstGeom prst="line">
+              <a:avLst/>
+            </a:prstGeom>
+          </p:spPr>
+          <p:style>
+            <a:lnRef idx="2">
+              <a:schemeClr val="accent6"/>
+            </a:lnRef>
+            <a:fillRef idx="0">
+              <a:schemeClr val="accent6"/>
+            </a:fillRef>
+            <a:effectRef idx="1">
+              <a:schemeClr val="accent6"/>
+            </a:effectRef>
+            <a:fontRef idx="minor">
+              <a:schemeClr val="tx1"/>
+            </a:fontRef>
+          </p:style>
+        </p:cxnSp>
+        <p:cxnSp>
+          <p:nvCxnSpPr>
+            <p:cNvPr id="22" name="直接连接符 21"/>
+            <p:cNvCxnSpPr/>
+            <p:nvPr/>
+          </p:nvCxnSpPr>
+          <p:spPr>
+            <a:xfrm>
+              <a:off x="6497736" y="6270700"/>
+              <a:ext cx="0" cy="216024"/>
+            </a:xfrm>
+            <a:prstGeom prst="line">
+              <a:avLst/>
+            </a:prstGeom>
+          </p:spPr>
+          <p:style>
+            <a:lnRef idx="2">
+              <a:schemeClr val="accent6"/>
+            </a:lnRef>
+            <a:fillRef idx="0">
+              <a:schemeClr val="accent6"/>
+            </a:fillRef>
+            <a:effectRef idx="1">
+              <a:schemeClr val="accent6"/>
+            </a:effectRef>
+            <a:fontRef idx="minor">
+              <a:schemeClr val="tx1"/>
+            </a:fontRef>
+          </p:style>
+        </p:cxnSp>
+        <p:sp>
+          <p:nvSpPr>
+            <p:cNvPr id="23" name="矩形 22"/>
+            <p:cNvSpPr/>
+            <p:nvPr/>
+          </p:nvSpPr>
+          <p:spPr>
+            <a:xfrm>
+              <a:off x="4937870" y="6414716"/>
+              <a:ext cx="551754" cy="276999"/>
+            </a:xfrm>
+            <a:prstGeom prst="rect">
+              <a:avLst/>
+            </a:prstGeom>
+          </p:spPr>
+          <p:txBody>
+            <a:bodyPr wrap="none">
+              <a:spAutoFit/>
+            </a:bodyPr>
+            <a:lstStyle/>
+            <a:p>
+              <a:r>
+                <a:rPr lang="en-US" altLang="zh-CN" sz="1200" dirty="0" smtClean="0">
+                  <a:solidFill>
+                    <a:schemeClr val="bg1">
+                      <a:lumMod val="50000"/>
+                    </a:schemeClr>
+                  </a:solidFill>
+                </a:rPr>
+                <a:t>10</a:t>
+              </a:r>
+              <a:r>
+                <a:rPr lang="en-US" altLang="zh-CN" sz="1200" dirty="0" smtClean="0">
+                  <a:solidFill>
+                    <a:schemeClr val="bg1">
+                      <a:lumMod val="50000"/>
+                    </a:schemeClr>
+                  </a:solidFill>
+                </a:rPr>
+                <a:t>0M</a:t>
+              </a:r>
+              <a:endParaRPr lang="zh-CN" altLang="en-US" sz="1200" dirty="0">
+                <a:solidFill>
+                  <a:schemeClr val="bg1">
+                    <a:lumMod val="50000"/>
+                  </a:schemeClr>
+                </a:solidFill>
+              </a:endParaRPr>
+            </a:p>
+          </p:txBody>
+        </p:sp>
+        <p:sp>
+          <p:nvSpPr>
+            <p:cNvPr id="24" name="矩形 23"/>
+            <p:cNvSpPr/>
+            <p:nvPr/>
+          </p:nvSpPr>
+          <p:spPr>
+            <a:xfrm>
+              <a:off x="6281712" y="6414716"/>
+              <a:ext cx="551754" cy="276999"/>
+            </a:xfrm>
+            <a:prstGeom prst="rect">
+              <a:avLst/>
+            </a:prstGeom>
+          </p:spPr>
+          <p:txBody>
+            <a:bodyPr wrap="none">
+              <a:spAutoFit/>
+            </a:bodyPr>
+            <a:lstStyle/>
+            <a:p>
+              <a:r>
+                <a:rPr lang="en-US" altLang="zh-CN" sz="1200" dirty="0" smtClean="0">
+                  <a:solidFill>
+                    <a:schemeClr val="bg1">
+                      <a:lumMod val="50000"/>
+                    </a:schemeClr>
+                  </a:solidFill>
+                </a:rPr>
+                <a:t>3</a:t>
+              </a:r>
+              <a:r>
+                <a:rPr lang="en-US" altLang="zh-CN" sz="1200" dirty="0" smtClean="0">
+                  <a:solidFill>
+                    <a:schemeClr val="bg1">
+                      <a:lumMod val="50000"/>
+                    </a:schemeClr>
+                  </a:solidFill>
+                </a:rPr>
+                <a:t>00M</a:t>
+              </a:r>
+              <a:endParaRPr lang="zh-CN" altLang="en-US" sz="1200" dirty="0">
+                <a:solidFill>
+                  <a:schemeClr val="bg1">
+                    <a:lumMod val="50000"/>
+                  </a:schemeClr>
+                </a:solidFill>
+              </a:endParaRPr>
+            </a:p>
+          </p:txBody>
+        </p:sp>
+        <p:sp>
+          <p:nvSpPr>
+            <p:cNvPr id="25" name="矩形 24"/>
+            <p:cNvSpPr/>
+            <p:nvPr/>
+          </p:nvSpPr>
+          <p:spPr>
+            <a:xfrm>
+              <a:off x="5489624" y="6248345"/>
+              <a:ext cx="683777" cy="276999"/>
+            </a:xfrm>
+            <a:prstGeom prst="rect">
+              <a:avLst/>
+            </a:prstGeom>
+          </p:spPr>
+          <p:txBody>
+            <a:bodyPr wrap="none">
+              <a:spAutoFit/>
+            </a:bodyPr>
+            <a:lstStyle/>
+            <a:p>
+              <a:r>
+                <a:rPr lang="en-US" altLang="zh-CN" sz="1200" b="1" dirty="0">
+                  <a:solidFill>
+                    <a:schemeClr val="bg1"/>
+                  </a:solidFill>
+                </a:rPr>
+                <a:t>blocked</a:t>
+              </a:r>
+              <a:endParaRPr lang="zh-CN" altLang="en-US" sz="1200" b="1" dirty="0">
+                <a:solidFill>
+                  <a:schemeClr val="bg1"/>
+                </a:solidFill>
+              </a:endParaRPr>
+            </a:p>
+          </p:txBody>
+        </p:sp>
+      </p:grpSp>
+      <p:cxnSp>
+        <p:nvCxnSpPr>
+          <p:cNvPr id="27" name="直接箭头连接符 26"/>
+          <p:cNvCxnSpPr/>
+          <p:nvPr/>
+        </p:nvCxnSpPr>
+        <p:spPr>
+          <a:xfrm>
+            <a:off x="5183590" y="6309320"/>
+            <a:ext cx="684554" cy="0"/>
+          </a:xfrm>
+          <a:prstGeom prst="straightConnector1">
+            <a:avLst/>
+          </a:prstGeom>
+          <a:ln>
+            <a:solidFill>
+              <a:schemeClr val="bg1"/>
+            </a:solidFill>
+            <a:prstDash val="dash"/>
+            <a:headEnd type="arrow"/>
+            <a:tailEnd type="arrow"/>
+          </a:ln>
+        </p:spPr>
+        <p:style>
+          <a:lnRef idx="1">
+            <a:schemeClr val="accent1"/>
+          </a:lnRef>
+          <a:fillRef idx="0">
+            <a:schemeClr val="accent1"/>
+          </a:fillRef>
+          <a:effectRef idx="0">
+            <a:schemeClr val="accent1"/>
+          </a:effectRef>
+          <a:fontRef idx="minor">
+            <a:schemeClr val="tx1"/>
+          </a:fontRef>
+        </p:style>
+      </p:cxnSp>
     </p:spTree>
     <p:extLst>
       <p:ext uri="{BB962C8B-B14F-4D97-AF65-F5344CB8AC3E}">
@@ -32508,11 +33235,7 @@
           <a:p>
             <a:r>
               <a:rPr lang="zh-CN" altLang="en-US" sz="2000" dirty="0" smtClean="0"/>
-              <a:t>缓存和预</a:t>
-            </a:r>
-            <a:r>
-              <a:rPr lang="zh-CN" altLang="en-US" sz="2000" dirty="0" smtClean="0"/>
-              <a:t>读</a:t>
+              <a:t>缓存和预读</a:t>
             </a:r>
             <a:endParaRPr lang="en-US" altLang="zh-CN" sz="2000" dirty="0" smtClean="0"/>
           </a:p>
@@ -34879,19 +35602,20 @@
         <p:nvCxnSpPr>
           <p:cNvPr id="111" name="肘形连接符 110"/>
           <p:cNvCxnSpPr>
-            <a:stCxn id="11" idx="2"/>
+            <a:stCxn id="65" idx="3"/>
             <a:endCxn id="15" idx="0"/>
           </p:cNvCxnSpPr>
           <p:nvPr/>
         </p:nvCxnSpPr>
         <p:spPr>
-          <a:xfrm rot="16200000" flipH="1">
-            <a:off x="5775458" y="4146429"/>
-            <a:ext cx="1442131" cy="2019554"/>
+          <a:xfrm flipH="1">
+            <a:off x="7506300" y="4124710"/>
+            <a:ext cx="594092" cy="1752562"/>
           </a:xfrm>
-          <a:prstGeom prst="bentConnector3">
+          <a:prstGeom prst="bentConnector4">
             <a:avLst>
-              <a:gd name="adj1" fmla="val 50000"/>
+              <a:gd name="adj1" fmla="val 52908"/>
+              <a:gd name="adj2" fmla="val 26809"/>
             </a:avLst>
           </a:prstGeom>
           <a:ln>
@@ -34899,8 +35623,8 @@
               <a:schemeClr val="accent6"/>
             </a:solidFill>
             <a:prstDash val="sysDash"/>
-            <a:headEnd type="arrow"/>
-            <a:tailEnd type="arrow"/>
+            <a:headEnd type="none" w="med" len="med"/>
+            <a:tailEnd type="arrow" w="med" len="med"/>
           </a:ln>
         </p:spPr>
         <p:style>
@@ -35114,7 +35838,7 @@
           <a:prstGeom prst="straightConnector1">
             <a:avLst/>
           </a:prstGeom>
-          <a:ln>
+          <a:ln w="6350">
             <a:solidFill>
               <a:schemeClr val="bg1">
                 <a:lumMod val="65000"/>
@@ -35154,7 +35878,7 @@
           <a:prstGeom prst="straightConnector1">
             <a:avLst/>
           </a:prstGeom>
-          <a:ln>
+          <a:ln w="6350">
             <a:solidFill>
               <a:schemeClr val="bg1">
                 <a:lumMod val="65000"/>
@@ -35194,7 +35918,7 @@
           <a:prstGeom prst="straightConnector1">
             <a:avLst/>
           </a:prstGeom>
-          <a:ln>
+          <a:ln w="6350">
             <a:solidFill>
               <a:schemeClr val="bg1">
                 <a:lumMod val="65000"/>
@@ -35234,7 +35958,7 @@
           <a:prstGeom prst="straightConnector1">
             <a:avLst/>
           </a:prstGeom>
-          <a:ln>
+          <a:ln w="6350">
             <a:solidFill>
               <a:schemeClr val="bg1">
                 <a:lumMod val="65000"/>
@@ -35274,7 +35998,7 @@
           <a:prstGeom prst="straightConnector1">
             <a:avLst/>
           </a:prstGeom>
-          <a:ln>
+          <a:ln w="6350">
             <a:solidFill>
               <a:schemeClr val="bg1">
                 <a:lumMod val="65000"/>
@@ -35314,7 +36038,7 @@
           <a:prstGeom prst="straightConnector1">
             <a:avLst/>
           </a:prstGeom>
-          <a:ln>
+          <a:ln w="6350">
             <a:solidFill>
               <a:schemeClr val="bg1">
                 <a:lumMod val="65000"/>
@@ -35340,6 +36064,480 @@
           </a:fontRef>
         </p:style>
       </p:cxnSp>
+      <p:sp>
+        <p:nvSpPr>
+          <p:cNvPr id="4" name="矩形 3"/>
+          <p:cNvSpPr/>
+          <p:nvPr/>
+        </p:nvSpPr>
+        <p:spPr>
+          <a:xfrm>
+            <a:off x="6999178" y="3645024"/>
+            <a:ext cx="144016" cy="72008"/>
+          </a:xfrm>
+          <a:prstGeom prst="rect">
+            <a:avLst/>
+          </a:prstGeom>
+        </p:spPr>
+        <p:style>
+          <a:lnRef idx="1">
+            <a:schemeClr val="accent2"/>
+          </a:lnRef>
+          <a:fillRef idx="3">
+            <a:schemeClr val="accent2"/>
+          </a:fillRef>
+          <a:effectRef idx="2">
+            <a:schemeClr val="accent2"/>
+          </a:effectRef>
+          <a:fontRef idx="minor">
+            <a:schemeClr val="lt1"/>
+          </a:fontRef>
+        </p:style>
+        <p:txBody>
+          <a:bodyPr rtlCol="0" anchor="ctr"/>
+          <a:lstStyle/>
+          <a:p>
+            <a:pPr algn="ctr"/>
+            <a:endParaRPr lang="zh-CN" altLang="en-US"/>
+          </a:p>
+        </p:txBody>
+      </p:sp>
+      <p:sp>
+        <p:nvSpPr>
+          <p:cNvPr id="63" name="矩形 62"/>
+          <p:cNvSpPr/>
+          <p:nvPr/>
+        </p:nvSpPr>
+        <p:spPr>
+          <a:xfrm>
+            <a:off x="7740352" y="3947939"/>
+            <a:ext cx="144016" cy="72008"/>
+          </a:xfrm>
+          <a:prstGeom prst="rect">
+            <a:avLst/>
+          </a:prstGeom>
+        </p:spPr>
+        <p:style>
+          <a:lnRef idx="1">
+            <a:schemeClr val="accent3"/>
+          </a:lnRef>
+          <a:fillRef idx="3">
+            <a:schemeClr val="accent3"/>
+          </a:fillRef>
+          <a:effectRef idx="2">
+            <a:schemeClr val="accent3"/>
+          </a:effectRef>
+          <a:fontRef idx="minor">
+            <a:schemeClr val="lt1"/>
+          </a:fontRef>
+        </p:style>
+        <p:txBody>
+          <a:bodyPr rtlCol="0" anchor="ctr"/>
+          <a:lstStyle/>
+          <a:p>
+            <a:pPr algn="ctr"/>
+            <a:endParaRPr lang="zh-CN" altLang="en-US"/>
+          </a:p>
+        </p:txBody>
+      </p:sp>
+      <p:sp>
+        <p:nvSpPr>
+          <p:cNvPr id="64" name="矩形 63"/>
+          <p:cNvSpPr/>
+          <p:nvPr/>
+        </p:nvSpPr>
+        <p:spPr>
+          <a:xfrm>
+            <a:off x="7956376" y="3947939"/>
+            <a:ext cx="144016" cy="72008"/>
+          </a:xfrm>
+          <a:prstGeom prst="rect">
+            <a:avLst/>
+          </a:prstGeom>
+        </p:spPr>
+        <p:style>
+          <a:lnRef idx="1">
+            <a:schemeClr val="accent3"/>
+          </a:lnRef>
+          <a:fillRef idx="3">
+            <a:schemeClr val="accent3"/>
+          </a:fillRef>
+          <a:effectRef idx="2">
+            <a:schemeClr val="accent3"/>
+          </a:effectRef>
+          <a:fontRef idx="minor">
+            <a:schemeClr val="lt1"/>
+          </a:fontRef>
+        </p:style>
+        <p:txBody>
+          <a:bodyPr rtlCol="0" anchor="ctr"/>
+          <a:lstStyle/>
+          <a:p>
+            <a:pPr algn="ctr"/>
+            <a:endParaRPr lang="zh-CN" altLang="en-US"/>
+          </a:p>
+        </p:txBody>
+      </p:sp>
+      <p:sp>
+        <p:nvSpPr>
+          <p:cNvPr id="65" name="矩形 64"/>
+          <p:cNvSpPr/>
+          <p:nvPr/>
+        </p:nvSpPr>
+        <p:spPr>
+          <a:xfrm>
+            <a:off x="7956376" y="4088706"/>
+            <a:ext cx="144016" cy="72008"/>
+          </a:xfrm>
+          <a:prstGeom prst="rect">
+            <a:avLst/>
+          </a:prstGeom>
+        </p:spPr>
+        <p:style>
+          <a:lnRef idx="1">
+            <a:schemeClr val="accent3"/>
+          </a:lnRef>
+          <a:fillRef idx="3">
+            <a:schemeClr val="accent3"/>
+          </a:fillRef>
+          <a:effectRef idx="2">
+            <a:schemeClr val="accent3"/>
+          </a:effectRef>
+          <a:fontRef idx="minor">
+            <a:schemeClr val="lt1"/>
+          </a:fontRef>
+        </p:style>
+        <p:txBody>
+          <a:bodyPr rtlCol="0" anchor="ctr"/>
+          <a:lstStyle/>
+          <a:p>
+            <a:pPr algn="ctr"/>
+            <a:endParaRPr lang="zh-CN" altLang="en-US"/>
+          </a:p>
+        </p:txBody>
+      </p:sp>
+      <p:sp>
+        <p:nvSpPr>
+          <p:cNvPr id="66" name="矩形 65"/>
+          <p:cNvSpPr/>
+          <p:nvPr/>
+        </p:nvSpPr>
+        <p:spPr>
+          <a:xfrm>
+            <a:off x="7956376" y="3807172"/>
+            <a:ext cx="144016" cy="72008"/>
+          </a:xfrm>
+          <a:prstGeom prst="rect">
+            <a:avLst/>
+          </a:prstGeom>
+        </p:spPr>
+        <p:style>
+          <a:lnRef idx="1">
+            <a:schemeClr val="accent3"/>
+          </a:lnRef>
+          <a:fillRef idx="3">
+            <a:schemeClr val="accent3"/>
+          </a:fillRef>
+          <a:effectRef idx="2">
+            <a:schemeClr val="accent3"/>
+          </a:effectRef>
+          <a:fontRef idx="minor">
+            <a:schemeClr val="lt1"/>
+          </a:fontRef>
+        </p:style>
+        <p:txBody>
+          <a:bodyPr rtlCol="0" anchor="ctr"/>
+          <a:lstStyle/>
+          <a:p>
+            <a:pPr algn="ctr"/>
+            <a:endParaRPr lang="zh-CN" altLang="en-US"/>
+          </a:p>
+        </p:txBody>
+      </p:sp>
+      <p:sp>
+        <p:nvSpPr>
+          <p:cNvPr id="67" name="矩形 66"/>
+          <p:cNvSpPr/>
+          <p:nvPr/>
+        </p:nvSpPr>
+        <p:spPr>
+          <a:xfrm>
+            <a:off x="7956376" y="4229472"/>
+            <a:ext cx="144016" cy="72008"/>
+          </a:xfrm>
+          <a:prstGeom prst="rect">
+            <a:avLst/>
+          </a:prstGeom>
+        </p:spPr>
+        <p:style>
+          <a:lnRef idx="1">
+            <a:schemeClr val="accent3"/>
+          </a:lnRef>
+          <a:fillRef idx="3">
+            <a:schemeClr val="accent3"/>
+          </a:fillRef>
+          <a:effectRef idx="2">
+            <a:schemeClr val="accent3"/>
+          </a:effectRef>
+          <a:fontRef idx="minor">
+            <a:schemeClr val="lt1"/>
+          </a:fontRef>
+        </p:style>
+        <p:txBody>
+          <a:bodyPr rtlCol="0" anchor="ctr"/>
+          <a:lstStyle/>
+          <a:p>
+            <a:pPr algn="ctr"/>
+            <a:endParaRPr lang="zh-CN" altLang="en-US"/>
+          </a:p>
+        </p:txBody>
+      </p:sp>
+      <p:sp>
+        <p:nvSpPr>
+          <p:cNvPr id="68" name="矩形 67"/>
+          <p:cNvSpPr/>
+          <p:nvPr/>
+        </p:nvSpPr>
+        <p:spPr>
+          <a:xfrm>
+            <a:off x="7740352" y="3808090"/>
+            <a:ext cx="144016" cy="72008"/>
+          </a:xfrm>
+          <a:prstGeom prst="rect">
+            <a:avLst/>
+          </a:prstGeom>
+        </p:spPr>
+        <p:style>
+          <a:lnRef idx="1">
+            <a:schemeClr val="accent3"/>
+          </a:lnRef>
+          <a:fillRef idx="3">
+            <a:schemeClr val="accent3"/>
+          </a:fillRef>
+          <a:effectRef idx="2">
+            <a:schemeClr val="accent3"/>
+          </a:effectRef>
+          <a:fontRef idx="minor">
+            <a:schemeClr val="lt1"/>
+          </a:fontRef>
+        </p:style>
+        <p:txBody>
+          <a:bodyPr rtlCol="0" anchor="ctr"/>
+          <a:lstStyle/>
+          <a:p>
+            <a:pPr algn="ctr"/>
+            <a:endParaRPr lang="zh-CN" altLang="en-US"/>
+          </a:p>
+        </p:txBody>
+      </p:sp>
+      <p:cxnSp>
+        <p:nvCxnSpPr>
+          <p:cNvPr id="7" name="直接箭头连接符 6"/>
+          <p:cNvCxnSpPr>
+            <a:stCxn id="4" idx="3"/>
+            <a:endCxn id="68" idx="1"/>
+          </p:cNvCxnSpPr>
+          <p:nvPr/>
+        </p:nvCxnSpPr>
+        <p:spPr>
+          <a:xfrm>
+            <a:off x="7143194" y="3681028"/>
+            <a:ext cx="597158" cy="163066"/>
+          </a:xfrm>
+          <a:prstGeom prst="straightConnector1">
+            <a:avLst/>
+          </a:prstGeom>
+          <a:ln w="9525">
+            <a:solidFill>
+              <a:schemeClr val="accent6"/>
+            </a:solidFill>
+            <a:prstDash val="sysDash"/>
+            <a:tailEnd type="arrow"/>
+          </a:ln>
+        </p:spPr>
+        <p:style>
+          <a:lnRef idx="1">
+            <a:schemeClr val="accent1"/>
+          </a:lnRef>
+          <a:fillRef idx="0">
+            <a:schemeClr val="accent1"/>
+          </a:fillRef>
+          <a:effectRef idx="0">
+            <a:schemeClr val="accent1"/>
+          </a:effectRef>
+          <a:fontRef idx="minor">
+            <a:schemeClr val="tx1"/>
+          </a:fontRef>
+        </p:style>
+      </p:cxnSp>
+      <p:cxnSp>
+        <p:nvCxnSpPr>
+          <p:cNvPr id="73" name="直接箭头连接符 72"/>
+          <p:cNvCxnSpPr>
+            <a:stCxn id="4" idx="3"/>
+            <a:endCxn id="64" idx="1"/>
+          </p:cNvCxnSpPr>
+          <p:nvPr/>
+        </p:nvCxnSpPr>
+        <p:spPr>
+          <a:xfrm>
+            <a:off x="7143194" y="3681028"/>
+            <a:ext cx="813182" cy="302915"/>
+          </a:xfrm>
+          <a:prstGeom prst="straightConnector1">
+            <a:avLst/>
+          </a:prstGeom>
+          <a:ln w="9525">
+            <a:solidFill>
+              <a:schemeClr val="accent6"/>
+            </a:solidFill>
+            <a:prstDash val="sysDash"/>
+            <a:tailEnd type="arrow"/>
+          </a:ln>
+        </p:spPr>
+        <p:style>
+          <a:lnRef idx="1">
+            <a:schemeClr val="accent1"/>
+          </a:lnRef>
+          <a:fillRef idx="0">
+            <a:schemeClr val="accent1"/>
+          </a:fillRef>
+          <a:effectRef idx="0">
+            <a:schemeClr val="accent1"/>
+          </a:effectRef>
+          <a:fontRef idx="minor">
+            <a:schemeClr val="tx1"/>
+          </a:fontRef>
+        </p:style>
+      </p:cxnSp>
+      <p:cxnSp>
+        <p:nvCxnSpPr>
+          <p:cNvPr id="77" name="直接箭头连接符 76"/>
+          <p:cNvCxnSpPr>
+            <a:stCxn id="4" idx="3"/>
+            <a:endCxn id="65" idx="1"/>
+          </p:cNvCxnSpPr>
+          <p:nvPr/>
+        </p:nvCxnSpPr>
+        <p:spPr>
+          <a:xfrm>
+            <a:off x="7143194" y="3681028"/>
+            <a:ext cx="813182" cy="443682"/>
+          </a:xfrm>
+          <a:prstGeom prst="straightConnector1">
+            <a:avLst/>
+          </a:prstGeom>
+          <a:ln w="9525">
+            <a:solidFill>
+              <a:schemeClr val="accent6"/>
+            </a:solidFill>
+            <a:prstDash val="sysDash"/>
+            <a:tailEnd type="arrow"/>
+          </a:ln>
+        </p:spPr>
+        <p:style>
+          <a:lnRef idx="1">
+            <a:schemeClr val="accent1"/>
+          </a:lnRef>
+          <a:fillRef idx="0">
+            <a:schemeClr val="accent1"/>
+          </a:fillRef>
+          <a:effectRef idx="0">
+            <a:schemeClr val="accent1"/>
+          </a:effectRef>
+          <a:fontRef idx="minor">
+            <a:schemeClr val="tx1"/>
+          </a:fontRef>
+        </p:style>
+      </p:cxnSp>
+      <p:cxnSp>
+        <p:nvCxnSpPr>
+          <p:cNvPr id="38" name="肘形连接符 37"/>
+          <p:cNvCxnSpPr>
+            <a:stCxn id="11" idx="0"/>
+            <a:endCxn id="4" idx="1"/>
+          </p:cNvCxnSpPr>
+          <p:nvPr/>
+        </p:nvCxnSpPr>
+        <p:spPr>
+          <a:xfrm rot="5400000" flipH="1" flipV="1">
+            <a:off x="5937906" y="3229869"/>
+            <a:ext cx="610113" cy="1512432"/>
+          </a:xfrm>
+          <a:prstGeom prst="bentConnector2">
+            <a:avLst/>
+          </a:prstGeom>
+          <a:ln w="9525">
+            <a:solidFill>
+              <a:schemeClr val="accent6"/>
+            </a:solidFill>
+            <a:prstDash val="sysDash"/>
+            <a:tailEnd type="arrow"/>
+          </a:ln>
+        </p:spPr>
+        <p:style>
+          <a:lnRef idx="1">
+            <a:schemeClr val="accent1"/>
+          </a:lnRef>
+          <a:fillRef idx="0">
+            <a:schemeClr val="accent1"/>
+          </a:fillRef>
+          <a:effectRef idx="0">
+            <a:schemeClr val="accent1"/>
+          </a:effectRef>
+          <a:fontRef idx="minor">
+            <a:schemeClr val="tx1"/>
+          </a:fontRef>
+        </p:style>
+      </p:cxnSp>
+      <p:sp>
+        <p:nvSpPr>
+          <p:cNvPr id="62" name="矩形 61"/>
+          <p:cNvSpPr/>
+          <p:nvPr/>
+        </p:nvSpPr>
+        <p:spPr>
+          <a:xfrm>
+            <a:off x="6062842" y="3182077"/>
+            <a:ext cx="648000" cy="216024"/>
+          </a:xfrm>
+          <a:prstGeom prst="rect">
+            <a:avLst/>
+          </a:prstGeom>
+          <a:ln w="19050">
+            <a:solidFill>
+              <a:schemeClr val="accent3"/>
+            </a:solidFill>
+            <a:prstDash val="sysDash"/>
+          </a:ln>
+        </p:spPr>
+        <p:style>
+          <a:lnRef idx="2">
+            <a:schemeClr val="accent1"/>
+          </a:lnRef>
+          <a:fillRef idx="1">
+            <a:schemeClr val="lt1"/>
+          </a:fillRef>
+          <a:effectRef idx="0">
+            <a:schemeClr val="accent1"/>
+          </a:effectRef>
+          <a:fontRef idx="minor">
+            <a:schemeClr val="dk1"/>
+          </a:fontRef>
+        </p:style>
+        <p:txBody>
+          <a:bodyPr rtlCol="0" anchor="ctr"/>
+          <a:lstStyle/>
+          <a:p>
+            <a:pPr algn="ctr"/>
+            <a:r>
+              <a:rPr lang="en-US" altLang="zh-CN" sz="1200" dirty="0" smtClean="0"/>
+              <a:t>bitmap</a:t>
+            </a:r>
+            <a:endParaRPr lang="zh-CN" altLang="en-US" sz="1200" dirty="0"/>
+          </a:p>
+        </p:txBody>
+      </p:sp>
     </p:spTree>
     <p:extLst>
       <p:ext uri="{BB962C8B-B14F-4D97-AF65-F5344CB8AC3E}">
@@ -35377,16 +36575,148 @@
           <a:chExt cx="0" cy="0"/>
         </a:xfrm>
       </p:grpSpPr>
+      <p:sp>
+        <p:nvSpPr>
+          <p:cNvPr id="2" name="标题 1"/>
+          <p:cNvSpPr>
+            <a:spLocks noGrp="1"/>
+          </p:cNvSpPr>
+          <p:nvPr>
+            <p:ph type="title"/>
+          </p:nvPr>
+        </p:nvSpPr>
+        <p:spPr/>
+        <p:txBody>
+          <a:bodyPr/>
+          <a:lstStyle/>
+          <a:p>
+            <a:r>
+              <a:rPr lang="zh-CN" altLang="en-US" dirty="0" smtClean="0"/>
+              <a:t>内存地址多重映射</a:t>
+            </a:r>
+            <a:endParaRPr lang="zh-CN" altLang="en-US" dirty="0"/>
+          </a:p>
+        </p:txBody>
+      </p:sp>
+      <p:sp>
+        <p:nvSpPr>
+          <p:cNvPr id="3" name="内容占位符 2"/>
+          <p:cNvSpPr>
+            <a:spLocks noGrp="1"/>
+          </p:cNvSpPr>
+          <p:nvPr>
+            <p:ph idx="1"/>
+          </p:nvPr>
+        </p:nvSpPr>
+        <p:spPr/>
+        <p:txBody>
+          <a:bodyPr>
+            <a:normAutofit/>
+          </a:bodyPr>
+          <a:lstStyle/>
+          <a:p>
+            <a:r>
+              <a:rPr lang="zh-CN" altLang="en-US" sz="2000" dirty="0" smtClean="0"/>
+              <a:t>限制</a:t>
+            </a:r>
+            <a:endParaRPr lang="en-US" altLang="zh-CN" sz="2000" dirty="0" smtClean="0"/>
+          </a:p>
+          <a:p>
+            <a:pPr lvl="1"/>
+            <a:r>
+              <a:rPr lang="zh-CN" altLang="en-US" sz="1400" dirty="0" smtClean="0"/>
+              <a:t>设备控制</a:t>
+            </a:r>
+            <a:r>
+              <a:rPr lang="zh-CN" altLang="en-US" sz="1400" dirty="0"/>
+              <a:t>器不能通过 </a:t>
+            </a:r>
+            <a:r>
+              <a:rPr lang="en-US" altLang="zh-CN" sz="1400" dirty="0"/>
+              <a:t>DMA </a:t>
+            </a:r>
+            <a:r>
+              <a:rPr lang="zh-CN" altLang="en-US" sz="1400" dirty="0"/>
+              <a:t>直接访问到用户空间</a:t>
+            </a:r>
+            <a:endParaRPr lang="en-US" altLang="zh-CN" sz="1400" dirty="0"/>
+          </a:p>
+          <a:p>
+            <a:r>
+              <a:rPr lang="zh-CN" altLang="en-US" sz="2000" dirty="0" smtClean="0"/>
+              <a:t>实现</a:t>
+            </a:r>
+            <a:endParaRPr lang="en-US" altLang="zh-CN" sz="2000" dirty="0" smtClean="0"/>
+          </a:p>
+          <a:p>
+            <a:pPr lvl="1"/>
+            <a:r>
+              <a:rPr lang="zh-CN" altLang="en-US" sz="1400" dirty="0" smtClean="0"/>
+              <a:t>利用虚拟内存将内核</a:t>
+            </a:r>
+            <a:r>
+              <a:rPr lang="zh-CN" altLang="en-US" sz="1400" dirty="0"/>
+              <a:t>空间地址与用户</a:t>
+            </a:r>
+            <a:r>
+              <a:rPr lang="zh-CN" altLang="en-US" sz="1400" dirty="0" smtClean="0"/>
+              <a:t>空间地址映射</a:t>
+            </a:r>
+            <a:r>
+              <a:rPr lang="zh-CN" altLang="en-US" sz="1400" dirty="0"/>
+              <a:t>到</a:t>
+            </a:r>
+            <a:r>
+              <a:rPr lang="zh-CN" altLang="en-US" sz="1400" dirty="0" smtClean="0"/>
+              <a:t>同一物理地址</a:t>
+            </a:r>
+            <a:endParaRPr lang="en-US" altLang="zh-CN" sz="1400" dirty="0" smtClean="0"/>
+          </a:p>
+          <a:p>
+            <a:r>
+              <a:rPr lang="zh-CN" altLang="en-US" sz="2000" dirty="0" smtClean="0"/>
+              <a:t>前提</a:t>
+            </a:r>
+            <a:endParaRPr lang="en-US" altLang="zh-CN" sz="2000" dirty="0"/>
+          </a:p>
+          <a:p>
+            <a:pPr lvl="1"/>
+            <a:r>
+              <a:rPr lang="zh-CN" altLang="en-US" sz="1400" dirty="0"/>
+              <a:t>内核与用户缓冲区必须使用相同的页对齐</a:t>
+            </a:r>
+            <a:r>
+              <a:rPr lang="zh-CN" altLang="en-US" sz="1400" dirty="0" smtClean="0"/>
+              <a:t>，还</a:t>
+            </a:r>
+            <a:r>
+              <a:rPr lang="zh-CN" altLang="en-US" sz="1400" dirty="0"/>
+              <a:t>必须是</a:t>
+            </a:r>
+            <a:r>
+              <a:rPr lang="zh-CN" altLang="en-US" sz="1400" dirty="0" smtClean="0"/>
+              <a:t>磁盘块大小的</a:t>
+            </a:r>
+            <a:r>
+              <a:rPr lang="zh-CN" altLang="en-US" sz="1400" dirty="0"/>
+              <a:t>倍数。</a:t>
+            </a:r>
+          </a:p>
+          <a:p>
+            <a:endParaRPr lang="zh-CN" altLang="en-US" dirty="0"/>
+          </a:p>
+        </p:txBody>
+      </p:sp>
       <p:pic>
         <p:nvPicPr>
-          <p:cNvPr id="6" name="Picture 2"/>
+          <p:cNvPr id="3074" name="Picture 2"/>
           <p:cNvPicPr>
             <a:picLocks noChangeAspect="1" noChangeArrowheads="1"/>
           </p:cNvPicPr>
           <p:nvPr/>
         </p:nvPicPr>
         <p:blipFill>
-          <a:blip r:embed="rId3" cstate="print">
+          <a:blip r:embed="rId3">
             <a:extLst>
               <a:ext uri="{28A0092B-C50C-407E-A947-70E740481C1C}">
                 <a14:useLocalDpi xmlns:a14="http://schemas.microsoft.com/office/drawing/2010/main" val="0"/>
@@ -35400,223 +36730,8 @@
         </p:blipFill>
         <p:spPr bwMode="auto">
           <a:xfrm>
-            <a:off x="4662078" y="1268760"/>
-            <a:ext cx="4446425" cy="2016224"/>
-          </a:xfrm>
-          <a:prstGeom prst="rect">
-            <a:avLst/>
-          </a:prstGeom>
-          <a:noFill/>
-          <a:ln>
-            <a:noFill/>
-          </a:ln>
-          <a:effectLst/>
-          <a:extLst>
-            <a:ext uri="{909E8E84-426E-40DD-AFC4-6F175D3DCCD1}">
-              <a14:hiddenFill xmlns:a14="http://schemas.microsoft.com/office/drawing/2010/main">
-                <a:solidFill>
-                  <a:schemeClr val="accent1"/>
-                </a:solidFill>
-              </a14:hiddenFill>
-            </a:ext>
-            <a:ext uri="{91240B29-F687-4F45-9708-019B960494DF}">
-              <a14:hiddenLine xmlns:a14="http://schemas.microsoft.com/office/drawing/2010/main" w="9525">
-                <a:solidFill>
-                  <a:schemeClr val="tx1"/>
-                </a:solidFill>
-                <a:miter lim="800000"/>
-                <a:headEnd/>
-                <a:tailEnd/>
-              </a14:hiddenLine>
-            </a:ext>
-            <a:ext uri="{AF507438-7753-43E0-B8FC-AC1667EBCBE1}">
-              <a14:hiddenEffects xmlns:a14="http://schemas.microsoft.com/office/drawing/2010/main">
-                <a:effectLst>
-                  <a:outerShdw dist="35921" dir="2700000" algn="ctr" rotWithShape="0">
-                    <a:schemeClr val="bg2"/>
-                  </a:outerShdw>
-                </a:effectLst>
-              </a14:hiddenEffects>
-            </a:ext>
-          </a:extLst>
-        </p:spPr>
-      </p:pic>
-      <p:sp>
-        <p:nvSpPr>
-          <p:cNvPr id="2" name="标题 1"/>
-          <p:cNvSpPr>
-            <a:spLocks noGrp="1"/>
-          </p:cNvSpPr>
-          <p:nvPr>
-            <p:ph type="title"/>
-          </p:nvPr>
-        </p:nvSpPr>
-        <p:spPr/>
-        <p:txBody>
-          <a:bodyPr/>
-          <a:lstStyle/>
-          <a:p>
-            <a:r>
-              <a:rPr lang="zh-CN" altLang="en-US" dirty="0" smtClean="0"/>
-              <a:t>内存映射文件</a:t>
-            </a:r>
-            <a:endParaRPr lang="zh-CN" altLang="en-US" dirty="0"/>
-          </a:p>
-        </p:txBody>
-      </p:sp>
-      <p:sp>
-        <p:nvSpPr>
-          <p:cNvPr id="3" name="内容占位符 2"/>
-          <p:cNvSpPr>
-            <a:spLocks noGrp="1"/>
-          </p:cNvSpPr>
-          <p:nvPr>
-            <p:ph idx="1"/>
-          </p:nvPr>
-        </p:nvSpPr>
-        <p:spPr/>
-        <p:txBody>
-          <a:bodyPr>
-            <a:normAutofit/>
-          </a:bodyPr>
-          <a:lstStyle/>
-          <a:p>
-            <a:r>
-              <a:rPr lang="zh-CN" altLang="en-US" sz="2000" dirty="0" smtClean="0"/>
-              <a:t>优势</a:t>
-            </a:r>
-            <a:endParaRPr lang="en-US" altLang="zh-CN" sz="2000" dirty="0" smtClean="0"/>
-          </a:p>
-          <a:p>
-            <a:pPr lvl="1"/>
-            <a:r>
-              <a:rPr lang="zh-CN" altLang="en-US" sz="1400" dirty="0"/>
-              <a:t>省去了内核与用户空间的往来</a:t>
-            </a:r>
-            <a:r>
-              <a:rPr lang="zh-CN" altLang="en-US" sz="1400" dirty="0" smtClean="0"/>
-              <a:t>拷贝</a:t>
-            </a:r>
-            <a:endParaRPr lang="en-US" altLang="zh-CN" sz="1400" dirty="0" smtClean="0"/>
-          </a:p>
-          <a:p>
-            <a:r>
-              <a:rPr lang="zh-CN" altLang="en-US" sz="2000" dirty="0" smtClean="0"/>
-              <a:t>限制</a:t>
-            </a:r>
-            <a:endParaRPr lang="en-US" altLang="zh-CN" sz="2000" dirty="0" smtClean="0"/>
-          </a:p>
-          <a:p>
-            <a:pPr lvl="1"/>
-            <a:r>
-              <a:rPr lang="zh-CN" altLang="en-US" sz="1400" dirty="0" smtClean="0"/>
-              <a:t>设备控制</a:t>
-            </a:r>
-            <a:r>
-              <a:rPr lang="zh-CN" altLang="en-US" sz="1400" dirty="0"/>
-              <a:t>器不能通过 </a:t>
-            </a:r>
-            <a:r>
-              <a:rPr lang="en-US" altLang="zh-CN" sz="1400" dirty="0"/>
-              <a:t>DMA </a:t>
-            </a:r>
-            <a:r>
-              <a:rPr lang="zh-CN" altLang="en-US" sz="1400" dirty="0"/>
-              <a:t>直接访问到用户空间</a:t>
-            </a:r>
-            <a:endParaRPr lang="en-US" altLang="zh-CN" sz="1400" dirty="0"/>
-          </a:p>
-          <a:p>
-            <a:r>
-              <a:rPr lang="zh-CN" altLang="en-US" sz="2000" dirty="0" smtClean="0"/>
-              <a:t>实现</a:t>
-            </a:r>
-            <a:endParaRPr lang="en-US" altLang="zh-CN" sz="2000" dirty="0" smtClean="0"/>
-          </a:p>
-          <a:p>
-            <a:pPr lvl="1"/>
-            <a:r>
-              <a:rPr lang="zh-CN" altLang="en-US" sz="1400" dirty="0" smtClean="0"/>
-              <a:t>利用虚拟内存将内核</a:t>
-            </a:r>
-            <a:r>
-              <a:rPr lang="zh-CN" altLang="en-US" sz="1400" dirty="0"/>
-              <a:t>空间地址与用户</a:t>
-            </a:r>
-            <a:r>
-              <a:rPr lang="zh-CN" altLang="en-US" sz="1400" dirty="0" smtClean="0"/>
-              <a:t>空间地址映射</a:t>
-            </a:r>
-            <a:r>
-              <a:rPr lang="zh-CN" altLang="en-US" sz="1400" dirty="0"/>
-              <a:t>到</a:t>
-            </a:r>
-            <a:r>
-              <a:rPr lang="zh-CN" altLang="en-US" sz="1400" dirty="0" smtClean="0"/>
-              <a:t>同一物理地址</a:t>
-            </a:r>
-            <a:endParaRPr lang="en-US" altLang="zh-CN" sz="1400" dirty="0" smtClean="0"/>
-          </a:p>
-          <a:p>
-            <a:r>
-              <a:rPr lang="zh-CN" altLang="en-US" sz="2000" dirty="0" smtClean="0"/>
-              <a:t>前提</a:t>
-            </a:r>
-            <a:endParaRPr lang="en-US" altLang="zh-CN" sz="2000" dirty="0"/>
-          </a:p>
-          <a:p>
-            <a:pPr lvl="1"/>
-            <a:r>
-              <a:rPr lang="zh-CN" altLang="en-US" sz="1400" dirty="0"/>
-              <a:t>内核与用户缓冲区必须使用相同的页对齐</a:t>
-            </a:r>
-            <a:r>
-              <a:rPr lang="zh-CN" altLang="en-US" sz="1400" dirty="0" smtClean="0"/>
-              <a:t>，还</a:t>
-            </a:r>
-            <a:r>
-              <a:rPr lang="zh-CN" altLang="en-US" sz="1400" dirty="0"/>
-              <a:t>必须是</a:t>
-            </a:r>
-            <a:r>
-              <a:rPr lang="zh-CN" altLang="en-US" sz="1400" dirty="0" smtClean="0"/>
-              <a:t>磁盘块大小的</a:t>
-            </a:r>
-            <a:r>
-              <a:rPr lang="zh-CN" altLang="en-US" sz="1400" dirty="0"/>
-              <a:t>倍数。</a:t>
-            </a:r>
-          </a:p>
-          <a:p>
-            <a:endParaRPr lang="zh-CN" altLang="en-US" dirty="0"/>
-          </a:p>
-        </p:txBody>
-      </p:sp>
-      <p:pic>
-        <p:nvPicPr>
-          <p:cNvPr id="3074" name="Picture 2"/>
-          <p:cNvPicPr>
-            <a:picLocks noChangeAspect="1" noChangeArrowheads="1"/>
-          </p:cNvPicPr>
-          <p:nvPr/>
-        </p:nvPicPr>
-        <p:blipFill>
-          <a:blip r:embed="rId4">
-            <a:extLst>
-              <a:ext uri="{28A0092B-C50C-407E-A947-70E740481C1C}">
-                <a14:useLocalDpi xmlns:a14="http://schemas.microsoft.com/office/drawing/2010/main" val="0"/>
-              </a:ext>
-            </a:extLst>
-          </a:blip>
-          <a:srcRect/>
-          <a:stretch>
-            <a:fillRect/>
-          </a:stretch>
-        </p:blipFill>
-        <p:spPr bwMode="auto">
-          <a:xfrm>
-            <a:off x="2166789" y="4077072"/>
-            <a:ext cx="4810125" cy="1152128"/>
+            <a:off x="2166789" y="3573016"/>
+            <a:ext cx="4810125" cy="1296144"/>
           </a:xfrm>
           <a:prstGeom prst="rect">
             <a:avLst/>
@@ -35665,7 +36780,7 @@
           <p:nvPr/>
         </p:nvPicPr>
         <p:blipFill>
-          <a:blip r:embed="rId5">
+          <a:blip r:embed="rId4">
             <a:extLst>
               <a:ext uri="{28A0092B-C50C-407E-A947-70E740481C1C}">
                 <a14:useLocalDpi xmlns:a14="http://schemas.microsoft.com/office/drawing/2010/main" val="0"/>
@@ -35679,8 +36794,8 @@
         </p:blipFill>
         <p:spPr bwMode="auto">
           <a:xfrm>
-            <a:off x="2166789" y="5229200"/>
-            <a:ext cx="4800600" cy="1603698"/>
+            <a:off x="2180134" y="4869160"/>
+            <a:ext cx="4800600" cy="1800200"/>
           </a:xfrm>
           <a:prstGeom prst="rect">
             <a:avLst/>
@@ -35793,678 +36908,210 @@
         <p:spPr/>
         <p:txBody>
           <a:bodyPr>
-            <a:normAutofit/>
+            <a:noAutofit/>
           </a:bodyPr>
           <a:lstStyle/>
           <a:p>
             <a:r>
-              <a:rPr lang="en-US" altLang="zh-CN" sz="2400" dirty="0" err="1" smtClean="0"/>
-              <a:t>FileChannel.map</a:t>
-            </a:r>
-            <a:r>
-              <a:rPr lang="en-US" altLang="zh-CN" sz="2400" dirty="0" smtClean="0"/>
-              <a:t>() &amp; </a:t>
-            </a:r>
-            <a:r>
-              <a:rPr lang="en-US" altLang="zh-CN" sz="2400" dirty="0" err="1" smtClean="0"/>
-              <a:t>MappedByteBuffer</a:t>
-            </a:r>
-            <a:endParaRPr lang="en-US" altLang="zh-CN" sz="2400" dirty="0" smtClean="0"/>
-          </a:p>
-          <a:p>
-            <a:r>
-              <a:rPr lang="zh-CN" altLang="en-US" sz="2400" dirty="0" smtClean="0"/>
-              <a:t>映射内存空间位于堆外</a:t>
-            </a:r>
-            <a:endParaRPr lang="en-US" altLang="zh-CN" sz="2400" dirty="0" smtClean="0"/>
-          </a:p>
-          <a:p>
-            <a:r>
-              <a:rPr lang="zh-CN" altLang="en-US" sz="2400" dirty="0"/>
-              <a:t>预加载</a:t>
-            </a:r>
-            <a:r>
-              <a:rPr lang="zh-CN" altLang="en-US" sz="1600" dirty="0" smtClean="0"/>
-              <a:t>（</a:t>
-            </a:r>
-            <a:r>
-              <a:rPr lang="zh-CN" altLang="en-US" sz="1600" dirty="0"/>
-              <a:t>使</a:t>
-            </a:r>
-            <a:r>
-              <a:rPr lang="zh-CN" altLang="en-US" sz="1600" dirty="0" smtClean="0"/>
-              <a:t>映射文件部分常驻内存，代价较高、非完全保证）</a:t>
-            </a:r>
-            <a:endParaRPr lang="en-US" altLang="zh-CN" sz="1600" dirty="0" smtClean="0"/>
-          </a:p>
-          <a:p>
-            <a:r>
-              <a:rPr lang="zh-CN" altLang="en-US" sz="2400" dirty="0" smtClean="0"/>
-              <a:t>内存映射释放</a:t>
-            </a:r>
-            <a:r>
-              <a:rPr lang="zh-CN" altLang="en-US" sz="1600" dirty="0" smtClean="0"/>
-              <a:t>（与</a:t>
-            </a:r>
-            <a:r>
-              <a:rPr lang="en-US" altLang="zh-CN" sz="1600" dirty="0" err="1" smtClean="0"/>
-              <a:t>fileChannel</a:t>
-            </a:r>
-            <a:r>
-              <a:rPr lang="zh-CN" altLang="en-US" sz="1600" dirty="0" smtClean="0"/>
-              <a:t>无关，通过丢弃</a:t>
-            </a:r>
-            <a:r>
-              <a:rPr lang="en-US" altLang="zh-CN" sz="1600" dirty="0" err="1" smtClean="0"/>
-              <a:t>MappedByteBuffer</a:t>
-            </a:r>
-            <a:r>
-              <a:rPr lang="zh-CN" altLang="en-US" sz="1600" dirty="0" smtClean="0"/>
-              <a:t>对象释放）</a:t>
-            </a:r>
-            <a:endParaRPr lang="zh-CN" altLang="en-US" sz="1600" dirty="0"/>
+              <a:rPr lang="zh-CN" altLang="en-US" sz="2000" dirty="0"/>
+              <a:t>优势</a:t>
+            </a:r>
+            <a:endParaRPr lang="en-US" altLang="zh-CN" sz="2000" dirty="0"/>
+          </a:p>
+          <a:p>
+            <a:pPr lvl="1"/>
+            <a:r>
+              <a:rPr lang="zh-CN" altLang="en-US" sz="1400" dirty="0" smtClean="0"/>
+              <a:t>通过</a:t>
+            </a:r>
+            <a:r>
+              <a:rPr lang="zh-CN" altLang="en-US" sz="1400" dirty="0"/>
+              <a:t>内存空间多重映射，省去了内核与用户空间的</a:t>
+            </a:r>
+            <a:r>
+              <a:rPr lang="zh-CN" altLang="en-US" sz="1400" dirty="0" smtClean="0"/>
+              <a:t>缓冲区数据拷贝</a:t>
+            </a:r>
+            <a:endParaRPr lang="zh-CN" altLang="en-US" sz="1400" dirty="0"/>
+          </a:p>
+          <a:p>
+            <a:pPr lvl="1"/>
+            <a:r>
+              <a:rPr lang="zh-CN" altLang="en-US" sz="1400" dirty="0" smtClean="0"/>
+              <a:t>用户进程可把文件</a:t>
+            </a:r>
+            <a:r>
+              <a:rPr lang="zh-CN" altLang="en-US" sz="1400" dirty="0"/>
+              <a:t>直接</a:t>
+            </a:r>
+            <a:r>
+              <a:rPr lang="zh-CN" altLang="en-US" sz="1400" dirty="0" smtClean="0"/>
+              <a:t>当作内存操作，无需发起 </a:t>
+            </a:r>
+            <a:r>
+              <a:rPr lang="en-US" altLang="zh-CN" sz="1400" dirty="0"/>
+              <a:t>read( )</a:t>
+            </a:r>
+            <a:r>
+              <a:rPr lang="zh-CN" altLang="en-US" sz="1400" dirty="0"/>
+              <a:t>或 </a:t>
+            </a:r>
+            <a:r>
+              <a:rPr lang="en-US" altLang="zh-CN" sz="1400" dirty="0"/>
+              <a:t>write( )</a:t>
+            </a:r>
+            <a:r>
+              <a:rPr lang="zh-CN" altLang="en-US" sz="1400" dirty="0"/>
+              <a:t>系统</a:t>
+            </a:r>
+            <a:r>
+              <a:rPr lang="zh-CN" altLang="en-US" sz="1400" dirty="0" smtClean="0"/>
+              <a:t>调用</a:t>
+            </a:r>
+            <a:endParaRPr lang="zh-CN" altLang="en-US" sz="1400" dirty="0"/>
+          </a:p>
+          <a:p>
+            <a:pPr lvl="1"/>
+            <a:r>
+              <a:rPr lang="zh-CN" altLang="en-US" sz="1400" dirty="0" smtClean="0"/>
+              <a:t>当访问相关映射</a:t>
+            </a:r>
+            <a:r>
+              <a:rPr lang="zh-CN" altLang="en-US" sz="1400" dirty="0"/>
+              <a:t>内存空间，页错误会自动产生，从而将文件数据从</a:t>
+            </a:r>
+            <a:r>
+              <a:rPr lang="zh-CN" altLang="en-US" sz="1400" dirty="0" smtClean="0"/>
+              <a:t>磁盘载入内存</a:t>
+            </a:r>
+            <a:endParaRPr lang="en-US" altLang="zh-CN" sz="1400" dirty="0" smtClean="0"/>
+          </a:p>
+          <a:p>
+            <a:pPr lvl="1"/>
+            <a:r>
+              <a:rPr lang="zh-CN" altLang="en-US" sz="1400" dirty="0" smtClean="0"/>
+              <a:t>当修改相关映射</a:t>
+            </a:r>
+            <a:r>
+              <a:rPr lang="zh-CN" altLang="en-US" sz="1400" dirty="0"/>
+              <a:t>内存空间，相关页会自动标记为脏，随后刷新到磁盘，</a:t>
+            </a:r>
+            <a:r>
+              <a:rPr lang="zh-CN" altLang="en-US" sz="1400" dirty="0" smtClean="0"/>
+              <a:t>文件得到更新（</a:t>
+            </a:r>
+            <a:r>
+              <a:rPr lang="en-US" altLang="zh-CN" sz="1400" dirty="0" smtClean="0"/>
+              <a:t>sync</a:t>
+            </a:r>
+            <a:r>
+              <a:rPr lang="zh-CN" altLang="en-US" sz="1400" dirty="0" smtClean="0"/>
+              <a:t>）</a:t>
+            </a:r>
+            <a:endParaRPr lang="zh-CN" altLang="en-US" sz="1400" dirty="0"/>
+          </a:p>
+          <a:p>
+            <a:pPr lvl="1"/>
+            <a:r>
+              <a:rPr lang="zh-CN" altLang="en-US" sz="1400" dirty="0" smtClean="0"/>
+              <a:t>操作系统</a:t>
+            </a:r>
+            <a:r>
+              <a:rPr lang="zh-CN" altLang="en-US" sz="1400" dirty="0"/>
+              <a:t>的虚拟内存子系统会对页进行智能高速缓存，自动根据系统负载进行内存</a:t>
+            </a:r>
+            <a:r>
+              <a:rPr lang="zh-CN" altLang="en-US" sz="1400" dirty="0" smtClean="0"/>
+              <a:t>管理</a:t>
+            </a:r>
+            <a:endParaRPr lang="zh-CN" altLang="en-US" sz="1400" dirty="0"/>
+          </a:p>
+          <a:p>
+            <a:pPr lvl="1"/>
+            <a:r>
+              <a:rPr lang="zh-CN" altLang="en-US" sz="1400" dirty="0" smtClean="0"/>
+              <a:t>大型</a:t>
+            </a:r>
+            <a:r>
+              <a:rPr lang="zh-CN" altLang="en-US" sz="1400" dirty="0"/>
+              <a:t>文件使用映射，无需耗费大量内存，即可进行数据</a:t>
+            </a:r>
+            <a:r>
+              <a:rPr lang="zh-CN" altLang="en-US" sz="1400" dirty="0" smtClean="0"/>
+              <a:t>拷贝</a:t>
+            </a:r>
+            <a:endParaRPr lang="zh-CN" altLang="en-US" sz="1400" dirty="0"/>
           </a:p>
         </p:txBody>
       </p:sp>
-      <p:sp>
-        <p:nvSpPr>
-          <p:cNvPr id="9" name="TextBox 8"/>
-          <p:cNvSpPr txBox="1"/>
+      <p:pic>
+        <p:nvPicPr>
+          <p:cNvPr id="4" name="Picture 2"/>
+          <p:cNvPicPr>
+            <a:picLocks noChangeAspect="1" noChangeArrowheads="1"/>
+          </p:cNvPicPr>
           <p:nvPr/>
-        </p:nvSpPr>
-        <p:spPr>
+        </p:nvPicPr>
+        <p:blipFill>
+          <a:blip r:embed="rId2" cstate="print">
+            <a:extLst>
+              <a:ext uri="{28A0092B-C50C-407E-A947-70E740481C1C}">
+                <a14:useLocalDpi xmlns:a14="http://schemas.microsoft.com/office/drawing/2010/main" val="0"/>
+              </a:ext>
+            </a:extLst>
+          </a:blip>
+          <a:srcRect/>
+          <a:stretch>
+            <a:fillRect/>
+          </a:stretch>
+        </p:blipFill>
+        <p:spPr bwMode="auto">
           <a:xfrm>
-            <a:off x="971599" y="3394154"/>
-            <a:ext cx="7178119" cy="2154436"/>
+            <a:off x="1755501" y="3645024"/>
+            <a:ext cx="5716832" cy="2592288"/>
           </a:xfrm>
           <a:prstGeom prst="rect">
             <a:avLst/>
           </a:prstGeom>
           <a:noFill/>
           <a:ln>
-            <a:solidFill>
-              <a:schemeClr val="bg1">
-                <a:lumMod val="50000"/>
-              </a:schemeClr>
-            </a:solidFill>
-            <a:prstDash val="lgDash"/>
+            <a:noFill/>
           </a:ln>
-        </p:spPr>
-        <p:txBody>
-          <a:bodyPr wrap="square" rtlCol="0">
-            <a:spAutoFit/>
-          </a:bodyPr>
-          <a:lstStyle/>
-          <a:p>
-            <a:r>
-              <a:rPr lang="en-US" altLang="zh-CN" sz="1200" dirty="0"/>
-              <a:t>public abstract class </a:t>
-            </a:r>
-            <a:r>
-              <a:rPr lang="en-US" altLang="zh-CN" sz="1200" b="1" dirty="0" err="1" smtClean="0">
+          <a:effectLst/>
+          <a:extLst>
+            <a:ext uri="{909E8E84-426E-40DD-AFC4-6F175D3DCCD1}">
+              <a14:hiddenFill xmlns:a14="http://schemas.microsoft.com/office/drawing/2010/main">
                 <a:solidFill>
                   <a:schemeClr val="accent1"/>
                 </a:solidFill>
-              </a:rPr>
-              <a:t>FileChannel</a:t>
-            </a:r>
-            <a:r>
-              <a:rPr lang="en-US" altLang="zh-CN" sz="1200" dirty="0" smtClean="0">
+              </a14:hiddenFill>
+            </a:ext>
+            <a:ext uri="{91240B29-F687-4F45-9708-019B960494DF}">
+              <a14:hiddenLine xmlns:a14="http://schemas.microsoft.com/office/drawing/2010/main" w="9525">
                 <a:solidFill>
-                  <a:schemeClr val="accent1"/>
+                  <a:schemeClr val="tx1"/>
                 </a:solidFill>
-              </a:rPr>
-              <a:t> </a:t>
-            </a:r>
-            <a:r>
-              <a:rPr lang="en-US" altLang="zh-CN" sz="1200" dirty="0" smtClean="0"/>
-              <a:t>extends </a:t>
-            </a:r>
-            <a:r>
-              <a:rPr lang="en-US" altLang="zh-CN" sz="1200" dirty="0" err="1"/>
-              <a:t>AbstractChannel</a:t>
-            </a:r>
-            <a:endParaRPr lang="en-US" altLang="zh-CN" sz="1200" dirty="0"/>
-          </a:p>
-          <a:p>
-            <a:r>
-              <a:rPr lang="en-US" altLang="zh-CN" sz="1200" dirty="0" smtClean="0"/>
-              <a:t>         implements </a:t>
-            </a:r>
-            <a:r>
-              <a:rPr lang="en-US" altLang="zh-CN" sz="1200" dirty="0" err="1"/>
-              <a:t>ByteChannel</a:t>
-            </a:r>
-            <a:r>
-              <a:rPr lang="en-US" altLang="zh-CN" sz="1200" dirty="0"/>
-              <a:t>, </a:t>
-            </a:r>
-            <a:r>
-              <a:rPr lang="en-US" altLang="zh-CN" sz="1200" dirty="0" err="1"/>
-              <a:t>GatheringByteChannel</a:t>
-            </a:r>
-            <a:r>
-              <a:rPr lang="en-US" altLang="zh-CN" sz="1200" dirty="0"/>
-              <a:t>, </a:t>
-            </a:r>
-            <a:r>
-              <a:rPr lang="en-US" altLang="zh-CN" sz="1200" dirty="0" err="1" smtClean="0"/>
-              <a:t>ScatteringByteChannel</a:t>
-            </a:r>
-            <a:r>
-              <a:rPr lang="en-US" altLang="zh-CN" sz="1200" dirty="0" smtClean="0"/>
-              <a:t> {</a:t>
-            </a:r>
-            <a:endParaRPr lang="en-US" altLang="zh-CN" sz="1200" dirty="0"/>
-          </a:p>
-          <a:p>
-            <a:r>
-              <a:rPr lang="en-US" altLang="zh-CN" sz="1200" dirty="0" smtClean="0"/>
-              <a:t>         // </a:t>
-            </a:r>
-            <a:r>
-              <a:rPr lang="en-US" altLang="zh-CN" sz="1200" dirty="0"/>
-              <a:t>This is a partial API listing</a:t>
-            </a:r>
-          </a:p>
-          <a:p>
-            <a:r>
-              <a:rPr lang="en-US" altLang="zh-CN" sz="1200" dirty="0" smtClean="0"/>
-              <a:t>         public </a:t>
-            </a:r>
-            <a:r>
-              <a:rPr lang="en-US" altLang="zh-CN" sz="1200" dirty="0"/>
-              <a:t>abstract </a:t>
-            </a:r>
-            <a:r>
-              <a:rPr lang="en-US" altLang="zh-CN" sz="1200" dirty="0" err="1"/>
-              <a:t>MappedByteBuffer</a:t>
-            </a:r>
-            <a:r>
-              <a:rPr lang="en-US" altLang="zh-CN" sz="1200" dirty="0"/>
-              <a:t> </a:t>
-            </a:r>
-            <a:r>
-              <a:rPr lang="en-US" altLang="zh-CN" sz="1200" b="1" dirty="0">
-                <a:solidFill>
-                  <a:schemeClr val="accent1"/>
-                </a:solidFill>
-              </a:rPr>
-              <a:t>map</a:t>
-            </a:r>
-            <a:r>
-              <a:rPr lang="en-US" altLang="zh-CN" sz="1200" dirty="0">
-                <a:solidFill>
-                  <a:schemeClr val="accent1"/>
-                </a:solidFill>
-              </a:rPr>
-              <a:t> </a:t>
-            </a:r>
-            <a:r>
-              <a:rPr lang="en-US" altLang="zh-CN" sz="1200" dirty="0"/>
-              <a:t>(</a:t>
-            </a:r>
-            <a:r>
-              <a:rPr lang="en-US" altLang="zh-CN" sz="1200" dirty="0" err="1"/>
-              <a:t>MapMode</a:t>
-            </a:r>
-            <a:r>
-              <a:rPr lang="en-US" altLang="zh-CN" sz="1200" dirty="0"/>
-              <a:t> mode, long position</a:t>
-            </a:r>
-            <a:r>
-              <a:rPr lang="en-US" altLang="zh-CN" sz="1200" dirty="0" smtClean="0"/>
-              <a:t>, long </a:t>
-            </a:r>
-            <a:r>
-              <a:rPr lang="en-US" altLang="zh-CN" sz="1200" dirty="0"/>
-              <a:t>size</a:t>
-            </a:r>
-            <a:r>
-              <a:rPr lang="en-US" altLang="zh-CN" sz="1200" dirty="0" smtClean="0"/>
-              <a:t>)</a:t>
-            </a:r>
-          </a:p>
-          <a:p>
-            <a:r>
-              <a:rPr lang="en-US" altLang="zh-CN" sz="1200" dirty="0"/>
-              <a:t> </a:t>
-            </a:r>
-            <a:r>
-              <a:rPr lang="en-US" altLang="zh-CN" sz="1200" dirty="0" smtClean="0"/>
-              <a:t>       </a:t>
-            </a:r>
-            <a:r>
-              <a:rPr lang="en-US" altLang="zh-CN" sz="1200" dirty="0" smtClean="0"/>
-              <a:t> public </a:t>
-            </a:r>
-            <a:r>
-              <a:rPr lang="en-US" altLang="zh-CN" sz="1200" dirty="0"/>
-              <a:t>static class </a:t>
-            </a:r>
-            <a:r>
-              <a:rPr lang="en-US" altLang="zh-CN" sz="1200" dirty="0" err="1" smtClean="0"/>
-              <a:t>MapMode</a:t>
-            </a:r>
-            <a:r>
-              <a:rPr lang="en-US" altLang="zh-CN" sz="1200" dirty="0" smtClean="0"/>
-              <a:t> {</a:t>
-            </a:r>
-            <a:endParaRPr lang="en-US" altLang="zh-CN" sz="1200" dirty="0"/>
-          </a:p>
-          <a:p>
-            <a:r>
-              <a:rPr lang="en-US" altLang="zh-CN" sz="1200" dirty="0" smtClean="0"/>
-              <a:t>                 public </a:t>
-            </a:r>
-            <a:r>
-              <a:rPr lang="en-US" altLang="zh-CN" sz="1200" dirty="0"/>
-              <a:t>static final </a:t>
-            </a:r>
-            <a:r>
-              <a:rPr lang="en-US" altLang="zh-CN" sz="1200" dirty="0" err="1"/>
-              <a:t>MapMode</a:t>
-            </a:r>
-            <a:r>
-              <a:rPr lang="en-US" altLang="zh-CN" sz="1200" dirty="0"/>
-              <a:t> </a:t>
-            </a:r>
-            <a:r>
-              <a:rPr lang="en-US" altLang="zh-CN" sz="1200" dirty="0">
-                <a:solidFill>
-                  <a:schemeClr val="accent2"/>
-                </a:solidFill>
-              </a:rPr>
-              <a:t>READ_ONLY</a:t>
-            </a:r>
-          </a:p>
-          <a:p>
-            <a:r>
-              <a:rPr lang="en-US" altLang="zh-CN" sz="1200" dirty="0" smtClean="0"/>
-              <a:t>                 public </a:t>
-            </a:r>
-            <a:r>
-              <a:rPr lang="en-US" altLang="zh-CN" sz="1200" dirty="0"/>
-              <a:t>static final </a:t>
-            </a:r>
-            <a:r>
-              <a:rPr lang="en-US" altLang="zh-CN" sz="1200" dirty="0" err="1"/>
-              <a:t>MapMode</a:t>
-            </a:r>
-            <a:r>
-              <a:rPr lang="en-US" altLang="zh-CN" sz="1200" dirty="0"/>
-              <a:t> </a:t>
-            </a:r>
-            <a:r>
-              <a:rPr lang="en-US" altLang="zh-CN" sz="1200" dirty="0">
-                <a:solidFill>
-                  <a:schemeClr val="accent2"/>
-                </a:solidFill>
-              </a:rPr>
-              <a:t>READ_WRITE</a:t>
-            </a:r>
-          </a:p>
-          <a:p>
-            <a:r>
-              <a:rPr lang="en-US" altLang="zh-CN" sz="1200" dirty="0" smtClean="0"/>
-              <a:t>                 public </a:t>
-            </a:r>
-            <a:r>
-              <a:rPr lang="en-US" altLang="zh-CN" sz="1200" dirty="0"/>
-              <a:t>static final </a:t>
-            </a:r>
-            <a:r>
-              <a:rPr lang="en-US" altLang="zh-CN" sz="1200" dirty="0" err="1"/>
-              <a:t>MapMode</a:t>
-            </a:r>
-            <a:r>
-              <a:rPr lang="en-US" altLang="zh-CN" sz="1200" dirty="0"/>
-              <a:t> </a:t>
-            </a:r>
-            <a:r>
-              <a:rPr lang="en-US" altLang="zh-CN" sz="1200" dirty="0" smtClean="0">
-                <a:solidFill>
-                  <a:schemeClr val="accent2"/>
-                </a:solidFill>
-              </a:rPr>
-              <a:t>PRIVATE</a:t>
-            </a:r>
-            <a:r>
-              <a:rPr lang="en-US" altLang="zh-CN" sz="1200" dirty="0" smtClean="0"/>
-              <a:t>  </a:t>
-            </a:r>
-            <a:r>
-              <a:rPr lang="en-US" altLang="zh-CN" sz="1200" dirty="0" smtClean="0"/>
-              <a:t>//</a:t>
-            </a:r>
-            <a:r>
-              <a:rPr lang="zh-CN" altLang="en-US" sz="1200" dirty="0"/>
-              <a:t>写时</a:t>
-            </a:r>
-            <a:r>
-              <a:rPr lang="zh-CN" altLang="en-US" sz="1200" dirty="0" smtClean="0"/>
-              <a:t>拷贝</a:t>
-            </a:r>
-            <a:endParaRPr lang="en-US" altLang="zh-CN" sz="1200" dirty="0" smtClean="0"/>
-          </a:p>
-          <a:p>
-            <a:r>
-              <a:rPr lang="en-US" altLang="zh-CN" sz="1200" dirty="0" smtClean="0"/>
-              <a:t>         }</a:t>
-            </a:r>
-          </a:p>
-          <a:p>
-            <a:r>
-              <a:rPr lang="en-US" altLang="zh-CN" sz="1200" dirty="0"/>
-              <a:t>         public abstract void </a:t>
-            </a:r>
-            <a:r>
-              <a:rPr lang="en-US" altLang="zh-CN" sz="1200" b="1" dirty="0">
-                <a:solidFill>
-                  <a:schemeClr val="accent1"/>
-                </a:solidFill>
-              </a:rPr>
-              <a:t>force</a:t>
-            </a:r>
-            <a:r>
-              <a:rPr lang="en-US" altLang="zh-CN" sz="1200" dirty="0">
-                <a:solidFill>
-                  <a:schemeClr val="accent1"/>
-                </a:solidFill>
-              </a:rPr>
-              <a:t> </a:t>
-            </a:r>
-            <a:r>
-              <a:rPr lang="en-US" altLang="zh-CN" sz="1200" dirty="0"/>
-              <a:t>(</a:t>
-            </a:r>
-            <a:r>
-              <a:rPr lang="en-US" altLang="zh-CN" sz="1200" dirty="0" err="1"/>
-              <a:t>boolean</a:t>
-            </a:r>
-            <a:r>
-              <a:rPr lang="en-US" altLang="zh-CN" sz="1200" dirty="0"/>
-              <a:t> </a:t>
-            </a:r>
-            <a:r>
-              <a:rPr lang="en-US" altLang="zh-CN" sz="1200" dirty="0" err="1"/>
-              <a:t>metaData</a:t>
-            </a:r>
-            <a:r>
-              <a:rPr lang="en-US" altLang="zh-CN" sz="1200" dirty="0"/>
-              <a:t>)</a:t>
-            </a:r>
-            <a:endParaRPr lang="en-US" altLang="zh-CN" sz="1200" dirty="0" smtClean="0"/>
-          </a:p>
-          <a:p>
-            <a:r>
-              <a:rPr lang="en-US" altLang="zh-CN" sz="1400" dirty="0" smtClean="0"/>
-              <a:t>}</a:t>
-            </a:r>
-            <a:endParaRPr lang="en-US" altLang="zh-CN" sz="1200" dirty="0" smtClean="0"/>
-          </a:p>
-        </p:txBody>
-      </p:sp>
-      <p:sp>
-        <p:nvSpPr>
-          <p:cNvPr id="10" name="TextBox 9"/>
-          <p:cNvSpPr txBox="1"/>
-          <p:nvPr/>
-        </p:nvSpPr>
-        <p:spPr>
-          <a:xfrm>
-            <a:off x="971599" y="5867980"/>
-            <a:ext cx="7178119" cy="307777"/>
-          </a:xfrm>
-          <a:prstGeom prst="rect">
-            <a:avLst/>
-          </a:prstGeom>
-          <a:noFill/>
-          <a:ln>
-            <a:solidFill>
-              <a:schemeClr val="bg1">
-                <a:lumMod val="50000"/>
-              </a:schemeClr>
-            </a:solidFill>
-            <a:prstDash val="lgDash"/>
-          </a:ln>
+                <a:miter lim="800000"/>
+                <a:headEnd/>
+                <a:tailEnd/>
+              </a14:hiddenLine>
+            </a:ext>
+            <a:ext uri="{AF507438-7753-43E0-B8FC-AC1667EBCBE1}">
+              <a14:hiddenEffects xmlns:a14="http://schemas.microsoft.com/office/drawing/2010/main">
+                <a:effectLst>
+                  <a:outerShdw dist="35921" dir="2700000" algn="ctr" rotWithShape="0">
+                    <a:schemeClr val="bg2"/>
+                  </a:outerShdw>
+                </a:effectLst>
+              </a14:hiddenEffects>
+            </a:ext>
+          </a:extLst>
         </p:spPr>
-        <p:txBody>
-          <a:bodyPr wrap="square" rtlCol="0">
-            <a:spAutoFit/>
-          </a:bodyPr>
-          <a:lstStyle/>
-          <a:p>
-            <a:r>
-              <a:rPr lang="en-US" altLang="zh-CN" sz="1400" b="1" dirty="0" err="1" smtClean="0"/>
-              <a:t>MappedByteBuffer</a:t>
-            </a:r>
-            <a:r>
-              <a:rPr lang="en-US" altLang="zh-CN" sz="1400" dirty="0" smtClean="0"/>
-              <a:t> </a:t>
-            </a:r>
-            <a:r>
-              <a:rPr lang="en-US" altLang="zh-CN" sz="1400" dirty="0" smtClean="0"/>
-              <a:t>buffer </a:t>
-            </a:r>
-            <a:r>
-              <a:rPr lang="en-US" altLang="zh-CN" sz="1400" dirty="0"/>
-              <a:t>= </a:t>
-            </a:r>
-            <a:r>
-              <a:rPr lang="en-US" altLang="zh-CN" sz="1400" dirty="0" err="1"/>
-              <a:t>fileChannel.</a:t>
-            </a:r>
-            <a:r>
-              <a:rPr lang="en-US" altLang="zh-CN" sz="1400" b="1" dirty="0" err="1">
-                <a:solidFill>
-                  <a:schemeClr val="accent1"/>
-                </a:solidFill>
-              </a:rPr>
-              <a:t>map</a:t>
-            </a:r>
-            <a:r>
-              <a:rPr lang="en-US" altLang="zh-CN" sz="1400" dirty="0"/>
-              <a:t> (</a:t>
-            </a:r>
-            <a:r>
-              <a:rPr lang="en-US" altLang="zh-CN" sz="1400" dirty="0" err="1"/>
-              <a:t>FileChannel.MapMode.</a:t>
-            </a:r>
-            <a:r>
-              <a:rPr lang="en-US" altLang="zh-CN" sz="1400" dirty="0" err="1">
-                <a:solidFill>
-                  <a:schemeClr val="accent2"/>
-                </a:solidFill>
-              </a:rPr>
-              <a:t>READ_ONLY</a:t>
-            </a:r>
-            <a:r>
-              <a:rPr lang="en-US" altLang="zh-CN" sz="1400" dirty="0"/>
-              <a:t>, 100, 200);</a:t>
-            </a:r>
-            <a:endParaRPr lang="zh-CN" altLang="en-US" sz="1400" dirty="0"/>
-          </a:p>
-        </p:txBody>
-      </p:sp>
-      <p:sp>
-        <p:nvSpPr>
-          <p:cNvPr id="6" name="TextBox 5"/>
-          <p:cNvSpPr txBox="1"/>
-          <p:nvPr/>
-        </p:nvSpPr>
-        <p:spPr>
-          <a:xfrm>
-            <a:off x="5076056" y="4293096"/>
-            <a:ext cx="2932213" cy="1384995"/>
-          </a:xfrm>
-          <a:prstGeom prst="rect">
-            <a:avLst/>
-          </a:prstGeom>
-          <a:solidFill>
-            <a:schemeClr val="bg1"/>
-          </a:solidFill>
-          <a:ln>
-            <a:solidFill>
-              <a:schemeClr val="bg1">
-                <a:lumMod val="50000"/>
-              </a:schemeClr>
-            </a:solidFill>
-            <a:prstDash val="lgDash"/>
-          </a:ln>
-        </p:spPr>
-        <p:txBody>
-          <a:bodyPr wrap="square" rtlCol="0">
-            <a:spAutoFit/>
-          </a:bodyPr>
-          <a:lstStyle/>
-          <a:p>
-            <a:r>
-              <a:rPr lang="en-US" altLang="zh-CN" sz="1200" dirty="0"/>
-              <a:t>public abstract class </a:t>
-            </a:r>
-            <a:r>
-              <a:rPr lang="en-US" altLang="zh-CN" sz="1200" b="1" dirty="0" err="1" smtClean="0">
-                <a:solidFill>
-                  <a:schemeClr val="accent1"/>
-                </a:solidFill>
-              </a:rPr>
-              <a:t>MappedByteBuffer</a:t>
-            </a:r>
-            <a:endParaRPr lang="en-US" altLang="zh-CN" sz="1200" b="1" dirty="0" smtClean="0">
-              <a:solidFill>
-                <a:schemeClr val="accent1"/>
-              </a:solidFill>
-            </a:endParaRPr>
-          </a:p>
-          <a:p>
-            <a:r>
-              <a:rPr lang="en-US" altLang="zh-CN" sz="1200" dirty="0" smtClean="0"/>
-              <a:t>extends </a:t>
-            </a:r>
-            <a:r>
-              <a:rPr lang="en-US" altLang="zh-CN" sz="1200" dirty="0" err="1" smtClean="0"/>
-              <a:t>ByteBuffer</a:t>
-            </a:r>
-            <a:r>
-              <a:rPr lang="en-US" altLang="zh-CN" sz="1200" dirty="0" smtClean="0"/>
-              <a:t> {</a:t>
-            </a:r>
-            <a:endParaRPr lang="en-US" altLang="zh-CN" sz="1200" dirty="0"/>
-          </a:p>
-          <a:p>
-            <a:r>
-              <a:rPr lang="en-US" altLang="zh-CN" sz="1200" dirty="0" smtClean="0"/>
-              <a:t>         // </a:t>
-            </a:r>
-            <a:r>
-              <a:rPr lang="en-US" altLang="zh-CN" sz="1200" dirty="0"/>
-              <a:t>This is a partial API listing</a:t>
-            </a:r>
-          </a:p>
-          <a:p>
-            <a:r>
-              <a:rPr lang="en-US" altLang="zh-CN" sz="1200" dirty="0" smtClean="0"/>
-              <a:t>         public </a:t>
-            </a:r>
-            <a:r>
-              <a:rPr lang="en-US" altLang="zh-CN" sz="1200" dirty="0"/>
-              <a:t>final </a:t>
-            </a:r>
-            <a:r>
-              <a:rPr lang="en-US" altLang="zh-CN" sz="1200" dirty="0" err="1"/>
-              <a:t>MappedByteBuffer</a:t>
-            </a:r>
-            <a:r>
-              <a:rPr lang="en-US" altLang="zh-CN" sz="1200" dirty="0"/>
-              <a:t> </a:t>
-            </a:r>
-            <a:r>
-              <a:rPr lang="en-US" altLang="zh-CN" sz="1200" b="1" dirty="0">
-                <a:solidFill>
-                  <a:schemeClr val="accent1"/>
-                </a:solidFill>
-              </a:rPr>
-              <a:t>load</a:t>
-            </a:r>
-            <a:r>
-              <a:rPr lang="en-US" altLang="zh-CN" sz="1200" dirty="0"/>
-              <a:t>( )</a:t>
-            </a:r>
-          </a:p>
-          <a:p>
-            <a:r>
-              <a:rPr lang="en-US" altLang="zh-CN" sz="1200" dirty="0" smtClean="0"/>
-              <a:t>         public </a:t>
-            </a:r>
-            <a:r>
-              <a:rPr lang="en-US" altLang="zh-CN" sz="1200" dirty="0"/>
-              <a:t>final </a:t>
-            </a:r>
-            <a:r>
-              <a:rPr lang="en-US" altLang="zh-CN" sz="1200" dirty="0" err="1"/>
-              <a:t>boolean</a:t>
-            </a:r>
-            <a:r>
-              <a:rPr lang="en-US" altLang="zh-CN" sz="1200" dirty="0"/>
-              <a:t> </a:t>
-            </a:r>
-            <a:r>
-              <a:rPr lang="en-US" altLang="zh-CN" sz="1200" b="1" dirty="0" err="1">
-                <a:solidFill>
-                  <a:schemeClr val="accent1"/>
-                </a:solidFill>
-              </a:rPr>
-              <a:t>isLoaded</a:t>
-            </a:r>
-            <a:r>
-              <a:rPr lang="en-US" altLang="zh-CN" sz="1200" dirty="0"/>
-              <a:t>( )</a:t>
-            </a:r>
-          </a:p>
-          <a:p>
-            <a:r>
-              <a:rPr lang="en-US" altLang="zh-CN" sz="1200" dirty="0" smtClean="0"/>
-              <a:t>         public </a:t>
-            </a:r>
-            <a:r>
-              <a:rPr lang="en-US" altLang="zh-CN" sz="1200" dirty="0"/>
-              <a:t>final </a:t>
-            </a:r>
-            <a:r>
-              <a:rPr lang="en-US" altLang="zh-CN" sz="1200" dirty="0" err="1"/>
-              <a:t>MappedByteBuffer</a:t>
-            </a:r>
-            <a:r>
-              <a:rPr lang="en-US" altLang="zh-CN" sz="1200" dirty="0"/>
-              <a:t> </a:t>
-            </a:r>
-            <a:r>
-              <a:rPr lang="en-US" altLang="zh-CN" sz="1200" b="1" dirty="0">
-                <a:solidFill>
-                  <a:schemeClr val="accent1"/>
-                </a:solidFill>
-              </a:rPr>
-              <a:t>force</a:t>
-            </a:r>
-            <a:r>
-              <a:rPr lang="en-US" altLang="zh-CN" sz="1200" dirty="0"/>
-              <a:t>( )</a:t>
-            </a:r>
-          </a:p>
-          <a:p>
-            <a:r>
-              <a:rPr lang="en-US" altLang="zh-CN" sz="1200" dirty="0"/>
-              <a:t>}</a:t>
-            </a:r>
-            <a:endParaRPr lang="en-US" altLang="zh-CN" sz="1200" dirty="0" smtClean="0"/>
-          </a:p>
-        </p:txBody>
-      </p:sp>
+      </p:pic>
     </p:spTree>
     <p:extLst>
       <p:ext uri="{BB962C8B-B14F-4D97-AF65-F5344CB8AC3E}">
-        <p14:creationId xmlns:p14="http://schemas.microsoft.com/office/powerpoint/2010/main" val="1464777179"/>
+        <p14:creationId xmlns:p14="http://schemas.microsoft.com/office/powerpoint/2010/main" val="4085815788"/>
       </p:ext>
     </p:extLst>
   </p:cSld>
@@ -36514,12 +37161,8 @@
           <a:lstStyle/>
           <a:p>
             <a:r>
-              <a:rPr lang="en-US" altLang="zh-CN" dirty="0" smtClean="0"/>
-              <a:t>Channel to Channel</a:t>
-            </a:r>
-            <a:r>
               <a:rPr lang="zh-CN" altLang="en-US" dirty="0" smtClean="0"/>
-              <a:t>传输</a:t>
+              <a:t>内存映射文件</a:t>
             </a:r>
             <a:endParaRPr lang="zh-CN" altLang="en-US" dirty="0"/>
           </a:p>
@@ -36537,35 +37180,752 @@
         </p:nvSpPr>
         <p:spPr/>
         <p:txBody>
+          <a:bodyPr>
+            <a:normAutofit/>
+          </a:bodyPr>
+          <a:lstStyle/>
+          <a:p>
+            <a:r>
+              <a:rPr lang="en-US" altLang="zh-CN" sz="2400" dirty="0" err="1" smtClean="0"/>
+              <a:t>FileChannel.map</a:t>
+            </a:r>
+            <a:r>
+              <a:rPr lang="en-US" altLang="zh-CN" sz="2400" dirty="0" smtClean="0"/>
+              <a:t>() &amp; </a:t>
+            </a:r>
+            <a:r>
+              <a:rPr lang="en-US" altLang="zh-CN" sz="2400" dirty="0" err="1" smtClean="0"/>
+              <a:t>MappedByteBuffer</a:t>
+            </a:r>
+            <a:endParaRPr lang="en-US" altLang="zh-CN" sz="2400" dirty="0" smtClean="0"/>
+          </a:p>
+          <a:p>
+            <a:r>
+              <a:rPr lang="zh-CN" altLang="en-US" sz="2400" dirty="0" smtClean="0"/>
+              <a:t>映射内存空间位于堆外</a:t>
+            </a:r>
+            <a:endParaRPr lang="en-US" altLang="zh-CN" sz="2400" dirty="0" smtClean="0"/>
+          </a:p>
+          <a:p>
+            <a:r>
+              <a:rPr lang="zh-CN" altLang="en-US" sz="2400" dirty="0"/>
+              <a:t>预加载</a:t>
+            </a:r>
+            <a:r>
+              <a:rPr lang="zh-CN" altLang="en-US" sz="1600" dirty="0" smtClean="0"/>
+              <a:t>（</a:t>
+            </a:r>
+            <a:r>
+              <a:rPr lang="zh-CN" altLang="en-US" sz="1600" dirty="0"/>
+              <a:t>使</a:t>
+            </a:r>
+            <a:r>
+              <a:rPr lang="zh-CN" altLang="en-US" sz="1600" dirty="0" smtClean="0"/>
+              <a:t>映射文件部分常驻内存，代价较高、非完全保证）</a:t>
+            </a:r>
+            <a:endParaRPr lang="en-US" altLang="zh-CN" sz="1600" dirty="0" smtClean="0"/>
+          </a:p>
+          <a:p>
+            <a:r>
+              <a:rPr lang="zh-CN" altLang="en-US" sz="2400" dirty="0" smtClean="0"/>
+              <a:t>内存映射释放</a:t>
+            </a:r>
+            <a:r>
+              <a:rPr lang="zh-CN" altLang="en-US" sz="1600" dirty="0" smtClean="0"/>
+              <a:t>（与</a:t>
+            </a:r>
+            <a:r>
+              <a:rPr lang="en-US" altLang="zh-CN" sz="1600" dirty="0" err="1" smtClean="0"/>
+              <a:t>fileChannel</a:t>
+            </a:r>
+            <a:r>
+              <a:rPr lang="zh-CN" altLang="en-US" sz="1600" dirty="0" smtClean="0"/>
+              <a:t>无关，通过丢弃</a:t>
+            </a:r>
+            <a:r>
+              <a:rPr lang="en-US" altLang="zh-CN" sz="1600" dirty="0" err="1" smtClean="0"/>
+              <a:t>MappedByteBuffer</a:t>
+            </a:r>
+            <a:r>
+              <a:rPr lang="zh-CN" altLang="en-US" sz="1600" dirty="0" smtClean="0"/>
+              <a:t>对象释放）</a:t>
+            </a:r>
+            <a:endParaRPr lang="zh-CN" altLang="en-US" sz="1600" dirty="0"/>
+          </a:p>
+        </p:txBody>
+      </p:sp>
+      <p:sp>
+        <p:nvSpPr>
+          <p:cNvPr id="9" name="TextBox 8"/>
+          <p:cNvSpPr txBox="1"/>
+          <p:nvPr/>
+        </p:nvSpPr>
+        <p:spPr>
+          <a:xfrm>
+            <a:off x="971599" y="3394154"/>
+            <a:ext cx="5688633" cy="2154436"/>
+          </a:xfrm>
+          <a:prstGeom prst="rect">
+            <a:avLst/>
+          </a:prstGeom>
+          <a:noFill/>
+          <a:ln>
+            <a:solidFill>
+              <a:schemeClr val="bg1">
+                <a:lumMod val="50000"/>
+              </a:schemeClr>
+            </a:solidFill>
+            <a:prstDash val="lgDash"/>
+          </a:ln>
+        </p:spPr>
+        <p:txBody>
+          <a:bodyPr wrap="square" rtlCol="0">
+            <a:spAutoFit/>
+          </a:bodyPr>
+          <a:lstStyle/>
+          <a:p>
+            <a:r>
+              <a:rPr lang="en-US" altLang="zh-CN" sz="1200" dirty="0"/>
+              <a:t>public abstract class </a:t>
+            </a:r>
+            <a:r>
+              <a:rPr lang="en-US" altLang="zh-CN" sz="1200" b="1" dirty="0" err="1" smtClean="0">
+                <a:solidFill>
+                  <a:schemeClr val="accent1"/>
+                </a:solidFill>
+              </a:rPr>
+              <a:t>FileChannel</a:t>
+            </a:r>
+            <a:r>
+              <a:rPr lang="en-US" altLang="zh-CN" sz="1200" dirty="0" smtClean="0">
+                <a:solidFill>
+                  <a:schemeClr val="accent1"/>
+                </a:solidFill>
+              </a:rPr>
+              <a:t> </a:t>
+            </a:r>
+            <a:r>
+              <a:rPr lang="en-US" altLang="zh-CN" sz="1200" dirty="0" smtClean="0"/>
+              <a:t>extends </a:t>
+            </a:r>
+            <a:r>
+              <a:rPr lang="en-US" altLang="zh-CN" sz="1200" dirty="0" err="1"/>
+              <a:t>AbstractChannel</a:t>
+            </a:r>
+            <a:endParaRPr lang="en-US" altLang="zh-CN" sz="1200" dirty="0"/>
+          </a:p>
+          <a:p>
+            <a:r>
+              <a:rPr lang="en-US" altLang="zh-CN" sz="1200" dirty="0" smtClean="0"/>
+              <a:t>         implements </a:t>
+            </a:r>
+            <a:r>
+              <a:rPr lang="en-US" altLang="zh-CN" sz="1200" dirty="0" err="1"/>
+              <a:t>ByteChannel</a:t>
+            </a:r>
+            <a:r>
+              <a:rPr lang="en-US" altLang="zh-CN" sz="1200" dirty="0"/>
+              <a:t>, </a:t>
+            </a:r>
+            <a:r>
+              <a:rPr lang="en-US" altLang="zh-CN" sz="1200" dirty="0" err="1"/>
+              <a:t>GatheringByteChannel</a:t>
+            </a:r>
+            <a:r>
+              <a:rPr lang="en-US" altLang="zh-CN" sz="1200" dirty="0"/>
+              <a:t>, </a:t>
+            </a:r>
+            <a:r>
+              <a:rPr lang="en-US" altLang="zh-CN" sz="1200" dirty="0" err="1" smtClean="0"/>
+              <a:t>ScatteringByteChannel</a:t>
+            </a:r>
+            <a:r>
+              <a:rPr lang="en-US" altLang="zh-CN" sz="1200" dirty="0" smtClean="0"/>
+              <a:t> {</a:t>
+            </a:r>
+            <a:endParaRPr lang="en-US" altLang="zh-CN" sz="1200" dirty="0"/>
+          </a:p>
+          <a:p>
+            <a:r>
+              <a:rPr lang="en-US" altLang="zh-CN" sz="1200" dirty="0" smtClean="0"/>
+              <a:t>         // </a:t>
+            </a:r>
+            <a:r>
+              <a:rPr lang="en-US" altLang="zh-CN" sz="1200" dirty="0"/>
+              <a:t>This is a partial API listing</a:t>
+            </a:r>
+          </a:p>
+          <a:p>
+            <a:r>
+              <a:rPr lang="en-US" altLang="zh-CN" sz="1200" dirty="0" smtClean="0"/>
+              <a:t>         public </a:t>
+            </a:r>
+            <a:r>
+              <a:rPr lang="en-US" altLang="zh-CN" sz="1200" dirty="0"/>
+              <a:t>abstract </a:t>
+            </a:r>
+            <a:r>
+              <a:rPr lang="en-US" altLang="zh-CN" sz="1200" dirty="0" err="1"/>
+              <a:t>MappedByteBuffer</a:t>
+            </a:r>
+            <a:r>
+              <a:rPr lang="en-US" altLang="zh-CN" sz="1200" dirty="0"/>
+              <a:t> </a:t>
+            </a:r>
+            <a:r>
+              <a:rPr lang="en-US" altLang="zh-CN" sz="1200" b="1" dirty="0">
+                <a:solidFill>
+                  <a:schemeClr val="accent1"/>
+                </a:solidFill>
+              </a:rPr>
+              <a:t>map</a:t>
+            </a:r>
+            <a:r>
+              <a:rPr lang="en-US" altLang="zh-CN" sz="1200" dirty="0">
+                <a:solidFill>
+                  <a:schemeClr val="accent1"/>
+                </a:solidFill>
+              </a:rPr>
+              <a:t> </a:t>
+            </a:r>
+            <a:r>
+              <a:rPr lang="en-US" altLang="zh-CN" sz="1200" dirty="0"/>
+              <a:t>(</a:t>
+            </a:r>
+            <a:r>
+              <a:rPr lang="en-US" altLang="zh-CN" sz="1200" dirty="0" err="1"/>
+              <a:t>MapMode</a:t>
+            </a:r>
+            <a:r>
+              <a:rPr lang="en-US" altLang="zh-CN" sz="1200" dirty="0"/>
+              <a:t> mode, long position</a:t>
+            </a:r>
+            <a:r>
+              <a:rPr lang="en-US" altLang="zh-CN" sz="1200" dirty="0" smtClean="0"/>
+              <a:t>, long </a:t>
+            </a:r>
+            <a:r>
+              <a:rPr lang="en-US" altLang="zh-CN" sz="1200" dirty="0"/>
+              <a:t>size</a:t>
+            </a:r>
+            <a:r>
+              <a:rPr lang="en-US" altLang="zh-CN" sz="1200" dirty="0" smtClean="0"/>
+              <a:t>)</a:t>
+            </a:r>
+          </a:p>
+          <a:p>
+            <a:r>
+              <a:rPr lang="en-US" altLang="zh-CN" sz="1200" dirty="0"/>
+              <a:t> </a:t>
+            </a:r>
+            <a:r>
+              <a:rPr lang="en-US" altLang="zh-CN" sz="1200" dirty="0" smtClean="0"/>
+              <a:t>        public </a:t>
+            </a:r>
+            <a:r>
+              <a:rPr lang="en-US" altLang="zh-CN" sz="1200" dirty="0"/>
+              <a:t>static class </a:t>
+            </a:r>
+            <a:r>
+              <a:rPr lang="en-US" altLang="zh-CN" sz="1200" dirty="0" err="1" smtClean="0"/>
+              <a:t>MapMode</a:t>
+            </a:r>
+            <a:r>
+              <a:rPr lang="en-US" altLang="zh-CN" sz="1200" dirty="0" smtClean="0"/>
+              <a:t> {</a:t>
+            </a:r>
+            <a:endParaRPr lang="en-US" altLang="zh-CN" sz="1200" dirty="0"/>
+          </a:p>
+          <a:p>
+            <a:r>
+              <a:rPr lang="en-US" altLang="zh-CN" sz="1200" dirty="0" smtClean="0"/>
+              <a:t>                 public </a:t>
+            </a:r>
+            <a:r>
+              <a:rPr lang="en-US" altLang="zh-CN" sz="1200" dirty="0"/>
+              <a:t>static final </a:t>
+            </a:r>
+            <a:r>
+              <a:rPr lang="en-US" altLang="zh-CN" sz="1200" dirty="0" err="1"/>
+              <a:t>MapMode</a:t>
+            </a:r>
+            <a:r>
+              <a:rPr lang="en-US" altLang="zh-CN" sz="1200" dirty="0"/>
+              <a:t> </a:t>
+            </a:r>
+            <a:r>
+              <a:rPr lang="en-US" altLang="zh-CN" sz="1200" dirty="0">
+                <a:solidFill>
+                  <a:schemeClr val="accent2"/>
+                </a:solidFill>
+              </a:rPr>
+              <a:t>READ_ONLY</a:t>
+            </a:r>
+          </a:p>
+          <a:p>
+            <a:r>
+              <a:rPr lang="en-US" altLang="zh-CN" sz="1200" dirty="0" smtClean="0"/>
+              <a:t>                 public </a:t>
+            </a:r>
+            <a:r>
+              <a:rPr lang="en-US" altLang="zh-CN" sz="1200" dirty="0"/>
+              <a:t>static final </a:t>
+            </a:r>
+            <a:r>
+              <a:rPr lang="en-US" altLang="zh-CN" sz="1200" dirty="0" err="1"/>
+              <a:t>MapMode</a:t>
+            </a:r>
+            <a:r>
+              <a:rPr lang="en-US" altLang="zh-CN" sz="1200" dirty="0"/>
+              <a:t> </a:t>
+            </a:r>
+            <a:r>
+              <a:rPr lang="en-US" altLang="zh-CN" sz="1200" dirty="0">
+                <a:solidFill>
+                  <a:schemeClr val="accent2"/>
+                </a:solidFill>
+              </a:rPr>
+              <a:t>READ_WRITE</a:t>
+            </a:r>
+          </a:p>
+          <a:p>
+            <a:r>
+              <a:rPr lang="en-US" altLang="zh-CN" sz="1200" dirty="0" smtClean="0"/>
+              <a:t>                 public </a:t>
+            </a:r>
+            <a:r>
+              <a:rPr lang="en-US" altLang="zh-CN" sz="1200" dirty="0"/>
+              <a:t>static final </a:t>
+            </a:r>
+            <a:r>
+              <a:rPr lang="en-US" altLang="zh-CN" sz="1200" dirty="0" err="1"/>
+              <a:t>MapMode</a:t>
+            </a:r>
+            <a:r>
+              <a:rPr lang="en-US" altLang="zh-CN" sz="1200" dirty="0"/>
+              <a:t> </a:t>
+            </a:r>
+            <a:r>
+              <a:rPr lang="en-US" altLang="zh-CN" sz="1200" dirty="0" smtClean="0">
+                <a:solidFill>
+                  <a:schemeClr val="accent2"/>
+                </a:solidFill>
+              </a:rPr>
+              <a:t>PRIVATE</a:t>
+            </a:r>
+            <a:r>
+              <a:rPr lang="en-US" altLang="zh-CN" sz="1200" dirty="0" smtClean="0"/>
+              <a:t>  //</a:t>
+            </a:r>
+            <a:r>
+              <a:rPr lang="zh-CN" altLang="en-US" sz="1200" dirty="0"/>
+              <a:t>写时</a:t>
+            </a:r>
+            <a:r>
+              <a:rPr lang="zh-CN" altLang="en-US" sz="1200" dirty="0" smtClean="0"/>
+              <a:t>拷贝</a:t>
+            </a:r>
+            <a:endParaRPr lang="en-US" altLang="zh-CN" sz="1200" dirty="0" smtClean="0"/>
+          </a:p>
+          <a:p>
+            <a:r>
+              <a:rPr lang="en-US" altLang="zh-CN" sz="1200" dirty="0" smtClean="0"/>
+              <a:t>         }</a:t>
+            </a:r>
+          </a:p>
+          <a:p>
+            <a:r>
+              <a:rPr lang="en-US" altLang="zh-CN" sz="1200" dirty="0"/>
+              <a:t>         public abstract void </a:t>
+            </a:r>
+            <a:r>
+              <a:rPr lang="en-US" altLang="zh-CN" sz="1200" b="1" dirty="0">
+                <a:solidFill>
+                  <a:schemeClr val="accent1"/>
+                </a:solidFill>
+              </a:rPr>
+              <a:t>force</a:t>
+            </a:r>
+            <a:r>
+              <a:rPr lang="en-US" altLang="zh-CN" sz="1200" dirty="0">
+                <a:solidFill>
+                  <a:schemeClr val="accent1"/>
+                </a:solidFill>
+              </a:rPr>
+              <a:t> </a:t>
+            </a:r>
+            <a:r>
+              <a:rPr lang="en-US" altLang="zh-CN" sz="1200" dirty="0"/>
+              <a:t>(</a:t>
+            </a:r>
+            <a:r>
+              <a:rPr lang="en-US" altLang="zh-CN" sz="1200" dirty="0" err="1"/>
+              <a:t>boolean</a:t>
+            </a:r>
+            <a:r>
+              <a:rPr lang="en-US" altLang="zh-CN" sz="1200" dirty="0"/>
+              <a:t> </a:t>
+            </a:r>
+            <a:r>
+              <a:rPr lang="en-US" altLang="zh-CN" sz="1200" dirty="0" err="1"/>
+              <a:t>metaData</a:t>
+            </a:r>
+            <a:r>
+              <a:rPr lang="en-US" altLang="zh-CN" sz="1200" dirty="0"/>
+              <a:t>)</a:t>
+            </a:r>
+            <a:endParaRPr lang="en-US" altLang="zh-CN" sz="1200" dirty="0" smtClean="0"/>
+          </a:p>
+          <a:p>
+            <a:r>
+              <a:rPr lang="en-US" altLang="zh-CN" sz="1400" dirty="0" smtClean="0"/>
+              <a:t>}</a:t>
+            </a:r>
+            <a:endParaRPr lang="en-US" altLang="zh-CN" sz="1200" dirty="0" smtClean="0"/>
+          </a:p>
+        </p:txBody>
+      </p:sp>
+      <p:sp>
+        <p:nvSpPr>
+          <p:cNvPr id="10" name="TextBox 9"/>
+          <p:cNvSpPr txBox="1"/>
+          <p:nvPr/>
+        </p:nvSpPr>
+        <p:spPr>
+          <a:xfrm>
+            <a:off x="971599" y="5867980"/>
+            <a:ext cx="7178119" cy="307777"/>
+          </a:xfrm>
+          <a:prstGeom prst="rect">
+            <a:avLst/>
+          </a:prstGeom>
+          <a:noFill/>
+          <a:ln>
+            <a:solidFill>
+              <a:schemeClr val="bg1">
+                <a:lumMod val="50000"/>
+              </a:schemeClr>
+            </a:solidFill>
+            <a:prstDash val="lgDash"/>
+          </a:ln>
+        </p:spPr>
+        <p:txBody>
+          <a:bodyPr wrap="square" rtlCol="0">
+            <a:spAutoFit/>
+          </a:bodyPr>
+          <a:lstStyle/>
+          <a:p>
+            <a:r>
+              <a:rPr lang="en-US" altLang="zh-CN" sz="1400" b="1" dirty="0" err="1" smtClean="0"/>
+              <a:t>MappedByteBuffer</a:t>
+            </a:r>
+            <a:r>
+              <a:rPr lang="en-US" altLang="zh-CN" sz="1400" dirty="0" smtClean="0"/>
+              <a:t> buffer </a:t>
+            </a:r>
+            <a:r>
+              <a:rPr lang="en-US" altLang="zh-CN" sz="1400" dirty="0"/>
+              <a:t>= </a:t>
+            </a:r>
+            <a:r>
+              <a:rPr lang="en-US" altLang="zh-CN" sz="1400" dirty="0" err="1"/>
+              <a:t>fileChannel.</a:t>
+            </a:r>
+            <a:r>
+              <a:rPr lang="en-US" altLang="zh-CN" sz="1400" b="1" dirty="0" err="1">
+                <a:solidFill>
+                  <a:schemeClr val="accent1"/>
+                </a:solidFill>
+              </a:rPr>
+              <a:t>map</a:t>
+            </a:r>
+            <a:r>
+              <a:rPr lang="en-US" altLang="zh-CN" sz="1400" dirty="0"/>
+              <a:t> (</a:t>
+            </a:r>
+            <a:r>
+              <a:rPr lang="en-US" altLang="zh-CN" sz="1400" dirty="0" err="1"/>
+              <a:t>FileChannel.MapMode.</a:t>
+            </a:r>
+            <a:r>
+              <a:rPr lang="en-US" altLang="zh-CN" sz="1400" dirty="0" err="1">
+                <a:solidFill>
+                  <a:schemeClr val="accent2"/>
+                </a:solidFill>
+              </a:rPr>
+              <a:t>READ_ONLY</a:t>
+            </a:r>
+            <a:r>
+              <a:rPr lang="en-US" altLang="zh-CN" sz="1400" dirty="0"/>
+              <a:t>, 100, 200);</a:t>
+            </a:r>
+            <a:endParaRPr lang="zh-CN" altLang="en-US" sz="1400" dirty="0"/>
+          </a:p>
+        </p:txBody>
+      </p:sp>
+      <p:sp>
+        <p:nvSpPr>
+          <p:cNvPr id="6" name="TextBox 5"/>
+          <p:cNvSpPr txBox="1"/>
+          <p:nvPr/>
+        </p:nvSpPr>
+        <p:spPr>
+          <a:xfrm>
+            <a:off x="5076057" y="4293096"/>
+            <a:ext cx="3073662" cy="1384995"/>
+          </a:xfrm>
+          <a:prstGeom prst="rect">
+            <a:avLst/>
+          </a:prstGeom>
+          <a:solidFill>
+            <a:schemeClr val="bg1"/>
+          </a:solidFill>
+          <a:ln>
+            <a:solidFill>
+              <a:schemeClr val="bg1">
+                <a:lumMod val="50000"/>
+              </a:schemeClr>
+            </a:solidFill>
+            <a:prstDash val="lgDash"/>
+          </a:ln>
+        </p:spPr>
+        <p:txBody>
+          <a:bodyPr wrap="square" rtlCol="0">
+            <a:spAutoFit/>
+          </a:bodyPr>
+          <a:lstStyle/>
+          <a:p>
+            <a:r>
+              <a:rPr lang="en-US" altLang="zh-CN" sz="1200" dirty="0"/>
+              <a:t>public abstract class </a:t>
+            </a:r>
+            <a:r>
+              <a:rPr lang="en-US" altLang="zh-CN" sz="1200" b="1" dirty="0" err="1" smtClean="0">
+                <a:solidFill>
+                  <a:schemeClr val="accent1"/>
+                </a:solidFill>
+              </a:rPr>
+              <a:t>MappedByteBuffer</a:t>
+            </a:r>
+            <a:endParaRPr lang="en-US" altLang="zh-CN" sz="1200" b="1" dirty="0" smtClean="0">
+              <a:solidFill>
+                <a:schemeClr val="accent1"/>
+              </a:solidFill>
+            </a:endParaRPr>
+          </a:p>
+          <a:p>
+            <a:r>
+              <a:rPr lang="en-US" altLang="zh-CN" sz="1200" dirty="0" smtClean="0"/>
+              <a:t>         extends </a:t>
+            </a:r>
+            <a:r>
+              <a:rPr lang="en-US" altLang="zh-CN" sz="1200" dirty="0" err="1" smtClean="0"/>
+              <a:t>ByteBuffer</a:t>
+            </a:r>
+            <a:r>
+              <a:rPr lang="en-US" altLang="zh-CN" sz="1200" dirty="0" smtClean="0"/>
+              <a:t> {</a:t>
+            </a:r>
+            <a:endParaRPr lang="en-US" altLang="zh-CN" sz="1200" dirty="0"/>
+          </a:p>
+          <a:p>
+            <a:r>
+              <a:rPr lang="en-US" altLang="zh-CN" sz="1200" dirty="0" smtClean="0"/>
+              <a:t>         // </a:t>
+            </a:r>
+            <a:r>
+              <a:rPr lang="en-US" altLang="zh-CN" sz="1200" dirty="0"/>
+              <a:t>This is a partial API listing</a:t>
+            </a:r>
+          </a:p>
+          <a:p>
+            <a:r>
+              <a:rPr lang="en-US" altLang="zh-CN" sz="1200" dirty="0" smtClean="0"/>
+              <a:t>         public </a:t>
+            </a:r>
+            <a:r>
+              <a:rPr lang="en-US" altLang="zh-CN" sz="1200" dirty="0"/>
+              <a:t>final </a:t>
+            </a:r>
+            <a:r>
+              <a:rPr lang="en-US" altLang="zh-CN" sz="1200" dirty="0" err="1"/>
+              <a:t>MappedByteBuffer</a:t>
+            </a:r>
+            <a:r>
+              <a:rPr lang="en-US" altLang="zh-CN" sz="1200" dirty="0"/>
+              <a:t> </a:t>
+            </a:r>
+            <a:r>
+              <a:rPr lang="en-US" altLang="zh-CN" sz="1200" b="1" dirty="0">
+                <a:solidFill>
+                  <a:schemeClr val="accent1"/>
+                </a:solidFill>
+              </a:rPr>
+              <a:t>load</a:t>
+            </a:r>
+            <a:r>
+              <a:rPr lang="en-US" altLang="zh-CN" sz="1200" dirty="0"/>
+              <a:t>( )</a:t>
+            </a:r>
+          </a:p>
+          <a:p>
+            <a:r>
+              <a:rPr lang="en-US" altLang="zh-CN" sz="1200" dirty="0" smtClean="0"/>
+              <a:t>         public </a:t>
+            </a:r>
+            <a:r>
+              <a:rPr lang="en-US" altLang="zh-CN" sz="1200" dirty="0"/>
+              <a:t>final </a:t>
+            </a:r>
+            <a:r>
+              <a:rPr lang="en-US" altLang="zh-CN" sz="1200" dirty="0" err="1"/>
+              <a:t>boolean</a:t>
+            </a:r>
+            <a:r>
+              <a:rPr lang="en-US" altLang="zh-CN" sz="1200" dirty="0"/>
+              <a:t> </a:t>
+            </a:r>
+            <a:r>
+              <a:rPr lang="en-US" altLang="zh-CN" sz="1200" b="1" dirty="0" err="1">
+                <a:solidFill>
+                  <a:schemeClr val="accent1"/>
+                </a:solidFill>
+              </a:rPr>
+              <a:t>isLoaded</a:t>
+            </a:r>
+            <a:r>
+              <a:rPr lang="en-US" altLang="zh-CN" sz="1200" dirty="0"/>
+              <a:t>( )</a:t>
+            </a:r>
+          </a:p>
+          <a:p>
+            <a:r>
+              <a:rPr lang="en-US" altLang="zh-CN" sz="1200" dirty="0" smtClean="0"/>
+              <a:t>         public </a:t>
+            </a:r>
+            <a:r>
+              <a:rPr lang="en-US" altLang="zh-CN" sz="1200" dirty="0"/>
+              <a:t>final </a:t>
+            </a:r>
+            <a:r>
+              <a:rPr lang="en-US" altLang="zh-CN" sz="1200" dirty="0" err="1"/>
+              <a:t>MappedByteBuffer</a:t>
+            </a:r>
+            <a:r>
+              <a:rPr lang="en-US" altLang="zh-CN" sz="1200" dirty="0"/>
+              <a:t> </a:t>
+            </a:r>
+            <a:r>
+              <a:rPr lang="en-US" altLang="zh-CN" sz="1200" b="1" dirty="0">
+                <a:solidFill>
+                  <a:schemeClr val="accent1"/>
+                </a:solidFill>
+              </a:rPr>
+              <a:t>force</a:t>
+            </a:r>
+            <a:r>
+              <a:rPr lang="en-US" altLang="zh-CN" sz="1200" dirty="0"/>
+              <a:t>( )</a:t>
+            </a:r>
+          </a:p>
+          <a:p>
+            <a:r>
+              <a:rPr lang="en-US" altLang="zh-CN" sz="1200" dirty="0"/>
+              <a:t>}</a:t>
+            </a:r>
+            <a:endParaRPr lang="en-US" altLang="zh-CN" sz="1200" dirty="0" smtClean="0"/>
+          </a:p>
+        </p:txBody>
+      </p:sp>
+    </p:spTree>
+    <p:extLst>
+      <p:ext uri="{BB962C8B-B14F-4D97-AF65-F5344CB8AC3E}">
+        <p14:creationId xmlns:p14="http://schemas.microsoft.com/office/powerpoint/2010/main" val="1464777179"/>
+      </p:ext>
+    </p:extLst>
+  </p:cSld>
+  <p:clrMapOvr>
+    <a:masterClrMapping/>
+  </p:clrMapOvr>
+  <p:timing>
+    <p:tnLst>
+      <p:par>
+        <p:cTn id="1" dur="indefinite" restart="never" nodeType="tmRoot"/>
+      </p:par>
+    </p:tnLst>
+  </p:timing>
+</p:sld>
+</file>
+
+<file path=ppt/slides/slide38.xml><?xml version="1.0" encoding="utf-8"?>
+<p:sld xmlns:a="http://schemas.openxmlformats.org/drawingml/2006/main" xmlns:r="http://schemas.openxmlformats.org/officeDocument/2006/relationships" xmlns:p="http://schemas.openxmlformats.org/presentationml/2006/main">
+  <p:cSld>
+    <p:spTree>
+      <p:nvGrpSpPr>
+        <p:cNvPr id="1" name=""/>
+        <p:cNvGrpSpPr/>
+        <p:nvPr/>
+      </p:nvGrpSpPr>
+      <p:grpSpPr>
+        <a:xfrm>
+          <a:off x="0" y="0"/>
+          <a:ext cx="0" cy="0"/>
+          <a:chOff x="0" y="0"/>
+          <a:chExt cx="0" cy="0"/>
+        </a:xfrm>
+      </p:grpSpPr>
+      <p:sp>
+        <p:nvSpPr>
+          <p:cNvPr id="2" name="标题 1"/>
+          <p:cNvSpPr>
+            <a:spLocks noGrp="1"/>
+          </p:cNvSpPr>
+          <p:nvPr>
+            <p:ph type="title"/>
+          </p:nvPr>
+        </p:nvSpPr>
+        <p:spPr/>
+        <p:txBody>
           <a:bodyPr/>
           <a:lstStyle/>
           <a:p>
             <a:r>
+              <a:rPr lang="en-US" altLang="zh-CN" dirty="0" smtClean="0"/>
+              <a:t>Channel to Channel</a:t>
+            </a:r>
+            <a:r>
               <a:rPr lang="zh-CN" altLang="en-US" dirty="0" smtClean="0"/>
-              <a:t>通道之间的直接</a:t>
-            </a:r>
+              <a:t>传输</a:t>
+            </a:r>
+            <a:endParaRPr lang="zh-CN" altLang="en-US" dirty="0"/>
+          </a:p>
+        </p:txBody>
+      </p:sp>
+      <p:sp>
+        <p:nvSpPr>
+          <p:cNvPr id="3" name="内容占位符 2"/>
+          <p:cNvSpPr>
+            <a:spLocks noGrp="1"/>
+          </p:cNvSpPr>
+          <p:nvPr>
+            <p:ph idx="1"/>
+          </p:nvPr>
+        </p:nvSpPr>
+        <p:spPr/>
+        <p:txBody>
+          <a:bodyPr/>
+          <a:lstStyle/>
+          <a:p>
             <a:r>
               <a:rPr lang="zh-CN" altLang="en-US" dirty="0" smtClean="0"/>
-              <a:t>传输（高效、快速）</a:t>
+              <a:t>通道之间的直接传输（高效、快速）</a:t>
             </a:r>
             <a:endParaRPr lang="en-US" altLang="zh-CN" dirty="0" smtClean="0"/>
           </a:p>
           <a:p>
             <a:r>
               <a:rPr lang="zh-CN" altLang="en-US" dirty="0" smtClean="0"/>
-              <a:t>避免数据在</a:t>
-            </a:r>
-            <a:r>
-              <a:rPr lang="zh-CN" altLang="en-US" dirty="0" smtClean="0"/>
-              <a:t>缓冲区的</a:t>
-            </a:r>
-            <a:r>
-              <a:rPr lang="zh-CN" altLang="en-US" dirty="0" smtClean="0"/>
-              <a:t>传递</a:t>
-            </a:r>
-            <a:r>
-              <a:rPr lang="zh-CN" altLang="en-US" dirty="0" smtClean="0"/>
-              <a:t>或拷贝</a:t>
+              <a:t>避免数据在缓冲区的传递或拷贝</a:t>
             </a:r>
             <a:endParaRPr lang="en-US" altLang="zh-CN" dirty="0" smtClean="0"/>
           </a:p>
@@ -36758,11 +38118,7 @@
             </a:r>
             <a:r>
               <a:rPr lang="en-US" altLang="zh-CN" sz="1400" dirty="0" smtClean="0"/>
-              <a:t>, </a:t>
-            </a:r>
-            <a:r>
-              <a:rPr lang="en-US" altLang="zh-CN" sz="1400" dirty="0" smtClean="0"/>
-              <a:t>long </a:t>
+              <a:t>, long </a:t>
             </a:r>
             <a:r>
               <a:rPr lang="en-US" altLang="zh-CN" sz="1400" dirty="0"/>
@@ -36782,83 +38138,6 @@
     <p:extLst>
       <p:ext uri="{BB962C8B-B14F-4D97-AF65-F5344CB8AC3E}">
         <p14:creationId xmlns:p14="http://schemas.microsoft.com/office/powerpoint/2010/main" val="2029415932"/>
-      </p:ext>
-    </p:extLst>
-  </p:cSld>
-  <p:clrMapOvr>
-    <a:masterClrMapping/>
-  </p:clrMapOvr>
-</p:sld>
-</file>
-
-<file path=ppt/slides/slide38.xml><?xml version="1.0" encoding="utf-8"?>
-<p:sld xmlns:a="http://schemas.openxmlformats.org/drawingml/2006/main" xmlns:r="http://schemas.openxmlformats.org/officeDocument/2006/relationships" xmlns:p="http://schemas.openxmlformats.org/presentationml/2006/main">
-  <p:cSld>
-    <p:spTree>
-      <p:nvGrpSpPr>
-        <p:cNvPr id="1" name=""/>
-        <p:cNvGrpSpPr/>
-        <p:nvPr/>
-      </p:nvGrpSpPr>
-      <p:grpSpPr>
-        <a:xfrm>
-          <a:off x="0" y="0"/>
-          <a:ext cx="0" cy="0"/>
-          <a:chOff x="0" y="0"/>
-          <a:chExt cx="0" cy="0"/>
-        </a:xfrm>
-      </p:grpSpPr>
-      <p:sp>
-        <p:nvSpPr>
-          <p:cNvPr id="2" name="标题 1"/>
-          <p:cNvSpPr>
-            <a:spLocks noGrp="1"/>
-          </p:cNvSpPr>
-          <p:nvPr>
-            <p:ph type="title"/>
-          </p:nvPr>
-        </p:nvSpPr>
-        <p:spPr>
-          <a:xfrm>
-            <a:off x="457200" y="2790056"/>
-            <a:ext cx="8229600" cy="1143000"/>
-          </a:xfrm>
-        </p:spPr>
-        <p:txBody>
-          <a:bodyPr/>
-          <a:lstStyle/>
-          <a:p>
-            <a:r>
-              <a:rPr lang="en-US" altLang="zh-CN" dirty="0" smtClean="0"/>
-              <a:t>Selector</a:t>
-            </a:r>
-            <a:endParaRPr lang="zh-CN" altLang="en-US" dirty="0"/>
-          </a:p>
-        </p:txBody>
-      </p:sp>
-      <p:sp>
-        <p:nvSpPr>
-          <p:cNvPr id="3" name="内容占位符 2"/>
-          <p:cNvSpPr>
-            <a:spLocks noGrp="1"/>
-          </p:cNvSpPr>
-          <p:nvPr>
-            <p:ph idx="1"/>
-          </p:nvPr>
-        </p:nvSpPr>
-        <p:spPr/>
-        <p:txBody>
-          <a:bodyPr/>
-          <a:lstStyle/>
-          <a:p>
-            <a:endParaRPr lang="zh-CN" altLang="en-US"/>
-          </a:p>
-        </p:txBody>
-      </p:sp>
-    </p:spTree>
-    <p:extLst>
-      <p:ext uri="{BB962C8B-B14F-4D97-AF65-F5344CB8AC3E}">
-        <p14:creationId xmlns:p14="http://schemas.microsoft.com/office/powerpoint/2010/main" val="1321924788"/>
       </p:ext>
     </p:extLst>
   </p:cSld>
@@ -36908,12 +38187,12 @@
           <a:lstStyle/>
           <a:p>
             <a:r>
+              <a:rPr lang="zh-CN" altLang="en-US" dirty="0" smtClean="0"/>
+              <a:t>流</a:t>
+            </a:r>
+            <a:r>
               <a:rPr lang="en-US" altLang="zh-CN" dirty="0" smtClean="0"/>
               <a:t>IO</a:t>
-            </a:r>
-            <a:r>
-              <a:rPr lang="zh-CN" altLang="en-US" dirty="0" smtClean="0"/>
-              <a:t>模型</a:t>
             </a:r>
             <a:endParaRPr lang="zh-CN" altLang="en-US" dirty="0"/>
           </a:p>
@@ -36936,52 +38215,107 @@
           <a:p>
             <a:r>
               <a:rPr lang="en-US" altLang="zh-CN" dirty="0" smtClean="0"/>
-              <a:t>IO</a:t>
-            </a:r>
+              <a:t>Socket – </a:t>
+            </a:r>
+            <a:r>
+              <a:rPr lang="en-US" altLang="zh-CN" dirty="0" err="1" smtClean="0"/>
+              <a:t>SocketChannel</a:t>
+            </a:r>
+            <a:endParaRPr lang="en-US" altLang="zh-CN" dirty="0" smtClean="0"/>
+          </a:p>
+          <a:p>
+            <a:r>
+              <a:rPr lang="en-US" altLang="zh-CN" dirty="0" err="1" smtClean="0"/>
+              <a:t>ServerSocket</a:t>
+            </a:r>
+            <a:r>
+              <a:rPr lang="en-US" altLang="zh-CN" dirty="0" smtClean="0"/>
+              <a:t> – </a:t>
+            </a:r>
+            <a:r>
+              <a:rPr lang="en-US" altLang="zh-CN" dirty="0" err="1" smtClean="0"/>
+              <a:t>ServerSocketChannel</a:t>
+            </a:r>
+            <a:endParaRPr lang="en-US" altLang="zh-CN" dirty="0" smtClean="0"/>
+          </a:p>
+          <a:p>
+            <a:r>
+              <a:rPr lang="en-US" altLang="zh-CN" dirty="0" err="1" smtClean="0"/>
+              <a:t>DatagramSocekt</a:t>
+            </a:r>
+            <a:r>
+              <a:rPr lang="en-US" altLang="zh-CN" dirty="0" smtClean="0"/>
+              <a:t> – </a:t>
+            </a:r>
+            <a:r>
+              <a:rPr lang="en-US" altLang="zh-CN" dirty="0" err="1" smtClean="0"/>
+              <a:t>DatagramChannel</a:t>
+            </a:r>
+            <a:endParaRPr lang="en-US" altLang="zh-CN" dirty="0" smtClean="0"/>
+          </a:p>
+          <a:p>
             <a:r>
               <a:rPr lang="zh-CN" altLang="en-US" dirty="0" smtClean="0"/>
-              <a:t>模型</a:t>
-            </a:r>
-            <a:endParaRPr lang="en-US" altLang="zh-CN" dirty="0" smtClean="0"/>
-          </a:p>
-          <a:p>
-            <a:pPr lvl="1"/>
-            <a:r>
-              <a:rPr lang="zh-CN" altLang="en-US" dirty="0" smtClean="0"/>
-              <a:t>同步 </a:t>
-            </a:r>
-            <a:r>
-              <a:rPr lang="en-US" altLang="zh-CN" dirty="0" smtClean="0"/>
-              <a:t>/ </a:t>
-            </a:r>
-            <a:r>
-              <a:rPr lang="zh-CN" altLang="en-US" dirty="0" smtClean="0"/>
-              <a:t>异步</a:t>
-            </a:r>
-            <a:endParaRPr lang="en-US" altLang="zh-CN" dirty="0" smtClean="0"/>
-          </a:p>
-          <a:p>
-            <a:pPr lvl="1"/>
-            <a:r>
-              <a:rPr lang="zh-CN" altLang="en-US" dirty="0" smtClean="0"/>
-              <a:t>阻塞 </a:t>
-            </a:r>
-            <a:r>
-              <a:rPr lang="en-US" altLang="zh-CN" dirty="0" smtClean="0"/>
-              <a:t>/ </a:t>
-            </a:r>
-            <a:r>
-              <a:rPr lang="zh-CN" altLang="en-US" dirty="0" smtClean="0"/>
-              <a:t>非阻塞</a:t>
-            </a:r>
-            <a:endParaRPr lang="en-US" altLang="zh-CN" dirty="0" smtClean="0"/>
+              <a:t>非阻塞特性提升系统伸缩性</a:t>
+            </a:r>
+            <a:endParaRPr lang="zh-CN" altLang="en-US" dirty="0"/>
+          </a:p>
+        </p:txBody>
+      </p:sp>
+      <p:sp>
+        <p:nvSpPr>
+          <p:cNvPr id="4" name="爆炸形 1 3"/>
+          <p:cNvSpPr/>
+          <p:nvPr/>
+        </p:nvSpPr>
+        <p:spPr>
+          <a:xfrm>
+            <a:off x="5980323" y="1628800"/>
+            <a:ext cx="936104" cy="586230"/>
+          </a:xfrm>
+          <a:prstGeom prst="irregularSeal1">
+            <a:avLst/>
+          </a:prstGeom>
+        </p:spPr>
+        <p:style>
+          <a:lnRef idx="2">
+            <a:schemeClr val="accent1"/>
+          </a:lnRef>
+          <a:fillRef idx="1">
+            <a:schemeClr val="lt1"/>
+          </a:fillRef>
+          <a:effectRef idx="0">
+            <a:schemeClr val="accent1"/>
+          </a:effectRef>
+          <a:fontRef idx="minor">
+            <a:schemeClr val="dk1"/>
+          </a:fontRef>
+        </p:style>
+        <p:txBody>
+          <a:bodyPr rtlCol="0" anchor="ctr"/>
+          <a:lstStyle/>
+          <a:p>
+            <a:pPr algn="ctr"/>
+            <a:r>
+              <a:rPr lang="zh-CN" altLang="en-US" sz="1200" b="1" dirty="0">
+                <a:solidFill>
+                  <a:schemeClr val="accent2"/>
+                </a:solidFill>
+              </a:rPr>
+              <a:t>线程安全</a:t>
+            </a:r>
+            <a:endParaRPr lang="zh-CN" altLang="en-US" sz="1200" b="1" dirty="0">
+              <a:solidFill>
+                <a:schemeClr val="accent2"/>
+              </a:solidFill>
+            </a:endParaRPr>
           </a:p>
         </p:txBody>
       </p:sp>
     </p:spTree>
     <p:extLst>
       <p:ext uri="{BB962C8B-B14F-4D97-AF65-F5344CB8AC3E}">
-        <p14:creationId xmlns:p14="http://schemas.microsoft.com/office/powerpoint/2010/main" val="1230038389"/>
+        <p14:creationId xmlns:p14="http://schemas.microsoft.com/office/powerpoint/2010/main" val="4138967372"/>
       </p:ext>
     </p:extLst>
   </p:cSld>
@@ -37338,7 +38672,12 @@
             <p:ph type="title"/>
           </p:nvPr>
         </p:nvSpPr>
-        <p:spPr/>
+        <p:spPr>
+          <a:xfrm>
+            <a:off x="457200" y="2790056"/>
+            <a:ext cx="8229600" cy="1143000"/>
+          </a:xfrm>
+        </p:spPr>
         <p:txBody>
           <a:bodyPr/>
           <a:lstStyle/>
@@ -37366,50 +38705,14 @@
           <a:bodyPr/>
           <a:lstStyle/>
           <a:p>
-            <a:r>
-              <a:rPr lang="zh-CN" altLang="en-US" dirty="0" smtClean="0"/>
-              <a:t>操作系统</a:t>
-            </a:r>
-            <a:r>
-              <a:rPr lang="en-US" altLang="zh-CN" dirty="0" err="1" smtClean="0"/>
-              <a:t>io</a:t>
-            </a:r>
-            <a:r>
-              <a:rPr lang="zh-CN" altLang="en-US" dirty="0" smtClean="0"/>
-              <a:t>调用（</a:t>
-            </a:r>
-            <a:r>
-              <a:rPr lang="en-US" altLang="zh-CN" dirty="0" smtClean="0"/>
-              <a:t>select</a:t>
-            </a:r>
-            <a:r>
-              <a:rPr lang="zh-CN" altLang="en-US" dirty="0" smtClean="0"/>
-              <a:t>、</a:t>
-            </a:r>
-            <a:r>
-              <a:rPr lang="en-US" altLang="zh-CN" dirty="0" smtClean="0"/>
-              <a:t>poll</a:t>
-            </a:r>
-            <a:r>
-              <a:rPr lang="zh-CN" altLang="en-US" dirty="0" smtClean="0"/>
-              <a:t>、</a:t>
-            </a:r>
-            <a:r>
-              <a:rPr lang="en-US" altLang="zh-CN" dirty="0" err="1" smtClean="0"/>
-              <a:t>epool</a:t>
-            </a:r>
-            <a:r>
-              <a:rPr lang="zh-CN" altLang="en-US" dirty="0" smtClean="0"/>
-              <a:t>）</a:t>
-            </a:r>
-            <a:endParaRPr lang="zh-CN" altLang="en-US" dirty="0"/>
+            <a:endParaRPr lang="zh-CN" altLang="en-US"/>
           </a:p>
         </p:txBody>
       </p:sp>
     </p:spTree>
     <p:extLst>
       <p:ext uri="{BB962C8B-B14F-4D97-AF65-F5344CB8AC3E}">
-        <p14:creationId xmlns:p14="http://schemas.microsoft.com/office/powerpoint/2010/main" val="3777469752"/>
+        <p14:creationId xmlns:p14="http://schemas.microsoft.com/office/powerpoint/2010/main" val="1321924788"/>
       </p:ext>
     </p:extLst>
   </p:cSld>
@@ -37459,6 +38762,487 @@
           <a:lstStyle/>
           <a:p>
             <a:r>
+              <a:rPr lang="en-US" altLang="zh-CN" dirty="0" smtClean="0"/>
+              <a:t>IO</a:t>
+            </a:r>
+            <a:r>
+              <a:rPr lang="zh-CN" altLang="en-US" dirty="0" smtClean="0"/>
+              <a:t>模型</a:t>
+            </a:r>
+            <a:endParaRPr lang="zh-CN" altLang="en-US" dirty="0"/>
+          </a:p>
+        </p:txBody>
+      </p:sp>
+      <p:sp>
+        <p:nvSpPr>
+          <p:cNvPr id="3" name="内容占位符 2"/>
+          <p:cNvSpPr>
+            <a:spLocks noGrp="1"/>
+          </p:cNvSpPr>
+          <p:nvPr>
+            <p:ph idx="1"/>
+          </p:nvPr>
+        </p:nvSpPr>
+        <p:spPr/>
+        <p:txBody>
+          <a:bodyPr/>
+          <a:lstStyle/>
+          <a:p>
+            <a:r>
+              <a:rPr lang="en-US" altLang="zh-CN" dirty="0" smtClean="0"/>
+              <a:t>IO</a:t>
+            </a:r>
+            <a:r>
+              <a:rPr lang="zh-CN" altLang="en-US" dirty="0" smtClean="0"/>
+              <a:t>模型</a:t>
+            </a:r>
+            <a:endParaRPr lang="en-US" altLang="zh-CN" dirty="0" smtClean="0"/>
+          </a:p>
+          <a:p>
+            <a:pPr lvl="1"/>
+            <a:r>
+              <a:rPr lang="zh-CN" altLang="en-US" dirty="0" smtClean="0"/>
+              <a:t>同步 </a:t>
+            </a:r>
+            <a:r>
+              <a:rPr lang="en-US" altLang="zh-CN" dirty="0" smtClean="0"/>
+              <a:t>/ </a:t>
+            </a:r>
+            <a:r>
+              <a:rPr lang="zh-CN" altLang="en-US" dirty="0" smtClean="0"/>
+              <a:t>异步</a:t>
+            </a:r>
+            <a:endParaRPr lang="en-US" altLang="zh-CN" dirty="0" smtClean="0"/>
+          </a:p>
+          <a:p>
+            <a:pPr lvl="1"/>
+            <a:r>
+              <a:rPr lang="zh-CN" altLang="en-US" dirty="0" smtClean="0"/>
+              <a:t>阻塞 </a:t>
+            </a:r>
+            <a:r>
+              <a:rPr lang="en-US" altLang="zh-CN" dirty="0" smtClean="0"/>
+              <a:t>/ </a:t>
+            </a:r>
+            <a:r>
+              <a:rPr lang="zh-CN" altLang="en-US" dirty="0" smtClean="0"/>
+              <a:t>非阻塞</a:t>
+            </a:r>
+            <a:endParaRPr lang="en-US" altLang="zh-CN" dirty="0" smtClean="0"/>
+          </a:p>
+        </p:txBody>
+      </p:sp>
+    </p:spTree>
+    <p:extLst>
+      <p:ext uri="{BB962C8B-B14F-4D97-AF65-F5344CB8AC3E}">
+        <p14:creationId xmlns:p14="http://schemas.microsoft.com/office/powerpoint/2010/main" val="1230038389"/>
+      </p:ext>
+    </p:extLst>
+  </p:cSld>
+  <p:clrMapOvr>
+    <a:masterClrMapping/>
+  </p:clrMapOvr>
+</p:sld>
+</file>
+
+<file path=ppt/slides/slide42.xml><?xml version="1.0" encoding="utf-8"?>
+<p:sld xmlns:a="http://schemas.openxmlformats.org/drawingml/2006/main" xmlns:r="http://schemas.openxmlformats.org/officeDocument/2006/relationships" xmlns:p="http://schemas.openxmlformats.org/presentationml/2006/main">
+  <p:cSld>
+    <p:spTree>
+      <p:nvGrpSpPr>
+        <p:cNvPr id="1" name=""/>
+        <p:cNvGrpSpPr/>
+        <p:nvPr/>
+      </p:nvGrpSpPr>
+      <p:grpSpPr>
+        <a:xfrm>
+          <a:off x="0" y="0"/>
+          <a:ext cx="0" cy="0"/>
+          <a:chOff x="0" y="0"/>
+          <a:chExt cx="0" cy="0"/>
+        </a:xfrm>
+      </p:grpSpPr>
+      <p:sp>
+        <p:nvSpPr>
+          <p:cNvPr id="2" name="标题 1"/>
+          <p:cNvSpPr>
+            <a:spLocks noGrp="1"/>
+          </p:cNvSpPr>
+          <p:nvPr>
+            <p:ph type="title"/>
+          </p:nvPr>
+        </p:nvSpPr>
+        <p:spPr/>
+        <p:txBody>
+          <a:bodyPr/>
+          <a:lstStyle/>
+          <a:p>
+            <a:r>
+              <a:rPr lang="en-US" altLang="zh-CN" dirty="0" smtClean="0"/>
+              <a:t>Selector</a:t>
+            </a:r>
+            <a:endParaRPr lang="zh-CN" altLang="en-US" dirty="0"/>
+          </a:p>
+        </p:txBody>
+      </p:sp>
+      <p:sp>
+        <p:nvSpPr>
+          <p:cNvPr id="3" name="内容占位符 2"/>
+          <p:cNvSpPr>
+            <a:spLocks noGrp="1"/>
+          </p:cNvSpPr>
+          <p:nvPr>
+            <p:ph idx="1"/>
+          </p:nvPr>
+        </p:nvSpPr>
+        <p:spPr/>
+        <p:txBody>
+          <a:bodyPr/>
+          <a:lstStyle/>
+          <a:p>
+            <a:r>
+              <a:rPr lang="en-US" altLang="zh-CN" dirty="0" smtClean="0"/>
+              <a:t>POSIX</a:t>
+            </a:r>
+            <a:r>
+              <a:rPr lang="zh-CN" altLang="en-US" dirty="0" smtClean="0"/>
+              <a:t>系统调用（</a:t>
+            </a:r>
+            <a:r>
+              <a:rPr lang="en-US" altLang="zh-CN" dirty="0" smtClean="0"/>
+              <a:t>select</a:t>
+            </a:r>
+            <a:r>
+              <a:rPr lang="zh-CN" altLang="en-US" dirty="0" smtClean="0"/>
+              <a:t>、</a:t>
+            </a:r>
+            <a:r>
+              <a:rPr lang="en-US" altLang="zh-CN" dirty="0" smtClean="0"/>
+              <a:t>poll</a:t>
+            </a:r>
+            <a:r>
+              <a:rPr lang="zh-CN" altLang="en-US" dirty="0" smtClean="0"/>
+              <a:t>、</a:t>
+            </a:r>
+            <a:r>
+              <a:rPr lang="en-US" altLang="zh-CN" dirty="0" err="1" smtClean="0"/>
+              <a:t>epool</a:t>
+            </a:r>
+            <a:r>
+              <a:rPr lang="zh-CN" altLang="en-US" dirty="0" smtClean="0"/>
+              <a:t>）</a:t>
+            </a:r>
+            <a:endParaRPr lang="zh-CN" altLang="en-US" dirty="0"/>
+          </a:p>
+        </p:txBody>
+      </p:sp>
+    </p:spTree>
+    <p:extLst>
+      <p:ext uri="{BB962C8B-B14F-4D97-AF65-F5344CB8AC3E}">
+        <p14:creationId xmlns:p14="http://schemas.microsoft.com/office/powerpoint/2010/main" val="3777469752"/>
+      </p:ext>
+    </p:extLst>
+  </p:cSld>
+  <p:clrMapOvr>
+    <a:masterClrMapping/>
+  </p:clrMapOvr>
+  <p:timing>
+    <p:tnLst>
+      <p:par>
+        <p:cTn id="1" dur="indefinite" restart="never" nodeType="tmRoot"/>
+      </p:par>
+    </p:tnLst>
+  </p:timing>
+</p:sld>
+</file>
+
+<file path=ppt/slides/slide43.xml><?xml version="1.0" encoding="utf-8"?>
+<p:sld xmlns:a="http://schemas.openxmlformats.org/drawingml/2006/main" xmlns:r="http://schemas.openxmlformats.org/officeDocument/2006/relationships" xmlns:p="http://schemas.openxmlformats.org/presentationml/2006/main">
+  <p:cSld>
+    <p:spTree>
+      <p:nvGrpSpPr>
+        <p:cNvPr id="1" name=""/>
+        <p:cNvGrpSpPr/>
+        <p:nvPr/>
+      </p:nvGrpSpPr>
+      <p:grpSpPr>
+        <a:xfrm>
+          <a:off x="0" y="0"/>
+          <a:ext cx="0" cy="0"/>
+          <a:chOff x="0" y="0"/>
+          <a:chExt cx="0" cy="0"/>
+        </a:xfrm>
+      </p:grpSpPr>
+      <p:sp>
+        <p:nvSpPr>
+          <p:cNvPr id="2" name="标题 1"/>
+          <p:cNvSpPr>
+            <a:spLocks noGrp="1"/>
+          </p:cNvSpPr>
+          <p:nvPr>
+            <p:ph type="title"/>
+          </p:nvPr>
+        </p:nvSpPr>
+        <p:spPr/>
+        <p:txBody>
+          <a:bodyPr/>
+          <a:lstStyle/>
+          <a:p>
+            <a:endParaRPr lang="zh-CN" altLang="en-US" dirty="0"/>
+          </a:p>
+        </p:txBody>
+      </p:sp>
+      <p:sp>
+        <p:nvSpPr>
+          <p:cNvPr id="3" name="内容占位符 2"/>
+          <p:cNvSpPr>
+            <a:spLocks noGrp="1"/>
+          </p:cNvSpPr>
+          <p:nvPr>
+            <p:ph idx="1"/>
+          </p:nvPr>
+        </p:nvSpPr>
+        <p:spPr/>
+        <p:txBody>
+          <a:bodyPr/>
+          <a:lstStyle/>
+          <a:p>
+            <a:r>
+              <a:rPr lang="zh-CN" altLang="en-US" dirty="0" smtClean="0"/>
+              <a:t>键管理</a:t>
+            </a:r>
+            <a:endParaRPr lang="zh-CN" altLang="en-US" dirty="0"/>
+          </a:p>
+        </p:txBody>
+      </p:sp>
+    </p:spTree>
+    <p:extLst>
+      <p:ext uri="{BB962C8B-B14F-4D97-AF65-F5344CB8AC3E}">
+        <p14:creationId xmlns:p14="http://schemas.microsoft.com/office/powerpoint/2010/main" val="1430773946"/>
+      </p:ext>
+    </p:extLst>
+  </p:cSld>
+  <p:clrMapOvr>
+    <a:masterClrMapping/>
+  </p:clrMapOvr>
+</p:sld>
+</file>
+
+<file path=ppt/slides/slide44.xml><?xml version="1.0" encoding="utf-8"?>
+<p:sld xmlns:a="http://schemas.openxmlformats.org/drawingml/2006/main" xmlns:r="http://schemas.openxmlformats.org/officeDocument/2006/relationships" xmlns:p="http://schemas.openxmlformats.org/presentationml/2006/main">
+  <p:cSld>
+    <p:spTree>
+      <p:nvGrpSpPr>
+        <p:cNvPr id="1" name=""/>
+        <p:cNvGrpSpPr/>
+        <p:nvPr/>
+      </p:nvGrpSpPr>
+      <p:grpSpPr>
+        <a:xfrm>
+          <a:off x="0" y="0"/>
+          <a:ext cx="0" cy="0"/>
+          <a:chOff x="0" y="0"/>
+          <a:chExt cx="0" cy="0"/>
+        </a:xfrm>
+      </p:grpSpPr>
+      <p:sp>
+        <p:nvSpPr>
+          <p:cNvPr id="2" name="标题 1"/>
+          <p:cNvSpPr>
+            <a:spLocks noGrp="1"/>
+          </p:cNvSpPr>
+          <p:nvPr>
+            <p:ph type="title"/>
+          </p:nvPr>
+        </p:nvSpPr>
+        <p:spPr/>
+        <p:txBody>
+          <a:bodyPr/>
+          <a:lstStyle/>
+          <a:p>
+            <a:r>
+              <a:rPr lang="zh-CN" altLang="en-US" dirty="0" smtClean="0"/>
+              <a:t>停止</a:t>
+            </a:r>
+            <a:r>
+              <a:rPr lang="en-US" altLang="zh-CN" dirty="0" smtClean="0"/>
+              <a:t>Selector</a:t>
+            </a:r>
+            <a:endParaRPr lang="zh-CN" altLang="en-US" dirty="0"/>
+          </a:p>
+        </p:txBody>
+      </p:sp>
+      <p:sp>
+        <p:nvSpPr>
+          <p:cNvPr id="3" name="内容占位符 2"/>
+          <p:cNvSpPr>
+            <a:spLocks noGrp="1"/>
+          </p:cNvSpPr>
+          <p:nvPr>
+            <p:ph idx="1"/>
+          </p:nvPr>
+        </p:nvSpPr>
+        <p:spPr/>
+        <p:txBody>
+          <a:bodyPr/>
+          <a:lstStyle/>
+          <a:p>
+            <a:r>
+              <a:rPr lang="zh-CN" altLang="en-US" dirty="0" smtClean="0"/>
+              <a:t>优雅唤醒</a:t>
+            </a:r>
+            <a:r>
+              <a:rPr lang="en-US" altLang="zh-CN" dirty="0" smtClean="0"/>
+              <a:t>wakeup()</a:t>
+            </a:r>
+          </a:p>
+          <a:p>
+            <a:r>
+              <a:rPr lang="en-US" altLang="zh-CN" dirty="0" smtClean="0"/>
+              <a:t>Close()</a:t>
+            </a:r>
+          </a:p>
+          <a:p>
+            <a:r>
+              <a:rPr lang="zh-CN" altLang="en-US" dirty="0" smtClean="0"/>
+              <a:t>暴力停止</a:t>
+            </a:r>
+            <a:r>
+              <a:rPr lang="en-US" altLang="zh-CN" dirty="0" smtClean="0"/>
+              <a:t>interrupt()</a:t>
+            </a:r>
+          </a:p>
+          <a:p>
+            <a:r>
+              <a:rPr lang="zh-CN" altLang="en-US" dirty="0" smtClean="0"/>
+              <a:t>与通道不同</a:t>
+            </a:r>
+            <a:endParaRPr lang="zh-CN" altLang="en-US" dirty="0"/>
+          </a:p>
+        </p:txBody>
+      </p:sp>
+    </p:spTree>
+    <p:extLst>
+      <p:ext uri="{BB962C8B-B14F-4D97-AF65-F5344CB8AC3E}">
+        <p14:creationId xmlns:p14="http://schemas.microsoft.com/office/powerpoint/2010/main" val="1949254838"/>
+      </p:ext>
+    </p:extLst>
+  </p:cSld>
+  <p:clrMapOvr>
+    <a:masterClrMapping/>
+  </p:clrMapOvr>
+</p:sld>
+</file>
+
+<file path=ppt/slides/slide45.xml><?xml version="1.0" encoding="utf-8"?>
+<p:sld xmlns:a="http://schemas.openxmlformats.org/drawingml/2006/main" xmlns:r="http://schemas.openxmlformats.org/officeDocument/2006/relationships" xmlns:p="http://schemas.openxmlformats.org/presentationml/2006/main">
+  <p:cSld>
+    <p:spTree>
+      <p:nvGrpSpPr>
+        <p:cNvPr id="1" name=""/>
+        <p:cNvGrpSpPr/>
+        <p:nvPr/>
+      </p:nvGrpSpPr>
+      <p:grpSpPr>
+        <a:xfrm>
+          <a:off x="0" y="0"/>
+          <a:ext cx="0" cy="0"/>
+          <a:chOff x="0" y="0"/>
+          <a:chExt cx="0" cy="0"/>
+        </a:xfrm>
+      </p:grpSpPr>
+      <p:sp>
+        <p:nvSpPr>
+          <p:cNvPr id="2" name="标题 1"/>
+          <p:cNvSpPr>
+            <a:spLocks noGrp="1"/>
+          </p:cNvSpPr>
+          <p:nvPr>
+            <p:ph type="title"/>
+          </p:nvPr>
+        </p:nvSpPr>
+        <p:spPr/>
+        <p:txBody>
+          <a:bodyPr/>
+          <a:lstStyle/>
+          <a:p>
+            <a:r>
+              <a:rPr lang="en-US" altLang="zh-CN" dirty="0" smtClean="0"/>
+              <a:t>Reactor</a:t>
+            </a:r>
+            <a:r>
+              <a:rPr lang="zh-CN" altLang="en-US" dirty="0" smtClean="0"/>
+              <a:t>模式</a:t>
+            </a:r>
+            <a:endParaRPr lang="zh-CN" altLang="en-US" dirty="0"/>
+          </a:p>
+        </p:txBody>
+      </p:sp>
+      <p:sp>
+        <p:nvSpPr>
+          <p:cNvPr id="3" name="内容占位符 2"/>
+          <p:cNvSpPr>
+            <a:spLocks noGrp="1"/>
+          </p:cNvSpPr>
+          <p:nvPr>
+            <p:ph idx="1"/>
+          </p:nvPr>
+        </p:nvSpPr>
+        <p:spPr/>
+        <p:txBody>
+          <a:bodyPr/>
+          <a:lstStyle/>
+          <a:p>
+            <a:endParaRPr lang="zh-CN" altLang="en-US"/>
+          </a:p>
+        </p:txBody>
+      </p:sp>
+    </p:spTree>
+    <p:extLst>
+      <p:ext uri="{BB962C8B-B14F-4D97-AF65-F5344CB8AC3E}">
+        <p14:creationId xmlns:p14="http://schemas.microsoft.com/office/powerpoint/2010/main" val="4196410315"/>
+      </p:ext>
+    </p:extLst>
+  </p:cSld>
+  <p:clrMapOvr>
+    <a:masterClrMapping/>
+  </p:clrMapOvr>
+</p:sld>
+</file>
+
+<file path=ppt/slides/slide46.xml><?xml version="1.0" encoding="utf-8"?>
+<p:sld xmlns:a="http://schemas.openxmlformats.org/drawingml/2006/main" xmlns:r="http://schemas.openxmlformats.org/officeDocument/2006/relationships" xmlns:p="http://schemas.openxmlformats.org/presentationml/2006/main">
+  <p:cSld>
+    <p:spTree>
+      <p:nvGrpSpPr>
+        <p:cNvPr id="1" name=""/>
+        <p:cNvGrpSpPr/>
+        <p:nvPr/>
+      </p:nvGrpSpPr>
+      <p:grpSpPr>
+        <a:xfrm>
+          <a:off x="0" y="0"/>
+          <a:ext cx="0" cy="0"/>
+          <a:chOff x="0" y="0"/>
+          <a:chExt cx="0" cy="0"/>
+        </a:xfrm>
+      </p:grpSpPr>
+      <p:sp>
+        <p:nvSpPr>
+          <p:cNvPr id="2" name="标题 1"/>
+          <p:cNvSpPr>
+            <a:spLocks noGrp="1"/>
+          </p:cNvSpPr>
+          <p:nvPr>
+            <p:ph type="title"/>
+          </p:nvPr>
+        </p:nvSpPr>
+        <p:spPr/>
+        <p:txBody>
+          <a:bodyPr/>
+          <a:lstStyle/>
+          <a:p>
+            <a:r>
               <a:rPr lang="zh-CN" altLang="en-US" dirty="0" smtClean="0"/>
               <a:t>参考文献</a:t>
             </a:r>
@@ -37553,7 +39337,7 @@
 </p:sld>
 </file>
 
-<file path=ppt/slides/slide42.xml><?xml version="1.0" encoding="utf-8"?>
+<file path=ppt/slides/slide47.xml><?xml version="1.0" encoding="utf-8"?>
 <p:sld xmlns:a="http://schemas.openxmlformats.org/drawingml/2006/main" xmlns:r="http://schemas.openxmlformats.org/officeDocument/2006/relationships" xmlns:p="http://schemas.openxmlformats.org/presentationml/2006/main">
   <p:cSld>
     <p:spTree>

--- a/扒一扒Java IO那些事儿.pptx
+++ b/扒一扒Java IO那些事儿.pptx
@@ -5,7 +5,7 @@
     <p:sldMasterId id="2147483648" r:id="rId1"/>
   </p:sldMasterIdLst>
   <p:notesMasterIdLst>
-    <p:notesMasterId r:id="rId49"/>
+    <p:notesMasterId r:id="rId51"/>
   </p:notesMasterIdLst>
   <p:sldIdLst>
     <p:sldId id="256" r:id="rId2"/>
@@ -49,12 +49,14 @@
     <p:sldId id="312" r:id="rId40"/>
     <p:sldId id="277" r:id="rId41"/>
     <p:sldId id="305" r:id="rId42"/>
-    <p:sldId id="260" r:id="rId43"/>
-    <p:sldId id="315" r:id="rId44"/>
-    <p:sldId id="314" r:id="rId45"/>
-    <p:sldId id="313" r:id="rId46"/>
-    <p:sldId id="286" r:id="rId47"/>
-    <p:sldId id="288" r:id="rId48"/>
+    <p:sldId id="317" r:id="rId43"/>
+    <p:sldId id="260" r:id="rId44"/>
+    <p:sldId id="313" r:id="rId45"/>
+    <p:sldId id="315" r:id="rId46"/>
+    <p:sldId id="314" r:id="rId47"/>
+    <p:sldId id="316" r:id="rId48"/>
+    <p:sldId id="286" r:id="rId49"/>
+    <p:sldId id="288" r:id="rId50"/>
   </p:sldIdLst>
   <p:sldSz cx="9144000" cy="6858000" type="screen4x3"/>
   <p:notesSz cx="6858000" cy="9144000"/>
@@ -239,7 +241,7 @@
             <a:fld id="{8D0A4D32-5E3E-4AA6-B8C4-5345957C6B64}" type="datetimeFigureOut">
               <a:rPr lang="zh-CN" altLang="en-US" smtClean="0"/>
               <a:pPr/>
-              <a:t>2016-12-15</a:t>
+              <a:t>2016-12-16</a:t>
             </a:fld>
             <a:endParaRPr lang="zh-CN" altLang="en-US"/>
           </a:p>
@@ -1834,15 +1836,7 @@
             </a:pPr>
             <a:r>
               <a:rPr lang="zh-CN" altLang="en-US" sz="2000" dirty="0" smtClean="0"/>
-              <a:t>关于</a:t>
-            </a:r>
-            <a:r>
-              <a:rPr lang="zh-CN" altLang="en-US" sz="2000" dirty="0" smtClean="0"/>
-              <a:t>“线程被中断，通道就被关闭”</a:t>
-            </a:r>
-            <a:r>
-              <a:rPr lang="zh-CN" altLang="en-US" sz="2000" dirty="0" smtClean="0"/>
-              <a:t>的设计理念是这样的：“当 </a:t>
+              <a:t>关于“线程被中断，通道就被关闭”的设计理念是这样的：“当 </a:t>
             </a:r>
             <a:r>
               <a:rPr lang="en-US" altLang="zh-CN" sz="2000" dirty="0" smtClean="0"/>
@@ -2574,19 +2568,7 @@
             </a:pPr>
             <a:r>
               <a:rPr lang="zh-CN" altLang="en-US" dirty="0" smtClean="0"/>
-              <a:t>写</a:t>
-            </a:r>
-            <a:r>
-              <a:rPr lang="zh-CN" altLang="en-US" dirty="0" smtClean="0"/>
-              <a:t>文件数据时也会</a:t>
-            </a:r>
-            <a:r>
-              <a:rPr lang="zh-CN" altLang="en-US" dirty="0" smtClean="0"/>
-              <a:t>采用类似的步骤。</a:t>
-            </a:r>
-            <a:r>
-              <a:rPr lang="zh-CN" altLang="en-US" dirty="0" smtClean="0"/>
-              <a:t>这时，文件内容的改变（通过 </a:t>
+              <a:t>写文件数据时也会采用类似的步骤。这时，文件内容的改变（通过 </a:t>
             </a:r>
             <a:r>
               <a:rPr lang="en-US" altLang="zh-CN" dirty="0" smtClean="0"/>
@@ -2594,11 +2576,7 @@
             </a:r>
             <a:r>
               <a:rPr lang="zh-CN" altLang="en-US" dirty="0" smtClean="0"/>
-              <a:t>）将导致文件系统页变脏，随后通过页面调出，与磁盘上的文件内容保持同步</a:t>
-            </a:r>
-            <a:r>
-              <a:rPr lang="zh-CN" altLang="en-US" dirty="0" smtClean="0"/>
-              <a:t>。</a:t>
+              <a:t>）将导致文件系统页变脏，随后通过页面调出，与磁盘上的文件内容保持同步。</a:t>
             </a:r>
             <a:endParaRPr lang="en-US" altLang="zh-CN" dirty="0" smtClean="0"/>
           </a:p>
@@ -2609,15 +2587,7 @@
             </a:pPr>
             <a:r>
               <a:rPr lang="zh-CN" altLang="en-US" dirty="0" smtClean="0"/>
-              <a:t>文件</a:t>
-            </a:r>
-            <a:r>
-              <a:rPr lang="zh-CN" altLang="en-US" dirty="0" smtClean="0"/>
-              <a:t>的创建方式是，先把文件映射到空闲文件系统页，在随后的写操作中，再将文件系统页刷新到磁盘</a:t>
-            </a:r>
-            <a:r>
-              <a:rPr lang="zh-CN" altLang="en-US" dirty="0" smtClean="0"/>
-              <a:t>。</a:t>
+              <a:t>文件的创建方式是，先把文件映射到空闲文件系统页，在随后的写操作中，再将文件系统页刷新到磁盘。</a:t>
             </a:r>
             <a:endParaRPr lang="en-US" altLang="zh-CN" dirty="0" smtClean="0"/>
           </a:p>
@@ -2909,11 +2879,7 @@
             </a:r>
             <a:r>
               <a:rPr lang="zh-CN" altLang="en-US" dirty="0" smtClean="0"/>
-              <a:t>字节磁盘扇区）的倍数</a:t>
-            </a:r>
-            <a:r>
-              <a:rPr lang="zh-CN" altLang="en-US" dirty="0" smtClean="0"/>
-              <a:t>。</a:t>
+              <a:t>字节磁盘扇区）的倍数。</a:t>
             </a:r>
             <a:endParaRPr lang="en-US" altLang="zh-CN" dirty="0" smtClean="0"/>
           </a:p>
@@ -3447,71 +3413,739 @@
           <a:bodyPr/>
           <a:lstStyle/>
           <a:p>
-            <a:pPr marL="0" marR="0" indent="0" algn="l" defTabSz="914400" rtl="0" eaLnBrk="1" fontAlgn="auto" latinLnBrk="0" hangingPunct="1">
-              <a:lnSpc>
-                <a:spcPct val="100000"/>
-              </a:lnSpc>
-              <a:spcBef>
-                <a:spcPts val="0"/>
-              </a:spcBef>
-              <a:spcAft>
-                <a:spcPts val="0"/>
-              </a:spcAft>
-              <a:buClrTx/>
-              <a:buSzTx/>
-              <a:buFontTx/>
-              <a:buNone/>
-              <a:tabLst/>
-              <a:defRPr/>
-            </a:pPr>
-            <a:r>
-              <a:rPr lang="zh-CN" altLang="en-US" dirty="0" smtClean="0"/>
-              <a:t>对于文件 </a:t>
-            </a:r>
-            <a:r>
-              <a:rPr lang="en-US" altLang="zh-CN" dirty="0" smtClean="0"/>
-              <a:t>I/O</a:t>
-            </a:r>
-            <a:r>
-              <a:rPr lang="zh-CN" altLang="en-US" dirty="0" smtClean="0"/>
-              <a:t>，最强大之处在于异步 </a:t>
-            </a:r>
-            <a:r>
-              <a:rPr lang="en-US" altLang="zh-CN" dirty="0" smtClean="0"/>
-              <a:t>I/O</a:t>
-            </a:r>
-            <a:r>
-              <a:rPr lang="zh-CN" altLang="en-US" dirty="0" smtClean="0"/>
-              <a:t>（</a:t>
-            </a:r>
-            <a:r>
-              <a:rPr lang="en-US" altLang="zh-CN" dirty="0" smtClean="0"/>
-              <a:t>asynchronous I/O</a:t>
-            </a:r>
-            <a:r>
-              <a:rPr lang="zh-CN" altLang="en-US" dirty="0" smtClean="0"/>
-              <a:t>），它允许一个进程可以从操作系统请求一个或多个 </a:t>
-            </a:r>
-            <a:r>
-              <a:rPr lang="en-US" altLang="zh-CN" dirty="0" smtClean="0"/>
-              <a:t>I/O </a:t>
-            </a:r>
-            <a:r>
-              <a:rPr lang="zh-CN" altLang="en-US" dirty="0" smtClean="0"/>
-              <a:t>操作而不必等待这些操作的完成。发起请求的进程之后会收到它请求的 </a:t>
-            </a:r>
-            <a:r>
-              <a:rPr lang="en-US" altLang="zh-CN" dirty="0" smtClean="0"/>
-              <a:t>I/O </a:t>
-            </a:r>
-            <a:r>
-              <a:rPr lang="zh-CN" altLang="en-US" dirty="0" smtClean="0"/>
-              <a:t>操作已完成的通知。</a:t>
-            </a:r>
-            <a:endParaRPr lang="en-US" altLang="zh-CN" dirty="0" smtClean="0"/>
-          </a:p>
-          <a:p>
-            <a:endParaRPr lang="zh-CN" altLang="en-US" dirty="0"/>
+            <a:r>
+              <a:rPr lang="zh-CN" altLang="en-US" sz="1200" b="0" i="0" kern="1200" dirty="0" smtClean="0">
+                <a:solidFill>
+                  <a:schemeClr val="tx1"/>
+                </a:solidFill>
+                <a:effectLst/>
+                <a:latin typeface="+mn-ea"/>
+                <a:ea typeface="+mn-ea"/>
+                <a:cs typeface="+mn-cs"/>
+              </a:rPr>
+              <a:t>哲学概念：其实是</a:t>
+            </a:r>
+            <a:r>
+              <a:rPr lang="zh-CN" altLang="en-US" sz="1200" b="0" i="0" kern="1200" dirty="0" smtClean="0">
+                <a:solidFill>
+                  <a:schemeClr val="tx1"/>
+                </a:solidFill>
+                <a:effectLst/>
+                <a:latin typeface="+mn-lt"/>
+                <a:ea typeface="+mn-ea"/>
+                <a:cs typeface="+mn-cs"/>
+              </a:rPr>
+              <a:t>针对“做一件事”的哲学讨论：同步</a:t>
+            </a:r>
+            <a:r>
+              <a:rPr lang="en-US" altLang="zh-CN" sz="1200" b="0" i="0" kern="1200" dirty="0" smtClean="0">
+                <a:solidFill>
+                  <a:schemeClr val="tx1"/>
+                </a:solidFill>
+                <a:effectLst/>
+                <a:latin typeface="+mn-lt"/>
+                <a:ea typeface="+mn-ea"/>
+                <a:cs typeface="+mn-cs"/>
+              </a:rPr>
+              <a:t>/</a:t>
+            </a:r>
+            <a:r>
+              <a:rPr lang="zh-CN" altLang="en-US" sz="1200" b="0" i="0" kern="1200" dirty="0" smtClean="0">
+                <a:solidFill>
+                  <a:schemeClr val="tx1"/>
+                </a:solidFill>
+                <a:effectLst/>
+                <a:latin typeface="+mn-lt"/>
+                <a:ea typeface="+mn-ea"/>
+                <a:cs typeface="+mn-cs"/>
+              </a:rPr>
+              <a:t>异步：是决定做一件事的模式（自己干</a:t>
+            </a:r>
+            <a:r>
+              <a:rPr lang="en-US" altLang="zh-CN" sz="1200" b="0" i="0" kern="1200" dirty="0" smtClean="0">
+                <a:solidFill>
+                  <a:schemeClr val="tx1"/>
+                </a:solidFill>
+                <a:effectLst/>
+                <a:latin typeface="+mn-lt"/>
+                <a:ea typeface="+mn-ea"/>
+                <a:cs typeface="+mn-cs"/>
+              </a:rPr>
+              <a:t>or</a:t>
+            </a:r>
+            <a:r>
+              <a:rPr lang="zh-CN" altLang="en-US" sz="1200" b="0" i="0" kern="1200" dirty="0" smtClean="0">
+                <a:solidFill>
+                  <a:schemeClr val="tx1"/>
+                </a:solidFill>
+                <a:effectLst/>
+                <a:latin typeface="+mn-lt"/>
+                <a:ea typeface="+mn-ea"/>
+                <a:cs typeface="+mn-cs"/>
+              </a:rPr>
+              <a:t>让别人干），阻塞</a:t>
+            </a:r>
+            <a:r>
+              <a:rPr lang="en-US" altLang="zh-CN" sz="1200" b="0" i="0" kern="1200" dirty="0" smtClean="0">
+                <a:solidFill>
+                  <a:schemeClr val="tx1"/>
+                </a:solidFill>
+                <a:effectLst/>
+                <a:latin typeface="+mn-lt"/>
+                <a:ea typeface="+mn-ea"/>
+                <a:cs typeface="+mn-cs"/>
+              </a:rPr>
+              <a:t>/</a:t>
+            </a:r>
+            <a:r>
+              <a:rPr lang="zh-CN" altLang="en-US" sz="1200" b="0" i="0" kern="1200" dirty="0" smtClean="0">
+                <a:solidFill>
+                  <a:schemeClr val="tx1"/>
+                </a:solidFill>
+                <a:effectLst/>
+                <a:latin typeface="+mn-lt"/>
+                <a:ea typeface="+mn-ea"/>
+                <a:cs typeface="+mn-cs"/>
+              </a:rPr>
+              <a:t>非阻塞是真正做这件事时的具体策略（当遇到困难时是干等</a:t>
+            </a:r>
+            <a:r>
+              <a:rPr lang="en-US" altLang="zh-CN" sz="1200" b="0" i="0" kern="1200" dirty="0" smtClean="0">
+                <a:solidFill>
+                  <a:schemeClr val="tx1"/>
+                </a:solidFill>
+                <a:effectLst/>
+                <a:latin typeface="+mn-lt"/>
+                <a:ea typeface="+mn-ea"/>
+                <a:cs typeface="+mn-cs"/>
+              </a:rPr>
+              <a:t>or</a:t>
+            </a:r>
+            <a:r>
+              <a:rPr lang="zh-CN" altLang="en-US" sz="1200" b="0" i="0" kern="1200" dirty="0" smtClean="0">
+                <a:solidFill>
+                  <a:schemeClr val="tx1"/>
+                </a:solidFill>
+                <a:effectLst/>
+                <a:latin typeface="+mn-lt"/>
+                <a:ea typeface="+mn-ea"/>
+                <a:cs typeface="+mn-cs"/>
+              </a:rPr>
+              <a:t>过会儿再来看）</a:t>
+            </a:r>
+            <a:endParaRPr lang="en-US" altLang="zh-CN" sz="1200" b="0" i="0" kern="1200" dirty="0" smtClean="0">
+              <a:solidFill>
+                <a:schemeClr val="tx1"/>
+              </a:solidFill>
+              <a:effectLst/>
+              <a:latin typeface="+mn-ea"/>
+              <a:ea typeface="+mn-ea"/>
+              <a:cs typeface="+mn-cs"/>
+            </a:endParaRPr>
+          </a:p>
+          <a:p>
+            <a:r>
+              <a:rPr lang="zh-CN" altLang="en-US" sz="1200" b="0" i="0" kern="1200" dirty="0" smtClean="0">
+                <a:solidFill>
+                  <a:schemeClr val="tx1"/>
+                </a:solidFill>
+                <a:effectLst/>
+                <a:latin typeface="+mn-ea"/>
+                <a:ea typeface="+mn-ea"/>
+                <a:cs typeface="+mn-cs"/>
+              </a:rPr>
+              <a:t>具体来说：</a:t>
+            </a:r>
+          </a:p>
+          <a:p>
+            <a:r>
+              <a:rPr lang="en-US" altLang="zh-CN" sz="1200" b="0" i="0" kern="1200" dirty="0" smtClean="0">
+                <a:solidFill>
+                  <a:schemeClr val="tx1"/>
+                </a:solidFill>
+                <a:effectLst/>
+                <a:latin typeface="+mn-ea"/>
+                <a:ea typeface="+mn-ea"/>
+                <a:cs typeface="+mn-cs"/>
+              </a:rPr>
+              <a:t>1,</a:t>
+            </a:r>
+            <a:r>
+              <a:rPr lang="zh-CN" altLang="en-US" sz="1200" b="0" i="0" kern="1200" dirty="0" smtClean="0">
+                <a:solidFill>
+                  <a:schemeClr val="tx1"/>
+                </a:solidFill>
+                <a:effectLst/>
+                <a:latin typeface="+mn-ea"/>
+                <a:ea typeface="+mn-ea"/>
+                <a:cs typeface="+mn-cs"/>
+              </a:rPr>
+              <a:t>同步和异步是针对应用程序和内核的交互而言的，</a:t>
+            </a:r>
+            <a:r>
+              <a:rPr lang="zh-CN" altLang="en-US" sz="1200" b="0" i="0" kern="1200" dirty="0" smtClean="0">
+                <a:solidFill>
+                  <a:schemeClr val="tx1"/>
+                </a:solidFill>
+                <a:effectLst/>
+                <a:latin typeface="+mn-lt"/>
+                <a:ea typeface="+mn-ea"/>
+                <a:cs typeface="+mn-cs"/>
+              </a:rPr>
+              <a:t>是指一件事是应用程序自己来干，还是由其他系统或</a:t>
+            </a:r>
+            <a:r>
+              <a:rPr lang="en-US" altLang="zh-CN" sz="1200" b="0" i="0" kern="1200" dirty="0" smtClean="0">
+                <a:solidFill>
+                  <a:schemeClr val="tx1"/>
+                </a:solidFill>
+                <a:effectLst/>
+                <a:latin typeface="+mn-lt"/>
+                <a:ea typeface="+mn-ea"/>
+                <a:cs typeface="+mn-cs"/>
+              </a:rPr>
+              <a:t>OS</a:t>
+            </a:r>
+            <a:r>
+              <a:rPr lang="zh-CN" altLang="en-US" sz="1200" b="0" i="0" kern="1200" dirty="0" smtClean="0">
+                <a:solidFill>
+                  <a:schemeClr val="tx1"/>
+                </a:solidFill>
+                <a:effectLst/>
+                <a:latin typeface="+mn-lt"/>
+                <a:ea typeface="+mn-ea"/>
+                <a:cs typeface="+mn-cs"/>
+              </a:rPr>
+              <a:t>内核来干；</a:t>
+            </a:r>
+            <a:r>
+              <a:rPr lang="zh-CN" altLang="en-US" sz="1200" b="0" i="0" kern="1200" dirty="0" smtClean="0">
+                <a:solidFill>
+                  <a:schemeClr val="tx1"/>
+                </a:solidFill>
+                <a:effectLst/>
+                <a:latin typeface="+mn-ea"/>
+                <a:ea typeface="+mn-ea"/>
+                <a:cs typeface="+mn-cs"/>
+              </a:rPr>
+              <a:t/>
+            </a:r>
+            <a:br>
+              <a:rPr lang="zh-CN" altLang="en-US" sz="1200" b="0" i="0" kern="1200" dirty="0" smtClean="0">
+                <a:solidFill>
+                  <a:schemeClr val="tx1"/>
+                </a:solidFill>
+                <a:effectLst/>
+                <a:latin typeface="+mn-ea"/>
+                <a:ea typeface="+mn-ea"/>
+                <a:cs typeface="+mn-cs"/>
+              </a:rPr>
+            </a:br>
+            <a:r>
+              <a:rPr lang="en-US" altLang="zh-CN" sz="1200" b="0" i="0" kern="1200" dirty="0" smtClean="0">
+                <a:solidFill>
+                  <a:schemeClr val="tx1"/>
+                </a:solidFill>
+                <a:effectLst/>
+                <a:latin typeface="+mn-ea"/>
+                <a:ea typeface="+mn-ea"/>
+                <a:cs typeface="+mn-cs"/>
+              </a:rPr>
+              <a:t>2,</a:t>
+            </a:r>
+            <a:r>
+              <a:rPr lang="zh-CN" altLang="en-US" sz="1200" b="0" i="0" kern="1200" dirty="0" smtClean="0">
+                <a:solidFill>
+                  <a:schemeClr val="tx1"/>
+                </a:solidFill>
+                <a:effectLst/>
+                <a:latin typeface="+mn-ea"/>
+                <a:ea typeface="+mn-ea"/>
+                <a:cs typeface="+mn-cs"/>
+              </a:rPr>
+              <a:t>阻塞和非阻塞是针对函数的返回方式而言的，是阻塞线程还是立即返回。</a:t>
+            </a:r>
+            <a:endParaRPr lang="en-US" altLang="zh-CN" sz="1200" b="0" i="0" kern="1200" dirty="0" smtClean="0">
+              <a:solidFill>
+                <a:schemeClr val="tx1"/>
+              </a:solidFill>
+              <a:effectLst/>
+              <a:latin typeface="+mn-ea"/>
+              <a:ea typeface="+mn-ea"/>
+              <a:cs typeface="+mn-cs"/>
+            </a:endParaRPr>
+          </a:p>
+          <a:p>
+            <a:r>
+              <a:rPr lang="zh-CN" altLang="en-US" sz="1200" b="0" i="0" kern="1200" dirty="0" smtClean="0">
+                <a:solidFill>
+                  <a:schemeClr val="tx1"/>
+                </a:solidFill>
+                <a:effectLst/>
+                <a:latin typeface="+mn-lt"/>
+                <a:ea typeface="+mn-ea"/>
+                <a:cs typeface="+mn-cs"/>
+              </a:rPr>
+              <a:t>同步和异步是目的，阻塞和非阻塞是实现方式。</a:t>
+            </a:r>
+            <a:r>
+              <a:rPr lang="zh-CN" altLang="en-US" sz="1200" b="0" i="0" kern="1200" dirty="0" smtClean="0">
+                <a:solidFill>
+                  <a:schemeClr val="tx1"/>
+                </a:solidFill>
+                <a:effectLst/>
+                <a:latin typeface="+mn-ea"/>
+                <a:ea typeface="+mn-ea"/>
+                <a:cs typeface="+mn-cs"/>
+              </a:rPr>
+              <a:t>  </a:t>
+            </a:r>
+            <a:endParaRPr lang="en-US" altLang="zh-CN" sz="1200" b="0" i="0" kern="1200" dirty="0" smtClean="0">
+              <a:solidFill>
+                <a:schemeClr val="tx1"/>
+              </a:solidFill>
+              <a:effectLst/>
+              <a:latin typeface="+mn-ea"/>
+              <a:ea typeface="+mn-ea"/>
+              <a:cs typeface="+mn-cs"/>
+            </a:endParaRPr>
+          </a:p>
+          <a:p>
+            <a:r>
+              <a:rPr lang="zh-CN" altLang="en-US" sz="1200" b="0" i="0" kern="1200" dirty="0" smtClean="0">
+                <a:solidFill>
+                  <a:schemeClr val="tx1"/>
+                </a:solidFill>
+                <a:effectLst/>
+                <a:latin typeface="+mn-ea"/>
+                <a:ea typeface="+mn-ea"/>
+                <a:cs typeface="+mn-cs"/>
+              </a:rPr>
+              <a:t>关于</a:t>
+            </a:r>
+            <a:r>
+              <a:rPr lang="en-US" altLang="zh-CN" sz="1200" b="0" i="0" kern="1200" dirty="0" smtClean="0">
+                <a:solidFill>
+                  <a:schemeClr val="tx1"/>
+                </a:solidFill>
+                <a:effectLst/>
+                <a:latin typeface="+mn-ea"/>
+                <a:ea typeface="+mn-ea"/>
+                <a:cs typeface="+mn-cs"/>
+              </a:rPr>
+              <a:t>IO</a:t>
+            </a:r>
+            <a:r>
+              <a:rPr lang="zh-CN" altLang="en-US" sz="1200" b="0" i="0" kern="1200" dirty="0" smtClean="0">
+                <a:solidFill>
+                  <a:schemeClr val="tx1"/>
+                </a:solidFill>
+                <a:effectLst/>
+                <a:latin typeface="+mn-ea"/>
+                <a:ea typeface="+mn-ea"/>
+                <a:cs typeface="+mn-cs"/>
+              </a:rPr>
+              <a:t>模型的优劣：</a:t>
+            </a:r>
+            <a:endParaRPr lang="en-US" altLang="zh-CN" sz="1200" b="0" i="0" kern="1200" dirty="0" smtClean="0">
+              <a:solidFill>
+                <a:schemeClr val="tx1"/>
+              </a:solidFill>
+              <a:effectLst/>
+              <a:latin typeface="+mn-ea"/>
+              <a:ea typeface="+mn-ea"/>
+              <a:cs typeface="+mn-cs"/>
+            </a:endParaRPr>
+          </a:p>
+          <a:p>
+            <a:r>
+              <a:rPr lang="zh-CN" altLang="en-US" sz="1200" b="0" i="0" kern="1200" dirty="0" smtClean="0">
+                <a:solidFill>
+                  <a:schemeClr val="tx1"/>
+                </a:solidFill>
+                <a:effectLst/>
+                <a:latin typeface="+mn-ea"/>
+                <a:ea typeface="+mn-ea"/>
+                <a:cs typeface="+mn-cs"/>
+              </a:rPr>
+              <a:t>同步阻塞：简单。</a:t>
+            </a:r>
+            <a:endParaRPr lang="en-US" altLang="zh-CN" sz="1200" b="0" i="0" kern="1200" dirty="0" smtClean="0">
+              <a:solidFill>
+                <a:schemeClr val="tx1"/>
+              </a:solidFill>
+              <a:effectLst/>
+              <a:latin typeface="+mn-ea"/>
+              <a:ea typeface="+mn-ea"/>
+              <a:cs typeface="+mn-cs"/>
+            </a:endParaRPr>
+          </a:p>
+          <a:p>
+            <a:r>
+              <a:rPr lang="zh-CN" altLang="en-US" sz="1200" b="0" i="0" kern="1200" dirty="0" smtClean="0">
+                <a:solidFill>
+                  <a:schemeClr val="tx1"/>
+                </a:solidFill>
+                <a:effectLst/>
+                <a:latin typeface="+mn-ea"/>
+                <a:ea typeface="+mn-ea"/>
+                <a:cs typeface="+mn-cs"/>
+              </a:rPr>
+              <a:t>同步非阻塞：提高</a:t>
+            </a:r>
+            <a:r>
+              <a:rPr lang="en-US" altLang="zh-CN" sz="1200" b="0" i="0" kern="1200" dirty="0" smtClean="0">
+                <a:solidFill>
+                  <a:schemeClr val="tx1"/>
+                </a:solidFill>
+                <a:effectLst/>
+                <a:latin typeface="+mn-ea"/>
+                <a:ea typeface="+mn-ea"/>
+                <a:cs typeface="+mn-cs"/>
+              </a:rPr>
+              <a:t>CPU</a:t>
+            </a:r>
+            <a:r>
+              <a:rPr lang="zh-CN" altLang="en-US" sz="1200" b="0" i="0" kern="1200" dirty="0" smtClean="0">
+                <a:solidFill>
+                  <a:schemeClr val="tx1"/>
+                </a:solidFill>
+                <a:effectLst/>
+                <a:latin typeface="+mn-ea"/>
+                <a:ea typeface="+mn-ea"/>
+                <a:cs typeface="+mn-cs"/>
+              </a:rPr>
+              <a:t>效率。</a:t>
+            </a:r>
+            <a:endParaRPr lang="en-US" altLang="zh-CN" sz="1200" b="0" i="0" kern="1200" dirty="0" smtClean="0">
+              <a:solidFill>
+                <a:schemeClr val="tx1"/>
+              </a:solidFill>
+              <a:effectLst/>
+              <a:latin typeface="+mn-ea"/>
+              <a:ea typeface="+mn-ea"/>
+              <a:cs typeface="+mn-cs"/>
+            </a:endParaRPr>
+          </a:p>
+          <a:p>
+            <a:r>
+              <a:rPr lang="en-US" altLang="zh-CN" sz="1200" b="0" i="0" kern="1200" dirty="0" smtClean="0">
+                <a:solidFill>
+                  <a:schemeClr val="tx1"/>
+                </a:solidFill>
+                <a:effectLst/>
+                <a:latin typeface="+mn-ea"/>
+                <a:ea typeface="+mn-ea"/>
+                <a:cs typeface="+mn-cs"/>
+              </a:rPr>
+              <a:t>IO</a:t>
+            </a:r>
+            <a:r>
+              <a:rPr lang="zh-CN" altLang="en-US" sz="1200" b="0" i="0" kern="1200" dirty="0" smtClean="0">
+                <a:solidFill>
+                  <a:schemeClr val="tx1"/>
+                </a:solidFill>
+                <a:effectLst/>
+                <a:latin typeface="+mn-ea"/>
+                <a:ea typeface="+mn-ea"/>
+                <a:cs typeface="+mn-cs"/>
+              </a:rPr>
+              <a:t>多路复用：避免多次系统调用（开销较大）。</a:t>
+            </a:r>
+            <a:endParaRPr lang="en-US" altLang="zh-CN" sz="1200" b="0" i="0" kern="1200" dirty="0" smtClean="0">
+              <a:solidFill>
+                <a:schemeClr val="tx1"/>
+              </a:solidFill>
+              <a:effectLst/>
+              <a:latin typeface="+mn-ea"/>
+              <a:ea typeface="+mn-ea"/>
+              <a:cs typeface="+mn-cs"/>
+            </a:endParaRPr>
+          </a:p>
+          <a:p>
+            <a:r>
+              <a:rPr lang="zh-CN" altLang="en-US" sz="1200" b="0" i="0" kern="1200" dirty="0" smtClean="0">
+                <a:solidFill>
+                  <a:schemeClr val="tx1"/>
+                </a:solidFill>
+                <a:effectLst/>
+                <a:latin typeface="+mn-ea"/>
+                <a:ea typeface="+mn-ea"/>
+                <a:cs typeface="+mn-cs"/>
+              </a:rPr>
+              <a:t>信号驱动：避免复杂的多</a:t>
+            </a:r>
+            <a:r>
+              <a:rPr lang="en-US" altLang="zh-CN" sz="1200" b="0" i="0" kern="1200" dirty="0" smtClean="0">
+                <a:solidFill>
+                  <a:schemeClr val="tx1"/>
+                </a:solidFill>
+                <a:effectLst/>
+                <a:latin typeface="+mn-ea"/>
+                <a:ea typeface="+mn-ea"/>
+                <a:cs typeface="+mn-cs"/>
+              </a:rPr>
+              <a:t>IO</a:t>
+            </a:r>
+            <a:r>
+              <a:rPr lang="zh-CN" altLang="en-US" sz="1200" b="0" i="0" kern="1200" dirty="0" smtClean="0">
+                <a:solidFill>
+                  <a:schemeClr val="tx1"/>
+                </a:solidFill>
+                <a:effectLst/>
+                <a:latin typeface="+mn-ea"/>
+                <a:ea typeface="+mn-ea"/>
+                <a:cs typeface="+mn-cs"/>
+              </a:rPr>
+              <a:t>就绪状态控制。但是信号只是指示用户进程数据有了，数据在内核态到用户态之间的拷贝仍然需要用户进程调用</a:t>
+            </a:r>
+            <a:r>
+              <a:rPr lang="en-US" altLang="zh-CN" sz="1200" b="0" i="0" kern="1200" dirty="0" smtClean="0">
+                <a:solidFill>
+                  <a:schemeClr val="tx1"/>
+                </a:solidFill>
+                <a:effectLst/>
+                <a:latin typeface="+mn-ea"/>
+                <a:ea typeface="+mn-ea"/>
+                <a:cs typeface="+mn-cs"/>
+              </a:rPr>
+              <a:t>read/write</a:t>
+            </a:r>
+            <a:r>
+              <a:rPr lang="zh-CN" altLang="en-US" sz="1200" b="0" i="0" kern="1200" dirty="0" smtClean="0">
+                <a:solidFill>
+                  <a:schemeClr val="tx1"/>
+                </a:solidFill>
+                <a:effectLst/>
+                <a:latin typeface="+mn-ea"/>
+                <a:ea typeface="+mn-ea"/>
+                <a:cs typeface="+mn-cs"/>
+              </a:rPr>
+              <a:t>系统调用。</a:t>
+            </a:r>
+            <a:endParaRPr lang="en-US" altLang="zh-CN" sz="1200" b="0" i="0" kern="1200" dirty="0" smtClean="0">
+              <a:solidFill>
+                <a:schemeClr val="tx1"/>
+              </a:solidFill>
+              <a:effectLst/>
+              <a:latin typeface="+mn-ea"/>
+              <a:ea typeface="+mn-ea"/>
+              <a:cs typeface="+mn-cs"/>
+            </a:endParaRPr>
+          </a:p>
+          <a:p>
+            <a:r>
+              <a:rPr lang="zh-CN" altLang="en-US" sz="1200" b="0" i="0" kern="1200" dirty="0" smtClean="0">
+                <a:solidFill>
+                  <a:schemeClr val="tx1"/>
+                </a:solidFill>
+                <a:effectLst/>
+                <a:latin typeface="+mn-ea"/>
+                <a:ea typeface="+mn-ea"/>
+                <a:cs typeface="+mn-cs"/>
+              </a:rPr>
+              <a:t>异步非阻塞：也叫“事件驱动”，比信号驱动更进一步：</a:t>
+            </a:r>
+            <a:r>
+              <a:rPr lang="zh-CN" altLang="en-US" sz="1200" b="0" i="0" kern="1200" dirty="0" smtClean="0">
+                <a:solidFill>
+                  <a:schemeClr val="tx1"/>
+                </a:solidFill>
+                <a:effectLst/>
+                <a:latin typeface="+mn-lt"/>
+                <a:ea typeface="+mn-ea"/>
+                <a:cs typeface="+mn-cs"/>
+              </a:rPr>
+              <a:t>信号驱动由内核告诉我们何时可以开始一个</a:t>
+            </a:r>
+            <a:r>
+              <a:rPr lang="en-US" altLang="zh-CN" sz="1200" b="0" i="0" kern="1200" dirty="0" smtClean="0">
+                <a:solidFill>
+                  <a:schemeClr val="tx1"/>
+                </a:solidFill>
+                <a:effectLst/>
+                <a:latin typeface="+mn-lt"/>
+                <a:ea typeface="+mn-ea"/>
+                <a:cs typeface="+mn-cs"/>
+              </a:rPr>
+              <a:t>IO</a:t>
+            </a:r>
+            <a:r>
+              <a:rPr lang="zh-CN" altLang="en-US" sz="1200" b="0" i="0" kern="1200" dirty="0" smtClean="0">
+                <a:solidFill>
+                  <a:schemeClr val="tx1"/>
+                </a:solidFill>
+                <a:effectLst/>
+                <a:latin typeface="+mn-lt"/>
+                <a:ea typeface="+mn-ea"/>
+                <a:cs typeface="+mn-cs"/>
+              </a:rPr>
+              <a:t>操作</a:t>
+            </a:r>
+            <a:r>
+              <a:rPr lang="en-US" altLang="zh-CN" sz="1200" b="0" i="0" kern="1200" dirty="0" smtClean="0">
+                <a:solidFill>
+                  <a:schemeClr val="tx1"/>
+                </a:solidFill>
+                <a:effectLst/>
+                <a:latin typeface="+mn-lt"/>
+                <a:ea typeface="+mn-ea"/>
+                <a:cs typeface="+mn-cs"/>
+              </a:rPr>
+              <a:t>(</a:t>
+            </a:r>
+            <a:r>
+              <a:rPr lang="zh-CN" altLang="en-US" sz="1200" b="0" i="0" kern="1200" dirty="0" smtClean="0">
+                <a:solidFill>
+                  <a:schemeClr val="tx1"/>
+                </a:solidFill>
+                <a:effectLst/>
+                <a:latin typeface="+mn-lt"/>
+                <a:ea typeface="+mn-ea"/>
+                <a:cs typeface="+mn-cs"/>
+              </a:rPr>
+              <a:t>数据在内核缓冲区中</a:t>
+            </a:r>
+            <a:r>
+              <a:rPr lang="en-US" altLang="zh-CN" sz="1200" b="0" i="0" kern="1200" dirty="0" smtClean="0">
+                <a:solidFill>
+                  <a:schemeClr val="tx1"/>
+                </a:solidFill>
+                <a:effectLst/>
+                <a:latin typeface="+mn-lt"/>
+                <a:ea typeface="+mn-ea"/>
+                <a:cs typeface="+mn-cs"/>
+              </a:rPr>
+              <a:t>)</a:t>
+            </a:r>
+            <a:r>
+              <a:rPr lang="zh-CN" altLang="en-US" sz="1200" b="0" i="0" kern="1200" dirty="0" smtClean="0">
+                <a:solidFill>
+                  <a:schemeClr val="tx1"/>
+                </a:solidFill>
+                <a:effectLst/>
+                <a:latin typeface="+mn-lt"/>
+                <a:ea typeface="+mn-ea"/>
+                <a:cs typeface="+mn-cs"/>
+              </a:rPr>
+              <a:t>，而异步</a:t>
+            </a:r>
+            <a:r>
+              <a:rPr lang="en-US" altLang="zh-CN" sz="1200" b="0" i="0" kern="1200" dirty="0" smtClean="0">
+                <a:solidFill>
+                  <a:schemeClr val="tx1"/>
+                </a:solidFill>
+                <a:effectLst/>
+                <a:latin typeface="+mn-lt"/>
+                <a:ea typeface="+mn-ea"/>
+                <a:cs typeface="+mn-cs"/>
+              </a:rPr>
+              <a:t>IO</a:t>
+            </a:r>
+            <a:r>
+              <a:rPr lang="zh-CN" altLang="en-US" sz="1200" b="0" i="0" kern="1200" dirty="0" smtClean="0">
+                <a:solidFill>
+                  <a:schemeClr val="tx1"/>
+                </a:solidFill>
+                <a:effectLst/>
+                <a:latin typeface="+mn-lt"/>
+                <a:ea typeface="+mn-ea"/>
+                <a:cs typeface="+mn-cs"/>
+              </a:rPr>
+              <a:t>则由内核通知</a:t>
+            </a:r>
+            <a:r>
+              <a:rPr lang="en-US" altLang="zh-CN" sz="1200" b="0" i="0" kern="1200" dirty="0" smtClean="0">
+                <a:solidFill>
+                  <a:schemeClr val="tx1"/>
+                </a:solidFill>
+                <a:effectLst/>
+                <a:latin typeface="+mn-lt"/>
+                <a:ea typeface="+mn-ea"/>
+                <a:cs typeface="+mn-cs"/>
+              </a:rPr>
+              <a:t>IO</a:t>
+            </a:r>
+            <a:r>
+              <a:rPr lang="zh-CN" altLang="en-US" sz="1200" b="0" i="0" kern="1200" dirty="0" smtClean="0">
+                <a:solidFill>
+                  <a:schemeClr val="tx1"/>
+                </a:solidFill>
+                <a:effectLst/>
+                <a:latin typeface="+mn-lt"/>
+                <a:ea typeface="+mn-ea"/>
+                <a:cs typeface="+mn-cs"/>
+              </a:rPr>
+              <a:t>操作何时已经完成</a:t>
+            </a:r>
+            <a:r>
+              <a:rPr lang="en-US" altLang="zh-CN" sz="1200" b="0" i="0" kern="1200" dirty="0" smtClean="0">
+                <a:solidFill>
+                  <a:schemeClr val="tx1"/>
+                </a:solidFill>
+                <a:effectLst/>
+                <a:latin typeface="+mn-lt"/>
+                <a:ea typeface="+mn-ea"/>
+                <a:cs typeface="+mn-cs"/>
+              </a:rPr>
+              <a:t>(</a:t>
+            </a:r>
+            <a:r>
+              <a:rPr lang="zh-CN" altLang="en-US" sz="1200" b="0" i="0" kern="1200" dirty="0" smtClean="0">
+                <a:solidFill>
+                  <a:schemeClr val="tx1"/>
+                </a:solidFill>
+                <a:effectLst/>
+                <a:latin typeface="+mn-lt"/>
+                <a:ea typeface="+mn-ea"/>
+                <a:cs typeface="+mn-cs"/>
+              </a:rPr>
+              <a:t>数据已经在用户空间中</a:t>
+            </a:r>
+            <a:r>
+              <a:rPr lang="en-US" altLang="zh-CN" sz="1200" b="0" i="0" kern="1200" dirty="0" smtClean="0">
+                <a:solidFill>
+                  <a:schemeClr val="tx1"/>
+                </a:solidFill>
+                <a:effectLst/>
+                <a:latin typeface="+mn-lt"/>
+                <a:ea typeface="+mn-ea"/>
+                <a:cs typeface="+mn-cs"/>
+              </a:rPr>
+              <a:t>)</a:t>
+            </a:r>
+            <a:r>
+              <a:rPr lang="zh-CN" altLang="en-US" sz="1200" b="0" i="0" kern="1200" dirty="0" smtClean="0">
+                <a:solidFill>
+                  <a:schemeClr val="tx1"/>
+                </a:solidFill>
+                <a:effectLst/>
+                <a:latin typeface="+mn-lt"/>
+                <a:ea typeface="+mn-ea"/>
+                <a:cs typeface="+mn-cs"/>
+              </a:rPr>
+              <a:t>。</a:t>
+            </a:r>
+            <a:endParaRPr lang="en-US" altLang="zh-CN" sz="1200" b="0" i="0" kern="1200" dirty="0" smtClean="0">
+              <a:solidFill>
+                <a:schemeClr val="tx1"/>
+              </a:solidFill>
+              <a:effectLst/>
+              <a:latin typeface="+mn-ea"/>
+              <a:ea typeface="+mn-ea"/>
+              <a:cs typeface="+mn-cs"/>
+            </a:endParaRPr>
+          </a:p>
+          <a:p>
+            <a:endParaRPr lang="en-US" altLang="zh-CN" sz="1200" b="0" i="0" kern="1200" dirty="0" smtClean="0">
+              <a:solidFill>
+                <a:schemeClr val="tx1"/>
+              </a:solidFill>
+              <a:effectLst/>
+              <a:latin typeface="+mn-ea"/>
+              <a:ea typeface="+mn-ea"/>
+              <a:cs typeface="+mn-cs"/>
+            </a:endParaRPr>
           </a:p>
         </p:txBody>
       </p:sp>
@@ -3597,24 +4231,274 @@
           <a:lstStyle/>
           <a:p>
             <a:r>
-              <a:rPr lang="zh-CN" altLang="en-US" dirty="0" smtClean="0"/>
-              <a:t>真正的就绪选择必须由操作系统来做。如果在应用层面去轮询检查通道状态，将会使得在检查每个通道是否就绪时都至少进行一次系统调用，这种代价是十分昂贵的。</a:t>
-            </a:r>
-            <a:endParaRPr lang="en-US" altLang="zh-CN" dirty="0" smtClean="0"/>
-          </a:p>
-          <a:p>
-            <a:r>
-              <a:rPr lang="zh-CN" altLang="en-US" dirty="0" smtClean="0"/>
-              <a:t>操作系统的一项最重要的功能就是处理 </a:t>
-            </a:r>
-            <a:r>
-              <a:rPr lang="en-US" altLang="zh-CN" dirty="0" smtClean="0"/>
-              <a:t>I/O </a:t>
-            </a:r>
-            <a:r>
-              <a:rPr lang="zh-CN" altLang="en-US" dirty="0" smtClean="0"/>
-              <a:t>请求并通知各个线程它们的数据已经准备好了。</a:t>
-            </a:r>
+              <a:rPr lang="en-US" altLang="zh-CN" sz="1200" b="1" i="0" kern="1200" dirty="0" smtClean="0">
+                <a:solidFill>
+                  <a:schemeClr val="tx1"/>
+                </a:solidFill>
+                <a:effectLst/>
+                <a:latin typeface="+mn-lt"/>
+                <a:ea typeface="+mn-ea"/>
+                <a:cs typeface="+mn-cs"/>
+              </a:rPr>
+              <a:t>BIO</a:t>
+            </a:r>
+            <a:r>
+              <a:rPr lang="zh-CN" altLang="en-US" sz="1200" b="1" i="0" kern="1200" dirty="0" smtClean="0">
+                <a:solidFill>
+                  <a:schemeClr val="tx1"/>
+                </a:solidFill>
+                <a:effectLst/>
+                <a:latin typeface="+mn-lt"/>
+                <a:ea typeface="+mn-ea"/>
+                <a:cs typeface="+mn-cs"/>
+              </a:rPr>
+              <a:t>、</a:t>
+            </a:r>
+            <a:r>
+              <a:rPr lang="en-US" altLang="zh-CN" sz="1200" b="1" i="0" kern="1200" dirty="0" smtClean="0">
+                <a:solidFill>
+                  <a:schemeClr val="tx1"/>
+                </a:solidFill>
+                <a:effectLst/>
+                <a:latin typeface="+mn-lt"/>
+                <a:ea typeface="+mn-ea"/>
+                <a:cs typeface="+mn-cs"/>
+              </a:rPr>
+              <a:t>NIO</a:t>
+            </a:r>
+            <a:r>
+              <a:rPr lang="zh-CN" altLang="en-US" sz="1200" b="1" i="0" kern="1200" dirty="0" smtClean="0">
+                <a:solidFill>
+                  <a:schemeClr val="tx1"/>
+                </a:solidFill>
+                <a:effectLst/>
+                <a:latin typeface="+mn-lt"/>
+                <a:ea typeface="+mn-ea"/>
+                <a:cs typeface="+mn-cs"/>
+              </a:rPr>
+              <a:t>、</a:t>
+            </a:r>
+            <a:r>
+              <a:rPr lang="en-US" altLang="zh-CN" sz="1200" b="1" i="0" kern="1200" dirty="0" smtClean="0">
+                <a:solidFill>
+                  <a:schemeClr val="tx1"/>
+                </a:solidFill>
+                <a:effectLst/>
+                <a:latin typeface="+mn-lt"/>
+                <a:ea typeface="+mn-ea"/>
+                <a:cs typeface="+mn-cs"/>
+              </a:rPr>
+              <a:t>AIO</a:t>
+            </a:r>
+            <a:r>
+              <a:rPr lang="zh-CN" altLang="en-US" sz="1200" b="1" i="0" kern="1200" dirty="0" smtClean="0">
+                <a:solidFill>
+                  <a:schemeClr val="tx1"/>
+                </a:solidFill>
+                <a:effectLst/>
+                <a:latin typeface="+mn-lt"/>
+                <a:ea typeface="+mn-ea"/>
+                <a:cs typeface="+mn-cs"/>
+              </a:rPr>
+              <a:t>适用场景分析</a:t>
+            </a:r>
+            <a:r>
+              <a:rPr lang="en-US" altLang="zh-CN" sz="1200" b="1" i="0" kern="1200" dirty="0" smtClean="0">
+                <a:solidFill>
+                  <a:schemeClr val="tx1"/>
+                </a:solidFill>
+                <a:effectLst/>
+                <a:latin typeface="+mn-lt"/>
+                <a:ea typeface="+mn-ea"/>
+                <a:cs typeface="+mn-cs"/>
+              </a:rPr>
+              <a:t>:</a:t>
+            </a:r>
+            <a:endParaRPr lang="zh-CN" altLang="en-US" sz="1200" b="0" i="0" kern="1200" dirty="0" smtClean="0">
+              <a:solidFill>
+                <a:schemeClr val="tx1"/>
+              </a:solidFill>
+              <a:effectLst/>
+              <a:latin typeface="+mn-lt"/>
+              <a:ea typeface="+mn-ea"/>
+              <a:cs typeface="+mn-cs"/>
+            </a:endParaRPr>
+          </a:p>
+          <a:p>
+            <a:r>
+              <a:rPr lang="en-US" altLang="zh-CN" sz="1200" b="0" i="0" kern="1200" dirty="0" smtClean="0">
+                <a:solidFill>
+                  <a:schemeClr val="tx1"/>
+                </a:solidFill>
+                <a:effectLst/>
+                <a:latin typeface="+mn-lt"/>
+                <a:ea typeface="+mn-ea"/>
+                <a:cs typeface="+mn-cs"/>
+              </a:rPr>
+              <a:t>BIO</a:t>
+            </a:r>
+            <a:r>
+              <a:rPr lang="zh-CN" altLang="en-US" sz="1200" b="0" i="0" kern="1200" dirty="0" smtClean="0">
+                <a:solidFill>
+                  <a:schemeClr val="tx1"/>
+                </a:solidFill>
+                <a:effectLst/>
+                <a:latin typeface="+mn-lt"/>
+                <a:ea typeface="+mn-ea"/>
+                <a:cs typeface="+mn-cs"/>
+              </a:rPr>
+              <a:t>方式适用于连接数目比较小且固定的架构，这种方式对服务器资源要求比较高，并发局限于应用中，</a:t>
+            </a:r>
+            <a:r>
+              <a:rPr lang="en-US" altLang="zh-CN" sz="1200" b="0" i="0" kern="1200" dirty="0" smtClean="0">
+                <a:solidFill>
+                  <a:schemeClr val="tx1"/>
+                </a:solidFill>
+                <a:effectLst/>
+                <a:latin typeface="+mn-lt"/>
+                <a:ea typeface="+mn-ea"/>
+                <a:cs typeface="+mn-cs"/>
+              </a:rPr>
+              <a:t>JDK1.4</a:t>
+            </a:r>
+            <a:r>
+              <a:rPr lang="zh-CN" altLang="en-US" sz="1200" b="0" i="0" kern="1200" dirty="0" smtClean="0">
+                <a:solidFill>
+                  <a:schemeClr val="tx1"/>
+                </a:solidFill>
+                <a:effectLst/>
+                <a:latin typeface="+mn-lt"/>
+                <a:ea typeface="+mn-ea"/>
+                <a:cs typeface="+mn-cs"/>
+              </a:rPr>
+              <a:t>以前的唯一选择，但程序直观简单易理解。</a:t>
+            </a:r>
+          </a:p>
+          <a:p>
+            <a:r>
+              <a:rPr lang="en-US" altLang="zh-CN" sz="1200" b="0" i="0" kern="1200" dirty="0" smtClean="0">
+                <a:solidFill>
+                  <a:schemeClr val="tx1"/>
+                </a:solidFill>
+                <a:effectLst/>
+                <a:latin typeface="+mn-lt"/>
+                <a:ea typeface="+mn-ea"/>
+                <a:cs typeface="+mn-cs"/>
+              </a:rPr>
+              <a:t>NIO</a:t>
+            </a:r>
+            <a:r>
+              <a:rPr lang="zh-CN" altLang="en-US" sz="1200" b="0" i="0" kern="1200" dirty="0" smtClean="0">
+                <a:solidFill>
+                  <a:schemeClr val="tx1"/>
+                </a:solidFill>
+                <a:effectLst/>
+                <a:latin typeface="+mn-lt"/>
+                <a:ea typeface="+mn-ea"/>
+                <a:cs typeface="+mn-cs"/>
+              </a:rPr>
+              <a:t>方式适用于连接数目多且连接比较短（轻操作）的架构，比如聊天服务器，并发局限于应用中，编程比较复杂，</a:t>
+            </a:r>
+            <a:r>
+              <a:rPr lang="en-US" altLang="zh-CN" sz="1200" b="0" i="0" kern="1200" dirty="0" smtClean="0">
+                <a:solidFill>
+                  <a:schemeClr val="tx1"/>
+                </a:solidFill>
+                <a:effectLst/>
+                <a:latin typeface="+mn-lt"/>
+                <a:ea typeface="+mn-ea"/>
+                <a:cs typeface="+mn-cs"/>
+              </a:rPr>
+              <a:t>JDK1.4</a:t>
+            </a:r>
+            <a:r>
+              <a:rPr lang="zh-CN" altLang="en-US" sz="1200" b="0" i="0" kern="1200" dirty="0" smtClean="0">
+                <a:solidFill>
+                  <a:schemeClr val="tx1"/>
+                </a:solidFill>
+                <a:effectLst/>
+                <a:latin typeface="+mn-lt"/>
+                <a:ea typeface="+mn-ea"/>
+                <a:cs typeface="+mn-cs"/>
+              </a:rPr>
+              <a:t>开始支持。</a:t>
+            </a:r>
+          </a:p>
+          <a:p>
+            <a:r>
+              <a:rPr lang="en-US" altLang="zh-CN" sz="1200" b="0" i="0" kern="1200" dirty="0" smtClean="0">
+                <a:solidFill>
+                  <a:schemeClr val="tx1"/>
+                </a:solidFill>
+                <a:effectLst/>
+                <a:latin typeface="+mn-lt"/>
+                <a:ea typeface="+mn-ea"/>
+                <a:cs typeface="+mn-cs"/>
+              </a:rPr>
+              <a:t>AIO</a:t>
+            </a:r>
+            <a:r>
+              <a:rPr lang="zh-CN" altLang="en-US" sz="1200" b="0" i="0" kern="1200" dirty="0" smtClean="0">
+                <a:solidFill>
+                  <a:schemeClr val="tx1"/>
+                </a:solidFill>
+                <a:effectLst/>
+                <a:latin typeface="+mn-lt"/>
+                <a:ea typeface="+mn-ea"/>
+                <a:cs typeface="+mn-cs"/>
+              </a:rPr>
+              <a:t>方式使用于连接数目多且连接比较长（重操作）的架构，比如相册服务器，充分调用</a:t>
+            </a:r>
+            <a:r>
+              <a:rPr lang="en-US" altLang="zh-CN" sz="1200" b="0" i="0" kern="1200" dirty="0" smtClean="0">
+                <a:solidFill>
+                  <a:schemeClr val="tx1"/>
+                </a:solidFill>
+                <a:effectLst/>
+                <a:latin typeface="+mn-lt"/>
+                <a:ea typeface="+mn-ea"/>
+                <a:cs typeface="+mn-cs"/>
+              </a:rPr>
+              <a:t>OS</a:t>
+            </a:r>
+            <a:r>
+              <a:rPr lang="zh-CN" altLang="en-US" sz="1200" b="0" i="0" kern="1200" dirty="0" smtClean="0">
+                <a:solidFill>
+                  <a:schemeClr val="tx1"/>
+                </a:solidFill>
+                <a:effectLst/>
+                <a:latin typeface="+mn-lt"/>
+                <a:ea typeface="+mn-ea"/>
+                <a:cs typeface="+mn-cs"/>
+              </a:rPr>
+              <a:t>参与并发操作，编程比较复杂，</a:t>
+            </a:r>
+            <a:r>
+              <a:rPr lang="en-US" altLang="zh-CN" sz="1200" b="0" i="0" kern="1200" dirty="0" smtClean="0">
+                <a:solidFill>
+                  <a:schemeClr val="tx1"/>
+                </a:solidFill>
+                <a:effectLst/>
+                <a:latin typeface="+mn-lt"/>
+                <a:ea typeface="+mn-ea"/>
+                <a:cs typeface="+mn-cs"/>
+              </a:rPr>
+              <a:t>JDK7</a:t>
+            </a:r>
+            <a:r>
+              <a:rPr lang="zh-CN" altLang="en-US" sz="1200" b="0" i="0" kern="1200" dirty="0" smtClean="0">
+                <a:solidFill>
+                  <a:schemeClr val="tx1"/>
+                </a:solidFill>
+                <a:effectLst/>
+                <a:latin typeface="+mn-lt"/>
+                <a:ea typeface="+mn-ea"/>
+                <a:cs typeface="+mn-cs"/>
+              </a:rPr>
+              <a:t>开始支持。</a:t>
+            </a:r>
+          </a:p>
+          <a:p>
             <a:endParaRPr lang="zh-CN" altLang="en-US" dirty="0"/>
           </a:p>
         </p:txBody>
@@ -3646,7 +4530,7 @@
     </p:spTree>
     <p:extLst>
       <p:ext uri="{BB962C8B-B14F-4D97-AF65-F5344CB8AC3E}">
-        <p14:creationId xmlns:p14="http://schemas.microsoft.com/office/powerpoint/2010/main" val="216504068"/>
+        <p14:creationId xmlns:p14="http://schemas.microsoft.com/office/powerpoint/2010/main" val="1873741070"/>
       </p:ext>
     </p:extLst>
   </p:cSld>
@@ -3702,20 +4586,1032 @@
           <a:p>
             <a:r>
               <a:rPr lang="zh-CN" altLang="en-US" dirty="0" smtClean="0"/>
-              <a:t>通道在被注册到一个选择器上之前，必须先设置为非阻塞模式（通过调用 </a:t>
-            </a:r>
-            <a:r>
-              <a:rPr lang="en-US" altLang="zh-CN" dirty="0" err="1" smtClean="0"/>
-              <a:t>configureBlocking</a:t>
+              <a:t>真正的就绪选择必须由操作系统来做。如果在应用层面去轮询检查通道状态，将会使得在检查每个通道是否就绪时都至少进行一次系统调用，这种代价是十分昂贵的</a:t>
+            </a:r>
+            <a:r>
+              <a:rPr lang="zh-CN" altLang="en-US" dirty="0" smtClean="0"/>
+              <a:t>。操作系统</a:t>
+            </a:r>
+            <a:r>
+              <a:rPr lang="zh-CN" altLang="en-US" dirty="0" smtClean="0"/>
+              <a:t>的一项最重要的</a:t>
+            </a:r>
+            <a:r>
+              <a:rPr lang="zh-CN" altLang="en-US" dirty="0" smtClean="0"/>
+              <a:t>功能</a:t>
+            </a:r>
+            <a:r>
+              <a:rPr lang="zh-CN" altLang="en-US" dirty="0" smtClean="0"/>
+              <a:t>就是处理 </a:t>
             </a:r>
             <a:r>
               <a:rPr lang="en-US" altLang="zh-CN" dirty="0" smtClean="0"/>
-              <a:t>(false)</a:t>
+              <a:t>I/O </a:t>
             </a:r>
             <a:r>
               <a:rPr lang="zh-CN" altLang="en-US" dirty="0" smtClean="0"/>
-              <a:t>）。</a:t>
-            </a:r>
+              <a:t>请求并通知各个线程它们的数据已经准备好了</a:t>
+            </a:r>
+            <a:r>
+              <a:rPr lang="zh-CN" altLang="en-US" dirty="0" smtClean="0"/>
+              <a:t>。</a:t>
+            </a:r>
+            <a:endParaRPr lang="en-US" altLang="zh-CN" dirty="0" smtClean="0"/>
+          </a:p>
+          <a:p>
+            <a:r>
+              <a:rPr lang="en-US" altLang="zh-CN" sz="1200" b="0" i="0" kern="1200" dirty="0" smtClean="0">
+                <a:solidFill>
+                  <a:schemeClr val="tx1"/>
+                </a:solidFill>
+                <a:effectLst/>
+                <a:latin typeface="+mn-lt"/>
+                <a:ea typeface="+mn-ea"/>
+                <a:cs typeface="+mn-cs"/>
+              </a:rPr>
+              <a:t>select</a:t>
+            </a:r>
+            <a:r>
+              <a:rPr lang="zh-CN" altLang="en-US" sz="1200" b="0" i="0" kern="1200" dirty="0" smtClean="0">
+                <a:solidFill>
+                  <a:schemeClr val="tx1"/>
+                </a:solidFill>
+                <a:effectLst/>
+                <a:latin typeface="+mn-lt"/>
+                <a:ea typeface="+mn-ea"/>
+                <a:cs typeface="+mn-cs"/>
+              </a:rPr>
+              <a:t>和</a:t>
+            </a:r>
+            <a:r>
+              <a:rPr lang="en-US" altLang="zh-CN" sz="1200" b="0" i="0" kern="1200" dirty="0" smtClean="0">
+                <a:solidFill>
+                  <a:schemeClr val="tx1"/>
+                </a:solidFill>
+                <a:effectLst/>
+                <a:latin typeface="+mn-lt"/>
+                <a:ea typeface="+mn-ea"/>
+                <a:cs typeface="+mn-cs"/>
+              </a:rPr>
+              <a:t>poll</a:t>
+            </a:r>
+            <a:r>
+              <a:rPr lang="zh-CN" altLang="en-US" sz="1200" b="0" i="0" kern="1200" dirty="0" smtClean="0">
+                <a:solidFill>
+                  <a:schemeClr val="tx1"/>
+                </a:solidFill>
+                <a:effectLst/>
+                <a:latin typeface="+mn-lt"/>
+                <a:ea typeface="+mn-ea"/>
+                <a:cs typeface="+mn-cs"/>
+              </a:rPr>
+              <a:t>的原理基本相同：</a:t>
+            </a:r>
+          </a:p>
+          <a:p>
+            <a:r>
+              <a:rPr lang="zh-CN" altLang="en-US" sz="1200" b="0" i="0" kern="1200" dirty="0" smtClean="0">
+                <a:solidFill>
+                  <a:schemeClr val="tx1"/>
+                </a:solidFill>
+                <a:effectLst/>
+                <a:latin typeface="+mn-lt"/>
+                <a:ea typeface="+mn-ea"/>
+                <a:cs typeface="+mn-cs"/>
+              </a:rPr>
+              <a:t>注册待侦听的</a:t>
+            </a:r>
+            <a:r>
+              <a:rPr lang="en-US" altLang="zh-CN" sz="1200" b="0" i="0" kern="1200" dirty="0" err="1" smtClean="0">
+                <a:solidFill>
+                  <a:schemeClr val="tx1"/>
+                </a:solidFill>
+                <a:effectLst/>
+                <a:latin typeface="+mn-lt"/>
+                <a:ea typeface="+mn-ea"/>
+                <a:cs typeface="+mn-cs"/>
+              </a:rPr>
+              <a:t>fd</a:t>
+            </a:r>
+            <a:r>
+              <a:rPr lang="en-US" altLang="zh-CN" sz="1200" b="0" i="0" kern="1200" dirty="0" smtClean="0">
+                <a:solidFill>
+                  <a:schemeClr val="tx1"/>
+                </a:solidFill>
+                <a:effectLst/>
+                <a:latin typeface="+mn-lt"/>
+                <a:ea typeface="+mn-ea"/>
+                <a:cs typeface="+mn-cs"/>
+              </a:rPr>
+              <a:t>(</a:t>
+            </a:r>
+            <a:r>
+              <a:rPr lang="zh-CN" altLang="en-US" sz="1200" b="0" i="0" kern="1200" dirty="0" smtClean="0">
+                <a:solidFill>
+                  <a:schemeClr val="tx1"/>
+                </a:solidFill>
+                <a:effectLst/>
+                <a:latin typeface="+mn-lt"/>
+                <a:ea typeface="+mn-ea"/>
+                <a:cs typeface="+mn-cs"/>
+              </a:rPr>
+              <a:t>这里的</a:t>
+            </a:r>
+            <a:r>
+              <a:rPr lang="en-US" altLang="zh-CN" sz="1200" b="0" i="0" kern="1200" dirty="0" err="1" smtClean="0">
+                <a:solidFill>
+                  <a:schemeClr val="tx1"/>
+                </a:solidFill>
+                <a:effectLst/>
+                <a:latin typeface="+mn-lt"/>
+                <a:ea typeface="+mn-ea"/>
+                <a:cs typeface="+mn-cs"/>
+              </a:rPr>
+              <a:t>fd</a:t>
+            </a:r>
+            <a:r>
+              <a:rPr lang="zh-CN" altLang="en-US" sz="1200" b="0" i="0" kern="1200" dirty="0" smtClean="0">
+                <a:solidFill>
+                  <a:schemeClr val="tx1"/>
+                </a:solidFill>
+                <a:effectLst/>
+                <a:latin typeface="+mn-lt"/>
+                <a:ea typeface="+mn-ea"/>
+                <a:cs typeface="+mn-cs"/>
+              </a:rPr>
+              <a:t>创建时最好使用非阻塞</a:t>
+            </a:r>
+            <a:r>
+              <a:rPr lang="en-US" altLang="zh-CN" sz="1200" b="0" i="0" kern="1200" dirty="0" smtClean="0">
+                <a:solidFill>
+                  <a:schemeClr val="tx1"/>
+                </a:solidFill>
+                <a:effectLst/>
+                <a:latin typeface="+mn-lt"/>
+                <a:ea typeface="+mn-ea"/>
+                <a:cs typeface="+mn-cs"/>
+              </a:rPr>
+              <a:t>)</a:t>
+            </a:r>
+          </a:p>
+          <a:p>
+            <a:r>
+              <a:rPr lang="zh-CN" altLang="en-US" sz="1200" b="0" i="0" kern="1200" dirty="0" smtClean="0">
+                <a:solidFill>
+                  <a:schemeClr val="tx1"/>
+                </a:solidFill>
+                <a:effectLst/>
+                <a:latin typeface="+mn-lt"/>
+                <a:ea typeface="+mn-ea"/>
+                <a:cs typeface="+mn-cs"/>
+              </a:rPr>
+              <a:t>每次调用都去检查这些</a:t>
+            </a:r>
+            <a:r>
+              <a:rPr lang="en-US" altLang="zh-CN" sz="1200" b="0" i="0" kern="1200" dirty="0" err="1" smtClean="0">
+                <a:solidFill>
+                  <a:schemeClr val="tx1"/>
+                </a:solidFill>
+                <a:effectLst/>
+                <a:latin typeface="+mn-lt"/>
+                <a:ea typeface="+mn-ea"/>
+                <a:cs typeface="+mn-cs"/>
+              </a:rPr>
+              <a:t>fd</a:t>
+            </a:r>
+            <a:r>
+              <a:rPr lang="zh-CN" altLang="en-US" sz="1200" b="0" i="0" kern="1200" dirty="0" smtClean="0">
+                <a:solidFill>
+                  <a:schemeClr val="tx1"/>
+                </a:solidFill>
+                <a:effectLst/>
+                <a:latin typeface="+mn-lt"/>
+                <a:ea typeface="+mn-ea"/>
+                <a:cs typeface="+mn-cs"/>
+              </a:rPr>
+              <a:t>的状态，当有一个或者多个</a:t>
+            </a:r>
+            <a:r>
+              <a:rPr lang="en-US" altLang="zh-CN" sz="1200" b="0" i="0" kern="1200" dirty="0" err="1" smtClean="0">
+                <a:solidFill>
+                  <a:schemeClr val="tx1"/>
+                </a:solidFill>
+                <a:effectLst/>
+                <a:latin typeface="+mn-lt"/>
+                <a:ea typeface="+mn-ea"/>
+                <a:cs typeface="+mn-cs"/>
+              </a:rPr>
+              <a:t>fd</a:t>
+            </a:r>
+            <a:r>
+              <a:rPr lang="zh-CN" altLang="en-US" sz="1200" b="0" i="0" kern="1200" dirty="0" smtClean="0">
+                <a:solidFill>
+                  <a:schemeClr val="tx1"/>
+                </a:solidFill>
+                <a:effectLst/>
+                <a:latin typeface="+mn-lt"/>
+                <a:ea typeface="+mn-ea"/>
+                <a:cs typeface="+mn-cs"/>
+              </a:rPr>
+              <a:t>就绪的时候返回</a:t>
+            </a:r>
+          </a:p>
+          <a:p>
+            <a:r>
+              <a:rPr lang="zh-CN" altLang="en-US" sz="1200" b="0" i="0" kern="1200" dirty="0" smtClean="0">
+                <a:solidFill>
+                  <a:schemeClr val="tx1"/>
+                </a:solidFill>
+                <a:effectLst/>
+                <a:latin typeface="+mn-lt"/>
+                <a:ea typeface="+mn-ea"/>
+                <a:cs typeface="+mn-cs"/>
+              </a:rPr>
+              <a:t>返回结果中包括已就绪和未就绪的</a:t>
+            </a:r>
+            <a:r>
+              <a:rPr lang="en-US" altLang="zh-CN" sz="1200" b="0" i="0" kern="1200" dirty="0" err="1" smtClean="0">
+                <a:solidFill>
+                  <a:schemeClr val="tx1"/>
+                </a:solidFill>
+                <a:effectLst/>
+                <a:latin typeface="+mn-lt"/>
+                <a:ea typeface="+mn-ea"/>
+                <a:cs typeface="+mn-cs"/>
+              </a:rPr>
+              <a:t>fd</a:t>
+            </a:r>
+            <a:endParaRPr lang="en-US" altLang="zh-CN" sz="1200" b="0" i="0" kern="1200" dirty="0" smtClean="0">
+              <a:solidFill>
+                <a:schemeClr val="tx1"/>
+              </a:solidFill>
+              <a:effectLst/>
+              <a:latin typeface="+mn-lt"/>
+              <a:ea typeface="+mn-ea"/>
+              <a:cs typeface="+mn-cs"/>
+            </a:endParaRPr>
+          </a:p>
+          <a:p>
+            <a:r>
+              <a:rPr lang="zh-CN" altLang="en-US" sz="1200" b="0" i="0" kern="1200" dirty="0" smtClean="0">
+                <a:solidFill>
+                  <a:schemeClr val="tx1"/>
+                </a:solidFill>
+                <a:effectLst/>
+                <a:latin typeface="+mn-lt"/>
+                <a:ea typeface="+mn-ea"/>
+                <a:cs typeface="+mn-cs"/>
+              </a:rPr>
+              <a:t>相比</a:t>
+            </a:r>
+            <a:r>
+              <a:rPr lang="en-US" altLang="zh-CN" sz="1200" b="0" i="0" kern="1200" dirty="0" smtClean="0">
+                <a:solidFill>
+                  <a:schemeClr val="tx1"/>
+                </a:solidFill>
+                <a:effectLst/>
+                <a:latin typeface="+mn-lt"/>
+                <a:ea typeface="+mn-ea"/>
+                <a:cs typeface="+mn-cs"/>
+              </a:rPr>
+              <a:t>select</a:t>
+            </a:r>
+            <a:r>
+              <a:rPr lang="zh-CN" altLang="en-US" sz="1200" b="0" i="0" kern="1200" dirty="0" smtClean="0">
+                <a:solidFill>
+                  <a:schemeClr val="tx1"/>
+                </a:solidFill>
+                <a:effectLst/>
+                <a:latin typeface="+mn-lt"/>
+                <a:ea typeface="+mn-ea"/>
+                <a:cs typeface="+mn-cs"/>
+              </a:rPr>
+              <a:t>，</a:t>
+            </a:r>
+            <a:r>
+              <a:rPr lang="en-US" altLang="zh-CN" sz="1200" b="0" i="0" kern="1200" dirty="0" smtClean="0">
+                <a:solidFill>
+                  <a:schemeClr val="tx1"/>
+                </a:solidFill>
+                <a:effectLst/>
+                <a:latin typeface="+mn-lt"/>
+                <a:ea typeface="+mn-ea"/>
+                <a:cs typeface="+mn-cs"/>
+              </a:rPr>
+              <a:t>poll</a:t>
+            </a:r>
+            <a:r>
+              <a:rPr lang="zh-CN" altLang="en-US" sz="1200" b="0" i="0" kern="1200" dirty="0" smtClean="0">
+                <a:solidFill>
+                  <a:schemeClr val="tx1"/>
+                </a:solidFill>
+                <a:effectLst/>
+                <a:latin typeface="+mn-lt"/>
+                <a:ea typeface="+mn-ea"/>
+                <a:cs typeface="+mn-cs"/>
+              </a:rPr>
+              <a:t>解决了单个进程能够打开的文件描述符数量有限制这个问题：</a:t>
+            </a:r>
+            <a:r>
+              <a:rPr lang="en-US" altLang="zh-CN" sz="1200" b="0" i="0" kern="1200" dirty="0" smtClean="0">
+                <a:solidFill>
+                  <a:schemeClr val="tx1"/>
+                </a:solidFill>
+                <a:effectLst/>
+                <a:latin typeface="+mn-lt"/>
+                <a:ea typeface="+mn-ea"/>
+                <a:cs typeface="+mn-cs"/>
+              </a:rPr>
+              <a:t>select</a:t>
+            </a:r>
+            <a:r>
+              <a:rPr lang="zh-CN" altLang="en-US" sz="1200" b="0" i="0" kern="1200" dirty="0" smtClean="0">
+                <a:solidFill>
+                  <a:schemeClr val="tx1"/>
+                </a:solidFill>
+                <a:effectLst/>
+                <a:latin typeface="+mn-lt"/>
+                <a:ea typeface="+mn-ea"/>
+                <a:cs typeface="+mn-cs"/>
+              </a:rPr>
+              <a:t>受限于</a:t>
+            </a:r>
+            <a:r>
+              <a:rPr lang="en-US" altLang="zh-CN" sz="1200" b="0" i="0" kern="1200" dirty="0" smtClean="0">
+                <a:solidFill>
+                  <a:schemeClr val="tx1"/>
+                </a:solidFill>
+                <a:effectLst/>
+                <a:latin typeface="+mn-lt"/>
+                <a:ea typeface="+mn-ea"/>
+                <a:cs typeface="+mn-cs"/>
+              </a:rPr>
+              <a:t>FD_SIZE</a:t>
+            </a:r>
+            <a:r>
+              <a:rPr lang="zh-CN" altLang="en-US" sz="1200" b="0" i="0" kern="1200" dirty="0" smtClean="0">
+                <a:solidFill>
+                  <a:schemeClr val="tx1"/>
+                </a:solidFill>
+                <a:effectLst/>
+                <a:latin typeface="+mn-lt"/>
+                <a:ea typeface="+mn-ea"/>
+                <a:cs typeface="+mn-cs"/>
+              </a:rPr>
+              <a:t>的限制，如果修改则需要修改这个宏重新编译内核；而</a:t>
+            </a:r>
+            <a:r>
+              <a:rPr lang="en-US" altLang="zh-CN" sz="1200" b="0" i="0" kern="1200" dirty="0" smtClean="0">
+                <a:solidFill>
+                  <a:schemeClr val="tx1"/>
+                </a:solidFill>
+                <a:effectLst/>
+                <a:latin typeface="+mn-lt"/>
+                <a:ea typeface="+mn-ea"/>
+                <a:cs typeface="+mn-cs"/>
+              </a:rPr>
+              <a:t>poll</a:t>
+            </a:r>
+            <a:r>
+              <a:rPr lang="zh-CN" altLang="en-US" sz="1200" b="0" i="0" kern="1200" dirty="0" smtClean="0">
+                <a:solidFill>
+                  <a:schemeClr val="tx1"/>
+                </a:solidFill>
+                <a:effectLst/>
+                <a:latin typeface="+mn-lt"/>
+                <a:ea typeface="+mn-ea"/>
+                <a:cs typeface="+mn-cs"/>
+              </a:rPr>
+              <a:t>通过一个</a:t>
+            </a:r>
+            <a:r>
+              <a:rPr lang="en-US" altLang="zh-CN" sz="1200" b="0" i="0" kern="1200" dirty="0" err="1" smtClean="0">
+                <a:solidFill>
+                  <a:schemeClr val="tx1"/>
+                </a:solidFill>
+                <a:effectLst/>
+                <a:latin typeface="+mn-lt"/>
+                <a:ea typeface="+mn-ea"/>
+                <a:cs typeface="+mn-cs"/>
+              </a:rPr>
+              <a:t>pollfd</a:t>
+            </a:r>
+            <a:r>
+              <a:rPr lang="zh-CN" altLang="en-US" sz="1200" b="0" i="0" kern="1200" dirty="0" smtClean="0">
+                <a:solidFill>
+                  <a:schemeClr val="tx1"/>
+                </a:solidFill>
+                <a:effectLst/>
+                <a:latin typeface="+mn-lt"/>
+                <a:ea typeface="+mn-ea"/>
+                <a:cs typeface="+mn-cs"/>
+              </a:rPr>
+              <a:t>数组向内核传递需要关注的事件，避开了文件描述符数量限制。</a:t>
+            </a:r>
+          </a:p>
+          <a:p>
+            <a:r>
+              <a:rPr lang="zh-CN" altLang="en-US" sz="1200" b="0" i="0" kern="1200" dirty="0" smtClean="0">
+                <a:solidFill>
+                  <a:schemeClr val="tx1"/>
+                </a:solidFill>
+                <a:effectLst/>
+                <a:latin typeface="+mn-lt"/>
+                <a:ea typeface="+mn-ea"/>
+                <a:cs typeface="+mn-cs"/>
+              </a:rPr>
+              <a:t>此外，</a:t>
+            </a:r>
+            <a:r>
+              <a:rPr lang="en-US" altLang="zh-CN" sz="1200" b="0" i="0" kern="1200" dirty="0" smtClean="0">
+                <a:solidFill>
+                  <a:schemeClr val="tx1"/>
+                </a:solidFill>
+                <a:effectLst/>
+                <a:latin typeface="+mn-lt"/>
+                <a:ea typeface="+mn-ea"/>
+                <a:cs typeface="+mn-cs"/>
+              </a:rPr>
+              <a:t>select</a:t>
+            </a:r>
+            <a:r>
+              <a:rPr lang="zh-CN" altLang="en-US" sz="1200" b="0" i="0" kern="1200" dirty="0" smtClean="0">
+                <a:solidFill>
+                  <a:schemeClr val="tx1"/>
+                </a:solidFill>
+                <a:effectLst/>
+                <a:latin typeface="+mn-lt"/>
+                <a:ea typeface="+mn-ea"/>
+                <a:cs typeface="+mn-cs"/>
+              </a:rPr>
+              <a:t>和</a:t>
+            </a:r>
+            <a:r>
+              <a:rPr lang="en-US" altLang="zh-CN" sz="1200" b="0" i="0" kern="1200" dirty="0" smtClean="0">
+                <a:solidFill>
+                  <a:schemeClr val="tx1"/>
+                </a:solidFill>
+                <a:effectLst/>
+                <a:latin typeface="+mn-lt"/>
+                <a:ea typeface="+mn-ea"/>
+                <a:cs typeface="+mn-cs"/>
+              </a:rPr>
+              <a:t>poll</a:t>
+            </a:r>
+            <a:r>
+              <a:rPr lang="zh-CN" altLang="en-US" sz="1200" b="0" i="0" kern="1200" dirty="0" smtClean="0">
+                <a:solidFill>
+                  <a:schemeClr val="tx1"/>
+                </a:solidFill>
+                <a:effectLst/>
+                <a:latin typeface="+mn-lt"/>
+                <a:ea typeface="+mn-ea"/>
+                <a:cs typeface="+mn-cs"/>
+              </a:rPr>
+              <a:t>共同具有的一个很大的缺点就是包含大量</a:t>
+            </a:r>
+            <a:r>
+              <a:rPr lang="en-US" altLang="zh-CN" sz="1200" b="0" i="0" kern="1200" dirty="0" err="1" smtClean="0">
+                <a:solidFill>
+                  <a:schemeClr val="tx1"/>
+                </a:solidFill>
+                <a:effectLst/>
+                <a:latin typeface="+mn-lt"/>
+                <a:ea typeface="+mn-ea"/>
+                <a:cs typeface="+mn-cs"/>
+              </a:rPr>
+              <a:t>fd</a:t>
+            </a:r>
+            <a:r>
+              <a:rPr lang="zh-CN" altLang="en-US" sz="1200" b="0" i="0" kern="1200" dirty="0" smtClean="0">
+                <a:solidFill>
+                  <a:schemeClr val="tx1"/>
+                </a:solidFill>
+                <a:effectLst/>
+                <a:latin typeface="+mn-lt"/>
+                <a:ea typeface="+mn-ea"/>
+                <a:cs typeface="+mn-cs"/>
+              </a:rPr>
+              <a:t>的数组被整体复制于用户态和内核态地址空间之间，开销会随着</a:t>
+            </a:r>
+            <a:r>
+              <a:rPr lang="en-US" altLang="zh-CN" sz="1200" b="0" i="0" kern="1200" dirty="0" err="1" smtClean="0">
+                <a:solidFill>
+                  <a:schemeClr val="tx1"/>
+                </a:solidFill>
+                <a:effectLst/>
+                <a:latin typeface="+mn-lt"/>
+                <a:ea typeface="+mn-ea"/>
+                <a:cs typeface="+mn-cs"/>
+              </a:rPr>
+              <a:t>fd</a:t>
+            </a:r>
+            <a:r>
+              <a:rPr lang="zh-CN" altLang="en-US" sz="1200" b="0" i="0" kern="1200" dirty="0" smtClean="0">
+                <a:solidFill>
+                  <a:schemeClr val="tx1"/>
+                </a:solidFill>
+                <a:effectLst/>
+                <a:latin typeface="+mn-lt"/>
+                <a:ea typeface="+mn-ea"/>
+                <a:cs typeface="+mn-cs"/>
+              </a:rPr>
+              <a:t>数量增多而线性增大。</a:t>
+            </a:r>
+            <a:endParaRPr lang="en-US" altLang="zh-CN" sz="1200" b="0" i="0" kern="1200" dirty="0" smtClean="0">
+              <a:solidFill>
+                <a:schemeClr val="tx1"/>
+              </a:solidFill>
+              <a:effectLst/>
+              <a:latin typeface="+mn-lt"/>
+              <a:ea typeface="+mn-ea"/>
+              <a:cs typeface="+mn-cs"/>
+            </a:endParaRPr>
+          </a:p>
+          <a:p>
+            <a:endParaRPr lang="en-US" altLang="zh-CN" sz="1200" b="0" i="0" kern="1200" dirty="0" smtClean="0">
+              <a:solidFill>
+                <a:schemeClr val="tx1"/>
+              </a:solidFill>
+              <a:effectLst/>
+              <a:latin typeface="+mn-lt"/>
+              <a:ea typeface="+mn-ea"/>
+              <a:cs typeface="+mn-cs"/>
+            </a:endParaRPr>
+          </a:p>
+          <a:p>
+            <a:r>
+              <a:rPr lang="en-US" altLang="zh-CN" sz="1200" b="0" i="0" kern="1200" dirty="0" err="1" smtClean="0">
+                <a:solidFill>
+                  <a:schemeClr val="tx1"/>
+                </a:solidFill>
+                <a:effectLst/>
+                <a:latin typeface="+mn-lt"/>
+                <a:ea typeface="+mn-ea"/>
+                <a:cs typeface="+mn-cs"/>
+              </a:rPr>
+              <a:t>Level_triggered</a:t>
+            </a:r>
+            <a:r>
+              <a:rPr lang="en-US" altLang="zh-CN" sz="1200" b="0" i="0" kern="1200" dirty="0" smtClean="0">
+                <a:solidFill>
+                  <a:schemeClr val="tx1"/>
+                </a:solidFill>
+                <a:effectLst/>
+                <a:latin typeface="+mn-lt"/>
+                <a:ea typeface="+mn-ea"/>
+                <a:cs typeface="+mn-cs"/>
+              </a:rPr>
+              <a:t>(</a:t>
+            </a:r>
+            <a:r>
+              <a:rPr lang="zh-CN" altLang="en-US" sz="1200" b="0" i="0" kern="1200" dirty="0" smtClean="0">
+                <a:solidFill>
+                  <a:schemeClr val="tx1"/>
+                </a:solidFill>
+                <a:effectLst/>
+                <a:latin typeface="+mn-lt"/>
+                <a:ea typeface="+mn-ea"/>
+                <a:cs typeface="+mn-cs"/>
+              </a:rPr>
+              <a:t>水平触发</a:t>
+            </a:r>
+            <a:r>
+              <a:rPr lang="en-US" altLang="zh-CN" sz="1200" b="0" i="0" kern="1200" dirty="0" smtClean="0">
+                <a:solidFill>
+                  <a:schemeClr val="tx1"/>
+                </a:solidFill>
+                <a:effectLst/>
+                <a:latin typeface="+mn-lt"/>
+                <a:ea typeface="+mn-ea"/>
+                <a:cs typeface="+mn-cs"/>
+              </a:rPr>
+              <a:t>)</a:t>
+            </a:r>
+            <a:r>
+              <a:rPr lang="zh-CN" altLang="en-US" sz="1200" b="0" i="0" kern="1200" dirty="0" smtClean="0">
+                <a:solidFill>
+                  <a:schemeClr val="tx1"/>
+                </a:solidFill>
+                <a:effectLst/>
+                <a:latin typeface="+mn-lt"/>
+                <a:ea typeface="+mn-ea"/>
+                <a:cs typeface="+mn-cs"/>
+              </a:rPr>
+              <a:t>：当被监控的文件描述符上有可读写事件发生时，</a:t>
+            </a:r>
+            <a:r>
+              <a:rPr lang="en-US" altLang="zh-CN" sz="1200" b="0" i="0" kern="1200" dirty="0" err="1" smtClean="0">
+                <a:solidFill>
+                  <a:schemeClr val="tx1"/>
+                </a:solidFill>
+                <a:effectLst/>
+                <a:latin typeface="+mn-lt"/>
+                <a:ea typeface="+mn-ea"/>
+                <a:cs typeface="+mn-cs"/>
+              </a:rPr>
+              <a:t>epoll_wait</a:t>
+            </a:r>
+            <a:r>
+              <a:rPr lang="en-US" altLang="zh-CN" sz="1200" b="0" i="0" kern="1200" dirty="0" smtClean="0">
+                <a:solidFill>
+                  <a:schemeClr val="tx1"/>
+                </a:solidFill>
+                <a:effectLst/>
+                <a:latin typeface="+mn-lt"/>
+                <a:ea typeface="+mn-ea"/>
+                <a:cs typeface="+mn-cs"/>
+              </a:rPr>
+              <a:t>()</a:t>
+            </a:r>
+            <a:r>
+              <a:rPr lang="zh-CN" altLang="en-US" sz="1200" b="0" i="0" kern="1200" dirty="0" smtClean="0">
+                <a:solidFill>
+                  <a:schemeClr val="tx1"/>
+                </a:solidFill>
+                <a:effectLst/>
+                <a:latin typeface="+mn-lt"/>
+                <a:ea typeface="+mn-ea"/>
+                <a:cs typeface="+mn-cs"/>
+              </a:rPr>
+              <a:t>会通知处理程序去读写。如果这次没有把数据一次性全部读写完</a:t>
+            </a:r>
+            <a:r>
+              <a:rPr lang="en-US" altLang="zh-CN" sz="1200" b="0" i="0" kern="1200" dirty="0" smtClean="0">
+                <a:solidFill>
+                  <a:schemeClr val="tx1"/>
+                </a:solidFill>
+                <a:effectLst/>
+                <a:latin typeface="+mn-lt"/>
+                <a:ea typeface="+mn-ea"/>
+                <a:cs typeface="+mn-cs"/>
+              </a:rPr>
+              <a:t>(</a:t>
+            </a:r>
+            <a:r>
+              <a:rPr lang="zh-CN" altLang="en-US" sz="1200" b="0" i="0" kern="1200" dirty="0" smtClean="0">
+                <a:solidFill>
+                  <a:schemeClr val="tx1"/>
+                </a:solidFill>
+                <a:effectLst/>
+                <a:latin typeface="+mn-lt"/>
+                <a:ea typeface="+mn-ea"/>
+                <a:cs typeface="+mn-cs"/>
+              </a:rPr>
+              <a:t>如读写缓冲区太小</a:t>
+            </a:r>
+            <a:r>
+              <a:rPr lang="en-US" altLang="zh-CN" sz="1200" b="0" i="0" kern="1200" dirty="0" smtClean="0">
+                <a:solidFill>
+                  <a:schemeClr val="tx1"/>
+                </a:solidFill>
+                <a:effectLst/>
+                <a:latin typeface="+mn-lt"/>
+                <a:ea typeface="+mn-ea"/>
+                <a:cs typeface="+mn-cs"/>
+              </a:rPr>
+              <a:t>)</a:t>
+            </a:r>
+            <a:r>
+              <a:rPr lang="zh-CN" altLang="en-US" sz="1200" b="0" i="0" kern="1200" dirty="0" smtClean="0">
+                <a:solidFill>
+                  <a:schemeClr val="tx1"/>
+                </a:solidFill>
+                <a:effectLst/>
+                <a:latin typeface="+mn-lt"/>
+                <a:ea typeface="+mn-ea"/>
+                <a:cs typeface="+mn-cs"/>
+              </a:rPr>
+              <a:t>，那么下次调用 </a:t>
+            </a:r>
+            <a:r>
+              <a:rPr lang="en-US" altLang="zh-CN" sz="1200" b="0" i="0" kern="1200" dirty="0" err="1" smtClean="0">
+                <a:solidFill>
+                  <a:schemeClr val="tx1"/>
+                </a:solidFill>
+                <a:effectLst/>
+                <a:latin typeface="+mn-lt"/>
+                <a:ea typeface="+mn-ea"/>
+                <a:cs typeface="+mn-cs"/>
+              </a:rPr>
+              <a:t>epoll_wait</a:t>
+            </a:r>
+            <a:r>
+              <a:rPr lang="en-US" altLang="zh-CN" sz="1200" b="0" i="0" kern="1200" dirty="0" smtClean="0">
+                <a:solidFill>
+                  <a:schemeClr val="tx1"/>
+                </a:solidFill>
+                <a:effectLst/>
+                <a:latin typeface="+mn-lt"/>
+                <a:ea typeface="+mn-ea"/>
+                <a:cs typeface="+mn-cs"/>
+              </a:rPr>
+              <a:t>()</a:t>
+            </a:r>
+            <a:r>
+              <a:rPr lang="zh-CN" altLang="en-US" sz="1200" b="0" i="0" kern="1200" dirty="0" smtClean="0">
+                <a:solidFill>
+                  <a:schemeClr val="tx1"/>
+                </a:solidFill>
+                <a:effectLst/>
+                <a:latin typeface="+mn-lt"/>
+                <a:ea typeface="+mn-ea"/>
+                <a:cs typeface="+mn-cs"/>
+              </a:rPr>
+              <a:t>时，它还会通知你在上没读写完的文件描述符上继续读写，当然如果你一直不去读写，它会一直通知你！！！如果系统中有大量你不需要读写的就绪文件描述符，而它们每次都会返回，这样会大大降低处理程序检索自己关心的就绪文件描述符的效率！！！</a:t>
+            </a:r>
+          </a:p>
+          <a:p>
+            <a:r>
+              <a:rPr lang="en-US" altLang="zh-CN" sz="1200" b="0" i="0" kern="1200" dirty="0" err="1" smtClean="0">
+                <a:solidFill>
+                  <a:schemeClr val="tx1"/>
+                </a:solidFill>
+                <a:effectLst/>
+                <a:latin typeface="+mn-lt"/>
+                <a:ea typeface="+mn-ea"/>
+                <a:cs typeface="+mn-cs"/>
+              </a:rPr>
+              <a:t>Edge_triggered</a:t>
+            </a:r>
+            <a:r>
+              <a:rPr lang="en-US" altLang="zh-CN" sz="1200" b="0" i="0" kern="1200" dirty="0" smtClean="0">
+                <a:solidFill>
+                  <a:schemeClr val="tx1"/>
+                </a:solidFill>
+                <a:effectLst/>
+                <a:latin typeface="+mn-lt"/>
+                <a:ea typeface="+mn-ea"/>
+                <a:cs typeface="+mn-cs"/>
+              </a:rPr>
+              <a:t>(</a:t>
+            </a:r>
+            <a:r>
+              <a:rPr lang="zh-CN" altLang="en-US" sz="1200" b="0" i="0" kern="1200" dirty="0" smtClean="0">
+                <a:solidFill>
+                  <a:schemeClr val="tx1"/>
+                </a:solidFill>
+                <a:effectLst/>
+                <a:latin typeface="+mn-lt"/>
+                <a:ea typeface="+mn-ea"/>
+                <a:cs typeface="+mn-cs"/>
+              </a:rPr>
+              <a:t>边缘触发</a:t>
+            </a:r>
+            <a:r>
+              <a:rPr lang="en-US" altLang="zh-CN" sz="1200" b="0" i="0" kern="1200" dirty="0" smtClean="0">
+                <a:solidFill>
+                  <a:schemeClr val="tx1"/>
+                </a:solidFill>
+                <a:effectLst/>
+                <a:latin typeface="+mn-lt"/>
+                <a:ea typeface="+mn-ea"/>
+                <a:cs typeface="+mn-cs"/>
+              </a:rPr>
+              <a:t>)</a:t>
+            </a:r>
+            <a:r>
+              <a:rPr lang="zh-CN" altLang="en-US" sz="1200" b="0" i="0" kern="1200" dirty="0" smtClean="0">
+                <a:solidFill>
+                  <a:schemeClr val="tx1"/>
+                </a:solidFill>
+                <a:effectLst/>
+                <a:latin typeface="+mn-lt"/>
+                <a:ea typeface="+mn-ea"/>
+                <a:cs typeface="+mn-cs"/>
+              </a:rPr>
+              <a:t>：当被监控的文件描述符上有可读写事件发生时，</a:t>
+            </a:r>
+            <a:r>
+              <a:rPr lang="en-US" altLang="zh-CN" sz="1200" b="0" i="0" kern="1200" dirty="0" err="1" smtClean="0">
+                <a:solidFill>
+                  <a:schemeClr val="tx1"/>
+                </a:solidFill>
+                <a:effectLst/>
+                <a:latin typeface="+mn-lt"/>
+                <a:ea typeface="+mn-ea"/>
+                <a:cs typeface="+mn-cs"/>
+              </a:rPr>
+              <a:t>epoll_wait</a:t>
+            </a:r>
+            <a:r>
+              <a:rPr lang="en-US" altLang="zh-CN" sz="1200" b="0" i="0" kern="1200" dirty="0" smtClean="0">
+                <a:solidFill>
+                  <a:schemeClr val="tx1"/>
+                </a:solidFill>
+                <a:effectLst/>
+                <a:latin typeface="+mn-lt"/>
+                <a:ea typeface="+mn-ea"/>
+                <a:cs typeface="+mn-cs"/>
+              </a:rPr>
+              <a:t>()</a:t>
+            </a:r>
+            <a:r>
+              <a:rPr lang="zh-CN" altLang="en-US" sz="1200" b="0" i="0" kern="1200" dirty="0" smtClean="0">
+                <a:solidFill>
+                  <a:schemeClr val="tx1"/>
+                </a:solidFill>
+                <a:effectLst/>
+                <a:latin typeface="+mn-lt"/>
+                <a:ea typeface="+mn-ea"/>
+                <a:cs typeface="+mn-cs"/>
+              </a:rPr>
+              <a:t>会通知处理程序去读写。如果这次没有把数据全部读写完</a:t>
+            </a:r>
+            <a:r>
+              <a:rPr lang="en-US" altLang="zh-CN" sz="1200" b="0" i="0" kern="1200" dirty="0" smtClean="0">
+                <a:solidFill>
+                  <a:schemeClr val="tx1"/>
+                </a:solidFill>
+                <a:effectLst/>
+                <a:latin typeface="+mn-lt"/>
+                <a:ea typeface="+mn-ea"/>
+                <a:cs typeface="+mn-cs"/>
+              </a:rPr>
+              <a:t>(</a:t>
+            </a:r>
+            <a:r>
+              <a:rPr lang="zh-CN" altLang="en-US" sz="1200" b="0" i="0" kern="1200" dirty="0" smtClean="0">
+                <a:solidFill>
+                  <a:schemeClr val="tx1"/>
+                </a:solidFill>
+                <a:effectLst/>
+                <a:latin typeface="+mn-lt"/>
+                <a:ea typeface="+mn-ea"/>
+                <a:cs typeface="+mn-cs"/>
+              </a:rPr>
+              <a:t>如读写缓冲区太小</a:t>
+            </a:r>
+            <a:r>
+              <a:rPr lang="en-US" altLang="zh-CN" sz="1200" b="0" i="0" kern="1200" dirty="0" smtClean="0">
+                <a:solidFill>
+                  <a:schemeClr val="tx1"/>
+                </a:solidFill>
+                <a:effectLst/>
+                <a:latin typeface="+mn-lt"/>
+                <a:ea typeface="+mn-ea"/>
+                <a:cs typeface="+mn-cs"/>
+              </a:rPr>
+              <a:t>)</a:t>
+            </a:r>
+            <a:r>
+              <a:rPr lang="zh-CN" altLang="en-US" sz="1200" b="0" i="0" kern="1200" dirty="0" smtClean="0">
+                <a:solidFill>
+                  <a:schemeClr val="tx1"/>
+                </a:solidFill>
+                <a:effectLst/>
+                <a:latin typeface="+mn-lt"/>
+                <a:ea typeface="+mn-ea"/>
+                <a:cs typeface="+mn-cs"/>
+              </a:rPr>
+              <a:t>，那么下次调用</a:t>
+            </a:r>
+            <a:r>
+              <a:rPr lang="en-US" altLang="zh-CN" sz="1200" b="0" i="0" kern="1200" dirty="0" err="1" smtClean="0">
+                <a:solidFill>
+                  <a:schemeClr val="tx1"/>
+                </a:solidFill>
+                <a:effectLst/>
+                <a:latin typeface="+mn-lt"/>
+                <a:ea typeface="+mn-ea"/>
+                <a:cs typeface="+mn-cs"/>
+              </a:rPr>
+              <a:t>epoll_wait</a:t>
+            </a:r>
+            <a:r>
+              <a:rPr lang="en-US" altLang="zh-CN" sz="1200" b="0" i="0" kern="1200" dirty="0" smtClean="0">
+                <a:solidFill>
+                  <a:schemeClr val="tx1"/>
+                </a:solidFill>
+                <a:effectLst/>
+                <a:latin typeface="+mn-lt"/>
+                <a:ea typeface="+mn-ea"/>
+                <a:cs typeface="+mn-cs"/>
+              </a:rPr>
+              <a:t>()</a:t>
+            </a:r>
+            <a:r>
+              <a:rPr lang="zh-CN" altLang="en-US" sz="1200" b="0" i="0" kern="1200" dirty="0" smtClean="0">
+                <a:solidFill>
+                  <a:schemeClr val="tx1"/>
+                </a:solidFill>
+                <a:effectLst/>
+                <a:latin typeface="+mn-lt"/>
+                <a:ea typeface="+mn-ea"/>
+                <a:cs typeface="+mn-cs"/>
+              </a:rPr>
+              <a:t>时，它不会通知你，也就是它只会通知你一次，直到该文件描述符上出现第二次可读写事件才会通知你！！！这种模式比水平触发效率高，系统不会充斥大量你不关心的就绪文件描述符！！！</a:t>
+            </a:r>
+          </a:p>
+          <a:p>
+            <a:endParaRPr lang="en-US" altLang="zh-CN" sz="1200" b="0" i="0" kern="1200" dirty="0" smtClean="0">
+              <a:solidFill>
+                <a:schemeClr val="tx1"/>
+              </a:solidFill>
+              <a:effectLst/>
+              <a:latin typeface="+mn-lt"/>
+              <a:ea typeface="+mn-ea"/>
+              <a:cs typeface="+mn-cs"/>
+            </a:endParaRPr>
+          </a:p>
+          <a:p>
+            <a:endParaRPr lang="en-US" altLang="zh-CN" sz="1200" b="0" i="0" kern="1200" dirty="0" smtClean="0">
+              <a:solidFill>
+                <a:schemeClr val="tx1"/>
+              </a:solidFill>
+              <a:effectLst/>
+              <a:latin typeface="+mn-lt"/>
+              <a:ea typeface="+mn-ea"/>
+              <a:cs typeface="+mn-cs"/>
+            </a:endParaRPr>
+          </a:p>
+          <a:p>
+            <a:r>
+              <a:rPr lang="en-US" altLang="zh-CN" sz="1200" b="0" i="0" kern="1200" dirty="0" smtClean="0">
+                <a:solidFill>
+                  <a:schemeClr val="tx1"/>
+                </a:solidFill>
+                <a:effectLst/>
+                <a:latin typeface="+mn-lt"/>
+                <a:ea typeface="+mn-ea"/>
+                <a:cs typeface="+mn-cs"/>
+              </a:rPr>
+              <a:t>select(),poll()</a:t>
+            </a:r>
+            <a:r>
+              <a:rPr lang="zh-CN" altLang="en-US" sz="1200" b="0" i="0" kern="1200" dirty="0" smtClean="0">
+                <a:solidFill>
+                  <a:schemeClr val="tx1"/>
+                </a:solidFill>
+                <a:effectLst/>
+                <a:latin typeface="+mn-lt"/>
+                <a:ea typeface="+mn-ea"/>
+                <a:cs typeface="+mn-cs"/>
+              </a:rPr>
+              <a:t>模型都是水平触发模式，信号驱动</a:t>
+            </a:r>
+            <a:r>
+              <a:rPr lang="en-US" altLang="zh-CN" sz="1200" b="0" i="0" kern="1200" dirty="0" smtClean="0">
+                <a:solidFill>
+                  <a:schemeClr val="tx1"/>
+                </a:solidFill>
+                <a:effectLst/>
+                <a:latin typeface="+mn-lt"/>
+                <a:ea typeface="+mn-ea"/>
+                <a:cs typeface="+mn-cs"/>
+              </a:rPr>
+              <a:t>IO</a:t>
+            </a:r>
+            <a:r>
+              <a:rPr lang="zh-CN" altLang="en-US" sz="1200" b="0" i="0" kern="1200" dirty="0" smtClean="0">
+                <a:solidFill>
+                  <a:schemeClr val="tx1"/>
+                </a:solidFill>
+                <a:effectLst/>
+                <a:latin typeface="+mn-lt"/>
+                <a:ea typeface="+mn-ea"/>
+                <a:cs typeface="+mn-cs"/>
+              </a:rPr>
+              <a:t>是边缘触发模式，</a:t>
+            </a:r>
+            <a:r>
+              <a:rPr lang="en-US" altLang="zh-CN" sz="1200" b="0" i="0" kern="1200" dirty="0" err="1" smtClean="0">
+                <a:solidFill>
+                  <a:schemeClr val="tx1"/>
+                </a:solidFill>
+                <a:effectLst/>
+                <a:latin typeface="+mn-lt"/>
+                <a:ea typeface="+mn-ea"/>
+                <a:cs typeface="+mn-cs"/>
+              </a:rPr>
+              <a:t>epoll</a:t>
+            </a:r>
+            <a:r>
+              <a:rPr lang="en-US" altLang="zh-CN" sz="1200" b="0" i="0" kern="1200" dirty="0" smtClean="0">
+                <a:solidFill>
+                  <a:schemeClr val="tx1"/>
+                </a:solidFill>
+                <a:effectLst/>
+                <a:latin typeface="+mn-lt"/>
+                <a:ea typeface="+mn-ea"/>
+                <a:cs typeface="+mn-cs"/>
+              </a:rPr>
+              <a:t>()</a:t>
+            </a:r>
+            <a:r>
+              <a:rPr lang="zh-CN" altLang="en-US" sz="1200" b="0" i="0" kern="1200" dirty="0" smtClean="0">
+                <a:solidFill>
+                  <a:schemeClr val="tx1"/>
+                </a:solidFill>
+                <a:effectLst/>
+                <a:latin typeface="+mn-lt"/>
+                <a:ea typeface="+mn-ea"/>
+                <a:cs typeface="+mn-cs"/>
+              </a:rPr>
+              <a:t>模型即支持水平触发，也支持边缘触发，默认是水平触发。</a:t>
+            </a:r>
+          </a:p>
+          <a:p>
             <a:endParaRPr lang="zh-CN" altLang="en-US" dirty="0"/>
           </a:p>
         </p:txBody>
@@ -3738,7 +5634,108 @@
             <a:fld id="{4FBAD5A4-DF14-402B-8AB5-0BCE7F23E77D}" type="slidenum">
               <a:rPr lang="zh-CN" altLang="en-US" smtClean="0"/>
               <a:pPr/>
-              <a:t>44</a:t>
+              <a:t>43</a:t>
+            </a:fld>
+            <a:endParaRPr lang="zh-CN" altLang="en-US"/>
+          </a:p>
+        </p:txBody>
+      </p:sp>
+    </p:spTree>
+    <p:extLst>
+      <p:ext uri="{BB962C8B-B14F-4D97-AF65-F5344CB8AC3E}">
+        <p14:creationId xmlns:p14="http://schemas.microsoft.com/office/powerpoint/2010/main" val="216504068"/>
+      </p:ext>
+    </p:extLst>
+  </p:cSld>
+  <p:clrMapOvr>
+    <a:masterClrMapping/>
+  </p:clrMapOvr>
+</p:notes>
+</file>
+
+<file path=ppt/notesSlides/notesSlide26.xml><?xml version="1.0" encoding="utf-8"?>
+<p:notes xmlns:a="http://schemas.openxmlformats.org/drawingml/2006/main" xmlns:r="http://schemas.openxmlformats.org/officeDocument/2006/relationships" xmlns:p="http://schemas.openxmlformats.org/presentationml/2006/main">
+  <p:cSld>
+    <p:spTree>
+      <p:nvGrpSpPr>
+        <p:cNvPr id="1" name=""/>
+        <p:cNvGrpSpPr/>
+        <p:nvPr/>
+      </p:nvGrpSpPr>
+      <p:grpSpPr>
+        <a:xfrm>
+          <a:off x="0" y="0"/>
+          <a:ext cx="0" cy="0"/>
+          <a:chOff x="0" y="0"/>
+          <a:chExt cx="0" cy="0"/>
+        </a:xfrm>
+      </p:grpSpPr>
+      <p:sp>
+        <p:nvSpPr>
+          <p:cNvPr id="2" name="幻灯片图像占位符 1"/>
+          <p:cNvSpPr>
+            <a:spLocks noGrp="1" noRot="1" noChangeAspect="1"/>
+          </p:cNvSpPr>
+          <p:nvPr>
+            <p:ph type="sldImg"/>
+          </p:nvPr>
+        </p:nvSpPr>
+        <p:spPr/>
+      </p:sp>
+      <p:sp>
+        <p:nvSpPr>
+          <p:cNvPr id="3" name="备注占位符 2"/>
+          <p:cNvSpPr>
+            <a:spLocks noGrp="1"/>
+          </p:cNvSpPr>
+          <p:nvPr>
+            <p:ph type="body" idx="1"/>
+          </p:nvPr>
+        </p:nvSpPr>
+        <p:spPr/>
+        <p:txBody>
+          <a:bodyPr/>
+          <a:lstStyle/>
+          <a:p>
+            <a:r>
+              <a:rPr lang="zh-CN" altLang="en-US" dirty="0" smtClean="0"/>
+              <a:t>通道在被注册到一个选择器上之前，必须先设置为非阻塞模式（通过调用 </a:t>
+            </a:r>
+            <a:r>
+              <a:rPr lang="en-US" altLang="zh-CN" dirty="0" err="1" smtClean="0"/>
+              <a:t>configureBlocking</a:t>
+            </a:r>
+            <a:r>
+              <a:rPr lang="en-US" altLang="zh-CN" dirty="0" smtClean="0"/>
+              <a:t>(false)</a:t>
+            </a:r>
+            <a:r>
+              <a:rPr lang="zh-CN" altLang="en-US" dirty="0" smtClean="0"/>
+              <a:t>）。</a:t>
+            </a:r>
+            <a:endParaRPr lang="zh-CN" altLang="en-US" dirty="0"/>
+          </a:p>
+        </p:txBody>
+      </p:sp>
+      <p:sp>
+        <p:nvSpPr>
+          <p:cNvPr id="4" name="灯片编号占位符 3"/>
+          <p:cNvSpPr>
+            <a:spLocks noGrp="1"/>
+          </p:cNvSpPr>
+          <p:nvPr>
+            <p:ph type="sldNum" sz="quarter" idx="10"/>
+          </p:nvPr>
+        </p:nvSpPr>
+        <p:spPr/>
+        <p:txBody>
+          <a:bodyPr/>
+          <a:lstStyle/>
+          <a:p>
+            <a:fld id="{4FBAD5A4-DF14-402B-8AB5-0BCE7F23E77D}" type="slidenum">
+              <a:rPr lang="zh-CN" altLang="en-US" smtClean="0"/>
+              <a:pPr/>
+              <a:t>46</a:t>
             </a:fld>
             <a:endParaRPr lang="zh-CN" altLang="en-US"/>
           </a:p>
@@ -3748,6 +5745,191 @@
     <p:extLst>
       <p:ext uri="{BB962C8B-B14F-4D97-AF65-F5344CB8AC3E}">
         <p14:creationId xmlns:p14="http://schemas.microsoft.com/office/powerpoint/2010/main" val="2594966498"/>
+      </p:ext>
+    </p:extLst>
+  </p:cSld>
+  <p:clrMapOvr>
+    <a:masterClrMapping/>
+  </p:clrMapOvr>
+</p:notes>
+</file>
+
+<file path=ppt/notesSlides/notesSlide27.xml><?xml version="1.0" encoding="utf-8"?>
+<p:notes xmlns:a="http://schemas.openxmlformats.org/drawingml/2006/main" xmlns:r="http://schemas.openxmlformats.org/officeDocument/2006/relationships" xmlns:p="http://schemas.openxmlformats.org/presentationml/2006/main">
+  <p:cSld>
+    <p:spTree>
+      <p:nvGrpSpPr>
+        <p:cNvPr id="1" name=""/>
+        <p:cNvGrpSpPr/>
+        <p:nvPr/>
+      </p:nvGrpSpPr>
+      <p:grpSpPr>
+        <a:xfrm>
+          <a:off x="0" y="0"/>
+          <a:ext cx="0" cy="0"/>
+          <a:chOff x="0" y="0"/>
+          <a:chExt cx="0" cy="0"/>
+        </a:xfrm>
+      </p:grpSpPr>
+      <p:sp>
+        <p:nvSpPr>
+          <p:cNvPr id="2" name="幻灯片图像占位符 1"/>
+          <p:cNvSpPr>
+            <a:spLocks noGrp="1" noRot="1" noChangeAspect="1"/>
+          </p:cNvSpPr>
+          <p:nvPr>
+            <p:ph type="sldImg"/>
+          </p:nvPr>
+        </p:nvSpPr>
+        <p:spPr/>
+      </p:sp>
+      <p:sp>
+        <p:nvSpPr>
+          <p:cNvPr id="3" name="备注占位符 2"/>
+          <p:cNvSpPr>
+            <a:spLocks noGrp="1"/>
+          </p:cNvSpPr>
+          <p:nvPr>
+            <p:ph type="body" idx="1"/>
+          </p:nvPr>
+        </p:nvSpPr>
+        <p:spPr/>
+        <p:txBody>
+          <a:bodyPr/>
+          <a:lstStyle/>
+          <a:p>
+            <a:pPr marL="0" marR="0" indent="0" algn="l" defTabSz="914400" rtl="0" eaLnBrk="1" fontAlgn="auto" latinLnBrk="0" hangingPunct="1">
+              <a:lnSpc>
+                <a:spcPct val="100000"/>
+              </a:lnSpc>
+              <a:spcBef>
+                <a:spcPts val="0"/>
+              </a:spcBef>
+              <a:spcAft>
+                <a:spcPts val="0"/>
+              </a:spcAft>
+              <a:buClrTx/>
+              <a:buSzTx/>
+              <a:buFontTx/>
+              <a:buNone/>
+              <a:tabLst/>
+              <a:defRPr/>
+            </a:pPr>
+            <a:r>
+              <a:rPr lang="zh-CN" altLang="en-US" b="0" dirty="0" smtClean="0">
+                <a:latin typeface="+mn-ea"/>
+                <a:ea typeface="+mn-ea"/>
+              </a:rPr>
+              <a:t>异步 </a:t>
+            </a:r>
+            <a:r>
+              <a:rPr lang="en-US" altLang="zh-CN" b="0" dirty="0" smtClean="0">
+                <a:latin typeface="+mn-ea"/>
+                <a:ea typeface="+mn-ea"/>
+              </a:rPr>
+              <a:t>I/O</a:t>
+            </a:r>
+            <a:r>
+              <a:rPr lang="zh-CN" altLang="en-US" b="0" dirty="0" smtClean="0">
+                <a:latin typeface="+mn-ea"/>
+                <a:ea typeface="+mn-ea"/>
+              </a:rPr>
+              <a:t>（</a:t>
+            </a:r>
+            <a:r>
+              <a:rPr lang="en-US" altLang="zh-CN" b="0" dirty="0" smtClean="0">
+                <a:latin typeface="+mn-ea"/>
+                <a:ea typeface="+mn-ea"/>
+              </a:rPr>
+              <a:t>asynchronous I/O</a:t>
+            </a:r>
+            <a:r>
+              <a:rPr lang="zh-CN" altLang="en-US" b="0" dirty="0" smtClean="0">
+                <a:latin typeface="+mn-ea"/>
+                <a:ea typeface="+mn-ea"/>
+              </a:rPr>
+              <a:t>），它允许一个进程可以从操作系统请求一个或多个 </a:t>
+            </a:r>
+            <a:r>
+              <a:rPr lang="en-US" altLang="zh-CN" b="0" dirty="0" smtClean="0">
+                <a:latin typeface="+mn-ea"/>
+                <a:ea typeface="+mn-ea"/>
+              </a:rPr>
+              <a:t>I/O </a:t>
+            </a:r>
+            <a:r>
+              <a:rPr lang="zh-CN" altLang="en-US" b="0" dirty="0" smtClean="0">
+                <a:latin typeface="+mn-ea"/>
+                <a:ea typeface="+mn-ea"/>
+              </a:rPr>
+              <a:t>操作而不必等待这些操作的完成。发起请求的进程之后会收到它请求的 </a:t>
+            </a:r>
+            <a:r>
+              <a:rPr lang="en-US" altLang="zh-CN" b="0" dirty="0" smtClean="0">
+                <a:latin typeface="+mn-ea"/>
+                <a:ea typeface="+mn-ea"/>
+              </a:rPr>
+              <a:t>I/O </a:t>
+            </a:r>
+            <a:r>
+              <a:rPr lang="zh-CN" altLang="en-US" b="0" dirty="0" smtClean="0">
+                <a:latin typeface="+mn-ea"/>
+                <a:ea typeface="+mn-ea"/>
+              </a:rPr>
+              <a:t>操作已完成的通知，数据操作完全有</a:t>
+            </a:r>
+            <a:r>
+              <a:rPr lang="en-US" altLang="zh-CN" b="0" dirty="0" smtClean="0">
+                <a:latin typeface="+mn-ea"/>
+                <a:ea typeface="+mn-ea"/>
+              </a:rPr>
+              <a:t>OS</a:t>
+            </a:r>
+            <a:r>
+              <a:rPr lang="zh-CN" altLang="en-US" b="0" dirty="0" smtClean="0">
+                <a:latin typeface="+mn-ea"/>
+                <a:ea typeface="+mn-ea"/>
+              </a:rPr>
+              <a:t>内核完成。</a:t>
+            </a:r>
+            <a:endParaRPr lang="en-US" altLang="zh-CN" b="0" dirty="0" smtClean="0">
+              <a:latin typeface="+mn-ea"/>
+              <a:ea typeface="+mn-ea"/>
+            </a:endParaRPr>
+          </a:p>
+          <a:p>
+            <a:endParaRPr lang="zh-CN" altLang="en-US" dirty="0"/>
+          </a:p>
+        </p:txBody>
+      </p:sp>
+      <p:sp>
+        <p:nvSpPr>
+          <p:cNvPr id="4" name="灯片编号占位符 3"/>
+          <p:cNvSpPr>
+            <a:spLocks noGrp="1"/>
+          </p:cNvSpPr>
+          <p:nvPr>
+            <p:ph type="sldNum" sz="quarter" idx="10"/>
+          </p:nvPr>
+        </p:nvSpPr>
+        <p:spPr/>
+        <p:txBody>
+          <a:bodyPr/>
+          <a:lstStyle/>
+          <a:p>
+            <a:fld id="{4FBAD5A4-DF14-402B-8AB5-0BCE7F23E77D}" type="slidenum">
+              <a:rPr lang="zh-CN" altLang="en-US" smtClean="0"/>
+              <a:pPr/>
+              <a:t>47</a:t>
+            </a:fld>
+            <a:endParaRPr lang="zh-CN" altLang="en-US"/>
+          </a:p>
+        </p:txBody>
+      </p:sp>
+    </p:spTree>
+    <p:extLst>
+      <p:ext uri="{BB962C8B-B14F-4D97-AF65-F5344CB8AC3E}">
+        <p14:creationId xmlns:p14="http://schemas.microsoft.com/office/powerpoint/2010/main" val="760528240"/>
       </p:ext>
     </p:extLst>
   </p:cSld>
@@ -5172,7 +7354,7 @@
             <a:fld id="{FCBC4343-494B-425E-AA82-E9AF8325E412}" type="datetimeFigureOut">
               <a:rPr lang="zh-CN" altLang="en-US" smtClean="0"/>
               <a:pPr/>
-              <a:t>2016-12-15</a:t>
+              <a:t>2016-12-16</a:t>
             </a:fld>
             <a:endParaRPr lang="zh-CN" altLang="en-US"/>
           </a:p>
@@ -5344,7 +7526,7 @@
             <a:fld id="{FCBC4343-494B-425E-AA82-E9AF8325E412}" type="datetimeFigureOut">
               <a:rPr lang="zh-CN" altLang="en-US" smtClean="0"/>
               <a:pPr/>
-              <a:t>2016-12-15</a:t>
+              <a:t>2016-12-16</a:t>
             </a:fld>
             <a:endParaRPr lang="zh-CN" altLang="en-US"/>
           </a:p>
@@ -5526,7 +7708,7 @@
             <a:fld id="{FCBC4343-494B-425E-AA82-E9AF8325E412}" type="datetimeFigureOut">
               <a:rPr lang="zh-CN" altLang="en-US" smtClean="0"/>
               <a:pPr/>
-              <a:t>2016-12-15</a:t>
+              <a:t>2016-12-16</a:t>
             </a:fld>
             <a:endParaRPr lang="zh-CN" altLang="en-US"/>
           </a:p>
@@ -5698,7 +7880,7 @@
             <a:fld id="{FCBC4343-494B-425E-AA82-E9AF8325E412}" type="datetimeFigureOut">
               <a:rPr lang="zh-CN" altLang="en-US" smtClean="0"/>
               <a:pPr/>
-              <a:t>2016-12-15</a:t>
+              <a:t>2016-12-16</a:t>
             </a:fld>
             <a:endParaRPr lang="zh-CN" altLang="en-US"/>
           </a:p>
@@ -5946,7 +8128,7 @@
             <a:fld id="{FCBC4343-494B-425E-AA82-E9AF8325E412}" type="datetimeFigureOut">
               <a:rPr lang="zh-CN" altLang="en-US" smtClean="0"/>
               <a:pPr/>
-              <a:t>2016-12-15</a:t>
+              <a:t>2016-12-16</a:t>
             </a:fld>
             <a:endParaRPr lang="zh-CN" altLang="en-US"/>
           </a:p>
@@ -6236,7 +8418,7 @@
             <a:fld id="{FCBC4343-494B-425E-AA82-E9AF8325E412}" type="datetimeFigureOut">
               <a:rPr lang="zh-CN" altLang="en-US" smtClean="0"/>
               <a:pPr/>
-              <a:t>2016-12-15</a:t>
+              <a:t>2016-12-16</a:t>
             </a:fld>
             <a:endParaRPr lang="zh-CN" altLang="en-US"/>
           </a:p>
@@ -6660,7 +8842,7 @@
             <a:fld id="{FCBC4343-494B-425E-AA82-E9AF8325E412}" type="datetimeFigureOut">
               <a:rPr lang="zh-CN" altLang="en-US" smtClean="0"/>
               <a:pPr/>
-              <a:t>2016-12-15</a:t>
+              <a:t>2016-12-16</a:t>
             </a:fld>
             <a:endParaRPr lang="zh-CN" altLang="en-US"/>
           </a:p>
@@ -6780,7 +8962,7 @@
             <a:fld id="{FCBC4343-494B-425E-AA82-E9AF8325E412}" type="datetimeFigureOut">
               <a:rPr lang="zh-CN" altLang="en-US" smtClean="0"/>
               <a:pPr/>
-              <a:t>2016-12-15</a:t>
+              <a:t>2016-12-16</a:t>
             </a:fld>
             <a:endParaRPr lang="zh-CN" altLang="en-US"/>
           </a:p>
@@ -6877,7 +9059,7 @@
             <a:fld id="{FCBC4343-494B-425E-AA82-E9AF8325E412}" type="datetimeFigureOut">
               <a:rPr lang="zh-CN" altLang="en-US" smtClean="0"/>
               <a:pPr/>
-              <a:t>2016-12-15</a:t>
+              <a:t>2016-12-16</a:t>
             </a:fld>
             <a:endParaRPr lang="zh-CN" altLang="en-US"/>
           </a:p>
@@ -7156,7 +9338,7 @@
             <a:fld id="{FCBC4343-494B-425E-AA82-E9AF8325E412}" type="datetimeFigureOut">
               <a:rPr lang="zh-CN" altLang="en-US" smtClean="0"/>
               <a:pPr/>
-              <a:t>2016-12-15</a:t>
+              <a:t>2016-12-16</a:t>
             </a:fld>
             <a:endParaRPr lang="zh-CN" altLang="en-US"/>
           </a:p>
@@ -7411,7 +9593,7 @@
             <a:fld id="{FCBC4343-494B-425E-AA82-E9AF8325E412}" type="datetimeFigureOut">
               <a:rPr lang="zh-CN" altLang="en-US" smtClean="0"/>
               <a:pPr/>
-              <a:t>2016-12-15</a:t>
+              <a:t>2016-12-16</a:t>
             </a:fld>
             <a:endParaRPr lang="zh-CN" altLang="en-US"/>
           </a:p>
@@ -7626,7 +9808,7 @@
             <a:fld id="{FCBC4343-494B-425E-AA82-E9AF8325E412}" type="datetimeFigureOut">
               <a:rPr lang="zh-CN" altLang="en-US" smtClean="0"/>
               <a:pPr/>
-              <a:t>2016-12-15</a:t>
+              <a:t>2016-12-16</a:t>
             </a:fld>
             <a:endParaRPr lang="zh-CN" altLang="en-US"/>
           </a:p>
@@ -28209,15 +30391,7 @@
             </a:r>
             <a:r>
               <a:rPr lang="zh-CN" altLang="en-US" sz="2000" dirty="0" smtClean="0"/>
-              <a:t>（</a:t>
-            </a:r>
-            <a:r>
-              <a:rPr lang="zh-CN" altLang="en-US" sz="2000" dirty="0" smtClean="0"/>
-              <a:t>线程中断后，</a:t>
-            </a:r>
-            <a:r>
-              <a:rPr lang="zh-CN" altLang="en-US" sz="2000" dirty="0" smtClean="0"/>
-              <a:t>通道即被关闭）</a:t>
+              <a:t>（线程中断后，通道即被关闭）</a:t>
             </a:r>
             <a:endParaRPr lang="en-US" altLang="zh-CN" sz="2000" dirty="0" smtClean="0"/>
           </a:p>
@@ -28229,15 +30403,7 @@
             </a:r>
             <a:r>
               <a:rPr lang="zh-CN" altLang="en-US" sz="2000" dirty="0" smtClean="0"/>
-              <a:t>（</a:t>
-            </a:r>
-            <a:r>
-              <a:rPr lang="zh-CN" altLang="en-US" sz="2000" dirty="0" smtClean="0"/>
-              <a:t>通道关闭，线程被唤醒并捕获</a:t>
-            </a:r>
-            <a:r>
-              <a:rPr lang="zh-CN" altLang="en-US" sz="2000" dirty="0" smtClean="0"/>
-              <a:t>异常）</a:t>
+              <a:t>（通道关闭，线程被唤醒并捕获异常）</a:t>
             </a:r>
             <a:endParaRPr lang="en-US" altLang="zh-CN" sz="2000" dirty="0" smtClean="0"/>
           </a:p>
@@ -29317,11 +31483,6 @@
               </a:rPr>
               <a:t>线程安全</a:t>
             </a:r>
-            <a:endParaRPr lang="zh-CN" altLang="en-US" sz="1200" b="1" dirty="0">
-              <a:solidFill>
-                <a:schemeClr val="accent2"/>
-              </a:solidFill>
-            </a:endParaRPr>
           </a:p>
         </p:txBody>
       </p:sp>
@@ -30378,17 +32539,7 @@
                     </a:schemeClr>
                   </a:solidFill>
                 </a:rPr>
-                <a:t>10</a:t>
-              </a:r>
-              <a:r>
-                <a:rPr lang="en-US" altLang="zh-CN" sz="1200" dirty="0" smtClean="0">
-                  <a:solidFill>
-                    <a:schemeClr val="bg1">
-                      <a:lumMod val="50000"/>
-                    </a:schemeClr>
-                  </a:solidFill>
-                </a:rPr>
-                <a:t>0M</a:t>
+                <a:t>100M</a:t>
               </a:r>
               <a:endParaRPr lang="zh-CN" altLang="en-US" sz="1200" dirty="0">
                 <a:solidFill>
@@ -30429,17 +32580,7 @@
                     </a:schemeClr>
                   </a:solidFill>
                 </a:rPr>
-                <a:t>3</a:t>
-              </a:r>
-              <a:r>
-                <a:rPr lang="en-US" altLang="zh-CN" sz="1200" dirty="0" smtClean="0">
-                  <a:solidFill>
-                    <a:schemeClr val="bg1">
-                      <a:lumMod val="50000"/>
-                    </a:schemeClr>
-                  </a:solidFill>
-                </a:rPr>
-                <a:t>00M</a:t>
+                <a:t>300M</a:t>
               </a:r>
               <a:endParaRPr lang="zh-CN" altLang="en-US" sz="1200" dirty="0">
                 <a:solidFill>
@@ -38256,7 +40397,34 @@
           <a:p>
             <a:r>
               <a:rPr lang="zh-CN" altLang="en-US" dirty="0" smtClean="0"/>
-              <a:t>非阻塞特性提升系统伸缩性</a:t>
+              <a:t>非阻塞特性提升系统</a:t>
+            </a:r>
+            <a:r>
+              <a:rPr lang="zh-CN" altLang="en-US" dirty="0" smtClean="0"/>
+              <a:t>伸缩性</a:t>
+            </a:r>
+            <a:endParaRPr lang="en-US" altLang="zh-CN" dirty="0" smtClean="0"/>
+          </a:p>
+          <a:p>
+            <a:r>
+              <a:rPr lang="zh-CN" altLang="en-US" dirty="0" smtClean="0"/>
+              <a:t>流</a:t>
+            </a:r>
+            <a:r>
+              <a:rPr lang="en-US" altLang="zh-CN" dirty="0" smtClean="0"/>
+              <a:t>IO</a:t>
+            </a:r>
+            <a:r>
+              <a:rPr lang="zh-CN" altLang="en-US" dirty="0" smtClean="0"/>
+              <a:t>与块</a:t>
+            </a:r>
+            <a:r>
+              <a:rPr lang="en-US" altLang="zh-CN" dirty="0" smtClean="0"/>
+              <a:t>IO</a:t>
+            </a:r>
+            <a:r>
+              <a:rPr lang="zh-CN" altLang="en-US" dirty="0" smtClean="0"/>
+              <a:t>的区别</a:t>
             </a:r>
             <a:endParaRPr lang="zh-CN" altLang="en-US" dirty="0"/>
           </a:p>
@@ -38304,11 +40472,6 @@
               </a:rPr>
               <a:t>线程安全</a:t>
             </a:r>
-            <a:endParaRPr lang="zh-CN" altLang="en-US" sz="1200" b="1" dirty="0">
-              <a:solidFill>
-                <a:schemeClr val="accent2"/>
-              </a:solidFill>
-            </a:endParaRPr>
           </a:p>
         </p:txBody>
       </p:sp>
@@ -38785,11 +40948,87 @@
         </p:nvSpPr>
         <p:spPr/>
         <p:txBody>
-          <a:bodyPr/>
+          <a:bodyPr>
+            <a:normAutofit/>
+          </a:bodyPr>
           <a:lstStyle/>
           <a:p>
             <a:r>
-              <a:rPr lang="en-US" altLang="zh-CN" dirty="0" smtClean="0"/>
+              <a:rPr lang="zh-CN" altLang="en-US" dirty="0"/>
+              <a:t>哲学</a:t>
+            </a:r>
+            <a:r>
+              <a:rPr lang="zh-CN" altLang="en-US" dirty="0" smtClean="0"/>
+              <a:t>概念</a:t>
+            </a:r>
+            <a:endParaRPr lang="en-US" altLang="zh-CN" dirty="0" smtClean="0"/>
+          </a:p>
+          <a:p>
+            <a:pPr lvl="1"/>
+            <a:r>
+              <a:rPr lang="zh-CN" altLang="en-US" sz="2000" dirty="0" smtClean="0"/>
+              <a:t>同步 </a:t>
+            </a:r>
+            <a:r>
+              <a:rPr lang="en-US" altLang="zh-CN" sz="2000" dirty="0" smtClean="0"/>
+              <a:t>/ </a:t>
+            </a:r>
+            <a:r>
+              <a:rPr lang="zh-CN" altLang="en-US" sz="2000" dirty="0" smtClean="0"/>
+              <a:t>异步</a:t>
+            </a:r>
+            <a:r>
+              <a:rPr lang="zh-CN" altLang="en-US" sz="2000" dirty="0" smtClean="0"/>
+              <a:t>（自己干 </a:t>
+            </a:r>
+            <a:r>
+              <a:rPr lang="en-US" altLang="zh-CN" sz="2000" dirty="0" smtClean="0"/>
+              <a:t>or </a:t>
+            </a:r>
+            <a:r>
+              <a:rPr lang="zh-CN" altLang="en-US" sz="2000" dirty="0" smtClean="0"/>
+              <a:t>让别人干？）</a:t>
+            </a:r>
+            <a:endParaRPr lang="en-US" altLang="zh-CN" sz="2000" dirty="0" smtClean="0"/>
+          </a:p>
+          <a:p>
+            <a:pPr lvl="1"/>
+            <a:r>
+              <a:rPr lang="zh-CN" altLang="en-US" sz="2000" dirty="0" smtClean="0"/>
+              <a:t>阻塞 </a:t>
+            </a:r>
+            <a:r>
+              <a:rPr lang="en-US" altLang="zh-CN" sz="2000" dirty="0" smtClean="0"/>
+              <a:t>/ </a:t>
+            </a:r>
+            <a:r>
+              <a:rPr lang="zh-CN" altLang="en-US" sz="2000" dirty="0" smtClean="0"/>
+              <a:t>非</a:t>
+            </a:r>
+            <a:r>
+              <a:rPr lang="zh-CN" altLang="en-US" sz="2000" dirty="0" smtClean="0"/>
+              <a:t>阻塞（干等 </a:t>
+            </a:r>
+            <a:r>
+              <a:rPr lang="en-US" altLang="zh-CN" sz="2000" dirty="0" smtClean="0"/>
+              <a:t>or </a:t>
+            </a:r>
+            <a:r>
+              <a:rPr lang="zh-CN" altLang="en-US" sz="2000" dirty="0"/>
+              <a:t>过</a:t>
+            </a:r>
+            <a:r>
+              <a:rPr lang="zh-CN" altLang="en-US" sz="2000" dirty="0" smtClean="0"/>
+              <a:t>会儿再看？</a:t>
+            </a:r>
+            <a:r>
+              <a:rPr lang="zh-CN" altLang="en-US" sz="2000" dirty="0" smtClean="0"/>
+              <a:t>）</a:t>
+            </a:r>
+          </a:p>
+          <a:p>
+            <a:r>
+              <a:rPr lang="en-US" altLang="zh-CN" dirty="0"/>
               <a:t>IO</a:t>
             </a:r>
             <a:r>
@@ -38801,37 +41040,3713 @@
           <a:p>
             <a:pPr lvl="1"/>
             <a:r>
-              <a:rPr lang="zh-CN" altLang="en-US" dirty="0" smtClean="0"/>
-              <a:t>同步 </a:t>
-            </a:r>
-            <a:r>
-              <a:rPr lang="en-US" altLang="zh-CN" dirty="0" smtClean="0"/>
-              <a:t>/ </a:t>
-            </a:r>
-            <a:r>
-              <a:rPr lang="zh-CN" altLang="en-US" dirty="0" smtClean="0"/>
-              <a:t>异步</a:t>
-            </a:r>
-            <a:endParaRPr lang="en-US" altLang="zh-CN" dirty="0" smtClean="0"/>
+              <a:rPr lang="zh-CN" altLang="en-US" sz="2000" dirty="0" smtClean="0"/>
+              <a:t>同步阻塞</a:t>
+            </a:r>
+            <a:endParaRPr lang="en-US" altLang="zh-CN" sz="2000" dirty="0" smtClean="0"/>
           </a:p>
           <a:p>
             <a:pPr lvl="1"/>
             <a:r>
-              <a:rPr lang="zh-CN" altLang="en-US" dirty="0" smtClean="0"/>
-              <a:t>阻塞 </a:t>
-            </a:r>
-            <a:r>
-              <a:rPr lang="en-US" altLang="zh-CN" dirty="0" smtClean="0"/>
-              <a:t>/ </a:t>
-            </a:r>
-            <a:r>
-              <a:rPr lang="zh-CN" altLang="en-US" dirty="0" smtClean="0"/>
-              <a:t>非阻塞</a:t>
-            </a:r>
-            <a:endParaRPr lang="en-US" altLang="zh-CN" dirty="0" smtClean="0"/>
+              <a:rPr lang="zh-CN" altLang="en-US" sz="2000" dirty="0" smtClean="0"/>
+              <a:t>同步非阻塞</a:t>
+            </a:r>
+            <a:endParaRPr lang="en-US" altLang="zh-CN" sz="2000" dirty="0" smtClean="0"/>
+          </a:p>
+          <a:p>
+            <a:pPr lvl="1"/>
+            <a:r>
+              <a:rPr lang="en-US" altLang="zh-CN" sz="2000" dirty="0" smtClean="0"/>
+              <a:t>IO</a:t>
+            </a:r>
+            <a:r>
+              <a:rPr lang="zh-CN" altLang="en-US" sz="2000" dirty="0" smtClean="0"/>
+              <a:t>多路复用</a:t>
+            </a:r>
+            <a:endParaRPr lang="en-US" altLang="zh-CN" sz="2000" dirty="0" smtClean="0"/>
+          </a:p>
+          <a:p>
+            <a:pPr lvl="1"/>
+            <a:r>
+              <a:rPr lang="zh-CN" altLang="en-US" sz="2000" dirty="0" smtClean="0"/>
+              <a:t>信号驱动</a:t>
+            </a:r>
+            <a:endParaRPr lang="en-US" altLang="zh-CN" sz="2000" dirty="0" smtClean="0"/>
+          </a:p>
+          <a:p>
+            <a:pPr lvl="1"/>
+            <a:r>
+              <a:rPr lang="zh-CN" altLang="en-US" sz="2000" dirty="0" smtClean="0"/>
+              <a:t>异步非阻塞</a:t>
+            </a:r>
+            <a:endParaRPr lang="en-US" altLang="zh-CN" sz="2000" dirty="0" smtClean="0"/>
           </a:p>
         </p:txBody>
       </p:sp>
+      <p:grpSp>
+        <p:nvGrpSpPr>
+          <p:cNvPr id="4" name="组合 3"/>
+          <p:cNvGrpSpPr/>
+          <p:nvPr/>
+        </p:nvGrpSpPr>
+        <p:grpSpPr>
+          <a:xfrm>
+            <a:off x="2843888" y="1736864"/>
+            <a:ext cx="720000" cy="468000"/>
+            <a:chOff x="3300413" y="2374901"/>
+            <a:chExt cx="774700" cy="520700"/>
+          </a:xfrm>
+        </p:grpSpPr>
+        <p:sp>
+          <p:nvSpPr>
+            <p:cNvPr id="5" name="Freeform 31"/>
+            <p:cNvSpPr>
+              <a:spLocks noEditPoints="1"/>
+            </p:cNvSpPr>
+            <p:nvPr/>
+          </p:nvSpPr>
+          <p:spPr bwMode="auto">
+            <a:xfrm>
+              <a:off x="3641726" y="2536826"/>
+              <a:ext cx="392113" cy="296863"/>
+            </a:xfrm>
+            <a:custGeom>
+              <a:avLst/>
+              <a:gdLst>
+                <a:gd name="T0" fmla="*/ 124 w 206"/>
+                <a:gd name="T1" fmla="*/ 146 h 156"/>
+                <a:gd name="T2" fmla="*/ 135 w 206"/>
+                <a:gd name="T3" fmla="*/ 126 h 156"/>
+                <a:gd name="T4" fmla="*/ 171 w 206"/>
+                <a:gd name="T5" fmla="*/ 116 h 156"/>
+                <a:gd name="T6" fmla="*/ 159 w 206"/>
+                <a:gd name="T7" fmla="*/ 74 h 156"/>
+                <a:gd name="T8" fmla="*/ 166 w 206"/>
+                <a:gd name="T9" fmla="*/ 72 h 156"/>
+                <a:gd name="T10" fmla="*/ 179 w 206"/>
+                <a:gd name="T11" fmla="*/ 121 h 156"/>
+                <a:gd name="T12" fmla="*/ 175 w 206"/>
+                <a:gd name="T13" fmla="*/ 121 h 156"/>
+                <a:gd name="T14" fmla="*/ 137 w 206"/>
+                <a:gd name="T15" fmla="*/ 133 h 156"/>
+                <a:gd name="T16" fmla="*/ 137 w 206"/>
+                <a:gd name="T17" fmla="*/ 133 h 156"/>
+                <a:gd name="T18" fmla="*/ 130 w 206"/>
+                <a:gd name="T19" fmla="*/ 144 h 156"/>
+                <a:gd name="T20" fmla="*/ 157 w 206"/>
+                <a:gd name="T21" fmla="*/ 151 h 156"/>
+                <a:gd name="T22" fmla="*/ 199 w 206"/>
+                <a:gd name="T23" fmla="*/ 141 h 156"/>
+                <a:gd name="T24" fmla="*/ 205 w 206"/>
+                <a:gd name="T25" fmla="*/ 111 h 156"/>
+                <a:gd name="T26" fmla="*/ 183 w 206"/>
+                <a:gd name="T27" fmla="*/ 44 h 156"/>
+                <a:gd name="T28" fmla="*/ 105 w 206"/>
+                <a:gd name="T29" fmla="*/ 3 h 156"/>
+                <a:gd name="T30" fmla="*/ 25 w 206"/>
+                <a:gd name="T31" fmla="*/ 42 h 156"/>
+                <a:gd name="T32" fmla="*/ 25 w 206"/>
+                <a:gd name="T33" fmla="*/ 42 h 156"/>
+                <a:gd name="T34" fmla="*/ 0 w 206"/>
+                <a:gd name="T35" fmla="*/ 94 h 156"/>
+                <a:gd name="T36" fmla="*/ 6 w 206"/>
+                <a:gd name="T37" fmla="*/ 109 h 156"/>
+                <a:gd name="T38" fmla="*/ 44 w 206"/>
+                <a:gd name="T39" fmla="*/ 118 h 156"/>
+                <a:gd name="T40" fmla="*/ 75 w 206"/>
+                <a:gd name="T41" fmla="*/ 118 h 156"/>
+                <a:gd name="T42" fmla="*/ 96 w 206"/>
+                <a:gd name="T43" fmla="*/ 112 h 156"/>
+                <a:gd name="T44" fmla="*/ 97 w 206"/>
+                <a:gd name="T45" fmla="*/ 108 h 156"/>
+                <a:gd name="T46" fmla="*/ 35 w 206"/>
+                <a:gd name="T47" fmla="*/ 92 h 156"/>
+                <a:gd name="T48" fmla="*/ 35 w 206"/>
+                <a:gd name="T49" fmla="*/ 85 h 156"/>
+                <a:gd name="T50" fmla="*/ 104 w 206"/>
+                <a:gd name="T51" fmla="*/ 107 h 156"/>
+                <a:gd name="T52" fmla="*/ 104 w 206"/>
+                <a:gd name="T53" fmla="*/ 108 h 156"/>
+                <a:gd name="T54" fmla="*/ 100 w 206"/>
+                <a:gd name="T55" fmla="*/ 117 h 156"/>
+                <a:gd name="T56" fmla="*/ 74 w 206"/>
+                <a:gd name="T57" fmla="*/ 124 h 156"/>
+                <a:gd name="T58" fmla="*/ 44 w 206"/>
+                <a:gd name="T59" fmla="*/ 125 h 156"/>
+                <a:gd name="T60" fmla="*/ 42 w 206"/>
+                <a:gd name="T61" fmla="*/ 125 h 156"/>
+                <a:gd name="T62" fmla="*/ 42 w 206"/>
+                <a:gd name="T63" fmla="*/ 125 h 156"/>
+                <a:gd name="T64" fmla="*/ 41 w 206"/>
+                <a:gd name="T65" fmla="*/ 125 h 156"/>
+                <a:gd name="T66" fmla="*/ 41 w 206"/>
+                <a:gd name="T67" fmla="*/ 156 h 156"/>
+                <a:gd name="T68" fmla="*/ 136 w 206"/>
+                <a:gd name="T69" fmla="*/ 156 h 156"/>
+                <a:gd name="T70" fmla="*/ 124 w 206"/>
+                <a:gd name="T71" fmla="*/ 146 h 156"/>
+                <a:gd name="T72" fmla="*/ 92 w 206"/>
+                <a:gd name="T73" fmla="*/ 132 h 156"/>
+                <a:gd name="T74" fmla="*/ 92 w 206"/>
+                <a:gd name="T75" fmla="*/ 149 h 156"/>
+                <a:gd name="T76" fmla="*/ 48 w 206"/>
+                <a:gd name="T77" fmla="*/ 149 h 156"/>
+                <a:gd name="T78" fmla="*/ 48 w 206"/>
+                <a:gd name="T79" fmla="*/ 132 h 156"/>
+                <a:gd name="T80" fmla="*/ 92 w 206"/>
+                <a:gd name="T81" fmla="*/ 132 h 156"/>
+              </a:gdLst>
+              <a:ahLst/>
+              <a:cxnLst>
+                <a:cxn ang="0">
+                  <a:pos x="T0" y="T1"/>
+                </a:cxn>
+                <a:cxn ang="0">
+                  <a:pos x="T2" y="T3"/>
+                </a:cxn>
+                <a:cxn ang="0">
+                  <a:pos x="T4" y="T5"/>
+                </a:cxn>
+                <a:cxn ang="0">
+                  <a:pos x="T6" y="T7"/>
+                </a:cxn>
+                <a:cxn ang="0">
+                  <a:pos x="T8" y="T9"/>
+                </a:cxn>
+                <a:cxn ang="0">
+                  <a:pos x="T10" y="T11"/>
+                </a:cxn>
+                <a:cxn ang="0">
+                  <a:pos x="T12" y="T13"/>
+                </a:cxn>
+                <a:cxn ang="0">
+                  <a:pos x="T14" y="T15"/>
+                </a:cxn>
+                <a:cxn ang="0">
+                  <a:pos x="T16" y="T17"/>
+                </a:cxn>
+                <a:cxn ang="0">
+                  <a:pos x="T18" y="T19"/>
+                </a:cxn>
+                <a:cxn ang="0">
+                  <a:pos x="T20" y="T21"/>
+                </a:cxn>
+                <a:cxn ang="0">
+                  <a:pos x="T22" y="T23"/>
+                </a:cxn>
+                <a:cxn ang="0">
+                  <a:pos x="T24" y="T25"/>
+                </a:cxn>
+                <a:cxn ang="0">
+                  <a:pos x="T26" y="T27"/>
+                </a:cxn>
+                <a:cxn ang="0">
+                  <a:pos x="T28" y="T29"/>
+                </a:cxn>
+                <a:cxn ang="0">
+                  <a:pos x="T30" y="T31"/>
+                </a:cxn>
+                <a:cxn ang="0">
+                  <a:pos x="T32" y="T33"/>
+                </a:cxn>
+                <a:cxn ang="0">
+                  <a:pos x="T34" y="T35"/>
+                </a:cxn>
+                <a:cxn ang="0">
+                  <a:pos x="T36" y="T37"/>
+                </a:cxn>
+                <a:cxn ang="0">
+                  <a:pos x="T38" y="T39"/>
+                </a:cxn>
+                <a:cxn ang="0">
+                  <a:pos x="T40" y="T41"/>
+                </a:cxn>
+                <a:cxn ang="0">
+                  <a:pos x="T42" y="T43"/>
+                </a:cxn>
+                <a:cxn ang="0">
+                  <a:pos x="T44" y="T45"/>
+                </a:cxn>
+                <a:cxn ang="0">
+                  <a:pos x="T46" y="T47"/>
+                </a:cxn>
+                <a:cxn ang="0">
+                  <a:pos x="T48" y="T49"/>
+                </a:cxn>
+                <a:cxn ang="0">
+                  <a:pos x="T50" y="T51"/>
+                </a:cxn>
+                <a:cxn ang="0">
+                  <a:pos x="T52" y="T53"/>
+                </a:cxn>
+                <a:cxn ang="0">
+                  <a:pos x="T54" y="T55"/>
+                </a:cxn>
+                <a:cxn ang="0">
+                  <a:pos x="T56" y="T57"/>
+                </a:cxn>
+                <a:cxn ang="0">
+                  <a:pos x="T58" y="T59"/>
+                </a:cxn>
+                <a:cxn ang="0">
+                  <a:pos x="T60" y="T61"/>
+                </a:cxn>
+                <a:cxn ang="0">
+                  <a:pos x="T62" y="T63"/>
+                </a:cxn>
+                <a:cxn ang="0">
+                  <a:pos x="T64" y="T65"/>
+                </a:cxn>
+                <a:cxn ang="0">
+                  <a:pos x="T66" y="T67"/>
+                </a:cxn>
+                <a:cxn ang="0">
+                  <a:pos x="T68" y="T69"/>
+                </a:cxn>
+                <a:cxn ang="0">
+                  <a:pos x="T70" y="T71"/>
+                </a:cxn>
+                <a:cxn ang="0">
+                  <a:pos x="T72" y="T73"/>
+                </a:cxn>
+                <a:cxn ang="0">
+                  <a:pos x="T74" y="T75"/>
+                </a:cxn>
+                <a:cxn ang="0">
+                  <a:pos x="T76" y="T77"/>
+                </a:cxn>
+                <a:cxn ang="0">
+                  <a:pos x="T78" y="T79"/>
+                </a:cxn>
+                <a:cxn ang="0">
+                  <a:pos x="T80" y="T81"/>
+                </a:cxn>
+              </a:cxnLst>
+              <a:rect l="0" t="0" r="r" b="b"/>
+              <a:pathLst>
+                <a:path w="206" h="156">
+                  <a:moveTo>
+                    <a:pt x="124" y="146"/>
+                  </a:moveTo>
+                  <a:cubicBezTo>
+                    <a:pt x="120" y="136"/>
+                    <a:pt x="129" y="129"/>
+                    <a:pt x="135" y="126"/>
+                  </a:cubicBezTo>
+                  <a:cubicBezTo>
+                    <a:pt x="147" y="121"/>
+                    <a:pt x="163" y="117"/>
+                    <a:pt x="171" y="116"/>
+                  </a:cubicBezTo>
+                  <a:cubicBezTo>
+                    <a:pt x="169" y="110"/>
+                    <a:pt x="159" y="74"/>
+                    <a:pt x="159" y="74"/>
+                  </a:cubicBezTo>
+                  <a:cubicBezTo>
+                    <a:pt x="166" y="72"/>
+                    <a:pt x="166" y="72"/>
+                    <a:pt x="166" y="72"/>
+                  </a:cubicBezTo>
+                  <a:cubicBezTo>
+                    <a:pt x="179" y="121"/>
+                    <a:pt x="179" y="121"/>
+                    <a:pt x="179" y="121"/>
+                  </a:cubicBezTo>
+                  <a:cubicBezTo>
+                    <a:pt x="175" y="121"/>
+                    <a:pt x="175" y="121"/>
+                    <a:pt x="175" y="121"/>
+                  </a:cubicBezTo>
+                  <a:cubicBezTo>
+                    <a:pt x="175" y="121"/>
+                    <a:pt x="152" y="126"/>
+                    <a:pt x="137" y="133"/>
+                  </a:cubicBezTo>
+                  <a:cubicBezTo>
+                    <a:pt x="137" y="133"/>
+                    <a:pt x="137" y="133"/>
+                    <a:pt x="137" y="133"/>
+                  </a:cubicBezTo>
+                  <a:cubicBezTo>
+                    <a:pt x="137" y="133"/>
+                    <a:pt x="127" y="137"/>
+                    <a:pt x="130" y="144"/>
+                  </a:cubicBezTo>
+                  <a:cubicBezTo>
+                    <a:pt x="131" y="146"/>
+                    <a:pt x="133" y="151"/>
+                    <a:pt x="157" y="151"/>
+                  </a:cubicBezTo>
+                  <a:cubicBezTo>
+                    <a:pt x="180" y="151"/>
+                    <a:pt x="193" y="148"/>
+                    <a:pt x="199" y="141"/>
+                  </a:cubicBezTo>
+                  <a:cubicBezTo>
+                    <a:pt x="204" y="135"/>
+                    <a:pt x="206" y="126"/>
+                    <a:pt x="205" y="111"/>
+                  </a:cubicBezTo>
+                  <a:cubicBezTo>
+                    <a:pt x="201" y="72"/>
+                    <a:pt x="183" y="44"/>
+                    <a:pt x="183" y="44"/>
+                  </a:cubicBezTo>
+                  <a:cubicBezTo>
+                    <a:pt x="153" y="0"/>
+                    <a:pt x="105" y="3"/>
+                    <a:pt x="105" y="3"/>
+                  </a:cubicBezTo>
+                  <a:cubicBezTo>
+                    <a:pt x="105" y="3"/>
+                    <a:pt x="58" y="0"/>
+                    <a:pt x="25" y="42"/>
+                  </a:cubicBezTo>
+                  <a:cubicBezTo>
+                    <a:pt x="25" y="42"/>
+                    <a:pt x="25" y="42"/>
+                    <a:pt x="25" y="42"/>
+                  </a:cubicBezTo>
+                  <a:cubicBezTo>
+                    <a:pt x="24" y="42"/>
+                    <a:pt x="0" y="69"/>
+                    <a:pt x="0" y="94"/>
+                  </a:cubicBezTo>
+                  <a:cubicBezTo>
+                    <a:pt x="0" y="100"/>
+                    <a:pt x="2" y="105"/>
+                    <a:pt x="6" y="109"/>
+                  </a:cubicBezTo>
+                  <a:cubicBezTo>
+                    <a:pt x="14" y="117"/>
+                    <a:pt x="32" y="118"/>
+                    <a:pt x="44" y="118"/>
+                  </a:cubicBezTo>
+                  <a:cubicBezTo>
+                    <a:pt x="69" y="119"/>
+                    <a:pt x="75" y="118"/>
+                    <a:pt x="75" y="118"/>
+                  </a:cubicBezTo>
+                  <a:cubicBezTo>
+                    <a:pt x="87" y="117"/>
+                    <a:pt x="92" y="116"/>
+                    <a:pt x="96" y="112"/>
+                  </a:cubicBezTo>
+                  <a:cubicBezTo>
+                    <a:pt x="97" y="111"/>
+                    <a:pt x="97" y="110"/>
+                    <a:pt x="97" y="108"/>
+                  </a:cubicBezTo>
+                  <a:cubicBezTo>
+                    <a:pt x="96" y="97"/>
+                    <a:pt x="60" y="92"/>
+                    <a:pt x="35" y="92"/>
+                  </a:cubicBezTo>
+                  <a:cubicBezTo>
+                    <a:pt x="35" y="85"/>
+                    <a:pt x="35" y="85"/>
+                    <a:pt x="35" y="85"/>
+                  </a:cubicBezTo>
+                  <a:cubicBezTo>
+                    <a:pt x="46" y="85"/>
+                    <a:pt x="102" y="87"/>
+                    <a:pt x="104" y="107"/>
+                  </a:cubicBezTo>
+                  <a:cubicBezTo>
+                    <a:pt x="104" y="108"/>
+                    <a:pt x="104" y="108"/>
+                    <a:pt x="104" y="108"/>
+                  </a:cubicBezTo>
+                  <a:cubicBezTo>
+                    <a:pt x="104" y="112"/>
+                    <a:pt x="103" y="115"/>
+                    <a:pt x="100" y="117"/>
+                  </a:cubicBezTo>
+                  <a:cubicBezTo>
+                    <a:pt x="96" y="122"/>
+                    <a:pt x="87" y="124"/>
+                    <a:pt x="74" y="124"/>
+                  </a:cubicBezTo>
+                  <a:cubicBezTo>
+                    <a:pt x="74" y="124"/>
+                    <a:pt x="67" y="125"/>
+                    <a:pt x="44" y="125"/>
+                  </a:cubicBezTo>
+                  <a:cubicBezTo>
+                    <a:pt x="44" y="125"/>
+                    <a:pt x="43" y="125"/>
+                    <a:pt x="42" y="125"/>
+                  </a:cubicBezTo>
+                  <a:cubicBezTo>
+                    <a:pt x="42" y="125"/>
+                    <a:pt x="42" y="125"/>
+                    <a:pt x="42" y="125"/>
+                  </a:cubicBezTo>
+                  <a:cubicBezTo>
+                    <a:pt x="41" y="125"/>
+                    <a:pt x="41" y="125"/>
+                    <a:pt x="41" y="125"/>
+                  </a:cubicBezTo>
+                  <a:cubicBezTo>
+                    <a:pt x="41" y="156"/>
+                    <a:pt x="41" y="156"/>
+                    <a:pt x="41" y="156"/>
+                  </a:cubicBezTo>
+                  <a:cubicBezTo>
+                    <a:pt x="136" y="156"/>
+                    <a:pt x="136" y="156"/>
+                    <a:pt x="136" y="156"/>
+                  </a:cubicBezTo>
+                  <a:cubicBezTo>
+                    <a:pt x="130" y="154"/>
+                    <a:pt x="125" y="151"/>
+                    <a:pt x="124" y="146"/>
+                  </a:cubicBezTo>
+                  <a:close/>
+                  <a:moveTo>
+                    <a:pt x="92" y="132"/>
+                  </a:moveTo>
+                  <a:cubicBezTo>
+                    <a:pt x="92" y="136"/>
+                    <a:pt x="92" y="145"/>
+                    <a:pt x="92" y="149"/>
+                  </a:cubicBezTo>
+                  <a:cubicBezTo>
+                    <a:pt x="87" y="149"/>
+                    <a:pt x="53" y="149"/>
+                    <a:pt x="48" y="149"/>
+                  </a:cubicBezTo>
+                  <a:cubicBezTo>
+                    <a:pt x="48" y="145"/>
+                    <a:pt x="48" y="136"/>
+                    <a:pt x="48" y="132"/>
+                  </a:cubicBezTo>
+                  <a:cubicBezTo>
+                    <a:pt x="53" y="132"/>
+                    <a:pt x="87" y="132"/>
+                    <a:pt x="92" y="132"/>
+                  </a:cubicBezTo>
+                  <a:close/>
+                </a:path>
+              </a:pathLst>
+            </a:custGeom>
+            <a:solidFill>
+              <a:srgbClr val="000000"/>
+            </a:solidFill>
+            <a:ln>
+              <a:noFill/>
+            </a:ln>
+            <a:extLst>
+              <a:ext uri="{91240B29-F687-4F45-9708-019B960494DF}">
+                <a14:hiddenLine xmlns:a14="http://schemas.microsoft.com/office/drawing/2010/main" w="9525">
+                  <a:solidFill>
+                    <a:srgbClr val="000000"/>
+                  </a:solidFill>
+                  <a:round/>
+                  <a:headEnd/>
+                  <a:tailEnd/>
+                </a14:hiddenLine>
+              </a:ext>
+            </a:extLst>
+          </p:spPr>
+          <p:txBody>
+            <a:bodyPr vert="horz" wrap="square" lIns="91440" tIns="45720" rIns="91440" bIns="45720" numCol="1" anchor="t" anchorCtr="0" compatLnSpc="1">
+              <a:prstTxWarp prst="textNoShape">
+                <a:avLst/>
+              </a:prstTxWarp>
+            </a:bodyPr>
+            <a:lstStyle/>
+            <a:p>
+              <a:endParaRPr lang="zh-CN" altLang="en-US"/>
+            </a:p>
+          </p:txBody>
+        </p:sp>
+        <p:sp>
+          <p:nvSpPr>
+            <p:cNvPr id="6" name="Oval 32"/>
+            <p:cNvSpPr>
+              <a:spLocks noChangeArrowheads="1"/>
+            </p:cNvSpPr>
+            <p:nvPr/>
+          </p:nvSpPr>
+          <p:spPr bwMode="auto">
+            <a:xfrm>
+              <a:off x="3775076" y="2374901"/>
+              <a:ext cx="136525" cy="136525"/>
+            </a:xfrm>
+            <a:prstGeom prst="ellipse">
+              <a:avLst/>
+            </a:prstGeom>
+            <a:solidFill>
+              <a:srgbClr val="000000"/>
+            </a:solidFill>
+            <a:ln>
+              <a:noFill/>
+            </a:ln>
+            <a:extLst>
+              <a:ext uri="{91240B29-F687-4F45-9708-019B960494DF}">
+                <a14:hiddenLine xmlns:a14="http://schemas.microsoft.com/office/drawing/2010/main" w="9525">
+                  <a:solidFill>
+                    <a:srgbClr val="000000"/>
+                  </a:solidFill>
+                  <a:round/>
+                  <a:headEnd/>
+                  <a:tailEnd/>
+                </a14:hiddenLine>
+              </a:ext>
+            </a:extLst>
+          </p:spPr>
+          <p:txBody>
+            <a:bodyPr vert="horz" wrap="square" lIns="91440" tIns="45720" rIns="91440" bIns="45720" numCol="1" anchor="t" anchorCtr="0" compatLnSpc="1">
+              <a:prstTxWarp prst="textNoShape">
+                <a:avLst/>
+              </a:prstTxWarp>
+            </a:bodyPr>
+            <a:lstStyle/>
+            <a:p>
+              <a:endParaRPr lang="zh-CN" altLang="en-US"/>
+            </a:p>
+          </p:txBody>
+        </p:sp>
+        <p:sp>
+          <p:nvSpPr>
+            <p:cNvPr id="7" name="Freeform 33"/>
+            <p:cNvSpPr>
+              <a:spLocks/>
+            </p:cNvSpPr>
+            <p:nvPr/>
+          </p:nvSpPr>
+          <p:spPr bwMode="auto">
+            <a:xfrm>
+              <a:off x="3633788" y="2776538"/>
+              <a:ext cx="61913" cy="30163"/>
+            </a:xfrm>
+            <a:custGeom>
+              <a:avLst/>
+              <a:gdLst>
+                <a:gd name="T0" fmla="*/ 39 w 39"/>
+                <a:gd name="T1" fmla="*/ 12 h 19"/>
+                <a:gd name="T2" fmla="*/ 3 w 39"/>
+                <a:gd name="T3" fmla="*/ 0 h 19"/>
+                <a:gd name="T4" fmla="*/ 0 w 39"/>
+                <a:gd name="T5" fmla="*/ 7 h 19"/>
+                <a:gd name="T6" fmla="*/ 36 w 39"/>
+                <a:gd name="T7" fmla="*/ 19 h 19"/>
+                <a:gd name="T8" fmla="*/ 39 w 39"/>
+                <a:gd name="T9" fmla="*/ 12 h 19"/>
+              </a:gdLst>
+              <a:ahLst/>
+              <a:cxnLst>
+                <a:cxn ang="0">
+                  <a:pos x="T0" y="T1"/>
+                </a:cxn>
+                <a:cxn ang="0">
+                  <a:pos x="T2" y="T3"/>
+                </a:cxn>
+                <a:cxn ang="0">
+                  <a:pos x="T4" y="T5"/>
+                </a:cxn>
+                <a:cxn ang="0">
+                  <a:pos x="T6" y="T7"/>
+                </a:cxn>
+                <a:cxn ang="0">
+                  <a:pos x="T8" y="T9"/>
+                </a:cxn>
+              </a:cxnLst>
+              <a:rect l="0" t="0" r="r" b="b"/>
+              <a:pathLst>
+                <a:path w="39" h="19">
+                  <a:moveTo>
+                    <a:pt x="39" y="12"/>
+                  </a:moveTo>
+                  <a:lnTo>
+                    <a:pt x="3" y="0"/>
+                  </a:lnTo>
+                  <a:lnTo>
+                    <a:pt x="0" y="7"/>
+                  </a:lnTo>
+                  <a:lnTo>
+                    <a:pt x="36" y="19"/>
+                  </a:lnTo>
+                  <a:lnTo>
+                    <a:pt x="39" y="12"/>
+                  </a:lnTo>
+                  <a:close/>
+                </a:path>
+              </a:pathLst>
+            </a:custGeom>
+            <a:solidFill>
+              <a:srgbClr val="000000"/>
+            </a:solidFill>
+            <a:ln>
+              <a:noFill/>
+            </a:ln>
+            <a:extLst>
+              <a:ext uri="{91240B29-F687-4F45-9708-019B960494DF}">
+                <a14:hiddenLine xmlns:a14="http://schemas.microsoft.com/office/drawing/2010/main" w="9525">
+                  <a:solidFill>
+                    <a:srgbClr val="000000"/>
+                  </a:solidFill>
+                  <a:round/>
+                  <a:headEnd/>
+                  <a:tailEnd/>
+                </a14:hiddenLine>
+              </a:ext>
+            </a:extLst>
+          </p:spPr>
+          <p:txBody>
+            <a:bodyPr vert="horz" wrap="square" lIns="91440" tIns="45720" rIns="91440" bIns="45720" numCol="1" anchor="t" anchorCtr="0" compatLnSpc="1">
+              <a:prstTxWarp prst="textNoShape">
+                <a:avLst/>
+              </a:prstTxWarp>
+            </a:bodyPr>
+            <a:lstStyle/>
+            <a:p>
+              <a:endParaRPr lang="zh-CN" altLang="en-US"/>
+            </a:p>
+          </p:txBody>
+        </p:sp>
+        <p:sp>
+          <p:nvSpPr>
+            <p:cNvPr id="8" name="Rectangle 34"/>
+            <p:cNvSpPr>
+              <a:spLocks noChangeArrowheads="1"/>
+            </p:cNvSpPr>
+            <p:nvPr/>
+          </p:nvSpPr>
+          <p:spPr bwMode="auto">
+            <a:xfrm>
+              <a:off x="3630613" y="2819401"/>
+              <a:ext cx="58738" cy="14288"/>
+            </a:xfrm>
+            <a:prstGeom prst="rect">
+              <a:avLst/>
+            </a:prstGeom>
+            <a:solidFill>
+              <a:srgbClr val="000000"/>
+            </a:solidFill>
+            <a:ln>
+              <a:noFill/>
+            </a:ln>
+            <a:extLst>
+              <a:ext uri="{91240B29-F687-4F45-9708-019B960494DF}">
+                <a14:hiddenLine xmlns:a14="http://schemas.microsoft.com/office/drawing/2010/main" w="9525">
+                  <a:solidFill>
+                    <a:srgbClr val="000000"/>
+                  </a:solidFill>
+                  <a:miter lim="800000"/>
+                  <a:headEnd/>
+                  <a:tailEnd/>
+                </a14:hiddenLine>
+              </a:ext>
+            </a:extLst>
+          </p:spPr>
+          <p:txBody>
+            <a:bodyPr vert="horz" wrap="square" lIns="91440" tIns="45720" rIns="91440" bIns="45720" numCol="1" anchor="t" anchorCtr="0" compatLnSpc="1">
+              <a:prstTxWarp prst="textNoShape">
+                <a:avLst/>
+              </a:prstTxWarp>
+            </a:bodyPr>
+            <a:lstStyle/>
+            <a:p>
+              <a:endParaRPr lang="zh-CN" altLang="en-US"/>
+            </a:p>
+          </p:txBody>
+        </p:sp>
+        <p:sp>
+          <p:nvSpPr>
+            <p:cNvPr id="9" name="Freeform 35"/>
+            <p:cNvSpPr>
+              <a:spLocks noEditPoints="1"/>
+            </p:cNvSpPr>
+            <p:nvPr/>
+          </p:nvSpPr>
+          <p:spPr bwMode="auto">
+            <a:xfrm>
+              <a:off x="3355976" y="2530476"/>
+              <a:ext cx="220663" cy="303213"/>
+            </a:xfrm>
+            <a:custGeom>
+              <a:avLst/>
+              <a:gdLst>
+                <a:gd name="T0" fmla="*/ 113 w 116"/>
+                <a:gd name="T1" fmla="*/ 159 h 159"/>
+                <a:gd name="T2" fmla="*/ 116 w 116"/>
+                <a:gd name="T3" fmla="*/ 159 h 159"/>
+                <a:gd name="T4" fmla="*/ 116 w 116"/>
+                <a:gd name="T5" fmla="*/ 0 h 159"/>
+                <a:gd name="T6" fmla="*/ 113 w 116"/>
+                <a:gd name="T7" fmla="*/ 0 h 159"/>
+                <a:gd name="T8" fmla="*/ 4 w 116"/>
+                <a:gd name="T9" fmla="*/ 0 h 159"/>
+                <a:gd name="T10" fmla="*/ 0 w 116"/>
+                <a:gd name="T11" fmla="*/ 0 h 159"/>
+                <a:gd name="T12" fmla="*/ 0 w 116"/>
+                <a:gd name="T13" fmla="*/ 159 h 159"/>
+                <a:gd name="T14" fmla="*/ 4 w 116"/>
+                <a:gd name="T15" fmla="*/ 159 h 159"/>
+                <a:gd name="T16" fmla="*/ 113 w 116"/>
+                <a:gd name="T17" fmla="*/ 159 h 159"/>
+                <a:gd name="T18" fmla="*/ 7 w 116"/>
+                <a:gd name="T19" fmla="*/ 142 h 159"/>
+                <a:gd name="T20" fmla="*/ 109 w 116"/>
+                <a:gd name="T21" fmla="*/ 142 h 159"/>
+                <a:gd name="T22" fmla="*/ 109 w 116"/>
+                <a:gd name="T23" fmla="*/ 152 h 159"/>
+                <a:gd name="T24" fmla="*/ 7 w 116"/>
+                <a:gd name="T25" fmla="*/ 152 h 159"/>
+                <a:gd name="T26" fmla="*/ 7 w 116"/>
+                <a:gd name="T27" fmla="*/ 142 h 159"/>
+                <a:gd name="T28" fmla="*/ 109 w 116"/>
+                <a:gd name="T29" fmla="*/ 7 h 159"/>
+                <a:gd name="T30" fmla="*/ 109 w 116"/>
+                <a:gd name="T31" fmla="*/ 17 h 159"/>
+                <a:gd name="T32" fmla="*/ 7 w 116"/>
+                <a:gd name="T33" fmla="*/ 17 h 159"/>
+                <a:gd name="T34" fmla="*/ 7 w 116"/>
+                <a:gd name="T35" fmla="*/ 7 h 159"/>
+                <a:gd name="T36" fmla="*/ 109 w 116"/>
+                <a:gd name="T37" fmla="*/ 7 h 159"/>
+                <a:gd name="T38" fmla="*/ 109 w 116"/>
+                <a:gd name="T39" fmla="*/ 24 h 159"/>
+                <a:gd name="T40" fmla="*/ 109 w 116"/>
+                <a:gd name="T41" fmla="*/ 34 h 159"/>
+                <a:gd name="T42" fmla="*/ 7 w 116"/>
+                <a:gd name="T43" fmla="*/ 34 h 159"/>
+                <a:gd name="T44" fmla="*/ 7 w 116"/>
+                <a:gd name="T45" fmla="*/ 24 h 159"/>
+                <a:gd name="T46" fmla="*/ 109 w 116"/>
+                <a:gd name="T47" fmla="*/ 24 h 159"/>
+                <a:gd name="T48" fmla="*/ 109 w 116"/>
+                <a:gd name="T49" fmla="*/ 41 h 159"/>
+                <a:gd name="T50" fmla="*/ 109 w 116"/>
+                <a:gd name="T51" fmla="*/ 51 h 159"/>
+                <a:gd name="T52" fmla="*/ 7 w 116"/>
+                <a:gd name="T53" fmla="*/ 51 h 159"/>
+                <a:gd name="T54" fmla="*/ 7 w 116"/>
+                <a:gd name="T55" fmla="*/ 41 h 159"/>
+                <a:gd name="T56" fmla="*/ 109 w 116"/>
+                <a:gd name="T57" fmla="*/ 41 h 159"/>
+                <a:gd name="T58" fmla="*/ 109 w 116"/>
+                <a:gd name="T59" fmla="*/ 58 h 159"/>
+                <a:gd name="T60" fmla="*/ 109 w 116"/>
+                <a:gd name="T61" fmla="*/ 68 h 159"/>
+                <a:gd name="T62" fmla="*/ 7 w 116"/>
+                <a:gd name="T63" fmla="*/ 68 h 159"/>
+                <a:gd name="T64" fmla="*/ 7 w 116"/>
+                <a:gd name="T65" fmla="*/ 58 h 159"/>
+                <a:gd name="T66" fmla="*/ 109 w 116"/>
+                <a:gd name="T67" fmla="*/ 58 h 159"/>
+                <a:gd name="T68" fmla="*/ 109 w 116"/>
+                <a:gd name="T69" fmla="*/ 74 h 159"/>
+                <a:gd name="T70" fmla="*/ 109 w 116"/>
+                <a:gd name="T71" fmla="*/ 85 h 159"/>
+                <a:gd name="T72" fmla="*/ 7 w 116"/>
+                <a:gd name="T73" fmla="*/ 85 h 159"/>
+                <a:gd name="T74" fmla="*/ 7 w 116"/>
+                <a:gd name="T75" fmla="*/ 74 h 159"/>
+                <a:gd name="T76" fmla="*/ 109 w 116"/>
+                <a:gd name="T77" fmla="*/ 74 h 159"/>
+                <a:gd name="T78" fmla="*/ 109 w 116"/>
+                <a:gd name="T79" fmla="*/ 91 h 159"/>
+                <a:gd name="T80" fmla="*/ 109 w 116"/>
+                <a:gd name="T81" fmla="*/ 101 h 159"/>
+                <a:gd name="T82" fmla="*/ 7 w 116"/>
+                <a:gd name="T83" fmla="*/ 101 h 159"/>
+                <a:gd name="T84" fmla="*/ 7 w 116"/>
+                <a:gd name="T85" fmla="*/ 91 h 159"/>
+                <a:gd name="T86" fmla="*/ 109 w 116"/>
+                <a:gd name="T87" fmla="*/ 91 h 159"/>
+                <a:gd name="T88" fmla="*/ 109 w 116"/>
+                <a:gd name="T89" fmla="*/ 108 h 159"/>
+                <a:gd name="T90" fmla="*/ 109 w 116"/>
+                <a:gd name="T91" fmla="*/ 118 h 159"/>
+                <a:gd name="T92" fmla="*/ 7 w 116"/>
+                <a:gd name="T93" fmla="*/ 118 h 159"/>
+                <a:gd name="T94" fmla="*/ 7 w 116"/>
+                <a:gd name="T95" fmla="*/ 108 h 159"/>
+                <a:gd name="T96" fmla="*/ 109 w 116"/>
+                <a:gd name="T97" fmla="*/ 108 h 159"/>
+                <a:gd name="T98" fmla="*/ 109 w 116"/>
+                <a:gd name="T99" fmla="*/ 125 h 159"/>
+                <a:gd name="T100" fmla="*/ 109 w 116"/>
+                <a:gd name="T101" fmla="*/ 135 h 159"/>
+                <a:gd name="T102" fmla="*/ 7 w 116"/>
+                <a:gd name="T103" fmla="*/ 135 h 159"/>
+                <a:gd name="T104" fmla="*/ 7 w 116"/>
+                <a:gd name="T105" fmla="*/ 125 h 159"/>
+                <a:gd name="T106" fmla="*/ 109 w 116"/>
+                <a:gd name="T107" fmla="*/ 125 h 159"/>
+              </a:gdLst>
+              <a:ahLst/>
+              <a:cxnLst>
+                <a:cxn ang="0">
+                  <a:pos x="T0" y="T1"/>
+                </a:cxn>
+                <a:cxn ang="0">
+                  <a:pos x="T2" y="T3"/>
+                </a:cxn>
+                <a:cxn ang="0">
+                  <a:pos x="T4" y="T5"/>
+                </a:cxn>
+                <a:cxn ang="0">
+                  <a:pos x="T6" y="T7"/>
+                </a:cxn>
+                <a:cxn ang="0">
+                  <a:pos x="T8" y="T9"/>
+                </a:cxn>
+                <a:cxn ang="0">
+                  <a:pos x="T10" y="T11"/>
+                </a:cxn>
+                <a:cxn ang="0">
+                  <a:pos x="T12" y="T13"/>
+                </a:cxn>
+                <a:cxn ang="0">
+                  <a:pos x="T14" y="T15"/>
+                </a:cxn>
+                <a:cxn ang="0">
+                  <a:pos x="T16" y="T17"/>
+                </a:cxn>
+                <a:cxn ang="0">
+                  <a:pos x="T18" y="T19"/>
+                </a:cxn>
+                <a:cxn ang="0">
+                  <a:pos x="T20" y="T21"/>
+                </a:cxn>
+                <a:cxn ang="0">
+                  <a:pos x="T22" y="T23"/>
+                </a:cxn>
+                <a:cxn ang="0">
+                  <a:pos x="T24" y="T25"/>
+                </a:cxn>
+                <a:cxn ang="0">
+                  <a:pos x="T26" y="T27"/>
+                </a:cxn>
+                <a:cxn ang="0">
+                  <a:pos x="T28" y="T29"/>
+                </a:cxn>
+                <a:cxn ang="0">
+                  <a:pos x="T30" y="T31"/>
+                </a:cxn>
+                <a:cxn ang="0">
+                  <a:pos x="T32" y="T33"/>
+                </a:cxn>
+                <a:cxn ang="0">
+                  <a:pos x="T34" y="T35"/>
+                </a:cxn>
+                <a:cxn ang="0">
+                  <a:pos x="T36" y="T37"/>
+                </a:cxn>
+                <a:cxn ang="0">
+                  <a:pos x="T38" y="T39"/>
+                </a:cxn>
+                <a:cxn ang="0">
+                  <a:pos x="T40" y="T41"/>
+                </a:cxn>
+                <a:cxn ang="0">
+                  <a:pos x="T42" y="T43"/>
+                </a:cxn>
+                <a:cxn ang="0">
+                  <a:pos x="T44" y="T45"/>
+                </a:cxn>
+                <a:cxn ang="0">
+                  <a:pos x="T46" y="T47"/>
+                </a:cxn>
+                <a:cxn ang="0">
+                  <a:pos x="T48" y="T49"/>
+                </a:cxn>
+                <a:cxn ang="0">
+                  <a:pos x="T50" y="T51"/>
+                </a:cxn>
+                <a:cxn ang="0">
+                  <a:pos x="T52" y="T53"/>
+                </a:cxn>
+                <a:cxn ang="0">
+                  <a:pos x="T54" y="T55"/>
+                </a:cxn>
+                <a:cxn ang="0">
+                  <a:pos x="T56" y="T57"/>
+                </a:cxn>
+                <a:cxn ang="0">
+                  <a:pos x="T58" y="T59"/>
+                </a:cxn>
+                <a:cxn ang="0">
+                  <a:pos x="T60" y="T61"/>
+                </a:cxn>
+                <a:cxn ang="0">
+                  <a:pos x="T62" y="T63"/>
+                </a:cxn>
+                <a:cxn ang="0">
+                  <a:pos x="T64" y="T65"/>
+                </a:cxn>
+                <a:cxn ang="0">
+                  <a:pos x="T66" y="T67"/>
+                </a:cxn>
+                <a:cxn ang="0">
+                  <a:pos x="T68" y="T69"/>
+                </a:cxn>
+                <a:cxn ang="0">
+                  <a:pos x="T70" y="T71"/>
+                </a:cxn>
+                <a:cxn ang="0">
+                  <a:pos x="T72" y="T73"/>
+                </a:cxn>
+                <a:cxn ang="0">
+                  <a:pos x="T74" y="T75"/>
+                </a:cxn>
+                <a:cxn ang="0">
+                  <a:pos x="T76" y="T77"/>
+                </a:cxn>
+                <a:cxn ang="0">
+                  <a:pos x="T78" y="T79"/>
+                </a:cxn>
+                <a:cxn ang="0">
+                  <a:pos x="T80" y="T81"/>
+                </a:cxn>
+                <a:cxn ang="0">
+                  <a:pos x="T82" y="T83"/>
+                </a:cxn>
+                <a:cxn ang="0">
+                  <a:pos x="T84" y="T85"/>
+                </a:cxn>
+                <a:cxn ang="0">
+                  <a:pos x="T86" y="T87"/>
+                </a:cxn>
+                <a:cxn ang="0">
+                  <a:pos x="T88" y="T89"/>
+                </a:cxn>
+                <a:cxn ang="0">
+                  <a:pos x="T90" y="T91"/>
+                </a:cxn>
+                <a:cxn ang="0">
+                  <a:pos x="T92" y="T93"/>
+                </a:cxn>
+                <a:cxn ang="0">
+                  <a:pos x="T94" y="T95"/>
+                </a:cxn>
+                <a:cxn ang="0">
+                  <a:pos x="T96" y="T97"/>
+                </a:cxn>
+                <a:cxn ang="0">
+                  <a:pos x="T98" y="T99"/>
+                </a:cxn>
+                <a:cxn ang="0">
+                  <a:pos x="T100" y="T101"/>
+                </a:cxn>
+                <a:cxn ang="0">
+                  <a:pos x="T102" y="T103"/>
+                </a:cxn>
+                <a:cxn ang="0">
+                  <a:pos x="T104" y="T105"/>
+                </a:cxn>
+                <a:cxn ang="0">
+                  <a:pos x="T106" y="T107"/>
+                </a:cxn>
+              </a:cxnLst>
+              <a:rect l="0" t="0" r="r" b="b"/>
+              <a:pathLst>
+                <a:path w="116" h="159">
+                  <a:moveTo>
+                    <a:pt x="113" y="159"/>
+                  </a:moveTo>
+                  <a:cubicBezTo>
+                    <a:pt x="116" y="159"/>
+                    <a:pt x="116" y="159"/>
+                    <a:pt x="116" y="159"/>
+                  </a:cubicBezTo>
+                  <a:cubicBezTo>
+                    <a:pt x="116" y="0"/>
+                    <a:pt x="116" y="0"/>
+                    <a:pt x="116" y="0"/>
+                  </a:cubicBezTo>
+                  <a:cubicBezTo>
+                    <a:pt x="113" y="0"/>
+                    <a:pt x="113" y="0"/>
+                    <a:pt x="113" y="0"/>
+                  </a:cubicBezTo>
+                  <a:cubicBezTo>
+                    <a:pt x="4" y="0"/>
+                    <a:pt x="4" y="0"/>
+                    <a:pt x="4" y="0"/>
+                  </a:cubicBezTo>
+                  <a:cubicBezTo>
+                    <a:pt x="0" y="0"/>
+                    <a:pt x="0" y="0"/>
+                    <a:pt x="0" y="0"/>
+                  </a:cubicBezTo>
+                  <a:cubicBezTo>
+                    <a:pt x="0" y="159"/>
+                    <a:pt x="0" y="159"/>
+                    <a:pt x="0" y="159"/>
+                  </a:cubicBezTo>
+                  <a:cubicBezTo>
+                    <a:pt x="4" y="159"/>
+                    <a:pt x="4" y="159"/>
+                    <a:pt x="4" y="159"/>
+                  </a:cubicBezTo>
+                  <a:lnTo>
+                    <a:pt x="113" y="159"/>
+                  </a:lnTo>
+                  <a:close/>
+                  <a:moveTo>
+                    <a:pt x="7" y="142"/>
+                  </a:moveTo>
+                  <a:cubicBezTo>
+                    <a:pt x="109" y="142"/>
+                    <a:pt x="109" y="142"/>
+                    <a:pt x="109" y="142"/>
+                  </a:cubicBezTo>
+                  <a:cubicBezTo>
+                    <a:pt x="109" y="147"/>
+                    <a:pt x="109" y="151"/>
+                    <a:pt x="109" y="152"/>
+                  </a:cubicBezTo>
+                  <a:cubicBezTo>
+                    <a:pt x="103" y="152"/>
+                    <a:pt x="13" y="152"/>
+                    <a:pt x="7" y="152"/>
+                  </a:cubicBezTo>
+                  <a:cubicBezTo>
+                    <a:pt x="7" y="151"/>
+                    <a:pt x="7" y="147"/>
+                    <a:pt x="7" y="142"/>
+                  </a:cubicBezTo>
+                  <a:close/>
+                  <a:moveTo>
+                    <a:pt x="109" y="7"/>
+                  </a:moveTo>
+                  <a:cubicBezTo>
+                    <a:pt x="109" y="8"/>
+                    <a:pt x="109" y="12"/>
+                    <a:pt x="109" y="17"/>
+                  </a:cubicBezTo>
+                  <a:cubicBezTo>
+                    <a:pt x="7" y="17"/>
+                    <a:pt x="7" y="17"/>
+                    <a:pt x="7" y="17"/>
+                  </a:cubicBezTo>
+                  <a:cubicBezTo>
+                    <a:pt x="7" y="12"/>
+                    <a:pt x="7" y="8"/>
+                    <a:pt x="7" y="7"/>
+                  </a:cubicBezTo>
+                  <a:cubicBezTo>
+                    <a:pt x="13" y="7"/>
+                    <a:pt x="103" y="7"/>
+                    <a:pt x="109" y="7"/>
+                  </a:cubicBezTo>
+                  <a:close/>
+                  <a:moveTo>
+                    <a:pt x="109" y="24"/>
+                  </a:moveTo>
+                  <a:cubicBezTo>
+                    <a:pt x="109" y="27"/>
+                    <a:pt x="109" y="30"/>
+                    <a:pt x="109" y="34"/>
+                  </a:cubicBezTo>
+                  <a:cubicBezTo>
+                    <a:pt x="7" y="34"/>
+                    <a:pt x="7" y="34"/>
+                    <a:pt x="7" y="34"/>
+                  </a:cubicBezTo>
+                  <a:cubicBezTo>
+                    <a:pt x="7" y="30"/>
+                    <a:pt x="7" y="27"/>
+                    <a:pt x="7" y="24"/>
+                  </a:cubicBezTo>
+                  <a:lnTo>
+                    <a:pt x="109" y="24"/>
+                  </a:lnTo>
+                  <a:close/>
+                  <a:moveTo>
+                    <a:pt x="109" y="41"/>
+                  </a:moveTo>
+                  <a:cubicBezTo>
+                    <a:pt x="109" y="44"/>
+                    <a:pt x="109" y="47"/>
+                    <a:pt x="109" y="51"/>
+                  </a:cubicBezTo>
+                  <a:cubicBezTo>
+                    <a:pt x="7" y="51"/>
+                    <a:pt x="7" y="51"/>
+                    <a:pt x="7" y="51"/>
+                  </a:cubicBezTo>
+                  <a:cubicBezTo>
+                    <a:pt x="7" y="47"/>
+                    <a:pt x="7" y="44"/>
+                    <a:pt x="7" y="41"/>
+                  </a:cubicBezTo>
+                  <a:lnTo>
+                    <a:pt x="109" y="41"/>
+                  </a:lnTo>
+                  <a:close/>
+                  <a:moveTo>
+                    <a:pt x="109" y="58"/>
+                  </a:moveTo>
+                  <a:cubicBezTo>
+                    <a:pt x="109" y="61"/>
+                    <a:pt x="109" y="64"/>
+                    <a:pt x="109" y="68"/>
+                  </a:cubicBezTo>
+                  <a:cubicBezTo>
+                    <a:pt x="7" y="68"/>
+                    <a:pt x="7" y="68"/>
+                    <a:pt x="7" y="68"/>
+                  </a:cubicBezTo>
+                  <a:cubicBezTo>
+                    <a:pt x="7" y="64"/>
+                    <a:pt x="7" y="61"/>
+                    <a:pt x="7" y="58"/>
+                  </a:cubicBezTo>
+                  <a:lnTo>
+                    <a:pt x="109" y="58"/>
+                  </a:lnTo>
+                  <a:close/>
+                  <a:moveTo>
+                    <a:pt x="109" y="74"/>
+                  </a:moveTo>
+                  <a:cubicBezTo>
+                    <a:pt x="109" y="78"/>
+                    <a:pt x="109" y="81"/>
+                    <a:pt x="109" y="85"/>
+                  </a:cubicBezTo>
+                  <a:cubicBezTo>
+                    <a:pt x="7" y="85"/>
+                    <a:pt x="7" y="85"/>
+                    <a:pt x="7" y="85"/>
+                  </a:cubicBezTo>
+                  <a:cubicBezTo>
+                    <a:pt x="7" y="81"/>
+                    <a:pt x="7" y="78"/>
+                    <a:pt x="7" y="74"/>
+                  </a:cubicBezTo>
+                  <a:lnTo>
+                    <a:pt x="109" y="74"/>
+                  </a:lnTo>
+                  <a:close/>
+                  <a:moveTo>
+                    <a:pt x="109" y="91"/>
+                  </a:moveTo>
+                  <a:cubicBezTo>
+                    <a:pt x="109" y="95"/>
+                    <a:pt x="109" y="98"/>
+                    <a:pt x="109" y="101"/>
+                  </a:cubicBezTo>
+                  <a:cubicBezTo>
+                    <a:pt x="7" y="101"/>
+                    <a:pt x="7" y="101"/>
+                    <a:pt x="7" y="101"/>
+                  </a:cubicBezTo>
+                  <a:cubicBezTo>
+                    <a:pt x="7" y="98"/>
+                    <a:pt x="7" y="95"/>
+                    <a:pt x="7" y="91"/>
+                  </a:cubicBezTo>
+                  <a:lnTo>
+                    <a:pt x="109" y="91"/>
+                  </a:lnTo>
+                  <a:close/>
+                  <a:moveTo>
+                    <a:pt x="109" y="108"/>
+                  </a:moveTo>
+                  <a:cubicBezTo>
+                    <a:pt x="109" y="112"/>
+                    <a:pt x="109" y="115"/>
+                    <a:pt x="109" y="118"/>
+                  </a:cubicBezTo>
+                  <a:cubicBezTo>
+                    <a:pt x="7" y="118"/>
+                    <a:pt x="7" y="118"/>
+                    <a:pt x="7" y="118"/>
+                  </a:cubicBezTo>
+                  <a:cubicBezTo>
+                    <a:pt x="7" y="115"/>
+                    <a:pt x="7" y="112"/>
+                    <a:pt x="7" y="108"/>
+                  </a:cubicBezTo>
+                  <a:lnTo>
+                    <a:pt x="109" y="108"/>
+                  </a:lnTo>
+                  <a:close/>
+                  <a:moveTo>
+                    <a:pt x="109" y="125"/>
+                  </a:moveTo>
+                  <a:cubicBezTo>
+                    <a:pt x="109" y="129"/>
+                    <a:pt x="109" y="132"/>
+                    <a:pt x="109" y="135"/>
+                  </a:cubicBezTo>
+                  <a:cubicBezTo>
+                    <a:pt x="7" y="135"/>
+                    <a:pt x="7" y="135"/>
+                    <a:pt x="7" y="135"/>
+                  </a:cubicBezTo>
+                  <a:cubicBezTo>
+                    <a:pt x="7" y="132"/>
+                    <a:pt x="7" y="129"/>
+                    <a:pt x="7" y="125"/>
+                  </a:cubicBezTo>
+                  <a:lnTo>
+                    <a:pt x="109" y="125"/>
+                  </a:lnTo>
+                  <a:close/>
+                </a:path>
+              </a:pathLst>
+            </a:custGeom>
+            <a:solidFill>
+              <a:srgbClr val="000000"/>
+            </a:solidFill>
+            <a:ln>
+              <a:noFill/>
+            </a:ln>
+            <a:extLst>
+              <a:ext uri="{91240B29-F687-4F45-9708-019B960494DF}">
+                <a14:hiddenLine xmlns:a14="http://schemas.microsoft.com/office/drawing/2010/main" w="9525">
+                  <a:solidFill>
+                    <a:srgbClr val="000000"/>
+                  </a:solidFill>
+                  <a:round/>
+                  <a:headEnd/>
+                  <a:tailEnd/>
+                </a14:hiddenLine>
+              </a:ext>
+            </a:extLst>
+          </p:spPr>
+          <p:txBody>
+            <a:bodyPr vert="horz" wrap="square" lIns="91440" tIns="45720" rIns="91440" bIns="45720" numCol="1" anchor="t" anchorCtr="0" compatLnSpc="1">
+              <a:prstTxWarp prst="textNoShape">
+                <a:avLst/>
+              </a:prstTxWarp>
+            </a:bodyPr>
+            <a:lstStyle/>
+            <a:p>
+              <a:endParaRPr lang="zh-CN" altLang="en-US"/>
+            </a:p>
+          </p:txBody>
+        </p:sp>
+        <p:sp>
+          <p:nvSpPr>
+            <p:cNvPr id="10" name="Freeform 36"/>
+            <p:cNvSpPr>
+              <a:spLocks/>
+            </p:cNvSpPr>
+            <p:nvPr/>
+          </p:nvSpPr>
+          <p:spPr bwMode="auto">
+            <a:xfrm>
+              <a:off x="3300413" y="2862263"/>
+              <a:ext cx="774700" cy="33338"/>
+            </a:xfrm>
+            <a:custGeom>
+              <a:avLst/>
+              <a:gdLst>
+                <a:gd name="T0" fmla="*/ 0 w 488"/>
+                <a:gd name="T1" fmla="*/ 0 h 21"/>
+                <a:gd name="T2" fmla="*/ 0 w 488"/>
+                <a:gd name="T3" fmla="*/ 21 h 21"/>
+                <a:gd name="T4" fmla="*/ 488 w 488"/>
+                <a:gd name="T5" fmla="*/ 21 h 21"/>
+                <a:gd name="T6" fmla="*/ 488 w 488"/>
+                <a:gd name="T7" fmla="*/ 0 h 21"/>
+                <a:gd name="T8" fmla="*/ 245 w 488"/>
+                <a:gd name="T9" fmla="*/ 0 h 21"/>
+                <a:gd name="T10" fmla="*/ 0 w 488"/>
+                <a:gd name="T11" fmla="*/ 0 h 21"/>
+              </a:gdLst>
+              <a:ahLst/>
+              <a:cxnLst>
+                <a:cxn ang="0">
+                  <a:pos x="T0" y="T1"/>
+                </a:cxn>
+                <a:cxn ang="0">
+                  <a:pos x="T2" y="T3"/>
+                </a:cxn>
+                <a:cxn ang="0">
+                  <a:pos x="T4" y="T5"/>
+                </a:cxn>
+                <a:cxn ang="0">
+                  <a:pos x="T6" y="T7"/>
+                </a:cxn>
+                <a:cxn ang="0">
+                  <a:pos x="T8" y="T9"/>
+                </a:cxn>
+                <a:cxn ang="0">
+                  <a:pos x="T10" y="T11"/>
+                </a:cxn>
+              </a:cxnLst>
+              <a:rect l="0" t="0" r="r" b="b"/>
+              <a:pathLst>
+                <a:path w="488" h="21">
+                  <a:moveTo>
+                    <a:pt x="0" y="0"/>
+                  </a:moveTo>
+                  <a:lnTo>
+                    <a:pt x="0" y="21"/>
+                  </a:lnTo>
+                  <a:lnTo>
+                    <a:pt x="488" y="21"/>
+                  </a:lnTo>
+                  <a:lnTo>
+                    <a:pt x="488" y="0"/>
+                  </a:lnTo>
+                  <a:lnTo>
+                    <a:pt x="245" y="0"/>
+                  </a:lnTo>
+                  <a:lnTo>
+                    <a:pt x="0" y="0"/>
+                  </a:lnTo>
+                  <a:close/>
+                </a:path>
+              </a:pathLst>
+            </a:custGeom>
+            <a:solidFill>
+              <a:srgbClr val="000000"/>
+            </a:solidFill>
+            <a:ln>
+              <a:noFill/>
+            </a:ln>
+            <a:extLst>
+              <a:ext uri="{91240B29-F687-4F45-9708-019B960494DF}">
+                <a14:hiddenLine xmlns:a14="http://schemas.microsoft.com/office/drawing/2010/main" w="9525">
+                  <a:solidFill>
+                    <a:srgbClr val="000000"/>
+                  </a:solidFill>
+                  <a:round/>
+                  <a:headEnd/>
+                  <a:tailEnd/>
+                </a14:hiddenLine>
+              </a:ext>
+            </a:extLst>
+          </p:spPr>
+          <p:txBody>
+            <a:bodyPr vert="horz" wrap="square" lIns="91440" tIns="45720" rIns="91440" bIns="45720" numCol="1" anchor="t" anchorCtr="0" compatLnSpc="1">
+              <a:prstTxWarp prst="textNoShape">
+                <a:avLst/>
+              </a:prstTxWarp>
+            </a:bodyPr>
+            <a:lstStyle/>
+            <a:p>
+              <a:endParaRPr lang="zh-CN" altLang="en-US"/>
+            </a:p>
+          </p:txBody>
+        </p:sp>
+      </p:grpSp>
+      <p:grpSp>
+        <p:nvGrpSpPr>
+          <p:cNvPr id="44" name="组合 43"/>
+          <p:cNvGrpSpPr/>
+          <p:nvPr/>
+        </p:nvGrpSpPr>
+        <p:grpSpPr>
+          <a:xfrm>
+            <a:off x="3851920" y="1628864"/>
+            <a:ext cx="1332000" cy="576000"/>
+            <a:chOff x="7092280" y="2205804"/>
+            <a:chExt cx="1474788" cy="660402"/>
+          </a:xfrm>
+        </p:grpSpPr>
+        <p:grpSp>
+          <p:nvGrpSpPr>
+            <p:cNvPr id="30" name="组合 29"/>
+            <p:cNvGrpSpPr/>
+            <p:nvPr/>
+          </p:nvGrpSpPr>
+          <p:grpSpPr>
+            <a:xfrm>
+              <a:off x="7092280" y="2259781"/>
+              <a:ext cx="757238" cy="606425"/>
+              <a:chOff x="3306763" y="1339851"/>
+              <a:chExt cx="757238" cy="606425"/>
+            </a:xfrm>
+          </p:grpSpPr>
+          <p:sp>
+            <p:nvSpPr>
+              <p:cNvPr id="11" name="Freeform 37"/>
+              <p:cNvSpPr>
+                <a:spLocks/>
+              </p:cNvSpPr>
+              <p:nvPr/>
+            </p:nvSpPr>
+            <p:spPr bwMode="auto">
+              <a:xfrm>
+                <a:off x="3638551" y="1754188"/>
+                <a:ext cx="158750" cy="112713"/>
+              </a:xfrm>
+              <a:custGeom>
+                <a:avLst/>
+                <a:gdLst>
+                  <a:gd name="T0" fmla="*/ 0 w 100"/>
+                  <a:gd name="T1" fmla="*/ 36 h 71"/>
+                  <a:gd name="T2" fmla="*/ 87 w 100"/>
+                  <a:gd name="T3" fmla="*/ 71 h 71"/>
+                  <a:gd name="T4" fmla="*/ 100 w 100"/>
+                  <a:gd name="T5" fmla="*/ 49 h 71"/>
+                  <a:gd name="T6" fmla="*/ 33 w 100"/>
+                  <a:gd name="T7" fmla="*/ 0 h 71"/>
+                  <a:gd name="T8" fmla="*/ 0 w 100"/>
+                  <a:gd name="T9" fmla="*/ 36 h 71"/>
+                </a:gdLst>
+                <a:ahLst/>
+                <a:cxnLst>
+                  <a:cxn ang="0">
+                    <a:pos x="T0" y="T1"/>
+                  </a:cxn>
+                  <a:cxn ang="0">
+                    <a:pos x="T2" y="T3"/>
+                  </a:cxn>
+                  <a:cxn ang="0">
+                    <a:pos x="T4" y="T5"/>
+                  </a:cxn>
+                  <a:cxn ang="0">
+                    <a:pos x="T6" y="T7"/>
+                  </a:cxn>
+                  <a:cxn ang="0">
+                    <a:pos x="T8" y="T9"/>
+                  </a:cxn>
+                </a:cxnLst>
+                <a:rect l="0" t="0" r="r" b="b"/>
+                <a:pathLst>
+                  <a:path w="100" h="71">
+                    <a:moveTo>
+                      <a:pt x="0" y="36"/>
+                    </a:moveTo>
+                    <a:lnTo>
+                      <a:pt x="87" y="71"/>
+                    </a:lnTo>
+                    <a:lnTo>
+                      <a:pt x="100" y="49"/>
+                    </a:lnTo>
+                    <a:lnTo>
+                      <a:pt x="33" y="0"/>
+                    </a:lnTo>
+                    <a:lnTo>
+                      <a:pt x="0" y="36"/>
+                    </a:lnTo>
+                    <a:close/>
+                  </a:path>
+                </a:pathLst>
+              </a:custGeom>
+              <a:solidFill>
+                <a:srgbClr val="000000"/>
+              </a:solidFill>
+              <a:ln>
+                <a:noFill/>
+              </a:ln>
+              <a:extLst>
+                <a:ext uri="{91240B29-F687-4F45-9708-019B960494DF}">
+                  <a14:hiddenLine xmlns:a14="http://schemas.microsoft.com/office/drawing/2010/main" w="9525">
+                    <a:solidFill>
+                      <a:srgbClr val="000000"/>
+                    </a:solidFill>
+                    <a:round/>
+                    <a:headEnd/>
+                    <a:tailEnd/>
+                  </a14:hiddenLine>
+                </a:ext>
+              </a:extLst>
+            </p:spPr>
+            <p:txBody>
+              <a:bodyPr vert="horz" wrap="square" lIns="91440" tIns="45720" rIns="91440" bIns="45720" numCol="1" anchor="t" anchorCtr="0" compatLnSpc="1">
+                <a:prstTxWarp prst="textNoShape">
+                  <a:avLst/>
+                </a:prstTxWarp>
+              </a:bodyPr>
+              <a:lstStyle/>
+              <a:p>
+                <a:endParaRPr lang="zh-CN" altLang="en-US"/>
+              </a:p>
+            </p:txBody>
+          </p:sp>
+          <p:sp>
+            <p:nvSpPr>
+              <p:cNvPr id="12" name="Freeform 38"/>
+              <p:cNvSpPr>
+                <a:spLocks noEditPoints="1"/>
+              </p:cNvSpPr>
+              <p:nvPr/>
+            </p:nvSpPr>
+            <p:spPr bwMode="auto">
+              <a:xfrm>
+                <a:off x="3908426" y="1416051"/>
+                <a:ext cx="90488" cy="65088"/>
+              </a:xfrm>
+              <a:custGeom>
+                <a:avLst/>
+                <a:gdLst>
+                  <a:gd name="T0" fmla="*/ 0 w 48"/>
+                  <a:gd name="T1" fmla="*/ 34 h 34"/>
+                  <a:gd name="T2" fmla="*/ 8 w 48"/>
+                  <a:gd name="T3" fmla="*/ 33 h 34"/>
+                  <a:gd name="T4" fmla="*/ 44 w 48"/>
+                  <a:gd name="T5" fmla="*/ 20 h 34"/>
+                  <a:gd name="T6" fmla="*/ 46 w 48"/>
+                  <a:gd name="T7" fmla="*/ 6 h 34"/>
+                  <a:gd name="T8" fmla="*/ 45 w 48"/>
+                  <a:gd name="T9" fmla="*/ 6 h 34"/>
+                  <a:gd name="T10" fmla="*/ 45 w 48"/>
+                  <a:gd name="T11" fmla="*/ 6 h 34"/>
+                  <a:gd name="T12" fmla="*/ 34 w 48"/>
+                  <a:gd name="T13" fmla="*/ 0 h 34"/>
+                  <a:gd name="T14" fmla="*/ 4 w 48"/>
+                  <a:gd name="T15" fmla="*/ 27 h 34"/>
+                  <a:gd name="T16" fmla="*/ 0 w 48"/>
+                  <a:gd name="T17" fmla="*/ 34 h 34"/>
+                  <a:gd name="T18" fmla="*/ 38 w 48"/>
+                  <a:gd name="T19" fmla="*/ 10 h 34"/>
+                  <a:gd name="T20" fmla="*/ 38 w 48"/>
+                  <a:gd name="T21" fmla="*/ 12 h 34"/>
+                  <a:gd name="T22" fmla="*/ 37 w 48"/>
+                  <a:gd name="T23" fmla="*/ 15 h 34"/>
+                  <a:gd name="T24" fmla="*/ 15 w 48"/>
+                  <a:gd name="T25" fmla="*/ 24 h 34"/>
+                  <a:gd name="T26" fmla="*/ 35 w 48"/>
+                  <a:gd name="T27" fmla="*/ 8 h 34"/>
+                  <a:gd name="T28" fmla="*/ 38 w 48"/>
+                  <a:gd name="T29" fmla="*/ 10 h 34"/>
+                </a:gdLst>
+                <a:ahLst/>
+                <a:cxnLst>
+                  <a:cxn ang="0">
+                    <a:pos x="T0" y="T1"/>
+                  </a:cxn>
+                  <a:cxn ang="0">
+                    <a:pos x="T2" y="T3"/>
+                  </a:cxn>
+                  <a:cxn ang="0">
+                    <a:pos x="T4" y="T5"/>
+                  </a:cxn>
+                  <a:cxn ang="0">
+                    <a:pos x="T6" y="T7"/>
+                  </a:cxn>
+                  <a:cxn ang="0">
+                    <a:pos x="T8" y="T9"/>
+                  </a:cxn>
+                  <a:cxn ang="0">
+                    <a:pos x="T10" y="T11"/>
+                  </a:cxn>
+                  <a:cxn ang="0">
+                    <a:pos x="T12" y="T13"/>
+                  </a:cxn>
+                  <a:cxn ang="0">
+                    <a:pos x="T14" y="T15"/>
+                  </a:cxn>
+                  <a:cxn ang="0">
+                    <a:pos x="T16" y="T17"/>
+                  </a:cxn>
+                  <a:cxn ang="0">
+                    <a:pos x="T18" y="T19"/>
+                  </a:cxn>
+                  <a:cxn ang="0">
+                    <a:pos x="T20" y="T21"/>
+                  </a:cxn>
+                  <a:cxn ang="0">
+                    <a:pos x="T22" y="T23"/>
+                  </a:cxn>
+                  <a:cxn ang="0">
+                    <a:pos x="T24" y="T25"/>
+                  </a:cxn>
+                  <a:cxn ang="0">
+                    <a:pos x="T26" y="T27"/>
+                  </a:cxn>
+                  <a:cxn ang="0">
+                    <a:pos x="T28" y="T29"/>
+                  </a:cxn>
+                </a:cxnLst>
+                <a:rect l="0" t="0" r="r" b="b"/>
+                <a:pathLst>
+                  <a:path w="48" h="34">
+                    <a:moveTo>
+                      <a:pt x="0" y="34"/>
+                    </a:moveTo>
+                    <a:cubicBezTo>
+                      <a:pt x="8" y="33"/>
+                      <a:pt x="8" y="33"/>
+                      <a:pt x="8" y="33"/>
+                    </a:cubicBezTo>
+                    <a:cubicBezTo>
+                      <a:pt x="27" y="32"/>
+                      <a:pt x="40" y="28"/>
+                      <a:pt x="44" y="20"/>
+                    </a:cubicBezTo>
+                    <a:cubicBezTo>
+                      <a:pt x="48" y="14"/>
+                      <a:pt x="47" y="9"/>
+                      <a:pt x="46" y="6"/>
+                    </a:cubicBezTo>
+                    <a:cubicBezTo>
+                      <a:pt x="45" y="6"/>
+                      <a:pt x="45" y="6"/>
+                      <a:pt x="45" y="6"/>
+                    </a:cubicBezTo>
+                    <a:cubicBezTo>
+                      <a:pt x="45" y="6"/>
+                      <a:pt x="45" y="6"/>
+                      <a:pt x="45" y="6"/>
+                    </a:cubicBezTo>
+                    <a:cubicBezTo>
+                      <a:pt x="42" y="1"/>
+                      <a:pt x="37" y="0"/>
+                      <a:pt x="34" y="0"/>
+                    </a:cubicBezTo>
+                    <a:cubicBezTo>
+                      <a:pt x="21" y="0"/>
+                      <a:pt x="7" y="23"/>
+                      <a:pt x="4" y="27"/>
+                    </a:cubicBezTo>
+                    <a:lnTo>
+                      <a:pt x="0" y="34"/>
+                    </a:lnTo>
+                    <a:close/>
+                    <a:moveTo>
+                      <a:pt x="38" y="10"/>
+                    </a:moveTo>
+                    <a:cubicBezTo>
+                      <a:pt x="38" y="10"/>
+                      <a:pt x="38" y="11"/>
+                      <a:pt x="38" y="12"/>
+                    </a:cubicBezTo>
+                    <a:cubicBezTo>
+                      <a:pt x="38" y="13"/>
+                      <a:pt x="38" y="14"/>
+                      <a:pt x="37" y="15"/>
+                    </a:cubicBezTo>
+                    <a:cubicBezTo>
+                      <a:pt x="36" y="18"/>
+                      <a:pt x="31" y="22"/>
+                      <a:pt x="15" y="24"/>
+                    </a:cubicBezTo>
+                    <a:cubicBezTo>
+                      <a:pt x="21" y="16"/>
+                      <a:pt x="29" y="8"/>
+                      <a:pt x="35" y="8"/>
+                    </a:cubicBezTo>
+                    <a:cubicBezTo>
+                      <a:pt x="36" y="8"/>
+                      <a:pt x="37" y="8"/>
+                      <a:pt x="38" y="10"/>
+                    </a:cubicBezTo>
+                    <a:close/>
+                  </a:path>
+                </a:pathLst>
+              </a:custGeom>
+              <a:solidFill>
+                <a:srgbClr val="000000"/>
+              </a:solidFill>
+              <a:ln>
+                <a:noFill/>
+              </a:ln>
+              <a:extLst>
+                <a:ext uri="{91240B29-F687-4F45-9708-019B960494DF}">
+                  <a14:hiddenLine xmlns:a14="http://schemas.microsoft.com/office/drawing/2010/main" w="9525">
+                    <a:solidFill>
+                      <a:srgbClr val="000000"/>
+                    </a:solidFill>
+                    <a:round/>
+                    <a:headEnd/>
+                    <a:tailEnd/>
+                  </a14:hiddenLine>
+                </a:ext>
+              </a:extLst>
+            </p:spPr>
+            <p:txBody>
+              <a:bodyPr vert="horz" wrap="square" lIns="91440" tIns="45720" rIns="91440" bIns="45720" numCol="1" anchor="t" anchorCtr="0" compatLnSpc="1">
+                <a:prstTxWarp prst="textNoShape">
+                  <a:avLst/>
+                </a:prstTxWarp>
+              </a:bodyPr>
+              <a:lstStyle/>
+              <a:p>
+                <a:endParaRPr lang="zh-CN" altLang="en-US"/>
+              </a:p>
+            </p:txBody>
+          </p:sp>
+          <p:sp>
+            <p:nvSpPr>
+              <p:cNvPr id="13" name="Freeform 39"/>
+              <p:cNvSpPr>
+                <a:spLocks noEditPoints="1"/>
+              </p:cNvSpPr>
+              <p:nvPr/>
+            </p:nvSpPr>
+            <p:spPr bwMode="auto">
+              <a:xfrm>
+                <a:off x="3875088" y="1339851"/>
+                <a:ext cx="61913" cy="93663"/>
+              </a:xfrm>
+              <a:custGeom>
+                <a:avLst/>
+                <a:gdLst>
+                  <a:gd name="T0" fmla="*/ 32 w 32"/>
+                  <a:gd name="T1" fmla="*/ 14 h 49"/>
+                  <a:gd name="T2" fmla="*/ 26 w 32"/>
+                  <a:gd name="T3" fmla="*/ 3 h 49"/>
+                  <a:gd name="T4" fmla="*/ 26 w 32"/>
+                  <a:gd name="T5" fmla="*/ 2 h 49"/>
+                  <a:gd name="T6" fmla="*/ 25 w 32"/>
+                  <a:gd name="T7" fmla="*/ 2 h 49"/>
+                  <a:gd name="T8" fmla="*/ 13 w 32"/>
+                  <a:gd name="T9" fmla="*/ 2 h 49"/>
+                  <a:gd name="T10" fmla="*/ 0 w 32"/>
+                  <a:gd name="T11" fmla="*/ 41 h 49"/>
+                  <a:gd name="T12" fmla="*/ 0 w 32"/>
+                  <a:gd name="T13" fmla="*/ 49 h 49"/>
+                  <a:gd name="T14" fmla="*/ 7 w 32"/>
+                  <a:gd name="T15" fmla="*/ 45 h 49"/>
+                  <a:gd name="T16" fmla="*/ 32 w 32"/>
+                  <a:gd name="T17" fmla="*/ 14 h 49"/>
+                  <a:gd name="T18" fmla="*/ 17 w 32"/>
+                  <a:gd name="T19" fmla="*/ 9 h 49"/>
+                  <a:gd name="T20" fmla="*/ 21 w 32"/>
+                  <a:gd name="T21" fmla="*/ 9 h 49"/>
+                  <a:gd name="T22" fmla="*/ 23 w 32"/>
+                  <a:gd name="T23" fmla="*/ 14 h 49"/>
+                  <a:gd name="T24" fmla="*/ 23 w 32"/>
+                  <a:gd name="T25" fmla="*/ 15 h 49"/>
+                  <a:gd name="T26" fmla="*/ 9 w 32"/>
+                  <a:gd name="T27" fmla="*/ 33 h 49"/>
+                  <a:gd name="T28" fmla="*/ 17 w 32"/>
+                  <a:gd name="T29" fmla="*/ 9 h 49"/>
+                </a:gdLst>
+                <a:ahLst/>
+                <a:cxnLst>
+                  <a:cxn ang="0">
+                    <a:pos x="T0" y="T1"/>
+                  </a:cxn>
+                  <a:cxn ang="0">
+                    <a:pos x="T2" y="T3"/>
+                  </a:cxn>
+                  <a:cxn ang="0">
+                    <a:pos x="T4" y="T5"/>
+                  </a:cxn>
+                  <a:cxn ang="0">
+                    <a:pos x="T6" y="T7"/>
+                  </a:cxn>
+                  <a:cxn ang="0">
+                    <a:pos x="T8" y="T9"/>
+                  </a:cxn>
+                  <a:cxn ang="0">
+                    <a:pos x="T10" y="T11"/>
+                  </a:cxn>
+                  <a:cxn ang="0">
+                    <a:pos x="T12" y="T13"/>
+                  </a:cxn>
+                  <a:cxn ang="0">
+                    <a:pos x="T14" y="T15"/>
+                  </a:cxn>
+                  <a:cxn ang="0">
+                    <a:pos x="T16" y="T17"/>
+                  </a:cxn>
+                  <a:cxn ang="0">
+                    <a:pos x="T18" y="T19"/>
+                  </a:cxn>
+                  <a:cxn ang="0">
+                    <a:pos x="T20" y="T21"/>
+                  </a:cxn>
+                  <a:cxn ang="0">
+                    <a:pos x="T22" y="T23"/>
+                  </a:cxn>
+                  <a:cxn ang="0">
+                    <a:pos x="T24" y="T25"/>
+                  </a:cxn>
+                  <a:cxn ang="0">
+                    <a:pos x="T26" y="T27"/>
+                  </a:cxn>
+                  <a:cxn ang="0">
+                    <a:pos x="T28" y="T29"/>
+                  </a:cxn>
+                </a:cxnLst>
+                <a:rect l="0" t="0" r="r" b="b"/>
+                <a:pathLst>
+                  <a:path w="32" h="49">
+                    <a:moveTo>
+                      <a:pt x="32" y="14"/>
+                    </a:moveTo>
+                    <a:cubicBezTo>
+                      <a:pt x="32" y="8"/>
+                      <a:pt x="28" y="4"/>
+                      <a:pt x="26" y="3"/>
+                    </a:cubicBezTo>
+                    <a:cubicBezTo>
+                      <a:pt x="26" y="2"/>
+                      <a:pt x="26" y="2"/>
+                      <a:pt x="26" y="2"/>
+                    </a:cubicBezTo>
+                    <a:cubicBezTo>
+                      <a:pt x="25" y="2"/>
+                      <a:pt x="25" y="2"/>
+                      <a:pt x="25" y="2"/>
+                    </a:cubicBezTo>
+                    <a:cubicBezTo>
+                      <a:pt x="20" y="0"/>
+                      <a:pt x="15" y="1"/>
+                      <a:pt x="13" y="2"/>
+                    </a:cubicBezTo>
+                    <a:cubicBezTo>
+                      <a:pt x="1" y="9"/>
+                      <a:pt x="0" y="36"/>
+                      <a:pt x="0" y="41"/>
+                    </a:cubicBezTo>
+                    <a:cubicBezTo>
+                      <a:pt x="0" y="49"/>
+                      <a:pt x="0" y="49"/>
+                      <a:pt x="0" y="49"/>
+                    </a:cubicBezTo>
+                    <a:cubicBezTo>
+                      <a:pt x="7" y="45"/>
+                      <a:pt x="7" y="45"/>
+                      <a:pt x="7" y="45"/>
+                    </a:cubicBezTo>
+                    <a:cubicBezTo>
+                      <a:pt x="23" y="34"/>
+                      <a:pt x="31" y="24"/>
+                      <a:pt x="32" y="14"/>
+                    </a:cubicBezTo>
+                    <a:close/>
+                    <a:moveTo>
+                      <a:pt x="17" y="9"/>
+                    </a:moveTo>
+                    <a:cubicBezTo>
+                      <a:pt x="18" y="9"/>
+                      <a:pt x="19" y="8"/>
+                      <a:pt x="21" y="9"/>
+                    </a:cubicBezTo>
+                    <a:cubicBezTo>
+                      <a:pt x="22" y="10"/>
+                      <a:pt x="23" y="11"/>
+                      <a:pt x="23" y="14"/>
+                    </a:cubicBezTo>
+                    <a:cubicBezTo>
+                      <a:pt x="23" y="14"/>
+                      <a:pt x="23" y="14"/>
+                      <a:pt x="23" y="15"/>
+                    </a:cubicBezTo>
+                    <a:cubicBezTo>
+                      <a:pt x="23" y="18"/>
+                      <a:pt x="21" y="24"/>
+                      <a:pt x="9" y="33"/>
+                    </a:cubicBezTo>
+                    <a:cubicBezTo>
+                      <a:pt x="10" y="23"/>
+                      <a:pt x="13" y="12"/>
+                      <a:pt x="17" y="9"/>
+                    </a:cubicBezTo>
+                    <a:close/>
+                  </a:path>
+                </a:pathLst>
+              </a:custGeom>
+              <a:solidFill>
+                <a:srgbClr val="000000"/>
+              </a:solidFill>
+              <a:ln>
+                <a:noFill/>
+              </a:ln>
+              <a:extLst>
+                <a:ext uri="{91240B29-F687-4F45-9708-019B960494DF}">
+                  <a14:hiddenLine xmlns:a14="http://schemas.microsoft.com/office/drawing/2010/main" w="9525">
+                    <a:solidFill>
+                      <a:srgbClr val="000000"/>
+                    </a:solidFill>
+                    <a:round/>
+                    <a:headEnd/>
+                    <a:tailEnd/>
+                  </a14:hiddenLine>
+                </a:ext>
+              </a:extLst>
+            </p:spPr>
+            <p:txBody>
+              <a:bodyPr vert="horz" wrap="square" lIns="91440" tIns="45720" rIns="91440" bIns="45720" numCol="1" anchor="t" anchorCtr="0" compatLnSpc="1">
+                <a:prstTxWarp prst="textNoShape">
+                  <a:avLst/>
+                </a:prstTxWarp>
+              </a:bodyPr>
+              <a:lstStyle/>
+              <a:p>
+                <a:endParaRPr lang="zh-CN" altLang="en-US"/>
+              </a:p>
+            </p:txBody>
+          </p:sp>
+          <p:sp>
+            <p:nvSpPr>
+              <p:cNvPr id="14" name="Rectangle 40"/>
+              <p:cNvSpPr>
+                <a:spLocks noChangeArrowheads="1"/>
+              </p:cNvSpPr>
+              <p:nvPr/>
+            </p:nvSpPr>
+            <p:spPr bwMode="auto">
+              <a:xfrm>
+                <a:off x="3352801" y="1851026"/>
+                <a:ext cx="222250" cy="15875"/>
+              </a:xfrm>
+              <a:prstGeom prst="rect">
+                <a:avLst/>
+              </a:prstGeom>
+              <a:solidFill>
+                <a:srgbClr val="000000"/>
+              </a:solidFill>
+              <a:ln>
+                <a:noFill/>
+              </a:ln>
+              <a:extLst>
+                <a:ext uri="{91240B29-F687-4F45-9708-019B960494DF}">
+                  <a14:hiddenLine xmlns:a14="http://schemas.microsoft.com/office/drawing/2010/main" w="9525">
+                    <a:solidFill>
+                      <a:srgbClr val="000000"/>
+                    </a:solidFill>
+                    <a:miter lim="800000"/>
+                    <a:headEnd/>
+                    <a:tailEnd/>
+                  </a14:hiddenLine>
+                </a:ext>
+              </a:extLst>
+            </p:spPr>
+            <p:txBody>
+              <a:bodyPr vert="horz" wrap="square" lIns="91440" tIns="45720" rIns="91440" bIns="45720" numCol="1" anchor="t" anchorCtr="0" compatLnSpc="1">
+                <a:prstTxWarp prst="textNoShape">
+                  <a:avLst/>
+                </a:prstTxWarp>
+              </a:bodyPr>
+              <a:lstStyle/>
+              <a:p>
+                <a:endParaRPr lang="zh-CN" altLang="en-US"/>
+              </a:p>
+            </p:txBody>
+          </p:sp>
+          <p:sp>
+            <p:nvSpPr>
+              <p:cNvPr id="15" name="Rectangle 41"/>
+              <p:cNvSpPr>
+                <a:spLocks noChangeArrowheads="1"/>
+              </p:cNvSpPr>
+              <p:nvPr/>
+            </p:nvSpPr>
+            <p:spPr bwMode="auto">
+              <a:xfrm>
+                <a:off x="3352801" y="1819276"/>
+                <a:ext cx="222250" cy="15875"/>
+              </a:xfrm>
+              <a:prstGeom prst="rect">
+                <a:avLst/>
+              </a:prstGeom>
+              <a:solidFill>
+                <a:srgbClr val="000000"/>
+              </a:solidFill>
+              <a:ln>
+                <a:noFill/>
+              </a:ln>
+              <a:extLst>
+                <a:ext uri="{91240B29-F687-4F45-9708-019B960494DF}">
+                  <a14:hiddenLine xmlns:a14="http://schemas.microsoft.com/office/drawing/2010/main" w="9525">
+                    <a:solidFill>
+                      <a:srgbClr val="000000"/>
+                    </a:solidFill>
+                    <a:miter lim="800000"/>
+                    <a:headEnd/>
+                    <a:tailEnd/>
+                  </a14:hiddenLine>
+                </a:ext>
+              </a:extLst>
+            </p:spPr>
+            <p:txBody>
+              <a:bodyPr vert="horz" wrap="square" lIns="91440" tIns="45720" rIns="91440" bIns="45720" numCol="1" anchor="t" anchorCtr="0" compatLnSpc="1">
+                <a:prstTxWarp prst="textNoShape">
+                  <a:avLst/>
+                </a:prstTxWarp>
+              </a:bodyPr>
+              <a:lstStyle/>
+              <a:p>
+                <a:endParaRPr lang="zh-CN" altLang="en-US"/>
+              </a:p>
+            </p:txBody>
+          </p:sp>
+          <p:sp>
+            <p:nvSpPr>
+              <p:cNvPr id="16" name="Rectangle 42"/>
+              <p:cNvSpPr>
+                <a:spLocks noChangeArrowheads="1"/>
+              </p:cNvSpPr>
+              <p:nvPr/>
+            </p:nvSpPr>
+            <p:spPr bwMode="auto">
+              <a:xfrm>
+                <a:off x="3352801" y="1787526"/>
+                <a:ext cx="222250" cy="14288"/>
+              </a:xfrm>
+              <a:prstGeom prst="rect">
+                <a:avLst/>
+              </a:prstGeom>
+              <a:solidFill>
+                <a:srgbClr val="000000"/>
+              </a:solidFill>
+              <a:ln>
+                <a:noFill/>
+              </a:ln>
+              <a:extLst>
+                <a:ext uri="{91240B29-F687-4F45-9708-019B960494DF}">
+                  <a14:hiddenLine xmlns:a14="http://schemas.microsoft.com/office/drawing/2010/main" w="9525">
+                    <a:solidFill>
+                      <a:srgbClr val="000000"/>
+                    </a:solidFill>
+                    <a:miter lim="800000"/>
+                    <a:headEnd/>
+                    <a:tailEnd/>
+                  </a14:hiddenLine>
+                </a:ext>
+              </a:extLst>
+            </p:spPr>
+            <p:txBody>
+              <a:bodyPr vert="horz" wrap="square" lIns="91440" tIns="45720" rIns="91440" bIns="45720" numCol="1" anchor="t" anchorCtr="0" compatLnSpc="1">
+                <a:prstTxWarp prst="textNoShape">
+                  <a:avLst/>
+                </a:prstTxWarp>
+              </a:bodyPr>
+              <a:lstStyle/>
+              <a:p>
+                <a:endParaRPr lang="zh-CN" altLang="en-US"/>
+              </a:p>
+            </p:txBody>
+          </p:sp>
+          <p:sp>
+            <p:nvSpPr>
+              <p:cNvPr id="17" name="Rectangle 43"/>
+              <p:cNvSpPr>
+                <a:spLocks noChangeArrowheads="1"/>
+              </p:cNvSpPr>
+              <p:nvPr/>
+            </p:nvSpPr>
+            <p:spPr bwMode="auto">
+              <a:xfrm>
+                <a:off x="3352801" y="1754188"/>
+                <a:ext cx="222250" cy="15875"/>
+              </a:xfrm>
+              <a:prstGeom prst="rect">
+                <a:avLst/>
+              </a:prstGeom>
+              <a:solidFill>
+                <a:srgbClr val="000000"/>
+              </a:solidFill>
+              <a:ln>
+                <a:noFill/>
+              </a:ln>
+              <a:extLst>
+                <a:ext uri="{91240B29-F687-4F45-9708-019B960494DF}">
+                  <a14:hiddenLine xmlns:a14="http://schemas.microsoft.com/office/drawing/2010/main" w="9525">
+                    <a:solidFill>
+                      <a:srgbClr val="000000"/>
+                    </a:solidFill>
+                    <a:miter lim="800000"/>
+                    <a:headEnd/>
+                    <a:tailEnd/>
+                  </a14:hiddenLine>
+                </a:ext>
+              </a:extLst>
+            </p:spPr>
+            <p:txBody>
+              <a:bodyPr vert="horz" wrap="square" lIns="91440" tIns="45720" rIns="91440" bIns="45720" numCol="1" anchor="t" anchorCtr="0" compatLnSpc="1">
+                <a:prstTxWarp prst="textNoShape">
+                  <a:avLst/>
+                </a:prstTxWarp>
+              </a:bodyPr>
+              <a:lstStyle/>
+              <a:p>
+                <a:endParaRPr lang="zh-CN" altLang="en-US"/>
+              </a:p>
+            </p:txBody>
+          </p:sp>
+          <p:sp>
+            <p:nvSpPr>
+              <p:cNvPr id="18" name="Rectangle 44"/>
+              <p:cNvSpPr>
+                <a:spLocks noChangeArrowheads="1"/>
+              </p:cNvSpPr>
+              <p:nvPr/>
+            </p:nvSpPr>
+            <p:spPr bwMode="auto">
+              <a:xfrm>
+                <a:off x="3352801" y="1722438"/>
+                <a:ext cx="222250" cy="15875"/>
+              </a:xfrm>
+              <a:prstGeom prst="rect">
+                <a:avLst/>
+              </a:prstGeom>
+              <a:solidFill>
+                <a:srgbClr val="000000"/>
+              </a:solidFill>
+              <a:ln>
+                <a:noFill/>
+              </a:ln>
+              <a:extLst>
+                <a:ext uri="{91240B29-F687-4F45-9708-019B960494DF}">
+                  <a14:hiddenLine xmlns:a14="http://schemas.microsoft.com/office/drawing/2010/main" w="9525">
+                    <a:solidFill>
+                      <a:srgbClr val="000000"/>
+                    </a:solidFill>
+                    <a:miter lim="800000"/>
+                    <a:headEnd/>
+                    <a:tailEnd/>
+                  </a14:hiddenLine>
+                </a:ext>
+              </a:extLst>
+            </p:spPr>
+            <p:txBody>
+              <a:bodyPr vert="horz" wrap="square" lIns="91440" tIns="45720" rIns="91440" bIns="45720" numCol="1" anchor="t" anchorCtr="0" compatLnSpc="1">
+                <a:prstTxWarp prst="textNoShape">
+                  <a:avLst/>
+                </a:prstTxWarp>
+              </a:bodyPr>
+              <a:lstStyle/>
+              <a:p>
+                <a:endParaRPr lang="zh-CN" altLang="en-US"/>
+              </a:p>
+            </p:txBody>
+          </p:sp>
+          <p:sp>
+            <p:nvSpPr>
+              <p:cNvPr id="19" name="Rectangle 45"/>
+              <p:cNvSpPr>
+                <a:spLocks noChangeArrowheads="1"/>
+              </p:cNvSpPr>
+              <p:nvPr/>
+            </p:nvSpPr>
+            <p:spPr bwMode="auto">
+              <a:xfrm>
+                <a:off x="3352801" y="1690688"/>
+                <a:ext cx="222250" cy="14288"/>
+              </a:xfrm>
+              <a:prstGeom prst="rect">
+                <a:avLst/>
+              </a:prstGeom>
+              <a:solidFill>
+                <a:srgbClr val="000000"/>
+              </a:solidFill>
+              <a:ln>
+                <a:noFill/>
+              </a:ln>
+              <a:extLst>
+                <a:ext uri="{91240B29-F687-4F45-9708-019B960494DF}">
+                  <a14:hiddenLine xmlns:a14="http://schemas.microsoft.com/office/drawing/2010/main" w="9525">
+                    <a:solidFill>
+                      <a:srgbClr val="000000"/>
+                    </a:solidFill>
+                    <a:miter lim="800000"/>
+                    <a:headEnd/>
+                    <a:tailEnd/>
+                  </a14:hiddenLine>
+                </a:ext>
+              </a:extLst>
+            </p:spPr>
+            <p:txBody>
+              <a:bodyPr vert="horz" wrap="square" lIns="91440" tIns="45720" rIns="91440" bIns="45720" numCol="1" anchor="t" anchorCtr="0" compatLnSpc="1">
+                <a:prstTxWarp prst="textNoShape">
+                  <a:avLst/>
+                </a:prstTxWarp>
+              </a:bodyPr>
+              <a:lstStyle/>
+              <a:p>
+                <a:endParaRPr lang="zh-CN" altLang="en-US"/>
+              </a:p>
+            </p:txBody>
+          </p:sp>
+          <p:sp>
+            <p:nvSpPr>
+              <p:cNvPr id="20" name="Rectangle 46"/>
+              <p:cNvSpPr>
+                <a:spLocks noChangeArrowheads="1"/>
+              </p:cNvSpPr>
+              <p:nvPr/>
+            </p:nvSpPr>
+            <p:spPr bwMode="auto">
+              <a:xfrm>
+                <a:off x="3352801" y="1657351"/>
+                <a:ext cx="222250" cy="15875"/>
+              </a:xfrm>
+              <a:prstGeom prst="rect">
+                <a:avLst/>
+              </a:prstGeom>
+              <a:solidFill>
+                <a:srgbClr val="000000"/>
+              </a:solidFill>
+              <a:ln>
+                <a:noFill/>
+              </a:ln>
+              <a:extLst>
+                <a:ext uri="{91240B29-F687-4F45-9708-019B960494DF}">
+                  <a14:hiddenLine xmlns:a14="http://schemas.microsoft.com/office/drawing/2010/main" w="9525">
+                    <a:solidFill>
+                      <a:srgbClr val="000000"/>
+                    </a:solidFill>
+                    <a:miter lim="800000"/>
+                    <a:headEnd/>
+                    <a:tailEnd/>
+                  </a14:hiddenLine>
+                </a:ext>
+              </a:extLst>
+            </p:spPr>
+            <p:txBody>
+              <a:bodyPr vert="horz" wrap="square" lIns="91440" tIns="45720" rIns="91440" bIns="45720" numCol="1" anchor="t" anchorCtr="0" compatLnSpc="1">
+                <a:prstTxWarp prst="textNoShape">
+                  <a:avLst/>
+                </a:prstTxWarp>
+              </a:bodyPr>
+              <a:lstStyle/>
+              <a:p>
+                <a:endParaRPr lang="zh-CN" altLang="en-US"/>
+              </a:p>
+            </p:txBody>
+          </p:sp>
+          <p:sp>
+            <p:nvSpPr>
+              <p:cNvPr id="21" name="Rectangle 47"/>
+              <p:cNvSpPr>
+                <a:spLocks noChangeArrowheads="1"/>
+              </p:cNvSpPr>
+              <p:nvPr/>
+            </p:nvSpPr>
+            <p:spPr bwMode="auto">
+              <a:xfrm>
+                <a:off x="3352801" y="1625601"/>
+                <a:ext cx="222250" cy="14288"/>
+              </a:xfrm>
+              <a:prstGeom prst="rect">
+                <a:avLst/>
+              </a:prstGeom>
+              <a:solidFill>
+                <a:srgbClr val="000000"/>
+              </a:solidFill>
+              <a:ln>
+                <a:noFill/>
+              </a:ln>
+              <a:extLst>
+                <a:ext uri="{91240B29-F687-4F45-9708-019B960494DF}">
+                  <a14:hiddenLine xmlns:a14="http://schemas.microsoft.com/office/drawing/2010/main" w="9525">
+                    <a:solidFill>
+                      <a:srgbClr val="000000"/>
+                    </a:solidFill>
+                    <a:miter lim="800000"/>
+                    <a:headEnd/>
+                    <a:tailEnd/>
+                  </a14:hiddenLine>
+                </a:ext>
+              </a:extLst>
+            </p:spPr>
+            <p:txBody>
+              <a:bodyPr vert="horz" wrap="square" lIns="91440" tIns="45720" rIns="91440" bIns="45720" numCol="1" anchor="t" anchorCtr="0" compatLnSpc="1">
+                <a:prstTxWarp prst="textNoShape">
+                  <a:avLst/>
+                </a:prstTxWarp>
+              </a:bodyPr>
+              <a:lstStyle/>
+              <a:p>
+                <a:endParaRPr lang="zh-CN" altLang="en-US"/>
+              </a:p>
+            </p:txBody>
+          </p:sp>
+          <p:sp>
+            <p:nvSpPr>
+              <p:cNvPr id="22" name="Rectangle 48"/>
+              <p:cNvSpPr>
+                <a:spLocks noChangeArrowheads="1"/>
+              </p:cNvSpPr>
+              <p:nvPr/>
+            </p:nvSpPr>
+            <p:spPr bwMode="auto">
+              <a:xfrm>
+                <a:off x="3352801" y="1592263"/>
+                <a:ext cx="222250" cy="15875"/>
+              </a:xfrm>
+              <a:prstGeom prst="rect">
+                <a:avLst/>
+              </a:prstGeom>
+              <a:solidFill>
+                <a:srgbClr val="000000"/>
+              </a:solidFill>
+              <a:ln>
+                <a:noFill/>
+              </a:ln>
+              <a:extLst>
+                <a:ext uri="{91240B29-F687-4F45-9708-019B960494DF}">
+                  <a14:hiddenLine xmlns:a14="http://schemas.microsoft.com/office/drawing/2010/main" w="9525">
+                    <a:solidFill>
+                      <a:srgbClr val="000000"/>
+                    </a:solidFill>
+                    <a:miter lim="800000"/>
+                    <a:headEnd/>
+                    <a:tailEnd/>
+                  </a14:hiddenLine>
+                </a:ext>
+              </a:extLst>
+            </p:spPr>
+            <p:txBody>
+              <a:bodyPr vert="horz" wrap="square" lIns="91440" tIns="45720" rIns="91440" bIns="45720" numCol="1" anchor="t" anchorCtr="0" compatLnSpc="1">
+                <a:prstTxWarp prst="textNoShape">
+                  <a:avLst/>
+                </a:prstTxWarp>
+              </a:bodyPr>
+              <a:lstStyle/>
+              <a:p>
+                <a:endParaRPr lang="zh-CN" altLang="en-US"/>
+              </a:p>
+            </p:txBody>
+          </p:sp>
+          <p:sp>
+            <p:nvSpPr>
+              <p:cNvPr id="23" name="Freeform 49"/>
+              <p:cNvSpPr>
+                <a:spLocks/>
+              </p:cNvSpPr>
+              <p:nvPr/>
+            </p:nvSpPr>
+            <p:spPr bwMode="auto">
+              <a:xfrm>
+                <a:off x="3879851" y="1557338"/>
+                <a:ext cx="138113" cy="206375"/>
+              </a:xfrm>
+              <a:custGeom>
+                <a:avLst/>
+                <a:gdLst>
+                  <a:gd name="T0" fmla="*/ 60 w 73"/>
+                  <a:gd name="T1" fmla="*/ 56 h 109"/>
+                  <a:gd name="T2" fmla="*/ 60 w 73"/>
+                  <a:gd name="T3" fmla="*/ 107 h 109"/>
+                  <a:gd name="T4" fmla="*/ 68 w 73"/>
+                  <a:gd name="T5" fmla="*/ 109 h 109"/>
+                  <a:gd name="T6" fmla="*/ 67 w 73"/>
+                  <a:gd name="T7" fmla="*/ 55 h 109"/>
+                  <a:gd name="T8" fmla="*/ 4 w 73"/>
+                  <a:gd name="T9" fmla="*/ 0 h 109"/>
+                  <a:gd name="T10" fmla="*/ 0 w 73"/>
+                  <a:gd name="T11" fmla="*/ 8 h 109"/>
+                  <a:gd name="T12" fmla="*/ 60 w 73"/>
+                  <a:gd name="T13" fmla="*/ 56 h 109"/>
+                </a:gdLst>
+                <a:ahLst/>
+                <a:cxnLst>
+                  <a:cxn ang="0">
+                    <a:pos x="T0" y="T1"/>
+                  </a:cxn>
+                  <a:cxn ang="0">
+                    <a:pos x="T2" y="T3"/>
+                  </a:cxn>
+                  <a:cxn ang="0">
+                    <a:pos x="T4" y="T5"/>
+                  </a:cxn>
+                  <a:cxn ang="0">
+                    <a:pos x="T6" y="T7"/>
+                  </a:cxn>
+                  <a:cxn ang="0">
+                    <a:pos x="T8" y="T9"/>
+                  </a:cxn>
+                  <a:cxn ang="0">
+                    <a:pos x="T10" y="T11"/>
+                  </a:cxn>
+                  <a:cxn ang="0">
+                    <a:pos x="T12" y="T13"/>
+                  </a:cxn>
+                </a:cxnLst>
+                <a:rect l="0" t="0" r="r" b="b"/>
+                <a:pathLst>
+                  <a:path w="73" h="109">
+                    <a:moveTo>
+                      <a:pt x="60" y="56"/>
+                    </a:moveTo>
+                    <a:cubicBezTo>
+                      <a:pt x="65" y="81"/>
+                      <a:pt x="60" y="107"/>
+                      <a:pt x="60" y="107"/>
+                    </a:cubicBezTo>
+                    <a:cubicBezTo>
+                      <a:pt x="68" y="109"/>
+                      <a:pt x="68" y="109"/>
+                      <a:pt x="68" y="109"/>
+                    </a:cubicBezTo>
+                    <a:cubicBezTo>
+                      <a:pt x="68" y="107"/>
+                      <a:pt x="73" y="81"/>
+                      <a:pt x="67" y="55"/>
+                    </a:cubicBezTo>
+                    <a:cubicBezTo>
+                      <a:pt x="62" y="30"/>
+                      <a:pt x="47" y="2"/>
+                      <a:pt x="4" y="0"/>
+                    </a:cubicBezTo>
+                    <a:cubicBezTo>
+                      <a:pt x="3" y="2"/>
+                      <a:pt x="2" y="5"/>
+                      <a:pt x="0" y="8"/>
+                    </a:cubicBezTo>
+                    <a:cubicBezTo>
+                      <a:pt x="33" y="8"/>
+                      <a:pt x="53" y="25"/>
+                      <a:pt x="60" y="56"/>
+                    </a:cubicBezTo>
+                    <a:close/>
+                  </a:path>
+                </a:pathLst>
+              </a:custGeom>
+              <a:solidFill>
+                <a:srgbClr val="000000"/>
+              </a:solidFill>
+              <a:ln>
+                <a:noFill/>
+              </a:ln>
+              <a:extLst>
+                <a:ext uri="{91240B29-F687-4F45-9708-019B960494DF}">
+                  <a14:hiddenLine xmlns:a14="http://schemas.microsoft.com/office/drawing/2010/main" w="9525">
+                    <a:solidFill>
+                      <a:srgbClr val="000000"/>
+                    </a:solidFill>
+                    <a:round/>
+                    <a:headEnd/>
+                    <a:tailEnd/>
+                  </a14:hiddenLine>
+                </a:ext>
+              </a:extLst>
+            </p:spPr>
+            <p:txBody>
+              <a:bodyPr vert="horz" wrap="square" lIns="91440" tIns="45720" rIns="91440" bIns="45720" numCol="1" anchor="t" anchorCtr="0" compatLnSpc="1">
+                <a:prstTxWarp prst="textNoShape">
+                  <a:avLst/>
+                </a:prstTxWarp>
+              </a:bodyPr>
+              <a:lstStyle/>
+              <a:p>
+                <a:endParaRPr lang="zh-CN" altLang="en-US"/>
+              </a:p>
+            </p:txBody>
+          </p:sp>
+          <p:sp>
+            <p:nvSpPr>
+              <p:cNvPr id="24" name="Freeform 50"/>
+              <p:cNvSpPr>
+                <a:spLocks/>
+              </p:cNvSpPr>
+              <p:nvPr/>
+            </p:nvSpPr>
+            <p:spPr bwMode="auto">
+              <a:xfrm>
+                <a:off x="3609976" y="1557338"/>
+                <a:ext cx="138113" cy="206375"/>
+              </a:xfrm>
+              <a:custGeom>
+                <a:avLst/>
+                <a:gdLst>
+                  <a:gd name="T0" fmla="*/ 14 w 73"/>
+                  <a:gd name="T1" fmla="*/ 107 h 109"/>
+                  <a:gd name="T2" fmla="*/ 14 w 73"/>
+                  <a:gd name="T3" fmla="*/ 56 h 109"/>
+                  <a:gd name="T4" fmla="*/ 73 w 73"/>
+                  <a:gd name="T5" fmla="*/ 8 h 109"/>
+                  <a:gd name="T6" fmla="*/ 69 w 73"/>
+                  <a:gd name="T7" fmla="*/ 0 h 109"/>
+                  <a:gd name="T8" fmla="*/ 6 w 73"/>
+                  <a:gd name="T9" fmla="*/ 55 h 109"/>
+                  <a:gd name="T10" fmla="*/ 6 w 73"/>
+                  <a:gd name="T11" fmla="*/ 109 h 109"/>
+                  <a:gd name="T12" fmla="*/ 14 w 73"/>
+                  <a:gd name="T13" fmla="*/ 107 h 109"/>
+                </a:gdLst>
+                <a:ahLst/>
+                <a:cxnLst>
+                  <a:cxn ang="0">
+                    <a:pos x="T0" y="T1"/>
+                  </a:cxn>
+                  <a:cxn ang="0">
+                    <a:pos x="T2" y="T3"/>
+                  </a:cxn>
+                  <a:cxn ang="0">
+                    <a:pos x="T4" y="T5"/>
+                  </a:cxn>
+                  <a:cxn ang="0">
+                    <a:pos x="T6" y="T7"/>
+                  </a:cxn>
+                  <a:cxn ang="0">
+                    <a:pos x="T8" y="T9"/>
+                  </a:cxn>
+                  <a:cxn ang="0">
+                    <a:pos x="T10" y="T11"/>
+                  </a:cxn>
+                  <a:cxn ang="0">
+                    <a:pos x="T12" y="T13"/>
+                  </a:cxn>
+                </a:cxnLst>
+                <a:rect l="0" t="0" r="r" b="b"/>
+                <a:pathLst>
+                  <a:path w="73" h="109">
+                    <a:moveTo>
+                      <a:pt x="14" y="107"/>
+                    </a:moveTo>
+                    <a:cubicBezTo>
+                      <a:pt x="13" y="107"/>
+                      <a:pt x="8" y="81"/>
+                      <a:pt x="14" y="56"/>
+                    </a:cubicBezTo>
+                    <a:cubicBezTo>
+                      <a:pt x="20" y="25"/>
+                      <a:pt x="40" y="8"/>
+                      <a:pt x="73" y="8"/>
+                    </a:cubicBezTo>
+                    <a:cubicBezTo>
+                      <a:pt x="71" y="5"/>
+                      <a:pt x="70" y="2"/>
+                      <a:pt x="69" y="0"/>
+                    </a:cubicBezTo>
+                    <a:cubicBezTo>
+                      <a:pt x="26" y="2"/>
+                      <a:pt x="11" y="30"/>
+                      <a:pt x="6" y="55"/>
+                    </a:cubicBezTo>
+                    <a:cubicBezTo>
+                      <a:pt x="0" y="81"/>
+                      <a:pt x="5" y="107"/>
+                      <a:pt x="6" y="109"/>
+                    </a:cubicBezTo>
+                    <a:lnTo>
+                      <a:pt x="14" y="107"/>
+                    </a:lnTo>
+                    <a:close/>
+                  </a:path>
+                </a:pathLst>
+              </a:custGeom>
+              <a:solidFill>
+                <a:srgbClr val="000000"/>
+              </a:solidFill>
+              <a:ln>
+                <a:noFill/>
+              </a:ln>
+              <a:extLst>
+                <a:ext uri="{91240B29-F687-4F45-9708-019B960494DF}">
+                  <a14:hiddenLine xmlns:a14="http://schemas.microsoft.com/office/drawing/2010/main" w="9525">
+                    <a:solidFill>
+                      <a:srgbClr val="000000"/>
+                    </a:solidFill>
+                    <a:round/>
+                    <a:headEnd/>
+                    <a:tailEnd/>
+                  </a14:hiddenLine>
+                </a:ext>
+              </a:extLst>
+            </p:spPr>
+            <p:txBody>
+              <a:bodyPr vert="horz" wrap="square" lIns="91440" tIns="45720" rIns="91440" bIns="45720" numCol="1" anchor="t" anchorCtr="0" compatLnSpc="1">
+                <a:prstTxWarp prst="textNoShape">
+                  <a:avLst/>
+                </a:prstTxWarp>
+              </a:bodyPr>
+              <a:lstStyle/>
+              <a:p>
+                <a:endParaRPr lang="zh-CN" altLang="en-US"/>
+              </a:p>
+            </p:txBody>
+          </p:sp>
+          <p:sp>
+            <p:nvSpPr>
+              <p:cNvPr id="25" name="Freeform 51"/>
+              <p:cNvSpPr>
+                <a:spLocks/>
+              </p:cNvSpPr>
+              <p:nvPr/>
+            </p:nvSpPr>
+            <p:spPr bwMode="auto">
+              <a:xfrm>
+                <a:off x="3832226" y="1754188"/>
+                <a:ext cx="157163" cy="112713"/>
+              </a:xfrm>
+              <a:custGeom>
+                <a:avLst/>
+                <a:gdLst>
+                  <a:gd name="T0" fmla="*/ 99 w 99"/>
+                  <a:gd name="T1" fmla="*/ 36 h 71"/>
+                  <a:gd name="T2" fmla="*/ 67 w 99"/>
+                  <a:gd name="T3" fmla="*/ 0 h 71"/>
+                  <a:gd name="T4" fmla="*/ 0 w 99"/>
+                  <a:gd name="T5" fmla="*/ 49 h 71"/>
+                  <a:gd name="T6" fmla="*/ 12 w 99"/>
+                  <a:gd name="T7" fmla="*/ 71 h 71"/>
+                  <a:gd name="T8" fmla="*/ 99 w 99"/>
+                  <a:gd name="T9" fmla="*/ 36 h 71"/>
+                </a:gdLst>
+                <a:ahLst/>
+                <a:cxnLst>
+                  <a:cxn ang="0">
+                    <a:pos x="T0" y="T1"/>
+                  </a:cxn>
+                  <a:cxn ang="0">
+                    <a:pos x="T2" y="T3"/>
+                  </a:cxn>
+                  <a:cxn ang="0">
+                    <a:pos x="T4" y="T5"/>
+                  </a:cxn>
+                  <a:cxn ang="0">
+                    <a:pos x="T6" y="T7"/>
+                  </a:cxn>
+                  <a:cxn ang="0">
+                    <a:pos x="T8" y="T9"/>
+                  </a:cxn>
+                </a:cxnLst>
+                <a:rect l="0" t="0" r="r" b="b"/>
+                <a:pathLst>
+                  <a:path w="99" h="71">
+                    <a:moveTo>
+                      <a:pt x="99" y="36"/>
+                    </a:moveTo>
+                    <a:lnTo>
+                      <a:pt x="67" y="0"/>
+                    </a:lnTo>
+                    <a:lnTo>
+                      <a:pt x="0" y="49"/>
+                    </a:lnTo>
+                    <a:lnTo>
+                      <a:pt x="12" y="71"/>
+                    </a:lnTo>
+                    <a:lnTo>
+                      <a:pt x="99" y="36"/>
+                    </a:lnTo>
+                    <a:close/>
+                  </a:path>
+                </a:pathLst>
+              </a:custGeom>
+              <a:solidFill>
+                <a:srgbClr val="000000"/>
+              </a:solidFill>
+              <a:ln>
+                <a:noFill/>
+              </a:ln>
+              <a:extLst>
+                <a:ext uri="{91240B29-F687-4F45-9708-019B960494DF}">
+                  <a14:hiddenLine xmlns:a14="http://schemas.microsoft.com/office/drawing/2010/main" w="9525">
+                    <a:solidFill>
+                      <a:srgbClr val="000000"/>
+                    </a:solidFill>
+                    <a:round/>
+                    <a:headEnd/>
+                    <a:tailEnd/>
+                  </a14:hiddenLine>
+                </a:ext>
+              </a:extLst>
+            </p:spPr>
+            <p:txBody>
+              <a:bodyPr vert="horz" wrap="square" lIns="91440" tIns="45720" rIns="91440" bIns="45720" numCol="1" anchor="t" anchorCtr="0" compatLnSpc="1">
+                <a:prstTxWarp prst="textNoShape">
+                  <a:avLst/>
+                </a:prstTxWarp>
+              </a:bodyPr>
+              <a:lstStyle/>
+              <a:p>
+                <a:endParaRPr lang="zh-CN" altLang="en-US"/>
+              </a:p>
+            </p:txBody>
+          </p:sp>
+          <p:sp>
+            <p:nvSpPr>
+              <p:cNvPr id="26" name="Oval 52"/>
+              <p:cNvSpPr>
+                <a:spLocks noChangeArrowheads="1"/>
+              </p:cNvSpPr>
+              <p:nvPr/>
+            </p:nvSpPr>
+            <p:spPr bwMode="auto">
+              <a:xfrm>
+                <a:off x="3751263" y="1466851"/>
+                <a:ext cx="123825" cy="125413"/>
+              </a:xfrm>
+              <a:prstGeom prst="ellipse">
+                <a:avLst/>
+              </a:prstGeom>
+              <a:solidFill>
+                <a:srgbClr val="000000"/>
+              </a:solidFill>
+              <a:ln>
+                <a:noFill/>
+              </a:ln>
+              <a:extLst>
+                <a:ext uri="{91240B29-F687-4F45-9708-019B960494DF}">
+                  <a14:hiddenLine xmlns:a14="http://schemas.microsoft.com/office/drawing/2010/main" w="9525">
+                    <a:solidFill>
+                      <a:srgbClr val="000000"/>
+                    </a:solidFill>
+                    <a:round/>
+                    <a:headEnd/>
+                    <a:tailEnd/>
+                  </a14:hiddenLine>
+                </a:ext>
+              </a:extLst>
+            </p:spPr>
+            <p:txBody>
+              <a:bodyPr vert="horz" wrap="square" lIns="91440" tIns="45720" rIns="91440" bIns="45720" numCol="1" anchor="t" anchorCtr="0" compatLnSpc="1">
+                <a:prstTxWarp prst="textNoShape">
+                  <a:avLst/>
+                </a:prstTxWarp>
+              </a:bodyPr>
+              <a:lstStyle/>
+              <a:p>
+                <a:endParaRPr lang="zh-CN" altLang="en-US"/>
+              </a:p>
+            </p:txBody>
+          </p:sp>
+          <p:sp>
+            <p:nvSpPr>
+              <p:cNvPr id="27" name="Rectangle 53"/>
+              <p:cNvSpPr>
+                <a:spLocks noChangeArrowheads="1"/>
+              </p:cNvSpPr>
+              <p:nvPr/>
+            </p:nvSpPr>
+            <p:spPr bwMode="auto">
+              <a:xfrm>
+                <a:off x="3306763" y="1898651"/>
+                <a:ext cx="757238" cy="47625"/>
+              </a:xfrm>
+              <a:prstGeom prst="rect">
+                <a:avLst/>
+              </a:prstGeom>
+              <a:solidFill>
+                <a:srgbClr val="000000"/>
+              </a:solidFill>
+              <a:ln>
+                <a:noFill/>
+              </a:ln>
+              <a:extLst>
+                <a:ext uri="{91240B29-F687-4F45-9708-019B960494DF}">
+                  <a14:hiddenLine xmlns:a14="http://schemas.microsoft.com/office/drawing/2010/main" w="9525">
+                    <a:solidFill>
+                      <a:srgbClr val="000000"/>
+                    </a:solidFill>
+                    <a:miter lim="800000"/>
+                    <a:headEnd/>
+                    <a:tailEnd/>
+                  </a14:hiddenLine>
+                </a:ext>
+              </a:extLst>
+            </p:spPr>
+            <p:txBody>
+              <a:bodyPr vert="horz" wrap="square" lIns="91440" tIns="45720" rIns="91440" bIns="45720" numCol="1" anchor="t" anchorCtr="0" compatLnSpc="1">
+                <a:prstTxWarp prst="textNoShape">
+                  <a:avLst/>
+                </a:prstTxWarp>
+              </a:bodyPr>
+              <a:lstStyle/>
+              <a:p>
+                <a:endParaRPr lang="zh-CN" altLang="en-US"/>
+              </a:p>
+            </p:txBody>
+          </p:sp>
+          <p:sp>
+            <p:nvSpPr>
+              <p:cNvPr id="28" name="Freeform 54"/>
+              <p:cNvSpPr>
+                <a:spLocks/>
+              </p:cNvSpPr>
+              <p:nvPr/>
+            </p:nvSpPr>
+            <p:spPr bwMode="auto">
+              <a:xfrm>
+                <a:off x="3789363" y="1614488"/>
+                <a:ext cx="47625" cy="169863"/>
+              </a:xfrm>
+              <a:custGeom>
+                <a:avLst/>
+                <a:gdLst>
+                  <a:gd name="T0" fmla="*/ 30 w 30"/>
+                  <a:gd name="T1" fmla="*/ 92 h 107"/>
+                  <a:gd name="T2" fmla="*/ 22 w 30"/>
+                  <a:gd name="T3" fmla="*/ 19 h 107"/>
+                  <a:gd name="T4" fmla="*/ 28 w 30"/>
+                  <a:gd name="T5" fmla="*/ 0 h 107"/>
+                  <a:gd name="T6" fmla="*/ 3 w 30"/>
+                  <a:gd name="T7" fmla="*/ 0 h 107"/>
+                  <a:gd name="T8" fmla="*/ 9 w 30"/>
+                  <a:gd name="T9" fmla="*/ 19 h 107"/>
+                  <a:gd name="T10" fmla="*/ 0 w 30"/>
+                  <a:gd name="T11" fmla="*/ 92 h 107"/>
+                  <a:gd name="T12" fmla="*/ 16 w 30"/>
+                  <a:gd name="T13" fmla="*/ 107 h 107"/>
+                  <a:gd name="T14" fmla="*/ 30 w 30"/>
+                  <a:gd name="T15" fmla="*/ 92 h 107"/>
+                </a:gdLst>
+                <a:ahLst/>
+                <a:cxnLst>
+                  <a:cxn ang="0">
+                    <a:pos x="T0" y="T1"/>
+                  </a:cxn>
+                  <a:cxn ang="0">
+                    <a:pos x="T2" y="T3"/>
+                  </a:cxn>
+                  <a:cxn ang="0">
+                    <a:pos x="T4" y="T5"/>
+                  </a:cxn>
+                  <a:cxn ang="0">
+                    <a:pos x="T6" y="T7"/>
+                  </a:cxn>
+                  <a:cxn ang="0">
+                    <a:pos x="T8" y="T9"/>
+                  </a:cxn>
+                  <a:cxn ang="0">
+                    <a:pos x="T10" y="T11"/>
+                  </a:cxn>
+                  <a:cxn ang="0">
+                    <a:pos x="T12" y="T13"/>
+                  </a:cxn>
+                  <a:cxn ang="0">
+                    <a:pos x="T14" y="T15"/>
+                  </a:cxn>
+                </a:cxnLst>
+                <a:rect l="0" t="0" r="r" b="b"/>
+                <a:pathLst>
+                  <a:path w="30" h="107">
+                    <a:moveTo>
+                      <a:pt x="30" y="92"/>
+                    </a:moveTo>
+                    <a:lnTo>
+                      <a:pt x="22" y="19"/>
+                    </a:lnTo>
+                    <a:lnTo>
+                      <a:pt x="28" y="0"/>
+                    </a:lnTo>
+                    <a:lnTo>
+                      <a:pt x="3" y="0"/>
+                    </a:lnTo>
+                    <a:lnTo>
+                      <a:pt x="9" y="19"/>
+                    </a:lnTo>
+                    <a:lnTo>
+                      <a:pt x="0" y="92"/>
+                    </a:lnTo>
+                    <a:lnTo>
+                      <a:pt x="16" y="107"/>
+                    </a:lnTo>
+                    <a:lnTo>
+                      <a:pt x="30" y="92"/>
+                    </a:lnTo>
+                    <a:close/>
+                  </a:path>
+                </a:pathLst>
+              </a:custGeom>
+              <a:solidFill>
+                <a:srgbClr val="000000"/>
+              </a:solidFill>
+              <a:ln>
+                <a:noFill/>
+              </a:ln>
+              <a:extLst>
+                <a:ext uri="{91240B29-F687-4F45-9708-019B960494DF}">
+                  <a14:hiddenLine xmlns:a14="http://schemas.microsoft.com/office/drawing/2010/main" w="9525">
+                    <a:solidFill>
+                      <a:srgbClr val="000000"/>
+                    </a:solidFill>
+                    <a:round/>
+                    <a:headEnd/>
+                    <a:tailEnd/>
+                  </a14:hiddenLine>
+                </a:ext>
+              </a:extLst>
+            </p:spPr>
+            <p:txBody>
+              <a:bodyPr vert="horz" wrap="square" lIns="91440" tIns="45720" rIns="91440" bIns="45720" numCol="1" anchor="t" anchorCtr="0" compatLnSpc="1">
+                <a:prstTxWarp prst="textNoShape">
+                  <a:avLst/>
+                </a:prstTxWarp>
+              </a:bodyPr>
+              <a:lstStyle/>
+              <a:p>
+                <a:endParaRPr lang="zh-CN" altLang="en-US"/>
+              </a:p>
+            </p:txBody>
+          </p:sp>
+          <p:sp>
+            <p:nvSpPr>
+              <p:cNvPr id="29" name="Freeform 55"/>
+              <p:cNvSpPr>
+                <a:spLocks/>
+              </p:cNvSpPr>
+              <p:nvPr/>
+            </p:nvSpPr>
+            <p:spPr bwMode="auto">
+              <a:xfrm>
+                <a:off x="3735388" y="1706563"/>
+                <a:ext cx="41275" cy="87313"/>
+              </a:xfrm>
+              <a:custGeom>
+                <a:avLst/>
+                <a:gdLst>
+                  <a:gd name="T0" fmla="*/ 8 w 26"/>
+                  <a:gd name="T1" fmla="*/ 0 h 55"/>
+                  <a:gd name="T2" fmla="*/ 0 w 26"/>
+                  <a:gd name="T3" fmla="*/ 4 h 55"/>
+                  <a:gd name="T4" fmla="*/ 13 w 26"/>
+                  <a:gd name="T5" fmla="*/ 46 h 55"/>
+                  <a:gd name="T6" fmla="*/ 26 w 26"/>
+                  <a:gd name="T7" fmla="*/ 55 h 55"/>
+                  <a:gd name="T8" fmla="*/ 8 w 26"/>
+                  <a:gd name="T9" fmla="*/ 0 h 55"/>
+                </a:gdLst>
+                <a:ahLst/>
+                <a:cxnLst>
+                  <a:cxn ang="0">
+                    <a:pos x="T0" y="T1"/>
+                  </a:cxn>
+                  <a:cxn ang="0">
+                    <a:pos x="T2" y="T3"/>
+                  </a:cxn>
+                  <a:cxn ang="0">
+                    <a:pos x="T4" y="T5"/>
+                  </a:cxn>
+                  <a:cxn ang="0">
+                    <a:pos x="T6" y="T7"/>
+                  </a:cxn>
+                  <a:cxn ang="0">
+                    <a:pos x="T8" y="T9"/>
+                  </a:cxn>
+                </a:cxnLst>
+                <a:rect l="0" t="0" r="r" b="b"/>
+                <a:pathLst>
+                  <a:path w="26" h="55">
+                    <a:moveTo>
+                      <a:pt x="8" y="0"/>
+                    </a:moveTo>
+                    <a:lnTo>
+                      <a:pt x="0" y="4"/>
+                    </a:lnTo>
+                    <a:lnTo>
+                      <a:pt x="13" y="46"/>
+                    </a:lnTo>
+                    <a:lnTo>
+                      <a:pt x="26" y="55"/>
+                    </a:lnTo>
+                    <a:lnTo>
+                      <a:pt x="8" y="0"/>
+                    </a:lnTo>
+                    <a:close/>
+                  </a:path>
+                </a:pathLst>
+              </a:custGeom>
+              <a:solidFill>
+                <a:srgbClr val="000000"/>
+              </a:solidFill>
+              <a:ln>
+                <a:noFill/>
+              </a:ln>
+              <a:extLst>
+                <a:ext uri="{91240B29-F687-4F45-9708-019B960494DF}">
+                  <a14:hiddenLine xmlns:a14="http://schemas.microsoft.com/office/drawing/2010/main" w="9525">
+                    <a:solidFill>
+                      <a:srgbClr val="000000"/>
+                    </a:solidFill>
+                    <a:round/>
+                    <a:headEnd/>
+                    <a:tailEnd/>
+                  </a14:hiddenLine>
+                </a:ext>
+              </a:extLst>
+            </p:spPr>
+            <p:txBody>
+              <a:bodyPr vert="horz" wrap="square" lIns="91440" tIns="45720" rIns="91440" bIns="45720" numCol="1" anchor="t" anchorCtr="0" compatLnSpc="1">
+                <a:prstTxWarp prst="textNoShape">
+                  <a:avLst/>
+                </a:prstTxWarp>
+              </a:bodyPr>
+              <a:lstStyle/>
+              <a:p>
+                <a:endParaRPr lang="zh-CN" altLang="en-US"/>
+              </a:p>
+            </p:txBody>
+          </p:sp>
+        </p:grpSp>
+        <p:grpSp>
+          <p:nvGrpSpPr>
+            <p:cNvPr id="43" name="组合 42"/>
+            <p:cNvGrpSpPr/>
+            <p:nvPr/>
+          </p:nvGrpSpPr>
+          <p:grpSpPr>
+            <a:xfrm>
+              <a:off x="7873330" y="2205804"/>
+              <a:ext cx="693738" cy="628651"/>
+              <a:chOff x="5353050" y="3519039"/>
+              <a:chExt cx="693738" cy="628651"/>
+            </a:xfrm>
+          </p:grpSpPr>
+          <p:sp>
+            <p:nvSpPr>
+              <p:cNvPr id="31" name="Oval 2201"/>
+              <p:cNvSpPr>
+                <a:spLocks noChangeArrowheads="1"/>
+              </p:cNvSpPr>
+              <p:nvPr/>
+            </p:nvSpPr>
+            <p:spPr bwMode="auto">
+              <a:xfrm>
+                <a:off x="5745162" y="3519039"/>
+                <a:ext cx="168275" cy="168275"/>
+              </a:xfrm>
+              <a:prstGeom prst="ellipse">
+                <a:avLst/>
+              </a:prstGeom>
+              <a:solidFill>
+                <a:srgbClr val="000000"/>
+              </a:solidFill>
+              <a:ln>
+                <a:noFill/>
+              </a:ln>
+              <a:extLst>
+                <a:ext uri="{91240B29-F687-4F45-9708-019B960494DF}">
+                  <a14:hiddenLine xmlns:a14="http://schemas.microsoft.com/office/drawing/2010/main" w="9525">
+                    <a:solidFill>
+                      <a:srgbClr val="000000"/>
+                    </a:solidFill>
+                    <a:round/>
+                    <a:headEnd/>
+                    <a:tailEnd/>
+                  </a14:hiddenLine>
+                </a:ext>
+              </a:extLst>
+            </p:spPr>
+            <p:txBody>
+              <a:bodyPr vert="horz" wrap="square" lIns="91440" tIns="45720" rIns="91440" bIns="45720" numCol="1" anchor="t" anchorCtr="0" compatLnSpc="1">
+                <a:prstTxWarp prst="textNoShape">
+                  <a:avLst/>
+                </a:prstTxWarp>
+              </a:bodyPr>
+              <a:lstStyle/>
+              <a:p>
+                <a:endParaRPr lang="zh-CN" altLang="en-US"/>
+              </a:p>
+            </p:txBody>
+          </p:sp>
+          <p:sp>
+            <p:nvSpPr>
+              <p:cNvPr id="32" name="Freeform 2202"/>
+              <p:cNvSpPr>
+                <a:spLocks noEditPoints="1"/>
+              </p:cNvSpPr>
+              <p:nvPr/>
+            </p:nvSpPr>
+            <p:spPr bwMode="auto">
+              <a:xfrm>
+                <a:off x="5353050" y="3688902"/>
+                <a:ext cx="693738" cy="458788"/>
+              </a:xfrm>
+              <a:custGeom>
+                <a:avLst/>
+                <a:gdLst>
+                  <a:gd name="T0" fmla="*/ 365 w 365"/>
+                  <a:gd name="T1" fmla="*/ 115 h 241"/>
+                  <a:gd name="T2" fmla="*/ 358 w 365"/>
+                  <a:gd name="T3" fmla="*/ 29 h 241"/>
+                  <a:gd name="T4" fmla="*/ 354 w 365"/>
+                  <a:gd name="T5" fmla="*/ 30 h 241"/>
+                  <a:gd name="T6" fmla="*/ 321 w 365"/>
+                  <a:gd name="T7" fmla="*/ 40 h 241"/>
+                  <a:gd name="T8" fmla="*/ 311 w 365"/>
+                  <a:gd name="T9" fmla="*/ 29 h 241"/>
+                  <a:gd name="T10" fmla="*/ 216 w 365"/>
+                  <a:gd name="T11" fmla="*/ 22 h 241"/>
+                  <a:gd name="T12" fmla="*/ 151 w 365"/>
+                  <a:gd name="T13" fmla="*/ 43 h 241"/>
+                  <a:gd name="T14" fmla="*/ 68 w 365"/>
+                  <a:gd name="T15" fmla="*/ 69 h 241"/>
+                  <a:gd name="T16" fmla="*/ 27 w 365"/>
+                  <a:gd name="T17" fmla="*/ 66 h 241"/>
+                  <a:gd name="T18" fmla="*/ 2 w 365"/>
+                  <a:gd name="T19" fmla="*/ 85 h 241"/>
+                  <a:gd name="T20" fmla="*/ 14 w 365"/>
+                  <a:gd name="T21" fmla="*/ 90 h 241"/>
+                  <a:gd name="T22" fmla="*/ 38 w 365"/>
+                  <a:gd name="T23" fmla="*/ 86 h 241"/>
+                  <a:gd name="T24" fmla="*/ 46 w 365"/>
+                  <a:gd name="T25" fmla="*/ 101 h 241"/>
+                  <a:gd name="T26" fmla="*/ 80 w 365"/>
+                  <a:gd name="T27" fmla="*/ 106 h 241"/>
+                  <a:gd name="T28" fmla="*/ 182 w 365"/>
+                  <a:gd name="T29" fmla="*/ 82 h 241"/>
+                  <a:gd name="T30" fmla="*/ 182 w 365"/>
+                  <a:gd name="T31" fmla="*/ 241 h 241"/>
+                  <a:gd name="T32" fmla="*/ 325 w 365"/>
+                  <a:gd name="T33" fmla="*/ 239 h 241"/>
+                  <a:gd name="T34" fmla="*/ 325 w 365"/>
+                  <a:gd name="T35" fmla="*/ 189 h 241"/>
+                  <a:gd name="T36" fmla="*/ 350 w 365"/>
+                  <a:gd name="T37" fmla="*/ 171 h 241"/>
+                  <a:gd name="T38" fmla="*/ 357 w 365"/>
+                  <a:gd name="T39" fmla="*/ 140 h 241"/>
+                  <a:gd name="T40" fmla="*/ 356 w 365"/>
+                  <a:gd name="T41" fmla="*/ 119 h 241"/>
+                  <a:gd name="T42" fmla="*/ 362 w 365"/>
+                  <a:gd name="T43" fmla="*/ 116 h 241"/>
+                  <a:gd name="T44" fmla="*/ 365 w 365"/>
+                  <a:gd name="T45" fmla="*/ 115 h 241"/>
+                  <a:gd name="T46" fmla="*/ 262 w 365"/>
+                  <a:gd name="T47" fmla="*/ 122 h 241"/>
+                  <a:gd name="T48" fmla="*/ 249 w 365"/>
+                  <a:gd name="T49" fmla="*/ 52 h 241"/>
+                  <a:gd name="T50" fmla="*/ 298 w 365"/>
+                  <a:gd name="T51" fmla="*/ 62 h 241"/>
+                  <a:gd name="T52" fmla="*/ 308 w 365"/>
+                  <a:gd name="T53" fmla="*/ 139 h 241"/>
+                  <a:gd name="T54" fmla="*/ 262 w 365"/>
+                  <a:gd name="T55" fmla="*/ 122 h 241"/>
+                  <a:gd name="T56" fmla="*/ 316 w 365"/>
+                  <a:gd name="T57" fmla="*/ 138 h 241"/>
+                  <a:gd name="T58" fmla="*/ 306 w 365"/>
+                  <a:gd name="T59" fmla="*/ 61 h 241"/>
+                  <a:gd name="T60" fmla="*/ 350 w 365"/>
+                  <a:gd name="T61" fmla="*/ 39 h 241"/>
+                  <a:gd name="T62" fmla="*/ 356 w 365"/>
+                  <a:gd name="T63" fmla="*/ 110 h 241"/>
+                  <a:gd name="T64" fmla="*/ 316 w 365"/>
+                  <a:gd name="T65" fmla="*/ 138 h 241"/>
+                </a:gdLst>
+                <a:ahLst/>
+                <a:cxnLst>
+                  <a:cxn ang="0">
+                    <a:pos x="T0" y="T1"/>
+                  </a:cxn>
+                  <a:cxn ang="0">
+                    <a:pos x="T2" y="T3"/>
+                  </a:cxn>
+                  <a:cxn ang="0">
+                    <a:pos x="T4" y="T5"/>
+                  </a:cxn>
+                  <a:cxn ang="0">
+                    <a:pos x="T6" y="T7"/>
+                  </a:cxn>
+                  <a:cxn ang="0">
+                    <a:pos x="T8" y="T9"/>
+                  </a:cxn>
+                  <a:cxn ang="0">
+                    <a:pos x="T10" y="T11"/>
+                  </a:cxn>
+                  <a:cxn ang="0">
+                    <a:pos x="T12" y="T13"/>
+                  </a:cxn>
+                  <a:cxn ang="0">
+                    <a:pos x="T14" y="T15"/>
+                  </a:cxn>
+                  <a:cxn ang="0">
+                    <a:pos x="T16" y="T17"/>
+                  </a:cxn>
+                  <a:cxn ang="0">
+                    <a:pos x="T18" y="T19"/>
+                  </a:cxn>
+                  <a:cxn ang="0">
+                    <a:pos x="T20" y="T21"/>
+                  </a:cxn>
+                  <a:cxn ang="0">
+                    <a:pos x="T22" y="T23"/>
+                  </a:cxn>
+                  <a:cxn ang="0">
+                    <a:pos x="T24" y="T25"/>
+                  </a:cxn>
+                  <a:cxn ang="0">
+                    <a:pos x="T26" y="T27"/>
+                  </a:cxn>
+                  <a:cxn ang="0">
+                    <a:pos x="T28" y="T29"/>
+                  </a:cxn>
+                  <a:cxn ang="0">
+                    <a:pos x="T30" y="T31"/>
+                  </a:cxn>
+                  <a:cxn ang="0">
+                    <a:pos x="T32" y="T33"/>
+                  </a:cxn>
+                  <a:cxn ang="0">
+                    <a:pos x="T34" y="T35"/>
+                  </a:cxn>
+                  <a:cxn ang="0">
+                    <a:pos x="T36" y="T37"/>
+                  </a:cxn>
+                  <a:cxn ang="0">
+                    <a:pos x="T38" y="T39"/>
+                  </a:cxn>
+                  <a:cxn ang="0">
+                    <a:pos x="T40" y="T41"/>
+                  </a:cxn>
+                  <a:cxn ang="0">
+                    <a:pos x="T42" y="T43"/>
+                  </a:cxn>
+                  <a:cxn ang="0">
+                    <a:pos x="T44" y="T45"/>
+                  </a:cxn>
+                  <a:cxn ang="0">
+                    <a:pos x="T46" y="T47"/>
+                  </a:cxn>
+                  <a:cxn ang="0">
+                    <a:pos x="T48" y="T49"/>
+                  </a:cxn>
+                  <a:cxn ang="0">
+                    <a:pos x="T50" y="T51"/>
+                  </a:cxn>
+                  <a:cxn ang="0">
+                    <a:pos x="T52" y="T53"/>
+                  </a:cxn>
+                  <a:cxn ang="0">
+                    <a:pos x="T54" y="T55"/>
+                  </a:cxn>
+                  <a:cxn ang="0">
+                    <a:pos x="T56" y="T57"/>
+                  </a:cxn>
+                  <a:cxn ang="0">
+                    <a:pos x="T58" y="T59"/>
+                  </a:cxn>
+                  <a:cxn ang="0">
+                    <a:pos x="T60" y="T61"/>
+                  </a:cxn>
+                  <a:cxn ang="0">
+                    <a:pos x="T62" y="T63"/>
+                  </a:cxn>
+                  <a:cxn ang="0">
+                    <a:pos x="T64" y="T65"/>
+                  </a:cxn>
+                </a:cxnLst>
+                <a:rect l="0" t="0" r="r" b="b"/>
+                <a:pathLst>
+                  <a:path w="365" h="241">
+                    <a:moveTo>
+                      <a:pt x="365" y="115"/>
+                    </a:moveTo>
+                    <a:cubicBezTo>
+                      <a:pt x="358" y="29"/>
+                      <a:pt x="358" y="29"/>
+                      <a:pt x="358" y="29"/>
+                    </a:cubicBezTo>
+                    <a:cubicBezTo>
+                      <a:pt x="354" y="30"/>
+                      <a:pt x="354" y="30"/>
+                      <a:pt x="354" y="30"/>
+                    </a:cubicBezTo>
+                    <a:cubicBezTo>
+                      <a:pt x="353" y="30"/>
+                      <a:pt x="337" y="32"/>
+                      <a:pt x="321" y="40"/>
+                    </a:cubicBezTo>
+                    <a:cubicBezTo>
+                      <a:pt x="315" y="33"/>
+                      <a:pt x="311" y="30"/>
+                      <a:pt x="311" y="29"/>
+                    </a:cubicBezTo>
+                    <a:cubicBezTo>
+                      <a:pt x="281" y="0"/>
+                      <a:pt x="219" y="21"/>
+                      <a:pt x="216" y="22"/>
+                    </a:cubicBezTo>
+                    <a:cubicBezTo>
+                      <a:pt x="216" y="22"/>
+                      <a:pt x="184" y="32"/>
+                      <a:pt x="151" y="43"/>
+                    </a:cubicBezTo>
+                    <a:cubicBezTo>
+                      <a:pt x="115" y="55"/>
+                      <a:pt x="77" y="67"/>
+                      <a:pt x="68" y="69"/>
+                    </a:cubicBezTo>
+                    <a:cubicBezTo>
+                      <a:pt x="63" y="66"/>
+                      <a:pt x="49" y="57"/>
+                      <a:pt x="27" y="66"/>
+                    </a:cubicBezTo>
+                    <a:cubicBezTo>
+                      <a:pt x="9" y="73"/>
+                      <a:pt x="0" y="80"/>
+                      <a:pt x="2" y="85"/>
+                    </a:cubicBezTo>
+                    <a:cubicBezTo>
+                      <a:pt x="3" y="91"/>
+                      <a:pt x="12" y="90"/>
+                      <a:pt x="14" y="90"/>
+                    </a:cubicBezTo>
+                    <a:cubicBezTo>
+                      <a:pt x="14" y="90"/>
+                      <a:pt x="32" y="87"/>
+                      <a:pt x="38" y="86"/>
+                    </a:cubicBezTo>
+                    <a:cubicBezTo>
+                      <a:pt x="39" y="90"/>
+                      <a:pt x="40" y="96"/>
+                      <a:pt x="46" y="101"/>
+                    </a:cubicBezTo>
+                    <a:cubicBezTo>
+                      <a:pt x="53" y="107"/>
+                      <a:pt x="65" y="109"/>
+                      <a:pt x="80" y="106"/>
+                    </a:cubicBezTo>
+                    <a:cubicBezTo>
+                      <a:pt x="103" y="101"/>
+                      <a:pt x="164" y="86"/>
+                      <a:pt x="182" y="82"/>
+                    </a:cubicBezTo>
+                    <a:cubicBezTo>
+                      <a:pt x="182" y="92"/>
+                      <a:pt x="182" y="241"/>
+                      <a:pt x="182" y="241"/>
+                    </a:cubicBezTo>
+                    <a:cubicBezTo>
+                      <a:pt x="325" y="239"/>
+                      <a:pt x="325" y="239"/>
+                      <a:pt x="325" y="239"/>
+                    </a:cubicBezTo>
+                    <a:cubicBezTo>
+                      <a:pt x="325" y="239"/>
+                      <a:pt x="325" y="195"/>
+                      <a:pt x="325" y="189"/>
+                    </a:cubicBezTo>
+                    <a:cubicBezTo>
+                      <a:pt x="336" y="186"/>
+                      <a:pt x="345" y="181"/>
+                      <a:pt x="350" y="171"/>
+                    </a:cubicBezTo>
+                    <a:cubicBezTo>
+                      <a:pt x="356" y="162"/>
+                      <a:pt x="357" y="151"/>
+                      <a:pt x="357" y="140"/>
+                    </a:cubicBezTo>
+                    <a:cubicBezTo>
+                      <a:pt x="357" y="133"/>
+                      <a:pt x="357" y="125"/>
+                      <a:pt x="356" y="119"/>
+                    </a:cubicBezTo>
+                    <a:cubicBezTo>
+                      <a:pt x="358" y="118"/>
+                      <a:pt x="360" y="117"/>
+                      <a:pt x="362" y="116"/>
+                    </a:cubicBezTo>
+                    <a:lnTo>
+                      <a:pt x="365" y="115"/>
+                    </a:lnTo>
+                    <a:close/>
+                    <a:moveTo>
+                      <a:pt x="262" y="122"/>
+                    </a:moveTo>
+                    <a:cubicBezTo>
+                      <a:pt x="261" y="117"/>
+                      <a:pt x="250" y="60"/>
+                      <a:pt x="249" y="52"/>
+                    </a:cubicBezTo>
+                    <a:cubicBezTo>
+                      <a:pt x="258" y="52"/>
+                      <a:pt x="280" y="52"/>
+                      <a:pt x="298" y="62"/>
+                    </a:cubicBezTo>
+                    <a:cubicBezTo>
+                      <a:pt x="308" y="139"/>
+                      <a:pt x="308" y="139"/>
+                      <a:pt x="308" y="139"/>
+                    </a:cubicBezTo>
+                    <a:cubicBezTo>
+                      <a:pt x="298" y="134"/>
+                      <a:pt x="281" y="125"/>
+                      <a:pt x="262" y="122"/>
+                    </a:cubicBezTo>
+                    <a:close/>
+                    <a:moveTo>
+                      <a:pt x="316" y="138"/>
+                    </a:moveTo>
+                    <a:cubicBezTo>
+                      <a:pt x="306" y="61"/>
+                      <a:pt x="306" y="61"/>
+                      <a:pt x="306" y="61"/>
+                    </a:cubicBezTo>
+                    <a:cubicBezTo>
+                      <a:pt x="320" y="47"/>
+                      <a:pt x="342" y="41"/>
+                      <a:pt x="350" y="39"/>
+                    </a:cubicBezTo>
+                    <a:cubicBezTo>
+                      <a:pt x="351" y="47"/>
+                      <a:pt x="356" y="105"/>
+                      <a:pt x="356" y="110"/>
+                    </a:cubicBezTo>
+                    <a:cubicBezTo>
+                      <a:pt x="339" y="117"/>
+                      <a:pt x="324" y="131"/>
+                      <a:pt x="316" y="138"/>
+                    </a:cubicBezTo>
+                    <a:close/>
+                  </a:path>
+                </a:pathLst>
+              </a:custGeom>
+              <a:solidFill>
+                <a:srgbClr val="000000"/>
+              </a:solidFill>
+              <a:ln>
+                <a:noFill/>
+              </a:ln>
+              <a:extLst>
+                <a:ext uri="{91240B29-F687-4F45-9708-019B960494DF}">
+                  <a14:hiddenLine xmlns:a14="http://schemas.microsoft.com/office/drawing/2010/main" w="9525">
+                    <a:solidFill>
+                      <a:srgbClr val="000000"/>
+                    </a:solidFill>
+                    <a:round/>
+                    <a:headEnd/>
+                    <a:tailEnd/>
+                  </a14:hiddenLine>
+                </a:ext>
+              </a:extLst>
+            </p:spPr>
+            <p:txBody>
+              <a:bodyPr vert="horz" wrap="square" lIns="91440" tIns="45720" rIns="91440" bIns="45720" numCol="1" anchor="t" anchorCtr="0" compatLnSpc="1">
+                <a:prstTxWarp prst="textNoShape">
+                  <a:avLst/>
+                </a:prstTxWarp>
+              </a:bodyPr>
+              <a:lstStyle/>
+              <a:p>
+                <a:endParaRPr lang="zh-CN" altLang="en-US"/>
+              </a:p>
+            </p:txBody>
+          </p:sp>
+        </p:grpSp>
+      </p:grpSp>
+      <p:pic>
+        <p:nvPicPr>
+          <p:cNvPr id="1026" name="Picture 2" descr="bio"/>
+          <p:cNvPicPr>
+            <a:picLocks noChangeAspect="1" noChangeArrowheads="1"/>
+          </p:cNvPicPr>
+          <p:nvPr/>
+        </p:nvPicPr>
+        <p:blipFill>
+          <a:blip r:embed="rId3">
+            <a:extLst>
+              <a:ext uri="{28A0092B-C50C-407E-A947-70E740481C1C}">
+                <a14:useLocalDpi xmlns:a14="http://schemas.microsoft.com/office/drawing/2010/main" val="0"/>
+              </a:ext>
+            </a:extLst>
+          </a:blip>
+          <a:srcRect/>
+          <a:stretch>
+            <a:fillRect/>
+          </a:stretch>
+        </p:blipFill>
+        <p:spPr bwMode="auto">
+          <a:xfrm>
+            <a:off x="2915805" y="3140968"/>
+            <a:ext cx="5040000" cy="2866678"/>
+          </a:xfrm>
+          <a:prstGeom prst="rect">
+            <a:avLst/>
+          </a:prstGeom>
+          <a:ln>
+            <a:noFill/>
+          </a:ln>
+          <a:effectLst>
+            <a:outerShdw blurRad="292100" dist="139700" dir="2700000" algn="tl" rotWithShape="0">
+              <a:srgbClr val="333333">
+                <a:alpha val="65000"/>
+              </a:srgbClr>
+            </a:outerShdw>
+          </a:effectLst>
+          <a:extLst>
+            <a:ext uri="{909E8E84-426E-40DD-AFC4-6F175D3DCCD1}">
+              <a14:hiddenFill xmlns:a14="http://schemas.microsoft.com/office/drawing/2010/main">
+                <a:solidFill>
+                  <a:srgbClr val="FFFFFF"/>
+                </a:solidFill>
+              </a14:hiddenFill>
+            </a:ext>
+          </a:extLst>
+        </p:spPr>
+      </p:pic>
+      <p:pic>
+        <p:nvPicPr>
+          <p:cNvPr id="1028" name="Picture 4" descr="bio"/>
+          <p:cNvPicPr>
+            <a:picLocks noChangeAspect="1" noChangeArrowheads="1"/>
+          </p:cNvPicPr>
+          <p:nvPr/>
+        </p:nvPicPr>
+        <p:blipFill>
+          <a:blip r:embed="rId4">
+            <a:extLst>
+              <a:ext uri="{28A0092B-C50C-407E-A947-70E740481C1C}">
+                <a14:useLocalDpi xmlns:a14="http://schemas.microsoft.com/office/drawing/2010/main" val="0"/>
+              </a:ext>
+            </a:extLst>
+          </a:blip>
+          <a:srcRect/>
+          <a:stretch>
+            <a:fillRect/>
+          </a:stretch>
+        </p:blipFill>
+        <p:spPr bwMode="auto">
+          <a:xfrm>
+            <a:off x="3132469" y="3291779"/>
+            <a:ext cx="5040000" cy="2800000"/>
+          </a:xfrm>
+          <a:prstGeom prst="rect">
+            <a:avLst/>
+          </a:prstGeom>
+          <a:ln>
+            <a:noFill/>
+          </a:ln>
+          <a:effectLst>
+            <a:outerShdw blurRad="292100" dist="139700" dir="2700000" algn="tl" rotWithShape="0">
+              <a:srgbClr val="333333">
+                <a:alpha val="65000"/>
+              </a:srgbClr>
+            </a:outerShdw>
+          </a:effectLst>
+          <a:extLst>
+            <a:ext uri="{909E8E84-426E-40DD-AFC4-6F175D3DCCD1}">
+              <a14:hiddenFill xmlns:a14="http://schemas.microsoft.com/office/drawing/2010/main">
+                <a:solidFill>
+                  <a:srgbClr val="FFFFFF"/>
+                </a:solidFill>
+              </a14:hiddenFill>
+            </a:ext>
+          </a:extLst>
+        </p:spPr>
+      </p:pic>
+      <p:pic>
+        <p:nvPicPr>
+          <p:cNvPr id="1030" name="Picture 6" descr="bio"/>
+          <p:cNvPicPr>
+            <a:picLocks noChangeAspect="1" noChangeArrowheads="1"/>
+          </p:cNvPicPr>
+          <p:nvPr/>
+        </p:nvPicPr>
+        <p:blipFill>
+          <a:blip r:embed="rId5">
+            <a:extLst>
+              <a:ext uri="{28A0092B-C50C-407E-A947-70E740481C1C}">
+                <a14:useLocalDpi xmlns:a14="http://schemas.microsoft.com/office/drawing/2010/main" val="0"/>
+              </a:ext>
+            </a:extLst>
+          </a:blip>
+          <a:srcRect/>
+          <a:stretch>
+            <a:fillRect/>
+          </a:stretch>
+        </p:blipFill>
+        <p:spPr bwMode="auto">
+          <a:xfrm>
+            <a:off x="3347853" y="3433297"/>
+            <a:ext cx="5040000" cy="2832959"/>
+          </a:xfrm>
+          <a:prstGeom prst="rect">
+            <a:avLst/>
+          </a:prstGeom>
+          <a:ln>
+            <a:noFill/>
+          </a:ln>
+          <a:effectLst>
+            <a:outerShdw blurRad="292100" dist="139700" dir="2700000" algn="tl" rotWithShape="0">
+              <a:srgbClr val="333333">
+                <a:alpha val="65000"/>
+              </a:srgbClr>
+            </a:outerShdw>
+          </a:effectLst>
+          <a:extLst>
+            <a:ext uri="{909E8E84-426E-40DD-AFC4-6F175D3DCCD1}">
+              <a14:hiddenFill xmlns:a14="http://schemas.microsoft.com/office/drawing/2010/main">
+                <a:solidFill>
+                  <a:srgbClr val="FFFFFF"/>
+                </a:solidFill>
+              </a14:hiddenFill>
+            </a:ext>
+          </a:extLst>
+        </p:spPr>
+      </p:pic>
+      <p:pic>
+        <p:nvPicPr>
+          <p:cNvPr id="1032" name="Picture 8" descr="bio"/>
+          <p:cNvPicPr>
+            <a:picLocks noChangeAspect="1" noChangeArrowheads="1"/>
+          </p:cNvPicPr>
+          <p:nvPr/>
+        </p:nvPicPr>
+        <p:blipFill>
+          <a:blip r:embed="rId6">
+            <a:extLst>
+              <a:ext uri="{28A0092B-C50C-407E-A947-70E740481C1C}">
+                <a14:useLocalDpi xmlns:a14="http://schemas.microsoft.com/office/drawing/2010/main" val="0"/>
+              </a:ext>
+            </a:extLst>
+          </a:blip>
+          <a:srcRect/>
+          <a:stretch>
+            <a:fillRect/>
+          </a:stretch>
+        </p:blipFill>
+        <p:spPr bwMode="auto">
+          <a:xfrm>
+            <a:off x="3564517" y="3580800"/>
+            <a:ext cx="5040000" cy="2866678"/>
+          </a:xfrm>
+          <a:prstGeom prst="rect">
+            <a:avLst/>
+          </a:prstGeom>
+          <a:ln>
+            <a:noFill/>
+          </a:ln>
+          <a:effectLst>
+            <a:outerShdw blurRad="292100" dist="139700" dir="2700000" algn="tl" rotWithShape="0">
+              <a:srgbClr val="333333">
+                <a:alpha val="65000"/>
+              </a:srgbClr>
+            </a:outerShdw>
+          </a:effectLst>
+          <a:extLst>
+            <a:ext uri="{909E8E84-426E-40DD-AFC4-6F175D3DCCD1}">
+              <a14:hiddenFill xmlns:a14="http://schemas.microsoft.com/office/drawing/2010/main">
+                <a:solidFill>
+                  <a:srgbClr val="FFFFFF"/>
+                </a:solidFill>
+              </a14:hiddenFill>
+            </a:ext>
+          </a:extLst>
+        </p:spPr>
+      </p:pic>
+      <p:pic>
+        <p:nvPicPr>
+          <p:cNvPr id="1034" name="Picture 10" descr="bio"/>
+          <p:cNvPicPr>
+            <a:picLocks noChangeAspect="1" noChangeArrowheads="1"/>
+          </p:cNvPicPr>
+          <p:nvPr/>
+        </p:nvPicPr>
+        <p:blipFill>
+          <a:blip r:embed="rId7">
+            <a:extLst>
+              <a:ext uri="{28A0092B-C50C-407E-A947-70E740481C1C}">
+                <a14:useLocalDpi xmlns:a14="http://schemas.microsoft.com/office/drawing/2010/main" val="0"/>
+              </a:ext>
+            </a:extLst>
+          </a:blip>
+          <a:srcRect/>
+          <a:stretch>
+            <a:fillRect/>
+          </a:stretch>
+        </p:blipFill>
+        <p:spPr bwMode="auto">
+          <a:xfrm>
+            <a:off x="3780472" y="3748681"/>
+            <a:ext cx="5040000" cy="2866678"/>
+          </a:xfrm>
+          <a:prstGeom prst="rect">
+            <a:avLst/>
+          </a:prstGeom>
+          <a:ln>
+            <a:noFill/>
+          </a:ln>
+          <a:effectLst>
+            <a:outerShdw blurRad="292100" dist="139700" dir="2700000" algn="tl" rotWithShape="0">
+              <a:srgbClr val="333333">
+                <a:alpha val="65000"/>
+              </a:srgbClr>
+            </a:outerShdw>
+          </a:effectLst>
+          <a:extLst>
+            <a:ext uri="{909E8E84-426E-40DD-AFC4-6F175D3DCCD1}">
+              <a14:hiddenFill xmlns:a14="http://schemas.microsoft.com/office/drawing/2010/main">
+                <a:solidFill>
+                  <a:srgbClr val="FFFFFF"/>
+                </a:solidFill>
+              </a14:hiddenFill>
+            </a:ext>
+          </a:extLst>
+        </p:spPr>
+      </p:pic>
     </p:spTree>
     <p:extLst>
       <p:ext uri="{BB962C8B-B14F-4D97-AF65-F5344CB8AC3E}">
@@ -38842,6 +44757,13 @@
   <p:clrMapOvr>
     <a:masterClrMapping/>
   </p:clrMapOvr>
+  <p:timing>
+    <p:tnLst>
+      <p:par>
+        <p:cTn id="1" dur="indefinite" restart="never" nodeType="tmRoot"/>
+      </p:par>
+    </p:tnLst>
+  </p:timing>
 </p:sld>
 </file>
 
@@ -38879,7 +44801,11 @@
           <a:p>
             <a:r>
               <a:rPr lang="en-US" altLang="zh-CN" dirty="0" smtClean="0"/>
-              <a:t>Selector</a:t>
+              <a:t>Java IO</a:t>
+            </a:r>
+            <a:r>
+              <a:rPr lang="zh-CN" altLang="en-US" dirty="0" smtClean="0"/>
+              <a:t>模型的实现</a:t>
             </a:r>
             <a:endParaRPr lang="zh-CN" altLang="en-US" dirty="0"/>
           </a:p>
@@ -38902,31 +44828,57 @@
           <a:p>
             <a:r>
               <a:rPr lang="en-US" altLang="zh-CN" dirty="0" smtClean="0"/>
-              <a:t>POSIX</a:t>
+              <a:t>BIO</a:t>
             </a:r>
             <a:r>
               <a:rPr lang="zh-CN" altLang="en-US" dirty="0" smtClean="0"/>
-              <a:t>系统调用（</a:t>
+              <a:t>（</a:t>
             </a:r>
             <a:r>
               <a:rPr lang="en-US" altLang="zh-CN" dirty="0" smtClean="0"/>
-              <a:t>select</a:t>
+              <a:t>1.4 </a:t>
+            </a:r>
+            <a:r>
+              <a:rPr lang="en-US" altLang="zh-CN" dirty="0"/>
+              <a:t>before </a:t>
             </a:r>
             <a:r>
               <a:rPr lang="zh-CN" altLang="en-US" dirty="0" smtClean="0"/>
-              <a:t>、</a:t>
-            </a:r>
+              <a:t>）</a:t>
+            </a:r>
+            <a:endParaRPr lang="en-US" altLang="zh-CN" dirty="0" smtClean="0"/>
+          </a:p>
+          <a:p>
             <a:r>
               <a:rPr lang="en-US" altLang="zh-CN" dirty="0" smtClean="0"/>
-              <a:t>poll</a:t>
+              <a:t>NIO</a:t>
             </a:r>
             <a:r>
               <a:rPr lang="zh-CN" altLang="en-US" dirty="0" smtClean="0"/>
-              <a:t>、</a:t>
-            </a:r>
-            <a:r>
-              <a:rPr lang="en-US" altLang="zh-CN" dirty="0" err="1" smtClean="0"/>
-              <a:t>epool</a:t>
+              <a:t>（</a:t>
+            </a:r>
+            <a:r>
+              <a:rPr lang="en-US" altLang="zh-CN" dirty="0" smtClean="0"/>
+              <a:t>1.4 later</a:t>
+            </a:r>
+            <a:r>
+              <a:rPr lang="zh-CN" altLang="en-US" dirty="0" smtClean="0"/>
+              <a:t>）</a:t>
+            </a:r>
+            <a:endParaRPr lang="en-US" altLang="zh-CN" dirty="0" smtClean="0"/>
+          </a:p>
+          <a:p>
+            <a:r>
+              <a:rPr lang="en-US" altLang="zh-CN" dirty="0" smtClean="0"/>
+              <a:t>AIO</a:t>
+            </a:r>
+            <a:r>
+              <a:rPr lang="zh-CN" altLang="en-US" dirty="0" smtClean="0"/>
+              <a:t>（</a:t>
+            </a:r>
+            <a:r>
+              <a:rPr lang="en-US" altLang="zh-CN" dirty="0" smtClean="0"/>
+              <a:t>1.7 later</a:t>
             </a:r>
             <a:r>
               <a:rPr lang="zh-CN" altLang="en-US" dirty="0" smtClean="0"/>
@@ -38939,20 +44891,13 @@
     </p:spTree>
     <p:extLst>
       <p:ext uri="{BB962C8B-B14F-4D97-AF65-F5344CB8AC3E}">
-        <p14:creationId xmlns:p14="http://schemas.microsoft.com/office/powerpoint/2010/main" val="3777469752"/>
+        <p14:creationId xmlns:p14="http://schemas.microsoft.com/office/powerpoint/2010/main" val="1027888663"/>
       </p:ext>
     </p:extLst>
   </p:cSld>
   <p:clrMapOvr>
     <a:masterClrMapping/>
   </p:clrMapOvr>
-  <p:timing>
-    <p:tnLst>
-      <p:par>
-        <p:cTn id="1" dur="indefinite" restart="never" nodeType="tmRoot"/>
-      </p:par>
-    </p:tnLst>
-  </p:timing>
 </p:sld>
 </file>
 
@@ -38988,6 +44933,14 @@
           <a:bodyPr/>
           <a:lstStyle/>
           <a:p>
+            <a:r>
+              <a:rPr lang="en-US" altLang="zh-CN" dirty="0" smtClean="0"/>
+              <a:t>IO</a:t>
+            </a:r>
+            <a:r>
+              <a:rPr lang="zh-CN" altLang="en-US" dirty="0" smtClean="0"/>
+              <a:t>多路复用</a:t>
+            </a:r>
             <a:endParaRPr lang="zh-CN" altLang="en-US" dirty="0"/>
           </a:p>
         </p:txBody>
@@ -39008,8 +44961,43 @@
           <a:lstStyle/>
           <a:p>
             <a:r>
+              <a:rPr lang="en-US" altLang="zh-CN" dirty="0" smtClean="0"/>
+              <a:t>POSIX</a:t>
+            </a:r>
+            <a:r>
               <a:rPr lang="zh-CN" altLang="en-US" dirty="0" smtClean="0"/>
-              <a:t>键管理</a:t>
+              <a:t>系统调用（</a:t>
+            </a:r>
+            <a:r>
+              <a:rPr lang="en-US" altLang="zh-CN" dirty="0" smtClean="0"/>
+              <a:t>select</a:t>
+            </a:r>
+            <a:r>
+              <a:rPr lang="zh-CN" altLang="en-US" dirty="0" smtClean="0"/>
+              <a:t>、</a:t>
+            </a:r>
+            <a:r>
+              <a:rPr lang="en-US" altLang="zh-CN" dirty="0" smtClean="0"/>
+              <a:t>poll</a:t>
+            </a:r>
+            <a:r>
+              <a:rPr lang="zh-CN" altLang="en-US" dirty="0" smtClean="0"/>
+              <a:t>、</a:t>
+            </a:r>
+            <a:r>
+              <a:rPr lang="en-US" altLang="zh-CN" dirty="0" err="1" smtClean="0"/>
+              <a:t>epool</a:t>
+            </a:r>
+            <a:r>
+              <a:rPr lang="zh-CN" altLang="en-US" dirty="0" smtClean="0"/>
+              <a:t>）</a:t>
+            </a:r>
+            <a:endParaRPr lang="en-US" altLang="zh-CN" dirty="0" smtClean="0"/>
+          </a:p>
+          <a:p>
+            <a:r>
+              <a:rPr lang="zh-CN" altLang="en-US" dirty="0" smtClean="0"/>
+              <a:t>水平触发、边缘触发</a:t>
             </a:r>
             <a:endParaRPr lang="zh-CN" altLang="en-US" dirty="0"/>
           </a:p>
@@ -39018,13 +45006,20 @@
     </p:spTree>
     <p:extLst>
       <p:ext uri="{BB962C8B-B14F-4D97-AF65-F5344CB8AC3E}">
-        <p14:creationId xmlns:p14="http://schemas.microsoft.com/office/powerpoint/2010/main" val="1430773946"/>
+        <p14:creationId xmlns:p14="http://schemas.microsoft.com/office/powerpoint/2010/main" val="3777469752"/>
       </p:ext>
     </p:extLst>
   </p:cSld>
   <p:clrMapOvr>
     <a:masterClrMapping/>
   </p:clrMapOvr>
+  <p:timing>
+    <p:tnLst>
+      <p:par>
+        <p:cTn id="1" dur="indefinite" restart="never" nodeType="tmRoot"/>
+      </p:par>
+    </p:tnLst>
+  </p:timing>
 </p:sld>
 </file>
 
@@ -39061,12 +45056,12 @@
           <a:lstStyle/>
           <a:p>
             <a:r>
+              <a:rPr lang="en-US" altLang="zh-CN" dirty="0" smtClean="0"/>
+              <a:t>Reactor</a:t>
+            </a:r>
+            <a:r>
               <a:rPr lang="zh-CN" altLang="en-US" dirty="0" smtClean="0"/>
-              <a:t>停止</a:t>
-            </a:r>
-            <a:r>
-              <a:rPr lang="en-US" altLang="zh-CN" dirty="0" smtClean="0"/>
-              <a:t>Selector</a:t>
+              <a:t>模式</a:t>
             </a:r>
             <a:endParaRPr lang="zh-CN" altLang="en-US" dirty="0"/>
           </a:p>
@@ -39088,49 +45083,266 @@
           <a:lstStyle/>
           <a:p>
             <a:r>
+              <a:rPr lang="en-US" altLang="zh-CN" dirty="0" err="1" smtClean="0"/>
+              <a:t>Netty</a:t>
+            </a:r>
+            <a:r>
               <a:rPr lang="zh-CN" altLang="en-US" dirty="0" smtClean="0"/>
-              <a:t>优雅唤醒</a:t>
+              <a:t>的网络</a:t>
             </a:r>
             <a:r>
               <a:rPr lang="en-US" altLang="zh-CN" dirty="0" smtClean="0"/>
-              <a:t>wakeup()</a:t>
-            </a:r>
+              <a:t>IO</a:t>
+            </a:r>
+            <a:r>
+              <a:rPr lang="zh-CN" altLang="en-US" dirty="0" smtClean="0"/>
+              <a:t>模型</a:t>
+            </a:r>
+            <a:endParaRPr lang="en-US" altLang="zh-CN" dirty="0" smtClean="0"/>
           </a:p>
           <a:p>
             <a:r>
               <a:rPr lang="en-US" altLang="zh-CN" dirty="0" smtClean="0"/>
-              <a:t>Close()</a:t>
-            </a:r>
-          </a:p>
-          <a:p>
+              <a:t>Kafka</a:t>
+            </a:r>
             <a:r>
               <a:rPr lang="zh-CN" altLang="en-US" dirty="0" smtClean="0"/>
-              <a:t>暴力停止</a:t>
+              <a:t>的网络层</a:t>
             </a:r>
             <a:r>
               <a:rPr lang="en-US" altLang="zh-CN" dirty="0" smtClean="0"/>
-              <a:t>interrupt()</a:t>
-            </a:r>
-          </a:p>
-          <a:p>
+              <a:t>IO</a:t>
+            </a:r>
             <a:r>
               <a:rPr lang="zh-CN" altLang="en-US" dirty="0" smtClean="0"/>
-              <a:t>与通道不同</a:t>
+              <a:t>模型</a:t>
             </a:r>
             <a:endParaRPr lang="zh-CN" altLang="en-US" dirty="0"/>
           </a:p>
         </p:txBody>
       </p:sp>
+      <p:pic>
+        <p:nvPicPr>
+          <p:cNvPr id="3074" name="Picture 2" descr="http://img.blog.csdn.net/20160110130714694?watermark/2/text/aHR0cDovL2Jsb2cuY3Nkbi5uZXQv/font/5a6L5L2T/fontsize/400/fill/I0JBQkFCMA==/dissolve/70/gravity/Center"/>
+          <p:cNvPicPr>
+            <a:picLocks noChangeAspect="1" noChangeArrowheads="1"/>
+          </p:cNvPicPr>
+          <p:nvPr/>
+        </p:nvPicPr>
+        <p:blipFill>
+          <a:blip r:embed="rId2" cstate="print">
+            <a:extLst>
+              <a:ext uri="{28A0092B-C50C-407E-A947-70E740481C1C}">
+                <a14:useLocalDpi xmlns:a14="http://schemas.microsoft.com/office/drawing/2010/main" val="0"/>
+              </a:ext>
+            </a:extLst>
+          </a:blip>
+          <a:srcRect/>
+          <a:stretch>
+            <a:fillRect/>
+          </a:stretch>
+        </p:blipFill>
+        <p:spPr bwMode="auto">
+          <a:xfrm>
+            <a:off x="9026600" y="5157192"/>
+            <a:ext cx="2650462" cy="1152128"/>
+          </a:xfrm>
+          <a:prstGeom prst="rect">
+            <a:avLst/>
+          </a:prstGeom>
+          <a:noFill/>
+          <a:extLst>
+            <a:ext uri="{909E8E84-426E-40DD-AFC4-6F175D3DCCD1}">
+              <a14:hiddenFill xmlns:a14="http://schemas.microsoft.com/office/drawing/2010/main">
+                <a:solidFill>
+                  <a:srgbClr val="FFFFFF"/>
+                </a:solidFill>
+              </a14:hiddenFill>
+            </a:ext>
+          </a:extLst>
+        </p:spPr>
+      </p:pic>
+      <p:pic>
+        <p:nvPicPr>
+          <p:cNvPr id="3076" name="Picture 4" descr="http://img.blog.csdn.net/20160110130402226?watermark/2/text/aHR0cDovL2Jsb2cuY3Nkbi5uZXQv/font/5a6L5L2T/fontsize/400/fill/I0JBQkFCMA==/dissolve/70/gravity/Center"/>
+          <p:cNvPicPr>
+            <a:picLocks noChangeAspect="1" noChangeArrowheads="1"/>
+          </p:cNvPicPr>
+          <p:nvPr/>
+        </p:nvPicPr>
+        <p:blipFill>
+          <a:blip r:embed="rId3" cstate="print">
+            <a:extLst>
+              <a:ext uri="{28A0092B-C50C-407E-A947-70E740481C1C}">
+                <a14:useLocalDpi xmlns:a14="http://schemas.microsoft.com/office/drawing/2010/main" val="0"/>
+              </a:ext>
+            </a:extLst>
+          </a:blip>
+          <a:srcRect/>
+          <a:stretch>
+            <a:fillRect/>
+          </a:stretch>
+        </p:blipFill>
+        <p:spPr bwMode="auto">
+          <a:xfrm>
+            <a:off x="8960557" y="3573016"/>
+            <a:ext cx="2782548" cy="1296144"/>
+          </a:xfrm>
+          <a:prstGeom prst="rect">
+            <a:avLst/>
+          </a:prstGeom>
+          <a:noFill/>
+          <a:extLst>
+            <a:ext uri="{909E8E84-426E-40DD-AFC4-6F175D3DCCD1}">
+              <a14:hiddenFill xmlns:a14="http://schemas.microsoft.com/office/drawing/2010/main">
+                <a:solidFill>
+                  <a:srgbClr val="FFFFFF"/>
+                </a:solidFill>
+              </a14:hiddenFill>
+            </a:ext>
+          </a:extLst>
+        </p:spPr>
+      </p:pic>
+      <p:pic>
+        <p:nvPicPr>
+          <p:cNvPr id="3078" name="Picture 6" descr="http://images.cnitblog.com/blog/405877/201411/142330286789443.png"/>
+          <p:cNvPicPr>
+            <a:picLocks noChangeAspect="1" noChangeArrowheads="1"/>
+          </p:cNvPicPr>
+          <p:nvPr/>
+        </p:nvPicPr>
+        <p:blipFill>
+          <a:blip r:embed="rId4" cstate="print">
+            <a:extLst>
+              <a:ext uri="{28A0092B-C50C-407E-A947-70E740481C1C}">
+                <a14:useLocalDpi xmlns:a14="http://schemas.microsoft.com/office/drawing/2010/main" val="0"/>
+              </a:ext>
+            </a:extLst>
+          </a:blip>
+          <a:srcRect/>
+          <a:stretch>
+            <a:fillRect/>
+          </a:stretch>
+        </p:blipFill>
+        <p:spPr bwMode="auto">
+          <a:xfrm>
+            <a:off x="9070296" y="332656"/>
+            <a:ext cx="2563070" cy="1368152"/>
+          </a:xfrm>
+          <a:prstGeom prst="rect">
+            <a:avLst/>
+          </a:prstGeom>
+          <a:noFill/>
+          <a:extLst>
+            <a:ext uri="{909E8E84-426E-40DD-AFC4-6F175D3DCCD1}">
+              <a14:hiddenFill xmlns:a14="http://schemas.microsoft.com/office/drawing/2010/main">
+                <a:solidFill>
+                  <a:srgbClr val="FFFFFF"/>
+                </a:solidFill>
+              </a14:hiddenFill>
+            </a:ext>
+          </a:extLst>
+        </p:spPr>
+      </p:pic>
+      <p:pic>
+        <p:nvPicPr>
+          <p:cNvPr id="3080" name="Picture 8" descr="http://images.cnitblog.com/blog/405877/201411/142332004602984.png"/>
+          <p:cNvPicPr>
+            <a:picLocks noChangeAspect="1" noChangeArrowheads="1"/>
+          </p:cNvPicPr>
+          <p:nvPr/>
+        </p:nvPicPr>
+        <p:blipFill>
+          <a:blip r:embed="rId5" cstate="print">
+            <a:extLst>
+              <a:ext uri="{28A0092B-C50C-407E-A947-70E740481C1C}">
+                <a14:useLocalDpi xmlns:a14="http://schemas.microsoft.com/office/drawing/2010/main" val="0"/>
+              </a:ext>
+            </a:extLst>
+          </a:blip>
+          <a:srcRect/>
+          <a:stretch>
+            <a:fillRect/>
+          </a:stretch>
+        </p:blipFill>
+        <p:spPr bwMode="auto">
+          <a:xfrm>
+            <a:off x="9048939" y="1916832"/>
+            <a:ext cx="2702847" cy="1514972"/>
+          </a:xfrm>
+          <a:prstGeom prst="rect">
+            <a:avLst/>
+          </a:prstGeom>
+          <a:noFill/>
+          <a:extLst>
+            <a:ext uri="{909E8E84-426E-40DD-AFC4-6F175D3DCCD1}">
+              <a14:hiddenFill xmlns:a14="http://schemas.microsoft.com/office/drawing/2010/main">
+                <a:solidFill>
+                  <a:srgbClr val="FFFFFF"/>
+                </a:solidFill>
+              </a14:hiddenFill>
+            </a:ext>
+          </a:extLst>
+        </p:spPr>
+      </p:pic>
+      <p:pic>
+        <p:nvPicPr>
+          <p:cNvPr id="3082" name="Picture 10" descr="http://images.cnitblog.com/blog/405877/201411/142332187256396.png"/>
+          <p:cNvPicPr>
+            <a:picLocks noChangeAspect="1" noChangeArrowheads="1"/>
+          </p:cNvPicPr>
+          <p:nvPr/>
+        </p:nvPicPr>
+        <p:blipFill>
+          <a:blip r:embed="rId6" cstate="print">
+            <a:extLst>
+              <a:ext uri="{28A0092B-C50C-407E-A947-70E740481C1C}">
+                <a14:useLocalDpi xmlns:a14="http://schemas.microsoft.com/office/drawing/2010/main" val="0"/>
+              </a:ext>
+            </a:extLst>
+          </a:blip>
+          <a:srcRect/>
+          <a:stretch>
+            <a:fillRect/>
+          </a:stretch>
+        </p:blipFill>
+        <p:spPr bwMode="auto">
+          <a:xfrm>
+            <a:off x="5652120" y="3431804"/>
+            <a:ext cx="2901814" cy="1728192"/>
+          </a:xfrm>
+          <a:prstGeom prst="rect">
+            <a:avLst/>
+          </a:prstGeom>
+          <a:noFill/>
+          <a:extLst>
+            <a:ext uri="{909E8E84-426E-40DD-AFC4-6F175D3DCCD1}">
+              <a14:hiddenFill xmlns:a14="http://schemas.microsoft.com/office/drawing/2010/main">
+                <a:solidFill>
+                  <a:srgbClr val="FFFFFF"/>
+                </a:solidFill>
+              </a14:hiddenFill>
+            </a:ext>
+          </a:extLst>
+        </p:spPr>
+      </p:pic>
     </p:spTree>
     <p:extLst>
       <p:ext uri="{BB962C8B-B14F-4D97-AF65-F5344CB8AC3E}">
-        <p14:creationId xmlns:p14="http://schemas.microsoft.com/office/powerpoint/2010/main" val="1949254838"/>
+        <p14:creationId xmlns:p14="http://schemas.microsoft.com/office/powerpoint/2010/main" val="4196410315"/>
       </p:ext>
     </p:extLst>
   </p:cSld>
   <p:clrMapOvr>
     <a:masterClrMapping/>
   </p:clrMapOvr>
+  <p:timing>
+    <p:tnLst>
+      <p:par>
+        <p:cTn id="1" dur="indefinite" restart="never" nodeType="tmRoot"/>
+      </p:par>
+    </p:tnLst>
+  </p:timing>
 </p:sld>
 </file>
 
@@ -39168,11 +45380,7 @@
           <a:p>
             <a:r>
               <a:rPr lang="en-US" altLang="zh-CN" dirty="0" smtClean="0"/>
-              <a:t>Reactor</a:t>
-            </a:r>
-            <a:r>
-              <a:rPr lang="zh-CN" altLang="en-US" dirty="0" smtClean="0"/>
-              <a:t>模式</a:t>
+              <a:t>Selector</a:t>
             </a:r>
             <a:endParaRPr lang="zh-CN" altLang="en-US" dirty="0"/>
           </a:p>
@@ -39193,20 +45401,31 @@
           <a:bodyPr/>
           <a:lstStyle/>
           <a:p>
-            <a:endParaRPr lang="zh-CN" altLang="en-US"/>
+            <a:r>
+              <a:rPr lang="zh-CN" altLang="en-US" dirty="0" smtClean="0"/>
+              <a:t>键管理</a:t>
+            </a:r>
+            <a:endParaRPr lang="zh-CN" altLang="en-US" dirty="0"/>
           </a:p>
         </p:txBody>
       </p:sp>
     </p:spTree>
     <p:extLst>
       <p:ext uri="{BB962C8B-B14F-4D97-AF65-F5344CB8AC3E}">
-        <p14:creationId xmlns:p14="http://schemas.microsoft.com/office/powerpoint/2010/main" val="4196410315"/>
+        <p14:creationId xmlns:p14="http://schemas.microsoft.com/office/powerpoint/2010/main" val="1430773946"/>
       </p:ext>
     </p:extLst>
   </p:cSld>
   <p:clrMapOvr>
     <a:masterClrMapping/>
   </p:clrMapOvr>
+  <p:timing>
+    <p:tnLst>
+      <p:par>
+        <p:cTn id="1" dur="indefinite" restart="never" nodeType="tmRoot"/>
+      </p:par>
+    </p:tnLst>
+  </p:timing>
 </p:sld>
 </file>
 
@@ -39244,6 +45463,252 @@
           <a:p>
             <a:r>
               <a:rPr lang="zh-CN" altLang="en-US" dirty="0" smtClean="0"/>
+              <a:t>停止</a:t>
+            </a:r>
+            <a:r>
+              <a:rPr lang="en-US" altLang="zh-CN" dirty="0" smtClean="0"/>
+              <a:t>Selector</a:t>
+            </a:r>
+            <a:endParaRPr lang="zh-CN" altLang="en-US" dirty="0"/>
+          </a:p>
+        </p:txBody>
+      </p:sp>
+      <p:sp>
+        <p:nvSpPr>
+          <p:cNvPr id="3" name="内容占位符 2"/>
+          <p:cNvSpPr>
+            <a:spLocks noGrp="1"/>
+          </p:cNvSpPr>
+          <p:nvPr>
+            <p:ph idx="1"/>
+          </p:nvPr>
+        </p:nvSpPr>
+        <p:spPr/>
+        <p:txBody>
+          <a:bodyPr/>
+          <a:lstStyle/>
+          <a:p>
+            <a:r>
+              <a:rPr lang="zh-CN" altLang="en-US" dirty="0" smtClean="0"/>
+              <a:t>优雅唤醒</a:t>
+            </a:r>
+            <a:r>
+              <a:rPr lang="en-US" altLang="zh-CN" dirty="0" smtClean="0"/>
+              <a:t>wakeup()</a:t>
+            </a:r>
+          </a:p>
+          <a:p>
+            <a:r>
+              <a:rPr lang="en-US" altLang="zh-CN" dirty="0" smtClean="0"/>
+              <a:t>Close()</a:t>
+            </a:r>
+          </a:p>
+          <a:p>
+            <a:r>
+              <a:rPr lang="zh-CN" altLang="en-US" dirty="0" smtClean="0"/>
+              <a:t>暴力停止</a:t>
+            </a:r>
+            <a:r>
+              <a:rPr lang="en-US" altLang="zh-CN" dirty="0" smtClean="0"/>
+              <a:t>interrupt()</a:t>
+            </a:r>
+          </a:p>
+          <a:p>
+            <a:r>
+              <a:rPr lang="zh-CN" altLang="en-US" dirty="0" smtClean="0"/>
+              <a:t>与通道不同</a:t>
+            </a:r>
+            <a:endParaRPr lang="zh-CN" altLang="en-US" dirty="0"/>
+          </a:p>
+        </p:txBody>
+      </p:sp>
+    </p:spTree>
+    <p:extLst>
+      <p:ext uri="{BB962C8B-B14F-4D97-AF65-F5344CB8AC3E}">
+        <p14:creationId xmlns:p14="http://schemas.microsoft.com/office/powerpoint/2010/main" val="1949254838"/>
+      </p:ext>
+    </p:extLst>
+  </p:cSld>
+  <p:clrMapOvr>
+    <a:masterClrMapping/>
+  </p:clrMapOvr>
+</p:sld>
+</file>
+
+<file path=ppt/slides/slide47.xml><?xml version="1.0" encoding="utf-8"?>
+<p:sld xmlns:a="http://schemas.openxmlformats.org/drawingml/2006/main" xmlns:r="http://schemas.openxmlformats.org/officeDocument/2006/relationships" xmlns:p="http://schemas.openxmlformats.org/presentationml/2006/main">
+  <p:cSld>
+    <p:spTree>
+      <p:nvGrpSpPr>
+        <p:cNvPr id="1" name=""/>
+        <p:cNvGrpSpPr/>
+        <p:nvPr/>
+      </p:nvGrpSpPr>
+      <p:grpSpPr>
+        <a:xfrm>
+          <a:off x="0" y="0"/>
+          <a:ext cx="0" cy="0"/>
+          <a:chOff x="0" y="0"/>
+          <a:chExt cx="0" cy="0"/>
+        </a:xfrm>
+      </p:grpSpPr>
+      <p:sp>
+        <p:nvSpPr>
+          <p:cNvPr id="2" name="标题 1"/>
+          <p:cNvSpPr>
+            <a:spLocks noGrp="1"/>
+          </p:cNvSpPr>
+          <p:nvPr>
+            <p:ph type="title"/>
+          </p:nvPr>
+        </p:nvSpPr>
+        <p:spPr/>
+        <p:txBody>
+          <a:bodyPr/>
+          <a:lstStyle/>
+          <a:p>
+            <a:r>
+              <a:rPr lang="en-US" altLang="zh-CN" dirty="0" smtClean="0"/>
+              <a:t>Java AIO</a:t>
+            </a:r>
+            <a:endParaRPr lang="zh-CN" altLang="en-US" dirty="0"/>
+          </a:p>
+        </p:txBody>
+      </p:sp>
+      <p:sp>
+        <p:nvSpPr>
+          <p:cNvPr id="3" name="内容占位符 2"/>
+          <p:cNvSpPr>
+            <a:spLocks noGrp="1"/>
+          </p:cNvSpPr>
+          <p:nvPr>
+            <p:ph idx="1"/>
+          </p:nvPr>
+        </p:nvSpPr>
+        <p:spPr/>
+        <p:txBody>
+          <a:bodyPr/>
+          <a:lstStyle/>
+          <a:p>
+            <a:r>
+              <a:rPr lang="en-US" altLang="zh-CN" dirty="0" err="1"/>
+              <a:t>AsynchronousChannel</a:t>
+            </a:r>
+            <a:endParaRPr lang="zh-CN" altLang="en-US" dirty="0"/>
+          </a:p>
+        </p:txBody>
+      </p:sp>
+      <p:pic>
+        <p:nvPicPr>
+          <p:cNvPr id="2050" name="Picture 2"/>
+          <p:cNvPicPr>
+            <a:picLocks noChangeAspect="1" noChangeArrowheads="1"/>
+          </p:cNvPicPr>
+          <p:nvPr/>
+        </p:nvPicPr>
+        <p:blipFill>
+          <a:blip r:embed="rId3">
+            <a:extLst>
+              <a:ext uri="{28A0092B-C50C-407E-A947-70E740481C1C}">
+                <a14:useLocalDpi xmlns:a14="http://schemas.microsoft.com/office/drawing/2010/main" val="0"/>
+              </a:ext>
+            </a:extLst>
+          </a:blip>
+          <a:srcRect/>
+          <a:stretch>
+            <a:fillRect/>
+          </a:stretch>
+        </p:blipFill>
+        <p:spPr bwMode="auto">
+          <a:xfrm>
+            <a:off x="1691680" y="2204864"/>
+            <a:ext cx="4838700" cy="2828925"/>
+          </a:xfrm>
+          <a:prstGeom prst="rect">
+            <a:avLst/>
+          </a:prstGeom>
+          <a:noFill/>
+          <a:ln>
+            <a:noFill/>
+          </a:ln>
+          <a:effectLst/>
+          <a:extLst>
+            <a:ext uri="{909E8E84-426E-40DD-AFC4-6F175D3DCCD1}">
+              <a14:hiddenFill xmlns:a14="http://schemas.microsoft.com/office/drawing/2010/main">
+                <a:solidFill>
+                  <a:schemeClr val="accent1"/>
+                </a:solidFill>
+              </a14:hiddenFill>
+            </a:ext>
+            <a:ext uri="{91240B29-F687-4F45-9708-019B960494DF}">
+              <a14:hiddenLine xmlns:a14="http://schemas.microsoft.com/office/drawing/2010/main" w="9525">
+                <a:solidFill>
+                  <a:schemeClr val="tx1"/>
+                </a:solidFill>
+                <a:miter lim="800000"/>
+                <a:headEnd/>
+                <a:tailEnd/>
+              </a14:hiddenLine>
+            </a:ext>
+            <a:ext uri="{AF507438-7753-43E0-B8FC-AC1667EBCBE1}">
+              <a14:hiddenEffects xmlns:a14="http://schemas.microsoft.com/office/drawing/2010/main">
+                <a:effectLst>
+                  <a:outerShdw dist="35921" dir="2700000" algn="ctr" rotWithShape="0">
+                    <a:schemeClr val="bg2"/>
+                  </a:outerShdw>
+                </a:effectLst>
+              </a14:hiddenEffects>
+            </a:ext>
+          </a:extLst>
+        </p:spPr>
+      </p:pic>
+    </p:spTree>
+    <p:extLst>
+      <p:ext uri="{BB962C8B-B14F-4D97-AF65-F5344CB8AC3E}">
+        <p14:creationId xmlns:p14="http://schemas.microsoft.com/office/powerpoint/2010/main" val="2130843359"/>
+      </p:ext>
+    </p:extLst>
+  </p:cSld>
+  <p:clrMapOvr>
+    <a:masterClrMapping/>
+  </p:clrMapOvr>
+</p:sld>
+</file>
+
+<file path=ppt/slides/slide48.xml><?xml version="1.0" encoding="utf-8"?>
+<p:sld xmlns:a="http://schemas.openxmlformats.org/drawingml/2006/main" xmlns:r="http://schemas.openxmlformats.org/officeDocument/2006/relationships" xmlns:p="http://schemas.openxmlformats.org/presentationml/2006/main">
+  <p:cSld>
+    <p:spTree>
+      <p:nvGrpSpPr>
+        <p:cNvPr id="1" name=""/>
+        <p:cNvGrpSpPr/>
+        <p:nvPr/>
+      </p:nvGrpSpPr>
+      <p:grpSpPr>
+        <a:xfrm>
+          <a:off x="0" y="0"/>
+          <a:ext cx="0" cy="0"/>
+          <a:chOff x="0" y="0"/>
+          <a:chExt cx="0" cy="0"/>
+        </a:xfrm>
+      </p:grpSpPr>
+      <p:sp>
+        <p:nvSpPr>
+          <p:cNvPr id="2" name="标题 1"/>
+          <p:cNvSpPr>
+            <a:spLocks noGrp="1"/>
+          </p:cNvSpPr>
+          <p:nvPr>
+            <p:ph type="title"/>
+          </p:nvPr>
+        </p:nvSpPr>
+        <p:spPr/>
+        <p:txBody>
+          <a:bodyPr/>
+          <a:lstStyle/>
+          <a:p>
+            <a:r>
+              <a:rPr lang="zh-CN" altLang="en-US" dirty="0" smtClean="0"/>
               <a:t>参考文献</a:t>
             </a:r>
             <a:endParaRPr lang="zh-CN" altLang="en-US" dirty="0"/>
@@ -39337,7 +45802,7 @@
 </p:sld>
 </file>
 
-<file path=ppt/slides/slide47.xml><?xml version="1.0" encoding="utf-8"?>
+<file path=ppt/slides/slide49.xml><?xml version="1.0" encoding="utf-8"?>
 <p:sld xmlns:a="http://schemas.openxmlformats.org/drawingml/2006/main" xmlns:r="http://schemas.openxmlformats.org/officeDocument/2006/relationships" xmlns:p="http://schemas.openxmlformats.org/presentationml/2006/main">
   <p:cSld>
     <p:spTree>
